--- a/Working_Presentation.pptx
+++ b/Working_Presentation.pptx
@@ -8,11 +8,15 @@
     <p:sldId id="256" r:id="rId2"/>
     <p:sldId id="257" r:id="rId3"/>
     <p:sldId id="262" r:id="rId4"/>
-    <p:sldId id="259" r:id="rId5"/>
-    <p:sldId id="261" r:id="rId6"/>
-    <p:sldId id="260" r:id="rId7"/>
-    <p:sldId id="258" r:id="rId8"/>
-    <p:sldId id="263" r:id="rId9"/>
+    <p:sldId id="264" r:id="rId5"/>
+    <p:sldId id="259" r:id="rId6"/>
+    <p:sldId id="261" r:id="rId7"/>
+    <p:sldId id="260" r:id="rId8"/>
+    <p:sldId id="258" r:id="rId9"/>
+    <p:sldId id="263" r:id="rId10"/>
+    <p:sldId id="265" r:id="rId11"/>
+    <p:sldId id="266" r:id="rId12"/>
+    <p:sldId id="267" r:id="rId13"/>
   </p:sldIdLst>
   <p:sldSz cx="12192000" cy="6858000"/>
   <p:notesSz cx="6858000" cy="9144000"/>
@@ -111,6 +115,11 @@
       </a:defRPr>
     </a:lvl9pPr>
   </p:defaultTextStyle>
+  <p:extLst>
+    <p:ext uri="{EFAFB233-063F-42B5-8137-9DF3F51BA10A}">
+      <p15:sldGuideLst xmlns:p15="http://schemas.microsoft.com/office/powerpoint/2012/main"/>
+    </p:ext>
+  </p:extLst>
 </p:presentation>
 </file>
 
@@ -446,7 +455,7 @@
             <a:fld id="{B61BEF0D-F0BB-DE4B-95CE-6DB70DBA9567}" type="datetimeFigureOut">
               <a:rPr lang="en-US" dirty="0"/>
               <a:pPr/>
-              <a:t>7/1/2019</a:t>
+              <a:t>7/2/2019</a:t>
             </a:fld>
             <a:endParaRPr lang="en-US" dirty="0"/>
           </a:p>
@@ -767,7 +776,7 @@
             <a:fld id="{B61BEF0D-F0BB-DE4B-95CE-6DB70DBA9567}" type="datetimeFigureOut">
               <a:rPr lang="en-US" dirty="0"/>
               <a:pPr/>
-              <a:t>7/1/2019</a:t>
+              <a:t>7/2/2019</a:t>
             </a:fld>
             <a:endParaRPr lang="en-US" dirty="0"/>
           </a:p>
@@ -1012,7 +1021,7 @@
             <a:fld id="{B61BEF0D-F0BB-DE4B-95CE-6DB70DBA9567}" type="datetimeFigureOut">
               <a:rPr lang="en-US" dirty="0"/>
               <a:pPr/>
-              <a:t>7/1/2019</a:t>
+              <a:t>7/2/2019</a:t>
             </a:fld>
             <a:endParaRPr lang="en-US" dirty="0"/>
           </a:p>
@@ -1348,7 +1357,7 @@
             <a:fld id="{B61BEF0D-F0BB-DE4B-95CE-6DB70DBA9567}" type="datetimeFigureOut">
               <a:rPr lang="en-US" dirty="0"/>
               <a:pPr/>
-              <a:t>7/1/2019</a:t>
+              <a:t>7/2/2019</a:t>
             </a:fld>
             <a:endParaRPr lang="en-US" dirty="0"/>
           </a:p>
@@ -1692,7 +1701,7 @@
             <a:fld id="{B61BEF0D-F0BB-DE4B-95CE-6DB70DBA9567}" type="datetimeFigureOut">
               <a:rPr lang="en-US" dirty="0"/>
               <a:pPr/>
-              <a:t>7/1/2019</a:t>
+              <a:t>7/2/2019</a:t>
             </a:fld>
             <a:endParaRPr lang="en-US" dirty="0"/>
           </a:p>
@@ -2063,7 +2072,7 @@
             <a:fld id="{B61BEF0D-F0BB-DE4B-95CE-6DB70DBA9567}" type="datetimeFigureOut">
               <a:rPr lang="en-US" dirty="0"/>
               <a:pPr/>
-              <a:t>7/1/2019</a:t>
+              <a:t>7/2/2019</a:t>
             </a:fld>
             <a:endParaRPr lang="en-US" dirty="0"/>
           </a:p>
@@ -2530,7 +2539,7 @@
             <a:fld id="{B61BEF0D-F0BB-DE4B-95CE-6DB70DBA9567}" type="datetimeFigureOut">
               <a:rPr lang="en-US" dirty="0"/>
               <a:pPr/>
-              <a:t>7/1/2019</a:t>
+              <a:t>7/2/2019</a:t>
             </a:fld>
             <a:endParaRPr lang="en-US" dirty="0"/>
           </a:p>
@@ -2732,7 +2741,7 @@
             <a:fld id="{B61BEF0D-F0BB-DE4B-95CE-6DB70DBA9567}" type="datetimeFigureOut">
               <a:rPr lang="en-US" dirty="0"/>
               <a:pPr/>
-              <a:t>7/1/2019</a:t>
+              <a:t>7/2/2019</a:t>
             </a:fld>
             <a:endParaRPr lang="en-US" dirty="0"/>
           </a:p>
@@ -2940,7 +2949,7 @@
             <a:fld id="{B61BEF0D-F0BB-DE4B-95CE-6DB70DBA9567}" type="datetimeFigureOut">
               <a:rPr lang="en-US" dirty="0"/>
               <a:pPr/>
-              <a:t>7/1/2019</a:t>
+              <a:t>7/2/2019</a:t>
             </a:fld>
             <a:endParaRPr lang="en-US" dirty="0"/>
           </a:p>
@@ -3168,7 +3177,7 @@
           <a:p>
             <a:fld id="{52647F38-B617-4D2F-AE0A-013F0C4D2C57}" type="datetimeFigureOut">
               <a:rPr lang="en-US" dirty="0"/>
-              <a:t>7/1/2019</a:t>
+              <a:t>7/2/2019</a:t>
             </a:fld>
             <a:endParaRPr lang="en-US" dirty="0"/>
           </a:p>
@@ -3412,7 +3421,7 @@
             <a:fld id="{B61BEF0D-F0BB-DE4B-95CE-6DB70DBA9567}" type="datetimeFigureOut">
               <a:rPr lang="en-US" dirty="0"/>
               <a:pPr/>
-              <a:t>7/1/2019</a:t>
+              <a:t>7/2/2019</a:t>
             </a:fld>
             <a:endParaRPr lang="en-US" dirty="0"/>
           </a:p>
@@ -3706,7 +3715,7 @@
           <a:p>
             <a:fld id="{05BFA754-D5C3-4E66-96A6-867B257F58DC}" type="datetimeFigureOut">
               <a:rPr lang="en-US" dirty="0"/>
-              <a:t>7/1/2019</a:t>
+              <a:t>7/2/2019</a:t>
             </a:fld>
             <a:endParaRPr lang="en-US" dirty="0"/>
           </a:p>
@@ -4096,7 +4105,7 @@
             <a:fld id="{B61BEF0D-F0BB-DE4B-95CE-6DB70DBA9567}" type="datetimeFigureOut">
               <a:rPr lang="en-US" dirty="0"/>
               <a:pPr/>
-              <a:t>7/1/2019</a:t>
+              <a:t>7/2/2019</a:t>
             </a:fld>
             <a:endParaRPr lang="en-US" dirty="0"/>
           </a:p>
@@ -4242,7 +4251,7 @@
             <a:fld id="{B61BEF0D-F0BB-DE4B-95CE-6DB70DBA9567}" type="datetimeFigureOut">
               <a:rPr lang="en-US" dirty="0"/>
               <a:pPr/>
-              <a:t>7/1/2019</a:t>
+              <a:t>7/2/2019</a:t>
             </a:fld>
             <a:endParaRPr lang="en-US" dirty="0"/>
           </a:p>
@@ -4365,7 +4374,7 @@
             <a:fld id="{B61BEF0D-F0BB-DE4B-95CE-6DB70DBA9567}" type="datetimeFigureOut">
               <a:rPr lang="en-US" dirty="0"/>
               <a:pPr/>
-              <a:t>7/1/2019</a:t>
+              <a:t>7/2/2019</a:t>
             </a:fld>
             <a:endParaRPr lang="en-US" dirty="0"/>
           </a:p>
@@ -4617,7 +4626,7 @@
             <a:fld id="{B61BEF0D-F0BB-DE4B-95CE-6DB70DBA9567}" type="datetimeFigureOut">
               <a:rPr lang="en-US" dirty="0"/>
               <a:pPr/>
-              <a:t>7/1/2019</a:t>
+              <a:t>7/2/2019</a:t>
             </a:fld>
             <a:endParaRPr lang="en-US" dirty="0"/>
           </a:p>
@@ -4929,7 +4938,7 @@
             <a:fld id="{B61BEF0D-F0BB-DE4B-95CE-6DB70DBA9567}" type="datetimeFigureOut">
               <a:rPr lang="en-US" dirty="0"/>
               <a:pPr/>
-              <a:t>7/1/2019</a:t>
+              <a:t>7/2/2019</a:t>
             </a:fld>
             <a:endParaRPr lang="en-US" dirty="0"/>
           </a:p>
@@ -5277,7 +5286,7 @@
             <a:fld id="{B61BEF0D-F0BB-DE4B-95CE-6DB70DBA9567}" type="datetimeFigureOut">
               <a:rPr lang="en-US" dirty="0"/>
               <a:pPr/>
-              <a:t>7/1/2019</a:t>
+              <a:t>7/2/2019</a:t>
             </a:fld>
             <a:endParaRPr lang="en-US" dirty="0"/>
           </a:p>
@@ -5839,7 +5848,7 @@
           <a:p>
             <a:r>
               <a:rPr lang="en-US" dirty="0"/>
-              <a:t>The IQ’s 2018 Best State Choice</a:t>
+              <a:t>The IQ’s 2018 Best State for Employee</a:t>
             </a:r>
           </a:p>
         </p:txBody>
@@ -5884,6 +5893,330 @@
     <p:extLst>
       <p:ext uri="{BB962C8B-B14F-4D97-AF65-F5344CB8AC3E}">
         <p14:creationId xmlns:p14="http://schemas.microsoft.com/office/powerpoint/2010/main" val="3896973568"/>
+      </p:ext>
+    </p:extLst>
+  </p:cSld>
+  <p:clrMapOvr>
+    <a:masterClrMapping/>
+  </p:clrMapOvr>
+</p:sld>
+</file>
+
+<file path=ppt/slides/slide10.xml><?xml version="1.0" encoding="utf-8"?>
+<p:sld xmlns:a="http://schemas.openxmlformats.org/drawingml/2006/main" xmlns:r="http://schemas.openxmlformats.org/officeDocument/2006/relationships" xmlns:p="http://schemas.openxmlformats.org/presentationml/2006/main">
+  <p:cSld>
+    <p:spTree>
+      <p:nvGrpSpPr>
+        <p:cNvPr id="1" name=""/>
+        <p:cNvGrpSpPr/>
+        <p:nvPr/>
+      </p:nvGrpSpPr>
+      <p:grpSpPr>
+        <a:xfrm>
+          <a:off x="0" y="0"/>
+          <a:ext cx="0" cy="0"/>
+          <a:chOff x="0" y="0"/>
+          <a:chExt cx="0" cy="0"/>
+        </a:xfrm>
+      </p:grpSpPr>
+      <p:sp>
+        <p:nvSpPr>
+          <p:cNvPr id="2" name="Title 1">
+            <a:extLst>
+              <a:ext uri="{FF2B5EF4-FFF2-40B4-BE49-F238E27FC236}">
+                <a16:creationId xmlns:a16="http://schemas.microsoft.com/office/drawing/2014/main" id="{1917A588-6B43-4326-8CEE-B31FA8CC4FDB}"/>
+              </a:ext>
+            </a:extLst>
+          </p:cNvPr>
+          <p:cNvSpPr>
+            <a:spLocks noGrp="1"/>
+          </p:cNvSpPr>
+          <p:nvPr>
+            <p:ph type="title"/>
+          </p:nvPr>
+        </p:nvSpPr>
+        <p:spPr/>
+        <p:txBody>
+          <a:bodyPr/>
+          <a:lstStyle/>
+          <a:p>
+            <a:r>
+              <a:rPr lang="en-US" dirty="0"/>
+              <a:t>Unemployment &amp; Crime Rate - Catherine</a:t>
+            </a:r>
+          </a:p>
+        </p:txBody>
+      </p:sp>
+      <p:sp>
+        <p:nvSpPr>
+          <p:cNvPr id="3" name="Content Placeholder 2">
+            <a:extLst>
+              <a:ext uri="{FF2B5EF4-FFF2-40B4-BE49-F238E27FC236}">
+                <a16:creationId xmlns:a16="http://schemas.microsoft.com/office/drawing/2014/main" id="{F5BE9D4D-949C-4037-9F87-16CDE0EE0466}"/>
+              </a:ext>
+            </a:extLst>
+          </p:cNvPr>
+          <p:cNvSpPr>
+            <a:spLocks noGrp="1"/>
+          </p:cNvSpPr>
+          <p:nvPr>
+            <p:ph idx="1"/>
+          </p:nvPr>
+        </p:nvSpPr>
+        <p:spPr/>
+        <p:txBody>
+          <a:bodyPr/>
+          <a:lstStyle/>
+          <a:p>
+            <a:r>
+              <a:rPr lang="en-US" dirty="0"/>
+              <a:t>Lower </a:t>
+            </a:r>
+            <a:r>
+              <a:rPr lang="en-US" dirty="0">
+                <a:solidFill>
+                  <a:srgbClr val="FF0000"/>
+                </a:solidFill>
+              </a:rPr>
+              <a:t>unemployment</a:t>
+            </a:r>
+            <a:r>
+              <a:rPr lang="en-US" dirty="0"/>
+              <a:t> correlated to </a:t>
+            </a:r>
+            <a:r>
+              <a:rPr lang="en-US" dirty="0">
+                <a:solidFill>
+                  <a:srgbClr val="FF0000"/>
+                </a:solidFill>
+              </a:rPr>
+              <a:t>crime rate</a:t>
+            </a:r>
+            <a:r>
+              <a:rPr lang="en-US" dirty="0"/>
+              <a:t>?</a:t>
+            </a:r>
+          </a:p>
+          <a:p>
+            <a:r>
+              <a:rPr lang="en-US" i="1" dirty="0"/>
+              <a:t>Write description/ observation and supporting plots (minimum 2) here</a:t>
+            </a:r>
+          </a:p>
+        </p:txBody>
+      </p:sp>
+    </p:spTree>
+    <p:extLst>
+      <p:ext uri="{BB962C8B-B14F-4D97-AF65-F5344CB8AC3E}">
+        <p14:creationId xmlns:p14="http://schemas.microsoft.com/office/powerpoint/2010/main" val="4121259519"/>
+      </p:ext>
+    </p:extLst>
+  </p:cSld>
+  <p:clrMapOvr>
+    <a:masterClrMapping/>
+  </p:clrMapOvr>
+</p:sld>
+</file>
+
+<file path=ppt/slides/slide11.xml><?xml version="1.0" encoding="utf-8"?>
+<p:sld xmlns:a="http://schemas.openxmlformats.org/drawingml/2006/main" xmlns:r="http://schemas.openxmlformats.org/officeDocument/2006/relationships" xmlns:p="http://schemas.openxmlformats.org/presentationml/2006/main">
+  <p:cSld>
+    <p:spTree>
+      <p:nvGrpSpPr>
+        <p:cNvPr id="1" name=""/>
+        <p:cNvGrpSpPr/>
+        <p:nvPr/>
+      </p:nvGrpSpPr>
+      <p:grpSpPr>
+        <a:xfrm>
+          <a:off x="0" y="0"/>
+          <a:ext cx="0" cy="0"/>
+          <a:chOff x="0" y="0"/>
+          <a:chExt cx="0" cy="0"/>
+        </a:xfrm>
+      </p:grpSpPr>
+      <p:sp>
+        <p:nvSpPr>
+          <p:cNvPr id="2" name="Title 1">
+            <a:extLst>
+              <a:ext uri="{FF2B5EF4-FFF2-40B4-BE49-F238E27FC236}">
+                <a16:creationId xmlns:a16="http://schemas.microsoft.com/office/drawing/2014/main" id="{1917A588-6B43-4326-8CEE-B31FA8CC4FDB}"/>
+              </a:ext>
+            </a:extLst>
+          </p:cNvPr>
+          <p:cNvSpPr>
+            <a:spLocks noGrp="1"/>
+          </p:cNvSpPr>
+          <p:nvPr>
+            <p:ph type="title"/>
+          </p:nvPr>
+        </p:nvSpPr>
+        <p:spPr/>
+        <p:txBody>
+          <a:bodyPr/>
+          <a:lstStyle/>
+          <a:p>
+            <a:r>
+              <a:rPr lang="en-US" dirty="0"/>
+              <a:t>Salary - Molly</a:t>
+            </a:r>
+          </a:p>
+        </p:txBody>
+      </p:sp>
+      <p:sp>
+        <p:nvSpPr>
+          <p:cNvPr id="3" name="Content Placeholder 2">
+            <a:extLst>
+              <a:ext uri="{FF2B5EF4-FFF2-40B4-BE49-F238E27FC236}">
+                <a16:creationId xmlns:a16="http://schemas.microsoft.com/office/drawing/2014/main" id="{F5BE9D4D-949C-4037-9F87-16CDE0EE0466}"/>
+              </a:ext>
+            </a:extLst>
+          </p:cNvPr>
+          <p:cNvSpPr>
+            <a:spLocks noGrp="1"/>
+          </p:cNvSpPr>
+          <p:nvPr>
+            <p:ph idx="1"/>
+          </p:nvPr>
+        </p:nvSpPr>
+        <p:spPr/>
+        <p:txBody>
+          <a:bodyPr/>
+          <a:lstStyle/>
+          <a:p>
+            <a:r>
+              <a:rPr lang="en-US" dirty="0"/>
+              <a:t>Higher </a:t>
+            </a:r>
+            <a:r>
+              <a:rPr lang="en-US" dirty="0">
+                <a:solidFill>
+                  <a:srgbClr val="FF0000"/>
+                </a:solidFill>
+              </a:rPr>
+              <a:t>salary</a:t>
+            </a:r>
+            <a:r>
+              <a:rPr lang="en-US" dirty="0"/>
+              <a:t> states are the preferred ones?</a:t>
+            </a:r>
+          </a:p>
+          <a:p>
+            <a:r>
+              <a:rPr lang="en-US" i="1" dirty="0"/>
+              <a:t>Write description/ observation and supporting plots (minimum 2) here</a:t>
+            </a:r>
+          </a:p>
+        </p:txBody>
+      </p:sp>
+    </p:spTree>
+    <p:extLst>
+      <p:ext uri="{BB962C8B-B14F-4D97-AF65-F5344CB8AC3E}">
+        <p14:creationId xmlns:p14="http://schemas.microsoft.com/office/powerpoint/2010/main" val="1530488418"/>
+      </p:ext>
+    </p:extLst>
+  </p:cSld>
+  <p:clrMapOvr>
+    <a:masterClrMapping/>
+  </p:clrMapOvr>
+</p:sld>
+</file>
+
+<file path=ppt/slides/slide12.xml><?xml version="1.0" encoding="utf-8"?>
+<p:sld xmlns:a="http://schemas.openxmlformats.org/drawingml/2006/main" xmlns:r="http://schemas.openxmlformats.org/officeDocument/2006/relationships" xmlns:p="http://schemas.openxmlformats.org/presentationml/2006/main">
+  <p:cSld>
+    <p:spTree>
+      <p:nvGrpSpPr>
+        <p:cNvPr id="1" name=""/>
+        <p:cNvGrpSpPr/>
+        <p:nvPr/>
+      </p:nvGrpSpPr>
+      <p:grpSpPr>
+        <a:xfrm>
+          <a:off x="0" y="0"/>
+          <a:ext cx="0" cy="0"/>
+          <a:chOff x="0" y="0"/>
+          <a:chExt cx="0" cy="0"/>
+        </a:xfrm>
+      </p:grpSpPr>
+      <p:sp>
+        <p:nvSpPr>
+          <p:cNvPr id="2" name="Title 1">
+            <a:extLst>
+              <a:ext uri="{FF2B5EF4-FFF2-40B4-BE49-F238E27FC236}">
+                <a16:creationId xmlns:a16="http://schemas.microsoft.com/office/drawing/2014/main" id="{1917A588-6B43-4326-8CEE-B31FA8CC4FDB}"/>
+              </a:ext>
+            </a:extLst>
+          </p:cNvPr>
+          <p:cNvSpPr>
+            <a:spLocks noGrp="1"/>
+          </p:cNvSpPr>
+          <p:nvPr>
+            <p:ph type="title"/>
+          </p:nvPr>
+        </p:nvSpPr>
+        <p:spPr/>
+        <p:txBody>
+          <a:bodyPr/>
+          <a:lstStyle/>
+          <a:p>
+            <a:r>
+              <a:rPr lang="en-US" dirty="0"/>
+              <a:t>Climate - Prakash</a:t>
+            </a:r>
+          </a:p>
+        </p:txBody>
+      </p:sp>
+      <p:sp>
+        <p:nvSpPr>
+          <p:cNvPr id="3" name="Content Placeholder 2">
+            <a:extLst>
+              <a:ext uri="{FF2B5EF4-FFF2-40B4-BE49-F238E27FC236}">
+                <a16:creationId xmlns:a16="http://schemas.microsoft.com/office/drawing/2014/main" id="{F5BE9D4D-949C-4037-9F87-16CDE0EE0466}"/>
+              </a:ext>
+            </a:extLst>
+          </p:cNvPr>
+          <p:cNvSpPr>
+            <a:spLocks noGrp="1"/>
+          </p:cNvSpPr>
+          <p:nvPr>
+            <p:ph idx="1"/>
+          </p:nvPr>
+        </p:nvSpPr>
+        <p:spPr/>
+        <p:txBody>
+          <a:bodyPr/>
+          <a:lstStyle/>
+          <a:p>
+            <a:r>
+              <a:rPr lang="en-US" dirty="0"/>
+              <a:t>Warmer </a:t>
+            </a:r>
+            <a:r>
+              <a:rPr lang="en-US" dirty="0">
+                <a:solidFill>
+                  <a:srgbClr val="FF0000"/>
+                </a:solidFill>
+              </a:rPr>
+              <a:t>climate</a:t>
+            </a:r>
+            <a:r>
+              <a:rPr lang="en-US" dirty="0"/>
+              <a:t> preferred state to live in, correlate to home price?</a:t>
+            </a:r>
+          </a:p>
+          <a:p>
+            <a:r>
+              <a:rPr lang="en-US" i="1" dirty="0"/>
+              <a:t>Write description/ observation and supporting plots (minimum 2) here</a:t>
+            </a:r>
+          </a:p>
+        </p:txBody>
+      </p:sp>
+    </p:spTree>
+    <p:extLst>
+      <p:ext uri="{BB962C8B-B14F-4D97-AF65-F5344CB8AC3E}">
+        <p14:creationId xmlns:p14="http://schemas.microsoft.com/office/powerpoint/2010/main" val="4136999629"/>
       </p:ext>
     </p:extLst>
   </p:cSld>
@@ -5957,37 +6290,70 @@
         <p:spPr/>
         <p:txBody>
           <a:bodyPr>
-            <a:normAutofit fontScale="92500"/>
+            <a:normAutofit fontScale="92500" lnSpcReduction="10000"/>
           </a:bodyPr>
           <a:lstStyle/>
           <a:p>
             <a:r>
               <a:rPr lang="en-US" dirty="0"/>
-              <a:t>Our opinion on Best State to live in 2018</a:t>
-            </a:r>
-          </a:p>
-          <a:p>
-            <a:r>
-              <a:rPr lang="en-US" dirty="0"/>
-              <a:t>We're trying figure out the best state to live in by the questions we have, plotting correlation, geo maps at city level. </a:t>
-            </a:r>
-          </a:p>
-          <a:p>
-            <a:r>
-              <a:rPr lang="en-US" dirty="0"/>
-              <a:t>We will rank the cities and go the most state that has the highest ranks. </a:t>
-            </a:r>
-          </a:p>
-          <a:p>
-            <a:r>
-              <a:rPr lang="en-US" dirty="0"/>
-              <a:t>Assumptions are low crime rate and unemployment rate may be preferred place. </a:t>
-            </a:r>
-          </a:p>
-          <a:p>
-            <a:r>
-              <a:rPr lang="en-US" dirty="0"/>
-              <a:t>Higher salary also another reason people get drawn to a particular state. Due to higher salary may cause higher home prices.</a:t>
+              <a:t>Our opinion on Best State to live in 2018 for </a:t>
+            </a:r>
+            <a:r>
+              <a:rPr lang="en-US" dirty="0">
+                <a:solidFill>
+                  <a:srgbClr val="FF0000"/>
+                </a:solidFill>
+              </a:rPr>
+              <a:t>“employee” </a:t>
+            </a:r>
+            <a:r>
+              <a:rPr lang="en-US" dirty="0">
+                <a:solidFill>
+                  <a:schemeClr val="tx1"/>
+                </a:solidFill>
+              </a:rPr>
+              <a:t>from 5 criteria below, </a:t>
+            </a:r>
+          </a:p>
+          <a:p>
+            <a:pPr lvl="1"/>
+            <a:r>
+              <a:rPr lang="en-US" dirty="0"/>
+              <a:t>State Tax</a:t>
+            </a:r>
+          </a:p>
+          <a:p>
+            <a:pPr lvl="1"/>
+            <a:r>
+              <a:rPr lang="en-US" dirty="0"/>
+              <a:t>Climate</a:t>
+            </a:r>
+          </a:p>
+          <a:p>
+            <a:pPr lvl="1"/>
+            <a:r>
+              <a:rPr lang="en-US" dirty="0"/>
+              <a:t>Unemployment rate</a:t>
+            </a:r>
+          </a:p>
+          <a:p>
+            <a:pPr lvl="1"/>
+            <a:r>
+              <a:rPr lang="en-US" dirty="0"/>
+              <a:t>Crime rate</a:t>
+            </a:r>
+          </a:p>
+          <a:p>
+            <a:pPr lvl="1"/>
+            <a:r>
+              <a:rPr lang="en-US" dirty="0"/>
+              <a:t>Salary </a:t>
+            </a:r>
+          </a:p>
+          <a:p>
+            <a:r>
+              <a:rPr lang="en-US" dirty="0"/>
+              <a:t>Through observations, plots and correlations, we’re to determine the best state for employee to work in.</a:t>
             </a:r>
           </a:p>
         </p:txBody>
@@ -6045,7 +6411,7 @@
           <a:p>
             <a:r>
               <a:rPr lang="en-US" dirty="0"/>
-              <a:t>Datasets Mapping</a:t>
+              <a:t>Supporting Datasets</a:t>
             </a:r>
           </a:p>
         </p:txBody>
@@ -6064,7 +6430,7 @@
         </p:nvSpPr>
         <p:spPr>
           <a:xfrm>
-            <a:off x="5292969" y="3596054"/>
+            <a:off x="5291503" y="2874670"/>
             <a:ext cx="1608993" cy="1222131"/>
           </a:xfrm>
           <a:prstGeom prst="rect">
@@ -6113,7 +6479,7 @@
         </p:nvSpPr>
         <p:spPr>
           <a:xfrm>
-            <a:off x="7036780" y="2488223"/>
+            <a:off x="7657393" y="2517544"/>
             <a:ext cx="2262549" cy="1222131"/>
           </a:xfrm>
           <a:prstGeom prst="ellipse">
@@ -6162,7 +6528,7 @@
         </p:nvSpPr>
         <p:spPr>
           <a:xfrm>
-            <a:off x="2892670" y="4792135"/>
+            <a:off x="2211253" y="4272246"/>
             <a:ext cx="2262552" cy="1303866"/>
           </a:xfrm>
           <a:prstGeom prst="ellipse">
@@ -6211,7 +6577,7 @@
         </p:nvSpPr>
         <p:spPr>
           <a:xfrm>
-            <a:off x="2892671" y="2488223"/>
+            <a:off x="2211253" y="2522853"/>
             <a:ext cx="2262552" cy="1222131"/>
           </a:xfrm>
           <a:prstGeom prst="ellipse">
@@ -6260,7 +6626,7 @@
         </p:nvSpPr>
         <p:spPr>
           <a:xfrm>
-            <a:off x="7036779" y="4873870"/>
+            <a:off x="7657392" y="4272246"/>
             <a:ext cx="2262549" cy="1222131"/>
           </a:xfrm>
           <a:prstGeom prst="ellipse">
@@ -6308,8 +6674,8 @@
           <p:nvPr/>
         </p:nvSpPr>
         <p:spPr>
-          <a:xfrm rot="3511498">
-            <a:off x="4655526" y="3665662"/>
+          <a:xfrm rot="2105362">
+            <a:off x="4556521" y="3227476"/>
             <a:ext cx="653560" cy="430822"/>
           </a:xfrm>
           <a:prstGeom prst="rightArrow">
@@ -6355,7 +6721,7 @@
         </p:nvSpPr>
         <p:spPr>
           <a:xfrm rot="12595974">
-            <a:off x="6964126" y="4422849"/>
+            <a:off x="6979992" y="4171008"/>
             <a:ext cx="653560" cy="430823"/>
           </a:xfrm>
           <a:prstGeom prst="rightArrow">
@@ -6401,7 +6767,7 @@
         </p:nvSpPr>
         <p:spPr>
           <a:xfrm rot="18872579">
-            <a:off x="4619737" y="4366181"/>
+            <a:off x="4593516" y="4272601"/>
             <a:ext cx="653560" cy="430823"/>
           </a:xfrm>
           <a:prstGeom prst="rightArrow">
@@ -6446,9 +6812,104 @@
           <p:nvPr/>
         </p:nvSpPr>
         <p:spPr>
-          <a:xfrm rot="6873628">
-            <a:off x="6895489" y="3670084"/>
+          <a:xfrm rot="8985750">
+            <a:off x="6945456" y="3173597"/>
             <a:ext cx="653560" cy="430823"/>
+          </a:xfrm>
+          <a:prstGeom prst="rightArrow">
+            <a:avLst/>
+          </a:prstGeom>
+        </p:spPr>
+        <p:style>
+          <a:lnRef idx="2">
+            <a:schemeClr val="accent1">
+              <a:shade val="50000"/>
+            </a:schemeClr>
+          </a:lnRef>
+          <a:fillRef idx="1">
+            <a:schemeClr val="accent1"/>
+          </a:fillRef>
+          <a:effectRef idx="0">
+            <a:schemeClr val="accent1"/>
+          </a:effectRef>
+          <a:fontRef idx="minor">
+            <a:schemeClr val="lt1"/>
+          </a:fontRef>
+        </p:style>
+        <p:txBody>
+          <a:bodyPr rtlCol="0" anchor="ctr"/>
+          <a:lstStyle/>
+          <a:p>
+            <a:pPr algn="ctr"/>
+            <a:endParaRPr lang="en-US"/>
+          </a:p>
+        </p:txBody>
+      </p:sp>
+      <p:sp>
+        <p:nvSpPr>
+          <p:cNvPr id="13" name="Oval 12">
+            <a:extLst>
+              <a:ext uri="{FF2B5EF4-FFF2-40B4-BE49-F238E27FC236}">
+                <a16:creationId xmlns:a16="http://schemas.microsoft.com/office/drawing/2014/main" id="{78A88E94-BBCA-4491-97F9-BD1AFC4AAED7}"/>
+              </a:ext>
+            </a:extLst>
+          </p:cNvPr>
+          <p:cNvSpPr/>
+          <p:nvPr/>
+        </p:nvSpPr>
+        <p:spPr>
+          <a:xfrm>
+            <a:off x="5044220" y="5007535"/>
+            <a:ext cx="2262552" cy="1222131"/>
+          </a:xfrm>
+          <a:prstGeom prst="ellipse">
+            <a:avLst/>
+          </a:prstGeom>
+        </p:spPr>
+        <p:style>
+          <a:lnRef idx="2">
+            <a:schemeClr val="accent1">
+              <a:shade val="50000"/>
+            </a:schemeClr>
+          </a:lnRef>
+          <a:fillRef idx="1">
+            <a:schemeClr val="accent1"/>
+          </a:fillRef>
+          <a:effectRef idx="0">
+            <a:schemeClr val="accent1"/>
+          </a:effectRef>
+          <a:fontRef idx="minor">
+            <a:schemeClr val="lt1"/>
+          </a:fontRef>
+        </p:style>
+        <p:txBody>
+          <a:bodyPr rtlCol="0" anchor="ctr"/>
+          <a:lstStyle/>
+          <a:p>
+            <a:pPr algn="ctr"/>
+            <a:r>
+              <a:rPr lang="en-US" dirty="0"/>
+              <a:t>State Tax</a:t>
+            </a:r>
+          </a:p>
+        </p:txBody>
+      </p:sp>
+      <p:sp>
+        <p:nvSpPr>
+          <p:cNvPr id="14" name="Arrow: Right 13">
+            <a:extLst>
+              <a:ext uri="{FF2B5EF4-FFF2-40B4-BE49-F238E27FC236}">
+                <a16:creationId xmlns:a16="http://schemas.microsoft.com/office/drawing/2014/main" id="{710BA0AC-1A55-4E4B-BAA9-F5E99A8A14DC}"/>
+              </a:ext>
+            </a:extLst>
+          </p:cNvPr>
+          <p:cNvSpPr/>
+          <p:nvPr/>
+        </p:nvSpPr>
+        <p:spPr>
+          <a:xfrm rot="16200000">
+            <a:off x="5832850" y="4343690"/>
+            <a:ext cx="653560" cy="430822"/>
           </a:xfrm>
           <a:prstGeom prst="rightArrow">
             <a:avLst/>
@@ -6509,6 +6970,36 @@
           <a:chExt cx="0" cy="0"/>
         </a:xfrm>
       </p:grpSpPr>
+      <p:pic>
+        <p:nvPicPr>
+          <p:cNvPr id="3" name="Picture 2">
+            <a:extLst>
+              <a:ext uri="{FF2B5EF4-FFF2-40B4-BE49-F238E27FC236}">
+                <a16:creationId xmlns:a16="http://schemas.microsoft.com/office/drawing/2014/main" id="{ECCBDFFA-2E8B-4AA2-9BC5-6ACE03B5F881}"/>
+              </a:ext>
+            </a:extLst>
+          </p:cNvPr>
+          <p:cNvPicPr>
+            <a:picLocks noChangeAspect="1"/>
+          </p:cNvPicPr>
+          <p:nvPr/>
+        </p:nvPicPr>
+        <p:blipFill>
+          <a:blip r:embed="rId2"/>
+          <a:stretch>
+            <a:fillRect/>
+          </a:stretch>
+        </p:blipFill>
+        <p:spPr>
+          <a:xfrm>
+            <a:off x="2874522" y="4715861"/>
+            <a:ext cx="3898685" cy="1398479"/>
+          </a:xfrm>
+          <a:prstGeom prst="rect">
+            <a:avLst/>
+          </a:prstGeom>
+        </p:spPr>
+      </p:pic>
       <p:sp>
         <p:nvSpPr>
           <p:cNvPr id="2" name="Title 1">
@@ -6525,6 +7016,2116 @@
             <p:ph type="title"/>
           </p:nvPr>
         </p:nvSpPr>
+        <p:spPr>
+          <a:xfrm>
+            <a:off x="1295402" y="683517"/>
+            <a:ext cx="9601196" cy="1303867"/>
+          </a:xfrm>
+        </p:spPr>
+        <p:txBody>
+          <a:bodyPr/>
+          <a:lstStyle/>
+          <a:p>
+            <a:r>
+              <a:rPr lang="en-US" dirty="0"/>
+              <a:t>Work Flow</a:t>
+            </a:r>
+          </a:p>
+        </p:txBody>
+      </p:sp>
+      <p:sp>
+        <p:nvSpPr>
+          <p:cNvPr id="4" name="Rectangle 3">
+            <a:extLst>
+              <a:ext uri="{FF2B5EF4-FFF2-40B4-BE49-F238E27FC236}">
+                <a16:creationId xmlns:a16="http://schemas.microsoft.com/office/drawing/2014/main" id="{982B98E6-7640-4E5E-AE9A-932FDB07F887}"/>
+              </a:ext>
+            </a:extLst>
+          </p:cNvPr>
+          <p:cNvSpPr/>
+          <p:nvPr/>
+        </p:nvSpPr>
+        <p:spPr>
+          <a:xfrm>
+            <a:off x="9604801" y="1822550"/>
+            <a:ext cx="1608993" cy="1222131"/>
+          </a:xfrm>
+          <a:prstGeom prst="rect">
+            <a:avLst/>
+          </a:prstGeom>
+        </p:spPr>
+        <p:style>
+          <a:lnRef idx="2">
+            <a:schemeClr val="accent1">
+              <a:shade val="50000"/>
+            </a:schemeClr>
+          </a:lnRef>
+          <a:fillRef idx="1">
+            <a:schemeClr val="accent1"/>
+          </a:fillRef>
+          <a:effectRef idx="0">
+            <a:schemeClr val="accent1"/>
+          </a:effectRef>
+          <a:fontRef idx="minor">
+            <a:schemeClr val="lt1"/>
+          </a:fontRef>
+        </p:style>
+        <p:txBody>
+          <a:bodyPr rtlCol="0" anchor="ctr"/>
+          <a:lstStyle/>
+          <a:p>
+            <a:pPr algn="ctr"/>
+            <a:r>
+              <a:rPr lang="en-US" dirty="0"/>
+              <a:t>2018 Best State Choice  </a:t>
+            </a:r>
+          </a:p>
+        </p:txBody>
+      </p:sp>
+      <p:sp>
+        <p:nvSpPr>
+          <p:cNvPr id="5" name="Oval 4">
+            <a:extLst>
+              <a:ext uri="{FF2B5EF4-FFF2-40B4-BE49-F238E27FC236}">
+                <a16:creationId xmlns:a16="http://schemas.microsoft.com/office/drawing/2014/main" id="{FA0737F6-BE34-4171-AED3-2654FE6F5793}"/>
+              </a:ext>
+            </a:extLst>
+          </p:cNvPr>
+          <p:cNvSpPr/>
+          <p:nvPr/>
+        </p:nvSpPr>
+        <p:spPr>
+          <a:xfrm>
+            <a:off x="978206" y="743284"/>
+            <a:ext cx="2450611" cy="1673608"/>
+          </a:xfrm>
+          <a:prstGeom prst="ellipse">
+            <a:avLst/>
+          </a:prstGeom>
+        </p:spPr>
+        <p:style>
+          <a:lnRef idx="2">
+            <a:schemeClr val="accent1">
+              <a:shade val="50000"/>
+            </a:schemeClr>
+          </a:lnRef>
+          <a:fillRef idx="1">
+            <a:schemeClr val="accent1"/>
+          </a:fillRef>
+          <a:effectRef idx="0">
+            <a:schemeClr val="accent1"/>
+          </a:effectRef>
+          <a:fontRef idx="minor">
+            <a:schemeClr val="lt1"/>
+          </a:fontRef>
+        </p:style>
+        <p:txBody>
+          <a:bodyPr rtlCol="0" anchor="ctr"/>
+          <a:lstStyle/>
+          <a:p>
+            <a:pPr algn="ctr"/>
+            <a:r>
+              <a:rPr lang="en-US" dirty="0"/>
+              <a:t> (1)</a:t>
+            </a:r>
+          </a:p>
+          <a:p>
+            <a:pPr algn="ctr"/>
+            <a:r>
+              <a:rPr lang="en-US" dirty="0"/>
+              <a:t>Get median home prices, salary, tax rate, climate per state</a:t>
+            </a:r>
+          </a:p>
+        </p:txBody>
+      </p:sp>
+      <p:sp>
+        <p:nvSpPr>
+          <p:cNvPr id="6" name="Oval 5">
+            <a:extLst>
+              <a:ext uri="{FF2B5EF4-FFF2-40B4-BE49-F238E27FC236}">
+                <a16:creationId xmlns:a16="http://schemas.microsoft.com/office/drawing/2014/main" id="{30930C6A-0445-40E8-A2E1-0CB8F9F25F79}"/>
+              </a:ext>
+            </a:extLst>
+          </p:cNvPr>
+          <p:cNvSpPr/>
+          <p:nvPr/>
+        </p:nvSpPr>
+        <p:spPr>
+          <a:xfrm>
+            <a:off x="1166238" y="3241442"/>
+            <a:ext cx="2233390" cy="1547981"/>
+          </a:xfrm>
+          <a:prstGeom prst="ellipse">
+            <a:avLst/>
+          </a:prstGeom>
+        </p:spPr>
+        <p:style>
+          <a:lnRef idx="2">
+            <a:schemeClr val="accent1">
+              <a:shade val="50000"/>
+            </a:schemeClr>
+          </a:lnRef>
+          <a:fillRef idx="1">
+            <a:schemeClr val="accent1"/>
+          </a:fillRef>
+          <a:effectRef idx="0">
+            <a:schemeClr val="accent1"/>
+          </a:effectRef>
+          <a:fontRef idx="minor">
+            <a:schemeClr val="lt1"/>
+          </a:fontRef>
+        </p:style>
+        <p:txBody>
+          <a:bodyPr rtlCol="0" anchor="ctr"/>
+          <a:lstStyle/>
+          <a:p>
+            <a:pPr algn="ctr"/>
+            <a:r>
+              <a:rPr lang="en-US" dirty="0"/>
+              <a:t>(2)</a:t>
+            </a:r>
+          </a:p>
+          <a:p>
+            <a:pPr algn="ctr"/>
+            <a:r>
+              <a:rPr lang="en-US" dirty="0"/>
+              <a:t>Get Unemployment vs Crime Rate correlation</a:t>
+            </a:r>
+          </a:p>
+        </p:txBody>
+      </p:sp>
+      <p:sp>
+        <p:nvSpPr>
+          <p:cNvPr id="7" name="Oval 6">
+            <a:extLst>
+              <a:ext uri="{FF2B5EF4-FFF2-40B4-BE49-F238E27FC236}">
+                <a16:creationId xmlns:a16="http://schemas.microsoft.com/office/drawing/2014/main" id="{43A8C126-D91E-4B2C-9ACB-9C7498D62767}"/>
+              </a:ext>
+            </a:extLst>
+          </p:cNvPr>
+          <p:cNvSpPr/>
+          <p:nvPr/>
+        </p:nvSpPr>
+        <p:spPr>
+          <a:xfrm>
+            <a:off x="4710549" y="3460447"/>
+            <a:ext cx="2262552" cy="1222131"/>
+          </a:xfrm>
+          <a:prstGeom prst="ellipse">
+            <a:avLst/>
+          </a:prstGeom>
+        </p:spPr>
+        <p:style>
+          <a:lnRef idx="2">
+            <a:schemeClr val="accent1">
+              <a:shade val="50000"/>
+            </a:schemeClr>
+          </a:lnRef>
+          <a:fillRef idx="1">
+            <a:schemeClr val="accent1"/>
+          </a:fillRef>
+          <a:effectRef idx="0">
+            <a:schemeClr val="accent1"/>
+          </a:effectRef>
+          <a:fontRef idx="minor">
+            <a:schemeClr val="lt1"/>
+          </a:fontRef>
+        </p:style>
+        <p:txBody>
+          <a:bodyPr rtlCol="0" anchor="ctr"/>
+          <a:lstStyle/>
+          <a:p>
+            <a:pPr algn="ctr"/>
+            <a:r>
+              <a:rPr lang="en-US" dirty="0"/>
+              <a:t>(4)</a:t>
+            </a:r>
+          </a:p>
+          <a:p>
+            <a:pPr algn="ctr"/>
+            <a:r>
+              <a:rPr lang="en-US" dirty="0"/>
+              <a:t>Get climate correlation to home price</a:t>
+            </a:r>
+          </a:p>
+        </p:txBody>
+      </p:sp>
+      <p:sp>
+        <p:nvSpPr>
+          <p:cNvPr id="8" name="Oval 7">
+            <a:extLst>
+              <a:ext uri="{FF2B5EF4-FFF2-40B4-BE49-F238E27FC236}">
+                <a16:creationId xmlns:a16="http://schemas.microsoft.com/office/drawing/2014/main" id="{93E43BBF-BD00-4285-8CFA-BC114AC1E2F7}"/>
+              </a:ext>
+            </a:extLst>
+          </p:cNvPr>
+          <p:cNvSpPr/>
+          <p:nvPr/>
+        </p:nvSpPr>
+        <p:spPr>
+          <a:xfrm>
+            <a:off x="6500636" y="1891321"/>
+            <a:ext cx="2262549" cy="1222131"/>
+          </a:xfrm>
+          <a:prstGeom prst="ellipse">
+            <a:avLst/>
+          </a:prstGeom>
+        </p:spPr>
+        <p:style>
+          <a:lnRef idx="2">
+            <a:schemeClr val="accent1">
+              <a:shade val="50000"/>
+            </a:schemeClr>
+          </a:lnRef>
+          <a:fillRef idx="1">
+            <a:schemeClr val="accent1"/>
+          </a:fillRef>
+          <a:effectRef idx="0">
+            <a:schemeClr val="accent1"/>
+          </a:effectRef>
+          <a:fontRef idx="minor">
+            <a:schemeClr val="lt1"/>
+          </a:fontRef>
+        </p:style>
+        <p:txBody>
+          <a:bodyPr rtlCol="0" anchor="ctr"/>
+          <a:lstStyle/>
+          <a:p>
+            <a:pPr algn="ctr"/>
+            <a:r>
+              <a:rPr lang="en-US" dirty="0"/>
+              <a:t>Analyze plots </a:t>
+            </a:r>
+          </a:p>
+        </p:txBody>
+      </p:sp>
+      <p:sp>
+        <p:nvSpPr>
+          <p:cNvPr id="9" name="Arrow: Right 8">
+            <a:extLst>
+              <a:ext uri="{FF2B5EF4-FFF2-40B4-BE49-F238E27FC236}">
+                <a16:creationId xmlns:a16="http://schemas.microsoft.com/office/drawing/2014/main" id="{B669EA5E-408C-4E0E-8F0B-0E3A3E4AF818}"/>
+              </a:ext>
+            </a:extLst>
+          </p:cNvPr>
+          <p:cNvSpPr/>
+          <p:nvPr/>
+        </p:nvSpPr>
+        <p:spPr>
+          <a:xfrm rot="5400000">
+            <a:off x="1876730" y="2613756"/>
+            <a:ext cx="653560" cy="430822"/>
+          </a:xfrm>
+          <a:prstGeom prst="rightArrow">
+            <a:avLst/>
+          </a:prstGeom>
+        </p:spPr>
+        <p:style>
+          <a:lnRef idx="2">
+            <a:schemeClr val="accent1">
+              <a:shade val="50000"/>
+            </a:schemeClr>
+          </a:lnRef>
+          <a:fillRef idx="1">
+            <a:schemeClr val="accent1"/>
+          </a:fillRef>
+          <a:effectRef idx="0">
+            <a:schemeClr val="accent1"/>
+          </a:effectRef>
+          <a:fontRef idx="minor">
+            <a:schemeClr val="lt1"/>
+          </a:fontRef>
+        </p:style>
+        <p:txBody>
+          <a:bodyPr rtlCol="0" anchor="ctr"/>
+          <a:lstStyle/>
+          <a:p>
+            <a:pPr algn="ctr"/>
+            <a:endParaRPr lang="en-US"/>
+          </a:p>
+        </p:txBody>
+      </p:sp>
+      <p:sp>
+        <p:nvSpPr>
+          <p:cNvPr id="10" name="Arrow: Right 9">
+            <a:extLst>
+              <a:ext uri="{FF2B5EF4-FFF2-40B4-BE49-F238E27FC236}">
+                <a16:creationId xmlns:a16="http://schemas.microsoft.com/office/drawing/2014/main" id="{3268ED5A-38FA-4167-88E1-99E13B3B5A68}"/>
+              </a:ext>
+            </a:extLst>
+          </p:cNvPr>
+          <p:cNvSpPr/>
+          <p:nvPr/>
+        </p:nvSpPr>
+        <p:spPr>
+          <a:xfrm rot="3247684">
+            <a:off x="4576953" y="3072325"/>
+            <a:ext cx="653560" cy="430823"/>
+          </a:xfrm>
+          <a:prstGeom prst="rightArrow">
+            <a:avLst/>
+          </a:prstGeom>
+        </p:spPr>
+        <p:style>
+          <a:lnRef idx="2">
+            <a:schemeClr val="accent1">
+              <a:shade val="50000"/>
+            </a:schemeClr>
+          </a:lnRef>
+          <a:fillRef idx="1">
+            <a:schemeClr val="accent1"/>
+          </a:fillRef>
+          <a:effectRef idx="0">
+            <a:schemeClr val="accent1"/>
+          </a:effectRef>
+          <a:fontRef idx="minor">
+            <a:schemeClr val="lt1"/>
+          </a:fontRef>
+        </p:style>
+        <p:txBody>
+          <a:bodyPr rtlCol="0" anchor="ctr"/>
+          <a:lstStyle/>
+          <a:p>
+            <a:pPr algn="ctr"/>
+            <a:endParaRPr lang="en-US"/>
+          </a:p>
+        </p:txBody>
+      </p:sp>
+      <p:sp>
+        <p:nvSpPr>
+          <p:cNvPr id="11" name="Arrow: Right 10">
+            <a:extLst>
+              <a:ext uri="{FF2B5EF4-FFF2-40B4-BE49-F238E27FC236}">
+                <a16:creationId xmlns:a16="http://schemas.microsoft.com/office/drawing/2014/main" id="{863EC0E5-6E5A-4F45-9B1C-BD342541E908}"/>
+              </a:ext>
+            </a:extLst>
+          </p:cNvPr>
+          <p:cNvSpPr/>
+          <p:nvPr/>
+        </p:nvSpPr>
+        <p:spPr>
+          <a:xfrm rot="18872579">
+            <a:off x="6301635" y="3003361"/>
+            <a:ext cx="653560" cy="430823"/>
+          </a:xfrm>
+          <a:prstGeom prst="rightArrow">
+            <a:avLst/>
+          </a:prstGeom>
+        </p:spPr>
+        <p:style>
+          <a:lnRef idx="2">
+            <a:schemeClr val="accent1">
+              <a:shade val="50000"/>
+            </a:schemeClr>
+          </a:lnRef>
+          <a:fillRef idx="1">
+            <a:schemeClr val="accent1"/>
+          </a:fillRef>
+          <a:effectRef idx="0">
+            <a:schemeClr val="accent1"/>
+          </a:effectRef>
+          <a:fontRef idx="minor">
+            <a:schemeClr val="lt1"/>
+          </a:fontRef>
+        </p:style>
+        <p:txBody>
+          <a:bodyPr rtlCol="0" anchor="ctr"/>
+          <a:lstStyle/>
+          <a:p>
+            <a:pPr algn="ctr"/>
+            <a:endParaRPr lang="en-US"/>
+          </a:p>
+        </p:txBody>
+      </p:sp>
+      <p:sp>
+        <p:nvSpPr>
+          <p:cNvPr id="12" name="Arrow: Right 11">
+            <a:extLst>
+              <a:ext uri="{FF2B5EF4-FFF2-40B4-BE49-F238E27FC236}">
+                <a16:creationId xmlns:a16="http://schemas.microsoft.com/office/drawing/2014/main" id="{E608765A-C816-4FE0-9D92-2BD97FB8C902}"/>
+              </a:ext>
+            </a:extLst>
+          </p:cNvPr>
+          <p:cNvSpPr/>
+          <p:nvPr/>
+        </p:nvSpPr>
+        <p:spPr>
+          <a:xfrm rot="18793874">
+            <a:off x="3056667" y="2940536"/>
+            <a:ext cx="653560" cy="430823"/>
+          </a:xfrm>
+          <a:prstGeom prst="rightArrow">
+            <a:avLst/>
+          </a:prstGeom>
+        </p:spPr>
+        <p:style>
+          <a:lnRef idx="2">
+            <a:schemeClr val="accent1">
+              <a:shade val="50000"/>
+            </a:schemeClr>
+          </a:lnRef>
+          <a:fillRef idx="1">
+            <a:schemeClr val="accent1"/>
+          </a:fillRef>
+          <a:effectRef idx="0">
+            <a:schemeClr val="accent1"/>
+          </a:effectRef>
+          <a:fontRef idx="minor">
+            <a:schemeClr val="lt1"/>
+          </a:fontRef>
+        </p:style>
+        <p:txBody>
+          <a:bodyPr rtlCol="0" anchor="ctr"/>
+          <a:lstStyle/>
+          <a:p>
+            <a:pPr algn="ctr"/>
+            <a:endParaRPr lang="en-US"/>
+          </a:p>
+        </p:txBody>
+      </p:sp>
+      <p:sp>
+        <p:nvSpPr>
+          <p:cNvPr id="13" name="Oval 12">
+            <a:extLst>
+              <a:ext uri="{FF2B5EF4-FFF2-40B4-BE49-F238E27FC236}">
+                <a16:creationId xmlns:a16="http://schemas.microsoft.com/office/drawing/2014/main" id="{78A88E94-BBCA-4491-97F9-BD1AFC4AAED7}"/>
+              </a:ext>
+            </a:extLst>
+          </p:cNvPr>
+          <p:cNvSpPr/>
+          <p:nvPr/>
+        </p:nvSpPr>
+        <p:spPr>
+          <a:xfrm>
+            <a:off x="3228361" y="1762500"/>
+            <a:ext cx="2262552" cy="1222131"/>
+          </a:xfrm>
+          <a:prstGeom prst="ellipse">
+            <a:avLst/>
+          </a:prstGeom>
+        </p:spPr>
+        <p:style>
+          <a:lnRef idx="2">
+            <a:schemeClr val="accent1">
+              <a:shade val="50000"/>
+            </a:schemeClr>
+          </a:lnRef>
+          <a:fillRef idx="1">
+            <a:schemeClr val="accent1"/>
+          </a:fillRef>
+          <a:effectRef idx="0">
+            <a:schemeClr val="accent1"/>
+          </a:effectRef>
+          <a:fontRef idx="minor">
+            <a:schemeClr val="lt1"/>
+          </a:fontRef>
+        </p:style>
+        <p:txBody>
+          <a:bodyPr rtlCol="0" anchor="ctr"/>
+          <a:lstStyle/>
+          <a:p>
+            <a:pPr algn="ctr"/>
+            <a:r>
+              <a:rPr lang="en-US" dirty="0"/>
+              <a:t>(3)</a:t>
+            </a:r>
+          </a:p>
+          <a:p>
+            <a:pPr algn="ctr"/>
+            <a:r>
+              <a:rPr lang="en-US" dirty="0"/>
+              <a:t>Get state tax rate and home price trend</a:t>
+            </a:r>
+          </a:p>
+        </p:txBody>
+      </p:sp>
+      <p:sp>
+        <p:nvSpPr>
+          <p:cNvPr id="14" name="Arrow: Right 13">
+            <a:extLst>
+              <a:ext uri="{FF2B5EF4-FFF2-40B4-BE49-F238E27FC236}">
+                <a16:creationId xmlns:a16="http://schemas.microsoft.com/office/drawing/2014/main" id="{710BA0AC-1A55-4E4B-BAA9-F5E99A8A14DC}"/>
+              </a:ext>
+            </a:extLst>
+          </p:cNvPr>
+          <p:cNvSpPr/>
+          <p:nvPr/>
+        </p:nvSpPr>
+        <p:spPr>
+          <a:xfrm>
+            <a:off x="8846857" y="2218205"/>
+            <a:ext cx="653560" cy="430822"/>
+          </a:xfrm>
+          <a:prstGeom prst="rightArrow">
+            <a:avLst/>
+          </a:prstGeom>
+        </p:spPr>
+        <p:style>
+          <a:lnRef idx="2">
+            <a:schemeClr val="accent1">
+              <a:shade val="50000"/>
+            </a:schemeClr>
+          </a:lnRef>
+          <a:fillRef idx="1">
+            <a:schemeClr val="accent1"/>
+          </a:fillRef>
+          <a:effectRef idx="0">
+            <a:schemeClr val="accent1"/>
+          </a:effectRef>
+          <a:fontRef idx="minor">
+            <a:schemeClr val="lt1"/>
+          </a:fontRef>
+        </p:style>
+        <p:txBody>
+          <a:bodyPr rtlCol="0" anchor="ctr"/>
+          <a:lstStyle/>
+          <a:p>
+            <a:pPr algn="ctr"/>
+            <a:endParaRPr lang="en-US"/>
+          </a:p>
+        </p:txBody>
+      </p:sp>
+      <p:graphicFrame>
+        <p:nvGraphicFramePr>
+          <p:cNvPr id="15" name="Table 14">
+            <a:extLst>
+              <a:ext uri="{FF2B5EF4-FFF2-40B4-BE49-F238E27FC236}">
+                <a16:creationId xmlns:a16="http://schemas.microsoft.com/office/drawing/2014/main" id="{38AE4A53-878B-4327-B5F8-4CE5A55CD9FE}"/>
+              </a:ext>
+            </a:extLst>
+          </p:cNvPr>
+          <p:cNvGraphicFramePr>
+            <a:graphicFrameLocks noGrp="1"/>
+          </p:cNvGraphicFramePr>
+          <p:nvPr>
+            <p:extLst>
+              <p:ext uri="{D42A27DB-BD31-4B8C-83A1-F6EECF244321}">
+                <p14:modId xmlns:p14="http://schemas.microsoft.com/office/powerpoint/2010/main" val="719422650"/>
+              </p:ext>
+            </p:extLst>
+          </p:nvPr>
+        </p:nvGraphicFramePr>
+        <p:xfrm>
+          <a:off x="7215438" y="3541583"/>
+          <a:ext cx="4100262" cy="2417456"/>
+        </p:xfrm>
+        <a:graphic>
+          <a:graphicData uri="http://schemas.openxmlformats.org/drawingml/2006/table">
+            <a:tbl>
+              <a:tblPr/>
+              <a:tblGrid>
+                <a:gridCol w="314397">
+                  <a:extLst>
+                    <a:ext uri="{9D8B030D-6E8A-4147-A177-3AD203B41FA5}">
+                      <a16:colId xmlns:a16="http://schemas.microsoft.com/office/drawing/2014/main" val="627972978"/>
+                    </a:ext>
+                  </a:extLst>
+                </a:gridCol>
+                <a:gridCol w="2764074">
+                  <a:extLst>
+                    <a:ext uri="{9D8B030D-6E8A-4147-A177-3AD203B41FA5}">
+                      <a16:colId xmlns:a16="http://schemas.microsoft.com/office/drawing/2014/main" val="1331289709"/>
+                    </a:ext>
+                  </a:extLst>
+                </a:gridCol>
+                <a:gridCol w="1021791">
+                  <a:extLst>
+                    <a:ext uri="{9D8B030D-6E8A-4147-A177-3AD203B41FA5}">
+                      <a16:colId xmlns:a16="http://schemas.microsoft.com/office/drawing/2014/main" val="394571513"/>
+                    </a:ext>
+                  </a:extLst>
+                </a:gridCol>
+              </a:tblGrid>
+              <a:tr h="302182">
+                <a:tc>
+                  <a:txBody>
+                    <a:bodyPr/>
+                    <a:lstStyle/>
+                    <a:p>
+                      <a:pPr algn="ctr" fontAlgn="ctr"/>
+                      <a:r>
+                        <a:rPr lang="en-US" sz="1100" b="1" i="0" u="sng" strike="noStrike">
+                          <a:solidFill>
+                            <a:srgbClr val="000000"/>
+                          </a:solidFill>
+                          <a:effectLst/>
+                          <a:latin typeface="Calibri" panose="020F0502020204030204" pitchFamily="34" charset="0"/>
+                        </a:rPr>
+                        <a:t>No. </a:t>
+                      </a:r>
+                    </a:p>
+                  </a:txBody>
+                  <a:tcPr marL="7620" marR="7620" marT="7620" marB="0" anchor="ctr">
+                    <a:lnL w="6350" cap="flat" cmpd="sng" algn="ctr">
+                      <a:solidFill>
+                        <a:srgbClr val="000000"/>
+                      </a:solidFill>
+                      <a:prstDash val="solid"/>
+                      <a:round/>
+                      <a:headEnd type="none" w="med" len="med"/>
+                      <a:tailEnd type="none" w="med" len="med"/>
+                    </a:lnL>
+                    <a:lnR w="6350" cap="flat" cmpd="sng" algn="ctr">
+                      <a:solidFill>
+                        <a:srgbClr val="000000"/>
+                      </a:solidFill>
+                      <a:prstDash val="solid"/>
+                      <a:round/>
+                      <a:headEnd type="none" w="med" len="med"/>
+                      <a:tailEnd type="none" w="med" len="med"/>
+                    </a:lnR>
+                    <a:lnT w="6350" cap="flat" cmpd="sng" algn="ctr">
+                      <a:solidFill>
+                        <a:srgbClr val="000000"/>
+                      </a:solidFill>
+                      <a:prstDash val="solid"/>
+                      <a:round/>
+                      <a:headEnd type="none" w="med" len="med"/>
+                      <a:tailEnd type="none" w="med" len="med"/>
+                    </a:lnT>
+                    <a:lnB w="6350" cap="flat" cmpd="sng" algn="ctr">
+                      <a:solidFill>
+                        <a:srgbClr val="000000"/>
+                      </a:solidFill>
+                      <a:prstDash val="solid"/>
+                      <a:round/>
+                      <a:headEnd type="none" w="med" len="med"/>
+                      <a:tailEnd type="none" w="med" len="med"/>
+                    </a:lnB>
+                    <a:solidFill>
+                      <a:srgbClr val="D9D9D9"/>
+                    </a:solidFill>
+                  </a:tcPr>
+                </a:tc>
+                <a:tc>
+                  <a:txBody>
+                    <a:bodyPr/>
+                    <a:lstStyle/>
+                    <a:p>
+                      <a:pPr algn="ctr" fontAlgn="ctr"/>
+                      <a:r>
+                        <a:rPr lang="en-US" sz="1100" b="1" i="0" u="sng" strike="noStrike">
+                          <a:solidFill>
+                            <a:srgbClr val="000000"/>
+                          </a:solidFill>
+                          <a:effectLst/>
+                          <a:latin typeface="Calibri" panose="020F0502020204030204" pitchFamily="34" charset="0"/>
+                        </a:rPr>
+                        <a:t>Tasks</a:t>
+                      </a:r>
+                    </a:p>
+                  </a:txBody>
+                  <a:tcPr marL="7620" marR="7620" marT="7620" marB="0" anchor="ctr">
+                    <a:lnL w="6350" cap="flat" cmpd="sng" algn="ctr">
+                      <a:solidFill>
+                        <a:srgbClr val="000000"/>
+                      </a:solidFill>
+                      <a:prstDash val="solid"/>
+                      <a:round/>
+                      <a:headEnd type="none" w="med" len="med"/>
+                      <a:tailEnd type="none" w="med" len="med"/>
+                    </a:lnL>
+                    <a:lnR w="6350" cap="flat" cmpd="sng" algn="ctr">
+                      <a:solidFill>
+                        <a:srgbClr val="000000"/>
+                      </a:solidFill>
+                      <a:prstDash val="solid"/>
+                      <a:round/>
+                      <a:headEnd type="none" w="med" len="med"/>
+                      <a:tailEnd type="none" w="med" len="med"/>
+                    </a:lnR>
+                    <a:lnT w="6350" cap="flat" cmpd="sng" algn="ctr">
+                      <a:solidFill>
+                        <a:srgbClr val="000000"/>
+                      </a:solidFill>
+                      <a:prstDash val="solid"/>
+                      <a:round/>
+                      <a:headEnd type="none" w="med" len="med"/>
+                      <a:tailEnd type="none" w="med" len="med"/>
+                    </a:lnT>
+                    <a:lnB w="6350" cap="flat" cmpd="sng" algn="ctr">
+                      <a:solidFill>
+                        <a:srgbClr val="000000"/>
+                      </a:solidFill>
+                      <a:prstDash val="solid"/>
+                      <a:round/>
+                      <a:headEnd type="none" w="med" len="med"/>
+                      <a:tailEnd type="none" w="med" len="med"/>
+                    </a:lnB>
+                    <a:solidFill>
+                      <a:srgbClr val="D9D9D9"/>
+                    </a:solidFill>
+                  </a:tcPr>
+                </a:tc>
+                <a:tc>
+                  <a:txBody>
+                    <a:bodyPr/>
+                    <a:lstStyle/>
+                    <a:p>
+                      <a:pPr algn="ctr" fontAlgn="ctr"/>
+                      <a:r>
+                        <a:rPr lang="en-US" sz="1100" b="1" i="0" u="sng" strike="noStrike">
+                          <a:solidFill>
+                            <a:srgbClr val="000000"/>
+                          </a:solidFill>
+                          <a:effectLst/>
+                          <a:latin typeface="Calibri" panose="020F0502020204030204" pitchFamily="34" charset="0"/>
+                        </a:rPr>
+                        <a:t>Person in charge</a:t>
+                      </a:r>
+                    </a:p>
+                  </a:txBody>
+                  <a:tcPr marL="7620" marR="7620" marT="7620" marB="0" anchor="ctr">
+                    <a:lnL w="6350" cap="flat" cmpd="sng" algn="ctr">
+                      <a:solidFill>
+                        <a:srgbClr val="000000"/>
+                      </a:solidFill>
+                      <a:prstDash val="solid"/>
+                      <a:round/>
+                      <a:headEnd type="none" w="med" len="med"/>
+                      <a:tailEnd type="none" w="med" len="med"/>
+                    </a:lnL>
+                    <a:lnR w="6350" cap="flat" cmpd="sng" algn="ctr">
+                      <a:solidFill>
+                        <a:srgbClr val="000000"/>
+                      </a:solidFill>
+                      <a:prstDash val="solid"/>
+                      <a:round/>
+                      <a:headEnd type="none" w="med" len="med"/>
+                      <a:tailEnd type="none" w="med" len="med"/>
+                    </a:lnR>
+                    <a:lnT w="6350" cap="flat" cmpd="sng" algn="ctr">
+                      <a:solidFill>
+                        <a:srgbClr val="000000"/>
+                      </a:solidFill>
+                      <a:prstDash val="solid"/>
+                      <a:round/>
+                      <a:headEnd type="none" w="med" len="med"/>
+                      <a:tailEnd type="none" w="med" len="med"/>
+                    </a:lnT>
+                    <a:lnB w="6350" cap="flat" cmpd="sng" algn="ctr">
+                      <a:solidFill>
+                        <a:srgbClr val="000000"/>
+                      </a:solidFill>
+                      <a:prstDash val="solid"/>
+                      <a:round/>
+                      <a:headEnd type="none" w="med" len="med"/>
+                      <a:tailEnd type="none" w="med" len="med"/>
+                    </a:lnB>
+                    <a:solidFill>
+                      <a:srgbClr val="D9D9D9"/>
+                    </a:solidFill>
+                  </a:tcPr>
+                </a:tc>
+                <a:extLst>
+                  <a:ext uri="{0D108BD9-81ED-4DB2-BD59-A6C34878D82A}">
+                    <a16:rowId xmlns:a16="http://schemas.microsoft.com/office/drawing/2014/main" val="681482602"/>
+                  </a:ext>
+                </a:extLst>
+              </a:tr>
+              <a:tr h="302182">
+                <a:tc>
+                  <a:txBody>
+                    <a:bodyPr/>
+                    <a:lstStyle/>
+                    <a:p>
+                      <a:pPr algn="ctr" fontAlgn="ctr"/>
+                      <a:r>
+                        <a:rPr lang="en-US" sz="1100" b="0" i="0" u="none" strike="noStrike">
+                          <a:solidFill>
+                            <a:srgbClr val="000000"/>
+                          </a:solidFill>
+                          <a:effectLst/>
+                          <a:latin typeface="Calibri" panose="020F0502020204030204" pitchFamily="34" charset="0"/>
+                        </a:rPr>
+                        <a:t>1</a:t>
+                      </a:r>
+                    </a:p>
+                  </a:txBody>
+                  <a:tcPr marL="7620" marR="7620" marT="7620" marB="0" anchor="ctr">
+                    <a:lnL w="6350" cap="flat" cmpd="sng" algn="ctr">
+                      <a:solidFill>
+                        <a:srgbClr val="000000"/>
+                      </a:solidFill>
+                      <a:prstDash val="solid"/>
+                      <a:round/>
+                      <a:headEnd type="none" w="med" len="med"/>
+                      <a:tailEnd type="none" w="med" len="med"/>
+                    </a:lnL>
+                    <a:lnR w="6350" cap="flat" cmpd="sng" algn="ctr">
+                      <a:solidFill>
+                        <a:srgbClr val="000000"/>
+                      </a:solidFill>
+                      <a:prstDash val="solid"/>
+                      <a:round/>
+                      <a:headEnd type="none" w="med" len="med"/>
+                      <a:tailEnd type="none" w="med" len="med"/>
+                    </a:lnR>
+                    <a:lnT w="6350" cap="flat" cmpd="sng" algn="ctr">
+                      <a:solidFill>
+                        <a:srgbClr val="000000"/>
+                      </a:solidFill>
+                      <a:prstDash val="solid"/>
+                      <a:round/>
+                      <a:headEnd type="none" w="med" len="med"/>
+                      <a:tailEnd type="none" w="med" len="med"/>
+                    </a:lnT>
+                    <a:lnB w="6350" cap="flat" cmpd="sng" algn="ctr">
+                      <a:solidFill>
+                        <a:srgbClr val="000000"/>
+                      </a:solidFill>
+                      <a:prstDash val="solid"/>
+                      <a:round/>
+                      <a:headEnd type="none" w="med" len="med"/>
+                      <a:tailEnd type="none" w="med" len="med"/>
+                    </a:lnB>
+                  </a:tcPr>
+                </a:tc>
+                <a:tc>
+                  <a:txBody>
+                    <a:bodyPr/>
+                    <a:lstStyle/>
+                    <a:p>
+                      <a:pPr algn="ctr" fontAlgn="ctr"/>
+                      <a:r>
+                        <a:rPr lang="en-US" sz="1100" b="0" i="0" u="none" strike="noStrike">
+                          <a:solidFill>
+                            <a:srgbClr val="000000"/>
+                          </a:solidFill>
+                          <a:effectLst/>
+                          <a:latin typeface="Calibri" panose="020F0502020204030204" pitchFamily="34" charset="0"/>
+                        </a:rPr>
+                        <a:t>Get median home prices </a:t>
+                      </a:r>
+                    </a:p>
+                  </a:txBody>
+                  <a:tcPr marL="7620" marR="7620" marT="7620" marB="0" anchor="ctr">
+                    <a:lnL w="6350" cap="flat" cmpd="sng" algn="ctr">
+                      <a:solidFill>
+                        <a:srgbClr val="000000"/>
+                      </a:solidFill>
+                      <a:prstDash val="solid"/>
+                      <a:round/>
+                      <a:headEnd type="none" w="med" len="med"/>
+                      <a:tailEnd type="none" w="med" len="med"/>
+                    </a:lnL>
+                    <a:lnR w="6350" cap="flat" cmpd="sng" algn="ctr">
+                      <a:solidFill>
+                        <a:srgbClr val="000000"/>
+                      </a:solidFill>
+                      <a:prstDash val="solid"/>
+                      <a:round/>
+                      <a:headEnd type="none" w="med" len="med"/>
+                      <a:tailEnd type="none" w="med" len="med"/>
+                    </a:lnR>
+                    <a:lnT w="6350" cap="flat" cmpd="sng" algn="ctr">
+                      <a:solidFill>
+                        <a:srgbClr val="000000"/>
+                      </a:solidFill>
+                      <a:prstDash val="solid"/>
+                      <a:round/>
+                      <a:headEnd type="none" w="med" len="med"/>
+                      <a:tailEnd type="none" w="med" len="med"/>
+                    </a:lnT>
+                    <a:lnB w="6350" cap="flat" cmpd="sng" algn="ctr">
+                      <a:solidFill>
+                        <a:srgbClr val="000000"/>
+                      </a:solidFill>
+                      <a:prstDash val="solid"/>
+                      <a:round/>
+                      <a:headEnd type="none" w="med" len="med"/>
+                      <a:tailEnd type="none" w="med" len="med"/>
+                    </a:lnB>
+                  </a:tcPr>
+                </a:tc>
+                <a:tc>
+                  <a:txBody>
+                    <a:bodyPr/>
+                    <a:lstStyle/>
+                    <a:p>
+                      <a:pPr algn="ctr" fontAlgn="ctr"/>
+                      <a:r>
+                        <a:rPr lang="en-US" sz="1100" b="0" i="0" u="none" strike="noStrike">
+                          <a:solidFill>
+                            <a:srgbClr val="000000"/>
+                          </a:solidFill>
+                          <a:effectLst/>
+                          <a:latin typeface="Calibri" panose="020F0502020204030204" pitchFamily="34" charset="0"/>
+                        </a:rPr>
+                        <a:t>Bahar</a:t>
+                      </a:r>
+                    </a:p>
+                  </a:txBody>
+                  <a:tcPr marL="7620" marR="7620" marT="7620" marB="0" anchor="ctr">
+                    <a:lnL w="6350" cap="flat" cmpd="sng" algn="ctr">
+                      <a:solidFill>
+                        <a:srgbClr val="000000"/>
+                      </a:solidFill>
+                      <a:prstDash val="solid"/>
+                      <a:round/>
+                      <a:headEnd type="none" w="med" len="med"/>
+                      <a:tailEnd type="none" w="med" len="med"/>
+                    </a:lnL>
+                    <a:lnR w="6350" cap="flat" cmpd="sng" algn="ctr">
+                      <a:solidFill>
+                        <a:srgbClr val="000000"/>
+                      </a:solidFill>
+                      <a:prstDash val="solid"/>
+                      <a:round/>
+                      <a:headEnd type="none" w="med" len="med"/>
+                      <a:tailEnd type="none" w="med" len="med"/>
+                    </a:lnR>
+                    <a:lnT w="6350" cap="flat" cmpd="sng" algn="ctr">
+                      <a:solidFill>
+                        <a:srgbClr val="000000"/>
+                      </a:solidFill>
+                      <a:prstDash val="solid"/>
+                      <a:round/>
+                      <a:headEnd type="none" w="med" len="med"/>
+                      <a:tailEnd type="none" w="med" len="med"/>
+                    </a:lnT>
+                    <a:lnB w="6350" cap="flat" cmpd="sng" algn="ctr">
+                      <a:solidFill>
+                        <a:srgbClr val="000000"/>
+                      </a:solidFill>
+                      <a:prstDash val="solid"/>
+                      <a:round/>
+                      <a:headEnd type="none" w="med" len="med"/>
+                      <a:tailEnd type="none" w="med" len="med"/>
+                    </a:lnB>
+                  </a:tcPr>
+                </a:tc>
+                <a:extLst>
+                  <a:ext uri="{0D108BD9-81ED-4DB2-BD59-A6C34878D82A}">
+                    <a16:rowId xmlns:a16="http://schemas.microsoft.com/office/drawing/2014/main" val="597122820"/>
+                  </a:ext>
+                </a:extLst>
+              </a:tr>
+              <a:tr h="302182">
+                <a:tc>
+                  <a:txBody>
+                    <a:bodyPr/>
+                    <a:lstStyle/>
+                    <a:p>
+                      <a:pPr algn="ctr" fontAlgn="ctr"/>
+                      <a:r>
+                        <a:rPr lang="en-US" sz="1100" b="0" i="0" u="none" strike="noStrike">
+                          <a:solidFill>
+                            <a:srgbClr val="000000"/>
+                          </a:solidFill>
+                          <a:effectLst/>
+                          <a:latin typeface="Calibri" panose="020F0502020204030204" pitchFamily="34" charset="0"/>
+                        </a:rPr>
+                        <a:t>2</a:t>
+                      </a:r>
+                    </a:p>
+                  </a:txBody>
+                  <a:tcPr marL="7620" marR="7620" marT="7620" marB="0" anchor="ctr">
+                    <a:lnL w="6350" cap="flat" cmpd="sng" algn="ctr">
+                      <a:solidFill>
+                        <a:srgbClr val="000000"/>
+                      </a:solidFill>
+                      <a:prstDash val="solid"/>
+                      <a:round/>
+                      <a:headEnd type="none" w="med" len="med"/>
+                      <a:tailEnd type="none" w="med" len="med"/>
+                    </a:lnL>
+                    <a:lnR w="6350" cap="flat" cmpd="sng" algn="ctr">
+                      <a:solidFill>
+                        <a:srgbClr val="000000"/>
+                      </a:solidFill>
+                      <a:prstDash val="solid"/>
+                      <a:round/>
+                      <a:headEnd type="none" w="med" len="med"/>
+                      <a:tailEnd type="none" w="med" len="med"/>
+                    </a:lnR>
+                    <a:lnT w="6350" cap="flat" cmpd="sng" algn="ctr">
+                      <a:solidFill>
+                        <a:srgbClr val="000000"/>
+                      </a:solidFill>
+                      <a:prstDash val="solid"/>
+                      <a:round/>
+                      <a:headEnd type="none" w="med" len="med"/>
+                      <a:tailEnd type="none" w="med" len="med"/>
+                    </a:lnT>
+                    <a:lnB w="6350" cap="flat" cmpd="sng" algn="ctr">
+                      <a:solidFill>
+                        <a:srgbClr val="000000"/>
+                      </a:solidFill>
+                      <a:prstDash val="solid"/>
+                      <a:round/>
+                      <a:headEnd type="none" w="med" len="med"/>
+                      <a:tailEnd type="none" w="med" len="med"/>
+                    </a:lnB>
+                  </a:tcPr>
+                </a:tc>
+                <a:tc>
+                  <a:txBody>
+                    <a:bodyPr/>
+                    <a:lstStyle/>
+                    <a:p>
+                      <a:pPr algn="ctr" fontAlgn="ctr"/>
+                      <a:r>
+                        <a:rPr lang="en-US" sz="1100" b="0" i="0" u="none" strike="noStrike">
+                          <a:solidFill>
+                            <a:srgbClr val="000000"/>
+                          </a:solidFill>
+                          <a:effectLst/>
+                          <a:latin typeface="Calibri" panose="020F0502020204030204" pitchFamily="34" charset="0"/>
+                        </a:rPr>
+                        <a:t>Get median salary</a:t>
+                      </a:r>
+                    </a:p>
+                  </a:txBody>
+                  <a:tcPr marL="7620" marR="7620" marT="7620" marB="0" anchor="ctr">
+                    <a:lnL w="6350" cap="flat" cmpd="sng" algn="ctr">
+                      <a:solidFill>
+                        <a:srgbClr val="000000"/>
+                      </a:solidFill>
+                      <a:prstDash val="solid"/>
+                      <a:round/>
+                      <a:headEnd type="none" w="med" len="med"/>
+                      <a:tailEnd type="none" w="med" len="med"/>
+                    </a:lnL>
+                    <a:lnR w="6350" cap="flat" cmpd="sng" algn="ctr">
+                      <a:solidFill>
+                        <a:srgbClr val="000000"/>
+                      </a:solidFill>
+                      <a:prstDash val="solid"/>
+                      <a:round/>
+                      <a:headEnd type="none" w="med" len="med"/>
+                      <a:tailEnd type="none" w="med" len="med"/>
+                    </a:lnR>
+                    <a:lnT w="6350" cap="flat" cmpd="sng" algn="ctr">
+                      <a:solidFill>
+                        <a:srgbClr val="000000"/>
+                      </a:solidFill>
+                      <a:prstDash val="solid"/>
+                      <a:round/>
+                      <a:headEnd type="none" w="med" len="med"/>
+                      <a:tailEnd type="none" w="med" len="med"/>
+                    </a:lnT>
+                    <a:lnB w="6350" cap="flat" cmpd="sng" algn="ctr">
+                      <a:solidFill>
+                        <a:srgbClr val="000000"/>
+                      </a:solidFill>
+                      <a:prstDash val="solid"/>
+                      <a:round/>
+                      <a:headEnd type="none" w="med" len="med"/>
+                      <a:tailEnd type="none" w="med" len="med"/>
+                    </a:lnB>
+                  </a:tcPr>
+                </a:tc>
+                <a:tc>
+                  <a:txBody>
+                    <a:bodyPr/>
+                    <a:lstStyle/>
+                    <a:p>
+                      <a:pPr algn="ctr" fontAlgn="ctr"/>
+                      <a:r>
+                        <a:rPr lang="en-US" sz="1100" b="0" i="0" u="none" strike="noStrike" dirty="0">
+                          <a:solidFill>
+                            <a:srgbClr val="000000"/>
+                          </a:solidFill>
+                          <a:effectLst/>
+                          <a:latin typeface="Calibri" panose="020F0502020204030204" pitchFamily="34" charset="0"/>
+                        </a:rPr>
+                        <a:t>Molly</a:t>
+                      </a:r>
+                    </a:p>
+                  </a:txBody>
+                  <a:tcPr marL="7620" marR="7620" marT="7620" marB="0" anchor="ctr">
+                    <a:lnL w="6350" cap="flat" cmpd="sng" algn="ctr">
+                      <a:solidFill>
+                        <a:srgbClr val="000000"/>
+                      </a:solidFill>
+                      <a:prstDash val="solid"/>
+                      <a:round/>
+                      <a:headEnd type="none" w="med" len="med"/>
+                      <a:tailEnd type="none" w="med" len="med"/>
+                    </a:lnL>
+                    <a:lnR w="6350" cap="flat" cmpd="sng" algn="ctr">
+                      <a:solidFill>
+                        <a:srgbClr val="000000"/>
+                      </a:solidFill>
+                      <a:prstDash val="solid"/>
+                      <a:round/>
+                      <a:headEnd type="none" w="med" len="med"/>
+                      <a:tailEnd type="none" w="med" len="med"/>
+                    </a:lnR>
+                    <a:lnT w="6350" cap="flat" cmpd="sng" algn="ctr">
+                      <a:solidFill>
+                        <a:srgbClr val="000000"/>
+                      </a:solidFill>
+                      <a:prstDash val="solid"/>
+                      <a:round/>
+                      <a:headEnd type="none" w="med" len="med"/>
+                      <a:tailEnd type="none" w="med" len="med"/>
+                    </a:lnT>
+                    <a:lnB w="6350" cap="flat" cmpd="sng" algn="ctr">
+                      <a:solidFill>
+                        <a:srgbClr val="000000"/>
+                      </a:solidFill>
+                      <a:prstDash val="solid"/>
+                      <a:round/>
+                      <a:headEnd type="none" w="med" len="med"/>
+                      <a:tailEnd type="none" w="med" len="med"/>
+                    </a:lnB>
+                  </a:tcPr>
+                </a:tc>
+                <a:extLst>
+                  <a:ext uri="{0D108BD9-81ED-4DB2-BD59-A6C34878D82A}">
+                    <a16:rowId xmlns:a16="http://schemas.microsoft.com/office/drawing/2014/main" val="2566262265"/>
+                  </a:ext>
+                </a:extLst>
+              </a:tr>
+              <a:tr h="302182">
+                <a:tc>
+                  <a:txBody>
+                    <a:bodyPr/>
+                    <a:lstStyle/>
+                    <a:p>
+                      <a:pPr algn="ctr" fontAlgn="ctr"/>
+                      <a:r>
+                        <a:rPr lang="en-US" sz="1100" b="0" i="0" u="none" strike="noStrike">
+                          <a:solidFill>
+                            <a:srgbClr val="000000"/>
+                          </a:solidFill>
+                          <a:effectLst/>
+                          <a:latin typeface="Calibri" panose="020F0502020204030204" pitchFamily="34" charset="0"/>
+                        </a:rPr>
+                        <a:t>3</a:t>
+                      </a:r>
+                    </a:p>
+                  </a:txBody>
+                  <a:tcPr marL="7620" marR="7620" marT="7620" marB="0" anchor="ctr">
+                    <a:lnL w="6350" cap="flat" cmpd="sng" algn="ctr">
+                      <a:solidFill>
+                        <a:srgbClr val="000000"/>
+                      </a:solidFill>
+                      <a:prstDash val="solid"/>
+                      <a:round/>
+                      <a:headEnd type="none" w="med" len="med"/>
+                      <a:tailEnd type="none" w="med" len="med"/>
+                    </a:lnL>
+                    <a:lnR w="6350" cap="flat" cmpd="sng" algn="ctr">
+                      <a:solidFill>
+                        <a:srgbClr val="000000"/>
+                      </a:solidFill>
+                      <a:prstDash val="solid"/>
+                      <a:round/>
+                      <a:headEnd type="none" w="med" len="med"/>
+                      <a:tailEnd type="none" w="med" len="med"/>
+                    </a:lnR>
+                    <a:lnT w="6350" cap="flat" cmpd="sng" algn="ctr">
+                      <a:solidFill>
+                        <a:srgbClr val="000000"/>
+                      </a:solidFill>
+                      <a:prstDash val="solid"/>
+                      <a:round/>
+                      <a:headEnd type="none" w="med" len="med"/>
+                      <a:tailEnd type="none" w="med" len="med"/>
+                    </a:lnT>
+                    <a:lnB w="6350" cap="flat" cmpd="sng" algn="ctr">
+                      <a:solidFill>
+                        <a:srgbClr val="000000"/>
+                      </a:solidFill>
+                      <a:prstDash val="solid"/>
+                      <a:round/>
+                      <a:headEnd type="none" w="med" len="med"/>
+                      <a:tailEnd type="none" w="med" len="med"/>
+                    </a:lnB>
+                  </a:tcPr>
+                </a:tc>
+                <a:tc>
+                  <a:txBody>
+                    <a:bodyPr/>
+                    <a:lstStyle/>
+                    <a:p>
+                      <a:pPr algn="ctr" fontAlgn="ctr"/>
+                      <a:r>
+                        <a:rPr lang="en-US" sz="1100" b="0" i="0" u="none" strike="noStrike" dirty="0">
+                          <a:solidFill>
+                            <a:srgbClr val="000000"/>
+                          </a:solidFill>
+                          <a:effectLst/>
+                          <a:latin typeface="Calibri" panose="020F0502020204030204" pitchFamily="34" charset="0"/>
+                        </a:rPr>
+                        <a:t>Get unemployment and crime rate correlation</a:t>
+                      </a:r>
+                    </a:p>
+                  </a:txBody>
+                  <a:tcPr marL="7620" marR="7620" marT="7620" marB="0" anchor="ctr">
+                    <a:lnL w="6350" cap="flat" cmpd="sng" algn="ctr">
+                      <a:solidFill>
+                        <a:srgbClr val="000000"/>
+                      </a:solidFill>
+                      <a:prstDash val="solid"/>
+                      <a:round/>
+                      <a:headEnd type="none" w="med" len="med"/>
+                      <a:tailEnd type="none" w="med" len="med"/>
+                    </a:lnL>
+                    <a:lnR w="6350" cap="flat" cmpd="sng" algn="ctr">
+                      <a:solidFill>
+                        <a:srgbClr val="000000"/>
+                      </a:solidFill>
+                      <a:prstDash val="solid"/>
+                      <a:round/>
+                      <a:headEnd type="none" w="med" len="med"/>
+                      <a:tailEnd type="none" w="med" len="med"/>
+                    </a:lnR>
+                    <a:lnT w="6350" cap="flat" cmpd="sng" algn="ctr">
+                      <a:solidFill>
+                        <a:srgbClr val="000000"/>
+                      </a:solidFill>
+                      <a:prstDash val="solid"/>
+                      <a:round/>
+                      <a:headEnd type="none" w="med" len="med"/>
+                      <a:tailEnd type="none" w="med" len="med"/>
+                    </a:lnT>
+                    <a:lnB w="6350" cap="flat" cmpd="sng" algn="ctr">
+                      <a:solidFill>
+                        <a:srgbClr val="000000"/>
+                      </a:solidFill>
+                      <a:prstDash val="solid"/>
+                      <a:round/>
+                      <a:headEnd type="none" w="med" len="med"/>
+                      <a:tailEnd type="none" w="med" len="med"/>
+                    </a:lnB>
+                  </a:tcPr>
+                </a:tc>
+                <a:tc>
+                  <a:txBody>
+                    <a:bodyPr/>
+                    <a:lstStyle/>
+                    <a:p>
+                      <a:pPr algn="ctr" fontAlgn="ctr"/>
+                      <a:r>
+                        <a:rPr lang="en-US" sz="1100" b="0" i="0" u="none" strike="noStrike">
+                          <a:solidFill>
+                            <a:srgbClr val="000000"/>
+                          </a:solidFill>
+                          <a:effectLst/>
+                          <a:latin typeface="Calibri" panose="020F0502020204030204" pitchFamily="34" charset="0"/>
+                        </a:rPr>
+                        <a:t>Catherine</a:t>
+                      </a:r>
+                    </a:p>
+                  </a:txBody>
+                  <a:tcPr marL="7620" marR="7620" marT="7620" marB="0" anchor="ctr">
+                    <a:lnL w="6350" cap="flat" cmpd="sng" algn="ctr">
+                      <a:solidFill>
+                        <a:srgbClr val="000000"/>
+                      </a:solidFill>
+                      <a:prstDash val="solid"/>
+                      <a:round/>
+                      <a:headEnd type="none" w="med" len="med"/>
+                      <a:tailEnd type="none" w="med" len="med"/>
+                    </a:lnL>
+                    <a:lnR w="6350" cap="flat" cmpd="sng" algn="ctr">
+                      <a:solidFill>
+                        <a:srgbClr val="000000"/>
+                      </a:solidFill>
+                      <a:prstDash val="solid"/>
+                      <a:round/>
+                      <a:headEnd type="none" w="med" len="med"/>
+                      <a:tailEnd type="none" w="med" len="med"/>
+                    </a:lnR>
+                    <a:lnT w="6350" cap="flat" cmpd="sng" algn="ctr">
+                      <a:solidFill>
+                        <a:srgbClr val="000000"/>
+                      </a:solidFill>
+                      <a:prstDash val="solid"/>
+                      <a:round/>
+                      <a:headEnd type="none" w="med" len="med"/>
+                      <a:tailEnd type="none" w="med" len="med"/>
+                    </a:lnT>
+                    <a:lnB w="6350" cap="flat" cmpd="sng" algn="ctr">
+                      <a:solidFill>
+                        <a:srgbClr val="000000"/>
+                      </a:solidFill>
+                      <a:prstDash val="solid"/>
+                      <a:round/>
+                      <a:headEnd type="none" w="med" len="med"/>
+                      <a:tailEnd type="none" w="med" len="med"/>
+                    </a:lnB>
+                  </a:tcPr>
+                </a:tc>
+                <a:extLst>
+                  <a:ext uri="{0D108BD9-81ED-4DB2-BD59-A6C34878D82A}">
+                    <a16:rowId xmlns:a16="http://schemas.microsoft.com/office/drawing/2014/main" val="1082596135"/>
+                  </a:ext>
+                </a:extLst>
+              </a:tr>
+              <a:tr h="302182">
+                <a:tc>
+                  <a:txBody>
+                    <a:bodyPr/>
+                    <a:lstStyle/>
+                    <a:p>
+                      <a:pPr algn="ctr" fontAlgn="ctr"/>
+                      <a:r>
+                        <a:rPr lang="en-US" sz="1100" b="0" i="0" u="none" strike="noStrike">
+                          <a:solidFill>
+                            <a:srgbClr val="000000"/>
+                          </a:solidFill>
+                          <a:effectLst/>
+                          <a:latin typeface="Calibri" panose="020F0502020204030204" pitchFamily="34" charset="0"/>
+                        </a:rPr>
+                        <a:t>4</a:t>
+                      </a:r>
+                    </a:p>
+                  </a:txBody>
+                  <a:tcPr marL="7620" marR="7620" marT="7620" marB="0" anchor="ctr">
+                    <a:lnL w="6350" cap="flat" cmpd="sng" algn="ctr">
+                      <a:solidFill>
+                        <a:srgbClr val="000000"/>
+                      </a:solidFill>
+                      <a:prstDash val="solid"/>
+                      <a:round/>
+                      <a:headEnd type="none" w="med" len="med"/>
+                      <a:tailEnd type="none" w="med" len="med"/>
+                    </a:lnL>
+                    <a:lnR w="6350" cap="flat" cmpd="sng" algn="ctr">
+                      <a:solidFill>
+                        <a:srgbClr val="000000"/>
+                      </a:solidFill>
+                      <a:prstDash val="solid"/>
+                      <a:round/>
+                      <a:headEnd type="none" w="med" len="med"/>
+                      <a:tailEnd type="none" w="med" len="med"/>
+                    </a:lnR>
+                    <a:lnT w="6350" cap="flat" cmpd="sng" algn="ctr">
+                      <a:solidFill>
+                        <a:srgbClr val="000000"/>
+                      </a:solidFill>
+                      <a:prstDash val="solid"/>
+                      <a:round/>
+                      <a:headEnd type="none" w="med" len="med"/>
+                      <a:tailEnd type="none" w="med" len="med"/>
+                    </a:lnT>
+                    <a:lnB w="6350" cap="flat" cmpd="sng" algn="ctr">
+                      <a:solidFill>
+                        <a:srgbClr val="000000"/>
+                      </a:solidFill>
+                      <a:prstDash val="solid"/>
+                      <a:round/>
+                      <a:headEnd type="none" w="med" len="med"/>
+                      <a:tailEnd type="none" w="med" len="med"/>
+                    </a:lnB>
+                  </a:tcPr>
+                </a:tc>
+                <a:tc>
+                  <a:txBody>
+                    <a:bodyPr/>
+                    <a:lstStyle/>
+                    <a:p>
+                      <a:pPr algn="ctr" fontAlgn="ctr"/>
+                      <a:r>
+                        <a:rPr lang="en-US" sz="1100" b="0" i="0" u="none" strike="noStrike">
+                          <a:solidFill>
+                            <a:srgbClr val="000000"/>
+                          </a:solidFill>
+                          <a:effectLst/>
+                          <a:latin typeface="Calibri" panose="020F0502020204030204" pitchFamily="34" charset="0"/>
+                        </a:rPr>
+                        <a:t>Get state tax and climate datasets</a:t>
+                      </a:r>
+                    </a:p>
+                  </a:txBody>
+                  <a:tcPr marL="7620" marR="7620" marT="7620" marB="0" anchor="ctr">
+                    <a:lnL w="6350" cap="flat" cmpd="sng" algn="ctr">
+                      <a:solidFill>
+                        <a:srgbClr val="000000"/>
+                      </a:solidFill>
+                      <a:prstDash val="solid"/>
+                      <a:round/>
+                      <a:headEnd type="none" w="med" len="med"/>
+                      <a:tailEnd type="none" w="med" len="med"/>
+                    </a:lnL>
+                    <a:lnR w="6350" cap="flat" cmpd="sng" algn="ctr">
+                      <a:solidFill>
+                        <a:srgbClr val="000000"/>
+                      </a:solidFill>
+                      <a:prstDash val="solid"/>
+                      <a:round/>
+                      <a:headEnd type="none" w="med" len="med"/>
+                      <a:tailEnd type="none" w="med" len="med"/>
+                    </a:lnR>
+                    <a:lnT w="6350" cap="flat" cmpd="sng" algn="ctr">
+                      <a:solidFill>
+                        <a:srgbClr val="000000"/>
+                      </a:solidFill>
+                      <a:prstDash val="solid"/>
+                      <a:round/>
+                      <a:headEnd type="none" w="med" len="med"/>
+                      <a:tailEnd type="none" w="med" len="med"/>
+                    </a:lnT>
+                    <a:lnB w="6350" cap="flat" cmpd="sng" algn="ctr">
+                      <a:solidFill>
+                        <a:srgbClr val="000000"/>
+                      </a:solidFill>
+                      <a:prstDash val="solid"/>
+                      <a:round/>
+                      <a:headEnd type="none" w="med" len="med"/>
+                      <a:tailEnd type="none" w="med" len="med"/>
+                    </a:lnB>
+                  </a:tcPr>
+                </a:tc>
+                <a:tc>
+                  <a:txBody>
+                    <a:bodyPr/>
+                    <a:lstStyle/>
+                    <a:p>
+                      <a:pPr algn="ctr" fontAlgn="ctr"/>
+                      <a:r>
+                        <a:rPr lang="en-US" sz="1100" b="0" i="0" u="none" strike="noStrike" dirty="0">
+                          <a:solidFill>
+                            <a:srgbClr val="000000"/>
+                          </a:solidFill>
+                          <a:effectLst/>
+                          <a:latin typeface="Calibri" panose="020F0502020204030204" pitchFamily="34" charset="0"/>
+                        </a:rPr>
+                        <a:t>Prakash</a:t>
+                      </a:r>
+                    </a:p>
+                  </a:txBody>
+                  <a:tcPr marL="7620" marR="7620" marT="7620" marB="0" anchor="ctr">
+                    <a:lnL w="6350" cap="flat" cmpd="sng" algn="ctr">
+                      <a:solidFill>
+                        <a:srgbClr val="000000"/>
+                      </a:solidFill>
+                      <a:prstDash val="solid"/>
+                      <a:round/>
+                      <a:headEnd type="none" w="med" len="med"/>
+                      <a:tailEnd type="none" w="med" len="med"/>
+                    </a:lnL>
+                    <a:lnR w="6350" cap="flat" cmpd="sng" algn="ctr">
+                      <a:solidFill>
+                        <a:srgbClr val="000000"/>
+                      </a:solidFill>
+                      <a:prstDash val="solid"/>
+                      <a:round/>
+                      <a:headEnd type="none" w="med" len="med"/>
+                      <a:tailEnd type="none" w="med" len="med"/>
+                    </a:lnR>
+                    <a:lnT w="6350" cap="flat" cmpd="sng" algn="ctr">
+                      <a:solidFill>
+                        <a:srgbClr val="000000"/>
+                      </a:solidFill>
+                      <a:prstDash val="solid"/>
+                      <a:round/>
+                      <a:headEnd type="none" w="med" len="med"/>
+                      <a:tailEnd type="none" w="med" len="med"/>
+                    </a:lnT>
+                    <a:lnB w="6350" cap="flat" cmpd="sng" algn="ctr">
+                      <a:solidFill>
+                        <a:srgbClr val="000000"/>
+                      </a:solidFill>
+                      <a:prstDash val="solid"/>
+                      <a:round/>
+                      <a:headEnd type="none" w="med" len="med"/>
+                      <a:tailEnd type="none" w="med" len="med"/>
+                    </a:lnB>
+                  </a:tcPr>
+                </a:tc>
+                <a:extLst>
+                  <a:ext uri="{0D108BD9-81ED-4DB2-BD59-A6C34878D82A}">
+                    <a16:rowId xmlns:a16="http://schemas.microsoft.com/office/drawing/2014/main" val="3777229127"/>
+                  </a:ext>
+                </a:extLst>
+              </a:tr>
+              <a:tr h="302182">
+                <a:tc>
+                  <a:txBody>
+                    <a:bodyPr/>
+                    <a:lstStyle/>
+                    <a:p>
+                      <a:pPr algn="ctr" fontAlgn="ctr"/>
+                      <a:r>
+                        <a:rPr lang="en-US" sz="1100" b="0" i="0" u="none" strike="noStrike">
+                          <a:solidFill>
+                            <a:srgbClr val="000000"/>
+                          </a:solidFill>
+                          <a:effectLst/>
+                          <a:latin typeface="Calibri" panose="020F0502020204030204" pitchFamily="34" charset="0"/>
+                        </a:rPr>
+                        <a:t>5</a:t>
+                      </a:r>
+                    </a:p>
+                  </a:txBody>
+                  <a:tcPr marL="7620" marR="7620" marT="7620" marB="0" anchor="ctr">
+                    <a:lnL w="6350" cap="flat" cmpd="sng" algn="ctr">
+                      <a:solidFill>
+                        <a:srgbClr val="000000"/>
+                      </a:solidFill>
+                      <a:prstDash val="solid"/>
+                      <a:round/>
+                      <a:headEnd type="none" w="med" len="med"/>
+                      <a:tailEnd type="none" w="med" len="med"/>
+                    </a:lnL>
+                    <a:lnR w="6350" cap="flat" cmpd="sng" algn="ctr">
+                      <a:solidFill>
+                        <a:srgbClr val="000000"/>
+                      </a:solidFill>
+                      <a:prstDash val="solid"/>
+                      <a:round/>
+                      <a:headEnd type="none" w="med" len="med"/>
+                      <a:tailEnd type="none" w="med" len="med"/>
+                    </a:lnR>
+                    <a:lnT w="6350" cap="flat" cmpd="sng" algn="ctr">
+                      <a:solidFill>
+                        <a:srgbClr val="000000"/>
+                      </a:solidFill>
+                      <a:prstDash val="solid"/>
+                      <a:round/>
+                      <a:headEnd type="none" w="med" len="med"/>
+                      <a:tailEnd type="none" w="med" len="med"/>
+                    </a:lnT>
+                    <a:lnB w="6350" cap="flat" cmpd="sng" algn="ctr">
+                      <a:solidFill>
+                        <a:srgbClr val="000000"/>
+                      </a:solidFill>
+                      <a:prstDash val="solid"/>
+                      <a:round/>
+                      <a:headEnd type="none" w="med" len="med"/>
+                      <a:tailEnd type="none" w="med" len="med"/>
+                    </a:lnB>
+                  </a:tcPr>
+                </a:tc>
+                <a:tc>
+                  <a:txBody>
+                    <a:bodyPr/>
+                    <a:lstStyle/>
+                    <a:p>
+                      <a:pPr algn="ctr" fontAlgn="ctr"/>
+                      <a:r>
+                        <a:rPr lang="en-US" sz="1100" b="0" i="0" u="none" strike="noStrike">
+                          <a:solidFill>
+                            <a:srgbClr val="000000"/>
+                          </a:solidFill>
+                          <a:effectLst/>
+                          <a:latin typeface="Calibri" panose="020F0502020204030204" pitchFamily="34" charset="0"/>
+                        </a:rPr>
+                        <a:t>Get state tax rate and home price trend</a:t>
+                      </a:r>
+                    </a:p>
+                  </a:txBody>
+                  <a:tcPr marL="7620" marR="7620" marT="7620" marB="0" anchor="ctr">
+                    <a:lnL w="6350" cap="flat" cmpd="sng" algn="ctr">
+                      <a:solidFill>
+                        <a:srgbClr val="000000"/>
+                      </a:solidFill>
+                      <a:prstDash val="solid"/>
+                      <a:round/>
+                      <a:headEnd type="none" w="med" len="med"/>
+                      <a:tailEnd type="none" w="med" len="med"/>
+                    </a:lnL>
+                    <a:lnR w="6350" cap="flat" cmpd="sng" algn="ctr">
+                      <a:solidFill>
+                        <a:srgbClr val="000000"/>
+                      </a:solidFill>
+                      <a:prstDash val="solid"/>
+                      <a:round/>
+                      <a:headEnd type="none" w="med" len="med"/>
+                      <a:tailEnd type="none" w="med" len="med"/>
+                    </a:lnR>
+                    <a:lnT w="6350" cap="flat" cmpd="sng" algn="ctr">
+                      <a:solidFill>
+                        <a:srgbClr val="000000"/>
+                      </a:solidFill>
+                      <a:prstDash val="solid"/>
+                      <a:round/>
+                      <a:headEnd type="none" w="med" len="med"/>
+                      <a:tailEnd type="none" w="med" len="med"/>
+                    </a:lnT>
+                    <a:lnB w="6350" cap="flat" cmpd="sng" algn="ctr">
+                      <a:solidFill>
+                        <a:srgbClr val="000000"/>
+                      </a:solidFill>
+                      <a:prstDash val="solid"/>
+                      <a:round/>
+                      <a:headEnd type="none" w="med" len="med"/>
+                      <a:tailEnd type="none" w="med" len="med"/>
+                    </a:lnB>
+                  </a:tcPr>
+                </a:tc>
+                <a:tc>
+                  <a:txBody>
+                    <a:bodyPr/>
+                    <a:lstStyle/>
+                    <a:p>
+                      <a:pPr algn="ctr" fontAlgn="ctr"/>
+                      <a:r>
+                        <a:rPr lang="en-US" sz="1100" b="0" i="0" u="none" strike="noStrike" dirty="0" err="1">
+                          <a:solidFill>
+                            <a:srgbClr val="000000"/>
+                          </a:solidFill>
+                          <a:effectLst/>
+                          <a:latin typeface="Calibri" panose="020F0502020204030204" pitchFamily="34" charset="0"/>
+                        </a:rPr>
+                        <a:t>Bahar</a:t>
+                      </a:r>
+                      <a:endParaRPr lang="en-US" sz="1100" b="0" i="0" u="none" strike="noStrike" dirty="0">
+                        <a:solidFill>
+                          <a:srgbClr val="000000"/>
+                        </a:solidFill>
+                        <a:effectLst/>
+                        <a:latin typeface="Calibri" panose="020F0502020204030204" pitchFamily="34" charset="0"/>
+                      </a:endParaRPr>
+                    </a:p>
+                  </a:txBody>
+                  <a:tcPr marL="7620" marR="7620" marT="7620" marB="0" anchor="ctr">
+                    <a:lnL w="6350" cap="flat" cmpd="sng" algn="ctr">
+                      <a:solidFill>
+                        <a:srgbClr val="000000"/>
+                      </a:solidFill>
+                      <a:prstDash val="solid"/>
+                      <a:round/>
+                      <a:headEnd type="none" w="med" len="med"/>
+                      <a:tailEnd type="none" w="med" len="med"/>
+                    </a:lnL>
+                    <a:lnR w="6350" cap="flat" cmpd="sng" algn="ctr">
+                      <a:solidFill>
+                        <a:srgbClr val="000000"/>
+                      </a:solidFill>
+                      <a:prstDash val="solid"/>
+                      <a:round/>
+                      <a:headEnd type="none" w="med" len="med"/>
+                      <a:tailEnd type="none" w="med" len="med"/>
+                    </a:lnR>
+                    <a:lnT w="6350" cap="flat" cmpd="sng" algn="ctr">
+                      <a:solidFill>
+                        <a:srgbClr val="000000"/>
+                      </a:solidFill>
+                      <a:prstDash val="solid"/>
+                      <a:round/>
+                      <a:headEnd type="none" w="med" len="med"/>
+                      <a:tailEnd type="none" w="med" len="med"/>
+                    </a:lnT>
+                    <a:lnB w="6350" cap="flat" cmpd="sng" algn="ctr">
+                      <a:solidFill>
+                        <a:srgbClr val="000000"/>
+                      </a:solidFill>
+                      <a:prstDash val="solid"/>
+                      <a:round/>
+                      <a:headEnd type="none" w="med" len="med"/>
+                      <a:tailEnd type="none" w="med" len="med"/>
+                    </a:lnB>
+                  </a:tcPr>
+                </a:tc>
+                <a:extLst>
+                  <a:ext uri="{0D108BD9-81ED-4DB2-BD59-A6C34878D82A}">
+                    <a16:rowId xmlns:a16="http://schemas.microsoft.com/office/drawing/2014/main" val="247023052"/>
+                  </a:ext>
+                </a:extLst>
+              </a:tr>
+              <a:tr h="302182">
+                <a:tc>
+                  <a:txBody>
+                    <a:bodyPr/>
+                    <a:lstStyle/>
+                    <a:p>
+                      <a:pPr algn="ctr" fontAlgn="ctr"/>
+                      <a:r>
+                        <a:rPr lang="en-US" sz="1100" b="0" i="0" u="none" strike="noStrike">
+                          <a:solidFill>
+                            <a:srgbClr val="000000"/>
+                          </a:solidFill>
+                          <a:effectLst/>
+                          <a:latin typeface="Calibri" panose="020F0502020204030204" pitchFamily="34" charset="0"/>
+                        </a:rPr>
+                        <a:t>6</a:t>
+                      </a:r>
+                    </a:p>
+                  </a:txBody>
+                  <a:tcPr marL="7620" marR="7620" marT="7620" marB="0" anchor="ctr">
+                    <a:lnL w="6350" cap="flat" cmpd="sng" algn="ctr">
+                      <a:solidFill>
+                        <a:srgbClr val="000000"/>
+                      </a:solidFill>
+                      <a:prstDash val="solid"/>
+                      <a:round/>
+                      <a:headEnd type="none" w="med" len="med"/>
+                      <a:tailEnd type="none" w="med" len="med"/>
+                    </a:lnL>
+                    <a:lnR w="6350" cap="flat" cmpd="sng" algn="ctr">
+                      <a:solidFill>
+                        <a:srgbClr val="000000"/>
+                      </a:solidFill>
+                      <a:prstDash val="solid"/>
+                      <a:round/>
+                      <a:headEnd type="none" w="med" len="med"/>
+                      <a:tailEnd type="none" w="med" len="med"/>
+                    </a:lnR>
+                    <a:lnT w="6350" cap="flat" cmpd="sng" algn="ctr">
+                      <a:solidFill>
+                        <a:srgbClr val="000000"/>
+                      </a:solidFill>
+                      <a:prstDash val="solid"/>
+                      <a:round/>
+                      <a:headEnd type="none" w="med" len="med"/>
+                      <a:tailEnd type="none" w="med" len="med"/>
+                    </a:lnT>
+                    <a:lnB w="6350" cap="flat" cmpd="sng" algn="ctr">
+                      <a:solidFill>
+                        <a:srgbClr val="000000"/>
+                      </a:solidFill>
+                      <a:prstDash val="solid"/>
+                      <a:round/>
+                      <a:headEnd type="none" w="med" len="med"/>
+                      <a:tailEnd type="none" w="med" len="med"/>
+                    </a:lnB>
+                  </a:tcPr>
+                </a:tc>
+                <a:tc>
+                  <a:txBody>
+                    <a:bodyPr/>
+                    <a:lstStyle/>
+                    <a:p>
+                      <a:pPr algn="ctr" fontAlgn="ctr"/>
+                      <a:r>
+                        <a:rPr lang="en-US" sz="1100" b="0" i="0" u="none" strike="noStrike">
+                          <a:solidFill>
+                            <a:srgbClr val="000000"/>
+                          </a:solidFill>
+                          <a:effectLst/>
+                          <a:latin typeface="Calibri" panose="020F0502020204030204" pitchFamily="34" charset="0"/>
+                        </a:rPr>
+                        <a:t>Get climate correlation to home price</a:t>
+                      </a:r>
+                    </a:p>
+                  </a:txBody>
+                  <a:tcPr marL="7620" marR="7620" marT="7620" marB="0" anchor="ctr">
+                    <a:lnL w="6350" cap="flat" cmpd="sng" algn="ctr">
+                      <a:solidFill>
+                        <a:srgbClr val="000000"/>
+                      </a:solidFill>
+                      <a:prstDash val="solid"/>
+                      <a:round/>
+                      <a:headEnd type="none" w="med" len="med"/>
+                      <a:tailEnd type="none" w="med" len="med"/>
+                    </a:lnL>
+                    <a:lnR w="6350" cap="flat" cmpd="sng" algn="ctr">
+                      <a:solidFill>
+                        <a:srgbClr val="000000"/>
+                      </a:solidFill>
+                      <a:prstDash val="solid"/>
+                      <a:round/>
+                      <a:headEnd type="none" w="med" len="med"/>
+                      <a:tailEnd type="none" w="med" len="med"/>
+                    </a:lnR>
+                    <a:lnT w="6350" cap="flat" cmpd="sng" algn="ctr">
+                      <a:solidFill>
+                        <a:srgbClr val="000000"/>
+                      </a:solidFill>
+                      <a:prstDash val="solid"/>
+                      <a:round/>
+                      <a:headEnd type="none" w="med" len="med"/>
+                      <a:tailEnd type="none" w="med" len="med"/>
+                    </a:lnT>
+                    <a:lnB w="6350" cap="flat" cmpd="sng" algn="ctr">
+                      <a:solidFill>
+                        <a:srgbClr val="000000"/>
+                      </a:solidFill>
+                      <a:prstDash val="solid"/>
+                      <a:round/>
+                      <a:headEnd type="none" w="med" len="med"/>
+                      <a:tailEnd type="none" w="med" len="med"/>
+                    </a:lnB>
+                  </a:tcPr>
+                </a:tc>
+                <a:tc>
+                  <a:txBody>
+                    <a:bodyPr/>
+                    <a:lstStyle/>
+                    <a:p>
+                      <a:pPr algn="ctr" fontAlgn="ctr"/>
+                      <a:r>
+                        <a:rPr lang="en-US" sz="1100" b="0" i="0" u="none" strike="noStrike" dirty="0">
+                          <a:solidFill>
+                            <a:srgbClr val="000000"/>
+                          </a:solidFill>
+                          <a:effectLst/>
+                          <a:latin typeface="Calibri" panose="020F0502020204030204" pitchFamily="34" charset="0"/>
+                        </a:rPr>
+                        <a:t>Prakash</a:t>
+                      </a:r>
+                    </a:p>
+                  </a:txBody>
+                  <a:tcPr marL="7620" marR="7620" marT="7620" marB="0" anchor="ctr">
+                    <a:lnL w="6350" cap="flat" cmpd="sng" algn="ctr">
+                      <a:solidFill>
+                        <a:srgbClr val="000000"/>
+                      </a:solidFill>
+                      <a:prstDash val="solid"/>
+                      <a:round/>
+                      <a:headEnd type="none" w="med" len="med"/>
+                      <a:tailEnd type="none" w="med" len="med"/>
+                    </a:lnL>
+                    <a:lnR w="6350" cap="flat" cmpd="sng" algn="ctr">
+                      <a:solidFill>
+                        <a:srgbClr val="000000"/>
+                      </a:solidFill>
+                      <a:prstDash val="solid"/>
+                      <a:round/>
+                      <a:headEnd type="none" w="med" len="med"/>
+                      <a:tailEnd type="none" w="med" len="med"/>
+                    </a:lnR>
+                    <a:lnT w="6350" cap="flat" cmpd="sng" algn="ctr">
+                      <a:solidFill>
+                        <a:srgbClr val="000000"/>
+                      </a:solidFill>
+                      <a:prstDash val="solid"/>
+                      <a:round/>
+                      <a:headEnd type="none" w="med" len="med"/>
+                      <a:tailEnd type="none" w="med" len="med"/>
+                    </a:lnT>
+                    <a:lnB w="6350" cap="flat" cmpd="sng" algn="ctr">
+                      <a:solidFill>
+                        <a:srgbClr val="000000"/>
+                      </a:solidFill>
+                      <a:prstDash val="solid"/>
+                      <a:round/>
+                      <a:headEnd type="none" w="med" len="med"/>
+                      <a:tailEnd type="none" w="med" len="med"/>
+                    </a:lnB>
+                  </a:tcPr>
+                </a:tc>
+                <a:extLst>
+                  <a:ext uri="{0D108BD9-81ED-4DB2-BD59-A6C34878D82A}">
+                    <a16:rowId xmlns:a16="http://schemas.microsoft.com/office/drawing/2014/main" val="1440953786"/>
+                  </a:ext>
+                </a:extLst>
+              </a:tr>
+              <a:tr h="302182">
+                <a:tc>
+                  <a:txBody>
+                    <a:bodyPr/>
+                    <a:lstStyle/>
+                    <a:p>
+                      <a:pPr algn="ctr" fontAlgn="ctr"/>
+                      <a:r>
+                        <a:rPr lang="en-US" sz="1100" b="0" i="0" u="none" strike="noStrike">
+                          <a:solidFill>
+                            <a:srgbClr val="000000"/>
+                          </a:solidFill>
+                          <a:effectLst/>
+                          <a:latin typeface="Calibri" panose="020F0502020204030204" pitchFamily="34" charset="0"/>
+                        </a:rPr>
+                        <a:t>7</a:t>
+                      </a:r>
+                    </a:p>
+                  </a:txBody>
+                  <a:tcPr marL="7620" marR="7620" marT="7620" marB="0" anchor="ctr">
+                    <a:lnL w="6350" cap="flat" cmpd="sng" algn="ctr">
+                      <a:solidFill>
+                        <a:srgbClr val="000000"/>
+                      </a:solidFill>
+                      <a:prstDash val="solid"/>
+                      <a:round/>
+                      <a:headEnd type="none" w="med" len="med"/>
+                      <a:tailEnd type="none" w="med" len="med"/>
+                    </a:lnL>
+                    <a:lnR w="6350" cap="flat" cmpd="sng" algn="ctr">
+                      <a:solidFill>
+                        <a:srgbClr val="000000"/>
+                      </a:solidFill>
+                      <a:prstDash val="solid"/>
+                      <a:round/>
+                      <a:headEnd type="none" w="med" len="med"/>
+                      <a:tailEnd type="none" w="med" len="med"/>
+                    </a:lnR>
+                    <a:lnT w="6350" cap="flat" cmpd="sng" algn="ctr">
+                      <a:solidFill>
+                        <a:srgbClr val="000000"/>
+                      </a:solidFill>
+                      <a:prstDash val="solid"/>
+                      <a:round/>
+                      <a:headEnd type="none" w="med" len="med"/>
+                      <a:tailEnd type="none" w="med" len="med"/>
+                    </a:lnT>
+                    <a:lnB w="6350" cap="flat" cmpd="sng" algn="ctr">
+                      <a:solidFill>
+                        <a:srgbClr val="000000"/>
+                      </a:solidFill>
+                      <a:prstDash val="solid"/>
+                      <a:round/>
+                      <a:headEnd type="none" w="med" len="med"/>
+                      <a:tailEnd type="none" w="med" len="med"/>
+                    </a:lnB>
+                  </a:tcPr>
+                </a:tc>
+                <a:tc>
+                  <a:txBody>
+                    <a:bodyPr/>
+                    <a:lstStyle/>
+                    <a:p>
+                      <a:pPr algn="ctr" fontAlgn="ctr"/>
+                      <a:r>
+                        <a:rPr lang="en-US" sz="1100" b="0" i="0" u="none" strike="noStrike">
+                          <a:solidFill>
+                            <a:srgbClr val="000000"/>
+                          </a:solidFill>
+                          <a:effectLst/>
+                          <a:latin typeface="Calibri" panose="020F0502020204030204" pitchFamily="34" charset="0"/>
+                        </a:rPr>
+                        <a:t>Analyze plots, data</a:t>
+                      </a:r>
+                    </a:p>
+                  </a:txBody>
+                  <a:tcPr marL="7620" marR="7620" marT="7620" marB="0" anchor="ctr">
+                    <a:lnL w="6350" cap="flat" cmpd="sng" algn="ctr">
+                      <a:solidFill>
+                        <a:srgbClr val="000000"/>
+                      </a:solidFill>
+                      <a:prstDash val="solid"/>
+                      <a:round/>
+                      <a:headEnd type="none" w="med" len="med"/>
+                      <a:tailEnd type="none" w="med" len="med"/>
+                    </a:lnL>
+                    <a:lnR w="6350" cap="flat" cmpd="sng" algn="ctr">
+                      <a:solidFill>
+                        <a:srgbClr val="000000"/>
+                      </a:solidFill>
+                      <a:prstDash val="solid"/>
+                      <a:round/>
+                      <a:headEnd type="none" w="med" len="med"/>
+                      <a:tailEnd type="none" w="med" len="med"/>
+                    </a:lnR>
+                    <a:lnT w="6350" cap="flat" cmpd="sng" algn="ctr">
+                      <a:solidFill>
+                        <a:srgbClr val="000000"/>
+                      </a:solidFill>
+                      <a:prstDash val="solid"/>
+                      <a:round/>
+                      <a:headEnd type="none" w="med" len="med"/>
+                      <a:tailEnd type="none" w="med" len="med"/>
+                    </a:lnT>
+                    <a:lnB w="6350" cap="flat" cmpd="sng" algn="ctr">
+                      <a:solidFill>
+                        <a:srgbClr val="000000"/>
+                      </a:solidFill>
+                      <a:prstDash val="solid"/>
+                      <a:round/>
+                      <a:headEnd type="none" w="med" len="med"/>
+                      <a:tailEnd type="none" w="med" len="med"/>
+                    </a:lnB>
+                  </a:tcPr>
+                </a:tc>
+                <a:tc>
+                  <a:txBody>
+                    <a:bodyPr/>
+                    <a:lstStyle/>
+                    <a:p>
+                      <a:pPr algn="ctr" fontAlgn="ctr"/>
+                      <a:r>
+                        <a:rPr lang="en-US" sz="1100" b="0" i="0" u="none" strike="noStrike" dirty="0">
+                          <a:solidFill>
+                            <a:srgbClr val="000000"/>
+                          </a:solidFill>
+                          <a:effectLst/>
+                          <a:latin typeface="Calibri" panose="020F0502020204030204" pitchFamily="34" charset="0"/>
+                        </a:rPr>
+                        <a:t>All</a:t>
+                      </a:r>
+                    </a:p>
+                  </a:txBody>
+                  <a:tcPr marL="7620" marR="7620" marT="7620" marB="0" anchor="ctr">
+                    <a:lnL w="6350" cap="flat" cmpd="sng" algn="ctr">
+                      <a:solidFill>
+                        <a:srgbClr val="000000"/>
+                      </a:solidFill>
+                      <a:prstDash val="solid"/>
+                      <a:round/>
+                      <a:headEnd type="none" w="med" len="med"/>
+                      <a:tailEnd type="none" w="med" len="med"/>
+                    </a:lnL>
+                    <a:lnR w="6350" cap="flat" cmpd="sng" algn="ctr">
+                      <a:solidFill>
+                        <a:srgbClr val="000000"/>
+                      </a:solidFill>
+                      <a:prstDash val="solid"/>
+                      <a:round/>
+                      <a:headEnd type="none" w="med" len="med"/>
+                      <a:tailEnd type="none" w="med" len="med"/>
+                    </a:lnR>
+                    <a:lnT w="6350" cap="flat" cmpd="sng" algn="ctr">
+                      <a:solidFill>
+                        <a:srgbClr val="000000"/>
+                      </a:solidFill>
+                      <a:prstDash val="solid"/>
+                      <a:round/>
+                      <a:headEnd type="none" w="med" len="med"/>
+                      <a:tailEnd type="none" w="med" len="med"/>
+                    </a:lnT>
+                    <a:lnB w="6350" cap="flat" cmpd="sng" algn="ctr">
+                      <a:solidFill>
+                        <a:srgbClr val="000000"/>
+                      </a:solidFill>
+                      <a:prstDash val="solid"/>
+                      <a:round/>
+                      <a:headEnd type="none" w="med" len="med"/>
+                      <a:tailEnd type="none" w="med" len="med"/>
+                    </a:lnB>
+                  </a:tcPr>
+                </a:tc>
+                <a:extLst>
+                  <a:ext uri="{0D108BD9-81ED-4DB2-BD59-A6C34878D82A}">
+                    <a16:rowId xmlns:a16="http://schemas.microsoft.com/office/drawing/2014/main" val="150588915"/>
+                  </a:ext>
+                </a:extLst>
+              </a:tr>
+            </a:tbl>
+          </a:graphicData>
+        </a:graphic>
+      </p:graphicFrame>
+    </p:spTree>
+    <p:extLst>
+      <p:ext uri="{BB962C8B-B14F-4D97-AF65-F5344CB8AC3E}">
+        <p14:creationId xmlns:p14="http://schemas.microsoft.com/office/powerpoint/2010/main" val="950416010"/>
+      </p:ext>
+    </p:extLst>
+  </p:cSld>
+  <p:clrMapOvr>
+    <a:masterClrMapping/>
+  </p:clrMapOvr>
+</p:sld>
+</file>
+
+<file path=ppt/slides/slide5.xml><?xml version="1.0" encoding="utf-8"?>
+<p:sld xmlns:a="http://schemas.openxmlformats.org/drawingml/2006/main" xmlns:r="http://schemas.openxmlformats.org/officeDocument/2006/relationships" xmlns:p="http://schemas.openxmlformats.org/presentationml/2006/main">
+  <p:cSld>
+    <p:spTree>
+      <p:nvGrpSpPr>
+        <p:cNvPr id="1" name=""/>
+        <p:cNvGrpSpPr/>
+        <p:nvPr/>
+      </p:nvGrpSpPr>
+      <p:grpSpPr>
+        <a:xfrm>
+          <a:off x="0" y="0"/>
+          <a:ext cx="0" cy="0"/>
+          <a:chOff x="0" y="0"/>
+          <a:chExt cx="0" cy="0"/>
+        </a:xfrm>
+      </p:grpSpPr>
+      <p:sp>
+        <p:nvSpPr>
+          <p:cNvPr id="2" name="Title 1">
+            <a:extLst>
+              <a:ext uri="{FF2B5EF4-FFF2-40B4-BE49-F238E27FC236}">
+                <a16:creationId xmlns:a16="http://schemas.microsoft.com/office/drawing/2014/main" id="{1917A588-6B43-4326-8CEE-B31FA8CC4FDB}"/>
+              </a:ext>
+            </a:extLst>
+          </p:cNvPr>
+          <p:cNvSpPr>
+            <a:spLocks noGrp="1"/>
+          </p:cNvSpPr>
+          <p:nvPr>
+            <p:ph type="title"/>
+          </p:nvPr>
+        </p:nvSpPr>
         <p:spPr/>
         <p:txBody>
           <a:bodyPr/>
@@ -6532,7 +9133,7 @@
           <a:p>
             <a:r>
               <a:rPr lang="en-US" dirty="0"/>
-              <a:t>Questions</a:t>
+              <a:t>Questions &amp; Criteria</a:t>
             </a:r>
           </a:p>
         </p:txBody>
@@ -6553,39 +9154,209 @@
             <p:ph idx="1"/>
           </p:nvPr>
         </p:nvSpPr>
-        <p:spPr/>
-        <p:txBody>
-          <a:bodyPr/>
-          <a:lstStyle/>
-          <a:p>
-            <a:r>
-              <a:rPr lang="en-US" dirty="0"/>
-              <a:t>1) Does state with higher population have higher salary making it the best state? </a:t>
-            </a:r>
-          </a:p>
-          <a:p>
-            <a:r>
-              <a:rPr lang="en-US" dirty="0"/>
-              <a:t>2) Lower unemployment has lower crime rate therefore making it best state to live in?</a:t>
-            </a:r>
-          </a:p>
-          <a:p>
-            <a:r>
-              <a:rPr lang="en-US" dirty="0"/>
-              <a:t>3) People lives in best state because home is cheaper</a:t>
-            </a:r>
-          </a:p>
-          <a:p>
-            <a:r>
-              <a:rPr lang="en-US" dirty="0"/>
-              <a:t>4) What is criteria to be the best state to live in?</a:t>
-            </a:r>
-          </a:p>
-          <a:p>
-            <a:r>
-              <a:rPr lang="en-US" dirty="0"/>
-              <a:t>5) Southern states are the preferred ones?</a:t>
-            </a:r>
+        <p:spPr>
+          <a:xfrm>
+            <a:off x="1295401" y="2556931"/>
+            <a:ext cx="9601196" cy="3597683"/>
+          </a:xfrm>
+        </p:spPr>
+        <p:txBody>
+          <a:bodyPr>
+            <a:normAutofit fontScale="85000" lnSpcReduction="20000"/>
+          </a:bodyPr>
+          <a:lstStyle/>
+          <a:p>
+            <a:r>
+              <a:rPr lang="en-US" dirty="0"/>
+              <a:t>1) Which state is startup business friendly (low tax)? – </a:t>
+            </a:r>
+            <a:r>
+              <a:rPr lang="en-US" dirty="0">
+                <a:solidFill>
+                  <a:srgbClr val="FF0000"/>
+                </a:solidFill>
+              </a:rPr>
+              <a:t>Tax rate and living cost (housing) </a:t>
+            </a:r>
+            <a:r>
+              <a:rPr lang="en-US" dirty="0"/>
+              <a:t>--  (Extra goal) </a:t>
+            </a:r>
+            <a:r>
+              <a:rPr lang="en-US" dirty="0">
+                <a:sym typeface="Wingdings" panose="05000000000000000000" pitchFamily="2" charset="2"/>
+              </a:rPr>
+              <a:t> </a:t>
+            </a:r>
+            <a:r>
+              <a:rPr lang="en-US" dirty="0" err="1">
+                <a:sym typeface="Wingdings" panose="05000000000000000000" pitchFamily="2" charset="2"/>
+              </a:rPr>
+              <a:t>Bahar</a:t>
+            </a:r>
+            <a:endParaRPr lang="en-US" dirty="0"/>
+          </a:p>
+          <a:p>
+            <a:r>
+              <a:rPr lang="en-US" dirty="0"/>
+              <a:t>2) Which state with low </a:t>
+            </a:r>
+            <a:r>
+              <a:rPr lang="en-US" dirty="0">
+                <a:solidFill>
+                  <a:srgbClr val="FF0000"/>
+                </a:solidFill>
+              </a:rPr>
+              <a:t>tax rate</a:t>
+            </a:r>
+            <a:r>
+              <a:rPr lang="en-US" dirty="0"/>
+              <a:t>, attracts employee? (Main goal) </a:t>
+            </a:r>
+            <a:r>
+              <a:rPr lang="en-US" dirty="0">
+                <a:sym typeface="Wingdings" panose="05000000000000000000" pitchFamily="2" charset="2"/>
+              </a:rPr>
+              <a:t> </a:t>
+            </a:r>
+            <a:r>
+              <a:rPr lang="en-US" dirty="0" err="1">
+                <a:sym typeface="Wingdings" panose="05000000000000000000" pitchFamily="2" charset="2"/>
+              </a:rPr>
+              <a:t>Bahar</a:t>
+            </a:r>
+            <a:endParaRPr lang="en-US" dirty="0"/>
+          </a:p>
+          <a:p>
+            <a:r>
+              <a:rPr lang="en-US" dirty="0"/>
+              <a:t>3) Warmer </a:t>
+            </a:r>
+            <a:r>
+              <a:rPr lang="en-US" dirty="0">
+                <a:solidFill>
+                  <a:srgbClr val="FF0000"/>
+                </a:solidFill>
+              </a:rPr>
+              <a:t>climate</a:t>
+            </a:r>
+            <a:r>
+              <a:rPr lang="en-US" dirty="0"/>
+              <a:t> preferred state to live in, correlate to home price? (Main goal) </a:t>
+            </a:r>
+            <a:r>
+              <a:rPr lang="en-US" dirty="0">
+                <a:sym typeface="Wingdings" panose="05000000000000000000" pitchFamily="2" charset="2"/>
+              </a:rPr>
+              <a:t> Prakash</a:t>
+            </a:r>
+            <a:r>
+              <a:rPr lang="en-US" dirty="0"/>
+              <a:t> </a:t>
+            </a:r>
+          </a:p>
+          <a:p>
+            <a:r>
+              <a:rPr lang="en-US" dirty="0"/>
+              <a:t>4) Lower </a:t>
+            </a:r>
+            <a:r>
+              <a:rPr lang="en-US" dirty="0">
+                <a:solidFill>
+                  <a:srgbClr val="FF0000"/>
+                </a:solidFill>
+              </a:rPr>
+              <a:t>unemployment</a:t>
+            </a:r>
+            <a:r>
+              <a:rPr lang="en-US" dirty="0"/>
+              <a:t> correlated to </a:t>
+            </a:r>
+            <a:r>
+              <a:rPr lang="en-US" dirty="0">
+                <a:solidFill>
+                  <a:srgbClr val="FF0000"/>
+                </a:solidFill>
+              </a:rPr>
+              <a:t>crime rate</a:t>
+            </a:r>
+            <a:r>
+              <a:rPr lang="en-US" dirty="0"/>
+              <a:t>? (Main goal) </a:t>
+            </a:r>
+            <a:r>
+              <a:rPr lang="en-US" dirty="0">
+                <a:sym typeface="Wingdings" panose="05000000000000000000" pitchFamily="2" charset="2"/>
+              </a:rPr>
+              <a:t></a:t>
+            </a:r>
+            <a:r>
+              <a:rPr lang="en-US" dirty="0"/>
+              <a:t> Catherine</a:t>
+            </a:r>
+          </a:p>
+          <a:p>
+            <a:r>
+              <a:rPr lang="en-US" dirty="0"/>
+              <a:t>5) Higher </a:t>
+            </a:r>
+            <a:r>
+              <a:rPr lang="en-US" dirty="0">
+                <a:solidFill>
+                  <a:srgbClr val="FF0000"/>
+                </a:solidFill>
+              </a:rPr>
+              <a:t>salary</a:t>
+            </a:r>
+            <a:r>
+              <a:rPr lang="en-US" dirty="0"/>
+              <a:t> states are the preferred ones? (Main goal) </a:t>
+            </a:r>
+            <a:r>
+              <a:rPr lang="en-US" dirty="0">
+                <a:sym typeface="Wingdings" panose="05000000000000000000" pitchFamily="2" charset="2"/>
+              </a:rPr>
+              <a:t> Molly</a:t>
+            </a:r>
+            <a:endParaRPr lang="en-US" dirty="0"/>
+          </a:p>
+          <a:p>
+            <a:r>
+              <a:rPr lang="en-US" dirty="0"/>
+              <a:t>4) Definition of the best state to live in (our criteria)?</a:t>
+            </a:r>
+          </a:p>
+          <a:p>
+            <a:pPr lvl="1"/>
+            <a:r>
+              <a:rPr lang="en-US" dirty="0"/>
+              <a:t>Modest to high salary range</a:t>
+            </a:r>
+          </a:p>
+          <a:p>
+            <a:pPr lvl="1"/>
+            <a:r>
+              <a:rPr lang="en-US" dirty="0"/>
+              <a:t>Low crime and unemployment rate</a:t>
+            </a:r>
+          </a:p>
+          <a:p>
+            <a:pPr lvl="1"/>
+            <a:r>
+              <a:rPr lang="en-US" dirty="0"/>
+              <a:t>Climate with no hurricane, tornado, snow blizzard, </a:t>
+            </a:r>
+          </a:p>
+          <a:p>
+            <a:pPr lvl="1"/>
+            <a:endParaRPr lang="en-US" dirty="0"/>
+          </a:p>
+          <a:p>
+            <a:pPr lvl="1"/>
+            <a:endParaRPr lang="en-US" dirty="0"/>
+          </a:p>
+          <a:p>
+            <a:endParaRPr lang="en-US" dirty="0"/>
           </a:p>
         </p:txBody>
       </p:sp>
@@ -6602,7 +9373,7 @@
 </p:sld>
 </file>
 
-<file path=ppt/slides/slide5.xml><?xml version="1.0" encoding="utf-8"?>
+<file path=ppt/slides/slide6.xml><?xml version="1.0" encoding="utf-8"?>
 <p:sld xmlns:a="http://schemas.openxmlformats.org/drawingml/2006/main" xmlns:r="http://schemas.openxmlformats.org/officeDocument/2006/relationships" xmlns:p="http://schemas.openxmlformats.org/presentationml/2006/main">
   <p:cSld>
     <p:spTree>
@@ -6694,161 +9465,6 @@
 </p:sld>
 </file>
 
-<file path=ppt/slides/slide6.xml><?xml version="1.0" encoding="utf-8"?>
-<p:sld xmlns:a="http://schemas.openxmlformats.org/drawingml/2006/main" xmlns:r="http://schemas.openxmlformats.org/officeDocument/2006/relationships" xmlns:p="http://schemas.openxmlformats.org/presentationml/2006/main">
-  <p:cSld>
-    <p:spTree>
-      <p:nvGrpSpPr>
-        <p:cNvPr id="1" name=""/>
-        <p:cNvGrpSpPr/>
-        <p:nvPr/>
-      </p:nvGrpSpPr>
-      <p:grpSpPr>
-        <a:xfrm>
-          <a:off x="0" y="0"/>
-          <a:ext cx="0" cy="0"/>
-          <a:chOff x="0" y="0"/>
-          <a:chExt cx="0" cy="0"/>
-        </a:xfrm>
-      </p:grpSpPr>
-      <p:sp>
-        <p:nvSpPr>
-          <p:cNvPr id="2" name="Title 1">
-            <a:extLst>
-              <a:ext uri="{FF2B5EF4-FFF2-40B4-BE49-F238E27FC236}">
-                <a16:creationId xmlns:a16="http://schemas.microsoft.com/office/drawing/2014/main" id="{1917A588-6B43-4326-8CEE-B31FA8CC4FDB}"/>
-              </a:ext>
-            </a:extLst>
-          </p:cNvPr>
-          <p:cNvSpPr>
-            <a:spLocks noGrp="1"/>
-          </p:cNvSpPr>
-          <p:nvPr>
-            <p:ph type="title"/>
-          </p:nvPr>
-        </p:nvSpPr>
-        <p:spPr/>
-        <p:txBody>
-          <a:bodyPr/>
-          <a:lstStyle/>
-          <a:p>
-            <a:r>
-              <a:rPr lang="en-US" dirty="0"/>
-              <a:t>Coding Rules</a:t>
-            </a:r>
-          </a:p>
-        </p:txBody>
-      </p:sp>
-      <p:sp>
-        <p:nvSpPr>
-          <p:cNvPr id="3" name="Content Placeholder 2">
-            <a:extLst>
-              <a:ext uri="{FF2B5EF4-FFF2-40B4-BE49-F238E27FC236}">
-                <a16:creationId xmlns:a16="http://schemas.microsoft.com/office/drawing/2014/main" id="{F5BE9D4D-949C-4037-9F87-16CDE0EE0466}"/>
-              </a:ext>
-            </a:extLst>
-          </p:cNvPr>
-          <p:cNvSpPr>
-            <a:spLocks noGrp="1"/>
-          </p:cNvSpPr>
-          <p:nvPr>
-            <p:ph idx="1"/>
-          </p:nvPr>
-        </p:nvSpPr>
-        <p:spPr/>
-        <p:txBody>
-          <a:bodyPr>
-            <a:normAutofit fontScale="92500" lnSpcReduction="10000"/>
-          </a:bodyPr>
-          <a:lstStyle/>
-          <a:p>
-            <a:r>
-              <a:rPr lang="en-US" dirty="0"/>
-              <a:t>Upload scripts to Script folder</a:t>
-            </a:r>
-          </a:p>
-          <a:p>
-            <a:r>
-              <a:rPr lang="en-US" dirty="0"/>
-              <a:t>Label/ Comment on every code line to help other understand quickly. Explain briefly if needed</a:t>
-            </a:r>
-          </a:p>
-          <a:p>
-            <a:r>
-              <a:rPr lang="en-US" dirty="0"/>
-              <a:t>Label plot(s) well with legend, title and axes</a:t>
-            </a:r>
-          </a:p>
-          <a:p>
-            <a:r>
-              <a:rPr lang="en-US" dirty="0"/>
-              <a:t>Append _</a:t>
-            </a:r>
-            <a:r>
-              <a:rPr lang="en-US" dirty="0" err="1"/>
-              <a:t>lst</a:t>
-            </a:r>
-            <a:r>
-              <a:rPr lang="en-US" dirty="0"/>
-              <a:t>, _df and </a:t>
-            </a:r>
-            <a:r>
-              <a:rPr lang="en-US" dirty="0" err="1"/>
-              <a:t>etc</a:t>
-            </a:r>
-            <a:r>
-              <a:rPr lang="en-US" dirty="0"/>
-              <a:t> when defining lists, dictionaries, data frames. E.g. </a:t>
-            </a:r>
-            <a:r>
-              <a:rPr lang="en-US" dirty="0" err="1"/>
-              <a:t>mylist_lst</a:t>
-            </a:r>
-            <a:r>
-              <a:rPr lang="en-US" dirty="0"/>
-              <a:t>, </a:t>
-            </a:r>
-            <a:r>
-              <a:rPr lang="en-US" dirty="0" err="1"/>
-              <a:t>myplot_plt</a:t>
-            </a:r>
-            <a:endParaRPr lang="en-US" dirty="0"/>
-          </a:p>
-          <a:p>
-            <a:r>
-              <a:rPr lang="en-US" dirty="0"/>
-              <a:t>Backup files locally prior to modification for retrieval</a:t>
-            </a:r>
-          </a:p>
-          <a:p>
-            <a:r>
-              <a:rPr lang="en-US" dirty="0"/>
-              <a:t>Attempt to solve 1</a:t>
-            </a:r>
-            <a:r>
-              <a:rPr lang="en-US" baseline="30000" dirty="0"/>
-              <a:t>st</a:t>
-            </a:r>
-            <a:r>
-              <a:rPr lang="en-US" dirty="0"/>
-              <a:t> by yourself, if help needed, slack out</a:t>
-            </a:r>
-          </a:p>
-        </p:txBody>
-      </p:sp>
-    </p:spTree>
-    <p:extLst>
-      <p:ext uri="{BB962C8B-B14F-4D97-AF65-F5344CB8AC3E}">
-        <p14:creationId xmlns:p14="http://schemas.microsoft.com/office/powerpoint/2010/main" val="2409190503"/>
-      </p:ext>
-    </p:extLst>
-  </p:cSld>
-  <p:clrMapOvr>
-    <a:masterClrMapping/>
-  </p:clrMapOvr>
-</p:sld>
-</file>
-
 <file path=ppt/slides/slide7.xml><?xml version="1.0" encoding="utf-8"?>
 <p:sld xmlns:a="http://schemas.openxmlformats.org/drawingml/2006/main" xmlns:r="http://schemas.openxmlformats.org/officeDocument/2006/relationships" xmlns:p="http://schemas.openxmlformats.org/presentationml/2006/main">
   <p:cSld>
@@ -6889,6 +9505,161 @@
           <a:p>
             <a:r>
               <a:rPr lang="en-US" dirty="0"/>
+              <a:t>Coding Rules</a:t>
+            </a:r>
+          </a:p>
+        </p:txBody>
+      </p:sp>
+      <p:sp>
+        <p:nvSpPr>
+          <p:cNvPr id="3" name="Content Placeholder 2">
+            <a:extLst>
+              <a:ext uri="{FF2B5EF4-FFF2-40B4-BE49-F238E27FC236}">
+                <a16:creationId xmlns:a16="http://schemas.microsoft.com/office/drawing/2014/main" id="{F5BE9D4D-949C-4037-9F87-16CDE0EE0466}"/>
+              </a:ext>
+            </a:extLst>
+          </p:cNvPr>
+          <p:cNvSpPr>
+            <a:spLocks noGrp="1"/>
+          </p:cNvSpPr>
+          <p:nvPr>
+            <p:ph idx="1"/>
+          </p:nvPr>
+        </p:nvSpPr>
+        <p:spPr/>
+        <p:txBody>
+          <a:bodyPr>
+            <a:normAutofit fontScale="92500" lnSpcReduction="10000"/>
+          </a:bodyPr>
+          <a:lstStyle/>
+          <a:p>
+            <a:r>
+              <a:rPr lang="en-US" dirty="0"/>
+              <a:t>Upload scripts to Script folder</a:t>
+            </a:r>
+          </a:p>
+          <a:p>
+            <a:r>
+              <a:rPr lang="en-US" dirty="0"/>
+              <a:t>Label/ Comment on every code line to help other understand quickly. Explain briefly if needed</a:t>
+            </a:r>
+          </a:p>
+          <a:p>
+            <a:r>
+              <a:rPr lang="en-US" dirty="0"/>
+              <a:t>Label plot(s) well with legend, title and axes</a:t>
+            </a:r>
+          </a:p>
+          <a:p>
+            <a:r>
+              <a:rPr lang="en-US" dirty="0"/>
+              <a:t>Append _</a:t>
+            </a:r>
+            <a:r>
+              <a:rPr lang="en-US" dirty="0" err="1"/>
+              <a:t>lst</a:t>
+            </a:r>
+            <a:r>
+              <a:rPr lang="en-US" dirty="0"/>
+              <a:t>, _df and </a:t>
+            </a:r>
+            <a:r>
+              <a:rPr lang="en-US" dirty="0" err="1"/>
+              <a:t>etc</a:t>
+            </a:r>
+            <a:r>
+              <a:rPr lang="en-US" dirty="0"/>
+              <a:t> when defining lists, dictionaries, data frames. E.g. </a:t>
+            </a:r>
+            <a:r>
+              <a:rPr lang="en-US" dirty="0" err="1"/>
+              <a:t>mylist_lst</a:t>
+            </a:r>
+            <a:r>
+              <a:rPr lang="en-US" dirty="0"/>
+              <a:t>, </a:t>
+            </a:r>
+            <a:r>
+              <a:rPr lang="en-US" dirty="0" err="1"/>
+              <a:t>myplot_plt</a:t>
+            </a:r>
+            <a:endParaRPr lang="en-US" dirty="0"/>
+          </a:p>
+          <a:p>
+            <a:r>
+              <a:rPr lang="en-US" dirty="0"/>
+              <a:t>Backup files locally prior to modification for retrieval</a:t>
+            </a:r>
+          </a:p>
+          <a:p>
+            <a:r>
+              <a:rPr lang="en-US" dirty="0"/>
+              <a:t>Attempt to solve 1</a:t>
+            </a:r>
+            <a:r>
+              <a:rPr lang="en-US" baseline="30000" dirty="0"/>
+              <a:t>st</a:t>
+            </a:r>
+            <a:r>
+              <a:rPr lang="en-US" dirty="0"/>
+              <a:t> by yourself, if help needed, slack out</a:t>
+            </a:r>
+          </a:p>
+        </p:txBody>
+      </p:sp>
+    </p:spTree>
+    <p:extLst>
+      <p:ext uri="{BB962C8B-B14F-4D97-AF65-F5344CB8AC3E}">
+        <p14:creationId xmlns:p14="http://schemas.microsoft.com/office/powerpoint/2010/main" val="2409190503"/>
+      </p:ext>
+    </p:extLst>
+  </p:cSld>
+  <p:clrMapOvr>
+    <a:masterClrMapping/>
+  </p:clrMapOvr>
+</p:sld>
+</file>
+
+<file path=ppt/slides/slide8.xml><?xml version="1.0" encoding="utf-8"?>
+<p:sld xmlns:a="http://schemas.openxmlformats.org/drawingml/2006/main" xmlns:r="http://schemas.openxmlformats.org/officeDocument/2006/relationships" xmlns:p="http://schemas.openxmlformats.org/presentationml/2006/main">
+  <p:cSld>
+    <p:spTree>
+      <p:nvGrpSpPr>
+        <p:cNvPr id="1" name=""/>
+        <p:cNvGrpSpPr/>
+        <p:nvPr/>
+      </p:nvGrpSpPr>
+      <p:grpSpPr>
+        <a:xfrm>
+          <a:off x="0" y="0"/>
+          <a:ext cx="0" cy="0"/>
+          <a:chOff x="0" y="0"/>
+          <a:chExt cx="0" cy="0"/>
+        </a:xfrm>
+      </p:grpSpPr>
+      <p:sp>
+        <p:nvSpPr>
+          <p:cNvPr id="2" name="Title 1">
+            <a:extLst>
+              <a:ext uri="{FF2B5EF4-FFF2-40B4-BE49-F238E27FC236}">
+                <a16:creationId xmlns:a16="http://schemas.microsoft.com/office/drawing/2014/main" id="{1917A588-6B43-4326-8CEE-B31FA8CC4FDB}"/>
+              </a:ext>
+            </a:extLst>
+          </p:cNvPr>
+          <p:cNvSpPr>
+            <a:spLocks noGrp="1"/>
+          </p:cNvSpPr>
+          <p:nvPr>
+            <p:ph type="title"/>
+          </p:nvPr>
+        </p:nvSpPr>
+        <p:spPr/>
+        <p:txBody>
+          <a:bodyPr/>
+          <a:lstStyle/>
+          <a:p>
+            <a:r>
+              <a:rPr lang="en-US" dirty="0"/>
               <a:t>Availability</a:t>
             </a:r>
           </a:p>
@@ -6910,14 +9681,14 @@
             <p:ph idx="1"/>
             <p:extLst>
               <p:ext uri="{D42A27DB-BD31-4B8C-83A1-F6EECF244321}">
-                <p14:modId xmlns:p14="http://schemas.microsoft.com/office/powerpoint/2010/main" val="1431381320"/>
+                <p14:modId xmlns:p14="http://schemas.microsoft.com/office/powerpoint/2010/main" val="2806111777"/>
               </p:ext>
             </p:extLst>
           </p:nvPr>
         </p:nvGraphicFramePr>
         <p:xfrm>
-          <a:off x="2734408" y="2583838"/>
-          <a:ext cx="6392007" cy="3597155"/>
+          <a:off x="2734408" y="2583839"/>
+          <a:ext cx="6523892" cy="3016861"/>
         </p:xfrm>
         <a:graphic>
           <a:graphicData uri="http://schemas.openxmlformats.org/drawingml/2006/table">
@@ -6926,35 +9697,35 @@
                 <a:tableStyleId>{5C22544A-7EE6-4342-B048-85BDC9FD1C3A}</a:tableStyleId>
               </a:tblPr>
               <a:tblGrid>
-                <a:gridCol w="1542161">
+                <a:gridCol w="1573980">
                   <a:extLst>
                     <a:ext uri="{9D8B030D-6E8A-4147-A177-3AD203B41FA5}">
                       <a16:colId xmlns:a16="http://schemas.microsoft.com/office/drawing/2014/main" val="2013967057"/>
                     </a:ext>
                   </a:extLst>
                 </a:gridCol>
-                <a:gridCol w="1038280">
+                <a:gridCol w="1059703">
                   <a:extLst>
                     <a:ext uri="{9D8B030D-6E8A-4147-A177-3AD203B41FA5}">
                       <a16:colId xmlns:a16="http://schemas.microsoft.com/office/drawing/2014/main" val="477625931"/>
                     </a:ext>
                   </a:extLst>
                 </a:gridCol>
-                <a:gridCol w="1515602">
+                <a:gridCol w="1546873">
                   <a:extLst>
                     <a:ext uri="{9D8B030D-6E8A-4147-A177-3AD203B41FA5}">
                       <a16:colId xmlns:a16="http://schemas.microsoft.com/office/drawing/2014/main" val="913401616"/>
                     </a:ext>
                   </a:extLst>
                 </a:gridCol>
-                <a:gridCol w="1006962">
+                <a:gridCol w="1027738">
                   <a:extLst>
                     <a:ext uri="{9D8B030D-6E8A-4147-A177-3AD203B41FA5}">
                       <a16:colId xmlns:a16="http://schemas.microsoft.com/office/drawing/2014/main" val="4263324847"/>
                     </a:ext>
                   </a:extLst>
                 </a:gridCol>
-                <a:gridCol w="1289002">
+                <a:gridCol w="1315598">
                   <a:extLst>
                     <a:ext uri="{9D8B030D-6E8A-4147-A177-3AD203B41FA5}">
                       <a16:colId xmlns:a16="http://schemas.microsoft.com/office/drawing/2014/main" val="1813264309"/>
@@ -6962,7 +9733,7 @@
                   </a:extLst>
                 </a:gridCol>
               </a:tblGrid>
-              <a:tr h="559994">
+              <a:tr h="469656">
                 <a:tc>
                   <a:txBody>
                     <a:bodyPr/>
@@ -7040,7 +9811,7 @@
                   </a:ext>
                 </a:extLst>
               </a:tr>
-              <a:tr h="446043">
+              <a:tr h="374087">
                 <a:tc>
                   <a:txBody>
                     <a:bodyPr/>
@@ -7061,7 +9832,10 @@
                     <a:lstStyle/>
                     <a:p>
                       <a:pPr algn="ctr"/>
-                      <a:endParaRPr lang="en-US" dirty="0"/>
+                      <a:r>
+                        <a:rPr lang="en-US" dirty="0"/>
+                        <a:t>Yes</a:t>
+                      </a:r>
                     </a:p>
                   </a:txBody>
                   <a:tcPr anchor="ctr"/>
@@ -7072,7 +9846,10 @@
                     <a:lstStyle/>
                     <a:p>
                       <a:pPr algn="ctr"/>
-                      <a:endParaRPr lang="en-US" dirty="0"/>
+                      <a:r>
+                        <a:rPr lang="en-US" dirty="0"/>
+                        <a:t>Yes</a:t>
+                      </a:r>
                     </a:p>
                   </a:txBody>
                   <a:tcPr anchor="ctr"/>
@@ -7083,7 +9860,10 @@
                     <a:lstStyle/>
                     <a:p>
                       <a:pPr algn="ctr"/>
-                      <a:endParaRPr lang="en-US"/>
+                      <a:r>
+                        <a:rPr lang="en-US" dirty="0"/>
+                        <a:t>Yes</a:t>
+                      </a:r>
                     </a:p>
                   </a:txBody>
                   <a:tcPr anchor="ctr"/>
@@ -7108,7 +9888,7 @@
                   </a:ext>
                 </a:extLst>
               </a:tr>
-              <a:tr h="446043">
+              <a:tr h="374087">
                 <a:tc>
                   <a:txBody>
                     <a:bodyPr/>
@@ -7130,7 +9910,11 @@
                     <a:p>
                       <a:pPr algn="ctr"/>
                       <a:r>
-                        <a:rPr lang="en-US" dirty="0"/>
+                        <a:rPr lang="en-US" dirty="0">
+                          <a:highlight>
+                            <a:srgbClr val="FF0000"/>
+                          </a:highlight>
+                        </a:rPr>
                         <a:t>No</a:t>
                       </a:r>
                     </a:p>
@@ -7143,7 +9927,10 @@
                     <a:lstStyle/>
                     <a:p>
                       <a:pPr algn="ctr"/>
-                      <a:endParaRPr lang="en-US"/>
+                      <a:r>
+                        <a:rPr lang="en-US" dirty="0"/>
+                        <a:t>Yes</a:t>
+                      </a:r>
                     </a:p>
                   </a:txBody>
                   <a:tcPr anchor="ctr"/>
@@ -7154,7 +9941,14 @@
                     <a:lstStyle/>
                     <a:p>
                       <a:pPr algn="ctr"/>
-                      <a:endParaRPr lang="en-US" dirty="0"/>
+                      <a:r>
+                        <a:rPr lang="en-US" dirty="0">
+                          <a:highlight>
+                            <a:srgbClr val="FF0000"/>
+                          </a:highlight>
+                        </a:rPr>
+                        <a:t>No</a:t>
+                      </a:r>
                     </a:p>
                   </a:txBody>
                   <a:tcPr anchor="ctr"/>
@@ -7179,7 +9973,7 @@
                   </a:ext>
                 </a:extLst>
               </a:tr>
-              <a:tr h="446043">
+              <a:tr h="374087">
                 <a:tc>
                   <a:txBody>
                     <a:bodyPr/>
@@ -7200,18 +9994,10 @@
                     <a:lstStyle/>
                     <a:p>
                       <a:pPr algn="ctr"/>
-                      <a:endParaRPr lang="en-US"/>
-                    </a:p>
-                  </a:txBody>
-                  <a:tcPr anchor="ctr"/>
-                </a:tc>
-                <a:tc>
-                  <a:txBody>
-                    <a:bodyPr/>
-                    <a:lstStyle/>
-                    <a:p>
-                      <a:pPr algn="ctr"/>
-                      <a:endParaRPr lang="en-US" dirty="0"/>
+                      <a:r>
+                        <a:rPr lang="en-US" dirty="0"/>
+                        <a:t>Yes</a:t>
+                      </a:r>
                     </a:p>
                   </a:txBody>
                   <a:tcPr anchor="ctr"/>
@@ -7224,6 +10010,24 @@
                       <a:pPr algn="ctr"/>
                       <a:r>
                         <a:rPr lang="en-US" dirty="0"/>
+                        <a:t>Yes</a:t>
+                      </a:r>
+                    </a:p>
+                  </a:txBody>
+                  <a:tcPr anchor="ctr"/>
+                </a:tc>
+                <a:tc>
+                  <a:txBody>
+                    <a:bodyPr/>
+                    <a:lstStyle/>
+                    <a:p>
+                      <a:pPr algn="ctr"/>
+                      <a:r>
+                        <a:rPr lang="en-US" dirty="0">
+                          <a:highlight>
+                            <a:srgbClr val="FF0000"/>
+                          </a:highlight>
+                        </a:rPr>
                         <a:t>No</a:t>
                       </a:r>
                     </a:p>
@@ -7250,7 +10054,7 @@
                   </a:ext>
                 </a:extLst>
               </a:tr>
-              <a:tr h="1252989">
+              <a:tr h="1050857">
                 <a:tc>
                   <a:txBody>
                     <a:bodyPr/>
@@ -7291,18 +10095,10 @@
                     <a:lstStyle/>
                     <a:p>
                       <a:pPr algn="ctr"/>
-                      <a:endParaRPr lang="en-US"/>
-                    </a:p>
-                  </a:txBody>
-                  <a:tcPr anchor="ctr"/>
-                </a:tc>
-                <a:tc>
-                  <a:txBody>
-                    <a:bodyPr/>
-                    <a:lstStyle/>
-                    <a:p>
-                      <a:pPr algn="ctr"/>
-                      <a:endParaRPr lang="en-US"/>
+                      <a:r>
+                        <a:rPr lang="en-US" dirty="0"/>
+                        <a:t>Yes</a:t>
+                      </a:r>
                     </a:p>
                   </a:txBody>
                   <a:tcPr anchor="ctr"/>
@@ -7315,7 +10111,21 @@
                       <a:pPr algn="ctr"/>
                       <a:r>
                         <a:rPr lang="en-US" dirty="0"/>
-                        <a:t>No</a:t>
+                        <a:t>Yes</a:t>
+                      </a:r>
+                    </a:p>
+                  </a:txBody>
+                  <a:tcPr anchor="ctr"/>
+                </a:tc>
+                <a:tc>
+                  <a:txBody>
+                    <a:bodyPr/>
+                    <a:lstStyle/>
+                    <a:p>
+                      <a:pPr algn="ctr"/>
+                      <a:r>
+                        <a:rPr lang="en-US" dirty="0"/>
+                        <a:t>Yes</a:t>
                       </a:r>
                     </a:p>
                   </a:txBody>
@@ -7341,7 +10151,7 @@
                   </a:ext>
                 </a:extLst>
               </a:tr>
-              <a:tr h="446043">
+              <a:tr h="374087">
                 <a:tc>
                   <a:txBody>
                     <a:bodyPr/>
@@ -7426,7 +10236,7 @@
 </p:sld>
 </file>
 
-<file path=ppt/slides/slide8.xml><?xml version="1.0" encoding="utf-8"?>
+<file path=ppt/slides/slide9.xml><?xml version="1.0" encoding="utf-8"?>
 <p:sld xmlns:a="http://schemas.openxmlformats.org/drawingml/2006/main" xmlns:r="http://schemas.openxmlformats.org/officeDocument/2006/relationships" xmlns:p="http://schemas.openxmlformats.org/presentationml/2006/main">
   <p:cSld>
     <p:spTree>
@@ -7464,7 +10274,15 @@
           <a:bodyPr/>
           <a:lstStyle/>
           <a:p>
-            <a:endParaRPr lang="en-US"/>
+            <a:r>
+              <a:rPr lang="en-US" dirty="0"/>
+              <a:t>State Tax &amp; Living Cost - </a:t>
+            </a:r>
+            <a:r>
+              <a:rPr lang="en-US" dirty="0" err="1"/>
+              <a:t>Bahar</a:t>
+            </a:r>
+            <a:endParaRPr lang="en-US" dirty="0"/>
           </a:p>
         </p:txBody>
       </p:sp>
@@ -7489,7 +10307,42 @@
           <a:bodyPr/>
           <a:lstStyle/>
           <a:p>
-            <a:endParaRPr lang="en-US"/>
+            <a:r>
+              <a:rPr lang="en-US" dirty="0"/>
+              <a:t>Which state is startup business friendly (low tax)? – </a:t>
+            </a:r>
+            <a:r>
+              <a:rPr lang="en-US" dirty="0">
+                <a:solidFill>
+                  <a:srgbClr val="FF0000"/>
+                </a:solidFill>
+              </a:rPr>
+              <a:t>Tax rate and living cost (housing).</a:t>
+            </a:r>
+          </a:p>
+          <a:p>
+            <a:r>
+              <a:rPr lang="en-US" dirty="0"/>
+              <a:t>Which state with low </a:t>
+            </a:r>
+            <a:r>
+              <a:rPr lang="en-US" dirty="0">
+                <a:solidFill>
+                  <a:srgbClr val="FF0000"/>
+                </a:solidFill>
+              </a:rPr>
+              <a:t>tax rate</a:t>
+            </a:r>
+            <a:r>
+              <a:rPr lang="en-US" dirty="0"/>
+              <a:t>, attracts employee?</a:t>
+            </a:r>
+          </a:p>
+          <a:p>
+            <a:r>
+              <a:rPr lang="en-US" i="1" dirty="0"/>
+              <a:t>Write description/ observation and supporting plots (minimum 2) here</a:t>
+            </a:r>
           </a:p>
         </p:txBody>
       </p:sp>

--- a/Working_Presentation.pptx
+++ b/Working_Presentation.pptx
@@ -6,17 +6,19 @@
   </p:sldMasterIdLst>
   <p:sldIdLst>
     <p:sldId id="256" r:id="rId2"/>
-    <p:sldId id="257" r:id="rId3"/>
-    <p:sldId id="262" r:id="rId4"/>
-    <p:sldId id="264" r:id="rId5"/>
-    <p:sldId id="259" r:id="rId6"/>
-    <p:sldId id="261" r:id="rId7"/>
-    <p:sldId id="260" r:id="rId8"/>
-    <p:sldId id="258" r:id="rId9"/>
-    <p:sldId id="263" r:id="rId10"/>
-    <p:sldId id="265" r:id="rId11"/>
-    <p:sldId id="266" r:id="rId12"/>
-    <p:sldId id="267" r:id="rId13"/>
+    <p:sldId id="269" r:id="rId3"/>
+    <p:sldId id="257" r:id="rId4"/>
+    <p:sldId id="268" r:id="rId5"/>
+    <p:sldId id="262" r:id="rId6"/>
+    <p:sldId id="264" r:id="rId7"/>
+    <p:sldId id="259" r:id="rId8"/>
+    <p:sldId id="261" r:id="rId9"/>
+    <p:sldId id="260" r:id="rId10"/>
+    <p:sldId id="258" r:id="rId11"/>
+    <p:sldId id="263" r:id="rId12"/>
+    <p:sldId id="265" r:id="rId13"/>
+    <p:sldId id="266" r:id="rId14"/>
+    <p:sldId id="267" r:id="rId15"/>
   </p:sldIdLst>
   <p:sldSz cx="12192000" cy="6858000"/>
   <p:notesSz cx="6858000" cy="9144000"/>
@@ -455,7 +457,7 @@
             <a:fld id="{B61BEF0D-F0BB-DE4B-95CE-6DB70DBA9567}" type="datetimeFigureOut">
               <a:rPr lang="en-US" dirty="0"/>
               <a:pPr/>
-              <a:t>7/2/2019</a:t>
+              <a:t>7/3/2019</a:t>
             </a:fld>
             <a:endParaRPr lang="en-US" dirty="0"/>
           </a:p>
@@ -776,7 +778,7 @@
             <a:fld id="{B61BEF0D-F0BB-DE4B-95CE-6DB70DBA9567}" type="datetimeFigureOut">
               <a:rPr lang="en-US" dirty="0"/>
               <a:pPr/>
-              <a:t>7/2/2019</a:t>
+              <a:t>7/3/2019</a:t>
             </a:fld>
             <a:endParaRPr lang="en-US" dirty="0"/>
           </a:p>
@@ -1021,7 +1023,7 @@
             <a:fld id="{B61BEF0D-F0BB-DE4B-95CE-6DB70DBA9567}" type="datetimeFigureOut">
               <a:rPr lang="en-US" dirty="0"/>
               <a:pPr/>
-              <a:t>7/2/2019</a:t>
+              <a:t>7/3/2019</a:t>
             </a:fld>
             <a:endParaRPr lang="en-US" dirty="0"/>
           </a:p>
@@ -1357,7 +1359,7 @@
             <a:fld id="{B61BEF0D-F0BB-DE4B-95CE-6DB70DBA9567}" type="datetimeFigureOut">
               <a:rPr lang="en-US" dirty="0"/>
               <a:pPr/>
-              <a:t>7/2/2019</a:t>
+              <a:t>7/3/2019</a:t>
             </a:fld>
             <a:endParaRPr lang="en-US" dirty="0"/>
           </a:p>
@@ -1701,7 +1703,7 @@
             <a:fld id="{B61BEF0D-F0BB-DE4B-95CE-6DB70DBA9567}" type="datetimeFigureOut">
               <a:rPr lang="en-US" dirty="0"/>
               <a:pPr/>
-              <a:t>7/2/2019</a:t>
+              <a:t>7/3/2019</a:t>
             </a:fld>
             <a:endParaRPr lang="en-US" dirty="0"/>
           </a:p>
@@ -2072,7 +2074,7 @@
             <a:fld id="{B61BEF0D-F0BB-DE4B-95CE-6DB70DBA9567}" type="datetimeFigureOut">
               <a:rPr lang="en-US" dirty="0"/>
               <a:pPr/>
-              <a:t>7/2/2019</a:t>
+              <a:t>7/3/2019</a:t>
             </a:fld>
             <a:endParaRPr lang="en-US" dirty="0"/>
           </a:p>
@@ -2539,7 +2541,7 @@
             <a:fld id="{B61BEF0D-F0BB-DE4B-95CE-6DB70DBA9567}" type="datetimeFigureOut">
               <a:rPr lang="en-US" dirty="0"/>
               <a:pPr/>
-              <a:t>7/2/2019</a:t>
+              <a:t>7/3/2019</a:t>
             </a:fld>
             <a:endParaRPr lang="en-US" dirty="0"/>
           </a:p>
@@ -2741,7 +2743,7 @@
             <a:fld id="{B61BEF0D-F0BB-DE4B-95CE-6DB70DBA9567}" type="datetimeFigureOut">
               <a:rPr lang="en-US" dirty="0"/>
               <a:pPr/>
-              <a:t>7/2/2019</a:t>
+              <a:t>7/3/2019</a:t>
             </a:fld>
             <a:endParaRPr lang="en-US" dirty="0"/>
           </a:p>
@@ -2949,7 +2951,7 @@
             <a:fld id="{B61BEF0D-F0BB-DE4B-95CE-6DB70DBA9567}" type="datetimeFigureOut">
               <a:rPr lang="en-US" dirty="0"/>
               <a:pPr/>
-              <a:t>7/2/2019</a:t>
+              <a:t>7/3/2019</a:t>
             </a:fld>
             <a:endParaRPr lang="en-US" dirty="0"/>
           </a:p>
@@ -3177,7 +3179,7 @@
           <a:p>
             <a:fld id="{52647F38-B617-4D2F-AE0A-013F0C4D2C57}" type="datetimeFigureOut">
               <a:rPr lang="en-US" dirty="0"/>
-              <a:t>7/2/2019</a:t>
+              <a:t>7/3/2019</a:t>
             </a:fld>
             <a:endParaRPr lang="en-US" dirty="0"/>
           </a:p>
@@ -3421,7 +3423,7 @@
             <a:fld id="{B61BEF0D-F0BB-DE4B-95CE-6DB70DBA9567}" type="datetimeFigureOut">
               <a:rPr lang="en-US" dirty="0"/>
               <a:pPr/>
-              <a:t>7/2/2019</a:t>
+              <a:t>7/3/2019</a:t>
             </a:fld>
             <a:endParaRPr lang="en-US" dirty="0"/>
           </a:p>
@@ -3715,7 +3717,7 @@
           <a:p>
             <a:fld id="{05BFA754-D5C3-4E66-96A6-867B257F58DC}" type="datetimeFigureOut">
               <a:rPr lang="en-US" dirty="0"/>
-              <a:t>7/2/2019</a:t>
+              <a:t>7/3/2019</a:t>
             </a:fld>
             <a:endParaRPr lang="en-US" dirty="0"/>
           </a:p>
@@ -4105,7 +4107,7 @@
             <a:fld id="{B61BEF0D-F0BB-DE4B-95CE-6DB70DBA9567}" type="datetimeFigureOut">
               <a:rPr lang="en-US" dirty="0"/>
               <a:pPr/>
-              <a:t>7/2/2019</a:t>
+              <a:t>7/3/2019</a:t>
             </a:fld>
             <a:endParaRPr lang="en-US" dirty="0"/>
           </a:p>
@@ -4251,7 +4253,7 @@
             <a:fld id="{B61BEF0D-F0BB-DE4B-95CE-6DB70DBA9567}" type="datetimeFigureOut">
               <a:rPr lang="en-US" dirty="0"/>
               <a:pPr/>
-              <a:t>7/2/2019</a:t>
+              <a:t>7/3/2019</a:t>
             </a:fld>
             <a:endParaRPr lang="en-US" dirty="0"/>
           </a:p>
@@ -4374,7 +4376,7 @@
             <a:fld id="{B61BEF0D-F0BB-DE4B-95CE-6DB70DBA9567}" type="datetimeFigureOut">
               <a:rPr lang="en-US" dirty="0"/>
               <a:pPr/>
-              <a:t>7/2/2019</a:t>
+              <a:t>7/3/2019</a:t>
             </a:fld>
             <a:endParaRPr lang="en-US" dirty="0"/>
           </a:p>
@@ -4626,7 +4628,7 @@
             <a:fld id="{B61BEF0D-F0BB-DE4B-95CE-6DB70DBA9567}" type="datetimeFigureOut">
               <a:rPr lang="en-US" dirty="0"/>
               <a:pPr/>
-              <a:t>7/2/2019</a:t>
+              <a:t>7/3/2019</a:t>
             </a:fld>
             <a:endParaRPr lang="en-US" dirty="0"/>
           </a:p>
@@ -4938,7 +4940,7 @@
             <a:fld id="{B61BEF0D-F0BB-DE4B-95CE-6DB70DBA9567}" type="datetimeFigureOut">
               <a:rPr lang="en-US" dirty="0"/>
               <a:pPr/>
-              <a:t>7/2/2019</a:t>
+              <a:t>7/3/2019</a:t>
             </a:fld>
             <a:endParaRPr lang="en-US" dirty="0"/>
           </a:p>
@@ -5286,7 +5288,7 @@
             <a:fld id="{B61BEF0D-F0BB-DE4B-95CE-6DB70DBA9567}" type="datetimeFigureOut">
               <a:rPr lang="en-US" dirty="0"/>
               <a:pPr/>
-              <a:t>7/2/2019</a:t>
+              <a:t>7/3/2019</a:t>
             </a:fld>
             <a:endParaRPr lang="en-US" dirty="0"/>
           </a:p>
@@ -5847,8 +5849,8 @@
           <a:lstStyle/>
           <a:p>
             <a:r>
-              <a:rPr lang="en-US" dirty="0"/>
-              <a:t>The IQ’s 2018 Best State for Employee</a:t>
+              <a:rPr lang="en-US" sz="4000" dirty="0"/>
+              <a:t>The IQ’s 2018 Best State To Live In For Employee</a:t>
             </a:r>
           </a:p>
         </p:txBody>
@@ -5942,73 +5944,573 @@
           <a:p>
             <a:r>
               <a:rPr lang="en-US" dirty="0"/>
-              <a:t>Unemployment &amp; Crime Rate - Catherine</a:t>
-            </a:r>
-          </a:p>
-        </p:txBody>
-      </p:sp>
-      <p:sp>
-        <p:nvSpPr>
-          <p:cNvPr id="3" name="Content Placeholder 2">
+              <a:t>Availability</a:t>
+            </a:r>
+          </a:p>
+        </p:txBody>
+      </p:sp>
+      <p:graphicFrame>
+        <p:nvGraphicFramePr>
+          <p:cNvPr id="5" name="Content Placeholder 4">
             <a:extLst>
               <a:ext uri="{FF2B5EF4-FFF2-40B4-BE49-F238E27FC236}">
-                <a16:creationId xmlns:a16="http://schemas.microsoft.com/office/drawing/2014/main" id="{F5BE9D4D-949C-4037-9F87-16CDE0EE0466}"/>
+                <a16:creationId xmlns:a16="http://schemas.microsoft.com/office/drawing/2014/main" id="{52BFB9D7-64CC-446E-A2B1-7FEA2F22DFC3}"/>
               </a:ext>
             </a:extLst>
           </p:cNvPr>
-          <p:cNvSpPr>
-            <a:spLocks noGrp="1"/>
-          </p:cNvSpPr>
+          <p:cNvGraphicFramePr>
+            <a:graphicFrameLocks noGrp="1"/>
+          </p:cNvGraphicFramePr>
           <p:nvPr>
             <p:ph idx="1"/>
-          </p:nvPr>
-        </p:nvSpPr>
-        <p:spPr/>
-        <p:txBody>
-          <a:bodyPr/>
-          <a:lstStyle/>
-          <a:p>
-            <a:r>
-              <a:rPr lang="en-US" dirty="0"/>
-              <a:t>Lower </a:t>
-            </a:r>
-            <a:r>
-              <a:rPr lang="en-US" dirty="0">
-                <a:solidFill>
-                  <a:srgbClr val="FF0000"/>
-                </a:solidFill>
-              </a:rPr>
-              <a:t>unemployment</a:t>
-            </a:r>
-            <a:r>
-              <a:rPr lang="en-US" dirty="0"/>
-              <a:t> correlated to </a:t>
-            </a:r>
-            <a:r>
-              <a:rPr lang="en-US" dirty="0">
-                <a:solidFill>
-                  <a:srgbClr val="FF0000"/>
-                </a:solidFill>
-              </a:rPr>
-              <a:t>crime rate</a:t>
-            </a:r>
-            <a:r>
-              <a:rPr lang="en-US" dirty="0"/>
-              <a:t>?</a:t>
-            </a:r>
-          </a:p>
-          <a:p>
-            <a:r>
-              <a:rPr lang="en-US" i="1" dirty="0"/>
-              <a:t>Write description/ observation and supporting plots (minimum 2) here</a:t>
-            </a:r>
-          </a:p>
-        </p:txBody>
-      </p:sp>
+            <p:extLst>
+              <p:ext uri="{D42A27DB-BD31-4B8C-83A1-F6EECF244321}">
+                <p14:modId xmlns:p14="http://schemas.microsoft.com/office/powerpoint/2010/main" val="2806111777"/>
+              </p:ext>
+            </p:extLst>
+          </p:nvPr>
+        </p:nvGraphicFramePr>
+        <p:xfrm>
+          <a:off x="2734408" y="2583839"/>
+          <a:ext cx="6523892" cy="3016861"/>
+        </p:xfrm>
+        <a:graphic>
+          <a:graphicData uri="http://schemas.openxmlformats.org/drawingml/2006/table">
+            <a:tbl>
+              <a:tblPr firstRow="1" bandRow="1">
+                <a:tableStyleId>{5C22544A-7EE6-4342-B048-85BDC9FD1C3A}</a:tableStyleId>
+              </a:tblPr>
+              <a:tblGrid>
+                <a:gridCol w="1573980">
+                  <a:extLst>
+                    <a:ext uri="{9D8B030D-6E8A-4147-A177-3AD203B41FA5}">
+                      <a16:colId xmlns:a16="http://schemas.microsoft.com/office/drawing/2014/main" val="2013967057"/>
+                    </a:ext>
+                  </a:extLst>
+                </a:gridCol>
+                <a:gridCol w="1059703">
+                  <a:extLst>
+                    <a:ext uri="{9D8B030D-6E8A-4147-A177-3AD203B41FA5}">
+                      <a16:colId xmlns:a16="http://schemas.microsoft.com/office/drawing/2014/main" val="477625931"/>
+                    </a:ext>
+                  </a:extLst>
+                </a:gridCol>
+                <a:gridCol w="1546873">
+                  <a:extLst>
+                    <a:ext uri="{9D8B030D-6E8A-4147-A177-3AD203B41FA5}">
+                      <a16:colId xmlns:a16="http://schemas.microsoft.com/office/drawing/2014/main" val="913401616"/>
+                    </a:ext>
+                  </a:extLst>
+                </a:gridCol>
+                <a:gridCol w="1027738">
+                  <a:extLst>
+                    <a:ext uri="{9D8B030D-6E8A-4147-A177-3AD203B41FA5}">
+                      <a16:colId xmlns:a16="http://schemas.microsoft.com/office/drawing/2014/main" val="4263324847"/>
+                    </a:ext>
+                  </a:extLst>
+                </a:gridCol>
+                <a:gridCol w="1315598">
+                  <a:extLst>
+                    <a:ext uri="{9D8B030D-6E8A-4147-A177-3AD203B41FA5}">
+                      <a16:colId xmlns:a16="http://schemas.microsoft.com/office/drawing/2014/main" val="1813264309"/>
+                    </a:ext>
+                  </a:extLst>
+                </a:gridCol>
+              </a:tblGrid>
+              <a:tr h="469656">
+                <a:tc>
+                  <a:txBody>
+                    <a:bodyPr/>
+                    <a:lstStyle/>
+                    <a:p>
+                      <a:pPr algn="ctr"/>
+                      <a:r>
+                        <a:rPr lang="en-US" dirty="0"/>
+                        <a:t>Date/ Ppl</a:t>
+                      </a:r>
+                    </a:p>
+                  </a:txBody>
+                  <a:tcPr anchor="ctr"/>
+                </a:tc>
+                <a:tc>
+                  <a:txBody>
+                    <a:bodyPr/>
+                    <a:lstStyle/>
+                    <a:p>
+                      <a:pPr algn="ctr"/>
+                      <a:r>
+                        <a:rPr lang="en-US" dirty="0" err="1"/>
+                        <a:t>Bahar</a:t>
+                      </a:r>
+                      <a:endParaRPr lang="en-US" dirty="0"/>
+                    </a:p>
+                  </a:txBody>
+                  <a:tcPr anchor="ctr"/>
+                </a:tc>
+                <a:tc>
+                  <a:txBody>
+                    <a:bodyPr/>
+                    <a:lstStyle/>
+                    <a:p>
+                      <a:pPr algn="ctr"/>
+                      <a:r>
+                        <a:rPr lang="en-US" dirty="0"/>
+                        <a:t>Catherine</a:t>
+                      </a:r>
+                    </a:p>
+                  </a:txBody>
+                  <a:tcPr anchor="ctr"/>
+                </a:tc>
+                <a:tc>
+                  <a:txBody>
+                    <a:bodyPr/>
+                    <a:lstStyle/>
+                    <a:p>
+                      <a:pPr algn="ctr"/>
+                      <a:r>
+                        <a:rPr lang="en-US" dirty="0"/>
+                        <a:t>Molly</a:t>
+                      </a:r>
+                    </a:p>
+                  </a:txBody>
+                  <a:tcPr anchor="ctr"/>
+                </a:tc>
+                <a:tc>
+                  <a:txBody>
+                    <a:bodyPr/>
+                    <a:lstStyle/>
+                    <a:p>
+                      <a:pPr algn="ctr"/>
+                      <a:r>
+                        <a:rPr lang="en-US" dirty="0"/>
+                        <a:t>Prakash</a:t>
+                      </a:r>
+                    </a:p>
+                  </a:txBody>
+                  <a:tcPr anchor="ctr"/>
+                </a:tc>
+                <a:extLst>
+                  <a:ext uri="{0D108BD9-81ED-4DB2-BD59-A6C34878D82A}">
+                    <a16:rowId xmlns:a16="http://schemas.microsoft.com/office/drawing/2014/main" val="2459327410"/>
+                  </a:ext>
+                </a:extLst>
+              </a:tr>
+              <a:tr h="374087">
+                <a:tc>
+                  <a:txBody>
+                    <a:bodyPr/>
+                    <a:lstStyle/>
+                    <a:p>
+                      <a:pPr algn="ctr"/>
+                      <a:r>
+                        <a:rPr lang="en-US" dirty="0"/>
+                        <a:t>7/1</a:t>
+                      </a:r>
+                    </a:p>
+                  </a:txBody>
+                  <a:tcPr anchor="ctr"/>
+                </a:tc>
+                <a:tc>
+                  <a:txBody>
+                    <a:bodyPr/>
+                    <a:lstStyle/>
+                    <a:p>
+                      <a:pPr algn="ctr"/>
+                      <a:r>
+                        <a:rPr lang="en-US" dirty="0"/>
+                        <a:t>Yes</a:t>
+                      </a:r>
+                    </a:p>
+                  </a:txBody>
+                  <a:tcPr anchor="ctr"/>
+                </a:tc>
+                <a:tc>
+                  <a:txBody>
+                    <a:bodyPr/>
+                    <a:lstStyle/>
+                    <a:p>
+                      <a:pPr algn="ctr"/>
+                      <a:r>
+                        <a:rPr lang="en-US" dirty="0"/>
+                        <a:t>Yes</a:t>
+                      </a:r>
+                    </a:p>
+                  </a:txBody>
+                  <a:tcPr anchor="ctr"/>
+                </a:tc>
+                <a:tc>
+                  <a:txBody>
+                    <a:bodyPr/>
+                    <a:lstStyle/>
+                    <a:p>
+                      <a:pPr algn="ctr"/>
+                      <a:r>
+                        <a:rPr lang="en-US" dirty="0"/>
+                        <a:t>Yes</a:t>
+                      </a:r>
+                    </a:p>
+                  </a:txBody>
+                  <a:tcPr anchor="ctr"/>
+                </a:tc>
+                <a:tc>
+                  <a:txBody>
+                    <a:bodyPr/>
+                    <a:lstStyle/>
+                    <a:p>
+                      <a:pPr algn="ctr"/>
+                      <a:r>
+                        <a:rPr lang="en-US" dirty="0"/>
+                        <a:t>Yes</a:t>
+                      </a:r>
+                    </a:p>
+                  </a:txBody>
+                  <a:tcPr anchor="ctr"/>
+                </a:tc>
+                <a:extLst>
+                  <a:ext uri="{0D108BD9-81ED-4DB2-BD59-A6C34878D82A}">
+                    <a16:rowId xmlns:a16="http://schemas.microsoft.com/office/drawing/2014/main" val="3970321666"/>
+                  </a:ext>
+                </a:extLst>
+              </a:tr>
+              <a:tr h="374087">
+                <a:tc>
+                  <a:txBody>
+                    <a:bodyPr/>
+                    <a:lstStyle/>
+                    <a:p>
+                      <a:pPr algn="ctr"/>
+                      <a:r>
+                        <a:rPr lang="en-US" dirty="0"/>
+                        <a:t>7/6</a:t>
+                      </a:r>
+                    </a:p>
+                  </a:txBody>
+                  <a:tcPr anchor="ctr"/>
+                </a:tc>
+                <a:tc>
+                  <a:txBody>
+                    <a:bodyPr/>
+                    <a:lstStyle/>
+                    <a:p>
+                      <a:pPr algn="ctr"/>
+                      <a:r>
+                        <a:rPr lang="en-US" dirty="0">
+                          <a:highlight>
+                            <a:srgbClr val="FF0000"/>
+                          </a:highlight>
+                        </a:rPr>
+                        <a:t>No</a:t>
+                      </a:r>
+                    </a:p>
+                  </a:txBody>
+                  <a:tcPr anchor="ctr"/>
+                </a:tc>
+                <a:tc>
+                  <a:txBody>
+                    <a:bodyPr/>
+                    <a:lstStyle/>
+                    <a:p>
+                      <a:pPr algn="ctr"/>
+                      <a:r>
+                        <a:rPr lang="en-US" dirty="0"/>
+                        <a:t>Yes</a:t>
+                      </a:r>
+                    </a:p>
+                  </a:txBody>
+                  <a:tcPr anchor="ctr"/>
+                </a:tc>
+                <a:tc>
+                  <a:txBody>
+                    <a:bodyPr/>
+                    <a:lstStyle/>
+                    <a:p>
+                      <a:pPr algn="ctr"/>
+                      <a:r>
+                        <a:rPr lang="en-US" dirty="0">
+                          <a:highlight>
+                            <a:srgbClr val="FF0000"/>
+                          </a:highlight>
+                        </a:rPr>
+                        <a:t>No</a:t>
+                      </a:r>
+                    </a:p>
+                  </a:txBody>
+                  <a:tcPr anchor="ctr"/>
+                </a:tc>
+                <a:tc>
+                  <a:txBody>
+                    <a:bodyPr/>
+                    <a:lstStyle/>
+                    <a:p>
+                      <a:pPr algn="ctr"/>
+                      <a:r>
+                        <a:rPr lang="en-US" dirty="0"/>
+                        <a:t>Yes</a:t>
+                      </a:r>
+                    </a:p>
+                  </a:txBody>
+                  <a:tcPr anchor="ctr"/>
+                </a:tc>
+                <a:extLst>
+                  <a:ext uri="{0D108BD9-81ED-4DB2-BD59-A6C34878D82A}">
+                    <a16:rowId xmlns:a16="http://schemas.microsoft.com/office/drawing/2014/main" val="2348106690"/>
+                  </a:ext>
+                </a:extLst>
+              </a:tr>
+              <a:tr h="374087">
+                <a:tc>
+                  <a:txBody>
+                    <a:bodyPr/>
+                    <a:lstStyle/>
+                    <a:p>
+                      <a:pPr algn="ctr"/>
+                      <a:r>
+                        <a:rPr lang="en-US" dirty="0"/>
+                        <a:t>7/8</a:t>
+                      </a:r>
+                    </a:p>
+                  </a:txBody>
+                  <a:tcPr anchor="ctr"/>
+                </a:tc>
+                <a:tc>
+                  <a:txBody>
+                    <a:bodyPr/>
+                    <a:lstStyle/>
+                    <a:p>
+                      <a:pPr algn="ctr"/>
+                      <a:r>
+                        <a:rPr lang="en-US" dirty="0"/>
+                        <a:t>Yes</a:t>
+                      </a:r>
+                    </a:p>
+                  </a:txBody>
+                  <a:tcPr anchor="ctr"/>
+                </a:tc>
+                <a:tc>
+                  <a:txBody>
+                    <a:bodyPr/>
+                    <a:lstStyle/>
+                    <a:p>
+                      <a:pPr algn="ctr"/>
+                      <a:r>
+                        <a:rPr lang="en-US" dirty="0"/>
+                        <a:t>Yes</a:t>
+                      </a:r>
+                    </a:p>
+                  </a:txBody>
+                  <a:tcPr anchor="ctr"/>
+                </a:tc>
+                <a:tc>
+                  <a:txBody>
+                    <a:bodyPr/>
+                    <a:lstStyle/>
+                    <a:p>
+                      <a:pPr algn="ctr"/>
+                      <a:r>
+                        <a:rPr lang="en-US" dirty="0">
+                          <a:highlight>
+                            <a:srgbClr val="FF0000"/>
+                          </a:highlight>
+                        </a:rPr>
+                        <a:t>No</a:t>
+                      </a:r>
+                    </a:p>
+                  </a:txBody>
+                  <a:tcPr anchor="ctr"/>
+                </a:tc>
+                <a:tc>
+                  <a:txBody>
+                    <a:bodyPr/>
+                    <a:lstStyle/>
+                    <a:p>
+                      <a:pPr algn="ctr"/>
+                      <a:r>
+                        <a:rPr lang="en-US" dirty="0"/>
+                        <a:t>Yes</a:t>
+                      </a:r>
+                    </a:p>
+                  </a:txBody>
+                  <a:tcPr anchor="ctr"/>
+                </a:tc>
+                <a:extLst>
+                  <a:ext uri="{0D108BD9-81ED-4DB2-BD59-A6C34878D82A}">
+                    <a16:rowId xmlns:a16="http://schemas.microsoft.com/office/drawing/2014/main" val="4946152"/>
+                  </a:ext>
+                </a:extLst>
+              </a:tr>
+              <a:tr h="1050857">
+                <a:tc>
+                  <a:txBody>
+                    <a:bodyPr/>
+                    <a:lstStyle/>
+                    <a:p>
+                      <a:pPr marL="0" marR="0" lvl="0" indent="0" algn="ctr" defTabSz="457200" rtl="0" eaLnBrk="1" fontAlgn="auto" latinLnBrk="0" hangingPunct="1">
+                        <a:lnSpc>
+                          <a:spcPct val="100000"/>
+                        </a:lnSpc>
+                        <a:spcBef>
+                          <a:spcPts val="0"/>
+                        </a:spcBef>
+                        <a:spcAft>
+                          <a:spcPts val="0"/>
+                        </a:spcAft>
+                        <a:buClrTx/>
+                        <a:buSzTx/>
+                        <a:buFontTx/>
+                        <a:buNone/>
+                        <a:tabLst/>
+                        <a:defRPr/>
+                      </a:pPr>
+                      <a:r>
+                        <a:rPr lang="en-US" dirty="0"/>
+                        <a:t>7/10 (slides preparation)</a:t>
+                      </a:r>
+                    </a:p>
+                    <a:p>
+                      <a:pPr algn="ctr"/>
+                      <a:endParaRPr lang="en-US" dirty="0"/>
+                    </a:p>
+                  </a:txBody>
+                  <a:tcPr anchor="ctr"/>
+                </a:tc>
+                <a:tc>
+                  <a:txBody>
+                    <a:bodyPr/>
+                    <a:lstStyle/>
+                    <a:p>
+                      <a:pPr algn="ctr"/>
+                      <a:r>
+                        <a:rPr lang="en-US" dirty="0"/>
+                        <a:t>Yes</a:t>
+                      </a:r>
+                    </a:p>
+                  </a:txBody>
+                  <a:tcPr anchor="ctr"/>
+                </a:tc>
+                <a:tc>
+                  <a:txBody>
+                    <a:bodyPr/>
+                    <a:lstStyle/>
+                    <a:p>
+                      <a:pPr algn="ctr"/>
+                      <a:r>
+                        <a:rPr lang="en-US" dirty="0"/>
+                        <a:t>Yes</a:t>
+                      </a:r>
+                    </a:p>
+                  </a:txBody>
+                  <a:tcPr anchor="ctr"/>
+                </a:tc>
+                <a:tc>
+                  <a:txBody>
+                    <a:bodyPr/>
+                    <a:lstStyle/>
+                    <a:p>
+                      <a:pPr algn="ctr"/>
+                      <a:r>
+                        <a:rPr lang="en-US" dirty="0"/>
+                        <a:t>Yes</a:t>
+                      </a:r>
+                    </a:p>
+                  </a:txBody>
+                  <a:tcPr anchor="ctr"/>
+                </a:tc>
+                <a:tc>
+                  <a:txBody>
+                    <a:bodyPr/>
+                    <a:lstStyle/>
+                    <a:p>
+                      <a:pPr algn="ctr"/>
+                      <a:r>
+                        <a:rPr lang="en-US" dirty="0"/>
+                        <a:t>Yes</a:t>
+                      </a:r>
+                    </a:p>
+                  </a:txBody>
+                  <a:tcPr anchor="ctr"/>
+                </a:tc>
+                <a:extLst>
+                  <a:ext uri="{0D108BD9-81ED-4DB2-BD59-A6C34878D82A}">
+                    <a16:rowId xmlns:a16="http://schemas.microsoft.com/office/drawing/2014/main" val="1302585507"/>
+                  </a:ext>
+                </a:extLst>
+              </a:tr>
+              <a:tr h="374087">
+                <a:tc>
+                  <a:txBody>
+                    <a:bodyPr/>
+                    <a:lstStyle/>
+                    <a:p>
+                      <a:pPr algn="ctr"/>
+                      <a:r>
+                        <a:rPr lang="en-US" dirty="0"/>
+                        <a:t>7/13</a:t>
+                      </a:r>
+                    </a:p>
+                  </a:txBody>
+                  <a:tcPr anchor="ctr"/>
+                </a:tc>
+                <a:tc gridSpan="4">
+                  <a:txBody>
+                    <a:bodyPr/>
+                    <a:lstStyle/>
+                    <a:p>
+                      <a:pPr algn="ctr"/>
+                      <a:r>
+                        <a:rPr lang="en-US" dirty="0"/>
+                        <a:t>Project 1 Presentation &amp; Submission</a:t>
+                      </a:r>
+                    </a:p>
+                  </a:txBody>
+                  <a:tcPr anchor="ctr"/>
+                </a:tc>
+                <a:tc hMerge="1">
+                  <a:txBody>
+                    <a:bodyPr/>
+                    <a:lstStyle/>
+                    <a:p>
+                      <a:pPr algn="ctr"/>
+                      <a:endParaRPr lang="en-US" dirty="0"/>
+                    </a:p>
+                  </a:txBody>
+                  <a:tcPr anchor="ctr"/>
+                </a:tc>
+                <a:tc hMerge="1">
+                  <a:txBody>
+                    <a:bodyPr/>
+                    <a:lstStyle/>
+                    <a:p>
+                      <a:pPr algn="ctr"/>
+                      <a:endParaRPr lang="en-US" dirty="0"/>
+                    </a:p>
+                  </a:txBody>
+                  <a:tcPr anchor="ctr"/>
+                </a:tc>
+                <a:tc hMerge="1">
+                  <a:txBody>
+                    <a:bodyPr/>
+                    <a:lstStyle/>
+                    <a:p>
+                      <a:pPr algn="ctr"/>
+                      <a:endParaRPr lang="en-US" dirty="0"/>
+                    </a:p>
+                  </a:txBody>
+                  <a:tcPr anchor="ctr"/>
+                </a:tc>
+                <a:extLst>
+                  <a:ext uri="{0D108BD9-81ED-4DB2-BD59-A6C34878D82A}">
+                    <a16:rowId xmlns:a16="http://schemas.microsoft.com/office/drawing/2014/main" val="3375028414"/>
+                  </a:ext>
+                </a:extLst>
+              </a:tr>
+            </a:tbl>
+          </a:graphicData>
+        </a:graphic>
+      </p:graphicFrame>
     </p:spTree>
     <p:extLst>
       <p:ext uri="{BB962C8B-B14F-4D97-AF65-F5344CB8AC3E}">
-        <p14:creationId xmlns:p14="http://schemas.microsoft.com/office/powerpoint/2010/main" val="4121259519"/>
+        <p14:creationId xmlns:p14="http://schemas.microsoft.com/office/powerpoint/2010/main" val="2173070810"/>
       </p:ext>
     </p:extLst>
   </p:cSld>
@@ -6058,6 +6560,245 @@
           <a:p>
             <a:r>
               <a:rPr lang="en-US" dirty="0"/>
+              <a:t>State Tax &amp; Living Cost - </a:t>
+            </a:r>
+            <a:r>
+              <a:rPr lang="en-US" dirty="0" err="1"/>
+              <a:t>Bahar</a:t>
+            </a:r>
+            <a:endParaRPr lang="en-US" dirty="0"/>
+          </a:p>
+        </p:txBody>
+      </p:sp>
+      <p:sp>
+        <p:nvSpPr>
+          <p:cNvPr id="3" name="Content Placeholder 2">
+            <a:extLst>
+              <a:ext uri="{FF2B5EF4-FFF2-40B4-BE49-F238E27FC236}">
+                <a16:creationId xmlns:a16="http://schemas.microsoft.com/office/drawing/2014/main" id="{F5BE9D4D-949C-4037-9F87-16CDE0EE0466}"/>
+              </a:ext>
+            </a:extLst>
+          </p:cNvPr>
+          <p:cNvSpPr>
+            <a:spLocks noGrp="1"/>
+          </p:cNvSpPr>
+          <p:nvPr>
+            <p:ph idx="1"/>
+          </p:nvPr>
+        </p:nvSpPr>
+        <p:spPr/>
+        <p:txBody>
+          <a:bodyPr/>
+          <a:lstStyle/>
+          <a:p>
+            <a:r>
+              <a:rPr lang="en-US" dirty="0"/>
+              <a:t>Which state is startup business friendly (low tax)? – </a:t>
+            </a:r>
+            <a:r>
+              <a:rPr lang="en-US" dirty="0">
+                <a:solidFill>
+                  <a:srgbClr val="FF0000"/>
+                </a:solidFill>
+              </a:rPr>
+              <a:t>Tax rate and living cost (housing).</a:t>
+            </a:r>
+          </a:p>
+          <a:p>
+            <a:r>
+              <a:rPr lang="en-US" dirty="0"/>
+              <a:t>Which state with low </a:t>
+            </a:r>
+            <a:r>
+              <a:rPr lang="en-US" dirty="0">
+                <a:solidFill>
+                  <a:srgbClr val="FF0000"/>
+                </a:solidFill>
+              </a:rPr>
+              <a:t>tax rate</a:t>
+            </a:r>
+            <a:r>
+              <a:rPr lang="en-US" dirty="0"/>
+              <a:t>, attracts employee?</a:t>
+            </a:r>
+          </a:p>
+          <a:p>
+            <a:r>
+              <a:rPr lang="en-US" i="1" dirty="0"/>
+              <a:t>Write description/ observation and supporting plots (minimum 2) here</a:t>
+            </a:r>
+          </a:p>
+        </p:txBody>
+      </p:sp>
+    </p:spTree>
+    <p:extLst>
+      <p:ext uri="{BB962C8B-B14F-4D97-AF65-F5344CB8AC3E}">
+        <p14:creationId xmlns:p14="http://schemas.microsoft.com/office/powerpoint/2010/main" val="1207226246"/>
+      </p:ext>
+    </p:extLst>
+  </p:cSld>
+  <p:clrMapOvr>
+    <a:masterClrMapping/>
+  </p:clrMapOvr>
+</p:sld>
+</file>
+
+<file path=ppt/slides/slide12.xml><?xml version="1.0" encoding="utf-8"?>
+<p:sld xmlns:a="http://schemas.openxmlformats.org/drawingml/2006/main" xmlns:r="http://schemas.openxmlformats.org/officeDocument/2006/relationships" xmlns:p="http://schemas.openxmlformats.org/presentationml/2006/main">
+  <p:cSld>
+    <p:spTree>
+      <p:nvGrpSpPr>
+        <p:cNvPr id="1" name=""/>
+        <p:cNvGrpSpPr/>
+        <p:nvPr/>
+      </p:nvGrpSpPr>
+      <p:grpSpPr>
+        <a:xfrm>
+          <a:off x="0" y="0"/>
+          <a:ext cx="0" cy="0"/>
+          <a:chOff x="0" y="0"/>
+          <a:chExt cx="0" cy="0"/>
+        </a:xfrm>
+      </p:grpSpPr>
+      <p:sp>
+        <p:nvSpPr>
+          <p:cNvPr id="2" name="Title 1">
+            <a:extLst>
+              <a:ext uri="{FF2B5EF4-FFF2-40B4-BE49-F238E27FC236}">
+                <a16:creationId xmlns:a16="http://schemas.microsoft.com/office/drawing/2014/main" id="{1917A588-6B43-4326-8CEE-B31FA8CC4FDB}"/>
+              </a:ext>
+            </a:extLst>
+          </p:cNvPr>
+          <p:cNvSpPr>
+            <a:spLocks noGrp="1"/>
+          </p:cNvSpPr>
+          <p:nvPr>
+            <p:ph type="title"/>
+          </p:nvPr>
+        </p:nvSpPr>
+        <p:spPr/>
+        <p:txBody>
+          <a:bodyPr/>
+          <a:lstStyle/>
+          <a:p>
+            <a:r>
+              <a:rPr lang="en-US" dirty="0"/>
+              <a:t>Unemployment &amp; Crime Rate - Catherine</a:t>
+            </a:r>
+          </a:p>
+        </p:txBody>
+      </p:sp>
+      <p:sp>
+        <p:nvSpPr>
+          <p:cNvPr id="3" name="Content Placeholder 2">
+            <a:extLst>
+              <a:ext uri="{FF2B5EF4-FFF2-40B4-BE49-F238E27FC236}">
+                <a16:creationId xmlns:a16="http://schemas.microsoft.com/office/drawing/2014/main" id="{F5BE9D4D-949C-4037-9F87-16CDE0EE0466}"/>
+              </a:ext>
+            </a:extLst>
+          </p:cNvPr>
+          <p:cNvSpPr>
+            <a:spLocks noGrp="1"/>
+          </p:cNvSpPr>
+          <p:nvPr>
+            <p:ph idx="1"/>
+          </p:nvPr>
+        </p:nvSpPr>
+        <p:spPr/>
+        <p:txBody>
+          <a:bodyPr/>
+          <a:lstStyle/>
+          <a:p>
+            <a:r>
+              <a:rPr lang="en-US" dirty="0"/>
+              <a:t>Lower </a:t>
+            </a:r>
+            <a:r>
+              <a:rPr lang="en-US" dirty="0">
+                <a:solidFill>
+                  <a:srgbClr val="FF0000"/>
+                </a:solidFill>
+              </a:rPr>
+              <a:t>unemployment</a:t>
+            </a:r>
+            <a:r>
+              <a:rPr lang="en-US" dirty="0"/>
+              <a:t> correlated to </a:t>
+            </a:r>
+            <a:r>
+              <a:rPr lang="en-US" dirty="0">
+                <a:solidFill>
+                  <a:srgbClr val="FF0000"/>
+                </a:solidFill>
+              </a:rPr>
+              <a:t>crime rate</a:t>
+            </a:r>
+            <a:r>
+              <a:rPr lang="en-US" dirty="0"/>
+              <a:t>?</a:t>
+            </a:r>
+          </a:p>
+          <a:p>
+            <a:r>
+              <a:rPr lang="en-US" i="1" dirty="0"/>
+              <a:t>Write description/ observation and supporting plots (minimum 2) here</a:t>
+            </a:r>
+          </a:p>
+        </p:txBody>
+      </p:sp>
+    </p:spTree>
+    <p:extLst>
+      <p:ext uri="{BB962C8B-B14F-4D97-AF65-F5344CB8AC3E}">
+        <p14:creationId xmlns:p14="http://schemas.microsoft.com/office/powerpoint/2010/main" val="4121259519"/>
+      </p:ext>
+    </p:extLst>
+  </p:cSld>
+  <p:clrMapOvr>
+    <a:masterClrMapping/>
+  </p:clrMapOvr>
+</p:sld>
+</file>
+
+<file path=ppt/slides/slide13.xml><?xml version="1.0" encoding="utf-8"?>
+<p:sld xmlns:a="http://schemas.openxmlformats.org/drawingml/2006/main" xmlns:r="http://schemas.openxmlformats.org/officeDocument/2006/relationships" xmlns:p="http://schemas.openxmlformats.org/presentationml/2006/main">
+  <p:cSld>
+    <p:spTree>
+      <p:nvGrpSpPr>
+        <p:cNvPr id="1" name=""/>
+        <p:cNvGrpSpPr/>
+        <p:nvPr/>
+      </p:nvGrpSpPr>
+      <p:grpSpPr>
+        <a:xfrm>
+          <a:off x="0" y="0"/>
+          <a:ext cx="0" cy="0"/>
+          <a:chOff x="0" y="0"/>
+          <a:chExt cx="0" cy="0"/>
+        </a:xfrm>
+      </p:grpSpPr>
+      <p:sp>
+        <p:nvSpPr>
+          <p:cNvPr id="2" name="Title 1">
+            <a:extLst>
+              <a:ext uri="{FF2B5EF4-FFF2-40B4-BE49-F238E27FC236}">
+                <a16:creationId xmlns:a16="http://schemas.microsoft.com/office/drawing/2014/main" id="{1917A588-6B43-4326-8CEE-B31FA8CC4FDB}"/>
+              </a:ext>
+            </a:extLst>
+          </p:cNvPr>
+          <p:cNvSpPr>
+            <a:spLocks noGrp="1"/>
+          </p:cNvSpPr>
+          <p:nvPr>
+            <p:ph type="title"/>
+          </p:nvPr>
+        </p:nvSpPr>
+        <p:spPr/>
+        <p:txBody>
+          <a:bodyPr/>
+          <a:lstStyle/>
+          <a:p>
+            <a:r>
+              <a:rPr lang="en-US" dirty="0"/>
               <a:t>Salary - Molly</a:t>
             </a:r>
           </a:p>
@@ -6122,7 +6863,7 @@
 </p:sld>
 </file>
 
-<file path=ppt/slides/slide12.xml><?xml version="1.0" encoding="utf-8"?>
+<file path=ppt/slides/slide14.xml><?xml version="1.0" encoding="utf-8"?>
 <p:sld xmlns:a="http://schemas.openxmlformats.org/drawingml/2006/main" xmlns:r="http://schemas.openxmlformats.org/officeDocument/2006/relationships" xmlns:p="http://schemas.openxmlformats.org/presentationml/2006/main">
   <p:cSld>
     <p:spTree>
@@ -6266,7 +7007,7 @@
           <a:p>
             <a:r>
               <a:rPr lang="en-US" dirty="0"/>
-              <a:t>Project Description</a:t>
+              <a:t>Question Breakdown</a:t>
             </a:r>
           </a:p>
         </p:txBody>
@@ -6290,70 +7031,54 @@
         <p:spPr/>
         <p:txBody>
           <a:bodyPr>
-            <a:normAutofit fontScale="92500" lnSpcReduction="10000"/>
+            <a:normAutofit fontScale="92500" lnSpcReduction="20000"/>
           </a:bodyPr>
           <a:lstStyle/>
           <a:p>
             <a:r>
               <a:rPr lang="en-US" dirty="0"/>
-              <a:t>Our opinion on Best State to live in 2018 for </a:t>
-            </a:r>
-            <a:r>
-              <a:rPr lang="en-US" dirty="0">
-                <a:solidFill>
-                  <a:srgbClr val="FF0000"/>
-                </a:solidFill>
-              </a:rPr>
-              <a:t>“employee” </a:t>
-            </a:r>
-            <a:r>
-              <a:rPr lang="en-US" dirty="0">
-                <a:solidFill>
-                  <a:schemeClr val="tx1"/>
-                </a:solidFill>
-              </a:rPr>
-              <a:t>from 5 criteria below, </a:t>
+              <a:t>Best State </a:t>
             </a:r>
           </a:p>
           <a:p>
             <a:pPr lvl="1"/>
             <a:r>
               <a:rPr lang="en-US" dirty="0"/>
-              <a:t>State Tax</a:t>
+              <a:t>Out of 50 states, pick the “best choice” from top 20 in categories of salary, crime rate, unemployment rate, climate and tax rate. Not necessarily the best on all of them.</a:t>
+            </a:r>
+          </a:p>
+          <a:p>
+            <a:r>
+              <a:rPr lang="en-US" dirty="0"/>
+              <a:t>To Live In For Employee </a:t>
             </a:r>
           </a:p>
           <a:p>
             <a:pPr lvl="1"/>
             <a:r>
               <a:rPr lang="en-US" dirty="0"/>
-              <a:t>Climate</a:t>
+              <a:t>Focus is working community and not “retiree” or “retiring soon” community.</a:t>
             </a:r>
           </a:p>
           <a:p>
             <a:pPr lvl="1"/>
             <a:r>
               <a:rPr lang="en-US" dirty="0"/>
-              <a:t>Unemployment rate</a:t>
+              <a:t>Affordable housing and tax rate, salary spent on housing + tax &lt; 65%. Having ability to save money </a:t>
             </a:r>
           </a:p>
           <a:p>
             <a:pPr lvl="1"/>
             <a:r>
               <a:rPr lang="en-US" dirty="0"/>
-              <a:t>Crime rate</a:t>
+              <a:t>low crime rate and unemployment i.e. &lt; 4% for each</a:t>
             </a:r>
           </a:p>
           <a:p>
             <a:pPr lvl="1"/>
             <a:r>
               <a:rPr lang="en-US" dirty="0"/>
-              <a:t>Salary </a:t>
-            </a:r>
-          </a:p>
-          <a:p>
-            <a:r>
-              <a:rPr lang="en-US" dirty="0"/>
-              <a:t>Through observations, plots and correlations, we’re to determine the best state for employee to work in.</a:t>
+              <a:t>acceptable climate i.e. not too hot or cold, less humid. Moderate humidity and temperatures (60 – 80 F)  </a:t>
             </a:r>
           </a:p>
         </p:txBody>
@@ -6361,7 +7086,7 @@
     </p:spTree>
     <p:extLst>
       <p:ext uri="{BB962C8B-B14F-4D97-AF65-F5344CB8AC3E}">
-        <p14:creationId xmlns:p14="http://schemas.microsoft.com/office/powerpoint/2010/main" val="556332744"/>
+        <p14:creationId xmlns:p14="http://schemas.microsoft.com/office/powerpoint/2010/main" val="1234996424"/>
       </p:ext>
     </p:extLst>
   </p:cSld>
@@ -6393,6 +7118,296 @@
           <p:cNvPr id="2" name="Title 1">
             <a:extLst>
               <a:ext uri="{FF2B5EF4-FFF2-40B4-BE49-F238E27FC236}">
+                <a16:creationId xmlns:a16="http://schemas.microsoft.com/office/drawing/2014/main" id="{377C9523-097C-4E43-AC8E-8C68B3057BB1}"/>
+              </a:ext>
+            </a:extLst>
+          </p:cNvPr>
+          <p:cNvSpPr>
+            <a:spLocks noGrp="1"/>
+          </p:cNvSpPr>
+          <p:nvPr>
+            <p:ph type="title"/>
+          </p:nvPr>
+        </p:nvSpPr>
+        <p:spPr/>
+        <p:txBody>
+          <a:bodyPr/>
+          <a:lstStyle/>
+          <a:p>
+            <a:r>
+              <a:rPr lang="en-US" dirty="0"/>
+              <a:t>Project Description</a:t>
+            </a:r>
+          </a:p>
+        </p:txBody>
+      </p:sp>
+      <p:sp>
+        <p:nvSpPr>
+          <p:cNvPr id="3" name="Content Placeholder 2">
+            <a:extLst>
+              <a:ext uri="{FF2B5EF4-FFF2-40B4-BE49-F238E27FC236}">
+                <a16:creationId xmlns:a16="http://schemas.microsoft.com/office/drawing/2014/main" id="{42C92943-A346-4DB7-A073-7ED62D2A2B66}"/>
+              </a:ext>
+            </a:extLst>
+          </p:cNvPr>
+          <p:cNvSpPr>
+            <a:spLocks noGrp="1"/>
+          </p:cNvSpPr>
+          <p:nvPr>
+            <p:ph idx="1"/>
+          </p:nvPr>
+        </p:nvSpPr>
+        <p:spPr/>
+        <p:txBody>
+          <a:bodyPr>
+            <a:normAutofit fontScale="92500" lnSpcReduction="10000"/>
+          </a:bodyPr>
+          <a:lstStyle/>
+          <a:p>
+            <a:r>
+              <a:rPr lang="en-US" dirty="0"/>
+              <a:t>Our opinion on Best State to live in 2018 for </a:t>
+            </a:r>
+            <a:r>
+              <a:rPr lang="en-US" dirty="0">
+                <a:solidFill>
+                  <a:srgbClr val="FF0000"/>
+                </a:solidFill>
+              </a:rPr>
+              <a:t>“employee” </a:t>
+            </a:r>
+            <a:r>
+              <a:rPr lang="en-US" dirty="0">
+                <a:solidFill>
+                  <a:schemeClr val="tx1"/>
+                </a:solidFill>
+              </a:rPr>
+              <a:t>from 5 criteria below, </a:t>
+            </a:r>
+          </a:p>
+          <a:p>
+            <a:pPr lvl="1"/>
+            <a:r>
+              <a:rPr lang="en-US" dirty="0"/>
+              <a:t>State Tax</a:t>
+            </a:r>
+          </a:p>
+          <a:p>
+            <a:pPr lvl="1"/>
+            <a:r>
+              <a:rPr lang="en-US" dirty="0"/>
+              <a:t>Climate</a:t>
+            </a:r>
+          </a:p>
+          <a:p>
+            <a:pPr lvl="1"/>
+            <a:r>
+              <a:rPr lang="en-US" dirty="0"/>
+              <a:t>Unemployment rate</a:t>
+            </a:r>
+          </a:p>
+          <a:p>
+            <a:pPr lvl="1"/>
+            <a:r>
+              <a:rPr lang="en-US" dirty="0"/>
+              <a:t>Crime rate</a:t>
+            </a:r>
+          </a:p>
+          <a:p>
+            <a:pPr lvl="1"/>
+            <a:r>
+              <a:rPr lang="en-US" dirty="0"/>
+              <a:t>Salary </a:t>
+            </a:r>
+          </a:p>
+          <a:p>
+            <a:r>
+              <a:rPr lang="en-US" dirty="0"/>
+              <a:t>Through observations, plots and correlations, we’re to determine the best state for employee to work in.</a:t>
+            </a:r>
+          </a:p>
+        </p:txBody>
+      </p:sp>
+    </p:spTree>
+    <p:extLst>
+      <p:ext uri="{BB962C8B-B14F-4D97-AF65-F5344CB8AC3E}">
+        <p14:creationId xmlns:p14="http://schemas.microsoft.com/office/powerpoint/2010/main" val="556332744"/>
+      </p:ext>
+    </p:extLst>
+  </p:cSld>
+  <p:clrMapOvr>
+    <a:masterClrMapping/>
+  </p:clrMapOvr>
+</p:sld>
+</file>
+
+<file path=ppt/slides/slide4.xml><?xml version="1.0" encoding="utf-8"?>
+<p:sld xmlns:a="http://schemas.openxmlformats.org/drawingml/2006/main" xmlns:r="http://schemas.openxmlformats.org/officeDocument/2006/relationships" xmlns:p="http://schemas.openxmlformats.org/presentationml/2006/main">
+  <p:cSld>
+    <p:spTree>
+      <p:nvGrpSpPr>
+        <p:cNvPr id="1" name=""/>
+        <p:cNvGrpSpPr/>
+        <p:nvPr/>
+      </p:nvGrpSpPr>
+      <p:grpSpPr>
+        <a:xfrm>
+          <a:off x="0" y="0"/>
+          <a:ext cx="0" cy="0"/>
+          <a:chOff x="0" y="0"/>
+          <a:chExt cx="0" cy="0"/>
+        </a:xfrm>
+      </p:grpSpPr>
+      <p:sp>
+        <p:nvSpPr>
+          <p:cNvPr id="2" name="Title 1">
+            <a:extLst>
+              <a:ext uri="{FF2B5EF4-FFF2-40B4-BE49-F238E27FC236}">
+                <a16:creationId xmlns:a16="http://schemas.microsoft.com/office/drawing/2014/main" id="{377C9523-097C-4E43-AC8E-8C68B3057BB1}"/>
+              </a:ext>
+            </a:extLst>
+          </p:cNvPr>
+          <p:cNvSpPr>
+            <a:spLocks noGrp="1"/>
+          </p:cNvSpPr>
+          <p:nvPr>
+            <p:ph type="title"/>
+          </p:nvPr>
+        </p:nvSpPr>
+        <p:spPr/>
+        <p:txBody>
+          <a:bodyPr/>
+          <a:lstStyle/>
+          <a:p>
+            <a:r>
+              <a:rPr lang="en-US" dirty="0"/>
+              <a:t>Project Description</a:t>
+            </a:r>
+          </a:p>
+        </p:txBody>
+      </p:sp>
+      <p:sp>
+        <p:nvSpPr>
+          <p:cNvPr id="3" name="Content Placeholder 2">
+            <a:extLst>
+              <a:ext uri="{FF2B5EF4-FFF2-40B4-BE49-F238E27FC236}">
+                <a16:creationId xmlns:a16="http://schemas.microsoft.com/office/drawing/2014/main" id="{42C92943-A346-4DB7-A073-7ED62D2A2B66}"/>
+              </a:ext>
+            </a:extLst>
+          </p:cNvPr>
+          <p:cNvSpPr>
+            <a:spLocks noGrp="1"/>
+          </p:cNvSpPr>
+          <p:nvPr>
+            <p:ph idx="1"/>
+          </p:nvPr>
+        </p:nvSpPr>
+        <p:spPr/>
+        <p:txBody>
+          <a:bodyPr>
+            <a:normAutofit fontScale="92500" lnSpcReduction="10000"/>
+          </a:bodyPr>
+          <a:lstStyle/>
+          <a:p>
+            <a:r>
+              <a:rPr lang="en-US" dirty="0"/>
+              <a:t>Our opinion on Best State to live in 2018 for </a:t>
+            </a:r>
+            <a:r>
+              <a:rPr lang="en-US" dirty="0">
+                <a:solidFill>
+                  <a:srgbClr val="FF0000"/>
+                </a:solidFill>
+              </a:rPr>
+              <a:t>“employee” </a:t>
+            </a:r>
+            <a:r>
+              <a:rPr lang="en-US" dirty="0">
+                <a:solidFill>
+                  <a:schemeClr val="tx1"/>
+                </a:solidFill>
+              </a:rPr>
+              <a:t>from 5 criteria below, </a:t>
+            </a:r>
+          </a:p>
+          <a:p>
+            <a:pPr lvl="1"/>
+            <a:r>
+              <a:rPr lang="en-US" dirty="0"/>
+              <a:t>State Tax</a:t>
+            </a:r>
+          </a:p>
+          <a:p>
+            <a:pPr lvl="1"/>
+            <a:r>
+              <a:rPr lang="en-US" dirty="0"/>
+              <a:t>Climate</a:t>
+            </a:r>
+          </a:p>
+          <a:p>
+            <a:pPr lvl="1"/>
+            <a:r>
+              <a:rPr lang="en-US" dirty="0"/>
+              <a:t>Unemployment rate</a:t>
+            </a:r>
+          </a:p>
+          <a:p>
+            <a:pPr lvl="1"/>
+            <a:r>
+              <a:rPr lang="en-US" dirty="0"/>
+              <a:t>Crime rate</a:t>
+            </a:r>
+          </a:p>
+          <a:p>
+            <a:pPr lvl="1"/>
+            <a:r>
+              <a:rPr lang="en-US" dirty="0"/>
+              <a:t>Salary </a:t>
+            </a:r>
+          </a:p>
+          <a:p>
+            <a:r>
+              <a:rPr lang="en-US" dirty="0"/>
+              <a:t>Through observations, plots and correlations, we’re to determine the best state for employee to work in.</a:t>
+            </a:r>
+          </a:p>
+        </p:txBody>
+      </p:sp>
+    </p:spTree>
+    <p:extLst>
+      <p:ext uri="{BB962C8B-B14F-4D97-AF65-F5344CB8AC3E}">
+        <p14:creationId xmlns:p14="http://schemas.microsoft.com/office/powerpoint/2010/main" val="2000845695"/>
+      </p:ext>
+    </p:extLst>
+  </p:cSld>
+  <p:clrMapOvr>
+    <a:masterClrMapping/>
+  </p:clrMapOvr>
+</p:sld>
+</file>
+
+<file path=ppt/slides/slide5.xml><?xml version="1.0" encoding="utf-8"?>
+<p:sld xmlns:a="http://schemas.openxmlformats.org/drawingml/2006/main" xmlns:r="http://schemas.openxmlformats.org/officeDocument/2006/relationships" xmlns:p="http://schemas.openxmlformats.org/presentationml/2006/main">
+  <p:cSld>
+    <p:spTree>
+      <p:nvGrpSpPr>
+        <p:cNvPr id="1" name=""/>
+        <p:cNvGrpSpPr/>
+        <p:nvPr/>
+      </p:nvGrpSpPr>
+      <p:grpSpPr>
+        <a:xfrm>
+          <a:off x="0" y="0"/>
+          <a:ext cx="0" cy="0"/>
+          <a:chOff x="0" y="0"/>
+          <a:chExt cx="0" cy="0"/>
+        </a:xfrm>
+      </p:grpSpPr>
+      <p:sp>
+        <p:nvSpPr>
+          <p:cNvPr id="2" name="Title 1">
+            <a:extLst>
+              <a:ext uri="{FF2B5EF4-FFF2-40B4-BE49-F238E27FC236}">
                 <a16:creationId xmlns:a16="http://schemas.microsoft.com/office/drawing/2014/main" id="{1917A588-6B43-4326-8CEE-B31FA8CC4FDB}"/>
               </a:ext>
             </a:extLst>
@@ -6953,7 +7968,7 @@
 </p:sld>
 </file>
 
-<file path=ppt/slides/slide4.xml><?xml version="1.0" encoding="utf-8"?>
+<file path=ppt/slides/slide6.xml><?xml version="1.0" encoding="utf-8"?>
 <p:sld xmlns:a="http://schemas.openxmlformats.org/drawingml/2006/main" xmlns:r="http://schemas.openxmlformats.org/officeDocument/2006/relationships" xmlns:p="http://schemas.openxmlformats.org/presentationml/2006/main">
   <p:cSld>
     <p:spTree>
@@ -9093,7 +10108,7 @@
 </p:sld>
 </file>
 
-<file path=ppt/slides/slide5.xml><?xml version="1.0" encoding="utf-8"?>
+<file path=ppt/slides/slide7.xml><?xml version="1.0" encoding="utf-8"?>
 <p:sld xmlns:a="http://schemas.openxmlformats.org/drawingml/2006/main" xmlns:r="http://schemas.openxmlformats.org/officeDocument/2006/relationships" xmlns:p="http://schemas.openxmlformats.org/presentationml/2006/main">
   <p:cSld>
     <p:spTree>
@@ -9373,7 +10388,7 @@
 </p:sld>
 </file>
 
-<file path=ppt/slides/slide6.xml><?xml version="1.0" encoding="utf-8"?>
+<file path=ppt/slides/slide8.xml><?xml version="1.0" encoding="utf-8"?>
 <p:sld xmlns:a="http://schemas.openxmlformats.org/drawingml/2006/main" xmlns:r="http://schemas.openxmlformats.org/officeDocument/2006/relationships" xmlns:p="http://schemas.openxmlformats.org/presentationml/2006/main">
   <p:cSld>
     <p:spTree>
@@ -9465,777 +10480,6 @@
 </p:sld>
 </file>
 
-<file path=ppt/slides/slide7.xml><?xml version="1.0" encoding="utf-8"?>
-<p:sld xmlns:a="http://schemas.openxmlformats.org/drawingml/2006/main" xmlns:r="http://schemas.openxmlformats.org/officeDocument/2006/relationships" xmlns:p="http://schemas.openxmlformats.org/presentationml/2006/main">
-  <p:cSld>
-    <p:spTree>
-      <p:nvGrpSpPr>
-        <p:cNvPr id="1" name=""/>
-        <p:cNvGrpSpPr/>
-        <p:nvPr/>
-      </p:nvGrpSpPr>
-      <p:grpSpPr>
-        <a:xfrm>
-          <a:off x="0" y="0"/>
-          <a:ext cx="0" cy="0"/>
-          <a:chOff x="0" y="0"/>
-          <a:chExt cx="0" cy="0"/>
-        </a:xfrm>
-      </p:grpSpPr>
-      <p:sp>
-        <p:nvSpPr>
-          <p:cNvPr id="2" name="Title 1">
-            <a:extLst>
-              <a:ext uri="{FF2B5EF4-FFF2-40B4-BE49-F238E27FC236}">
-                <a16:creationId xmlns:a16="http://schemas.microsoft.com/office/drawing/2014/main" id="{1917A588-6B43-4326-8CEE-B31FA8CC4FDB}"/>
-              </a:ext>
-            </a:extLst>
-          </p:cNvPr>
-          <p:cNvSpPr>
-            <a:spLocks noGrp="1"/>
-          </p:cNvSpPr>
-          <p:nvPr>
-            <p:ph type="title"/>
-          </p:nvPr>
-        </p:nvSpPr>
-        <p:spPr/>
-        <p:txBody>
-          <a:bodyPr/>
-          <a:lstStyle/>
-          <a:p>
-            <a:r>
-              <a:rPr lang="en-US" dirty="0"/>
-              <a:t>Coding Rules</a:t>
-            </a:r>
-          </a:p>
-        </p:txBody>
-      </p:sp>
-      <p:sp>
-        <p:nvSpPr>
-          <p:cNvPr id="3" name="Content Placeholder 2">
-            <a:extLst>
-              <a:ext uri="{FF2B5EF4-FFF2-40B4-BE49-F238E27FC236}">
-                <a16:creationId xmlns:a16="http://schemas.microsoft.com/office/drawing/2014/main" id="{F5BE9D4D-949C-4037-9F87-16CDE0EE0466}"/>
-              </a:ext>
-            </a:extLst>
-          </p:cNvPr>
-          <p:cNvSpPr>
-            <a:spLocks noGrp="1"/>
-          </p:cNvSpPr>
-          <p:nvPr>
-            <p:ph idx="1"/>
-          </p:nvPr>
-        </p:nvSpPr>
-        <p:spPr/>
-        <p:txBody>
-          <a:bodyPr>
-            <a:normAutofit fontScale="92500" lnSpcReduction="10000"/>
-          </a:bodyPr>
-          <a:lstStyle/>
-          <a:p>
-            <a:r>
-              <a:rPr lang="en-US" dirty="0"/>
-              <a:t>Upload scripts to Script folder</a:t>
-            </a:r>
-          </a:p>
-          <a:p>
-            <a:r>
-              <a:rPr lang="en-US" dirty="0"/>
-              <a:t>Label/ Comment on every code line to help other understand quickly. Explain briefly if needed</a:t>
-            </a:r>
-          </a:p>
-          <a:p>
-            <a:r>
-              <a:rPr lang="en-US" dirty="0"/>
-              <a:t>Label plot(s) well with legend, title and axes</a:t>
-            </a:r>
-          </a:p>
-          <a:p>
-            <a:r>
-              <a:rPr lang="en-US" dirty="0"/>
-              <a:t>Append _</a:t>
-            </a:r>
-            <a:r>
-              <a:rPr lang="en-US" dirty="0" err="1"/>
-              <a:t>lst</a:t>
-            </a:r>
-            <a:r>
-              <a:rPr lang="en-US" dirty="0"/>
-              <a:t>, _df and </a:t>
-            </a:r>
-            <a:r>
-              <a:rPr lang="en-US" dirty="0" err="1"/>
-              <a:t>etc</a:t>
-            </a:r>
-            <a:r>
-              <a:rPr lang="en-US" dirty="0"/>
-              <a:t> when defining lists, dictionaries, data frames. E.g. </a:t>
-            </a:r>
-            <a:r>
-              <a:rPr lang="en-US" dirty="0" err="1"/>
-              <a:t>mylist_lst</a:t>
-            </a:r>
-            <a:r>
-              <a:rPr lang="en-US" dirty="0"/>
-              <a:t>, </a:t>
-            </a:r>
-            <a:r>
-              <a:rPr lang="en-US" dirty="0" err="1"/>
-              <a:t>myplot_plt</a:t>
-            </a:r>
-            <a:endParaRPr lang="en-US" dirty="0"/>
-          </a:p>
-          <a:p>
-            <a:r>
-              <a:rPr lang="en-US" dirty="0"/>
-              <a:t>Backup files locally prior to modification for retrieval</a:t>
-            </a:r>
-          </a:p>
-          <a:p>
-            <a:r>
-              <a:rPr lang="en-US" dirty="0"/>
-              <a:t>Attempt to solve 1</a:t>
-            </a:r>
-            <a:r>
-              <a:rPr lang="en-US" baseline="30000" dirty="0"/>
-              <a:t>st</a:t>
-            </a:r>
-            <a:r>
-              <a:rPr lang="en-US" dirty="0"/>
-              <a:t> by yourself, if help needed, slack out</a:t>
-            </a:r>
-          </a:p>
-        </p:txBody>
-      </p:sp>
-    </p:spTree>
-    <p:extLst>
-      <p:ext uri="{BB962C8B-B14F-4D97-AF65-F5344CB8AC3E}">
-        <p14:creationId xmlns:p14="http://schemas.microsoft.com/office/powerpoint/2010/main" val="2409190503"/>
-      </p:ext>
-    </p:extLst>
-  </p:cSld>
-  <p:clrMapOvr>
-    <a:masterClrMapping/>
-  </p:clrMapOvr>
-</p:sld>
-</file>
-
-<file path=ppt/slides/slide8.xml><?xml version="1.0" encoding="utf-8"?>
-<p:sld xmlns:a="http://schemas.openxmlformats.org/drawingml/2006/main" xmlns:r="http://schemas.openxmlformats.org/officeDocument/2006/relationships" xmlns:p="http://schemas.openxmlformats.org/presentationml/2006/main">
-  <p:cSld>
-    <p:spTree>
-      <p:nvGrpSpPr>
-        <p:cNvPr id="1" name=""/>
-        <p:cNvGrpSpPr/>
-        <p:nvPr/>
-      </p:nvGrpSpPr>
-      <p:grpSpPr>
-        <a:xfrm>
-          <a:off x="0" y="0"/>
-          <a:ext cx="0" cy="0"/>
-          <a:chOff x="0" y="0"/>
-          <a:chExt cx="0" cy="0"/>
-        </a:xfrm>
-      </p:grpSpPr>
-      <p:sp>
-        <p:nvSpPr>
-          <p:cNvPr id="2" name="Title 1">
-            <a:extLst>
-              <a:ext uri="{FF2B5EF4-FFF2-40B4-BE49-F238E27FC236}">
-                <a16:creationId xmlns:a16="http://schemas.microsoft.com/office/drawing/2014/main" id="{1917A588-6B43-4326-8CEE-B31FA8CC4FDB}"/>
-              </a:ext>
-            </a:extLst>
-          </p:cNvPr>
-          <p:cNvSpPr>
-            <a:spLocks noGrp="1"/>
-          </p:cNvSpPr>
-          <p:nvPr>
-            <p:ph type="title"/>
-          </p:nvPr>
-        </p:nvSpPr>
-        <p:spPr/>
-        <p:txBody>
-          <a:bodyPr/>
-          <a:lstStyle/>
-          <a:p>
-            <a:r>
-              <a:rPr lang="en-US" dirty="0"/>
-              <a:t>Availability</a:t>
-            </a:r>
-          </a:p>
-        </p:txBody>
-      </p:sp>
-      <p:graphicFrame>
-        <p:nvGraphicFramePr>
-          <p:cNvPr id="5" name="Content Placeholder 4">
-            <a:extLst>
-              <a:ext uri="{FF2B5EF4-FFF2-40B4-BE49-F238E27FC236}">
-                <a16:creationId xmlns:a16="http://schemas.microsoft.com/office/drawing/2014/main" id="{52BFB9D7-64CC-446E-A2B1-7FEA2F22DFC3}"/>
-              </a:ext>
-            </a:extLst>
-          </p:cNvPr>
-          <p:cNvGraphicFramePr>
-            <a:graphicFrameLocks noGrp="1"/>
-          </p:cNvGraphicFramePr>
-          <p:nvPr>
-            <p:ph idx="1"/>
-            <p:extLst>
-              <p:ext uri="{D42A27DB-BD31-4B8C-83A1-F6EECF244321}">
-                <p14:modId xmlns:p14="http://schemas.microsoft.com/office/powerpoint/2010/main" val="2806111777"/>
-              </p:ext>
-            </p:extLst>
-          </p:nvPr>
-        </p:nvGraphicFramePr>
-        <p:xfrm>
-          <a:off x="2734408" y="2583839"/>
-          <a:ext cx="6523892" cy="3016861"/>
-        </p:xfrm>
-        <a:graphic>
-          <a:graphicData uri="http://schemas.openxmlformats.org/drawingml/2006/table">
-            <a:tbl>
-              <a:tblPr firstRow="1" bandRow="1">
-                <a:tableStyleId>{5C22544A-7EE6-4342-B048-85BDC9FD1C3A}</a:tableStyleId>
-              </a:tblPr>
-              <a:tblGrid>
-                <a:gridCol w="1573980">
-                  <a:extLst>
-                    <a:ext uri="{9D8B030D-6E8A-4147-A177-3AD203B41FA5}">
-                      <a16:colId xmlns:a16="http://schemas.microsoft.com/office/drawing/2014/main" val="2013967057"/>
-                    </a:ext>
-                  </a:extLst>
-                </a:gridCol>
-                <a:gridCol w="1059703">
-                  <a:extLst>
-                    <a:ext uri="{9D8B030D-6E8A-4147-A177-3AD203B41FA5}">
-                      <a16:colId xmlns:a16="http://schemas.microsoft.com/office/drawing/2014/main" val="477625931"/>
-                    </a:ext>
-                  </a:extLst>
-                </a:gridCol>
-                <a:gridCol w="1546873">
-                  <a:extLst>
-                    <a:ext uri="{9D8B030D-6E8A-4147-A177-3AD203B41FA5}">
-                      <a16:colId xmlns:a16="http://schemas.microsoft.com/office/drawing/2014/main" val="913401616"/>
-                    </a:ext>
-                  </a:extLst>
-                </a:gridCol>
-                <a:gridCol w="1027738">
-                  <a:extLst>
-                    <a:ext uri="{9D8B030D-6E8A-4147-A177-3AD203B41FA5}">
-                      <a16:colId xmlns:a16="http://schemas.microsoft.com/office/drawing/2014/main" val="4263324847"/>
-                    </a:ext>
-                  </a:extLst>
-                </a:gridCol>
-                <a:gridCol w="1315598">
-                  <a:extLst>
-                    <a:ext uri="{9D8B030D-6E8A-4147-A177-3AD203B41FA5}">
-                      <a16:colId xmlns:a16="http://schemas.microsoft.com/office/drawing/2014/main" val="1813264309"/>
-                    </a:ext>
-                  </a:extLst>
-                </a:gridCol>
-              </a:tblGrid>
-              <a:tr h="469656">
-                <a:tc>
-                  <a:txBody>
-                    <a:bodyPr/>
-                    <a:lstStyle/>
-                    <a:p>
-                      <a:pPr algn="ctr"/>
-                      <a:r>
-                        <a:rPr lang="en-US" dirty="0"/>
-                        <a:t>Date/ Ppl</a:t>
-                      </a:r>
-                    </a:p>
-                  </a:txBody>
-                  <a:tcPr anchor="ctr"/>
-                </a:tc>
-                <a:tc>
-                  <a:txBody>
-                    <a:bodyPr/>
-                    <a:lstStyle/>
-                    <a:p>
-                      <a:pPr algn="ctr"/>
-                      <a:r>
-                        <a:rPr lang="en-US" dirty="0" err="1"/>
-                        <a:t>Bahar</a:t>
-                      </a:r>
-                      <a:endParaRPr lang="en-US" dirty="0"/>
-                    </a:p>
-                  </a:txBody>
-                  <a:tcPr anchor="ctr"/>
-                </a:tc>
-                <a:tc>
-                  <a:txBody>
-                    <a:bodyPr/>
-                    <a:lstStyle/>
-                    <a:p>
-                      <a:pPr algn="ctr"/>
-                      <a:r>
-                        <a:rPr lang="en-US" dirty="0"/>
-                        <a:t>Catherine</a:t>
-                      </a:r>
-                    </a:p>
-                  </a:txBody>
-                  <a:tcPr anchor="ctr"/>
-                </a:tc>
-                <a:tc>
-                  <a:txBody>
-                    <a:bodyPr/>
-                    <a:lstStyle/>
-                    <a:p>
-                      <a:pPr algn="ctr"/>
-                      <a:r>
-                        <a:rPr lang="en-US" dirty="0"/>
-                        <a:t>Molly</a:t>
-                      </a:r>
-                    </a:p>
-                  </a:txBody>
-                  <a:tcPr anchor="ctr"/>
-                </a:tc>
-                <a:tc>
-                  <a:txBody>
-                    <a:bodyPr/>
-                    <a:lstStyle/>
-                    <a:p>
-                      <a:pPr algn="ctr"/>
-                      <a:r>
-                        <a:rPr lang="en-US" dirty="0"/>
-                        <a:t>Prakash</a:t>
-                      </a:r>
-                    </a:p>
-                  </a:txBody>
-                  <a:tcPr anchor="ctr"/>
-                </a:tc>
-                <a:extLst>
-                  <a:ext uri="{0D108BD9-81ED-4DB2-BD59-A6C34878D82A}">
-                    <a16:rowId xmlns:a16="http://schemas.microsoft.com/office/drawing/2014/main" val="2459327410"/>
-                  </a:ext>
-                </a:extLst>
-              </a:tr>
-              <a:tr h="374087">
-                <a:tc>
-                  <a:txBody>
-                    <a:bodyPr/>
-                    <a:lstStyle/>
-                    <a:p>
-                      <a:pPr algn="ctr"/>
-                      <a:r>
-                        <a:rPr lang="en-US" dirty="0"/>
-                        <a:t>7/1</a:t>
-                      </a:r>
-                    </a:p>
-                  </a:txBody>
-                  <a:tcPr anchor="ctr"/>
-                </a:tc>
-                <a:tc>
-                  <a:txBody>
-                    <a:bodyPr/>
-                    <a:lstStyle/>
-                    <a:p>
-                      <a:pPr algn="ctr"/>
-                      <a:r>
-                        <a:rPr lang="en-US" dirty="0"/>
-                        <a:t>Yes</a:t>
-                      </a:r>
-                    </a:p>
-                  </a:txBody>
-                  <a:tcPr anchor="ctr"/>
-                </a:tc>
-                <a:tc>
-                  <a:txBody>
-                    <a:bodyPr/>
-                    <a:lstStyle/>
-                    <a:p>
-                      <a:pPr algn="ctr"/>
-                      <a:r>
-                        <a:rPr lang="en-US" dirty="0"/>
-                        <a:t>Yes</a:t>
-                      </a:r>
-                    </a:p>
-                  </a:txBody>
-                  <a:tcPr anchor="ctr"/>
-                </a:tc>
-                <a:tc>
-                  <a:txBody>
-                    <a:bodyPr/>
-                    <a:lstStyle/>
-                    <a:p>
-                      <a:pPr algn="ctr"/>
-                      <a:r>
-                        <a:rPr lang="en-US" dirty="0"/>
-                        <a:t>Yes</a:t>
-                      </a:r>
-                    </a:p>
-                  </a:txBody>
-                  <a:tcPr anchor="ctr"/>
-                </a:tc>
-                <a:tc>
-                  <a:txBody>
-                    <a:bodyPr/>
-                    <a:lstStyle/>
-                    <a:p>
-                      <a:pPr algn="ctr"/>
-                      <a:r>
-                        <a:rPr lang="en-US" dirty="0"/>
-                        <a:t>Yes</a:t>
-                      </a:r>
-                    </a:p>
-                  </a:txBody>
-                  <a:tcPr anchor="ctr"/>
-                </a:tc>
-                <a:extLst>
-                  <a:ext uri="{0D108BD9-81ED-4DB2-BD59-A6C34878D82A}">
-                    <a16:rowId xmlns:a16="http://schemas.microsoft.com/office/drawing/2014/main" val="3970321666"/>
-                  </a:ext>
-                </a:extLst>
-              </a:tr>
-              <a:tr h="374087">
-                <a:tc>
-                  <a:txBody>
-                    <a:bodyPr/>
-                    <a:lstStyle/>
-                    <a:p>
-                      <a:pPr algn="ctr"/>
-                      <a:r>
-                        <a:rPr lang="en-US" dirty="0"/>
-                        <a:t>7/6</a:t>
-                      </a:r>
-                    </a:p>
-                  </a:txBody>
-                  <a:tcPr anchor="ctr"/>
-                </a:tc>
-                <a:tc>
-                  <a:txBody>
-                    <a:bodyPr/>
-                    <a:lstStyle/>
-                    <a:p>
-                      <a:pPr algn="ctr"/>
-                      <a:r>
-                        <a:rPr lang="en-US" dirty="0">
-                          <a:highlight>
-                            <a:srgbClr val="FF0000"/>
-                          </a:highlight>
-                        </a:rPr>
-                        <a:t>No</a:t>
-                      </a:r>
-                    </a:p>
-                  </a:txBody>
-                  <a:tcPr anchor="ctr"/>
-                </a:tc>
-                <a:tc>
-                  <a:txBody>
-                    <a:bodyPr/>
-                    <a:lstStyle/>
-                    <a:p>
-                      <a:pPr algn="ctr"/>
-                      <a:r>
-                        <a:rPr lang="en-US" dirty="0"/>
-                        <a:t>Yes</a:t>
-                      </a:r>
-                    </a:p>
-                  </a:txBody>
-                  <a:tcPr anchor="ctr"/>
-                </a:tc>
-                <a:tc>
-                  <a:txBody>
-                    <a:bodyPr/>
-                    <a:lstStyle/>
-                    <a:p>
-                      <a:pPr algn="ctr"/>
-                      <a:r>
-                        <a:rPr lang="en-US" dirty="0">
-                          <a:highlight>
-                            <a:srgbClr val="FF0000"/>
-                          </a:highlight>
-                        </a:rPr>
-                        <a:t>No</a:t>
-                      </a:r>
-                    </a:p>
-                  </a:txBody>
-                  <a:tcPr anchor="ctr"/>
-                </a:tc>
-                <a:tc>
-                  <a:txBody>
-                    <a:bodyPr/>
-                    <a:lstStyle/>
-                    <a:p>
-                      <a:pPr algn="ctr"/>
-                      <a:r>
-                        <a:rPr lang="en-US" dirty="0"/>
-                        <a:t>Yes</a:t>
-                      </a:r>
-                    </a:p>
-                  </a:txBody>
-                  <a:tcPr anchor="ctr"/>
-                </a:tc>
-                <a:extLst>
-                  <a:ext uri="{0D108BD9-81ED-4DB2-BD59-A6C34878D82A}">
-                    <a16:rowId xmlns:a16="http://schemas.microsoft.com/office/drawing/2014/main" val="2348106690"/>
-                  </a:ext>
-                </a:extLst>
-              </a:tr>
-              <a:tr h="374087">
-                <a:tc>
-                  <a:txBody>
-                    <a:bodyPr/>
-                    <a:lstStyle/>
-                    <a:p>
-                      <a:pPr algn="ctr"/>
-                      <a:r>
-                        <a:rPr lang="en-US" dirty="0"/>
-                        <a:t>7/8</a:t>
-                      </a:r>
-                    </a:p>
-                  </a:txBody>
-                  <a:tcPr anchor="ctr"/>
-                </a:tc>
-                <a:tc>
-                  <a:txBody>
-                    <a:bodyPr/>
-                    <a:lstStyle/>
-                    <a:p>
-                      <a:pPr algn="ctr"/>
-                      <a:r>
-                        <a:rPr lang="en-US" dirty="0"/>
-                        <a:t>Yes</a:t>
-                      </a:r>
-                    </a:p>
-                  </a:txBody>
-                  <a:tcPr anchor="ctr"/>
-                </a:tc>
-                <a:tc>
-                  <a:txBody>
-                    <a:bodyPr/>
-                    <a:lstStyle/>
-                    <a:p>
-                      <a:pPr algn="ctr"/>
-                      <a:r>
-                        <a:rPr lang="en-US" dirty="0"/>
-                        <a:t>Yes</a:t>
-                      </a:r>
-                    </a:p>
-                  </a:txBody>
-                  <a:tcPr anchor="ctr"/>
-                </a:tc>
-                <a:tc>
-                  <a:txBody>
-                    <a:bodyPr/>
-                    <a:lstStyle/>
-                    <a:p>
-                      <a:pPr algn="ctr"/>
-                      <a:r>
-                        <a:rPr lang="en-US" dirty="0">
-                          <a:highlight>
-                            <a:srgbClr val="FF0000"/>
-                          </a:highlight>
-                        </a:rPr>
-                        <a:t>No</a:t>
-                      </a:r>
-                    </a:p>
-                  </a:txBody>
-                  <a:tcPr anchor="ctr"/>
-                </a:tc>
-                <a:tc>
-                  <a:txBody>
-                    <a:bodyPr/>
-                    <a:lstStyle/>
-                    <a:p>
-                      <a:pPr algn="ctr"/>
-                      <a:r>
-                        <a:rPr lang="en-US" dirty="0"/>
-                        <a:t>Yes</a:t>
-                      </a:r>
-                    </a:p>
-                  </a:txBody>
-                  <a:tcPr anchor="ctr"/>
-                </a:tc>
-                <a:extLst>
-                  <a:ext uri="{0D108BD9-81ED-4DB2-BD59-A6C34878D82A}">
-                    <a16:rowId xmlns:a16="http://schemas.microsoft.com/office/drawing/2014/main" val="4946152"/>
-                  </a:ext>
-                </a:extLst>
-              </a:tr>
-              <a:tr h="1050857">
-                <a:tc>
-                  <a:txBody>
-                    <a:bodyPr/>
-                    <a:lstStyle/>
-                    <a:p>
-                      <a:pPr marL="0" marR="0" lvl="0" indent="0" algn="ctr" defTabSz="457200" rtl="0" eaLnBrk="1" fontAlgn="auto" latinLnBrk="0" hangingPunct="1">
-                        <a:lnSpc>
-                          <a:spcPct val="100000"/>
-                        </a:lnSpc>
-                        <a:spcBef>
-                          <a:spcPts val="0"/>
-                        </a:spcBef>
-                        <a:spcAft>
-                          <a:spcPts val="0"/>
-                        </a:spcAft>
-                        <a:buClrTx/>
-                        <a:buSzTx/>
-                        <a:buFontTx/>
-                        <a:buNone/>
-                        <a:tabLst/>
-                        <a:defRPr/>
-                      </a:pPr>
-                      <a:r>
-                        <a:rPr lang="en-US" dirty="0"/>
-                        <a:t>7/10 (slides preparation)</a:t>
-                      </a:r>
-                    </a:p>
-                    <a:p>
-                      <a:pPr algn="ctr"/>
-                      <a:endParaRPr lang="en-US" dirty="0"/>
-                    </a:p>
-                  </a:txBody>
-                  <a:tcPr anchor="ctr"/>
-                </a:tc>
-                <a:tc>
-                  <a:txBody>
-                    <a:bodyPr/>
-                    <a:lstStyle/>
-                    <a:p>
-                      <a:pPr algn="ctr"/>
-                      <a:r>
-                        <a:rPr lang="en-US" dirty="0"/>
-                        <a:t>Yes</a:t>
-                      </a:r>
-                    </a:p>
-                  </a:txBody>
-                  <a:tcPr anchor="ctr"/>
-                </a:tc>
-                <a:tc>
-                  <a:txBody>
-                    <a:bodyPr/>
-                    <a:lstStyle/>
-                    <a:p>
-                      <a:pPr algn="ctr"/>
-                      <a:r>
-                        <a:rPr lang="en-US" dirty="0"/>
-                        <a:t>Yes</a:t>
-                      </a:r>
-                    </a:p>
-                  </a:txBody>
-                  <a:tcPr anchor="ctr"/>
-                </a:tc>
-                <a:tc>
-                  <a:txBody>
-                    <a:bodyPr/>
-                    <a:lstStyle/>
-                    <a:p>
-                      <a:pPr algn="ctr"/>
-                      <a:r>
-                        <a:rPr lang="en-US" dirty="0"/>
-                        <a:t>Yes</a:t>
-                      </a:r>
-                    </a:p>
-                  </a:txBody>
-                  <a:tcPr anchor="ctr"/>
-                </a:tc>
-                <a:tc>
-                  <a:txBody>
-                    <a:bodyPr/>
-                    <a:lstStyle/>
-                    <a:p>
-                      <a:pPr algn="ctr"/>
-                      <a:r>
-                        <a:rPr lang="en-US" dirty="0"/>
-                        <a:t>Yes</a:t>
-                      </a:r>
-                    </a:p>
-                  </a:txBody>
-                  <a:tcPr anchor="ctr"/>
-                </a:tc>
-                <a:extLst>
-                  <a:ext uri="{0D108BD9-81ED-4DB2-BD59-A6C34878D82A}">
-                    <a16:rowId xmlns:a16="http://schemas.microsoft.com/office/drawing/2014/main" val="1302585507"/>
-                  </a:ext>
-                </a:extLst>
-              </a:tr>
-              <a:tr h="374087">
-                <a:tc>
-                  <a:txBody>
-                    <a:bodyPr/>
-                    <a:lstStyle/>
-                    <a:p>
-                      <a:pPr algn="ctr"/>
-                      <a:r>
-                        <a:rPr lang="en-US" dirty="0"/>
-                        <a:t>7/13</a:t>
-                      </a:r>
-                    </a:p>
-                  </a:txBody>
-                  <a:tcPr anchor="ctr"/>
-                </a:tc>
-                <a:tc gridSpan="4">
-                  <a:txBody>
-                    <a:bodyPr/>
-                    <a:lstStyle/>
-                    <a:p>
-                      <a:pPr algn="ctr"/>
-                      <a:r>
-                        <a:rPr lang="en-US" dirty="0"/>
-                        <a:t>Project 1 Presentation &amp; Submission</a:t>
-                      </a:r>
-                    </a:p>
-                  </a:txBody>
-                  <a:tcPr anchor="ctr"/>
-                </a:tc>
-                <a:tc hMerge="1">
-                  <a:txBody>
-                    <a:bodyPr/>
-                    <a:lstStyle/>
-                    <a:p>
-                      <a:pPr algn="ctr"/>
-                      <a:endParaRPr lang="en-US" dirty="0"/>
-                    </a:p>
-                  </a:txBody>
-                  <a:tcPr anchor="ctr"/>
-                </a:tc>
-                <a:tc hMerge="1">
-                  <a:txBody>
-                    <a:bodyPr/>
-                    <a:lstStyle/>
-                    <a:p>
-                      <a:pPr algn="ctr"/>
-                      <a:endParaRPr lang="en-US" dirty="0"/>
-                    </a:p>
-                  </a:txBody>
-                  <a:tcPr anchor="ctr"/>
-                </a:tc>
-                <a:tc hMerge="1">
-                  <a:txBody>
-                    <a:bodyPr/>
-                    <a:lstStyle/>
-                    <a:p>
-                      <a:pPr algn="ctr"/>
-                      <a:endParaRPr lang="en-US" dirty="0"/>
-                    </a:p>
-                  </a:txBody>
-                  <a:tcPr anchor="ctr"/>
-                </a:tc>
-                <a:extLst>
-                  <a:ext uri="{0D108BD9-81ED-4DB2-BD59-A6C34878D82A}">
-                    <a16:rowId xmlns:a16="http://schemas.microsoft.com/office/drawing/2014/main" val="3375028414"/>
-                  </a:ext>
-                </a:extLst>
-              </a:tr>
-            </a:tbl>
-          </a:graphicData>
-        </a:graphic>
-      </p:graphicFrame>
-    </p:spTree>
-    <p:extLst>
-      <p:ext uri="{BB962C8B-B14F-4D97-AF65-F5344CB8AC3E}">
-        <p14:creationId xmlns:p14="http://schemas.microsoft.com/office/powerpoint/2010/main" val="2173070810"/>
-      </p:ext>
-    </p:extLst>
-  </p:cSld>
-  <p:clrMapOvr>
-    <a:masterClrMapping/>
-  </p:clrMapOvr>
-</p:sld>
-</file>
-
 <file path=ppt/slides/slide9.xml><?xml version="1.0" encoding="utf-8"?>
 <p:sld xmlns:a="http://schemas.openxmlformats.org/drawingml/2006/main" xmlns:r="http://schemas.openxmlformats.org/officeDocument/2006/relationships" xmlns:p="http://schemas.openxmlformats.org/presentationml/2006/main">
   <p:cSld>
@@ -10276,13 +10520,8 @@
           <a:p>
             <a:r>
               <a:rPr lang="en-US" dirty="0"/>
-              <a:t>State Tax &amp; Living Cost - </a:t>
-            </a:r>
-            <a:r>
-              <a:rPr lang="en-US" dirty="0" err="1"/>
-              <a:t>Bahar</a:t>
-            </a:r>
-            <a:endParaRPr lang="en-US" dirty="0"/>
+              <a:t>Coding Rules</a:t>
+            </a:r>
           </a:p>
         </p:txBody>
       </p:sp>
@@ -10304,44 +10543,81 @@
         </p:nvSpPr>
         <p:spPr/>
         <p:txBody>
-          <a:bodyPr/>
-          <a:lstStyle/>
-          <a:p>
-            <a:r>
-              <a:rPr lang="en-US" dirty="0"/>
-              <a:t>Which state is startup business friendly (low tax)? – </a:t>
-            </a:r>
-            <a:r>
-              <a:rPr lang="en-US" dirty="0">
-                <a:solidFill>
-                  <a:srgbClr val="FF0000"/>
-                </a:solidFill>
-              </a:rPr>
-              <a:t>Tax rate and living cost (housing).</a:t>
-            </a:r>
-          </a:p>
-          <a:p>
-            <a:r>
-              <a:rPr lang="en-US" dirty="0"/>
-              <a:t>Which state with low </a:t>
-            </a:r>
-            <a:r>
-              <a:rPr lang="en-US" dirty="0">
-                <a:solidFill>
-                  <a:srgbClr val="FF0000"/>
-                </a:solidFill>
-              </a:rPr>
-              <a:t>tax rate</a:t>
-            </a:r>
-            <a:r>
-              <a:rPr lang="en-US" dirty="0"/>
-              <a:t>, attracts employee?</a:t>
-            </a:r>
-          </a:p>
-          <a:p>
-            <a:r>
-              <a:rPr lang="en-US" i="1" dirty="0"/>
-              <a:t>Write description/ observation and supporting plots (minimum 2) here</a:t>
+          <a:bodyPr>
+            <a:normAutofit fontScale="92500" lnSpcReduction="10000"/>
+          </a:bodyPr>
+          <a:lstStyle/>
+          <a:p>
+            <a:r>
+              <a:rPr lang="en-US" dirty="0"/>
+              <a:t>Upload scripts to Script folder</a:t>
+            </a:r>
+          </a:p>
+          <a:p>
+            <a:r>
+              <a:rPr lang="en-US" dirty="0"/>
+              <a:t>Label/ Comment on every code line to help other understand quickly. Explain briefly if needed</a:t>
+            </a:r>
+          </a:p>
+          <a:p>
+            <a:r>
+              <a:rPr lang="en-US" dirty="0"/>
+              <a:t>Label plot(s) well with legend, title and axes</a:t>
+            </a:r>
+          </a:p>
+          <a:p>
+            <a:r>
+              <a:rPr lang="en-US" dirty="0"/>
+              <a:t>Append _</a:t>
+            </a:r>
+            <a:r>
+              <a:rPr lang="en-US" dirty="0" err="1"/>
+              <a:t>lst</a:t>
+            </a:r>
+            <a:r>
+              <a:rPr lang="en-US" dirty="0"/>
+              <a:t>, _df and </a:t>
+            </a:r>
+            <a:r>
+              <a:rPr lang="en-US" dirty="0" err="1"/>
+              <a:t>etc</a:t>
+            </a:r>
+            <a:r>
+              <a:rPr lang="en-US" dirty="0"/>
+              <a:t> when defining lists, dictionaries, data frames. E.g. </a:t>
+            </a:r>
+            <a:r>
+              <a:rPr lang="en-US" dirty="0" err="1"/>
+              <a:t>mylist_lst</a:t>
+            </a:r>
+            <a:r>
+              <a:rPr lang="en-US" dirty="0"/>
+              <a:t>, </a:t>
+            </a:r>
+            <a:r>
+              <a:rPr lang="en-US" dirty="0" err="1"/>
+              <a:t>myplot_plt</a:t>
+            </a:r>
+            <a:endParaRPr lang="en-US" dirty="0"/>
+          </a:p>
+          <a:p>
+            <a:r>
+              <a:rPr lang="en-US" dirty="0"/>
+              <a:t>Backup files locally prior to modification for retrieval</a:t>
+            </a:r>
+          </a:p>
+          <a:p>
+            <a:r>
+              <a:rPr lang="en-US" dirty="0"/>
+              <a:t>Attempt to solve 1</a:t>
+            </a:r>
+            <a:r>
+              <a:rPr lang="en-US" baseline="30000" dirty="0"/>
+              <a:t>st</a:t>
+            </a:r>
+            <a:r>
+              <a:rPr lang="en-US" dirty="0"/>
+              <a:t> by yourself, if help needed, slack out</a:t>
             </a:r>
           </a:p>
         </p:txBody>
@@ -10349,7 +10625,7 @@
     </p:spTree>
     <p:extLst>
       <p:ext uri="{BB962C8B-B14F-4D97-AF65-F5344CB8AC3E}">
-        <p14:creationId xmlns:p14="http://schemas.microsoft.com/office/powerpoint/2010/main" val="1207226246"/>
+        <p14:creationId xmlns:p14="http://schemas.microsoft.com/office/powerpoint/2010/main" val="2409190503"/>
       </p:ext>
     </p:extLst>
   </p:cSld>

--- a/Working_Presentation.pptx
+++ b/Working_Presentation.pptx
@@ -6,19 +6,20 @@
   </p:sldMasterIdLst>
   <p:sldIdLst>
     <p:sldId id="256" r:id="rId2"/>
-    <p:sldId id="269" r:id="rId3"/>
-    <p:sldId id="257" r:id="rId4"/>
-    <p:sldId id="268" r:id="rId5"/>
-    <p:sldId id="262" r:id="rId6"/>
-    <p:sldId id="264" r:id="rId7"/>
-    <p:sldId id="259" r:id="rId8"/>
-    <p:sldId id="261" r:id="rId9"/>
-    <p:sldId id="260" r:id="rId10"/>
-    <p:sldId id="258" r:id="rId11"/>
-    <p:sldId id="263" r:id="rId12"/>
-    <p:sldId id="265" r:id="rId13"/>
-    <p:sldId id="266" r:id="rId14"/>
-    <p:sldId id="267" r:id="rId15"/>
+    <p:sldId id="270" r:id="rId3"/>
+    <p:sldId id="269" r:id="rId4"/>
+    <p:sldId id="257" r:id="rId5"/>
+    <p:sldId id="268" r:id="rId6"/>
+    <p:sldId id="262" r:id="rId7"/>
+    <p:sldId id="264" r:id="rId8"/>
+    <p:sldId id="259" r:id="rId9"/>
+    <p:sldId id="261" r:id="rId10"/>
+    <p:sldId id="260" r:id="rId11"/>
+    <p:sldId id="258" r:id="rId12"/>
+    <p:sldId id="263" r:id="rId13"/>
+    <p:sldId id="265" r:id="rId14"/>
+    <p:sldId id="266" r:id="rId15"/>
+    <p:sldId id="267" r:id="rId16"/>
   </p:sldIdLst>
   <p:sldSz cx="12192000" cy="6858000"/>
   <p:notesSz cx="6858000" cy="9144000"/>
@@ -457,7 +458,7 @@
             <a:fld id="{B61BEF0D-F0BB-DE4B-95CE-6DB70DBA9567}" type="datetimeFigureOut">
               <a:rPr lang="en-US" dirty="0"/>
               <a:pPr/>
-              <a:t>7/3/2019</a:t>
+              <a:t>7/7/2019</a:t>
             </a:fld>
             <a:endParaRPr lang="en-US" dirty="0"/>
           </a:p>
@@ -778,7 +779,7 @@
             <a:fld id="{B61BEF0D-F0BB-DE4B-95CE-6DB70DBA9567}" type="datetimeFigureOut">
               <a:rPr lang="en-US" dirty="0"/>
               <a:pPr/>
-              <a:t>7/3/2019</a:t>
+              <a:t>7/7/2019</a:t>
             </a:fld>
             <a:endParaRPr lang="en-US" dirty="0"/>
           </a:p>
@@ -1023,7 +1024,7 @@
             <a:fld id="{B61BEF0D-F0BB-DE4B-95CE-6DB70DBA9567}" type="datetimeFigureOut">
               <a:rPr lang="en-US" dirty="0"/>
               <a:pPr/>
-              <a:t>7/3/2019</a:t>
+              <a:t>7/7/2019</a:t>
             </a:fld>
             <a:endParaRPr lang="en-US" dirty="0"/>
           </a:p>
@@ -1359,7 +1360,7 @@
             <a:fld id="{B61BEF0D-F0BB-DE4B-95CE-6DB70DBA9567}" type="datetimeFigureOut">
               <a:rPr lang="en-US" dirty="0"/>
               <a:pPr/>
-              <a:t>7/3/2019</a:t>
+              <a:t>7/7/2019</a:t>
             </a:fld>
             <a:endParaRPr lang="en-US" dirty="0"/>
           </a:p>
@@ -1703,7 +1704,7 @@
             <a:fld id="{B61BEF0D-F0BB-DE4B-95CE-6DB70DBA9567}" type="datetimeFigureOut">
               <a:rPr lang="en-US" dirty="0"/>
               <a:pPr/>
-              <a:t>7/3/2019</a:t>
+              <a:t>7/7/2019</a:t>
             </a:fld>
             <a:endParaRPr lang="en-US" dirty="0"/>
           </a:p>
@@ -2074,7 +2075,7 @@
             <a:fld id="{B61BEF0D-F0BB-DE4B-95CE-6DB70DBA9567}" type="datetimeFigureOut">
               <a:rPr lang="en-US" dirty="0"/>
               <a:pPr/>
-              <a:t>7/3/2019</a:t>
+              <a:t>7/7/2019</a:t>
             </a:fld>
             <a:endParaRPr lang="en-US" dirty="0"/>
           </a:p>
@@ -2541,7 +2542,7 @@
             <a:fld id="{B61BEF0D-F0BB-DE4B-95CE-6DB70DBA9567}" type="datetimeFigureOut">
               <a:rPr lang="en-US" dirty="0"/>
               <a:pPr/>
-              <a:t>7/3/2019</a:t>
+              <a:t>7/7/2019</a:t>
             </a:fld>
             <a:endParaRPr lang="en-US" dirty="0"/>
           </a:p>
@@ -2743,7 +2744,7 @@
             <a:fld id="{B61BEF0D-F0BB-DE4B-95CE-6DB70DBA9567}" type="datetimeFigureOut">
               <a:rPr lang="en-US" dirty="0"/>
               <a:pPr/>
-              <a:t>7/3/2019</a:t>
+              <a:t>7/7/2019</a:t>
             </a:fld>
             <a:endParaRPr lang="en-US" dirty="0"/>
           </a:p>
@@ -2951,7 +2952,7 @@
             <a:fld id="{B61BEF0D-F0BB-DE4B-95CE-6DB70DBA9567}" type="datetimeFigureOut">
               <a:rPr lang="en-US" dirty="0"/>
               <a:pPr/>
-              <a:t>7/3/2019</a:t>
+              <a:t>7/7/2019</a:t>
             </a:fld>
             <a:endParaRPr lang="en-US" dirty="0"/>
           </a:p>
@@ -3179,7 +3180,7 @@
           <a:p>
             <a:fld id="{52647F38-B617-4D2F-AE0A-013F0C4D2C57}" type="datetimeFigureOut">
               <a:rPr lang="en-US" dirty="0"/>
-              <a:t>7/3/2019</a:t>
+              <a:t>7/7/2019</a:t>
             </a:fld>
             <a:endParaRPr lang="en-US" dirty="0"/>
           </a:p>
@@ -3423,7 +3424,7 @@
             <a:fld id="{B61BEF0D-F0BB-DE4B-95CE-6DB70DBA9567}" type="datetimeFigureOut">
               <a:rPr lang="en-US" dirty="0"/>
               <a:pPr/>
-              <a:t>7/3/2019</a:t>
+              <a:t>7/7/2019</a:t>
             </a:fld>
             <a:endParaRPr lang="en-US" dirty="0"/>
           </a:p>
@@ -3717,7 +3718,7 @@
           <a:p>
             <a:fld id="{05BFA754-D5C3-4E66-96A6-867B257F58DC}" type="datetimeFigureOut">
               <a:rPr lang="en-US" dirty="0"/>
-              <a:t>7/3/2019</a:t>
+              <a:t>7/7/2019</a:t>
             </a:fld>
             <a:endParaRPr lang="en-US" dirty="0"/>
           </a:p>
@@ -4107,7 +4108,7 @@
             <a:fld id="{B61BEF0D-F0BB-DE4B-95CE-6DB70DBA9567}" type="datetimeFigureOut">
               <a:rPr lang="en-US" dirty="0"/>
               <a:pPr/>
-              <a:t>7/3/2019</a:t>
+              <a:t>7/7/2019</a:t>
             </a:fld>
             <a:endParaRPr lang="en-US" dirty="0"/>
           </a:p>
@@ -4253,7 +4254,7 @@
             <a:fld id="{B61BEF0D-F0BB-DE4B-95CE-6DB70DBA9567}" type="datetimeFigureOut">
               <a:rPr lang="en-US" dirty="0"/>
               <a:pPr/>
-              <a:t>7/3/2019</a:t>
+              <a:t>7/7/2019</a:t>
             </a:fld>
             <a:endParaRPr lang="en-US" dirty="0"/>
           </a:p>
@@ -4376,7 +4377,7 @@
             <a:fld id="{B61BEF0D-F0BB-DE4B-95CE-6DB70DBA9567}" type="datetimeFigureOut">
               <a:rPr lang="en-US" dirty="0"/>
               <a:pPr/>
-              <a:t>7/3/2019</a:t>
+              <a:t>7/7/2019</a:t>
             </a:fld>
             <a:endParaRPr lang="en-US" dirty="0"/>
           </a:p>
@@ -4628,7 +4629,7 @@
             <a:fld id="{B61BEF0D-F0BB-DE4B-95CE-6DB70DBA9567}" type="datetimeFigureOut">
               <a:rPr lang="en-US" dirty="0"/>
               <a:pPr/>
-              <a:t>7/3/2019</a:t>
+              <a:t>7/7/2019</a:t>
             </a:fld>
             <a:endParaRPr lang="en-US" dirty="0"/>
           </a:p>
@@ -4940,7 +4941,7 @@
             <a:fld id="{B61BEF0D-F0BB-DE4B-95CE-6DB70DBA9567}" type="datetimeFigureOut">
               <a:rPr lang="en-US" dirty="0"/>
               <a:pPr/>
-              <a:t>7/3/2019</a:t>
+              <a:t>7/7/2019</a:t>
             </a:fld>
             <a:endParaRPr lang="en-US" dirty="0"/>
           </a:p>
@@ -5288,7 +5289,7 @@
             <a:fld id="{B61BEF0D-F0BB-DE4B-95CE-6DB70DBA9567}" type="datetimeFigureOut">
               <a:rPr lang="en-US" dirty="0"/>
               <a:pPr/>
-              <a:t>7/3/2019</a:t>
+              <a:t>7/7/2019</a:t>
             </a:fld>
             <a:endParaRPr lang="en-US" dirty="0"/>
           </a:p>
@@ -5905,6 +5906,161 @@
 </file>
 
 <file path=ppt/slides/slide10.xml><?xml version="1.0" encoding="utf-8"?>
+<p:sld xmlns:a="http://schemas.openxmlformats.org/drawingml/2006/main" xmlns:r="http://schemas.openxmlformats.org/officeDocument/2006/relationships" xmlns:p="http://schemas.openxmlformats.org/presentationml/2006/main">
+  <p:cSld>
+    <p:spTree>
+      <p:nvGrpSpPr>
+        <p:cNvPr id="1" name=""/>
+        <p:cNvGrpSpPr/>
+        <p:nvPr/>
+      </p:nvGrpSpPr>
+      <p:grpSpPr>
+        <a:xfrm>
+          <a:off x="0" y="0"/>
+          <a:ext cx="0" cy="0"/>
+          <a:chOff x="0" y="0"/>
+          <a:chExt cx="0" cy="0"/>
+        </a:xfrm>
+      </p:grpSpPr>
+      <p:sp>
+        <p:nvSpPr>
+          <p:cNvPr id="2" name="Title 1">
+            <a:extLst>
+              <a:ext uri="{FF2B5EF4-FFF2-40B4-BE49-F238E27FC236}">
+                <a16:creationId xmlns:a16="http://schemas.microsoft.com/office/drawing/2014/main" id="{1917A588-6B43-4326-8CEE-B31FA8CC4FDB}"/>
+              </a:ext>
+            </a:extLst>
+          </p:cNvPr>
+          <p:cNvSpPr>
+            <a:spLocks noGrp="1"/>
+          </p:cNvSpPr>
+          <p:nvPr>
+            <p:ph type="title"/>
+          </p:nvPr>
+        </p:nvSpPr>
+        <p:spPr/>
+        <p:txBody>
+          <a:bodyPr/>
+          <a:lstStyle/>
+          <a:p>
+            <a:r>
+              <a:rPr lang="en-US" dirty="0"/>
+              <a:t>Coding Rules</a:t>
+            </a:r>
+          </a:p>
+        </p:txBody>
+      </p:sp>
+      <p:sp>
+        <p:nvSpPr>
+          <p:cNvPr id="3" name="Content Placeholder 2">
+            <a:extLst>
+              <a:ext uri="{FF2B5EF4-FFF2-40B4-BE49-F238E27FC236}">
+                <a16:creationId xmlns:a16="http://schemas.microsoft.com/office/drawing/2014/main" id="{F5BE9D4D-949C-4037-9F87-16CDE0EE0466}"/>
+              </a:ext>
+            </a:extLst>
+          </p:cNvPr>
+          <p:cNvSpPr>
+            <a:spLocks noGrp="1"/>
+          </p:cNvSpPr>
+          <p:nvPr>
+            <p:ph idx="1"/>
+          </p:nvPr>
+        </p:nvSpPr>
+        <p:spPr/>
+        <p:txBody>
+          <a:bodyPr>
+            <a:normAutofit fontScale="92500" lnSpcReduction="10000"/>
+          </a:bodyPr>
+          <a:lstStyle/>
+          <a:p>
+            <a:r>
+              <a:rPr lang="en-US" dirty="0"/>
+              <a:t>Upload scripts to Script folder</a:t>
+            </a:r>
+          </a:p>
+          <a:p>
+            <a:r>
+              <a:rPr lang="en-US" dirty="0"/>
+              <a:t>Label/ Comment on every code line to help other understand quickly. Explain briefly if needed</a:t>
+            </a:r>
+          </a:p>
+          <a:p>
+            <a:r>
+              <a:rPr lang="en-US" dirty="0"/>
+              <a:t>Label plot(s) well with legend, title and axes</a:t>
+            </a:r>
+          </a:p>
+          <a:p>
+            <a:r>
+              <a:rPr lang="en-US" dirty="0"/>
+              <a:t>Append _</a:t>
+            </a:r>
+            <a:r>
+              <a:rPr lang="en-US" dirty="0" err="1"/>
+              <a:t>lst</a:t>
+            </a:r>
+            <a:r>
+              <a:rPr lang="en-US" dirty="0"/>
+              <a:t>, _df and </a:t>
+            </a:r>
+            <a:r>
+              <a:rPr lang="en-US" dirty="0" err="1"/>
+              <a:t>etc</a:t>
+            </a:r>
+            <a:r>
+              <a:rPr lang="en-US" dirty="0"/>
+              <a:t> when defining lists, dictionaries, data frames. E.g. </a:t>
+            </a:r>
+            <a:r>
+              <a:rPr lang="en-US" dirty="0" err="1"/>
+              <a:t>mylist_lst</a:t>
+            </a:r>
+            <a:r>
+              <a:rPr lang="en-US" dirty="0"/>
+              <a:t>, </a:t>
+            </a:r>
+            <a:r>
+              <a:rPr lang="en-US" dirty="0" err="1"/>
+              <a:t>myplot_plt</a:t>
+            </a:r>
+            <a:endParaRPr lang="en-US" dirty="0"/>
+          </a:p>
+          <a:p>
+            <a:r>
+              <a:rPr lang="en-US" dirty="0"/>
+              <a:t>Backup files locally prior to modification for retrieval</a:t>
+            </a:r>
+          </a:p>
+          <a:p>
+            <a:r>
+              <a:rPr lang="en-US" dirty="0"/>
+              <a:t>Attempt to solve 1</a:t>
+            </a:r>
+            <a:r>
+              <a:rPr lang="en-US" baseline="30000" dirty="0"/>
+              <a:t>st</a:t>
+            </a:r>
+            <a:r>
+              <a:rPr lang="en-US" dirty="0"/>
+              <a:t> by yourself, if help needed, slack out</a:t>
+            </a:r>
+          </a:p>
+        </p:txBody>
+      </p:sp>
+    </p:spTree>
+    <p:extLst>
+      <p:ext uri="{BB962C8B-B14F-4D97-AF65-F5344CB8AC3E}">
+        <p14:creationId xmlns:p14="http://schemas.microsoft.com/office/powerpoint/2010/main" val="2409190503"/>
+      </p:ext>
+    </p:extLst>
+  </p:cSld>
+  <p:clrMapOvr>
+    <a:masterClrMapping/>
+  </p:clrMapOvr>
+</p:sld>
+</file>
+
+<file path=ppt/slides/slide11.xml><?xml version="1.0" encoding="utf-8"?>
 <p:sld xmlns:a="http://schemas.openxmlformats.org/drawingml/2006/main" xmlns:r="http://schemas.openxmlformats.org/officeDocument/2006/relationships" xmlns:p="http://schemas.openxmlformats.org/presentationml/2006/main">
   <p:cSld>
     <p:spTree>
@@ -6520,129 +6676,6 @@
 </p:sld>
 </file>
 
-<file path=ppt/slides/slide11.xml><?xml version="1.0" encoding="utf-8"?>
-<p:sld xmlns:a="http://schemas.openxmlformats.org/drawingml/2006/main" xmlns:r="http://schemas.openxmlformats.org/officeDocument/2006/relationships" xmlns:p="http://schemas.openxmlformats.org/presentationml/2006/main">
-  <p:cSld>
-    <p:spTree>
-      <p:nvGrpSpPr>
-        <p:cNvPr id="1" name=""/>
-        <p:cNvGrpSpPr/>
-        <p:nvPr/>
-      </p:nvGrpSpPr>
-      <p:grpSpPr>
-        <a:xfrm>
-          <a:off x="0" y="0"/>
-          <a:ext cx="0" cy="0"/>
-          <a:chOff x="0" y="0"/>
-          <a:chExt cx="0" cy="0"/>
-        </a:xfrm>
-      </p:grpSpPr>
-      <p:sp>
-        <p:nvSpPr>
-          <p:cNvPr id="2" name="Title 1">
-            <a:extLst>
-              <a:ext uri="{FF2B5EF4-FFF2-40B4-BE49-F238E27FC236}">
-                <a16:creationId xmlns:a16="http://schemas.microsoft.com/office/drawing/2014/main" id="{1917A588-6B43-4326-8CEE-B31FA8CC4FDB}"/>
-              </a:ext>
-            </a:extLst>
-          </p:cNvPr>
-          <p:cNvSpPr>
-            <a:spLocks noGrp="1"/>
-          </p:cNvSpPr>
-          <p:nvPr>
-            <p:ph type="title"/>
-          </p:nvPr>
-        </p:nvSpPr>
-        <p:spPr/>
-        <p:txBody>
-          <a:bodyPr/>
-          <a:lstStyle/>
-          <a:p>
-            <a:r>
-              <a:rPr lang="en-US" dirty="0"/>
-              <a:t>State Tax &amp; Living Cost - </a:t>
-            </a:r>
-            <a:r>
-              <a:rPr lang="en-US" dirty="0" err="1"/>
-              <a:t>Bahar</a:t>
-            </a:r>
-            <a:endParaRPr lang="en-US" dirty="0"/>
-          </a:p>
-        </p:txBody>
-      </p:sp>
-      <p:sp>
-        <p:nvSpPr>
-          <p:cNvPr id="3" name="Content Placeholder 2">
-            <a:extLst>
-              <a:ext uri="{FF2B5EF4-FFF2-40B4-BE49-F238E27FC236}">
-                <a16:creationId xmlns:a16="http://schemas.microsoft.com/office/drawing/2014/main" id="{F5BE9D4D-949C-4037-9F87-16CDE0EE0466}"/>
-              </a:ext>
-            </a:extLst>
-          </p:cNvPr>
-          <p:cNvSpPr>
-            <a:spLocks noGrp="1"/>
-          </p:cNvSpPr>
-          <p:nvPr>
-            <p:ph idx="1"/>
-          </p:nvPr>
-        </p:nvSpPr>
-        <p:spPr/>
-        <p:txBody>
-          <a:bodyPr/>
-          <a:lstStyle/>
-          <a:p>
-            <a:r>
-              <a:rPr lang="en-US" dirty="0"/>
-              <a:t>Which state is startup business friendly (low tax)? – </a:t>
-            </a:r>
-            <a:r>
-              <a:rPr lang="en-US" dirty="0">
-                <a:solidFill>
-                  <a:srgbClr val="FF0000"/>
-                </a:solidFill>
-              </a:rPr>
-              <a:t>Tax rate and living cost (housing).</a:t>
-            </a:r>
-          </a:p>
-          <a:p>
-            <a:r>
-              <a:rPr lang="en-US" dirty="0"/>
-              <a:t>Which state with low </a:t>
-            </a:r>
-            <a:r>
-              <a:rPr lang="en-US" dirty="0">
-                <a:solidFill>
-                  <a:srgbClr val="FF0000"/>
-                </a:solidFill>
-              </a:rPr>
-              <a:t>tax rate</a:t>
-            </a:r>
-            <a:r>
-              <a:rPr lang="en-US" dirty="0"/>
-              <a:t>, attracts employee?</a:t>
-            </a:r>
-          </a:p>
-          <a:p>
-            <a:r>
-              <a:rPr lang="en-US" i="1" dirty="0"/>
-              <a:t>Write description/ observation and supporting plots (minimum 2) here</a:t>
-            </a:r>
-          </a:p>
-        </p:txBody>
-      </p:sp>
-    </p:spTree>
-    <p:extLst>
-      <p:ext uri="{BB962C8B-B14F-4D97-AF65-F5344CB8AC3E}">
-        <p14:creationId xmlns:p14="http://schemas.microsoft.com/office/powerpoint/2010/main" val="1207226246"/>
-      </p:ext>
-    </p:extLst>
-  </p:cSld>
-  <p:clrMapOvr>
-    <a:masterClrMapping/>
-  </p:clrMapOvr>
-</p:sld>
-</file>
-
 <file path=ppt/slides/slide12.xml><?xml version="1.0" encoding="utf-8"?>
 <p:sld xmlns:a="http://schemas.openxmlformats.org/drawingml/2006/main" xmlns:r="http://schemas.openxmlformats.org/officeDocument/2006/relationships" xmlns:p="http://schemas.openxmlformats.org/presentationml/2006/main">
   <p:cSld>
@@ -6683,8 +6716,13 @@
           <a:p>
             <a:r>
               <a:rPr lang="en-US" dirty="0"/>
-              <a:t>Unemployment &amp; Crime Rate - Catherine</a:t>
-            </a:r>
+              <a:t>State Tax &amp; Living Cost - </a:t>
+            </a:r>
+            <a:r>
+              <a:rPr lang="en-US" dirty="0" err="1"/>
+              <a:t>Bahar</a:t>
+            </a:r>
+            <a:endParaRPr lang="en-US" dirty="0"/>
           </a:p>
         </p:txBody>
       </p:sp>
@@ -6711,7 +6749,7 @@
           <a:p>
             <a:r>
               <a:rPr lang="en-US" dirty="0"/>
-              <a:t>Lower </a:t>
+              <a:t>Which state is startup business friendly (low tax)? – </a:t>
             </a:r>
             <a:r>
               <a:rPr lang="en-US" dirty="0">
@@ -6719,11 +6757,13 @@
                   <a:srgbClr val="FF0000"/>
                 </a:solidFill>
               </a:rPr>
-              <a:t>unemployment</a:t>
-            </a:r>
-            <a:r>
-              <a:rPr lang="en-US" dirty="0"/>
-              <a:t> correlated to </a:t>
+              <a:t>Tax rate and living cost (housing).</a:t>
+            </a:r>
+          </a:p>
+          <a:p>
+            <a:r>
+              <a:rPr lang="en-US" dirty="0"/>
+              <a:t>Which state with low </a:t>
             </a:r>
             <a:r>
               <a:rPr lang="en-US" dirty="0">
@@ -6731,11 +6771,11 @@
                   <a:srgbClr val="FF0000"/>
                 </a:solidFill>
               </a:rPr>
-              <a:t>crime rate</a:t>
-            </a:r>
-            <a:r>
-              <a:rPr lang="en-US" dirty="0"/>
-              <a:t>?</a:t>
+              <a:t>tax rate</a:t>
+            </a:r>
+            <a:r>
+              <a:rPr lang="en-US" dirty="0"/>
+              <a:t>, attracts employee?</a:t>
             </a:r>
           </a:p>
           <a:p>
@@ -6749,7 +6789,7 @@
     </p:spTree>
     <p:extLst>
       <p:ext uri="{BB962C8B-B14F-4D97-AF65-F5344CB8AC3E}">
-        <p14:creationId xmlns:p14="http://schemas.microsoft.com/office/powerpoint/2010/main" val="4121259519"/>
+        <p14:creationId xmlns:p14="http://schemas.microsoft.com/office/powerpoint/2010/main" val="1207226246"/>
       </p:ext>
     </p:extLst>
   </p:cSld>
@@ -6799,6 +6839,122 @@
           <a:p>
             <a:r>
               <a:rPr lang="en-US" dirty="0"/>
+              <a:t>Unemployment &amp; Crime Rate - Catherine</a:t>
+            </a:r>
+          </a:p>
+        </p:txBody>
+      </p:sp>
+      <p:sp>
+        <p:nvSpPr>
+          <p:cNvPr id="3" name="Content Placeholder 2">
+            <a:extLst>
+              <a:ext uri="{FF2B5EF4-FFF2-40B4-BE49-F238E27FC236}">
+                <a16:creationId xmlns:a16="http://schemas.microsoft.com/office/drawing/2014/main" id="{F5BE9D4D-949C-4037-9F87-16CDE0EE0466}"/>
+              </a:ext>
+            </a:extLst>
+          </p:cNvPr>
+          <p:cNvSpPr>
+            <a:spLocks noGrp="1"/>
+          </p:cNvSpPr>
+          <p:nvPr>
+            <p:ph idx="1"/>
+          </p:nvPr>
+        </p:nvSpPr>
+        <p:spPr/>
+        <p:txBody>
+          <a:bodyPr/>
+          <a:lstStyle/>
+          <a:p>
+            <a:r>
+              <a:rPr lang="en-US" dirty="0"/>
+              <a:t>Lower </a:t>
+            </a:r>
+            <a:r>
+              <a:rPr lang="en-US" dirty="0">
+                <a:solidFill>
+                  <a:srgbClr val="FF0000"/>
+                </a:solidFill>
+              </a:rPr>
+              <a:t>unemployment</a:t>
+            </a:r>
+            <a:r>
+              <a:rPr lang="en-US" dirty="0"/>
+              <a:t> correlated to </a:t>
+            </a:r>
+            <a:r>
+              <a:rPr lang="en-US" dirty="0">
+                <a:solidFill>
+                  <a:srgbClr val="FF0000"/>
+                </a:solidFill>
+              </a:rPr>
+              <a:t>crime rate</a:t>
+            </a:r>
+            <a:r>
+              <a:rPr lang="en-US" dirty="0"/>
+              <a:t>?</a:t>
+            </a:r>
+          </a:p>
+          <a:p>
+            <a:r>
+              <a:rPr lang="en-US" i="1" dirty="0"/>
+              <a:t>Write description/ observation and supporting plots (minimum 2) here</a:t>
+            </a:r>
+          </a:p>
+        </p:txBody>
+      </p:sp>
+    </p:spTree>
+    <p:extLst>
+      <p:ext uri="{BB962C8B-B14F-4D97-AF65-F5344CB8AC3E}">
+        <p14:creationId xmlns:p14="http://schemas.microsoft.com/office/powerpoint/2010/main" val="4121259519"/>
+      </p:ext>
+    </p:extLst>
+  </p:cSld>
+  <p:clrMapOvr>
+    <a:masterClrMapping/>
+  </p:clrMapOvr>
+</p:sld>
+</file>
+
+<file path=ppt/slides/slide14.xml><?xml version="1.0" encoding="utf-8"?>
+<p:sld xmlns:a="http://schemas.openxmlformats.org/drawingml/2006/main" xmlns:r="http://schemas.openxmlformats.org/officeDocument/2006/relationships" xmlns:p="http://schemas.openxmlformats.org/presentationml/2006/main">
+  <p:cSld>
+    <p:spTree>
+      <p:nvGrpSpPr>
+        <p:cNvPr id="1" name=""/>
+        <p:cNvGrpSpPr/>
+        <p:nvPr/>
+      </p:nvGrpSpPr>
+      <p:grpSpPr>
+        <a:xfrm>
+          <a:off x="0" y="0"/>
+          <a:ext cx="0" cy="0"/>
+          <a:chOff x="0" y="0"/>
+          <a:chExt cx="0" cy="0"/>
+        </a:xfrm>
+      </p:grpSpPr>
+      <p:sp>
+        <p:nvSpPr>
+          <p:cNvPr id="2" name="Title 1">
+            <a:extLst>
+              <a:ext uri="{FF2B5EF4-FFF2-40B4-BE49-F238E27FC236}">
+                <a16:creationId xmlns:a16="http://schemas.microsoft.com/office/drawing/2014/main" id="{1917A588-6B43-4326-8CEE-B31FA8CC4FDB}"/>
+              </a:ext>
+            </a:extLst>
+          </p:cNvPr>
+          <p:cNvSpPr>
+            <a:spLocks noGrp="1"/>
+          </p:cNvSpPr>
+          <p:nvPr>
+            <p:ph type="title"/>
+          </p:nvPr>
+        </p:nvSpPr>
+        <p:spPr/>
+        <p:txBody>
+          <a:bodyPr/>
+          <a:lstStyle/>
+          <a:p>
+            <a:r>
+              <a:rPr lang="en-US" dirty="0"/>
               <a:t>Salary - Molly</a:t>
             </a:r>
           </a:p>
@@ -6863,7 +7019,7 @@
 </p:sld>
 </file>
 
-<file path=ppt/slides/slide14.xml><?xml version="1.0" encoding="utf-8"?>
+<file path=ppt/slides/slide15.xml><?xml version="1.0" encoding="utf-8"?>
 <p:sld xmlns:a="http://schemas.openxmlformats.org/drawingml/2006/main" xmlns:r="http://schemas.openxmlformats.org/officeDocument/2006/relationships" xmlns:p="http://schemas.openxmlformats.org/presentationml/2006/main">
   <p:cSld>
     <p:spTree>
@@ -7007,7 +7163,7 @@
           <a:p>
             <a:r>
               <a:rPr lang="en-US" dirty="0"/>
-              <a:t>Question Breakdown</a:t>
+              <a:t>Project 1 Technical Requirement</a:t>
             </a:r>
           </a:p>
         </p:txBody>
@@ -7031,54 +7187,83 @@
         <p:spPr/>
         <p:txBody>
           <a:bodyPr>
-            <a:normAutofit fontScale="92500" lnSpcReduction="20000"/>
+            <a:normAutofit fontScale="55000" lnSpcReduction="20000"/>
           </a:bodyPr>
           <a:lstStyle/>
           <a:p>
             <a:r>
               <a:rPr lang="en-US" dirty="0"/>
-              <a:t>Best State </a:t>
-            </a:r>
-          </a:p>
-          <a:p>
-            <a:pPr lvl="1"/>
-            <a:r>
-              <a:rPr lang="en-US" dirty="0"/>
-              <a:t>Out of 50 states, pick the “best choice” from top 20 in categories of salary, crime rate, unemployment rate, climate and tax rate. Not necessarily the best on all of them.</a:t>
-            </a:r>
-          </a:p>
-          <a:p>
-            <a:r>
-              <a:rPr lang="en-US" dirty="0"/>
-              <a:t>To Live In For Employee </a:t>
-            </a:r>
-          </a:p>
-          <a:p>
-            <a:pPr lvl="1"/>
-            <a:r>
-              <a:rPr lang="en-US" dirty="0"/>
-              <a:t>Focus is working community and not “retiree” or “retiring soon” community.</a:t>
-            </a:r>
-          </a:p>
-          <a:p>
-            <a:pPr lvl="1"/>
-            <a:r>
-              <a:rPr lang="en-US" dirty="0"/>
-              <a:t>Affordable housing and tax rate, salary spent on housing + tax &lt; 65%. Having ability to save money </a:t>
-            </a:r>
-          </a:p>
-          <a:p>
-            <a:pPr lvl="1"/>
-            <a:r>
-              <a:rPr lang="en-US" dirty="0"/>
-              <a:t>low crime rate and unemployment i.e. &lt; 4% for each</a:t>
-            </a:r>
-          </a:p>
-          <a:p>
-            <a:pPr lvl="1"/>
-            <a:r>
-              <a:rPr lang="en-US" dirty="0"/>
-              <a:t>acceptable climate i.e. not too hot or cold, less humid. Moderate humidity and temperatures (60 – 80 F)  </a:t>
+              <a:t># Technical Requirements</a:t>
+            </a:r>
+          </a:p>
+          <a:p>
+            <a:r>
+              <a:rPr lang="en-US" dirty="0"/>
+              <a:t>The technical requirements for Project 1 are as follows.</a:t>
+            </a:r>
+          </a:p>
+          <a:p>
+            <a:r>
+              <a:rPr lang="en-US" dirty="0"/>
+              <a:t>* [ ] Use Pandas to clean and format your data set(s)</a:t>
+            </a:r>
+          </a:p>
+          <a:p>
+            <a:r>
+              <a:rPr lang="en-US" dirty="0"/>
+              <a:t>* [ ] Create a </a:t>
+            </a:r>
+            <a:r>
+              <a:rPr lang="en-US" dirty="0" err="1"/>
+              <a:t>Jupyter</a:t>
+            </a:r>
+            <a:r>
+              <a:rPr lang="en-US" dirty="0"/>
+              <a:t> Notebook describing the **data exploration and cleanup** process</a:t>
+            </a:r>
+          </a:p>
+          <a:p>
+            <a:r>
+              <a:rPr lang="en-US" dirty="0"/>
+              <a:t>* [ ] Create a </a:t>
+            </a:r>
+            <a:r>
+              <a:rPr lang="en-US" dirty="0" err="1"/>
+              <a:t>Jupyter</a:t>
+            </a:r>
+            <a:r>
+              <a:rPr lang="en-US" dirty="0"/>
+              <a:t> Notebook illustrating the **final data analysis*** [ ] Use Matplotlib to create a total of 6-8 visualizations of your data (ideally, at least 2 per "question" you ask of your data)</a:t>
+            </a:r>
+          </a:p>
+          <a:p>
+            <a:r>
+              <a:rPr lang="en-US" dirty="0"/>
+              <a:t>* [ ] Save PNG images of your visualizations to distribute to the class and instructional team, and for inclusion in your presentation</a:t>
+            </a:r>
+          </a:p>
+          <a:p>
+            <a:r>
+              <a:rPr lang="en-US" dirty="0"/>
+              <a:t>* [ ] Optionally, use at least one API, if you can find an API with data pertinent to your primary research questions</a:t>
+            </a:r>
+          </a:p>
+          <a:p>
+            <a:r>
+              <a:rPr lang="en-US" dirty="0"/>
+              <a:t>* [ ] Create a write-up summarizing your major findings. This should include a heading for each "question" you asked of your data, and under each heading, a short description of what you found and any relevant plots.</a:t>
+            </a:r>
+          </a:p>
+          <a:p>
+            <a:r>
+              <a:rPr lang="en-US" dirty="0"/>
+              <a:t>- - -### Copyright</a:t>
+            </a:r>
+          </a:p>
+          <a:p>
+            <a:r>
+              <a:rPr lang="en-US" dirty="0"/>
+              <a:t>Coding Boot Camp © 2017. All Rights Reserved.</a:t>
             </a:r>
           </a:p>
         </p:txBody>
@@ -7086,7 +7271,7 @@
     </p:spTree>
     <p:extLst>
       <p:ext uri="{BB962C8B-B14F-4D97-AF65-F5344CB8AC3E}">
-        <p14:creationId xmlns:p14="http://schemas.microsoft.com/office/powerpoint/2010/main" val="1234996424"/>
+        <p14:creationId xmlns:p14="http://schemas.microsoft.com/office/powerpoint/2010/main" val="3211359946"/>
       </p:ext>
     </p:extLst>
   </p:cSld>
@@ -7136,7 +7321,7 @@
           <a:p>
             <a:r>
               <a:rPr lang="en-US" dirty="0"/>
-              <a:t>Project Description</a:t>
+              <a:t>Question Breakdown</a:t>
             </a:r>
           </a:p>
         </p:txBody>
@@ -7160,70 +7345,54 @@
         <p:spPr/>
         <p:txBody>
           <a:bodyPr>
-            <a:normAutofit fontScale="92500" lnSpcReduction="10000"/>
+            <a:normAutofit fontScale="92500" lnSpcReduction="20000"/>
           </a:bodyPr>
           <a:lstStyle/>
           <a:p>
             <a:r>
               <a:rPr lang="en-US" dirty="0"/>
-              <a:t>Our opinion on Best State to live in 2018 for </a:t>
-            </a:r>
-            <a:r>
-              <a:rPr lang="en-US" dirty="0">
-                <a:solidFill>
-                  <a:srgbClr val="FF0000"/>
-                </a:solidFill>
-              </a:rPr>
-              <a:t>“employee” </a:t>
-            </a:r>
-            <a:r>
-              <a:rPr lang="en-US" dirty="0">
-                <a:solidFill>
-                  <a:schemeClr val="tx1"/>
-                </a:solidFill>
-              </a:rPr>
-              <a:t>from 5 criteria below, </a:t>
+              <a:t>Best State </a:t>
             </a:r>
           </a:p>
           <a:p>
             <a:pPr lvl="1"/>
             <a:r>
               <a:rPr lang="en-US" dirty="0"/>
-              <a:t>State Tax</a:t>
+              <a:t>Out of 50 states, pick the “best choice” from top 20 in categories of salary, crime rate, unemployment rate, climate and tax rate. Not necessarily the best on all of them.</a:t>
+            </a:r>
+          </a:p>
+          <a:p>
+            <a:r>
+              <a:rPr lang="en-US" dirty="0"/>
+              <a:t>To Live In For Employee </a:t>
             </a:r>
           </a:p>
           <a:p>
             <a:pPr lvl="1"/>
             <a:r>
               <a:rPr lang="en-US" dirty="0"/>
-              <a:t>Climate</a:t>
+              <a:t>Focus is working community and not “retiree” or “retiring soon” community.</a:t>
             </a:r>
           </a:p>
           <a:p>
             <a:pPr lvl="1"/>
             <a:r>
               <a:rPr lang="en-US" dirty="0"/>
-              <a:t>Unemployment rate</a:t>
+              <a:t>Affordable housing and tax rate, salary spent on housing + tax &lt; 65%. Having ability to save money </a:t>
             </a:r>
           </a:p>
           <a:p>
             <a:pPr lvl="1"/>
             <a:r>
               <a:rPr lang="en-US" dirty="0"/>
-              <a:t>Crime rate</a:t>
+              <a:t>low crime rate and unemployment i.e. &lt; 4% for each</a:t>
             </a:r>
           </a:p>
           <a:p>
             <a:pPr lvl="1"/>
             <a:r>
               <a:rPr lang="en-US" dirty="0"/>
-              <a:t>Salary </a:t>
-            </a:r>
-          </a:p>
-          <a:p>
-            <a:r>
-              <a:rPr lang="en-US" dirty="0"/>
-              <a:t>Through observations, plots and correlations, we’re to determine the best state for employee to work in.</a:t>
+              <a:t>acceptable climate i.e. not too hot or cold, less humid. Moderate humidity and temperatures (60 – 80 F)  </a:t>
             </a:r>
           </a:p>
         </p:txBody>
@@ -7231,7 +7400,7 @@
     </p:spTree>
     <p:extLst>
       <p:ext uri="{BB962C8B-B14F-4D97-AF65-F5344CB8AC3E}">
-        <p14:creationId xmlns:p14="http://schemas.microsoft.com/office/powerpoint/2010/main" val="556332744"/>
+        <p14:creationId xmlns:p14="http://schemas.microsoft.com/office/powerpoint/2010/main" val="1234996424"/>
       </p:ext>
     </p:extLst>
   </p:cSld>
@@ -7376,7 +7545,7 @@
     </p:spTree>
     <p:extLst>
       <p:ext uri="{BB962C8B-B14F-4D97-AF65-F5344CB8AC3E}">
-        <p14:creationId xmlns:p14="http://schemas.microsoft.com/office/powerpoint/2010/main" val="2000845695"/>
+        <p14:creationId xmlns:p14="http://schemas.microsoft.com/office/powerpoint/2010/main" val="556332744"/>
       </p:ext>
     </p:extLst>
   </p:cSld>
@@ -7408,6 +7577,151 @@
           <p:cNvPr id="2" name="Title 1">
             <a:extLst>
               <a:ext uri="{FF2B5EF4-FFF2-40B4-BE49-F238E27FC236}">
+                <a16:creationId xmlns:a16="http://schemas.microsoft.com/office/drawing/2014/main" id="{377C9523-097C-4E43-AC8E-8C68B3057BB1}"/>
+              </a:ext>
+            </a:extLst>
+          </p:cNvPr>
+          <p:cNvSpPr>
+            <a:spLocks noGrp="1"/>
+          </p:cNvSpPr>
+          <p:nvPr>
+            <p:ph type="title"/>
+          </p:nvPr>
+        </p:nvSpPr>
+        <p:spPr/>
+        <p:txBody>
+          <a:bodyPr/>
+          <a:lstStyle/>
+          <a:p>
+            <a:r>
+              <a:rPr lang="en-US" dirty="0"/>
+              <a:t>Project Description</a:t>
+            </a:r>
+          </a:p>
+        </p:txBody>
+      </p:sp>
+      <p:sp>
+        <p:nvSpPr>
+          <p:cNvPr id="3" name="Content Placeholder 2">
+            <a:extLst>
+              <a:ext uri="{FF2B5EF4-FFF2-40B4-BE49-F238E27FC236}">
+                <a16:creationId xmlns:a16="http://schemas.microsoft.com/office/drawing/2014/main" id="{42C92943-A346-4DB7-A073-7ED62D2A2B66}"/>
+              </a:ext>
+            </a:extLst>
+          </p:cNvPr>
+          <p:cNvSpPr>
+            <a:spLocks noGrp="1"/>
+          </p:cNvSpPr>
+          <p:nvPr>
+            <p:ph idx="1"/>
+          </p:nvPr>
+        </p:nvSpPr>
+        <p:spPr/>
+        <p:txBody>
+          <a:bodyPr>
+            <a:normAutofit fontScale="92500" lnSpcReduction="10000"/>
+          </a:bodyPr>
+          <a:lstStyle/>
+          <a:p>
+            <a:r>
+              <a:rPr lang="en-US" dirty="0"/>
+              <a:t>Our opinion on Best State to live in 2018 for </a:t>
+            </a:r>
+            <a:r>
+              <a:rPr lang="en-US" dirty="0">
+                <a:solidFill>
+                  <a:srgbClr val="FF0000"/>
+                </a:solidFill>
+              </a:rPr>
+              <a:t>“employee” </a:t>
+            </a:r>
+            <a:r>
+              <a:rPr lang="en-US" dirty="0">
+                <a:solidFill>
+                  <a:schemeClr val="tx1"/>
+                </a:solidFill>
+              </a:rPr>
+              <a:t>from 5 criteria below, </a:t>
+            </a:r>
+          </a:p>
+          <a:p>
+            <a:pPr lvl="1"/>
+            <a:r>
+              <a:rPr lang="en-US" dirty="0"/>
+              <a:t>State Tax</a:t>
+            </a:r>
+          </a:p>
+          <a:p>
+            <a:pPr lvl="1"/>
+            <a:r>
+              <a:rPr lang="en-US" dirty="0"/>
+              <a:t>Climate</a:t>
+            </a:r>
+          </a:p>
+          <a:p>
+            <a:pPr lvl="1"/>
+            <a:r>
+              <a:rPr lang="en-US" dirty="0"/>
+              <a:t>Unemployment rate</a:t>
+            </a:r>
+          </a:p>
+          <a:p>
+            <a:pPr lvl="1"/>
+            <a:r>
+              <a:rPr lang="en-US" dirty="0"/>
+              <a:t>Crime rate</a:t>
+            </a:r>
+          </a:p>
+          <a:p>
+            <a:pPr lvl="1"/>
+            <a:r>
+              <a:rPr lang="en-US" dirty="0"/>
+              <a:t>Salary </a:t>
+            </a:r>
+          </a:p>
+          <a:p>
+            <a:r>
+              <a:rPr lang="en-US" dirty="0"/>
+              <a:t>Through observations, plots and correlations, we’re to determine the best state for employee to work in.</a:t>
+            </a:r>
+          </a:p>
+        </p:txBody>
+      </p:sp>
+    </p:spTree>
+    <p:extLst>
+      <p:ext uri="{BB962C8B-B14F-4D97-AF65-F5344CB8AC3E}">
+        <p14:creationId xmlns:p14="http://schemas.microsoft.com/office/powerpoint/2010/main" val="2000845695"/>
+      </p:ext>
+    </p:extLst>
+  </p:cSld>
+  <p:clrMapOvr>
+    <a:masterClrMapping/>
+  </p:clrMapOvr>
+</p:sld>
+</file>
+
+<file path=ppt/slides/slide6.xml><?xml version="1.0" encoding="utf-8"?>
+<p:sld xmlns:a="http://schemas.openxmlformats.org/drawingml/2006/main" xmlns:r="http://schemas.openxmlformats.org/officeDocument/2006/relationships" xmlns:p="http://schemas.openxmlformats.org/presentationml/2006/main">
+  <p:cSld>
+    <p:spTree>
+      <p:nvGrpSpPr>
+        <p:cNvPr id="1" name=""/>
+        <p:cNvGrpSpPr/>
+        <p:nvPr/>
+      </p:nvGrpSpPr>
+      <p:grpSpPr>
+        <a:xfrm>
+          <a:off x="0" y="0"/>
+          <a:ext cx="0" cy="0"/>
+          <a:chOff x="0" y="0"/>
+          <a:chExt cx="0" cy="0"/>
+        </a:xfrm>
+      </p:grpSpPr>
+      <p:sp>
+        <p:nvSpPr>
+          <p:cNvPr id="2" name="Title 1">
+            <a:extLst>
+              <a:ext uri="{FF2B5EF4-FFF2-40B4-BE49-F238E27FC236}">
                 <a16:creationId xmlns:a16="http://schemas.microsoft.com/office/drawing/2014/main" id="{1917A588-6B43-4326-8CEE-B31FA8CC4FDB}"/>
               </a:ext>
             </a:extLst>
@@ -7968,7 +8282,7 @@
 </p:sld>
 </file>
 
-<file path=ppt/slides/slide6.xml><?xml version="1.0" encoding="utf-8"?>
+<file path=ppt/slides/slide7.xml><?xml version="1.0" encoding="utf-8"?>
 <p:sld xmlns:a="http://schemas.openxmlformats.org/drawingml/2006/main" xmlns:r="http://schemas.openxmlformats.org/officeDocument/2006/relationships" xmlns:p="http://schemas.openxmlformats.org/presentationml/2006/main">
   <p:cSld>
     <p:spTree>
@@ -10108,286 +10422,6 @@
 </p:sld>
 </file>
 
-<file path=ppt/slides/slide7.xml><?xml version="1.0" encoding="utf-8"?>
-<p:sld xmlns:a="http://schemas.openxmlformats.org/drawingml/2006/main" xmlns:r="http://schemas.openxmlformats.org/officeDocument/2006/relationships" xmlns:p="http://schemas.openxmlformats.org/presentationml/2006/main">
-  <p:cSld>
-    <p:spTree>
-      <p:nvGrpSpPr>
-        <p:cNvPr id="1" name=""/>
-        <p:cNvGrpSpPr/>
-        <p:nvPr/>
-      </p:nvGrpSpPr>
-      <p:grpSpPr>
-        <a:xfrm>
-          <a:off x="0" y="0"/>
-          <a:ext cx="0" cy="0"/>
-          <a:chOff x="0" y="0"/>
-          <a:chExt cx="0" cy="0"/>
-        </a:xfrm>
-      </p:grpSpPr>
-      <p:sp>
-        <p:nvSpPr>
-          <p:cNvPr id="2" name="Title 1">
-            <a:extLst>
-              <a:ext uri="{FF2B5EF4-FFF2-40B4-BE49-F238E27FC236}">
-                <a16:creationId xmlns:a16="http://schemas.microsoft.com/office/drawing/2014/main" id="{1917A588-6B43-4326-8CEE-B31FA8CC4FDB}"/>
-              </a:ext>
-            </a:extLst>
-          </p:cNvPr>
-          <p:cNvSpPr>
-            <a:spLocks noGrp="1"/>
-          </p:cNvSpPr>
-          <p:nvPr>
-            <p:ph type="title"/>
-          </p:nvPr>
-        </p:nvSpPr>
-        <p:spPr/>
-        <p:txBody>
-          <a:bodyPr/>
-          <a:lstStyle/>
-          <a:p>
-            <a:r>
-              <a:rPr lang="en-US" dirty="0"/>
-              <a:t>Questions &amp; Criteria</a:t>
-            </a:r>
-          </a:p>
-        </p:txBody>
-      </p:sp>
-      <p:sp>
-        <p:nvSpPr>
-          <p:cNvPr id="3" name="Content Placeholder 2">
-            <a:extLst>
-              <a:ext uri="{FF2B5EF4-FFF2-40B4-BE49-F238E27FC236}">
-                <a16:creationId xmlns:a16="http://schemas.microsoft.com/office/drawing/2014/main" id="{F5BE9D4D-949C-4037-9F87-16CDE0EE0466}"/>
-              </a:ext>
-            </a:extLst>
-          </p:cNvPr>
-          <p:cNvSpPr>
-            <a:spLocks noGrp="1"/>
-          </p:cNvSpPr>
-          <p:nvPr>
-            <p:ph idx="1"/>
-          </p:nvPr>
-        </p:nvSpPr>
-        <p:spPr>
-          <a:xfrm>
-            <a:off x="1295401" y="2556931"/>
-            <a:ext cx="9601196" cy="3597683"/>
-          </a:xfrm>
-        </p:spPr>
-        <p:txBody>
-          <a:bodyPr>
-            <a:normAutofit fontScale="85000" lnSpcReduction="20000"/>
-          </a:bodyPr>
-          <a:lstStyle/>
-          <a:p>
-            <a:r>
-              <a:rPr lang="en-US" dirty="0"/>
-              <a:t>1) Which state is startup business friendly (low tax)? – </a:t>
-            </a:r>
-            <a:r>
-              <a:rPr lang="en-US" dirty="0">
-                <a:solidFill>
-                  <a:srgbClr val="FF0000"/>
-                </a:solidFill>
-              </a:rPr>
-              <a:t>Tax rate and living cost (housing) </a:t>
-            </a:r>
-            <a:r>
-              <a:rPr lang="en-US" dirty="0"/>
-              <a:t>--  (Extra goal) </a:t>
-            </a:r>
-            <a:r>
-              <a:rPr lang="en-US" dirty="0">
-                <a:sym typeface="Wingdings" panose="05000000000000000000" pitchFamily="2" charset="2"/>
-              </a:rPr>
-              <a:t> </a:t>
-            </a:r>
-            <a:r>
-              <a:rPr lang="en-US" dirty="0" err="1">
-                <a:sym typeface="Wingdings" panose="05000000000000000000" pitchFamily="2" charset="2"/>
-              </a:rPr>
-              <a:t>Bahar</a:t>
-            </a:r>
-            <a:endParaRPr lang="en-US" dirty="0"/>
-          </a:p>
-          <a:p>
-            <a:r>
-              <a:rPr lang="en-US" dirty="0"/>
-              <a:t>2) Which state with low </a:t>
-            </a:r>
-            <a:r>
-              <a:rPr lang="en-US" dirty="0">
-                <a:solidFill>
-                  <a:srgbClr val="FF0000"/>
-                </a:solidFill>
-              </a:rPr>
-              <a:t>tax rate</a:t>
-            </a:r>
-            <a:r>
-              <a:rPr lang="en-US" dirty="0"/>
-              <a:t>, attracts employee? (Main goal) </a:t>
-            </a:r>
-            <a:r>
-              <a:rPr lang="en-US" dirty="0">
-                <a:sym typeface="Wingdings" panose="05000000000000000000" pitchFamily="2" charset="2"/>
-              </a:rPr>
-              <a:t> </a:t>
-            </a:r>
-            <a:r>
-              <a:rPr lang="en-US" dirty="0" err="1">
-                <a:sym typeface="Wingdings" panose="05000000000000000000" pitchFamily="2" charset="2"/>
-              </a:rPr>
-              <a:t>Bahar</a:t>
-            </a:r>
-            <a:endParaRPr lang="en-US" dirty="0"/>
-          </a:p>
-          <a:p>
-            <a:r>
-              <a:rPr lang="en-US" dirty="0"/>
-              <a:t>3) Warmer </a:t>
-            </a:r>
-            <a:r>
-              <a:rPr lang="en-US" dirty="0">
-                <a:solidFill>
-                  <a:srgbClr val="FF0000"/>
-                </a:solidFill>
-              </a:rPr>
-              <a:t>climate</a:t>
-            </a:r>
-            <a:r>
-              <a:rPr lang="en-US" dirty="0"/>
-              <a:t> preferred state to live in, correlate to home price? (Main goal) </a:t>
-            </a:r>
-            <a:r>
-              <a:rPr lang="en-US" dirty="0">
-                <a:sym typeface="Wingdings" panose="05000000000000000000" pitchFamily="2" charset="2"/>
-              </a:rPr>
-              <a:t> Prakash</a:t>
-            </a:r>
-            <a:r>
-              <a:rPr lang="en-US" dirty="0"/>
-              <a:t> </a:t>
-            </a:r>
-          </a:p>
-          <a:p>
-            <a:r>
-              <a:rPr lang="en-US" dirty="0"/>
-              <a:t>4) Lower </a:t>
-            </a:r>
-            <a:r>
-              <a:rPr lang="en-US" dirty="0">
-                <a:solidFill>
-                  <a:srgbClr val="FF0000"/>
-                </a:solidFill>
-              </a:rPr>
-              <a:t>unemployment</a:t>
-            </a:r>
-            <a:r>
-              <a:rPr lang="en-US" dirty="0"/>
-              <a:t> correlated to </a:t>
-            </a:r>
-            <a:r>
-              <a:rPr lang="en-US" dirty="0">
-                <a:solidFill>
-                  <a:srgbClr val="FF0000"/>
-                </a:solidFill>
-              </a:rPr>
-              <a:t>crime rate</a:t>
-            </a:r>
-            <a:r>
-              <a:rPr lang="en-US" dirty="0"/>
-              <a:t>? (Main goal) </a:t>
-            </a:r>
-            <a:r>
-              <a:rPr lang="en-US" dirty="0">
-                <a:sym typeface="Wingdings" panose="05000000000000000000" pitchFamily="2" charset="2"/>
-              </a:rPr>
-              <a:t></a:t>
-            </a:r>
-            <a:r>
-              <a:rPr lang="en-US" dirty="0"/>
-              <a:t> Catherine</a:t>
-            </a:r>
-          </a:p>
-          <a:p>
-            <a:r>
-              <a:rPr lang="en-US" dirty="0"/>
-              <a:t>5) Higher </a:t>
-            </a:r>
-            <a:r>
-              <a:rPr lang="en-US" dirty="0">
-                <a:solidFill>
-                  <a:srgbClr val="FF0000"/>
-                </a:solidFill>
-              </a:rPr>
-              <a:t>salary</a:t>
-            </a:r>
-            <a:r>
-              <a:rPr lang="en-US" dirty="0"/>
-              <a:t> states are the preferred ones? (Main goal) </a:t>
-            </a:r>
-            <a:r>
-              <a:rPr lang="en-US" dirty="0">
-                <a:sym typeface="Wingdings" panose="05000000000000000000" pitchFamily="2" charset="2"/>
-              </a:rPr>
-              <a:t> Molly</a:t>
-            </a:r>
-            <a:endParaRPr lang="en-US" dirty="0"/>
-          </a:p>
-          <a:p>
-            <a:r>
-              <a:rPr lang="en-US" dirty="0"/>
-              <a:t>4) Definition of the best state to live in (our criteria)?</a:t>
-            </a:r>
-          </a:p>
-          <a:p>
-            <a:pPr lvl="1"/>
-            <a:r>
-              <a:rPr lang="en-US" dirty="0"/>
-              <a:t>Modest to high salary range</a:t>
-            </a:r>
-          </a:p>
-          <a:p>
-            <a:pPr lvl="1"/>
-            <a:r>
-              <a:rPr lang="en-US" dirty="0"/>
-              <a:t>Low crime and unemployment rate</a:t>
-            </a:r>
-          </a:p>
-          <a:p>
-            <a:pPr lvl="1"/>
-            <a:r>
-              <a:rPr lang="en-US" dirty="0"/>
-              <a:t>Climate with no hurricane, tornado, snow blizzard, </a:t>
-            </a:r>
-          </a:p>
-          <a:p>
-            <a:pPr lvl="1"/>
-            <a:endParaRPr lang="en-US" dirty="0"/>
-          </a:p>
-          <a:p>
-            <a:pPr lvl="1"/>
-            <a:endParaRPr lang="en-US" dirty="0"/>
-          </a:p>
-          <a:p>
-            <a:endParaRPr lang="en-US" dirty="0"/>
-          </a:p>
-        </p:txBody>
-      </p:sp>
-    </p:spTree>
-    <p:extLst>
-      <p:ext uri="{BB962C8B-B14F-4D97-AF65-F5344CB8AC3E}">
-        <p14:creationId xmlns:p14="http://schemas.microsoft.com/office/powerpoint/2010/main" val="635664139"/>
-      </p:ext>
-    </p:extLst>
-  </p:cSld>
-  <p:clrMapOvr>
-    <a:masterClrMapping/>
-  </p:clrMapOvr>
-</p:sld>
-</file>
-
 <file path=ppt/slides/slide8.xml><?xml version="1.0" encoding="utf-8"?>
 <p:sld xmlns:a="http://schemas.openxmlformats.org/drawingml/2006/main" xmlns:r="http://schemas.openxmlformats.org/officeDocument/2006/relationships" xmlns:p="http://schemas.openxmlformats.org/presentationml/2006/main">
   <p:cSld>
@@ -10423,54 +10457,242 @@
         </p:nvSpPr>
         <p:spPr/>
         <p:txBody>
-          <a:bodyPr>
-            <a:normAutofit/>
-          </a:bodyPr>
-          <a:lstStyle/>
-          <a:p>
-            <a:r>
-              <a:rPr lang="en-US" dirty="0"/>
-              <a:t>Raw data files location</a:t>
-            </a:r>
-          </a:p>
-        </p:txBody>
-      </p:sp>
-      <p:pic>
-        <p:nvPicPr>
-          <p:cNvPr id="4" name="Content Placeholder 3">
+          <a:bodyPr/>
+          <a:lstStyle/>
+          <a:p>
+            <a:r>
+              <a:rPr lang="en-US" dirty="0"/>
+              <a:t>Questions &amp; Criteria</a:t>
+            </a:r>
+          </a:p>
+        </p:txBody>
+      </p:sp>
+      <p:sp>
+        <p:nvSpPr>
+          <p:cNvPr id="3" name="Content Placeholder 2">
             <a:extLst>
               <a:ext uri="{FF2B5EF4-FFF2-40B4-BE49-F238E27FC236}">
-                <a16:creationId xmlns:a16="http://schemas.microsoft.com/office/drawing/2014/main" id="{D51BA1BF-2794-4BC3-AB3C-4FCE473C5999}"/>
+                <a16:creationId xmlns:a16="http://schemas.microsoft.com/office/drawing/2014/main" id="{F5BE9D4D-949C-4037-9F87-16CDE0EE0466}"/>
               </a:ext>
             </a:extLst>
           </p:cNvPr>
-          <p:cNvPicPr>
-            <a:picLocks noGrp="1" noChangeAspect="1"/>
-          </p:cNvPicPr>
+          <p:cNvSpPr>
+            <a:spLocks noGrp="1"/>
+          </p:cNvSpPr>
           <p:nvPr>
             <p:ph idx="1"/>
           </p:nvPr>
-        </p:nvPicPr>
-        <p:blipFill>
-          <a:blip r:embed="rId2"/>
-          <a:stretch>
-            <a:fillRect/>
-          </a:stretch>
-        </p:blipFill>
+        </p:nvSpPr>
         <p:spPr>
           <a:xfrm>
-            <a:off x="2038350" y="2878138"/>
-            <a:ext cx="8115300" cy="2676525"/>
+            <a:off x="1295401" y="2556931"/>
+            <a:ext cx="9601196" cy="3597683"/>
           </a:xfrm>
-          <a:prstGeom prst="rect">
-            <a:avLst/>
-          </a:prstGeom>
         </p:spPr>
-      </p:pic>
+        <p:txBody>
+          <a:bodyPr>
+            <a:normAutofit fontScale="85000" lnSpcReduction="20000"/>
+          </a:bodyPr>
+          <a:lstStyle/>
+          <a:p>
+            <a:r>
+              <a:rPr lang="en-US" dirty="0"/>
+              <a:t>1) Which state is startup business friendly (low tax)? – </a:t>
+            </a:r>
+            <a:r>
+              <a:rPr lang="en-US" dirty="0">
+                <a:solidFill>
+                  <a:srgbClr val="FF0000"/>
+                </a:solidFill>
+              </a:rPr>
+              <a:t>Tax rate and living cost (housing) </a:t>
+            </a:r>
+            <a:r>
+              <a:rPr lang="en-US" dirty="0"/>
+              <a:t>--  (Extra goal) </a:t>
+            </a:r>
+            <a:r>
+              <a:rPr lang="en-US" dirty="0">
+                <a:sym typeface="Wingdings" panose="05000000000000000000" pitchFamily="2" charset="2"/>
+              </a:rPr>
+              <a:t> </a:t>
+            </a:r>
+            <a:r>
+              <a:rPr lang="en-US" dirty="0" err="1">
+                <a:sym typeface="Wingdings" panose="05000000000000000000" pitchFamily="2" charset="2"/>
+              </a:rPr>
+              <a:t>Bahar</a:t>
+            </a:r>
+            <a:endParaRPr lang="en-US" dirty="0"/>
+          </a:p>
+          <a:p>
+            <a:r>
+              <a:rPr lang="en-US" dirty="0"/>
+              <a:t>2) Which state with low </a:t>
+            </a:r>
+            <a:r>
+              <a:rPr lang="en-US" dirty="0">
+                <a:solidFill>
+                  <a:srgbClr val="FF0000"/>
+                </a:solidFill>
+              </a:rPr>
+              <a:t>tax rate</a:t>
+            </a:r>
+            <a:r>
+              <a:rPr lang="en-US" dirty="0"/>
+              <a:t>, attracts employee? (Main goal) </a:t>
+            </a:r>
+            <a:r>
+              <a:rPr lang="en-US" dirty="0">
+                <a:sym typeface="Wingdings" panose="05000000000000000000" pitchFamily="2" charset="2"/>
+              </a:rPr>
+              <a:t> </a:t>
+            </a:r>
+            <a:r>
+              <a:rPr lang="en-US" dirty="0" err="1">
+                <a:sym typeface="Wingdings" panose="05000000000000000000" pitchFamily="2" charset="2"/>
+              </a:rPr>
+              <a:t>Bahar</a:t>
+            </a:r>
+            <a:endParaRPr lang="en-US" dirty="0"/>
+          </a:p>
+          <a:p>
+            <a:r>
+              <a:rPr lang="en-US" dirty="0"/>
+              <a:t>3) Warmer </a:t>
+            </a:r>
+            <a:r>
+              <a:rPr lang="en-US" dirty="0">
+                <a:solidFill>
+                  <a:srgbClr val="FF0000"/>
+                </a:solidFill>
+              </a:rPr>
+              <a:t>climate</a:t>
+            </a:r>
+            <a:r>
+              <a:rPr lang="en-US" dirty="0"/>
+              <a:t> preferred state to live in, correlate to home price? (Main goal) </a:t>
+            </a:r>
+            <a:r>
+              <a:rPr lang="en-US" dirty="0">
+                <a:sym typeface="Wingdings" panose="05000000000000000000" pitchFamily="2" charset="2"/>
+              </a:rPr>
+              <a:t> Prakash</a:t>
+            </a:r>
+            <a:r>
+              <a:rPr lang="en-US" dirty="0"/>
+              <a:t> </a:t>
+            </a:r>
+          </a:p>
+          <a:p>
+            <a:r>
+              <a:rPr lang="en-US" dirty="0"/>
+              <a:t>4) Lower </a:t>
+            </a:r>
+            <a:r>
+              <a:rPr lang="en-US" dirty="0">
+                <a:solidFill>
+                  <a:srgbClr val="FF0000"/>
+                </a:solidFill>
+              </a:rPr>
+              <a:t>unemployment</a:t>
+            </a:r>
+            <a:r>
+              <a:rPr lang="en-US" dirty="0"/>
+              <a:t> correlated to </a:t>
+            </a:r>
+            <a:r>
+              <a:rPr lang="en-US" dirty="0">
+                <a:solidFill>
+                  <a:srgbClr val="FF0000"/>
+                </a:solidFill>
+              </a:rPr>
+              <a:t>crime rate</a:t>
+            </a:r>
+            <a:r>
+              <a:rPr lang="en-US" dirty="0"/>
+              <a:t>? (Main goal) </a:t>
+            </a:r>
+            <a:r>
+              <a:rPr lang="en-US" dirty="0">
+                <a:sym typeface="Wingdings" panose="05000000000000000000" pitchFamily="2" charset="2"/>
+              </a:rPr>
+              <a:t></a:t>
+            </a:r>
+            <a:r>
+              <a:rPr lang="en-US" dirty="0"/>
+              <a:t> Catherine</a:t>
+            </a:r>
+          </a:p>
+          <a:p>
+            <a:r>
+              <a:rPr lang="en-US" dirty="0"/>
+              <a:t>5) Higher </a:t>
+            </a:r>
+            <a:r>
+              <a:rPr lang="en-US" dirty="0">
+                <a:solidFill>
+                  <a:srgbClr val="FF0000"/>
+                </a:solidFill>
+              </a:rPr>
+              <a:t>salary</a:t>
+            </a:r>
+            <a:r>
+              <a:rPr lang="en-US" dirty="0"/>
+              <a:t> states are the preferred ones? (Main goal) </a:t>
+            </a:r>
+            <a:r>
+              <a:rPr lang="en-US" dirty="0">
+                <a:sym typeface="Wingdings" panose="05000000000000000000" pitchFamily="2" charset="2"/>
+              </a:rPr>
+              <a:t> Molly</a:t>
+            </a:r>
+            <a:endParaRPr lang="en-US" dirty="0"/>
+          </a:p>
+          <a:p>
+            <a:r>
+              <a:rPr lang="en-US" dirty="0"/>
+              <a:t>4) Definition of the best state to live in (our criteria)?</a:t>
+            </a:r>
+          </a:p>
+          <a:p>
+            <a:pPr lvl="1"/>
+            <a:r>
+              <a:rPr lang="en-US" dirty="0"/>
+              <a:t>Modest to high salary range</a:t>
+            </a:r>
+          </a:p>
+          <a:p>
+            <a:pPr lvl="1"/>
+            <a:r>
+              <a:rPr lang="en-US" dirty="0"/>
+              <a:t>Low crime and unemployment rate</a:t>
+            </a:r>
+          </a:p>
+          <a:p>
+            <a:pPr lvl="1"/>
+            <a:r>
+              <a:rPr lang="en-US" dirty="0"/>
+              <a:t>Climate with no hurricane, tornado, snow blizzard, </a:t>
+            </a:r>
+          </a:p>
+          <a:p>
+            <a:pPr lvl="1"/>
+            <a:endParaRPr lang="en-US" dirty="0"/>
+          </a:p>
+          <a:p>
+            <a:pPr lvl="1"/>
+            <a:endParaRPr lang="en-US" dirty="0"/>
+          </a:p>
+          <a:p>
+            <a:endParaRPr lang="en-US" dirty="0"/>
+          </a:p>
+        </p:txBody>
+      </p:sp>
     </p:spTree>
     <p:extLst>
       <p:ext uri="{BB962C8B-B14F-4D97-AF65-F5344CB8AC3E}">
-        <p14:creationId xmlns:p14="http://schemas.microsoft.com/office/powerpoint/2010/main" val="1660539235"/>
+        <p14:creationId xmlns:p14="http://schemas.microsoft.com/office/powerpoint/2010/main" val="635664139"/>
       </p:ext>
     </p:extLst>
   </p:cSld>
@@ -10515,117 +10737,54 @@
         </p:nvSpPr>
         <p:spPr/>
         <p:txBody>
-          <a:bodyPr/>
-          <a:lstStyle/>
-          <a:p>
-            <a:r>
-              <a:rPr lang="en-US" dirty="0"/>
-              <a:t>Coding Rules</a:t>
-            </a:r>
-          </a:p>
-        </p:txBody>
-      </p:sp>
-      <p:sp>
-        <p:nvSpPr>
-          <p:cNvPr id="3" name="Content Placeholder 2">
+          <a:bodyPr>
+            <a:normAutofit/>
+          </a:bodyPr>
+          <a:lstStyle/>
+          <a:p>
+            <a:r>
+              <a:rPr lang="en-US" dirty="0"/>
+              <a:t>Raw data files location</a:t>
+            </a:r>
+          </a:p>
+        </p:txBody>
+      </p:sp>
+      <p:pic>
+        <p:nvPicPr>
+          <p:cNvPr id="4" name="Content Placeholder 3">
             <a:extLst>
               <a:ext uri="{FF2B5EF4-FFF2-40B4-BE49-F238E27FC236}">
-                <a16:creationId xmlns:a16="http://schemas.microsoft.com/office/drawing/2014/main" id="{F5BE9D4D-949C-4037-9F87-16CDE0EE0466}"/>
+                <a16:creationId xmlns:a16="http://schemas.microsoft.com/office/drawing/2014/main" id="{D51BA1BF-2794-4BC3-AB3C-4FCE473C5999}"/>
               </a:ext>
             </a:extLst>
           </p:cNvPr>
-          <p:cNvSpPr>
-            <a:spLocks noGrp="1"/>
-          </p:cNvSpPr>
+          <p:cNvPicPr>
+            <a:picLocks noGrp="1" noChangeAspect="1"/>
+          </p:cNvPicPr>
           <p:nvPr>
             <p:ph idx="1"/>
           </p:nvPr>
-        </p:nvSpPr>
-        <p:spPr/>
-        <p:txBody>
-          <a:bodyPr>
-            <a:normAutofit fontScale="92500" lnSpcReduction="10000"/>
-          </a:bodyPr>
-          <a:lstStyle/>
-          <a:p>
-            <a:r>
-              <a:rPr lang="en-US" dirty="0"/>
-              <a:t>Upload scripts to Script folder</a:t>
-            </a:r>
-          </a:p>
-          <a:p>
-            <a:r>
-              <a:rPr lang="en-US" dirty="0"/>
-              <a:t>Label/ Comment on every code line to help other understand quickly. Explain briefly if needed</a:t>
-            </a:r>
-          </a:p>
-          <a:p>
-            <a:r>
-              <a:rPr lang="en-US" dirty="0"/>
-              <a:t>Label plot(s) well with legend, title and axes</a:t>
-            </a:r>
-          </a:p>
-          <a:p>
-            <a:r>
-              <a:rPr lang="en-US" dirty="0"/>
-              <a:t>Append _</a:t>
-            </a:r>
-            <a:r>
-              <a:rPr lang="en-US" dirty="0" err="1"/>
-              <a:t>lst</a:t>
-            </a:r>
-            <a:r>
-              <a:rPr lang="en-US" dirty="0"/>
-              <a:t>, _df and </a:t>
-            </a:r>
-            <a:r>
-              <a:rPr lang="en-US" dirty="0" err="1"/>
-              <a:t>etc</a:t>
-            </a:r>
-            <a:r>
-              <a:rPr lang="en-US" dirty="0"/>
-              <a:t> when defining lists, dictionaries, data frames. E.g. </a:t>
-            </a:r>
-            <a:r>
-              <a:rPr lang="en-US" dirty="0" err="1"/>
-              <a:t>mylist_lst</a:t>
-            </a:r>
-            <a:r>
-              <a:rPr lang="en-US" dirty="0"/>
-              <a:t>, </a:t>
-            </a:r>
-            <a:r>
-              <a:rPr lang="en-US" dirty="0" err="1"/>
-              <a:t>myplot_plt</a:t>
-            </a:r>
-            <a:endParaRPr lang="en-US" dirty="0"/>
-          </a:p>
-          <a:p>
-            <a:r>
-              <a:rPr lang="en-US" dirty="0"/>
-              <a:t>Backup files locally prior to modification for retrieval</a:t>
-            </a:r>
-          </a:p>
-          <a:p>
-            <a:r>
-              <a:rPr lang="en-US" dirty="0"/>
-              <a:t>Attempt to solve 1</a:t>
-            </a:r>
-            <a:r>
-              <a:rPr lang="en-US" baseline="30000" dirty="0"/>
-              <a:t>st</a:t>
-            </a:r>
-            <a:r>
-              <a:rPr lang="en-US" dirty="0"/>
-              <a:t> by yourself, if help needed, slack out</a:t>
-            </a:r>
-          </a:p>
-        </p:txBody>
-      </p:sp>
+        </p:nvPicPr>
+        <p:blipFill>
+          <a:blip r:embed="rId2"/>
+          <a:stretch>
+            <a:fillRect/>
+          </a:stretch>
+        </p:blipFill>
+        <p:spPr>
+          <a:xfrm>
+            <a:off x="2038350" y="2878138"/>
+            <a:ext cx="8115300" cy="2676525"/>
+          </a:xfrm>
+          <a:prstGeom prst="rect">
+            <a:avLst/>
+          </a:prstGeom>
+        </p:spPr>
+      </p:pic>
     </p:spTree>
     <p:extLst>
       <p:ext uri="{BB962C8B-B14F-4D97-AF65-F5344CB8AC3E}">
-        <p14:creationId xmlns:p14="http://schemas.microsoft.com/office/powerpoint/2010/main" val="2409190503"/>
+        <p14:creationId xmlns:p14="http://schemas.microsoft.com/office/powerpoint/2010/main" val="1660539235"/>
       </p:ext>
     </p:extLst>
   </p:cSld>

--- a/Working_Presentation.pptx
+++ b/Working_Presentation.pptx
@@ -458,7 +458,7 @@
             <a:fld id="{B61BEF0D-F0BB-DE4B-95CE-6DB70DBA9567}" type="datetimeFigureOut">
               <a:rPr lang="en-US" dirty="0"/>
               <a:pPr/>
-              <a:t>7/7/2019</a:t>
+              <a:t>7/8/2019</a:t>
             </a:fld>
             <a:endParaRPr lang="en-US" dirty="0"/>
           </a:p>
@@ -779,7 +779,7 @@
             <a:fld id="{B61BEF0D-F0BB-DE4B-95CE-6DB70DBA9567}" type="datetimeFigureOut">
               <a:rPr lang="en-US" dirty="0"/>
               <a:pPr/>
-              <a:t>7/7/2019</a:t>
+              <a:t>7/8/2019</a:t>
             </a:fld>
             <a:endParaRPr lang="en-US" dirty="0"/>
           </a:p>
@@ -1024,7 +1024,7 @@
             <a:fld id="{B61BEF0D-F0BB-DE4B-95CE-6DB70DBA9567}" type="datetimeFigureOut">
               <a:rPr lang="en-US" dirty="0"/>
               <a:pPr/>
-              <a:t>7/7/2019</a:t>
+              <a:t>7/8/2019</a:t>
             </a:fld>
             <a:endParaRPr lang="en-US" dirty="0"/>
           </a:p>
@@ -1360,7 +1360,7 @@
             <a:fld id="{B61BEF0D-F0BB-DE4B-95CE-6DB70DBA9567}" type="datetimeFigureOut">
               <a:rPr lang="en-US" dirty="0"/>
               <a:pPr/>
-              <a:t>7/7/2019</a:t>
+              <a:t>7/8/2019</a:t>
             </a:fld>
             <a:endParaRPr lang="en-US" dirty="0"/>
           </a:p>
@@ -1704,7 +1704,7 @@
             <a:fld id="{B61BEF0D-F0BB-DE4B-95CE-6DB70DBA9567}" type="datetimeFigureOut">
               <a:rPr lang="en-US" dirty="0"/>
               <a:pPr/>
-              <a:t>7/7/2019</a:t>
+              <a:t>7/8/2019</a:t>
             </a:fld>
             <a:endParaRPr lang="en-US" dirty="0"/>
           </a:p>
@@ -2075,7 +2075,7 @@
             <a:fld id="{B61BEF0D-F0BB-DE4B-95CE-6DB70DBA9567}" type="datetimeFigureOut">
               <a:rPr lang="en-US" dirty="0"/>
               <a:pPr/>
-              <a:t>7/7/2019</a:t>
+              <a:t>7/8/2019</a:t>
             </a:fld>
             <a:endParaRPr lang="en-US" dirty="0"/>
           </a:p>
@@ -2542,7 +2542,7 @@
             <a:fld id="{B61BEF0D-F0BB-DE4B-95CE-6DB70DBA9567}" type="datetimeFigureOut">
               <a:rPr lang="en-US" dirty="0"/>
               <a:pPr/>
-              <a:t>7/7/2019</a:t>
+              <a:t>7/8/2019</a:t>
             </a:fld>
             <a:endParaRPr lang="en-US" dirty="0"/>
           </a:p>
@@ -2744,7 +2744,7 @@
             <a:fld id="{B61BEF0D-F0BB-DE4B-95CE-6DB70DBA9567}" type="datetimeFigureOut">
               <a:rPr lang="en-US" dirty="0"/>
               <a:pPr/>
-              <a:t>7/7/2019</a:t>
+              <a:t>7/8/2019</a:t>
             </a:fld>
             <a:endParaRPr lang="en-US" dirty="0"/>
           </a:p>
@@ -2952,7 +2952,7 @@
             <a:fld id="{B61BEF0D-F0BB-DE4B-95CE-6DB70DBA9567}" type="datetimeFigureOut">
               <a:rPr lang="en-US" dirty="0"/>
               <a:pPr/>
-              <a:t>7/7/2019</a:t>
+              <a:t>7/8/2019</a:t>
             </a:fld>
             <a:endParaRPr lang="en-US" dirty="0"/>
           </a:p>
@@ -3180,7 +3180,7 @@
           <a:p>
             <a:fld id="{52647F38-B617-4D2F-AE0A-013F0C4D2C57}" type="datetimeFigureOut">
               <a:rPr lang="en-US" dirty="0"/>
-              <a:t>7/7/2019</a:t>
+              <a:t>7/8/2019</a:t>
             </a:fld>
             <a:endParaRPr lang="en-US" dirty="0"/>
           </a:p>
@@ -3424,7 +3424,7 @@
             <a:fld id="{B61BEF0D-F0BB-DE4B-95CE-6DB70DBA9567}" type="datetimeFigureOut">
               <a:rPr lang="en-US" dirty="0"/>
               <a:pPr/>
-              <a:t>7/7/2019</a:t>
+              <a:t>7/8/2019</a:t>
             </a:fld>
             <a:endParaRPr lang="en-US" dirty="0"/>
           </a:p>
@@ -3718,7 +3718,7 @@
           <a:p>
             <a:fld id="{05BFA754-D5C3-4E66-96A6-867B257F58DC}" type="datetimeFigureOut">
               <a:rPr lang="en-US" dirty="0"/>
-              <a:t>7/7/2019</a:t>
+              <a:t>7/8/2019</a:t>
             </a:fld>
             <a:endParaRPr lang="en-US" dirty="0"/>
           </a:p>
@@ -4108,7 +4108,7 @@
             <a:fld id="{B61BEF0D-F0BB-DE4B-95CE-6DB70DBA9567}" type="datetimeFigureOut">
               <a:rPr lang="en-US" dirty="0"/>
               <a:pPr/>
-              <a:t>7/7/2019</a:t>
+              <a:t>7/8/2019</a:t>
             </a:fld>
             <a:endParaRPr lang="en-US" dirty="0"/>
           </a:p>
@@ -4254,7 +4254,7 @@
             <a:fld id="{B61BEF0D-F0BB-DE4B-95CE-6DB70DBA9567}" type="datetimeFigureOut">
               <a:rPr lang="en-US" dirty="0"/>
               <a:pPr/>
-              <a:t>7/7/2019</a:t>
+              <a:t>7/8/2019</a:t>
             </a:fld>
             <a:endParaRPr lang="en-US" dirty="0"/>
           </a:p>
@@ -4377,7 +4377,7 @@
             <a:fld id="{B61BEF0D-F0BB-DE4B-95CE-6DB70DBA9567}" type="datetimeFigureOut">
               <a:rPr lang="en-US" dirty="0"/>
               <a:pPr/>
-              <a:t>7/7/2019</a:t>
+              <a:t>7/8/2019</a:t>
             </a:fld>
             <a:endParaRPr lang="en-US" dirty="0"/>
           </a:p>
@@ -4629,7 +4629,7 @@
             <a:fld id="{B61BEF0D-F0BB-DE4B-95CE-6DB70DBA9567}" type="datetimeFigureOut">
               <a:rPr lang="en-US" dirty="0"/>
               <a:pPr/>
-              <a:t>7/7/2019</a:t>
+              <a:t>7/8/2019</a:t>
             </a:fld>
             <a:endParaRPr lang="en-US" dirty="0"/>
           </a:p>
@@ -4941,7 +4941,7 @@
             <a:fld id="{B61BEF0D-F0BB-DE4B-95CE-6DB70DBA9567}" type="datetimeFigureOut">
               <a:rPr lang="en-US" dirty="0"/>
               <a:pPr/>
-              <a:t>7/7/2019</a:t>
+              <a:t>7/8/2019</a:t>
             </a:fld>
             <a:endParaRPr lang="en-US" dirty="0"/>
           </a:p>
@@ -5289,7 +5289,7 @@
             <a:fld id="{B61BEF0D-F0BB-DE4B-95CE-6DB70DBA9567}" type="datetimeFigureOut">
               <a:rPr lang="en-US" dirty="0"/>
               <a:pPr/>
-              <a:t>7/7/2019</a:t>
+              <a:t>7/8/2019</a:t>
             </a:fld>
             <a:endParaRPr lang="en-US" dirty="0"/>
           </a:p>
@@ -7099,7 +7099,15 @@
             </a:r>
             <a:r>
               <a:rPr lang="en-US" dirty="0"/>
-              <a:t> preferred state to live in, correlate to home price?</a:t>
+              <a:t> preferred state to live in, correlate </a:t>
+            </a:r>
+            <a:r>
+              <a:rPr lang="en-US"/>
+              <a:t>to higher home </a:t>
+            </a:r>
+            <a:r>
+              <a:rPr lang="en-US" dirty="0"/>
+              <a:t>price?</a:t>
             </a:r>
           </a:p>
           <a:p>

--- a/Working_Presentation.pptx
+++ b/Working_Presentation.pptx
@@ -20,6 +20,8 @@
     <p:sldId id="265" r:id="rId14"/>
     <p:sldId id="266" r:id="rId15"/>
     <p:sldId id="267" r:id="rId16"/>
+    <p:sldId id="271" r:id="rId17"/>
+    <p:sldId id="272" r:id="rId18"/>
   </p:sldIdLst>
   <p:sldSz cx="12192000" cy="6858000"/>
   <p:notesSz cx="6858000" cy="9144000"/>
@@ -7059,7 +7061,7 @@
           <a:p>
             <a:r>
               <a:rPr lang="en-US" dirty="0"/>
-              <a:t>Climate - Prakash</a:t>
+              <a:t>Climate – Prakash</a:t>
             </a:r>
           </a:p>
         </p:txBody>
@@ -7080,9 +7082,390 @@
             <p:ph idx="1"/>
           </p:nvPr>
         </p:nvSpPr>
+        <p:spPr>
+          <a:xfrm>
+            <a:off x="1295400" y="2556932"/>
+            <a:ext cx="9967545" cy="1258192"/>
+          </a:xfrm>
+        </p:spPr>
+        <p:txBody>
+          <a:bodyPr>
+            <a:normAutofit fontScale="70000" lnSpcReduction="20000"/>
+          </a:bodyPr>
+          <a:lstStyle/>
+          <a:p>
+            <a:r>
+              <a:rPr lang="en-US" dirty="0"/>
+              <a:t>Dataset challenges were,</a:t>
+            </a:r>
+          </a:p>
+          <a:p>
+            <a:pPr lvl="1"/>
+            <a:r>
+              <a:rPr lang="en-US" i="1" dirty="0"/>
+              <a:t>Obtaining the 2018 data, hard to find the latest. Mostly were up to 2010 </a:t>
+            </a:r>
+          </a:p>
+          <a:p>
+            <a:pPr lvl="1"/>
+            <a:r>
+              <a:rPr lang="en-US" i="1" dirty="0"/>
+              <a:t>Limited states with climate data for “2018” – refer to Geo Map figure</a:t>
+            </a:r>
+          </a:p>
+          <a:p>
+            <a:pPr lvl="1"/>
+            <a:r>
+              <a:rPr lang="en-US" i="1" dirty="0"/>
+              <a:t>Some states have wider temperature spread – refer to Temperature boxplot </a:t>
+            </a:r>
+          </a:p>
+          <a:p>
+            <a:pPr lvl="1"/>
+            <a:endParaRPr lang="en-US" i="1" dirty="0"/>
+          </a:p>
+          <a:p>
+            <a:pPr lvl="1"/>
+            <a:endParaRPr lang="en-US" i="1" dirty="0"/>
+          </a:p>
+        </p:txBody>
+      </p:sp>
+      <p:pic>
+        <p:nvPicPr>
+          <p:cNvPr id="5" name="Picture 4" descr="A screenshot of a computer&#10;&#10;Description automatically generated">
+            <a:extLst>
+              <a:ext uri="{FF2B5EF4-FFF2-40B4-BE49-F238E27FC236}">
+                <a16:creationId xmlns:a16="http://schemas.microsoft.com/office/drawing/2014/main" id="{79D8BE27-0A75-404F-B08B-8A2E6976194C}"/>
+              </a:ext>
+            </a:extLst>
+          </p:cNvPr>
+          <p:cNvPicPr>
+            <a:picLocks noChangeAspect="1"/>
+          </p:cNvPicPr>
+          <p:nvPr/>
+        </p:nvPicPr>
+        <p:blipFill>
+          <a:blip r:embed="rId2"/>
+          <a:stretch>
+            <a:fillRect/>
+          </a:stretch>
+        </p:blipFill>
+        <p:spPr>
+          <a:xfrm>
+            <a:off x="764929" y="3815124"/>
+            <a:ext cx="5512558" cy="2362525"/>
+          </a:xfrm>
+          <a:prstGeom prst="rect">
+            <a:avLst/>
+          </a:prstGeom>
+        </p:spPr>
+      </p:pic>
+      <p:pic>
+        <p:nvPicPr>
+          <p:cNvPr id="7" name="Picture 6" descr="A picture containing text, map&#10;&#10;Description automatically generated">
+            <a:extLst>
+              <a:ext uri="{FF2B5EF4-FFF2-40B4-BE49-F238E27FC236}">
+                <a16:creationId xmlns:a16="http://schemas.microsoft.com/office/drawing/2014/main" id="{741B7D40-59D5-4388-9ED2-D7BC2EDC9766}"/>
+              </a:ext>
+            </a:extLst>
+          </p:cNvPr>
+          <p:cNvPicPr>
+            <a:picLocks noChangeAspect="1"/>
+          </p:cNvPicPr>
+          <p:nvPr/>
+        </p:nvPicPr>
+        <p:blipFill>
+          <a:blip r:embed="rId3"/>
+          <a:stretch>
+            <a:fillRect/>
+          </a:stretch>
+        </p:blipFill>
+        <p:spPr>
+          <a:xfrm>
+            <a:off x="6277487" y="3815124"/>
+            <a:ext cx="5275707" cy="2273864"/>
+          </a:xfrm>
+          <a:prstGeom prst="rect">
+            <a:avLst/>
+          </a:prstGeom>
+        </p:spPr>
+      </p:pic>
+      <p:sp>
+        <p:nvSpPr>
+          <p:cNvPr id="8" name="Oval 7">
+            <a:extLst>
+              <a:ext uri="{FF2B5EF4-FFF2-40B4-BE49-F238E27FC236}">
+                <a16:creationId xmlns:a16="http://schemas.microsoft.com/office/drawing/2014/main" id="{02B66A99-1F1F-4C8F-BEA2-44D493D521BF}"/>
+              </a:ext>
+            </a:extLst>
+          </p:cNvPr>
+          <p:cNvSpPr/>
+          <p:nvPr/>
+        </p:nvSpPr>
+        <p:spPr>
+          <a:xfrm>
+            <a:off x="1521229" y="4297680"/>
+            <a:ext cx="282633" cy="1138844"/>
+          </a:xfrm>
+          <a:prstGeom prst="ellipse">
+            <a:avLst/>
+          </a:prstGeom>
+          <a:noFill/>
+          <a:ln>
+            <a:solidFill>
+              <a:srgbClr val="FF0000"/>
+            </a:solidFill>
+          </a:ln>
+        </p:spPr>
+        <p:style>
+          <a:lnRef idx="2">
+            <a:schemeClr val="accent1">
+              <a:shade val="50000"/>
+            </a:schemeClr>
+          </a:lnRef>
+          <a:fillRef idx="1">
+            <a:schemeClr val="accent1"/>
+          </a:fillRef>
+          <a:effectRef idx="0">
+            <a:schemeClr val="accent1"/>
+          </a:effectRef>
+          <a:fontRef idx="minor">
+            <a:schemeClr val="lt1"/>
+          </a:fontRef>
+        </p:style>
+        <p:txBody>
+          <a:bodyPr rtlCol="0" anchor="ctr"/>
+          <a:lstStyle/>
+          <a:p>
+            <a:pPr algn="ctr"/>
+            <a:endParaRPr lang="en-US"/>
+          </a:p>
+        </p:txBody>
+      </p:sp>
+    </p:spTree>
+    <p:extLst>
+      <p:ext uri="{BB962C8B-B14F-4D97-AF65-F5344CB8AC3E}">
+        <p14:creationId xmlns:p14="http://schemas.microsoft.com/office/powerpoint/2010/main" val="4136999629"/>
+      </p:ext>
+    </p:extLst>
+  </p:cSld>
+  <p:clrMapOvr>
+    <a:masterClrMapping/>
+  </p:clrMapOvr>
+</p:sld>
+</file>
+
+<file path=ppt/slides/slide16.xml><?xml version="1.0" encoding="utf-8"?>
+<p:sld xmlns:a="http://schemas.openxmlformats.org/drawingml/2006/main" xmlns:r="http://schemas.openxmlformats.org/officeDocument/2006/relationships" xmlns:p="http://schemas.openxmlformats.org/presentationml/2006/main">
+  <p:cSld>
+    <p:spTree>
+      <p:nvGrpSpPr>
+        <p:cNvPr id="1" name=""/>
+        <p:cNvGrpSpPr/>
+        <p:nvPr/>
+      </p:nvGrpSpPr>
+      <p:grpSpPr>
+        <a:xfrm>
+          <a:off x="0" y="0"/>
+          <a:ext cx="0" cy="0"/>
+          <a:chOff x="0" y="0"/>
+          <a:chExt cx="0" cy="0"/>
+        </a:xfrm>
+      </p:grpSpPr>
+      <p:sp>
+        <p:nvSpPr>
+          <p:cNvPr id="2" name="Title 1">
+            <a:extLst>
+              <a:ext uri="{FF2B5EF4-FFF2-40B4-BE49-F238E27FC236}">
+                <a16:creationId xmlns:a16="http://schemas.microsoft.com/office/drawing/2014/main" id="{1917A588-6B43-4326-8CEE-B31FA8CC4FDB}"/>
+              </a:ext>
+            </a:extLst>
+          </p:cNvPr>
+          <p:cNvSpPr>
+            <a:spLocks noGrp="1"/>
+          </p:cNvSpPr>
+          <p:nvPr>
+            <p:ph type="title"/>
+          </p:nvPr>
+        </p:nvSpPr>
         <p:spPr/>
         <p:txBody>
           <a:bodyPr/>
+          <a:lstStyle/>
+          <a:p>
+            <a:r>
+              <a:rPr lang="en-US" dirty="0"/>
+              <a:t>Climate – Prakash (</a:t>
+            </a:r>
+            <a:r>
+              <a:rPr lang="en-US" dirty="0" err="1"/>
+              <a:t>con’t</a:t>
+            </a:r>
+            <a:r>
+              <a:rPr lang="en-US" dirty="0"/>
+              <a:t>)</a:t>
+            </a:r>
+          </a:p>
+        </p:txBody>
+      </p:sp>
+      <p:sp>
+        <p:nvSpPr>
+          <p:cNvPr id="3" name="Content Placeholder 2">
+            <a:extLst>
+              <a:ext uri="{FF2B5EF4-FFF2-40B4-BE49-F238E27FC236}">
+                <a16:creationId xmlns:a16="http://schemas.microsoft.com/office/drawing/2014/main" id="{F5BE9D4D-949C-4037-9F87-16CDE0EE0466}"/>
+              </a:ext>
+            </a:extLst>
+          </p:cNvPr>
+          <p:cNvSpPr>
+            <a:spLocks noGrp="1"/>
+          </p:cNvSpPr>
+          <p:nvPr>
+            <p:ph idx="1"/>
+          </p:nvPr>
+        </p:nvSpPr>
+        <p:spPr>
+          <a:xfrm>
+            <a:off x="1129147" y="3624501"/>
+            <a:ext cx="2195944" cy="1183795"/>
+          </a:xfrm>
+        </p:spPr>
+        <p:txBody>
+          <a:bodyPr>
+            <a:normAutofit/>
+          </a:bodyPr>
+          <a:lstStyle/>
+          <a:p>
+            <a:r>
+              <a:rPr lang="en-US" sz="1600" dirty="0"/>
+              <a:t>Annual home price by State doesn’t have huge spread like climate’s. </a:t>
+            </a:r>
+            <a:endParaRPr lang="en-US" sz="1600" i="1" dirty="0"/>
+          </a:p>
+        </p:txBody>
+      </p:sp>
+      <p:pic>
+        <p:nvPicPr>
+          <p:cNvPr id="5" name="Picture 4" descr="A close up of a mans face&#10;&#10;Description automatically generated">
+            <a:extLst>
+              <a:ext uri="{FF2B5EF4-FFF2-40B4-BE49-F238E27FC236}">
+                <a16:creationId xmlns:a16="http://schemas.microsoft.com/office/drawing/2014/main" id="{062B4FCC-AECA-4C13-B383-65409235222B}"/>
+              </a:ext>
+            </a:extLst>
+          </p:cNvPr>
+          <p:cNvPicPr>
+            <a:picLocks noChangeAspect="1"/>
+          </p:cNvPicPr>
+          <p:nvPr/>
+        </p:nvPicPr>
+        <p:blipFill>
+          <a:blip r:embed="rId2"/>
+          <a:stretch>
+            <a:fillRect/>
+          </a:stretch>
+        </p:blipFill>
+        <p:spPr>
+          <a:xfrm>
+            <a:off x="3632708" y="2556931"/>
+            <a:ext cx="7744186" cy="3318937"/>
+          </a:xfrm>
+          <a:prstGeom prst="rect">
+            <a:avLst/>
+          </a:prstGeom>
+        </p:spPr>
+      </p:pic>
+    </p:spTree>
+    <p:extLst>
+      <p:ext uri="{BB962C8B-B14F-4D97-AF65-F5344CB8AC3E}">
+        <p14:creationId xmlns:p14="http://schemas.microsoft.com/office/powerpoint/2010/main" val="2698286698"/>
+      </p:ext>
+    </p:extLst>
+  </p:cSld>
+  <p:clrMapOvr>
+    <a:masterClrMapping/>
+  </p:clrMapOvr>
+</p:sld>
+</file>
+
+<file path=ppt/slides/slide17.xml><?xml version="1.0" encoding="utf-8"?>
+<p:sld xmlns:a="http://schemas.openxmlformats.org/drawingml/2006/main" xmlns:r="http://schemas.openxmlformats.org/officeDocument/2006/relationships" xmlns:p="http://schemas.openxmlformats.org/presentationml/2006/main">
+  <p:cSld>
+    <p:spTree>
+      <p:nvGrpSpPr>
+        <p:cNvPr id="1" name=""/>
+        <p:cNvGrpSpPr/>
+        <p:nvPr/>
+      </p:nvGrpSpPr>
+      <p:grpSpPr>
+        <a:xfrm>
+          <a:off x="0" y="0"/>
+          <a:ext cx="0" cy="0"/>
+          <a:chOff x="0" y="0"/>
+          <a:chExt cx="0" cy="0"/>
+        </a:xfrm>
+      </p:grpSpPr>
+      <p:sp>
+        <p:nvSpPr>
+          <p:cNvPr id="2" name="Title 1">
+            <a:extLst>
+              <a:ext uri="{FF2B5EF4-FFF2-40B4-BE49-F238E27FC236}">
+                <a16:creationId xmlns:a16="http://schemas.microsoft.com/office/drawing/2014/main" id="{1917A588-6B43-4326-8CEE-B31FA8CC4FDB}"/>
+              </a:ext>
+            </a:extLst>
+          </p:cNvPr>
+          <p:cNvSpPr>
+            <a:spLocks noGrp="1"/>
+          </p:cNvSpPr>
+          <p:nvPr>
+            <p:ph type="title"/>
+          </p:nvPr>
+        </p:nvSpPr>
+        <p:spPr/>
+        <p:txBody>
+          <a:bodyPr/>
+          <a:lstStyle/>
+          <a:p>
+            <a:r>
+              <a:rPr lang="en-US" dirty="0"/>
+              <a:t>Climate – Prakash (</a:t>
+            </a:r>
+            <a:r>
+              <a:rPr lang="en-US" dirty="0" err="1"/>
+              <a:t>con’t</a:t>
+            </a:r>
+            <a:r>
+              <a:rPr lang="en-US" dirty="0"/>
+              <a:t>)</a:t>
+            </a:r>
+          </a:p>
+        </p:txBody>
+      </p:sp>
+      <p:sp>
+        <p:nvSpPr>
+          <p:cNvPr id="3" name="Content Placeholder 2">
+            <a:extLst>
+              <a:ext uri="{FF2B5EF4-FFF2-40B4-BE49-F238E27FC236}">
+                <a16:creationId xmlns:a16="http://schemas.microsoft.com/office/drawing/2014/main" id="{F5BE9D4D-949C-4037-9F87-16CDE0EE0466}"/>
+              </a:ext>
+            </a:extLst>
+          </p:cNvPr>
+          <p:cNvSpPr>
+            <a:spLocks noGrp="1"/>
+          </p:cNvSpPr>
+          <p:nvPr>
+            <p:ph idx="1"/>
+          </p:nvPr>
+        </p:nvSpPr>
+        <p:spPr>
+          <a:xfrm>
+            <a:off x="1295401" y="2556933"/>
+            <a:ext cx="9601196" cy="1303867"/>
+          </a:xfrm>
+        </p:spPr>
+        <p:txBody>
+          <a:bodyPr>
+            <a:normAutofit fontScale="62500" lnSpcReduction="20000"/>
+          </a:bodyPr>
           <a:lstStyle/>
           <a:p>
             <a:r>
@@ -7099,29 +7482,136 @@
             </a:r>
             <a:r>
               <a:rPr lang="en-US" dirty="0"/>
-              <a:t> preferred state to live in, correlate </a:t>
-            </a:r>
-            <a:r>
-              <a:rPr lang="en-US"/>
-              <a:t>to higher home </a:t>
-            </a:r>
-            <a:r>
-              <a:rPr lang="en-US" dirty="0"/>
-              <a:t>price?</a:t>
-            </a:r>
-          </a:p>
-          <a:p>
+              <a:t> preferred state to live in, correlate to higher home price?</a:t>
+            </a:r>
+            <a:endParaRPr lang="en-US" i="1" dirty="0"/>
+          </a:p>
+          <a:p>
+            <a:pPr lvl="1"/>
             <a:r>
               <a:rPr lang="en-US" i="1" dirty="0"/>
-              <a:t>Write description/ observation and supporting plots (minimum 2) here</a:t>
-            </a:r>
-          </a:p>
-        </p:txBody>
-      </p:sp>
+              <a:t>There’s no obvious correlation for temperature and home price. Thus home prices in higher temperature state isn’t true based on this analysis.</a:t>
+            </a:r>
+          </a:p>
+          <a:p>
+            <a:pPr lvl="1"/>
+            <a:r>
+              <a:rPr lang="en-US" i="1" dirty="0"/>
+              <a:t>Same conclusion for Weighted Sum Analyzed states (see the left plot), the top 20 choice States( in red dots) are almost the same price range as the lower ranked States</a:t>
+            </a:r>
+          </a:p>
+          <a:p>
+            <a:pPr lvl="1"/>
+            <a:r>
+              <a:rPr lang="en-US" i="1" dirty="0"/>
+              <a:t>California came the 1</a:t>
+            </a:r>
+            <a:r>
+              <a:rPr lang="en-US" i="1" baseline="30000" dirty="0"/>
+              <a:t>st</a:t>
+            </a:r>
+            <a:r>
+              <a:rPr lang="en-US" i="1" dirty="0"/>
+              <a:t> in terms of climate (see table)</a:t>
+            </a:r>
+            <a:endParaRPr lang="en-US" dirty="0"/>
+          </a:p>
+        </p:txBody>
+      </p:sp>
+      <p:pic>
+        <p:nvPicPr>
+          <p:cNvPr id="13" name="Picture 12">
+            <a:extLst>
+              <a:ext uri="{FF2B5EF4-FFF2-40B4-BE49-F238E27FC236}">
+                <a16:creationId xmlns:a16="http://schemas.microsoft.com/office/drawing/2014/main" id="{A4045757-FE6B-4FD3-9C1B-E11C2A15257C}"/>
+              </a:ext>
+            </a:extLst>
+          </p:cNvPr>
+          <p:cNvPicPr>
+            <a:picLocks noChangeAspect="1"/>
+          </p:cNvPicPr>
+          <p:nvPr/>
+        </p:nvPicPr>
+        <p:blipFill>
+          <a:blip r:embed="rId2"/>
+          <a:stretch>
+            <a:fillRect/>
+          </a:stretch>
+        </p:blipFill>
+        <p:spPr>
+          <a:xfrm>
+            <a:off x="775852" y="3860800"/>
+            <a:ext cx="5291539" cy="2267803"/>
+          </a:xfrm>
+          <a:prstGeom prst="rect">
+            <a:avLst/>
+          </a:prstGeom>
+        </p:spPr>
+      </p:pic>
+      <p:pic>
+        <p:nvPicPr>
+          <p:cNvPr id="15" name="Picture 14" descr="A picture containing sky&#10;&#10;Description automatically generated">
+            <a:extLst>
+              <a:ext uri="{FF2B5EF4-FFF2-40B4-BE49-F238E27FC236}">
+                <a16:creationId xmlns:a16="http://schemas.microsoft.com/office/drawing/2014/main" id="{81044354-6CB7-4FC8-9A53-29FBAEE31529}"/>
+              </a:ext>
+            </a:extLst>
+          </p:cNvPr>
+          <p:cNvPicPr>
+            <a:picLocks noChangeAspect="1"/>
+          </p:cNvPicPr>
+          <p:nvPr/>
+        </p:nvPicPr>
+        <p:blipFill>
+          <a:blip r:embed="rId3"/>
+          <a:stretch>
+            <a:fillRect/>
+          </a:stretch>
+        </p:blipFill>
+        <p:spPr>
+          <a:xfrm>
+            <a:off x="6124611" y="3860800"/>
+            <a:ext cx="5291543" cy="2267804"/>
+          </a:xfrm>
+          <a:prstGeom prst="rect">
+            <a:avLst/>
+          </a:prstGeom>
+        </p:spPr>
+      </p:pic>
+      <p:pic>
+        <p:nvPicPr>
+          <p:cNvPr id="16" name="Picture 15">
+            <a:extLst>
+              <a:ext uri="{FF2B5EF4-FFF2-40B4-BE49-F238E27FC236}">
+                <a16:creationId xmlns:a16="http://schemas.microsoft.com/office/drawing/2014/main" id="{F7C3ADD3-2F36-4D9D-B803-BCCCA2FB7FBE}"/>
+              </a:ext>
+            </a:extLst>
+          </p:cNvPr>
+          <p:cNvPicPr>
+            <a:picLocks noChangeAspect="1"/>
+          </p:cNvPicPr>
+          <p:nvPr/>
+        </p:nvPicPr>
+        <p:blipFill>
+          <a:blip r:embed="rId4"/>
+          <a:stretch>
+            <a:fillRect/>
+          </a:stretch>
+        </p:blipFill>
+        <p:spPr>
+          <a:xfrm>
+            <a:off x="5648461" y="4131734"/>
+            <a:ext cx="837857" cy="1178040"/>
+          </a:xfrm>
+          <a:prstGeom prst="rect">
+            <a:avLst/>
+          </a:prstGeom>
+        </p:spPr>
+      </p:pic>
     </p:spTree>
     <p:extLst>
       <p:ext uri="{BB962C8B-B14F-4D97-AF65-F5344CB8AC3E}">
-        <p14:creationId xmlns:p14="http://schemas.microsoft.com/office/powerpoint/2010/main" val="4136999629"/>
+        <p14:creationId xmlns:p14="http://schemas.microsoft.com/office/powerpoint/2010/main" val="1615632251"/>
       </p:ext>
     </p:extLst>
   </p:cSld>
@@ -7748,7 +8238,7 @@
           <a:p>
             <a:r>
               <a:rPr lang="en-US" dirty="0"/>
-              <a:t>Supporting Datasets</a:t>
+              <a:t>Supporting 2018 Datasets</a:t>
             </a:r>
           </a:p>
         </p:txBody>
@@ -7767,7 +8257,7 @@
         </p:nvSpPr>
         <p:spPr>
           <a:xfrm>
-            <a:off x="5291503" y="2874670"/>
+            <a:off x="5291503" y="3518101"/>
             <a:ext cx="1608993" cy="1222131"/>
           </a:xfrm>
           <a:prstGeom prst="rect">
@@ -7816,7 +8306,7 @@
         </p:nvSpPr>
         <p:spPr>
           <a:xfrm>
-            <a:off x="7657393" y="2517544"/>
+            <a:off x="7491139" y="2693517"/>
             <a:ext cx="2262549" cy="1222131"/>
           </a:xfrm>
           <a:prstGeom prst="ellipse">
@@ -7865,7 +8355,7 @@
         </p:nvSpPr>
         <p:spPr>
           <a:xfrm>
-            <a:off x="2211253" y="4272246"/>
+            <a:off x="2610514" y="4129166"/>
             <a:ext cx="2262552" cy="1303866"/>
           </a:xfrm>
           <a:prstGeom prst="ellipse">
@@ -7914,7 +8404,7 @@
         </p:nvSpPr>
         <p:spPr>
           <a:xfrm>
-            <a:off x="2211253" y="2522853"/>
+            <a:off x="2473899" y="2693516"/>
             <a:ext cx="2262552" cy="1222131"/>
           </a:xfrm>
           <a:prstGeom prst="ellipse">
@@ -7963,7 +8453,7 @@
         </p:nvSpPr>
         <p:spPr>
           <a:xfrm>
-            <a:off x="7657392" y="4272246"/>
+            <a:off x="7649080" y="4129166"/>
             <a:ext cx="2262549" cy="1222131"/>
           </a:xfrm>
           <a:prstGeom prst="ellipse">
@@ -7995,190 +8485,6 @@
               <a:rPr lang="en-US" dirty="0"/>
               <a:t>Salary</a:t>
             </a:r>
-          </a:p>
-        </p:txBody>
-      </p:sp>
-      <p:sp>
-        <p:nvSpPr>
-          <p:cNvPr id="9" name="Arrow: Right 8">
-            <a:extLst>
-              <a:ext uri="{FF2B5EF4-FFF2-40B4-BE49-F238E27FC236}">
-                <a16:creationId xmlns:a16="http://schemas.microsoft.com/office/drawing/2014/main" id="{B669EA5E-408C-4E0E-8F0B-0E3A3E4AF818}"/>
-              </a:ext>
-            </a:extLst>
-          </p:cNvPr>
-          <p:cNvSpPr/>
-          <p:nvPr/>
-        </p:nvSpPr>
-        <p:spPr>
-          <a:xfrm rot="2105362">
-            <a:off x="4556521" y="3227476"/>
-            <a:ext cx="653560" cy="430822"/>
-          </a:xfrm>
-          <a:prstGeom prst="rightArrow">
-            <a:avLst/>
-          </a:prstGeom>
-        </p:spPr>
-        <p:style>
-          <a:lnRef idx="2">
-            <a:schemeClr val="accent1">
-              <a:shade val="50000"/>
-            </a:schemeClr>
-          </a:lnRef>
-          <a:fillRef idx="1">
-            <a:schemeClr val="accent1"/>
-          </a:fillRef>
-          <a:effectRef idx="0">
-            <a:schemeClr val="accent1"/>
-          </a:effectRef>
-          <a:fontRef idx="minor">
-            <a:schemeClr val="lt1"/>
-          </a:fontRef>
-        </p:style>
-        <p:txBody>
-          <a:bodyPr rtlCol="0" anchor="ctr"/>
-          <a:lstStyle/>
-          <a:p>
-            <a:pPr algn="ctr"/>
-            <a:endParaRPr lang="en-US"/>
-          </a:p>
-        </p:txBody>
-      </p:sp>
-      <p:sp>
-        <p:nvSpPr>
-          <p:cNvPr id="10" name="Arrow: Right 9">
-            <a:extLst>
-              <a:ext uri="{FF2B5EF4-FFF2-40B4-BE49-F238E27FC236}">
-                <a16:creationId xmlns:a16="http://schemas.microsoft.com/office/drawing/2014/main" id="{3268ED5A-38FA-4167-88E1-99E13B3B5A68}"/>
-              </a:ext>
-            </a:extLst>
-          </p:cNvPr>
-          <p:cNvSpPr/>
-          <p:nvPr/>
-        </p:nvSpPr>
-        <p:spPr>
-          <a:xfrm rot="12595974">
-            <a:off x="6979992" y="4171008"/>
-            <a:ext cx="653560" cy="430823"/>
-          </a:xfrm>
-          <a:prstGeom prst="rightArrow">
-            <a:avLst/>
-          </a:prstGeom>
-        </p:spPr>
-        <p:style>
-          <a:lnRef idx="2">
-            <a:schemeClr val="accent1">
-              <a:shade val="50000"/>
-            </a:schemeClr>
-          </a:lnRef>
-          <a:fillRef idx="1">
-            <a:schemeClr val="accent1"/>
-          </a:fillRef>
-          <a:effectRef idx="0">
-            <a:schemeClr val="accent1"/>
-          </a:effectRef>
-          <a:fontRef idx="minor">
-            <a:schemeClr val="lt1"/>
-          </a:fontRef>
-        </p:style>
-        <p:txBody>
-          <a:bodyPr rtlCol="0" anchor="ctr"/>
-          <a:lstStyle/>
-          <a:p>
-            <a:pPr algn="ctr"/>
-            <a:endParaRPr lang="en-US"/>
-          </a:p>
-        </p:txBody>
-      </p:sp>
-      <p:sp>
-        <p:nvSpPr>
-          <p:cNvPr id="11" name="Arrow: Right 10">
-            <a:extLst>
-              <a:ext uri="{FF2B5EF4-FFF2-40B4-BE49-F238E27FC236}">
-                <a16:creationId xmlns:a16="http://schemas.microsoft.com/office/drawing/2014/main" id="{863EC0E5-6E5A-4F45-9B1C-BD342541E908}"/>
-              </a:ext>
-            </a:extLst>
-          </p:cNvPr>
-          <p:cNvSpPr/>
-          <p:nvPr/>
-        </p:nvSpPr>
-        <p:spPr>
-          <a:xfrm rot="18872579">
-            <a:off x="4593516" y="4272601"/>
-            <a:ext cx="653560" cy="430823"/>
-          </a:xfrm>
-          <a:prstGeom prst="rightArrow">
-            <a:avLst/>
-          </a:prstGeom>
-        </p:spPr>
-        <p:style>
-          <a:lnRef idx="2">
-            <a:schemeClr val="accent1">
-              <a:shade val="50000"/>
-            </a:schemeClr>
-          </a:lnRef>
-          <a:fillRef idx="1">
-            <a:schemeClr val="accent1"/>
-          </a:fillRef>
-          <a:effectRef idx="0">
-            <a:schemeClr val="accent1"/>
-          </a:effectRef>
-          <a:fontRef idx="minor">
-            <a:schemeClr val="lt1"/>
-          </a:fontRef>
-        </p:style>
-        <p:txBody>
-          <a:bodyPr rtlCol="0" anchor="ctr"/>
-          <a:lstStyle/>
-          <a:p>
-            <a:pPr algn="ctr"/>
-            <a:endParaRPr lang="en-US"/>
-          </a:p>
-        </p:txBody>
-      </p:sp>
-      <p:sp>
-        <p:nvSpPr>
-          <p:cNvPr id="12" name="Arrow: Right 11">
-            <a:extLst>
-              <a:ext uri="{FF2B5EF4-FFF2-40B4-BE49-F238E27FC236}">
-                <a16:creationId xmlns:a16="http://schemas.microsoft.com/office/drawing/2014/main" id="{E608765A-C816-4FE0-9D92-2BD97FB8C902}"/>
-              </a:ext>
-            </a:extLst>
-          </p:cNvPr>
-          <p:cNvSpPr/>
-          <p:nvPr/>
-        </p:nvSpPr>
-        <p:spPr>
-          <a:xfrm rot="8985750">
-            <a:off x="6945456" y="3173597"/>
-            <a:ext cx="653560" cy="430823"/>
-          </a:xfrm>
-          <a:prstGeom prst="rightArrow">
-            <a:avLst/>
-          </a:prstGeom>
-        </p:spPr>
-        <p:style>
-          <a:lnRef idx="2">
-            <a:schemeClr val="accent1">
-              <a:shade val="50000"/>
-            </a:schemeClr>
-          </a:lnRef>
-          <a:fillRef idx="1">
-            <a:schemeClr val="accent1"/>
-          </a:fillRef>
-          <a:effectRef idx="0">
-            <a:schemeClr val="accent1"/>
-          </a:effectRef>
-          <a:fontRef idx="minor">
-            <a:schemeClr val="lt1"/>
-          </a:fontRef>
-        </p:style>
-        <p:txBody>
-          <a:bodyPr rtlCol="0" anchor="ctr"/>
-          <a:lstStyle/>
-          <a:p>
-            <a:pPr algn="ctr"/>
-            <a:endParaRPr lang="en-US"/>
           </a:p>
         </p:txBody>
       </p:sp>
@@ -8233,10 +8539,10 @@
       </p:sp>
       <p:sp>
         <p:nvSpPr>
-          <p:cNvPr id="14" name="Arrow: Right 13">
+          <p:cNvPr id="15" name="Oval 14">
             <a:extLst>
               <a:ext uri="{FF2B5EF4-FFF2-40B4-BE49-F238E27FC236}">
-                <a16:creationId xmlns:a16="http://schemas.microsoft.com/office/drawing/2014/main" id="{710BA0AC-1A55-4E4B-BAA9-F5E99A8A14DC}"/>
+                <a16:creationId xmlns:a16="http://schemas.microsoft.com/office/drawing/2014/main" id="{76474B55-D896-442F-B02F-1A9226A322EE}"/>
               </a:ext>
             </a:extLst>
           </p:cNvPr>
@@ -8244,11 +8550,290 @@
           <p:nvPr/>
         </p:nvSpPr>
         <p:spPr>
-          <a:xfrm rot="16200000">
-            <a:off x="5832850" y="4343690"/>
-            <a:ext cx="653560" cy="430822"/>
+          <a:xfrm>
+            <a:off x="4934323" y="2028667"/>
+            <a:ext cx="2262552" cy="1222131"/>
           </a:xfrm>
-          <a:prstGeom prst="rightArrow">
+          <a:prstGeom prst="ellipse">
+            <a:avLst/>
+          </a:prstGeom>
+        </p:spPr>
+        <p:style>
+          <a:lnRef idx="2">
+            <a:schemeClr val="accent1">
+              <a:shade val="50000"/>
+            </a:schemeClr>
+          </a:lnRef>
+          <a:fillRef idx="1">
+            <a:schemeClr val="accent1"/>
+          </a:fillRef>
+          <a:effectRef idx="0">
+            <a:schemeClr val="accent1"/>
+          </a:effectRef>
+          <a:fontRef idx="minor">
+            <a:schemeClr val="lt1"/>
+          </a:fontRef>
+        </p:style>
+        <p:txBody>
+          <a:bodyPr rtlCol="0" anchor="ctr"/>
+          <a:lstStyle/>
+          <a:p>
+            <a:pPr algn="ctr"/>
+            <a:r>
+              <a:rPr lang="en-US" dirty="0"/>
+              <a:t>Climate</a:t>
+            </a:r>
+          </a:p>
+        </p:txBody>
+      </p:sp>
+      <p:sp>
+        <p:nvSpPr>
+          <p:cNvPr id="3" name="Arrow: Down 2">
+            <a:extLst>
+              <a:ext uri="{FF2B5EF4-FFF2-40B4-BE49-F238E27FC236}">
+                <a16:creationId xmlns:a16="http://schemas.microsoft.com/office/drawing/2014/main" id="{900C73FB-047C-4A40-AD8B-96ADED6C32D7}"/>
+              </a:ext>
+            </a:extLst>
+          </p:cNvPr>
+          <p:cNvSpPr/>
+          <p:nvPr/>
+        </p:nvSpPr>
+        <p:spPr>
+          <a:xfrm>
+            <a:off x="6004329" y="3246907"/>
+            <a:ext cx="187488" cy="267303"/>
+          </a:xfrm>
+          <a:prstGeom prst="downArrow">
+            <a:avLst/>
+          </a:prstGeom>
+        </p:spPr>
+        <p:style>
+          <a:lnRef idx="2">
+            <a:schemeClr val="accent1">
+              <a:shade val="50000"/>
+            </a:schemeClr>
+          </a:lnRef>
+          <a:fillRef idx="1">
+            <a:schemeClr val="accent1"/>
+          </a:fillRef>
+          <a:effectRef idx="0">
+            <a:schemeClr val="accent1"/>
+          </a:effectRef>
+          <a:fontRef idx="minor">
+            <a:schemeClr val="lt1"/>
+          </a:fontRef>
+        </p:style>
+        <p:txBody>
+          <a:bodyPr rtlCol="0" anchor="ctr"/>
+          <a:lstStyle/>
+          <a:p>
+            <a:pPr algn="ctr"/>
+            <a:endParaRPr lang="en-US"/>
+          </a:p>
+        </p:txBody>
+      </p:sp>
+      <p:sp>
+        <p:nvSpPr>
+          <p:cNvPr id="16" name="Arrow: Down 15">
+            <a:extLst>
+              <a:ext uri="{FF2B5EF4-FFF2-40B4-BE49-F238E27FC236}">
+                <a16:creationId xmlns:a16="http://schemas.microsoft.com/office/drawing/2014/main" id="{D1CF0093-5ECD-469B-A44E-C8939E0EEFCB}"/>
+              </a:ext>
+            </a:extLst>
+          </p:cNvPr>
+          <p:cNvSpPr/>
+          <p:nvPr/>
+        </p:nvSpPr>
+        <p:spPr>
+          <a:xfrm rot="10491732">
+            <a:off x="6005146" y="4740231"/>
+            <a:ext cx="187488" cy="267303"/>
+          </a:xfrm>
+          <a:prstGeom prst="downArrow">
+            <a:avLst/>
+          </a:prstGeom>
+        </p:spPr>
+        <p:style>
+          <a:lnRef idx="2">
+            <a:schemeClr val="accent1">
+              <a:shade val="50000"/>
+            </a:schemeClr>
+          </a:lnRef>
+          <a:fillRef idx="1">
+            <a:schemeClr val="accent1"/>
+          </a:fillRef>
+          <a:effectRef idx="0">
+            <a:schemeClr val="accent1"/>
+          </a:effectRef>
+          <a:fontRef idx="minor">
+            <a:schemeClr val="lt1"/>
+          </a:fontRef>
+        </p:style>
+        <p:txBody>
+          <a:bodyPr rtlCol="0" anchor="ctr"/>
+          <a:lstStyle/>
+          <a:p>
+            <a:pPr algn="ctr"/>
+            <a:endParaRPr lang="en-US"/>
+          </a:p>
+        </p:txBody>
+      </p:sp>
+      <p:sp>
+        <p:nvSpPr>
+          <p:cNvPr id="17" name="Arrow: Down 16">
+            <a:extLst>
+              <a:ext uri="{FF2B5EF4-FFF2-40B4-BE49-F238E27FC236}">
+                <a16:creationId xmlns:a16="http://schemas.microsoft.com/office/drawing/2014/main" id="{FA5A3F07-8233-4F3C-BB58-7449CAF59168}"/>
+              </a:ext>
+            </a:extLst>
+          </p:cNvPr>
+          <p:cNvSpPr/>
+          <p:nvPr/>
+        </p:nvSpPr>
+        <p:spPr>
+          <a:xfrm rot="18038903">
+            <a:off x="4852624" y="3531348"/>
+            <a:ext cx="187488" cy="267303"/>
+          </a:xfrm>
+          <a:prstGeom prst="downArrow">
+            <a:avLst/>
+          </a:prstGeom>
+        </p:spPr>
+        <p:style>
+          <a:lnRef idx="2">
+            <a:schemeClr val="accent1">
+              <a:shade val="50000"/>
+            </a:schemeClr>
+          </a:lnRef>
+          <a:fillRef idx="1">
+            <a:schemeClr val="accent1"/>
+          </a:fillRef>
+          <a:effectRef idx="0">
+            <a:schemeClr val="accent1"/>
+          </a:effectRef>
+          <a:fontRef idx="minor">
+            <a:schemeClr val="lt1"/>
+          </a:fontRef>
+        </p:style>
+        <p:txBody>
+          <a:bodyPr rtlCol="0" anchor="ctr"/>
+          <a:lstStyle/>
+          <a:p>
+            <a:pPr algn="ctr"/>
+            <a:endParaRPr lang="en-US"/>
+          </a:p>
+        </p:txBody>
+      </p:sp>
+      <p:sp>
+        <p:nvSpPr>
+          <p:cNvPr id="18" name="Arrow: Down 17">
+            <a:extLst>
+              <a:ext uri="{FF2B5EF4-FFF2-40B4-BE49-F238E27FC236}">
+                <a16:creationId xmlns:a16="http://schemas.microsoft.com/office/drawing/2014/main" id="{2C53E121-7676-43EB-BCEF-226655D34ECB}"/>
+              </a:ext>
+            </a:extLst>
+          </p:cNvPr>
+          <p:cNvSpPr/>
+          <p:nvPr/>
+        </p:nvSpPr>
+        <p:spPr>
+          <a:xfrm rot="3073007">
+            <a:off x="7168954" y="3531347"/>
+            <a:ext cx="187488" cy="267303"/>
+          </a:xfrm>
+          <a:prstGeom prst="downArrow">
+            <a:avLst/>
+          </a:prstGeom>
+        </p:spPr>
+        <p:style>
+          <a:lnRef idx="2">
+            <a:schemeClr val="accent1">
+              <a:shade val="50000"/>
+            </a:schemeClr>
+          </a:lnRef>
+          <a:fillRef idx="1">
+            <a:schemeClr val="accent1"/>
+          </a:fillRef>
+          <a:effectRef idx="0">
+            <a:schemeClr val="accent1"/>
+          </a:effectRef>
+          <a:fontRef idx="minor">
+            <a:schemeClr val="lt1"/>
+          </a:fontRef>
+        </p:style>
+        <p:txBody>
+          <a:bodyPr rtlCol="0" anchor="ctr"/>
+          <a:lstStyle/>
+          <a:p>
+            <a:pPr algn="ctr"/>
+            <a:endParaRPr lang="en-US"/>
+          </a:p>
+        </p:txBody>
+      </p:sp>
+      <p:sp>
+        <p:nvSpPr>
+          <p:cNvPr id="19" name="Arrow: Down 18">
+            <a:extLst>
+              <a:ext uri="{FF2B5EF4-FFF2-40B4-BE49-F238E27FC236}">
+                <a16:creationId xmlns:a16="http://schemas.microsoft.com/office/drawing/2014/main" id="{3B1A1EF7-00CF-45A1-819E-C401B47DAFDC}"/>
+              </a:ext>
+            </a:extLst>
+          </p:cNvPr>
+          <p:cNvSpPr/>
+          <p:nvPr/>
+        </p:nvSpPr>
+        <p:spPr>
+          <a:xfrm rot="13460410">
+            <a:off x="4934323" y="4465070"/>
+            <a:ext cx="187488" cy="267303"/>
+          </a:xfrm>
+          <a:prstGeom prst="downArrow">
+            <a:avLst/>
+          </a:prstGeom>
+        </p:spPr>
+        <p:style>
+          <a:lnRef idx="2">
+            <a:schemeClr val="accent1">
+              <a:shade val="50000"/>
+            </a:schemeClr>
+          </a:lnRef>
+          <a:fillRef idx="1">
+            <a:schemeClr val="accent1"/>
+          </a:fillRef>
+          <a:effectRef idx="0">
+            <a:schemeClr val="accent1"/>
+          </a:effectRef>
+          <a:fontRef idx="minor">
+            <a:schemeClr val="lt1"/>
+          </a:fontRef>
+        </p:style>
+        <p:txBody>
+          <a:bodyPr rtlCol="0" anchor="ctr"/>
+          <a:lstStyle/>
+          <a:p>
+            <a:pPr algn="ctr"/>
+            <a:endParaRPr lang="en-US"/>
+          </a:p>
+        </p:txBody>
+      </p:sp>
+      <p:sp>
+        <p:nvSpPr>
+          <p:cNvPr id="20" name="Arrow: Down 19">
+            <a:extLst>
+              <a:ext uri="{FF2B5EF4-FFF2-40B4-BE49-F238E27FC236}">
+                <a16:creationId xmlns:a16="http://schemas.microsoft.com/office/drawing/2014/main" id="{99DA2F21-4B74-40D7-B647-6C0A4B1FDF20}"/>
+              </a:ext>
+            </a:extLst>
+          </p:cNvPr>
+          <p:cNvSpPr/>
+          <p:nvPr/>
+        </p:nvSpPr>
+        <p:spPr>
+          <a:xfrm rot="7692649">
+            <a:off x="7230970" y="4491118"/>
+            <a:ext cx="187488" cy="267303"/>
+          </a:xfrm>
+          <a:prstGeom prst="downArrow">
             <a:avLst/>
           </a:prstGeom>
         </p:spPr>

--- a/Working_Presentation.pptx
+++ b/Working_Presentation.pptx
@@ -19,9 +19,9 @@
     <p:sldId id="263" r:id="rId13"/>
     <p:sldId id="265" r:id="rId14"/>
     <p:sldId id="266" r:id="rId15"/>
-    <p:sldId id="267" r:id="rId16"/>
-    <p:sldId id="271" r:id="rId17"/>
-    <p:sldId id="272" r:id="rId18"/>
+    <p:sldId id="272" r:id="rId16"/>
+    <p:sldId id="267" r:id="rId17"/>
+    <p:sldId id="271" r:id="rId18"/>
   </p:sldIdLst>
   <p:sldSz cx="12192000" cy="6858000"/>
   <p:notesSz cx="6858000" cy="9144000"/>
@@ -7084,380 +7084,6 @@
         </p:nvSpPr>
         <p:spPr>
           <a:xfrm>
-            <a:off x="1295400" y="2556932"/>
-            <a:ext cx="9967545" cy="1258192"/>
-          </a:xfrm>
-        </p:spPr>
-        <p:txBody>
-          <a:bodyPr>
-            <a:normAutofit fontScale="70000" lnSpcReduction="20000"/>
-          </a:bodyPr>
-          <a:lstStyle/>
-          <a:p>
-            <a:r>
-              <a:rPr lang="en-US" dirty="0"/>
-              <a:t>Dataset challenges were,</a:t>
-            </a:r>
-          </a:p>
-          <a:p>
-            <a:pPr lvl="1"/>
-            <a:r>
-              <a:rPr lang="en-US" i="1" dirty="0"/>
-              <a:t>Obtaining the 2018 data, hard to find the latest. Mostly were up to 2010 </a:t>
-            </a:r>
-          </a:p>
-          <a:p>
-            <a:pPr lvl="1"/>
-            <a:r>
-              <a:rPr lang="en-US" i="1" dirty="0"/>
-              <a:t>Limited states with climate data for “2018” – refer to Geo Map figure</a:t>
-            </a:r>
-          </a:p>
-          <a:p>
-            <a:pPr lvl="1"/>
-            <a:r>
-              <a:rPr lang="en-US" i="1" dirty="0"/>
-              <a:t>Some states have wider temperature spread – refer to Temperature boxplot </a:t>
-            </a:r>
-          </a:p>
-          <a:p>
-            <a:pPr lvl="1"/>
-            <a:endParaRPr lang="en-US" i="1" dirty="0"/>
-          </a:p>
-          <a:p>
-            <a:pPr lvl="1"/>
-            <a:endParaRPr lang="en-US" i="1" dirty="0"/>
-          </a:p>
-        </p:txBody>
-      </p:sp>
-      <p:pic>
-        <p:nvPicPr>
-          <p:cNvPr id="5" name="Picture 4" descr="A screenshot of a computer&#10;&#10;Description automatically generated">
-            <a:extLst>
-              <a:ext uri="{FF2B5EF4-FFF2-40B4-BE49-F238E27FC236}">
-                <a16:creationId xmlns:a16="http://schemas.microsoft.com/office/drawing/2014/main" id="{79D8BE27-0A75-404F-B08B-8A2E6976194C}"/>
-              </a:ext>
-            </a:extLst>
-          </p:cNvPr>
-          <p:cNvPicPr>
-            <a:picLocks noChangeAspect="1"/>
-          </p:cNvPicPr>
-          <p:nvPr/>
-        </p:nvPicPr>
-        <p:blipFill>
-          <a:blip r:embed="rId2"/>
-          <a:stretch>
-            <a:fillRect/>
-          </a:stretch>
-        </p:blipFill>
-        <p:spPr>
-          <a:xfrm>
-            <a:off x="764929" y="3815124"/>
-            <a:ext cx="5512558" cy="2362525"/>
-          </a:xfrm>
-          <a:prstGeom prst="rect">
-            <a:avLst/>
-          </a:prstGeom>
-        </p:spPr>
-      </p:pic>
-      <p:pic>
-        <p:nvPicPr>
-          <p:cNvPr id="7" name="Picture 6" descr="A picture containing text, map&#10;&#10;Description automatically generated">
-            <a:extLst>
-              <a:ext uri="{FF2B5EF4-FFF2-40B4-BE49-F238E27FC236}">
-                <a16:creationId xmlns:a16="http://schemas.microsoft.com/office/drawing/2014/main" id="{741B7D40-59D5-4388-9ED2-D7BC2EDC9766}"/>
-              </a:ext>
-            </a:extLst>
-          </p:cNvPr>
-          <p:cNvPicPr>
-            <a:picLocks noChangeAspect="1"/>
-          </p:cNvPicPr>
-          <p:nvPr/>
-        </p:nvPicPr>
-        <p:blipFill>
-          <a:blip r:embed="rId3"/>
-          <a:stretch>
-            <a:fillRect/>
-          </a:stretch>
-        </p:blipFill>
-        <p:spPr>
-          <a:xfrm>
-            <a:off x="6277487" y="3815124"/>
-            <a:ext cx="5275707" cy="2273864"/>
-          </a:xfrm>
-          <a:prstGeom prst="rect">
-            <a:avLst/>
-          </a:prstGeom>
-        </p:spPr>
-      </p:pic>
-      <p:sp>
-        <p:nvSpPr>
-          <p:cNvPr id="8" name="Oval 7">
-            <a:extLst>
-              <a:ext uri="{FF2B5EF4-FFF2-40B4-BE49-F238E27FC236}">
-                <a16:creationId xmlns:a16="http://schemas.microsoft.com/office/drawing/2014/main" id="{02B66A99-1F1F-4C8F-BEA2-44D493D521BF}"/>
-              </a:ext>
-            </a:extLst>
-          </p:cNvPr>
-          <p:cNvSpPr/>
-          <p:nvPr/>
-        </p:nvSpPr>
-        <p:spPr>
-          <a:xfrm>
-            <a:off x="1521229" y="4297680"/>
-            <a:ext cx="282633" cy="1138844"/>
-          </a:xfrm>
-          <a:prstGeom prst="ellipse">
-            <a:avLst/>
-          </a:prstGeom>
-          <a:noFill/>
-          <a:ln>
-            <a:solidFill>
-              <a:srgbClr val="FF0000"/>
-            </a:solidFill>
-          </a:ln>
-        </p:spPr>
-        <p:style>
-          <a:lnRef idx="2">
-            <a:schemeClr val="accent1">
-              <a:shade val="50000"/>
-            </a:schemeClr>
-          </a:lnRef>
-          <a:fillRef idx="1">
-            <a:schemeClr val="accent1"/>
-          </a:fillRef>
-          <a:effectRef idx="0">
-            <a:schemeClr val="accent1"/>
-          </a:effectRef>
-          <a:fontRef idx="minor">
-            <a:schemeClr val="lt1"/>
-          </a:fontRef>
-        </p:style>
-        <p:txBody>
-          <a:bodyPr rtlCol="0" anchor="ctr"/>
-          <a:lstStyle/>
-          <a:p>
-            <a:pPr algn="ctr"/>
-            <a:endParaRPr lang="en-US"/>
-          </a:p>
-        </p:txBody>
-      </p:sp>
-    </p:spTree>
-    <p:extLst>
-      <p:ext uri="{BB962C8B-B14F-4D97-AF65-F5344CB8AC3E}">
-        <p14:creationId xmlns:p14="http://schemas.microsoft.com/office/powerpoint/2010/main" val="4136999629"/>
-      </p:ext>
-    </p:extLst>
-  </p:cSld>
-  <p:clrMapOvr>
-    <a:masterClrMapping/>
-  </p:clrMapOvr>
-</p:sld>
-</file>
-
-<file path=ppt/slides/slide16.xml><?xml version="1.0" encoding="utf-8"?>
-<p:sld xmlns:a="http://schemas.openxmlformats.org/drawingml/2006/main" xmlns:r="http://schemas.openxmlformats.org/officeDocument/2006/relationships" xmlns:p="http://schemas.openxmlformats.org/presentationml/2006/main">
-  <p:cSld>
-    <p:spTree>
-      <p:nvGrpSpPr>
-        <p:cNvPr id="1" name=""/>
-        <p:cNvGrpSpPr/>
-        <p:nvPr/>
-      </p:nvGrpSpPr>
-      <p:grpSpPr>
-        <a:xfrm>
-          <a:off x="0" y="0"/>
-          <a:ext cx="0" cy="0"/>
-          <a:chOff x="0" y="0"/>
-          <a:chExt cx="0" cy="0"/>
-        </a:xfrm>
-      </p:grpSpPr>
-      <p:sp>
-        <p:nvSpPr>
-          <p:cNvPr id="2" name="Title 1">
-            <a:extLst>
-              <a:ext uri="{FF2B5EF4-FFF2-40B4-BE49-F238E27FC236}">
-                <a16:creationId xmlns:a16="http://schemas.microsoft.com/office/drawing/2014/main" id="{1917A588-6B43-4326-8CEE-B31FA8CC4FDB}"/>
-              </a:ext>
-            </a:extLst>
-          </p:cNvPr>
-          <p:cNvSpPr>
-            <a:spLocks noGrp="1"/>
-          </p:cNvSpPr>
-          <p:nvPr>
-            <p:ph type="title"/>
-          </p:nvPr>
-        </p:nvSpPr>
-        <p:spPr/>
-        <p:txBody>
-          <a:bodyPr/>
-          <a:lstStyle/>
-          <a:p>
-            <a:r>
-              <a:rPr lang="en-US" dirty="0"/>
-              <a:t>Climate – Prakash (</a:t>
-            </a:r>
-            <a:r>
-              <a:rPr lang="en-US" dirty="0" err="1"/>
-              <a:t>con’t</a:t>
-            </a:r>
-            <a:r>
-              <a:rPr lang="en-US" dirty="0"/>
-              <a:t>)</a:t>
-            </a:r>
-          </a:p>
-        </p:txBody>
-      </p:sp>
-      <p:sp>
-        <p:nvSpPr>
-          <p:cNvPr id="3" name="Content Placeholder 2">
-            <a:extLst>
-              <a:ext uri="{FF2B5EF4-FFF2-40B4-BE49-F238E27FC236}">
-                <a16:creationId xmlns:a16="http://schemas.microsoft.com/office/drawing/2014/main" id="{F5BE9D4D-949C-4037-9F87-16CDE0EE0466}"/>
-              </a:ext>
-            </a:extLst>
-          </p:cNvPr>
-          <p:cNvSpPr>
-            <a:spLocks noGrp="1"/>
-          </p:cNvSpPr>
-          <p:nvPr>
-            <p:ph idx="1"/>
-          </p:nvPr>
-        </p:nvSpPr>
-        <p:spPr>
-          <a:xfrm>
-            <a:off x="1129147" y="3624501"/>
-            <a:ext cx="2195944" cy="1183795"/>
-          </a:xfrm>
-        </p:spPr>
-        <p:txBody>
-          <a:bodyPr>
-            <a:normAutofit/>
-          </a:bodyPr>
-          <a:lstStyle/>
-          <a:p>
-            <a:r>
-              <a:rPr lang="en-US" sz="1600" dirty="0"/>
-              <a:t>Annual home price by State doesn’t have huge spread like climate’s. </a:t>
-            </a:r>
-            <a:endParaRPr lang="en-US" sz="1600" i="1" dirty="0"/>
-          </a:p>
-        </p:txBody>
-      </p:sp>
-      <p:pic>
-        <p:nvPicPr>
-          <p:cNvPr id="5" name="Picture 4" descr="A close up of a mans face&#10;&#10;Description automatically generated">
-            <a:extLst>
-              <a:ext uri="{FF2B5EF4-FFF2-40B4-BE49-F238E27FC236}">
-                <a16:creationId xmlns:a16="http://schemas.microsoft.com/office/drawing/2014/main" id="{062B4FCC-AECA-4C13-B383-65409235222B}"/>
-              </a:ext>
-            </a:extLst>
-          </p:cNvPr>
-          <p:cNvPicPr>
-            <a:picLocks noChangeAspect="1"/>
-          </p:cNvPicPr>
-          <p:nvPr/>
-        </p:nvPicPr>
-        <p:blipFill>
-          <a:blip r:embed="rId2"/>
-          <a:stretch>
-            <a:fillRect/>
-          </a:stretch>
-        </p:blipFill>
-        <p:spPr>
-          <a:xfrm>
-            <a:off x="3632708" y="2556931"/>
-            <a:ext cx="7744186" cy="3318937"/>
-          </a:xfrm>
-          <a:prstGeom prst="rect">
-            <a:avLst/>
-          </a:prstGeom>
-        </p:spPr>
-      </p:pic>
-    </p:spTree>
-    <p:extLst>
-      <p:ext uri="{BB962C8B-B14F-4D97-AF65-F5344CB8AC3E}">
-        <p14:creationId xmlns:p14="http://schemas.microsoft.com/office/powerpoint/2010/main" val="2698286698"/>
-      </p:ext>
-    </p:extLst>
-  </p:cSld>
-  <p:clrMapOvr>
-    <a:masterClrMapping/>
-  </p:clrMapOvr>
-</p:sld>
-</file>
-
-<file path=ppt/slides/slide17.xml><?xml version="1.0" encoding="utf-8"?>
-<p:sld xmlns:a="http://schemas.openxmlformats.org/drawingml/2006/main" xmlns:r="http://schemas.openxmlformats.org/officeDocument/2006/relationships" xmlns:p="http://schemas.openxmlformats.org/presentationml/2006/main">
-  <p:cSld>
-    <p:spTree>
-      <p:nvGrpSpPr>
-        <p:cNvPr id="1" name=""/>
-        <p:cNvGrpSpPr/>
-        <p:nvPr/>
-      </p:nvGrpSpPr>
-      <p:grpSpPr>
-        <a:xfrm>
-          <a:off x="0" y="0"/>
-          <a:ext cx="0" cy="0"/>
-          <a:chOff x="0" y="0"/>
-          <a:chExt cx="0" cy="0"/>
-        </a:xfrm>
-      </p:grpSpPr>
-      <p:sp>
-        <p:nvSpPr>
-          <p:cNvPr id="2" name="Title 1">
-            <a:extLst>
-              <a:ext uri="{FF2B5EF4-FFF2-40B4-BE49-F238E27FC236}">
-                <a16:creationId xmlns:a16="http://schemas.microsoft.com/office/drawing/2014/main" id="{1917A588-6B43-4326-8CEE-B31FA8CC4FDB}"/>
-              </a:ext>
-            </a:extLst>
-          </p:cNvPr>
-          <p:cNvSpPr>
-            <a:spLocks noGrp="1"/>
-          </p:cNvSpPr>
-          <p:nvPr>
-            <p:ph type="title"/>
-          </p:nvPr>
-        </p:nvSpPr>
-        <p:spPr/>
-        <p:txBody>
-          <a:bodyPr/>
-          <a:lstStyle/>
-          <a:p>
-            <a:r>
-              <a:rPr lang="en-US" dirty="0"/>
-              <a:t>Climate – Prakash (</a:t>
-            </a:r>
-            <a:r>
-              <a:rPr lang="en-US" dirty="0" err="1"/>
-              <a:t>con’t</a:t>
-            </a:r>
-            <a:r>
-              <a:rPr lang="en-US" dirty="0"/>
-              <a:t>)</a:t>
-            </a:r>
-          </a:p>
-        </p:txBody>
-      </p:sp>
-      <p:sp>
-        <p:nvSpPr>
-          <p:cNvPr id="3" name="Content Placeholder 2">
-            <a:extLst>
-              <a:ext uri="{FF2B5EF4-FFF2-40B4-BE49-F238E27FC236}">
-                <a16:creationId xmlns:a16="http://schemas.microsoft.com/office/drawing/2014/main" id="{F5BE9D4D-949C-4037-9F87-16CDE0EE0466}"/>
-              </a:ext>
-            </a:extLst>
-          </p:cNvPr>
-          <p:cNvSpPr>
-            <a:spLocks noGrp="1"/>
-          </p:cNvSpPr>
-          <p:nvPr>
-            <p:ph idx="1"/>
-          </p:nvPr>
-        </p:nvSpPr>
-        <p:spPr>
-          <a:xfrm>
             <a:off x="1295401" y="2556933"/>
             <a:ext cx="9601196" cy="1303867"/>
           </a:xfrm>
@@ -7490,7 +7116,19 @@
             <a:pPr lvl="1"/>
             <a:r>
               <a:rPr lang="en-US" i="1" dirty="0"/>
-              <a:t>There’s no obvious correlation for temperature and home price. Thus home prices in higher temperature state isn’t true based on this analysis.</a:t>
+              <a:t>There’s </a:t>
+            </a:r>
+            <a:r>
+              <a:rPr lang="en-US" i="1" dirty="0">
+                <a:solidFill>
+                  <a:srgbClr val="FF0000"/>
+                </a:solidFill>
+              </a:rPr>
+              <a:t>no obvious correlation for temperature and home price</a:t>
+            </a:r>
+            <a:r>
+              <a:rPr lang="en-US" i="1" dirty="0"/>
+              <a:t>. Thus home prices in higher temperature state isn’t true based on this analysis.</a:t>
             </a:r>
           </a:p>
           <a:p>
@@ -7503,18 +7141,34 @@
           <a:p>
             <a:pPr lvl="1"/>
             <a:r>
-              <a:rPr lang="en-US" i="1" dirty="0"/>
+              <a:rPr lang="en-US" i="1" dirty="0">
+                <a:solidFill>
+                  <a:srgbClr val="FF0000"/>
+                </a:solidFill>
+              </a:rPr>
               <a:t>California came the 1</a:t>
             </a:r>
             <a:r>
-              <a:rPr lang="en-US" i="1" baseline="30000" dirty="0"/>
+              <a:rPr lang="en-US" i="1" baseline="30000" dirty="0">
+                <a:solidFill>
+                  <a:srgbClr val="FF0000"/>
+                </a:solidFill>
+              </a:rPr>
               <a:t>st</a:t>
             </a:r>
             <a:r>
-              <a:rPr lang="en-US" i="1" dirty="0"/>
-              <a:t> in terms of climate (see table)</a:t>
-            </a:r>
-            <a:endParaRPr lang="en-US" dirty="0"/>
+              <a:rPr lang="en-US" i="1" dirty="0">
+                <a:solidFill>
+                  <a:srgbClr val="FF0000"/>
+                </a:solidFill>
+              </a:rPr>
+              <a:t> in terms of climate (see table, circled in red)</a:t>
+            </a:r>
+            <a:endParaRPr lang="en-US" dirty="0">
+              <a:solidFill>
+                <a:srgbClr val="FF0000"/>
+              </a:solidFill>
+            </a:endParaRPr>
           </a:p>
         </p:txBody>
       </p:sp>
@@ -7612,6 +7266,420 @@
     <p:extLst>
       <p:ext uri="{BB962C8B-B14F-4D97-AF65-F5344CB8AC3E}">
         <p14:creationId xmlns:p14="http://schemas.microsoft.com/office/powerpoint/2010/main" val="1615632251"/>
+      </p:ext>
+    </p:extLst>
+  </p:cSld>
+  <p:clrMapOvr>
+    <a:masterClrMapping/>
+  </p:clrMapOvr>
+</p:sld>
+</file>
+
+<file path=ppt/slides/slide16.xml><?xml version="1.0" encoding="utf-8"?>
+<p:sld xmlns:a="http://schemas.openxmlformats.org/drawingml/2006/main" xmlns:r="http://schemas.openxmlformats.org/officeDocument/2006/relationships" xmlns:p="http://schemas.openxmlformats.org/presentationml/2006/main">
+  <p:cSld>
+    <p:spTree>
+      <p:nvGrpSpPr>
+        <p:cNvPr id="1" name=""/>
+        <p:cNvGrpSpPr/>
+        <p:nvPr/>
+      </p:nvGrpSpPr>
+      <p:grpSpPr>
+        <a:xfrm>
+          <a:off x="0" y="0"/>
+          <a:ext cx="0" cy="0"/>
+          <a:chOff x="0" y="0"/>
+          <a:chExt cx="0" cy="0"/>
+        </a:xfrm>
+      </p:grpSpPr>
+      <p:sp>
+        <p:nvSpPr>
+          <p:cNvPr id="2" name="Title 1">
+            <a:extLst>
+              <a:ext uri="{FF2B5EF4-FFF2-40B4-BE49-F238E27FC236}">
+                <a16:creationId xmlns:a16="http://schemas.microsoft.com/office/drawing/2014/main" id="{1917A588-6B43-4326-8CEE-B31FA8CC4FDB}"/>
+              </a:ext>
+            </a:extLst>
+          </p:cNvPr>
+          <p:cNvSpPr>
+            <a:spLocks noGrp="1"/>
+          </p:cNvSpPr>
+          <p:nvPr>
+            <p:ph type="title"/>
+          </p:nvPr>
+        </p:nvSpPr>
+        <p:spPr/>
+        <p:txBody>
+          <a:bodyPr/>
+          <a:lstStyle/>
+          <a:p>
+            <a:r>
+              <a:rPr lang="en-US" dirty="0"/>
+              <a:t>Climate – Prakash (</a:t>
+            </a:r>
+            <a:r>
+              <a:rPr lang="en-US" dirty="0" err="1"/>
+              <a:t>con’t</a:t>
+            </a:r>
+            <a:r>
+              <a:rPr lang="en-US" dirty="0"/>
+              <a:t>)</a:t>
+            </a:r>
+          </a:p>
+        </p:txBody>
+      </p:sp>
+      <p:sp>
+        <p:nvSpPr>
+          <p:cNvPr id="3" name="Content Placeholder 2">
+            <a:extLst>
+              <a:ext uri="{FF2B5EF4-FFF2-40B4-BE49-F238E27FC236}">
+                <a16:creationId xmlns:a16="http://schemas.microsoft.com/office/drawing/2014/main" id="{F5BE9D4D-949C-4037-9F87-16CDE0EE0466}"/>
+              </a:ext>
+            </a:extLst>
+          </p:cNvPr>
+          <p:cNvSpPr>
+            <a:spLocks noGrp="1"/>
+          </p:cNvSpPr>
+          <p:nvPr>
+            <p:ph idx="1"/>
+          </p:nvPr>
+        </p:nvSpPr>
+        <p:spPr>
+          <a:xfrm>
+            <a:off x="1295400" y="2556932"/>
+            <a:ext cx="9967545" cy="1258192"/>
+          </a:xfrm>
+        </p:spPr>
+        <p:txBody>
+          <a:bodyPr>
+            <a:normAutofit fontScale="70000" lnSpcReduction="20000"/>
+          </a:bodyPr>
+          <a:lstStyle/>
+          <a:p>
+            <a:r>
+              <a:rPr lang="en-US" dirty="0"/>
+              <a:t>Dataset challenges were,</a:t>
+            </a:r>
+          </a:p>
+          <a:p>
+            <a:pPr lvl="1"/>
+            <a:r>
+              <a:rPr lang="en-US" i="1" dirty="0"/>
+              <a:t>Obtaining the 2018 data, </a:t>
+            </a:r>
+            <a:r>
+              <a:rPr lang="en-US" i="1" dirty="0">
+                <a:solidFill>
+                  <a:srgbClr val="FF0000"/>
+                </a:solidFill>
+              </a:rPr>
+              <a:t>hard to find the latest. Mostly were up to 2010 </a:t>
+            </a:r>
+          </a:p>
+          <a:p>
+            <a:pPr lvl="1"/>
+            <a:r>
+              <a:rPr lang="en-US" i="1" dirty="0">
+                <a:solidFill>
+                  <a:srgbClr val="FF0000"/>
+                </a:solidFill>
+              </a:rPr>
+              <a:t>Limited states </a:t>
+            </a:r>
+            <a:r>
+              <a:rPr lang="en-US" i="1" dirty="0"/>
+              <a:t>with climate data for “2018” – refer to Geo Map figure</a:t>
+            </a:r>
+          </a:p>
+          <a:p>
+            <a:pPr lvl="1"/>
+            <a:r>
+              <a:rPr lang="en-US" i="1" dirty="0"/>
+              <a:t>Some states have </a:t>
+            </a:r>
+            <a:r>
+              <a:rPr lang="en-US" i="1" dirty="0">
+                <a:solidFill>
+                  <a:srgbClr val="FF0000"/>
+                </a:solidFill>
+              </a:rPr>
+              <a:t>wider temperature spread </a:t>
+            </a:r>
+            <a:r>
+              <a:rPr lang="en-US" i="1" dirty="0"/>
+              <a:t>– refer to Temperature boxplot </a:t>
+            </a:r>
+          </a:p>
+          <a:p>
+            <a:pPr lvl="1"/>
+            <a:endParaRPr lang="en-US" i="1" dirty="0"/>
+          </a:p>
+          <a:p>
+            <a:pPr lvl="1"/>
+            <a:endParaRPr lang="en-US" i="1" dirty="0"/>
+          </a:p>
+        </p:txBody>
+      </p:sp>
+      <p:pic>
+        <p:nvPicPr>
+          <p:cNvPr id="5" name="Picture 4" descr="A screenshot of a computer&#10;&#10;Description automatically generated">
+            <a:extLst>
+              <a:ext uri="{FF2B5EF4-FFF2-40B4-BE49-F238E27FC236}">
+                <a16:creationId xmlns:a16="http://schemas.microsoft.com/office/drawing/2014/main" id="{79D8BE27-0A75-404F-B08B-8A2E6976194C}"/>
+              </a:ext>
+            </a:extLst>
+          </p:cNvPr>
+          <p:cNvPicPr>
+            <a:picLocks noChangeAspect="1"/>
+          </p:cNvPicPr>
+          <p:nvPr/>
+        </p:nvPicPr>
+        <p:blipFill>
+          <a:blip r:embed="rId2"/>
+          <a:stretch>
+            <a:fillRect/>
+          </a:stretch>
+        </p:blipFill>
+        <p:spPr>
+          <a:xfrm>
+            <a:off x="764929" y="3815124"/>
+            <a:ext cx="5512558" cy="2362525"/>
+          </a:xfrm>
+          <a:prstGeom prst="rect">
+            <a:avLst/>
+          </a:prstGeom>
+        </p:spPr>
+      </p:pic>
+      <p:pic>
+        <p:nvPicPr>
+          <p:cNvPr id="7" name="Picture 6" descr="A picture containing text, map&#10;&#10;Description automatically generated">
+            <a:extLst>
+              <a:ext uri="{FF2B5EF4-FFF2-40B4-BE49-F238E27FC236}">
+                <a16:creationId xmlns:a16="http://schemas.microsoft.com/office/drawing/2014/main" id="{741B7D40-59D5-4388-9ED2-D7BC2EDC9766}"/>
+              </a:ext>
+            </a:extLst>
+          </p:cNvPr>
+          <p:cNvPicPr>
+            <a:picLocks noChangeAspect="1"/>
+          </p:cNvPicPr>
+          <p:nvPr/>
+        </p:nvPicPr>
+        <p:blipFill>
+          <a:blip r:embed="rId3"/>
+          <a:stretch>
+            <a:fillRect/>
+          </a:stretch>
+        </p:blipFill>
+        <p:spPr>
+          <a:xfrm>
+            <a:off x="6277487" y="3815124"/>
+            <a:ext cx="5275707" cy="2273864"/>
+          </a:xfrm>
+          <a:prstGeom prst="rect">
+            <a:avLst/>
+          </a:prstGeom>
+        </p:spPr>
+      </p:pic>
+      <p:sp>
+        <p:nvSpPr>
+          <p:cNvPr id="8" name="Oval 7">
+            <a:extLst>
+              <a:ext uri="{FF2B5EF4-FFF2-40B4-BE49-F238E27FC236}">
+                <a16:creationId xmlns:a16="http://schemas.microsoft.com/office/drawing/2014/main" id="{02B66A99-1F1F-4C8F-BEA2-44D493D521BF}"/>
+              </a:ext>
+            </a:extLst>
+          </p:cNvPr>
+          <p:cNvSpPr/>
+          <p:nvPr/>
+        </p:nvSpPr>
+        <p:spPr>
+          <a:xfrm>
+            <a:off x="1521229" y="4297680"/>
+            <a:ext cx="282633" cy="1138844"/>
+          </a:xfrm>
+          <a:prstGeom prst="ellipse">
+            <a:avLst/>
+          </a:prstGeom>
+          <a:noFill/>
+          <a:ln>
+            <a:solidFill>
+              <a:srgbClr val="FF0000"/>
+            </a:solidFill>
+          </a:ln>
+        </p:spPr>
+        <p:style>
+          <a:lnRef idx="2">
+            <a:schemeClr val="accent1">
+              <a:shade val="50000"/>
+            </a:schemeClr>
+          </a:lnRef>
+          <a:fillRef idx="1">
+            <a:schemeClr val="accent1"/>
+          </a:fillRef>
+          <a:effectRef idx="0">
+            <a:schemeClr val="accent1"/>
+          </a:effectRef>
+          <a:fontRef idx="minor">
+            <a:schemeClr val="lt1"/>
+          </a:fontRef>
+        </p:style>
+        <p:txBody>
+          <a:bodyPr rtlCol="0" anchor="ctr"/>
+          <a:lstStyle/>
+          <a:p>
+            <a:pPr algn="ctr"/>
+            <a:endParaRPr lang="en-US"/>
+          </a:p>
+        </p:txBody>
+      </p:sp>
+    </p:spTree>
+    <p:extLst>
+      <p:ext uri="{BB962C8B-B14F-4D97-AF65-F5344CB8AC3E}">
+        <p14:creationId xmlns:p14="http://schemas.microsoft.com/office/powerpoint/2010/main" val="4136999629"/>
+      </p:ext>
+    </p:extLst>
+  </p:cSld>
+  <p:clrMapOvr>
+    <a:masterClrMapping/>
+  </p:clrMapOvr>
+</p:sld>
+</file>
+
+<file path=ppt/slides/slide17.xml><?xml version="1.0" encoding="utf-8"?>
+<p:sld xmlns:a="http://schemas.openxmlformats.org/drawingml/2006/main" xmlns:r="http://schemas.openxmlformats.org/officeDocument/2006/relationships" xmlns:p="http://schemas.openxmlformats.org/presentationml/2006/main">
+  <p:cSld>
+    <p:spTree>
+      <p:nvGrpSpPr>
+        <p:cNvPr id="1" name=""/>
+        <p:cNvGrpSpPr/>
+        <p:nvPr/>
+      </p:nvGrpSpPr>
+      <p:grpSpPr>
+        <a:xfrm>
+          <a:off x="0" y="0"/>
+          <a:ext cx="0" cy="0"/>
+          <a:chOff x="0" y="0"/>
+          <a:chExt cx="0" cy="0"/>
+        </a:xfrm>
+      </p:grpSpPr>
+      <p:sp>
+        <p:nvSpPr>
+          <p:cNvPr id="2" name="Title 1">
+            <a:extLst>
+              <a:ext uri="{FF2B5EF4-FFF2-40B4-BE49-F238E27FC236}">
+                <a16:creationId xmlns:a16="http://schemas.microsoft.com/office/drawing/2014/main" id="{1917A588-6B43-4326-8CEE-B31FA8CC4FDB}"/>
+              </a:ext>
+            </a:extLst>
+          </p:cNvPr>
+          <p:cNvSpPr>
+            <a:spLocks noGrp="1"/>
+          </p:cNvSpPr>
+          <p:nvPr>
+            <p:ph type="title"/>
+          </p:nvPr>
+        </p:nvSpPr>
+        <p:spPr/>
+        <p:txBody>
+          <a:bodyPr/>
+          <a:lstStyle/>
+          <a:p>
+            <a:r>
+              <a:rPr lang="en-US" dirty="0"/>
+              <a:t>Climate – Prakash (</a:t>
+            </a:r>
+            <a:r>
+              <a:rPr lang="en-US" dirty="0" err="1"/>
+              <a:t>con’t</a:t>
+            </a:r>
+            <a:r>
+              <a:rPr lang="en-US" dirty="0"/>
+              <a:t>)</a:t>
+            </a:r>
+          </a:p>
+        </p:txBody>
+      </p:sp>
+      <p:sp>
+        <p:nvSpPr>
+          <p:cNvPr id="3" name="Content Placeholder 2">
+            <a:extLst>
+              <a:ext uri="{FF2B5EF4-FFF2-40B4-BE49-F238E27FC236}">
+                <a16:creationId xmlns:a16="http://schemas.microsoft.com/office/drawing/2014/main" id="{F5BE9D4D-949C-4037-9F87-16CDE0EE0466}"/>
+              </a:ext>
+            </a:extLst>
+          </p:cNvPr>
+          <p:cNvSpPr>
+            <a:spLocks noGrp="1"/>
+          </p:cNvSpPr>
+          <p:nvPr>
+            <p:ph idx="1"/>
+          </p:nvPr>
+        </p:nvSpPr>
+        <p:spPr>
+          <a:xfrm>
+            <a:off x="1129147" y="3624501"/>
+            <a:ext cx="2195944" cy="1183795"/>
+          </a:xfrm>
+        </p:spPr>
+        <p:txBody>
+          <a:bodyPr>
+            <a:normAutofit/>
+          </a:bodyPr>
+          <a:lstStyle/>
+          <a:p>
+            <a:r>
+              <a:rPr lang="en-US" sz="1600" dirty="0"/>
+              <a:t>Annual home price by State </a:t>
+            </a:r>
+            <a:r>
+              <a:rPr lang="en-US" sz="1600" dirty="0">
+                <a:solidFill>
+                  <a:srgbClr val="FF0000"/>
+                </a:solidFill>
+              </a:rPr>
+              <a:t>doesn’t have huge spread </a:t>
+            </a:r>
+            <a:r>
+              <a:rPr lang="en-US" sz="1600" dirty="0"/>
+              <a:t>like climate’s. </a:t>
+            </a:r>
+            <a:endParaRPr lang="en-US" sz="1600" i="1" dirty="0"/>
+          </a:p>
+        </p:txBody>
+      </p:sp>
+      <p:pic>
+        <p:nvPicPr>
+          <p:cNvPr id="5" name="Picture 4" descr="A close up of a mans face&#10;&#10;Description automatically generated">
+            <a:extLst>
+              <a:ext uri="{FF2B5EF4-FFF2-40B4-BE49-F238E27FC236}">
+                <a16:creationId xmlns:a16="http://schemas.microsoft.com/office/drawing/2014/main" id="{062B4FCC-AECA-4C13-B383-65409235222B}"/>
+              </a:ext>
+            </a:extLst>
+          </p:cNvPr>
+          <p:cNvPicPr>
+            <a:picLocks noChangeAspect="1"/>
+          </p:cNvPicPr>
+          <p:nvPr/>
+        </p:nvPicPr>
+        <p:blipFill>
+          <a:blip r:embed="rId2"/>
+          <a:stretch>
+            <a:fillRect/>
+          </a:stretch>
+        </p:blipFill>
+        <p:spPr>
+          <a:xfrm>
+            <a:off x="3632708" y="2556931"/>
+            <a:ext cx="7744186" cy="3318937"/>
+          </a:xfrm>
+          <a:prstGeom prst="rect">
+            <a:avLst/>
+          </a:prstGeom>
+        </p:spPr>
+      </p:pic>
+    </p:spTree>
+    <p:extLst>
+      <p:ext uri="{BB962C8B-B14F-4D97-AF65-F5344CB8AC3E}">
+        <p14:creationId xmlns:p14="http://schemas.microsoft.com/office/powerpoint/2010/main" val="2698286698"/>
       </p:ext>
     </p:extLst>
   </p:cSld>

--- a/Working_Presentation.pptx
+++ b/Working_Presentation.pptx
@@ -7,21 +7,29 @@
   <p:sldIdLst>
     <p:sldId id="256" r:id="rId2"/>
     <p:sldId id="270" r:id="rId3"/>
-    <p:sldId id="269" r:id="rId4"/>
-    <p:sldId id="257" r:id="rId5"/>
-    <p:sldId id="268" r:id="rId6"/>
-    <p:sldId id="262" r:id="rId7"/>
+    <p:sldId id="268" r:id="rId4"/>
+    <p:sldId id="269" r:id="rId5"/>
+    <p:sldId id="262" r:id="rId6"/>
+    <p:sldId id="275" r:id="rId7"/>
     <p:sldId id="264" r:id="rId8"/>
     <p:sldId id="259" r:id="rId9"/>
-    <p:sldId id="261" r:id="rId10"/>
-    <p:sldId id="260" r:id="rId11"/>
-    <p:sldId id="258" r:id="rId12"/>
-    <p:sldId id="263" r:id="rId13"/>
-    <p:sldId id="265" r:id="rId14"/>
-    <p:sldId id="266" r:id="rId15"/>
-    <p:sldId id="272" r:id="rId16"/>
-    <p:sldId id="267" r:id="rId17"/>
-    <p:sldId id="271" r:id="rId18"/>
+    <p:sldId id="276" r:id="rId10"/>
+    <p:sldId id="263" r:id="rId11"/>
+    <p:sldId id="265" r:id="rId12"/>
+    <p:sldId id="266" r:id="rId13"/>
+    <p:sldId id="272" r:id="rId14"/>
+    <p:sldId id="274" r:id="rId15"/>
+    <p:sldId id="267" r:id="rId16"/>
+    <p:sldId id="271" r:id="rId17"/>
+    <p:sldId id="273" r:id="rId18"/>
+    <p:sldId id="261" r:id="rId19"/>
+    <p:sldId id="260" r:id="rId20"/>
+    <p:sldId id="258" r:id="rId21"/>
+    <p:sldId id="277" r:id="rId22"/>
+    <p:sldId id="278" r:id="rId23"/>
+    <p:sldId id="282" r:id="rId24"/>
+    <p:sldId id="283" r:id="rId25"/>
+    <p:sldId id="281" r:id="rId26"/>
   </p:sldIdLst>
   <p:sldSz cx="12192000" cy="6858000"/>
   <p:notesSz cx="6858000" cy="9144000"/>
@@ -460,7 +468,7 @@
             <a:fld id="{B61BEF0D-F0BB-DE4B-95CE-6DB70DBA9567}" type="datetimeFigureOut">
               <a:rPr lang="en-US" dirty="0"/>
               <a:pPr/>
-              <a:t>7/8/2019</a:t>
+              <a:t>7/9/2019</a:t>
             </a:fld>
             <a:endParaRPr lang="en-US" dirty="0"/>
           </a:p>
@@ -781,7 +789,7 @@
             <a:fld id="{B61BEF0D-F0BB-DE4B-95CE-6DB70DBA9567}" type="datetimeFigureOut">
               <a:rPr lang="en-US" dirty="0"/>
               <a:pPr/>
-              <a:t>7/8/2019</a:t>
+              <a:t>7/9/2019</a:t>
             </a:fld>
             <a:endParaRPr lang="en-US" dirty="0"/>
           </a:p>
@@ -1026,7 +1034,7 @@
             <a:fld id="{B61BEF0D-F0BB-DE4B-95CE-6DB70DBA9567}" type="datetimeFigureOut">
               <a:rPr lang="en-US" dirty="0"/>
               <a:pPr/>
-              <a:t>7/8/2019</a:t>
+              <a:t>7/9/2019</a:t>
             </a:fld>
             <a:endParaRPr lang="en-US" dirty="0"/>
           </a:p>
@@ -1362,7 +1370,7 @@
             <a:fld id="{B61BEF0D-F0BB-DE4B-95CE-6DB70DBA9567}" type="datetimeFigureOut">
               <a:rPr lang="en-US" dirty="0"/>
               <a:pPr/>
-              <a:t>7/8/2019</a:t>
+              <a:t>7/9/2019</a:t>
             </a:fld>
             <a:endParaRPr lang="en-US" dirty="0"/>
           </a:p>
@@ -1706,7 +1714,7 @@
             <a:fld id="{B61BEF0D-F0BB-DE4B-95CE-6DB70DBA9567}" type="datetimeFigureOut">
               <a:rPr lang="en-US" dirty="0"/>
               <a:pPr/>
-              <a:t>7/8/2019</a:t>
+              <a:t>7/9/2019</a:t>
             </a:fld>
             <a:endParaRPr lang="en-US" dirty="0"/>
           </a:p>
@@ -2077,7 +2085,7 @@
             <a:fld id="{B61BEF0D-F0BB-DE4B-95CE-6DB70DBA9567}" type="datetimeFigureOut">
               <a:rPr lang="en-US" dirty="0"/>
               <a:pPr/>
-              <a:t>7/8/2019</a:t>
+              <a:t>7/9/2019</a:t>
             </a:fld>
             <a:endParaRPr lang="en-US" dirty="0"/>
           </a:p>
@@ -2544,7 +2552,7 @@
             <a:fld id="{B61BEF0D-F0BB-DE4B-95CE-6DB70DBA9567}" type="datetimeFigureOut">
               <a:rPr lang="en-US" dirty="0"/>
               <a:pPr/>
-              <a:t>7/8/2019</a:t>
+              <a:t>7/9/2019</a:t>
             </a:fld>
             <a:endParaRPr lang="en-US" dirty="0"/>
           </a:p>
@@ -2746,7 +2754,7 @@
             <a:fld id="{B61BEF0D-F0BB-DE4B-95CE-6DB70DBA9567}" type="datetimeFigureOut">
               <a:rPr lang="en-US" dirty="0"/>
               <a:pPr/>
-              <a:t>7/8/2019</a:t>
+              <a:t>7/9/2019</a:t>
             </a:fld>
             <a:endParaRPr lang="en-US" dirty="0"/>
           </a:p>
@@ -2954,7 +2962,7 @@
             <a:fld id="{B61BEF0D-F0BB-DE4B-95CE-6DB70DBA9567}" type="datetimeFigureOut">
               <a:rPr lang="en-US" dirty="0"/>
               <a:pPr/>
-              <a:t>7/8/2019</a:t>
+              <a:t>7/9/2019</a:t>
             </a:fld>
             <a:endParaRPr lang="en-US" dirty="0"/>
           </a:p>
@@ -3182,7 +3190,7 @@
           <a:p>
             <a:fld id="{52647F38-B617-4D2F-AE0A-013F0C4D2C57}" type="datetimeFigureOut">
               <a:rPr lang="en-US" dirty="0"/>
-              <a:t>7/8/2019</a:t>
+              <a:t>7/9/2019</a:t>
             </a:fld>
             <a:endParaRPr lang="en-US" dirty="0"/>
           </a:p>
@@ -3426,7 +3434,7 @@
             <a:fld id="{B61BEF0D-F0BB-DE4B-95CE-6DB70DBA9567}" type="datetimeFigureOut">
               <a:rPr lang="en-US" dirty="0"/>
               <a:pPr/>
-              <a:t>7/8/2019</a:t>
+              <a:t>7/9/2019</a:t>
             </a:fld>
             <a:endParaRPr lang="en-US" dirty="0"/>
           </a:p>
@@ -3720,7 +3728,7 @@
           <a:p>
             <a:fld id="{05BFA754-D5C3-4E66-96A6-867B257F58DC}" type="datetimeFigureOut">
               <a:rPr lang="en-US" dirty="0"/>
-              <a:t>7/8/2019</a:t>
+              <a:t>7/9/2019</a:t>
             </a:fld>
             <a:endParaRPr lang="en-US" dirty="0"/>
           </a:p>
@@ -4110,7 +4118,7 @@
             <a:fld id="{B61BEF0D-F0BB-DE4B-95CE-6DB70DBA9567}" type="datetimeFigureOut">
               <a:rPr lang="en-US" dirty="0"/>
               <a:pPr/>
-              <a:t>7/8/2019</a:t>
+              <a:t>7/9/2019</a:t>
             </a:fld>
             <a:endParaRPr lang="en-US" dirty="0"/>
           </a:p>
@@ -4256,7 +4264,7 @@
             <a:fld id="{B61BEF0D-F0BB-DE4B-95CE-6DB70DBA9567}" type="datetimeFigureOut">
               <a:rPr lang="en-US" dirty="0"/>
               <a:pPr/>
-              <a:t>7/8/2019</a:t>
+              <a:t>7/9/2019</a:t>
             </a:fld>
             <a:endParaRPr lang="en-US" dirty="0"/>
           </a:p>
@@ -4379,7 +4387,7 @@
             <a:fld id="{B61BEF0D-F0BB-DE4B-95CE-6DB70DBA9567}" type="datetimeFigureOut">
               <a:rPr lang="en-US" dirty="0"/>
               <a:pPr/>
-              <a:t>7/8/2019</a:t>
+              <a:t>7/9/2019</a:t>
             </a:fld>
             <a:endParaRPr lang="en-US" dirty="0"/>
           </a:p>
@@ -4631,7 +4639,7 @@
             <a:fld id="{B61BEF0D-F0BB-DE4B-95CE-6DB70DBA9567}" type="datetimeFigureOut">
               <a:rPr lang="en-US" dirty="0"/>
               <a:pPr/>
-              <a:t>7/8/2019</a:t>
+              <a:t>7/9/2019</a:t>
             </a:fld>
             <a:endParaRPr lang="en-US" dirty="0"/>
           </a:p>
@@ -4943,7 +4951,7 @@
             <a:fld id="{B61BEF0D-F0BB-DE4B-95CE-6DB70DBA9567}" type="datetimeFigureOut">
               <a:rPr lang="en-US" dirty="0"/>
               <a:pPr/>
-              <a:t>7/8/2019</a:t>
+              <a:t>7/9/2019</a:t>
             </a:fld>
             <a:endParaRPr lang="en-US" dirty="0"/>
           </a:p>
@@ -5291,7 +5299,7 @@
             <a:fld id="{B61BEF0D-F0BB-DE4B-95CE-6DB70DBA9567}" type="datetimeFigureOut">
               <a:rPr lang="en-US" dirty="0"/>
               <a:pPr/>
-              <a:t>7/8/2019</a:t>
+              <a:t>7/9/2019</a:t>
             </a:fld>
             <a:endParaRPr lang="en-US" dirty="0"/>
           </a:p>
@@ -5853,7 +5861,7 @@
           <a:p>
             <a:r>
               <a:rPr lang="en-US" sz="4000" dirty="0"/>
-              <a:t>The IQ’s 2018 Best State To Live In For Employee</a:t>
+              <a:t>The IQ’s 2018 Best State Employee To Live</a:t>
             </a:r>
           </a:p>
         </p:txBody>
@@ -5874,7 +5882,12 @@
             <p:ph type="subTitle" idx="1"/>
           </p:nvPr>
         </p:nvSpPr>
-        <p:spPr/>
+        <p:spPr>
+          <a:xfrm>
+            <a:off x="2688165" y="3604843"/>
+            <a:ext cx="6815669" cy="1320802"/>
+          </a:xfrm>
+        </p:spPr>
         <p:txBody>
           <a:bodyPr/>
           <a:lstStyle/>
@@ -5947,8 +5960,13 @@
           <a:p>
             <a:r>
               <a:rPr lang="en-US" dirty="0"/>
-              <a:t>Coding Rules</a:t>
-            </a:r>
+              <a:t>State Tax &amp; Living Cost - </a:t>
+            </a:r>
+            <a:r>
+              <a:rPr lang="en-US" dirty="0" err="1"/>
+              <a:t>Bahar</a:t>
+            </a:r>
+            <a:endParaRPr lang="en-US" dirty="0"/>
           </a:p>
         </p:txBody>
       </p:sp>
@@ -5970,81 +5988,44 @@
         </p:nvSpPr>
         <p:spPr/>
         <p:txBody>
-          <a:bodyPr>
-            <a:normAutofit fontScale="92500" lnSpcReduction="10000"/>
-          </a:bodyPr>
-          <a:lstStyle/>
-          <a:p>
-            <a:r>
-              <a:rPr lang="en-US" dirty="0"/>
-              <a:t>Upload scripts to Script folder</a:t>
-            </a:r>
-          </a:p>
-          <a:p>
-            <a:r>
-              <a:rPr lang="en-US" dirty="0"/>
-              <a:t>Label/ Comment on every code line to help other understand quickly. Explain briefly if needed</a:t>
-            </a:r>
-          </a:p>
-          <a:p>
-            <a:r>
-              <a:rPr lang="en-US" dirty="0"/>
-              <a:t>Label plot(s) well with legend, title and axes</a:t>
-            </a:r>
-          </a:p>
-          <a:p>
-            <a:r>
-              <a:rPr lang="en-US" dirty="0"/>
-              <a:t>Append _</a:t>
-            </a:r>
-            <a:r>
-              <a:rPr lang="en-US" dirty="0" err="1"/>
-              <a:t>lst</a:t>
-            </a:r>
-            <a:r>
-              <a:rPr lang="en-US" dirty="0"/>
-              <a:t>, _df and </a:t>
-            </a:r>
-            <a:r>
-              <a:rPr lang="en-US" dirty="0" err="1"/>
-              <a:t>etc</a:t>
-            </a:r>
-            <a:r>
-              <a:rPr lang="en-US" dirty="0"/>
-              <a:t> when defining lists, dictionaries, data frames. E.g. </a:t>
-            </a:r>
-            <a:r>
-              <a:rPr lang="en-US" dirty="0" err="1"/>
-              <a:t>mylist_lst</a:t>
-            </a:r>
-            <a:r>
-              <a:rPr lang="en-US" dirty="0"/>
-              <a:t>, </a:t>
-            </a:r>
-            <a:r>
-              <a:rPr lang="en-US" dirty="0" err="1"/>
-              <a:t>myplot_plt</a:t>
-            </a:r>
-            <a:endParaRPr lang="en-US" dirty="0"/>
-          </a:p>
-          <a:p>
-            <a:r>
-              <a:rPr lang="en-US" dirty="0"/>
-              <a:t>Backup files locally prior to modification for retrieval</a:t>
-            </a:r>
-          </a:p>
-          <a:p>
-            <a:r>
-              <a:rPr lang="en-US" dirty="0"/>
-              <a:t>Attempt to solve 1</a:t>
-            </a:r>
-            <a:r>
-              <a:rPr lang="en-US" baseline="30000" dirty="0"/>
-              <a:t>st</a:t>
-            </a:r>
-            <a:r>
-              <a:rPr lang="en-US" dirty="0"/>
-              <a:t> by yourself, if help needed, slack out</a:t>
+          <a:bodyPr/>
+          <a:lstStyle/>
+          <a:p>
+            <a:r>
+              <a:rPr lang="en-US" dirty="0"/>
+              <a:t>Which state is startup business friendly (low tax)? – </a:t>
+            </a:r>
+            <a:r>
+              <a:rPr lang="en-US" dirty="0">
+                <a:solidFill>
+                  <a:srgbClr val="FF0000"/>
+                </a:solidFill>
+              </a:rPr>
+              <a:t>Tax rate and living cost (housing).</a:t>
+            </a:r>
+          </a:p>
+          <a:p>
+            <a:r>
+              <a:rPr lang="en-US" dirty="0"/>
+              <a:t>Which state with low </a:t>
+            </a:r>
+            <a:r>
+              <a:rPr lang="en-US" dirty="0">
+                <a:solidFill>
+                  <a:srgbClr val="FF0000"/>
+                </a:solidFill>
+              </a:rPr>
+              <a:t>tax rate</a:t>
+            </a:r>
+            <a:r>
+              <a:rPr lang="en-US" dirty="0"/>
+              <a:t>, attracts employee?</a:t>
+            </a:r>
+          </a:p>
+          <a:p>
+            <a:r>
+              <a:rPr lang="en-US" i="1" dirty="0"/>
+              <a:t>Write description/ observation and supporting plots (minimum 2) here</a:t>
             </a:r>
           </a:p>
         </p:txBody>
@@ -6052,7 +6033,7 @@
     </p:spTree>
     <p:extLst>
       <p:ext uri="{BB962C8B-B14F-4D97-AF65-F5344CB8AC3E}">
-        <p14:creationId xmlns:p14="http://schemas.microsoft.com/office/powerpoint/2010/main" val="2409190503"/>
+        <p14:creationId xmlns:p14="http://schemas.microsoft.com/office/powerpoint/2010/main" val="1207226246"/>
       </p:ext>
     </p:extLst>
   </p:cSld>
@@ -6102,6 +6083,1545 @@
           <a:p>
             <a:r>
               <a:rPr lang="en-US" dirty="0"/>
+              <a:t>Unemployment &amp; Crime Rate - Catherine</a:t>
+            </a:r>
+          </a:p>
+        </p:txBody>
+      </p:sp>
+      <p:sp>
+        <p:nvSpPr>
+          <p:cNvPr id="3" name="Content Placeholder 2">
+            <a:extLst>
+              <a:ext uri="{FF2B5EF4-FFF2-40B4-BE49-F238E27FC236}">
+                <a16:creationId xmlns:a16="http://schemas.microsoft.com/office/drawing/2014/main" id="{F5BE9D4D-949C-4037-9F87-16CDE0EE0466}"/>
+              </a:ext>
+            </a:extLst>
+          </p:cNvPr>
+          <p:cNvSpPr>
+            <a:spLocks noGrp="1"/>
+          </p:cNvSpPr>
+          <p:nvPr>
+            <p:ph idx="1"/>
+          </p:nvPr>
+        </p:nvSpPr>
+        <p:spPr/>
+        <p:txBody>
+          <a:bodyPr/>
+          <a:lstStyle/>
+          <a:p>
+            <a:r>
+              <a:rPr lang="en-US" dirty="0"/>
+              <a:t>Lower </a:t>
+            </a:r>
+            <a:r>
+              <a:rPr lang="en-US" dirty="0">
+                <a:solidFill>
+                  <a:srgbClr val="FF0000"/>
+                </a:solidFill>
+              </a:rPr>
+              <a:t>unemployment</a:t>
+            </a:r>
+            <a:r>
+              <a:rPr lang="en-US" dirty="0"/>
+              <a:t> correlated to </a:t>
+            </a:r>
+            <a:r>
+              <a:rPr lang="en-US" dirty="0">
+                <a:solidFill>
+                  <a:srgbClr val="FF0000"/>
+                </a:solidFill>
+              </a:rPr>
+              <a:t>crime rate</a:t>
+            </a:r>
+            <a:r>
+              <a:rPr lang="en-US" dirty="0"/>
+              <a:t>?</a:t>
+            </a:r>
+          </a:p>
+          <a:p>
+            <a:r>
+              <a:rPr lang="en-US" i="1" dirty="0"/>
+              <a:t>Write description/ observation and supporting plots (minimum 2) here</a:t>
+            </a:r>
+          </a:p>
+        </p:txBody>
+      </p:sp>
+    </p:spTree>
+    <p:extLst>
+      <p:ext uri="{BB962C8B-B14F-4D97-AF65-F5344CB8AC3E}">
+        <p14:creationId xmlns:p14="http://schemas.microsoft.com/office/powerpoint/2010/main" val="4121259519"/>
+      </p:ext>
+    </p:extLst>
+  </p:cSld>
+  <p:clrMapOvr>
+    <a:masterClrMapping/>
+  </p:clrMapOvr>
+</p:sld>
+</file>
+
+<file path=ppt/slides/slide12.xml><?xml version="1.0" encoding="utf-8"?>
+<p:sld xmlns:a="http://schemas.openxmlformats.org/drawingml/2006/main" xmlns:r="http://schemas.openxmlformats.org/officeDocument/2006/relationships" xmlns:p="http://schemas.openxmlformats.org/presentationml/2006/main">
+  <p:cSld>
+    <p:spTree>
+      <p:nvGrpSpPr>
+        <p:cNvPr id="1" name=""/>
+        <p:cNvGrpSpPr/>
+        <p:nvPr/>
+      </p:nvGrpSpPr>
+      <p:grpSpPr>
+        <a:xfrm>
+          <a:off x="0" y="0"/>
+          <a:ext cx="0" cy="0"/>
+          <a:chOff x="0" y="0"/>
+          <a:chExt cx="0" cy="0"/>
+        </a:xfrm>
+      </p:grpSpPr>
+      <p:sp>
+        <p:nvSpPr>
+          <p:cNvPr id="2" name="Title 1">
+            <a:extLst>
+              <a:ext uri="{FF2B5EF4-FFF2-40B4-BE49-F238E27FC236}">
+                <a16:creationId xmlns:a16="http://schemas.microsoft.com/office/drawing/2014/main" id="{1917A588-6B43-4326-8CEE-B31FA8CC4FDB}"/>
+              </a:ext>
+            </a:extLst>
+          </p:cNvPr>
+          <p:cNvSpPr>
+            <a:spLocks noGrp="1"/>
+          </p:cNvSpPr>
+          <p:nvPr>
+            <p:ph type="title"/>
+          </p:nvPr>
+        </p:nvSpPr>
+        <p:spPr/>
+        <p:txBody>
+          <a:bodyPr/>
+          <a:lstStyle/>
+          <a:p>
+            <a:r>
+              <a:rPr lang="en-US" dirty="0"/>
+              <a:t>Salary - Molly</a:t>
+            </a:r>
+          </a:p>
+        </p:txBody>
+      </p:sp>
+      <p:sp>
+        <p:nvSpPr>
+          <p:cNvPr id="3" name="Content Placeholder 2">
+            <a:extLst>
+              <a:ext uri="{FF2B5EF4-FFF2-40B4-BE49-F238E27FC236}">
+                <a16:creationId xmlns:a16="http://schemas.microsoft.com/office/drawing/2014/main" id="{F5BE9D4D-949C-4037-9F87-16CDE0EE0466}"/>
+              </a:ext>
+            </a:extLst>
+          </p:cNvPr>
+          <p:cNvSpPr>
+            <a:spLocks noGrp="1"/>
+          </p:cNvSpPr>
+          <p:nvPr>
+            <p:ph idx="1"/>
+          </p:nvPr>
+        </p:nvSpPr>
+        <p:spPr/>
+        <p:txBody>
+          <a:bodyPr/>
+          <a:lstStyle/>
+          <a:p>
+            <a:r>
+              <a:rPr lang="en-US" dirty="0"/>
+              <a:t>Higher </a:t>
+            </a:r>
+            <a:r>
+              <a:rPr lang="en-US" dirty="0">
+                <a:solidFill>
+                  <a:srgbClr val="FF0000"/>
+                </a:solidFill>
+              </a:rPr>
+              <a:t>salary</a:t>
+            </a:r>
+            <a:r>
+              <a:rPr lang="en-US" dirty="0"/>
+              <a:t> states are the preferred ones?</a:t>
+            </a:r>
+          </a:p>
+          <a:p>
+            <a:r>
+              <a:rPr lang="en-US" i="1" dirty="0"/>
+              <a:t>Write description/ observation and supporting plots (minimum 2) here</a:t>
+            </a:r>
+          </a:p>
+        </p:txBody>
+      </p:sp>
+    </p:spTree>
+    <p:extLst>
+      <p:ext uri="{BB962C8B-B14F-4D97-AF65-F5344CB8AC3E}">
+        <p14:creationId xmlns:p14="http://schemas.microsoft.com/office/powerpoint/2010/main" val="1530488418"/>
+      </p:ext>
+    </p:extLst>
+  </p:cSld>
+  <p:clrMapOvr>
+    <a:masterClrMapping/>
+  </p:clrMapOvr>
+</p:sld>
+</file>
+
+<file path=ppt/slides/slide13.xml><?xml version="1.0" encoding="utf-8"?>
+<p:sld xmlns:a="http://schemas.openxmlformats.org/drawingml/2006/main" xmlns:r="http://schemas.openxmlformats.org/officeDocument/2006/relationships" xmlns:p="http://schemas.openxmlformats.org/presentationml/2006/main">
+  <p:cSld>
+    <p:spTree>
+      <p:nvGrpSpPr>
+        <p:cNvPr id="1" name=""/>
+        <p:cNvGrpSpPr/>
+        <p:nvPr/>
+      </p:nvGrpSpPr>
+      <p:grpSpPr>
+        <a:xfrm>
+          <a:off x="0" y="0"/>
+          <a:ext cx="0" cy="0"/>
+          <a:chOff x="0" y="0"/>
+          <a:chExt cx="0" cy="0"/>
+        </a:xfrm>
+      </p:grpSpPr>
+      <p:pic>
+        <p:nvPicPr>
+          <p:cNvPr id="10" name="Picture 9">
+            <a:extLst>
+              <a:ext uri="{FF2B5EF4-FFF2-40B4-BE49-F238E27FC236}">
+                <a16:creationId xmlns:a16="http://schemas.microsoft.com/office/drawing/2014/main" id="{4397B36A-977F-47E8-AF24-E16CDB740730}"/>
+              </a:ext>
+            </a:extLst>
+          </p:cNvPr>
+          <p:cNvPicPr>
+            <a:picLocks noChangeAspect="1"/>
+          </p:cNvPicPr>
+          <p:nvPr/>
+        </p:nvPicPr>
+        <p:blipFill>
+          <a:blip r:embed="rId2"/>
+          <a:stretch>
+            <a:fillRect/>
+          </a:stretch>
+        </p:blipFill>
+        <p:spPr>
+          <a:xfrm>
+            <a:off x="3686908" y="2545862"/>
+            <a:ext cx="7760675" cy="3326003"/>
+          </a:xfrm>
+          <a:prstGeom prst="rect">
+            <a:avLst/>
+          </a:prstGeom>
+        </p:spPr>
+      </p:pic>
+      <p:sp>
+        <p:nvSpPr>
+          <p:cNvPr id="2" name="Title 1">
+            <a:extLst>
+              <a:ext uri="{FF2B5EF4-FFF2-40B4-BE49-F238E27FC236}">
+                <a16:creationId xmlns:a16="http://schemas.microsoft.com/office/drawing/2014/main" id="{1917A588-6B43-4326-8CEE-B31FA8CC4FDB}"/>
+              </a:ext>
+            </a:extLst>
+          </p:cNvPr>
+          <p:cNvSpPr>
+            <a:spLocks noGrp="1"/>
+          </p:cNvSpPr>
+          <p:nvPr>
+            <p:ph type="title"/>
+          </p:nvPr>
+        </p:nvSpPr>
+        <p:spPr/>
+        <p:txBody>
+          <a:bodyPr/>
+          <a:lstStyle/>
+          <a:p>
+            <a:r>
+              <a:rPr lang="en-US" dirty="0"/>
+              <a:t>Climate – Prakash</a:t>
+            </a:r>
+          </a:p>
+        </p:txBody>
+      </p:sp>
+      <p:sp>
+        <p:nvSpPr>
+          <p:cNvPr id="3" name="Content Placeholder 2">
+            <a:extLst>
+              <a:ext uri="{FF2B5EF4-FFF2-40B4-BE49-F238E27FC236}">
+                <a16:creationId xmlns:a16="http://schemas.microsoft.com/office/drawing/2014/main" id="{F5BE9D4D-949C-4037-9F87-16CDE0EE0466}"/>
+              </a:ext>
+            </a:extLst>
+          </p:cNvPr>
+          <p:cNvSpPr>
+            <a:spLocks noGrp="1"/>
+          </p:cNvSpPr>
+          <p:nvPr>
+            <p:ph idx="1"/>
+          </p:nvPr>
+        </p:nvSpPr>
+        <p:spPr>
+          <a:xfrm>
+            <a:off x="919567" y="2545862"/>
+            <a:ext cx="2711656" cy="3231988"/>
+          </a:xfrm>
+        </p:spPr>
+        <p:txBody>
+          <a:bodyPr>
+            <a:normAutofit fontScale="70000" lnSpcReduction="20000"/>
+          </a:bodyPr>
+          <a:lstStyle/>
+          <a:p>
+            <a:r>
+              <a:rPr lang="en-US" dirty="0"/>
+              <a:t>Warmer </a:t>
+            </a:r>
+            <a:r>
+              <a:rPr lang="en-US" dirty="0">
+                <a:solidFill>
+                  <a:srgbClr val="FF0000"/>
+                </a:solidFill>
+              </a:rPr>
+              <a:t>climate</a:t>
+            </a:r>
+            <a:r>
+              <a:rPr lang="en-US" dirty="0"/>
+              <a:t> preferred state to live in, correlate to higher home price?</a:t>
+            </a:r>
+            <a:endParaRPr lang="en-US" i="1" dirty="0"/>
+          </a:p>
+          <a:p>
+            <a:pPr lvl="1"/>
+            <a:r>
+              <a:rPr lang="en-US" i="1" dirty="0"/>
+              <a:t>There’s </a:t>
+            </a:r>
+            <a:r>
+              <a:rPr lang="en-US" i="1" dirty="0">
+                <a:solidFill>
+                  <a:srgbClr val="FF0000"/>
+                </a:solidFill>
+              </a:rPr>
+              <a:t>no obvious correlation for temperature and home price</a:t>
+            </a:r>
+            <a:r>
+              <a:rPr lang="en-US" i="1" dirty="0"/>
+              <a:t>. Thus home prices in higher temperature state isn’t true based on this analysis.</a:t>
+            </a:r>
+          </a:p>
+          <a:p>
+            <a:pPr lvl="1"/>
+            <a:r>
+              <a:rPr lang="en-US" i="1" dirty="0"/>
+              <a:t>Same conclusion for Weighted Sum Analyzed states (see the left plot), the top 20 choice States( in red dots) are almost the same price range as the lower ranked States</a:t>
+            </a:r>
+          </a:p>
+        </p:txBody>
+      </p:sp>
+      <p:sp>
+        <p:nvSpPr>
+          <p:cNvPr id="6" name="TextBox 5">
+            <a:extLst>
+              <a:ext uri="{FF2B5EF4-FFF2-40B4-BE49-F238E27FC236}">
+                <a16:creationId xmlns:a16="http://schemas.microsoft.com/office/drawing/2014/main" id="{77662F7F-6ED5-4E7D-9A18-CBD345E36F52}"/>
+              </a:ext>
+            </a:extLst>
+          </p:cNvPr>
+          <p:cNvSpPr txBox="1"/>
+          <p:nvPr/>
+        </p:nvSpPr>
+        <p:spPr>
+          <a:xfrm>
+            <a:off x="7567245" y="4668014"/>
+            <a:ext cx="2080313" cy="369332"/>
+          </a:xfrm>
+          <a:prstGeom prst="rect">
+            <a:avLst/>
+          </a:prstGeom>
+          <a:noFill/>
+        </p:spPr>
+        <p:txBody>
+          <a:bodyPr wrap="none" rtlCol="0">
+            <a:spAutoFit/>
+          </a:bodyPr>
+          <a:lstStyle/>
+          <a:p>
+            <a:r>
+              <a:rPr lang="en-US" dirty="0">
+                <a:solidFill>
+                  <a:srgbClr val="00B050"/>
+                </a:solidFill>
+              </a:rPr>
+              <a:t>Top 20 States Region</a:t>
+            </a:r>
+          </a:p>
+        </p:txBody>
+      </p:sp>
+      <p:sp>
+        <p:nvSpPr>
+          <p:cNvPr id="9" name="TextBox 8">
+            <a:extLst>
+              <a:ext uri="{FF2B5EF4-FFF2-40B4-BE49-F238E27FC236}">
+                <a16:creationId xmlns:a16="http://schemas.microsoft.com/office/drawing/2014/main" id="{B3274C1F-D9FC-4E18-9C0D-6FE21C296C2A}"/>
+              </a:ext>
+            </a:extLst>
+          </p:cNvPr>
+          <p:cNvSpPr txBox="1"/>
+          <p:nvPr/>
+        </p:nvSpPr>
+        <p:spPr>
+          <a:xfrm>
+            <a:off x="7445892" y="3663811"/>
+            <a:ext cx="2394886" cy="369332"/>
+          </a:xfrm>
+          <a:prstGeom prst="rect">
+            <a:avLst/>
+          </a:prstGeom>
+          <a:noFill/>
+        </p:spPr>
+        <p:txBody>
+          <a:bodyPr wrap="none" rtlCol="0">
+            <a:spAutoFit/>
+          </a:bodyPr>
+          <a:lstStyle/>
+          <a:p>
+            <a:r>
+              <a:rPr lang="en-US" dirty="0">
+                <a:solidFill>
+                  <a:schemeClr val="accent4">
+                    <a:lumMod val="75000"/>
+                  </a:schemeClr>
+                </a:solidFill>
+              </a:rPr>
+              <a:t>Remaining States Region</a:t>
+            </a:r>
+          </a:p>
+        </p:txBody>
+      </p:sp>
+      <p:sp>
+        <p:nvSpPr>
+          <p:cNvPr id="7" name="Thought Bubble: Cloud 6">
+            <a:extLst>
+              <a:ext uri="{FF2B5EF4-FFF2-40B4-BE49-F238E27FC236}">
+                <a16:creationId xmlns:a16="http://schemas.microsoft.com/office/drawing/2014/main" id="{ED4D6E69-9D28-44EB-8CC0-B7F1B2F2D062}"/>
+              </a:ext>
+            </a:extLst>
+          </p:cNvPr>
+          <p:cNvSpPr/>
+          <p:nvPr/>
+        </p:nvSpPr>
+        <p:spPr>
+          <a:xfrm>
+            <a:off x="2382716" y="5342631"/>
+            <a:ext cx="2031023" cy="870438"/>
+          </a:xfrm>
+          <a:prstGeom prst="cloudCallout">
+            <a:avLst/>
+          </a:prstGeom>
+        </p:spPr>
+        <p:style>
+          <a:lnRef idx="2">
+            <a:schemeClr val="accent1">
+              <a:shade val="50000"/>
+            </a:schemeClr>
+          </a:lnRef>
+          <a:fillRef idx="1">
+            <a:schemeClr val="accent1"/>
+          </a:fillRef>
+          <a:effectRef idx="0">
+            <a:schemeClr val="accent1"/>
+          </a:effectRef>
+          <a:fontRef idx="minor">
+            <a:schemeClr val="lt1"/>
+          </a:fontRef>
+        </p:style>
+        <p:txBody>
+          <a:bodyPr rtlCol="0" anchor="ctr"/>
+          <a:lstStyle/>
+          <a:p>
+            <a:pPr algn="ctr"/>
+            <a:r>
+              <a:rPr lang="en-US" sz="1400" dirty="0"/>
+              <a:t>Red dots are State High Temp &gt;= 70 F </a:t>
+            </a:r>
+          </a:p>
+        </p:txBody>
+      </p:sp>
+    </p:spTree>
+    <p:extLst>
+      <p:ext uri="{BB962C8B-B14F-4D97-AF65-F5344CB8AC3E}">
+        <p14:creationId xmlns:p14="http://schemas.microsoft.com/office/powerpoint/2010/main" val="1615632251"/>
+      </p:ext>
+    </p:extLst>
+  </p:cSld>
+  <p:clrMapOvr>
+    <a:masterClrMapping/>
+  </p:clrMapOvr>
+</p:sld>
+</file>
+
+<file path=ppt/slides/slide14.xml><?xml version="1.0" encoding="utf-8"?>
+<p:sld xmlns:a="http://schemas.openxmlformats.org/drawingml/2006/main" xmlns:r="http://schemas.openxmlformats.org/officeDocument/2006/relationships" xmlns:p="http://schemas.openxmlformats.org/presentationml/2006/main">
+  <p:cSld>
+    <p:spTree>
+      <p:nvGrpSpPr>
+        <p:cNvPr id="1" name=""/>
+        <p:cNvGrpSpPr/>
+        <p:nvPr/>
+      </p:nvGrpSpPr>
+      <p:grpSpPr>
+        <a:xfrm>
+          <a:off x="0" y="0"/>
+          <a:ext cx="0" cy="0"/>
+          <a:chOff x="0" y="0"/>
+          <a:chExt cx="0" cy="0"/>
+        </a:xfrm>
+      </p:grpSpPr>
+      <p:sp>
+        <p:nvSpPr>
+          <p:cNvPr id="2" name="Title 1">
+            <a:extLst>
+              <a:ext uri="{FF2B5EF4-FFF2-40B4-BE49-F238E27FC236}">
+                <a16:creationId xmlns:a16="http://schemas.microsoft.com/office/drawing/2014/main" id="{1917A588-6B43-4326-8CEE-B31FA8CC4FDB}"/>
+              </a:ext>
+            </a:extLst>
+          </p:cNvPr>
+          <p:cNvSpPr>
+            <a:spLocks noGrp="1"/>
+          </p:cNvSpPr>
+          <p:nvPr>
+            <p:ph type="title"/>
+          </p:nvPr>
+        </p:nvSpPr>
+        <p:spPr/>
+        <p:txBody>
+          <a:bodyPr/>
+          <a:lstStyle/>
+          <a:p>
+            <a:r>
+              <a:rPr lang="en-US" dirty="0"/>
+              <a:t>Climate – Prakash (</a:t>
+            </a:r>
+            <a:r>
+              <a:rPr lang="en-US" dirty="0" err="1"/>
+              <a:t>con’t</a:t>
+            </a:r>
+            <a:r>
+              <a:rPr lang="en-US" dirty="0"/>
+              <a:t>)</a:t>
+            </a:r>
+          </a:p>
+        </p:txBody>
+      </p:sp>
+      <p:sp>
+        <p:nvSpPr>
+          <p:cNvPr id="3" name="Content Placeholder 2">
+            <a:extLst>
+              <a:ext uri="{FF2B5EF4-FFF2-40B4-BE49-F238E27FC236}">
+                <a16:creationId xmlns:a16="http://schemas.microsoft.com/office/drawing/2014/main" id="{F5BE9D4D-949C-4037-9F87-16CDE0EE0466}"/>
+              </a:ext>
+            </a:extLst>
+          </p:cNvPr>
+          <p:cNvSpPr>
+            <a:spLocks noGrp="1"/>
+          </p:cNvSpPr>
+          <p:nvPr>
+            <p:ph idx="1"/>
+          </p:nvPr>
+        </p:nvSpPr>
+        <p:spPr>
+          <a:xfrm>
+            <a:off x="1295402" y="2684813"/>
+            <a:ext cx="3892061" cy="3228405"/>
+          </a:xfrm>
+        </p:spPr>
+        <p:txBody>
+          <a:bodyPr>
+            <a:normAutofit/>
+          </a:bodyPr>
+          <a:lstStyle/>
+          <a:p>
+            <a:r>
+              <a:rPr lang="en-US" dirty="0"/>
+              <a:t>Sorted top 20 States from Weighted Sum Analysis</a:t>
+            </a:r>
+            <a:endParaRPr lang="en-US" dirty="0">
+              <a:solidFill>
+                <a:srgbClr val="FF0000"/>
+              </a:solidFill>
+            </a:endParaRPr>
+          </a:p>
+        </p:txBody>
+      </p:sp>
+      <p:pic>
+        <p:nvPicPr>
+          <p:cNvPr id="5" name="Picture 4">
+            <a:extLst>
+              <a:ext uri="{FF2B5EF4-FFF2-40B4-BE49-F238E27FC236}">
+                <a16:creationId xmlns:a16="http://schemas.microsoft.com/office/drawing/2014/main" id="{2794531C-3291-4148-93F5-147EF8F4698D}"/>
+              </a:ext>
+            </a:extLst>
+          </p:cNvPr>
+          <p:cNvPicPr>
+            <a:picLocks noChangeAspect="1"/>
+          </p:cNvPicPr>
+          <p:nvPr/>
+        </p:nvPicPr>
+        <p:blipFill>
+          <a:blip r:embed="rId2"/>
+          <a:stretch>
+            <a:fillRect/>
+          </a:stretch>
+        </p:blipFill>
+        <p:spPr>
+          <a:xfrm>
+            <a:off x="5829300" y="2587924"/>
+            <a:ext cx="5262526" cy="3325294"/>
+          </a:xfrm>
+          <a:prstGeom prst="rect">
+            <a:avLst/>
+          </a:prstGeom>
+        </p:spPr>
+      </p:pic>
+    </p:spTree>
+    <p:extLst>
+      <p:ext uri="{BB962C8B-B14F-4D97-AF65-F5344CB8AC3E}">
+        <p14:creationId xmlns:p14="http://schemas.microsoft.com/office/powerpoint/2010/main" val="3571324566"/>
+      </p:ext>
+    </p:extLst>
+  </p:cSld>
+  <p:clrMapOvr>
+    <a:masterClrMapping/>
+  </p:clrMapOvr>
+</p:sld>
+</file>
+
+<file path=ppt/slides/slide15.xml><?xml version="1.0" encoding="utf-8"?>
+<p:sld xmlns:a="http://schemas.openxmlformats.org/drawingml/2006/main" xmlns:r="http://schemas.openxmlformats.org/officeDocument/2006/relationships" xmlns:p="http://schemas.openxmlformats.org/presentationml/2006/main">
+  <p:cSld>
+    <p:spTree>
+      <p:nvGrpSpPr>
+        <p:cNvPr id="1" name=""/>
+        <p:cNvGrpSpPr/>
+        <p:nvPr/>
+      </p:nvGrpSpPr>
+      <p:grpSpPr>
+        <a:xfrm>
+          <a:off x="0" y="0"/>
+          <a:ext cx="0" cy="0"/>
+          <a:chOff x="0" y="0"/>
+          <a:chExt cx="0" cy="0"/>
+        </a:xfrm>
+      </p:grpSpPr>
+      <p:sp>
+        <p:nvSpPr>
+          <p:cNvPr id="2" name="Title 1">
+            <a:extLst>
+              <a:ext uri="{FF2B5EF4-FFF2-40B4-BE49-F238E27FC236}">
+                <a16:creationId xmlns:a16="http://schemas.microsoft.com/office/drawing/2014/main" id="{1917A588-6B43-4326-8CEE-B31FA8CC4FDB}"/>
+              </a:ext>
+            </a:extLst>
+          </p:cNvPr>
+          <p:cNvSpPr>
+            <a:spLocks noGrp="1"/>
+          </p:cNvSpPr>
+          <p:nvPr>
+            <p:ph type="title"/>
+          </p:nvPr>
+        </p:nvSpPr>
+        <p:spPr/>
+        <p:txBody>
+          <a:bodyPr/>
+          <a:lstStyle/>
+          <a:p>
+            <a:r>
+              <a:rPr lang="en-US" dirty="0"/>
+              <a:t>Climate – Prakash (</a:t>
+            </a:r>
+            <a:r>
+              <a:rPr lang="en-US" dirty="0" err="1"/>
+              <a:t>con’t</a:t>
+            </a:r>
+            <a:r>
+              <a:rPr lang="en-US" dirty="0"/>
+              <a:t>)</a:t>
+            </a:r>
+          </a:p>
+        </p:txBody>
+      </p:sp>
+      <p:sp>
+        <p:nvSpPr>
+          <p:cNvPr id="3" name="Content Placeholder 2">
+            <a:extLst>
+              <a:ext uri="{FF2B5EF4-FFF2-40B4-BE49-F238E27FC236}">
+                <a16:creationId xmlns:a16="http://schemas.microsoft.com/office/drawing/2014/main" id="{F5BE9D4D-949C-4037-9F87-16CDE0EE0466}"/>
+              </a:ext>
+            </a:extLst>
+          </p:cNvPr>
+          <p:cNvSpPr>
+            <a:spLocks noGrp="1"/>
+          </p:cNvSpPr>
+          <p:nvPr>
+            <p:ph idx="1"/>
+          </p:nvPr>
+        </p:nvSpPr>
+        <p:spPr>
+          <a:xfrm>
+            <a:off x="1295400" y="2556932"/>
+            <a:ext cx="9967545" cy="1258192"/>
+          </a:xfrm>
+        </p:spPr>
+        <p:txBody>
+          <a:bodyPr>
+            <a:normAutofit fontScale="70000" lnSpcReduction="20000"/>
+          </a:bodyPr>
+          <a:lstStyle/>
+          <a:p>
+            <a:r>
+              <a:rPr lang="en-US" dirty="0"/>
+              <a:t>Dataset wasn’t perfect and had some challenges,</a:t>
+            </a:r>
+          </a:p>
+          <a:p>
+            <a:pPr lvl="1"/>
+            <a:r>
+              <a:rPr lang="en-US" i="1" dirty="0"/>
+              <a:t>Obtaining the 2018 data, </a:t>
+            </a:r>
+            <a:r>
+              <a:rPr lang="en-US" i="1" dirty="0">
+                <a:solidFill>
+                  <a:srgbClr val="FF0000"/>
+                </a:solidFill>
+              </a:rPr>
+              <a:t>hard to find the latest. Mostly were up to 2010 </a:t>
+            </a:r>
+          </a:p>
+          <a:p>
+            <a:pPr lvl="1"/>
+            <a:r>
+              <a:rPr lang="en-US" i="1" dirty="0">
+                <a:solidFill>
+                  <a:srgbClr val="FF0000"/>
+                </a:solidFill>
+              </a:rPr>
+              <a:t>Limited states </a:t>
+            </a:r>
+            <a:r>
+              <a:rPr lang="en-US" i="1" dirty="0"/>
+              <a:t>with climate data for “2018” – refer to Geo Map figure</a:t>
+            </a:r>
+          </a:p>
+          <a:p>
+            <a:pPr lvl="1"/>
+            <a:r>
+              <a:rPr lang="en-US" i="1" dirty="0"/>
+              <a:t>Some states have </a:t>
+            </a:r>
+            <a:r>
+              <a:rPr lang="en-US" i="1" dirty="0">
+                <a:solidFill>
+                  <a:srgbClr val="FF0000"/>
+                </a:solidFill>
+              </a:rPr>
+              <a:t>wider temperature spread e.g. California therefore used median approach </a:t>
+            </a:r>
+            <a:r>
+              <a:rPr lang="en-US" i="1" dirty="0"/>
+              <a:t>– refer to Temperature boxplot </a:t>
+            </a:r>
+          </a:p>
+          <a:p>
+            <a:pPr lvl="1"/>
+            <a:endParaRPr lang="en-US" i="1" dirty="0"/>
+          </a:p>
+          <a:p>
+            <a:pPr lvl="1"/>
+            <a:endParaRPr lang="en-US" i="1" dirty="0"/>
+          </a:p>
+        </p:txBody>
+      </p:sp>
+      <p:pic>
+        <p:nvPicPr>
+          <p:cNvPr id="5" name="Picture 4" descr="A screenshot of a computer&#10;&#10;Description automatically generated">
+            <a:extLst>
+              <a:ext uri="{FF2B5EF4-FFF2-40B4-BE49-F238E27FC236}">
+                <a16:creationId xmlns:a16="http://schemas.microsoft.com/office/drawing/2014/main" id="{79D8BE27-0A75-404F-B08B-8A2E6976194C}"/>
+              </a:ext>
+            </a:extLst>
+          </p:cNvPr>
+          <p:cNvPicPr>
+            <a:picLocks noChangeAspect="1"/>
+          </p:cNvPicPr>
+          <p:nvPr/>
+        </p:nvPicPr>
+        <p:blipFill>
+          <a:blip r:embed="rId2"/>
+          <a:stretch>
+            <a:fillRect/>
+          </a:stretch>
+        </p:blipFill>
+        <p:spPr>
+          <a:xfrm>
+            <a:off x="764929" y="3815124"/>
+            <a:ext cx="5512558" cy="2362525"/>
+          </a:xfrm>
+          <a:prstGeom prst="rect">
+            <a:avLst/>
+          </a:prstGeom>
+        </p:spPr>
+      </p:pic>
+      <p:pic>
+        <p:nvPicPr>
+          <p:cNvPr id="7" name="Picture 6" descr="A picture containing text, map&#10;&#10;Description automatically generated">
+            <a:extLst>
+              <a:ext uri="{FF2B5EF4-FFF2-40B4-BE49-F238E27FC236}">
+                <a16:creationId xmlns:a16="http://schemas.microsoft.com/office/drawing/2014/main" id="{741B7D40-59D5-4388-9ED2-D7BC2EDC9766}"/>
+              </a:ext>
+            </a:extLst>
+          </p:cNvPr>
+          <p:cNvPicPr>
+            <a:picLocks noChangeAspect="1"/>
+          </p:cNvPicPr>
+          <p:nvPr/>
+        </p:nvPicPr>
+        <p:blipFill>
+          <a:blip r:embed="rId3"/>
+          <a:stretch>
+            <a:fillRect/>
+          </a:stretch>
+        </p:blipFill>
+        <p:spPr>
+          <a:xfrm>
+            <a:off x="6277487" y="3815124"/>
+            <a:ext cx="5275707" cy="2273864"/>
+          </a:xfrm>
+          <a:prstGeom prst="rect">
+            <a:avLst/>
+          </a:prstGeom>
+        </p:spPr>
+      </p:pic>
+      <p:sp>
+        <p:nvSpPr>
+          <p:cNvPr id="8" name="Oval 7">
+            <a:extLst>
+              <a:ext uri="{FF2B5EF4-FFF2-40B4-BE49-F238E27FC236}">
+                <a16:creationId xmlns:a16="http://schemas.microsoft.com/office/drawing/2014/main" id="{02B66A99-1F1F-4C8F-BEA2-44D493D521BF}"/>
+              </a:ext>
+            </a:extLst>
+          </p:cNvPr>
+          <p:cNvSpPr/>
+          <p:nvPr/>
+        </p:nvSpPr>
+        <p:spPr>
+          <a:xfrm>
+            <a:off x="1521229" y="4297680"/>
+            <a:ext cx="282633" cy="1138844"/>
+          </a:xfrm>
+          <a:prstGeom prst="ellipse">
+            <a:avLst/>
+          </a:prstGeom>
+          <a:noFill/>
+          <a:ln>
+            <a:solidFill>
+              <a:srgbClr val="FF0000"/>
+            </a:solidFill>
+          </a:ln>
+        </p:spPr>
+        <p:style>
+          <a:lnRef idx="2">
+            <a:schemeClr val="accent1">
+              <a:shade val="50000"/>
+            </a:schemeClr>
+          </a:lnRef>
+          <a:fillRef idx="1">
+            <a:schemeClr val="accent1"/>
+          </a:fillRef>
+          <a:effectRef idx="0">
+            <a:schemeClr val="accent1"/>
+          </a:effectRef>
+          <a:fontRef idx="minor">
+            <a:schemeClr val="lt1"/>
+          </a:fontRef>
+        </p:style>
+        <p:txBody>
+          <a:bodyPr rtlCol="0" anchor="ctr"/>
+          <a:lstStyle/>
+          <a:p>
+            <a:pPr algn="ctr"/>
+            <a:endParaRPr lang="en-US"/>
+          </a:p>
+        </p:txBody>
+      </p:sp>
+    </p:spTree>
+    <p:extLst>
+      <p:ext uri="{BB962C8B-B14F-4D97-AF65-F5344CB8AC3E}">
+        <p14:creationId xmlns:p14="http://schemas.microsoft.com/office/powerpoint/2010/main" val="4136999629"/>
+      </p:ext>
+    </p:extLst>
+  </p:cSld>
+  <p:clrMapOvr>
+    <a:masterClrMapping/>
+  </p:clrMapOvr>
+</p:sld>
+</file>
+
+<file path=ppt/slides/slide16.xml><?xml version="1.0" encoding="utf-8"?>
+<p:sld xmlns:a="http://schemas.openxmlformats.org/drawingml/2006/main" xmlns:r="http://schemas.openxmlformats.org/officeDocument/2006/relationships" xmlns:p="http://schemas.openxmlformats.org/presentationml/2006/main">
+  <p:cSld>
+    <p:spTree>
+      <p:nvGrpSpPr>
+        <p:cNvPr id="1" name=""/>
+        <p:cNvGrpSpPr/>
+        <p:nvPr/>
+      </p:nvGrpSpPr>
+      <p:grpSpPr>
+        <a:xfrm>
+          <a:off x="0" y="0"/>
+          <a:ext cx="0" cy="0"/>
+          <a:chOff x="0" y="0"/>
+          <a:chExt cx="0" cy="0"/>
+        </a:xfrm>
+      </p:grpSpPr>
+      <p:sp>
+        <p:nvSpPr>
+          <p:cNvPr id="2" name="Title 1">
+            <a:extLst>
+              <a:ext uri="{FF2B5EF4-FFF2-40B4-BE49-F238E27FC236}">
+                <a16:creationId xmlns:a16="http://schemas.microsoft.com/office/drawing/2014/main" id="{1917A588-6B43-4326-8CEE-B31FA8CC4FDB}"/>
+              </a:ext>
+            </a:extLst>
+          </p:cNvPr>
+          <p:cNvSpPr>
+            <a:spLocks noGrp="1"/>
+          </p:cNvSpPr>
+          <p:nvPr>
+            <p:ph type="title"/>
+          </p:nvPr>
+        </p:nvSpPr>
+        <p:spPr/>
+        <p:txBody>
+          <a:bodyPr/>
+          <a:lstStyle/>
+          <a:p>
+            <a:r>
+              <a:rPr lang="en-US" dirty="0"/>
+              <a:t>Climate – Prakash (</a:t>
+            </a:r>
+            <a:r>
+              <a:rPr lang="en-US" dirty="0" err="1"/>
+              <a:t>con’t</a:t>
+            </a:r>
+            <a:r>
+              <a:rPr lang="en-US" dirty="0"/>
+              <a:t>)</a:t>
+            </a:r>
+          </a:p>
+        </p:txBody>
+      </p:sp>
+      <p:sp>
+        <p:nvSpPr>
+          <p:cNvPr id="3" name="Content Placeholder 2">
+            <a:extLst>
+              <a:ext uri="{FF2B5EF4-FFF2-40B4-BE49-F238E27FC236}">
+                <a16:creationId xmlns:a16="http://schemas.microsoft.com/office/drawing/2014/main" id="{F5BE9D4D-949C-4037-9F87-16CDE0EE0466}"/>
+              </a:ext>
+            </a:extLst>
+          </p:cNvPr>
+          <p:cNvSpPr>
+            <a:spLocks noGrp="1"/>
+          </p:cNvSpPr>
+          <p:nvPr>
+            <p:ph idx="1"/>
+          </p:nvPr>
+        </p:nvSpPr>
+        <p:spPr>
+          <a:xfrm>
+            <a:off x="1129147" y="3624501"/>
+            <a:ext cx="2195944" cy="1183795"/>
+          </a:xfrm>
+        </p:spPr>
+        <p:txBody>
+          <a:bodyPr>
+            <a:normAutofit fontScale="92500" lnSpcReduction="10000"/>
+          </a:bodyPr>
+          <a:lstStyle/>
+          <a:p>
+            <a:r>
+              <a:rPr lang="en-US" sz="1600" dirty="0"/>
+              <a:t>Annual home price by State </a:t>
+            </a:r>
+            <a:r>
+              <a:rPr lang="en-US" sz="1600" dirty="0">
+                <a:solidFill>
+                  <a:srgbClr val="FF0000"/>
+                </a:solidFill>
+              </a:rPr>
+              <a:t>also had wider spread </a:t>
+            </a:r>
+            <a:r>
+              <a:rPr lang="en-US" sz="1600" dirty="0"/>
+              <a:t>like climate’s e.g. California and New York</a:t>
+            </a:r>
+            <a:endParaRPr lang="en-US" sz="1600" i="1" dirty="0"/>
+          </a:p>
+        </p:txBody>
+      </p:sp>
+      <p:pic>
+        <p:nvPicPr>
+          <p:cNvPr id="5" name="Picture 4" descr="A close up of a mans face&#10;&#10;Description automatically generated">
+            <a:extLst>
+              <a:ext uri="{FF2B5EF4-FFF2-40B4-BE49-F238E27FC236}">
+                <a16:creationId xmlns:a16="http://schemas.microsoft.com/office/drawing/2014/main" id="{062B4FCC-AECA-4C13-B383-65409235222B}"/>
+              </a:ext>
+            </a:extLst>
+          </p:cNvPr>
+          <p:cNvPicPr>
+            <a:picLocks noChangeAspect="1"/>
+          </p:cNvPicPr>
+          <p:nvPr/>
+        </p:nvPicPr>
+        <p:blipFill>
+          <a:blip r:embed="rId2"/>
+          <a:stretch>
+            <a:fillRect/>
+          </a:stretch>
+        </p:blipFill>
+        <p:spPr>
+          <a:xfrm>
+            <a:off x="3632708" y="2556931"/>
+            <a:ext cx="7744186" cy="3318937"/>
+          </a:xfrm>
+          <a:prstGeom prst="rect">
+            <a:avLst/>
+          </a:prstGeom>
+        </p:spPr>
+      </p:pic>
+    </p:spTree>
+    <p:extLst>
+      <p:ext uri="{BB962C8B-B14F-4D97-AF65-F5344CB8AC3E}">
+        <p14:creationId xmlns:p14="http://schemas.microsoft.com/office/powerpoint/2010/main" val="2698286698"/>
+      </p:ext>
+    </p:extLst>
+  </p:cSld>
+  <p:clrMapOvr>
+    <a:masterClrMapping/>
+  </p:clrMapOvr>
+</p:sld>
+</file>
+
+<file path=ppt/slides/slide17.xml><?xml version="1.0" encoding="utf-8"?>
+<p:sld xmlns:a="http://schemas.openxmlformats.org/drawingml/2006/main" xmlns:r="http://schemas.openxmlformats.org/officeDocument/2006/relationships" xmlns:p="http://schemas.openxmlformats.org/presentationml/2006/main">
+  <p:cSld>
+    <p:bg>
+      <p:bgPr>
+        <a:solidFill>
+          <a:schemeClr val="accent1"/>
+        </a:solidFill>
+        <a:effectLst/>
+      </p:bgPr>
+    </p:bg>
+    <p:spTree>
+      <p:nvGrpSpPr>
+        <p:cNvPr id="1" name=""/>
+        <p:cNvGrpSpPr/>
+        <p:nvPr/>
+      </p:nvGrpSpPr>
+      <p:grpSpPr>
+        <a:xfrm>
+          <a:off x="0" y="0"/>
+          <a:ext cx="0" cy="0"/>
+          <a:chOff x="0" y="0"/>
+          <a:chExt cx="0" cy="0"/>
+        </a:xfrm>
+      </p:grpSpPr>
+      <p:sp>
+        <p:nvSpPr>
+          <p:cNvPr id="2" name="Title 1">
+            <a:extLst>
+              <a:ext uri="{FF2B5EF4-FFF2-40B4-BE49-F238E27FC236}">
+                <a16:creationId xmlns:a16="http://schemas.microsoft.com/office/drawing/2014/main" id="{1917A588-6B43-4326-8CEE-B31FA8CC4FDB}"/>
+              </a:ext>
+            </a:extLst>
+          </p:cNvPr>
+          <p:cNvSpPr>
+            <a:spLocks noGrp="1"/>
+          </p:cNvSpPr>
+          <p:nvPr>
+            <p:ph type="title"/>
+          </p:nvPr>
+        </p:nvSpPr>
+        <p:spPr>
+          <a:xfrm>
+            <a:off x="1295402" y="2705424"/>
+            <a:ext cx="9601196" cy="1303867"/>
+          </a:xfrm>
+        </p:spPr>
+        <p:txBody>
+          <a:bodyPr>
+            <a:noAutofit/>
+          </a:bodyPr>
+          <a:lstStyle/>
+          <a:p>
+            <a:r>
+              <a:rPr lang="en-US" sz="9600" dirty="0"/>
+              <a:t>Backup Slides</a:t>
+            </a:r>
+          </a:p>
+        </p:txBody>
+      </p:sp>
+    </p:spTree>
+    <p:extLst>
+      <p:ext uri="{BB962C8B-B14F-4D97-AF65-F5344CB8AC3E}">
+        <p14:creationId xmlns:p14="http://schemas.microsoft.com/office/powerpoint/2010/main" val="215728611"/>
+      </p:ext>
+    </p:extLst>
+  </p:cSld>
+  <p:clrMapOvr>
+    <a:masterClrMapping/>
+  </p:clrMapOvr>
+</p:sld>
+</file>
+
+<file path=ppt/slides/slide18.xml><?xml version="1.0" encoding="utf-8"?>
+<p:sld xmlns:a="http://schemas.openxmlformats.org/drawingml/2006/main" xmlns:r="http://schemas.openxmlformats.org/officeDocument/2006/relationships" xmlns:p="http://schemas.openxmlformats.org/presentationml/2006/main">
+  <p:cSld>
+    <p:spTree>
+      <p:nvGrpSpPr>
+        <p:cNvPr id="1" name=""/>
+        <p:cNvGrpSpPr/>
+        <p:nvPr/>
+      </p:nvGrpSpPr>
+      <p:grpSpPr>
+        <a:xfrm>
+          <a:off x="0" y="0"/>
+          <a:ext cx="0" cy="0"/>
+          <a:chOff x="0" y="0"/>
+          <a:chExt cx="0" cy="0"/>
+        </a:xfrm>
+      </p:grpSpPr>
+      <p:sp>
+        <p:nvSpPr>
+          <p:cNvPr id="2" name="Title 1">
+            <a:extLst>
+              <a:ext uri="{FF2B5EF4-FFF2-40B4-BE49-F238E27FC236}">
+                <a16:creationId xmlns:a16="http://schemas.microsoft.com/office/drawing/2014/main" id="{1917A588-6B43-4326-8CEE-B31FA8CC4FDB}"/>
+              </a:ext>
+            </a:extLst>
+          </p:cNvPr>
+          <p:cNvSpPr>
+            <a:spLocks noGrp="1"/>
+          </p:cNvSpPr>
+          <p:nvPr>
+            <p:ph type="title"/>
+          </p:nvPr>
+        </p:nvSpPr>
+        <p:spPr/>
+        <p:txBody>
+          <a:bodyPr>
+            <a:normAutofit/>
+          </a:bodyPr>
+          <a:lstStyle/>
+          <a:p>
+            <a:r>
+              <a:rPr lang="en-US" dirty="0"/>
+              <a:t>Raw data files location</a:t>
+            </a:r>
+          </a:p>
+        </p:txBody>
+      </p:sp>
+      <p:pic>
+        <p:nvPicPr>
+          <p:cNvPr id="4" name="Content Placeholder 3">
+            <a:extLst>
+              <a:ext uri="{FF2B5EF4-FFF2-40B4-BE49-F238E27FC236}">
+                <a16:creationId xmlns:a16="http://schemas.microsoft.com/office/drawing/2014/main" id="{D51BA1BF-2794-4BC3-AB3C-4FCE473C5999}"/>
+              </a:ext>
+            </a:extLst>
+          </p:cNvPr>
+          <p:cNvPicPr>
+            <a:picLocks noGrp="1" noChangeAspect="1"/>
+          </p:cNvPicPr>
+          <p:nvPr>
+            <p:ph idx="1"/>
+          </p:nvPr>
+        </p:nvPicPr>
+        <p:blipFill>
+          <a:blip r:embed="rId2"/>
+          <a:stretch>
+            <a:fillRect/>
+          </a:stretch>
+        </p:blipFill>
+        <p:spPr>
+          <a:xfrm>
+            <a:off x="2038350" y="2878138"/>
+            <a:ext cx="8115300" cy="2676525"/>
+          </a:xfrm>
+          <a:prstGeom prst="rect">
+            <a:avLst/>
+          </a:prstGeom>
+        </p:spPr>
+      </p:pic>
+    </p:spTree>
+    <p:extLst>
+      <p:ext uri="{BB962C8B-B14F-4D97-AF65-F5344CB8AC3E}">
+        <p14:creationId xmlns:p14="http://schemas.microsoft.com/office/powerpoint/2010/main" val="3901513461"/>
+      </p:ext>
+    </p:extLst>
+  </p:cSld>
+  <p:clrMapOvr>
+    <a:masterClrMapping/>
+  </p:clrMapOvr>
+</p:sld>
+</file>
+
+<file path=ppt/slides/slide19.xml><?xml version="1.0" encoding="utf-8"?>
+<p:sld xmlns:a="http://schemas.openxmlformats.org/drawingml/2006/main" xmlns:r="http://schemas.openxmlformats.org/officeDocument/2006/relationships" xmlns:p="http://schemas.openxmlformats.org/presentationml/2006/main">
+  <p:cSld>
+    <p:spTree>
+      <p:nvGrpSpPr>
+        <p:cNvPr id="1" name=""/>
+        <p:cNvGrpSpPr/>
+        <p:nvPr/>
+      </p:nvGrpSpPr>
+      <p:grpSpPr>
+        <a:xfrm>
+          <a:off x="0" y="0"/>
+          <a:ext cx="0" cy="0"/>
+          <a:chOff x="0" y="0"/>
+          <a:chExt cx="0" cy="0"/>
+        </a:xfrm>
+      </p:grpSpPr>
+      <p:sp>
+        <p:nvSpPr>
+          <p:cNvPr id="2" name="Title 1">
+            <a:extLst>
+              <a:ext uri="{FF2B5EF4-FFF2-40B4-BE49-F238E27FC236}">
+                <a16:creationId xmlns:a16="http://schemas.microsoft.com/office/drawing/2014/main" id="{1917A588-6B43-4326-8CEE-B31FA8CC4FDB}"/>
+              </a:ext>
+            </a:extLst>
+          </p:cNvPr>
+          <p:cNvSpPr>
+            <a:spLocks noGrp="1"/>
+          </p:cNvSpPr>
+          <p:nvPr>
+            <p:ph type="title"/>
+          </p:nvPr>
+        </p:nvSpPr>
+        <p:spPr/>
+        <p:txBody>
+          <a:bodyPr/>
+          <a:lstStyle/>
+          <a:p>
+            <a:r>
+              <a:rPr lang="en-US" dirty="0"/>
+              <a:t>Coding Rules</a:t>
+            </a:r>
+          </a:p>
+        </p:txBody>
+      </p:sp>
+      <p:sp>
+        <p:nvSpPr>
+          <p:cNvPr id="3" name="Content Placeholder 2">
+            <a:extLst>
+              <a:ext uri="{FF2B5EF4-FFF2-40B4-BE49-F238E27FC236}">
+                <a16:creationId xmlns:a16="http://schemas.microsoft.com/office/drawing/2014/main" id="{F5BE9D4D-949C-4037-9F87-16CDE0EE0466}"/>
+              </a:ext>
+            </a:extLst>
+          </p:cNvPr>
+          <p:cNvSpPr>
+            <a:spLocks noGrp="1"/>
+          </p:cNvSpPr>
+          <p:nvPr>
+            <p:ph idx="1"/>
+          </p:nvPr>
+        </p:nvSpPr>
+        <p:spPr/>
+        <p:txBody>
+          <a:bodyPr>
+            <a:normAutofit fontScale="92500" lnSpcReduction="10000"/>
+          </a:bodyPr>
+          <a:lstStyle/>
+          <a:p>
+            <a:r>
+              <a:rPr lang="en-US" dirty="0"/>
+              <a:t>Upload scripts to Script folder</a:t>
+            </a:r>
+          </a:p>
+          <a:p>
+            <a:r>
+              <a:rPr lang="en-US" dirty="0"/>
+              <a:t>Label/ Comment on every code line to help other understand quickly. Explain briefly if needed</a:t>
+            </a:r>
+          </a:p>
+          <a:p>
+            <a:r>
+              <a:rPr lang="en-US" dirty="0"/>
+              <a:t>Label plot(s) well with legend, title and axes</a:t>
+            </a:r>
+          </a:p>
+          <a:p>
+            <a:r>
+              <a:rPr lang="en-US" dirty="0"/>
+              <a:t>Append _</a:t>
+            </a:r>
+            <a:r>
+              <a:rPr lang="en-US" dirty="0" err="1"/>
+              <a:t>lst</a:t>
+            </a:r>
+            <a:r>
+              <a:rPr lang="en-US" dirty="0"/>
+              <a:t>, _df and </a:t>
+            </a:r>
+            <a:r>
+              <a:rPr lang="en-US" dirty="0" err="1"/>
+              <a:t>etc</a:t>
+            </a:r>
+            <a:r>
+              <a:rPr lang="en-US" dirty="0"/>
+              <a:t> when defining lists, dictionaries, data frames. E.g. </a:t>
+            </a:r>
+            <a:r>
+              <a:rPr lang="en-US" dirty="0" err="1"/>
+              <a:t>mylist_lst</a:t>
+            </a:r>
+            <a:r>
+              <a:rPr lang="en-US" dirty="0"/>
+              <a:t>, </a:t>
+            </a:r>
+            <a:r>
+              <a:rPr lang="en-US" dirty="0" err="1"/>
+              <a:t>myplot_plt</a:t>
+            </a:r>
+            <a:endParaRPr lang="en-US" dirty="0"/>
+          </a:p>
+          <a:p>
+            <a:r>
+              <a:rPr lang="en-US" dirty="0"/>
+              <a:t>Backup files locally prior to modification for retrieval</a:t>
+            </a:r>
+          </a:p>
+          <a:p>
+            <a:r>
+              <a:rPr lang="en-US" dirty="0"/>
+              <a:t>Attempt to solve 1</a:t>
+            </a:r>
+            <a:r>
+              <a:rPr lang="en-US" baseline="30000" dirty="0"/>
+              <a:t>st</a:t>
+            </a:r>
+            <a:r>
+              <a:rPr lang="en-US" dirty="0"/>
+              <a:t> by yourself, if help needed, slack out</a:t>
+            </a:r>
+          </a:p>
+        </p:txBody>
+      </p:sp>
+    </p:spTree>
+    <p:extLst>
+      <p:ext uri="{BB962C8B-B14F-4D97-AF65-F5344CB8AC3E}">
+        <p14:creationId xmlns:p14="http://schemas.microsoft.com/office/powerpoint/2010/main" val="1260553202"/>
+      </p:ext>
+    </p:extLst>
+  </p:cSld>
+  <p:clrMapOvr>
+    <a:masterClrMapping/>
+  </p:clrMapOvr>
+</p:sld>
+</file>
+
+<file path=ppt/slides/slide2.xml><?xml version="1.0" encoding="utf-8"?>
+<p:sld xmlns:a="http://schemas.openxmlformats.org/drawingml/2006/main" xmlns:r="http://schemas.openxmlformats.org/officeDocument/2006/relationships" xmlns:p="http://schemas.openxmlformats.org/presentationml/2006/main">
+  <p:cSld>
+    <p:spTree>
+      <p:nvGrpSpPr>
+        <p:cNvPr id="1" name=""/>
+        <p:cNvGrpSpPr/>
+        <p:nvPr/>
+      </p:nvGrpSpPr>
+      <p:grpSpPr>
+        <a:xfrm>
+          <a:off x="0" y="0"/>
+          <a:ext cx="0" cy="0"/>
+          <a:chOff x="0" y="0"/>
+          <a:chExt cx="0" cy="0"/>
+        </a:xfrm>
+      </p:grpSpPr>
+      <p:sp>
+        <p:nvSpPr>
+          <p:cNvPr id="2" name="Title 1">
+            <a:extLst>
+              <a:ext uri="{FF2B5EF4-FFF2-40B4-BE49-F238E27FC236}">
+                <a16:creationId xmlns:a16="http://schemas.microsoft.com/office/drawing/2014/main" id="{377C9523-097C-4E43-AC8E-8C68B3057BB1}"/>
+              </a:ext>
+            </a:extLst>
+          </p:cNvPr>
+          <p:cNvSpPr>
+            <a:spLocks noGrp="1"/>
+          </p:cNvSpPr>
+          <p:nvPr>
+            <p:ph type="title"/>
+          </p:nvPr>
+        </p:nvSpPr>
+        <p:spPr/>
+        <p:txBody>
+          <a:bodyPr/>
+          <a:lstStyle/>
+          <a:p>
+            <a:r>
+              <a:rPr lang="en-US" dirty="0"/>
+              <a:t>Project 1 Technical Requirement</a:t>
+            </a:r>
+          </a:p>
+        </p:txBody>
+      </p:sp>
+      <p:sp>
+        <p:nvSpPr>
+          <p:cNvPr id="3" name="Content Placeholder 2">
+            <a:extLst>
+              <a:ext uri="{FF2B5EF4-FFF2-40B4-BE49-F238E27FC236}">
+                <a16:creationId xmlns:a16="http://schemas.microsoft.com/office/drawing/2014/main" id="{42C92943-A346-4DB7-A073-7ED62D2A2B66}"/>
+              </a:ext>
+            </a:extLst>
+          </p:cNvPr>
+          <p:cNvSpPr>
+            <a:spLocks noGrp="1"/>
+          </p:cNvSpPr>
+          <p:nvPr>
+            <p:ph idx="1"/>
+          </p:nvPr>
+        </p:nvSpPr>
+        <p:spPr/>
+        <p:txBody>
+          <a:bodyPr>
+            <a:normAutofit fontScale="55000" lnSpcReduction="20000"/>
+          </a:bodyPr>
+          <a:lstStyle/>
+          <a:p>
+            <a:r>
+              <a:rPr lang="en-US" dirty="0"/>
+              <a:t># Technical Requirements</a:t>
+            </a:r>
+          </a:p>
+          <a:p>
+            <a:r>
+              <a:rPr lang="en-US" dirty="0"/>
+              <a:t>The technical requirements for Project 1 are as follows.</a:t>
+            </a:r>
+          </a:p>
+          <a:p>
+            <a:r>
+              <a:rPr lang="en-US" dirty="0"/>
+              <a:t>* [ ] Use Pandas to clean and format your data set(s)</a:t>
+            </a:r>
+          </a:p>
+          <a:p>
+            <a:r>
+              <a:rPr lang="en-US" dirty="0"/>
+              <a:t>* [ ] Create a </a:t>
+            </a:r>
+            <a:r>
+              <a:rPr lang="en-US" dirty="0" err="1"/>
+              <a:t>Jupyter</a:t>
+            </a:r>
+            <a:r>
+              <a:rPr lang="en-US" dirty="0"/>
+              <a:t> Notebook describing the **data exploration and cleanup** process</a:t>
+            </a:r>
+          </a:p>
+          <a:p>
+            <a:r>
+              <a:rPr lang="en-US" dirty="0"/>
+              <a:t>* [ ] Create a </a:t>
+            </a:r>
+            <a:r>
+              <a:rPr lang="en-US" dirty="0" err="1"/>
+              <a:t>Jupyter</a:t>
+            </a:r>
+            <a:r>
+              <a:rPr lang="en-US" dirty="0"/>
+              <a:t> Notebook illustrating the **final data analysis*** [ ] Use Matplotlib to create a total of 6-8 visualizations of your data (ideally, at least 2 per "question" you ask of your data)</a:t>
+            </a:r>
+          </a:p>
+          <a:p>
+            <a:r>
+              <a:rPr lang="en-US" dirty="0"/>
+              <a:t>* [ ] Save PNG images of your visualizations to distribute to the class and instructional team, and for inclusion in your presentation</a:t>
+            </a:r>
+          </a:p>
+          <a:p>
+            <a:r>
+              <a:rPr lang="en-US" dirty="0"/>
+              <a:t>* [ ] Optionally, use at least one API, if you can find an API with data pertinent to your primary research questions</a:t>
+            </a:r>
+          </a:p>
+          <a:p>
+            <a:r>
+              <a:rPr lang="en-US" dirty="0"/>
+              <a:t>* [ ] Create a write-up summarizing your major findings. This should include a heading for each "question" you asked of your data, and under each heading, a short description of what you found and any relevant plots.</a:t>
+            </a:r>
+          </a:p>
+          <a:p>
+            <a:r>
+              <a:rPr lang="en-US" dirty="0"/>
+              <a:t>- - -### Copyright</a:t>
+            </a:r>
+          </a:p>
+          <a:p>
+            <a:r>
+              <a:rPr lang="en-US" dirty="0"/>
+              <a:t>Coding Boot Camp © 2017. All Rights Reserved.</a:t>
+            </a:r>
+          </a:p>
+        </p:txBody>
+      </p:sp>
+    </p:spTree>
+    <p:extLst>
+      <p:ext uri="{BB962C8B-B14F-4D97-AF65-F5344CB8AC3E}">
+        <p14:creationId xmlns:p14="http://schemas.microsoft.com/office/powerpoint/2010/main" val="3211359946"/>
+      </p:ext>
+    </p:extLst>
+  </p:cSld>
+  <p:clrMapOvr>
+    <a:masterClrMapping/>
+  </p:clrMapOvr>
+</p:sld>
+</file>
+
+<file path=ppt/slides/slide20.xml><?xml version="1.0" encoding="utf-8"?>
+<p:sld xmlns:a="http://schemas.openxmlformats.org/drawingml/2006/main" xmlns:r="http://schemas.openxmlformats.org/officeDocument/2006/relationships" xmlns:p="http://schemas.openxmlformats.org/presentationml/2006/main">
+  <p:cSld>
+    <p:spTree>
+      <p:nvGrpSpPr>
+        <p:cNvPr id="1" name=""/>
+        <p:cNvGrpSpPr/>
+        <p:nvPr/>
+      </p:nvGrpSpPr>
+      <p:grpSpPr>
+        <a:xfrm>
+          <a:off x="0" y="0"/>
+          <a:ext cx="0" cy="0"/>
+          <a:chOff x="0" y="0"/>
+          <a:chExt cx="0" cy="0"/>
+        </a:xfrm>
+      </p:grpSpPr>
+      <p:sp>
+        <p:nvSpPr>
+          <p:cNvPr id="2" name="Title 1">
+            <a:extLst>
+              <a:ext uri="{FF2B5EF4-FFF2-40B4-BE49-F238E27FC236}">
+                <a16:creationId xmlns:a16="http://schemas.microsoft.com/office/drawing/2014/main" id="{1917A588-6B43-4326-8CEE-B31FA8CC4FDB}"/>
+              </a:ext>
+            </a:extLst>
+          </p:cNvPr>
+          <p:cNvSpPr>
+            <a:spLocks noGrp="1"/>
+          </p:cNvSpPr>
+          <p:nvPr>
+            <p:ph type="title"/>
+          </p:nvPr>
+        </p:nvSpPr>
+        <p:spPr/>
+        <p:txBody>
+          <a:bodyPr/>
+          <a:lstStyle/>
+          <a:p>
+            <a:r>
+              <a:rPr lang="en-US" dirty="0"/>
               <a:t>Availability</a:t>
             </a:r>
           </a:p>
@@ -6121,11 +7641,6 @@
           </p:cNvGraphicFramePr>
           <p:nvPr>
             <p:ph idx="1"/>
-            <p:extLst>
-              <p:ext uri="{D42A27DB-BD31-4B8C-83A1-F6EECF244321}">
-                <p14:modId xmlns:p14="http://schemas.microsoft.com/office/powerpoint/2010/main" val="2806111777"/>
-              </p:ext>
-            </p:extLst>
           </p:nvPr>
         </p:nvGraphicFramePr>
         <p:xfrm>
@@ -6668,7 +8183,7 @@
     </p:spTree>
     <p:extLst>
       <p:ext uri="{BB962C8B-B14F-4D97-AF65-F5344CB8AC3E}">
-        <p14:creationId xmlns:p14="http://schemas.microsoft.com/office/powerpoint/2010/main" val="2173070810"/>
+        <p14:creationId xmlns:p14="http://schemas.microsoft.com/office/powerpoint/2010/main" val="4028265351"/>
       </p:ext>
     </p:extLst>
   </p:cSld>
@@ -6678,7 +8193,80 @@
 </p:sld>
 </file>
 
-<file path=ppt/slides/slide12.xml><?xml version="1.0" encoding="utf-8"?>
+<file path=ppt/slides/slide21.xml><?xml version="1.0" encoding="utf-8"?>
+<p:sld xmlns:a="http://schemas.openxmlformats.org/drawingml/2006/main" xmlns:r="http://schemas.openxmlformats.org/officeDocument/2006/relationships" xmlns:p="http://schemas.openxmlformats.org/presentationml/2006/main">
+  <p:cSld>
+    <p:bg>
+      <p:bgPr>
+        <a:solidFill>
+          <a:schemeClr val="accent1"/>
+        </a:solidFill>
+        <a:effectLst/>
+      </p:bgPr>
+    </p:bg>
+    <p:spTree>
+      <p:nvGrpSpPr>
+        <p:cNvPr id="1" name=""/>
+        <p:cNvGrpSpPr/>
+        <p:nvPr/>
+      </p:nvGrpSpPr>
+      <p:grpSpPr>
+        <a:xfrm>
+          <a:off x="0" y="0"/>
+          <a:ext cx="0" cy="0"/>
+          <a:chOff x="0" y="0"/>
+          <a:chExt cx="0" cy="0"/>
+        </a:xfrm>
+      </p:grpSpPr>
+      <p:sp>
+        <p:nvSpPr>
+          <p:cNvPr id="2" name="Title 1">
+            <a:extLst>
+              <a:ext uri="{FF2B5EF4-FFF2-40B4-BE49-F238E27FC236}">
+                <a16:creationId xmlns:a16="http://schemas.microsoft.com/office/drawing/2014/main" id="{1917A588-6B43-4326-8CEE-B31FA8CC4FDB}"/>
+              </a:ext>
+            </a:extLst>
+          </p:cNvPr>
+          <p:cNvSpPr>
+            <a:spLocks noGrp="1"/>
+          </p:cNvSpPr>
+          <p:nvPr>
+            <p:ph type="title"/>
+          </p:nvPr>
+        </p:nvSpPr>
+        <p:spPr>
+          <a:xfrm>
+            <a:off x="1295402" y="2705424"/>
+            <a:ext cx="9601196" cy="1303867"/>
+          </a:xfrm>
+        </p:spPr>
+        <p:txBody>
+          <a:bodyPr>
+            <a:noAutofit/>
+          </a:bodyPr>
+          <a:lstStyle/>
+          <a:p>
+            <a:r>
+              <a:rPr lang="en-US" sz="9600" dirty="0"/>
+              <a:t>Appendix</a:t>
+            </a:r>
+          </a:p>
+        </p:txBody>
+      </p:sp>
+    </p:spTree>
+    <p:extLst>
+      <p:ext uri="{BB962C8B-B14F-4D97-AF65-F5344CB8AC3E}">
+        <p14:creationId xmlns:p14="http://schemas.microsoft.com/office/powerpoint/2010/main" val="2637397907"/>
+      </p:ext>
+    </p:extLst>
+  </p:cSld>
+  <p:clrMapOvr>
+    <a:masterClrMapping/>
+  </p:clrMapOvr>
+</p:sld>
+</file>
+
+<file path=ppt/slides/slide22.xml><?xml version="1.0" encoding="utf-8"?>
 <p:sld xmlns:a="http://schemas.openxmlformats.org/drawingml/2006/main" xmlns:r="http://schemas.openxmlformats.org/officeDocument/2006/relationships" xmlns:p="http://schemas.openxmlformats.org/presentationml/2006/main">
   <p:cSld>
     <p:spTree>
@@ -6713,18 +8301,23 @@
         </p:nvSpPr>
         <p:spPr/>
         <p:txBody>
-          <a:bodyPr/>
-          <a:lstStyle/>
-          <a:p>
-            <a:r>
-              <a:rPr lang="en-US" dirty="0"/>
-              <a:t>State Tax &amp; Living Cost - </a:t>
+          <a:bodyPr>
+            <a:normAutofit fontScale="90000"/>
+          </a:bodyPr>
+          <a:lstStyle/>
+          <a:p>
+            <a:r>
+              <a:rPr lang="en-US" dirty="0"/>
+              <a:t>State Tax &amp; Living Cost Analysis Files (</a:t>
             </a:r>
             <a:r>
               <a:rPr lang="en-US" dirty="0" err="1"/>
               <a:t>Bahar</a:t>
             </a:r>
-            <a:endParaRPr lang="en-US" dirty="0"/>
+            <a:r>
+              <a:rPr lang="en-US" dirty="0"/>
+              <a:t>)</a:t>
+            </a:r>
           </a:p>
         </p:txBody>
       </p:sp>
@@ -6746,44 +8339,70 @@
         </p:nvSpPr>
         <p:spPr/>
         <p:txBody>
-          <a:bodyPr/>
-          <a:lstStyle/>
-          <a:p>
-            <a:r>
-              <a:rPr lang="en-US" dirty="0"/>
-              <a:t>Which state is startup business friendly (low tax)? – </a:t>
-            </a:r>
-            <a:r>
-              <a:rPr lang="en-US" dirty="0">
-                <a:solidFill>
-                  <a:srgbClr val="FF0000"/>
-                </a:solidFill>
-              </a:rPr>
-              <a:t>Tax rate and living cost (housing).</a:t>
-            </a:r>
-          </a:p>
-          <a:p>
-            <a:r>
-              <a:rPr lang="en-US" dirty="0"/>
-              <a:t>Which state with low </a:t>
-            </a:r>
-            <a:r>
-              <a:rPr lang="en-US" dirty="0">
-                <a:solidFill>
-                  <a:srgbClr val="FF0000"/>
-                </a:solidFill>
-              </a:rPr>
-              <a:t>tax rate</a:t>
-            </a:r>
-            <a:r>
-              <a:rPr lang="en-US" dirty="0"/>
-              <a:t>, attracts employee?</a:t>
-            </a:r>
-          </a:p>
-          <a:p>
-            <a:r>
-              <a:rPr lang="en-US" i="1" dirty="0"/>
-              <a:t>Write description/ observation and supporting plots (minimum 2) here</a:t>
+          <a:bodyPr>
+            <a:normAutofit/>
+          </a:bodyPr>
+          <a:lstStyle/>
+          <a:p>
+            <a:r>
+              <a:rPr lang="en-US" dirty="0"/>
+              <a:t>Files are in folder = \</a:t>
+            </a:r>
+            <a:r>
+              <a:rPr lang="en-US" dirty="0" err="1"/>
+              <a:t>The_Incredible_Quad</a:t>
+            </a:r>
+            <a:r>
+              <a:rPr lang="en-US" dirty="0"/>
+              <a:t>\</a:t>
+            </a:r>
+          </a:p>
+          <a:p>
+            <a:r>
+              <a:rPr lang="en-US" dirty="0" err="1"/>
+              <a:t>Jupyter</a:t>
+            </a:r>
+            <a:r>
+              <a:rPr lang="en-US" dirty="0"/>
+              <a:t> NB filename = .</a:t>
+            </a:r>
+            <a:r>
+              <a:rPr lang="en-US" dirty="0" err="1"/>
+              <a:t>ipynb</a:t>
+            </a:r>
+            <a:endParaRPr lang="en-US" dirty="0"/>
+          </a:p>
+          <a:p>
+            <a:r>
+              <a:rPr lang="en-US" dirty="0"/>
+              <a:t>Google API key file = </a:t>
+            </a:r>
+          </a:p>
+          <a:p>
+            <a:r>
+              <a:rPr lang="en-US" dirty="0"/>
+              <a:t>Saved plots = \</a:t>
+            </a:r>
+            <a:r>
+              <a:rPr lang="en-US" dirty="0" err="1"/>
+              <a:t>The_Incredible_Quad</a:t>
+            </a:r>
+            <a:r>
+              <a:rPr lang="en-US" dirty="0"/>
+              <a:t>\</a:t>
+            </a:r>
+          </a:p>
+          <a:p>
+            <a:r>
+              <a:rPr lang="en-US" dirty="0"/>
+              <a:t>Dataset files = </a:t>
+            </a:r>
+          </a:p>
+          <a:p>
+            <a:pPr lvl="1"/>
+            <a:r>
+              <a:rPr lang="en-US" dirty="0"/>
+              <a:t>*.csv </a:t>
             </a:r>
           </a:p>
         </p:txBody>
@@ -6791,7 +8410,7 @@
     </p:spTree>
     <p:extLst>
       <p:ext uri="{BB962C8B-B14F-4D97-AF65-F5344CB8AC3E}">
-        <p14:creationId xmlns:p14="http://schemas.microsoft.com/office/powerpoint/2010/main" val="1207226246"/>
+        <p14:creationId xmlns:p14="http://schemas.microsoft.com/office/powerpoint/2010/main" val="634013030"/>
       </p:ext>
     </p:extLst>
   </p:cSld>
@@ -6801,7 +8420,7 @@
 </p:sld>
 </file>
 
-<file path=ppt/slides/slide13.xml><?xml version="1.0" encoding="utf-8"?>
+<file path=ppt/slides/slide23.xml><?xml version="1.0" encoding="utf-8"?>
 <p:sld xmlns:a="http://schemas.openxmlformats.org/drawingml/2006/main" xmlns:r="http://schemas.openxmlformats.org/officeDocument/2006/relationships" xmlns:p="http://schemas.openxmlformats.org/presentationml/2006/main">
   <p:cSld>
     <p:spTree>
@@ -6836,12 +8455,14 @@
         </p:nvSpPr>
         <p:spPr/>
         <p:txBody>
-          <a:bodyPr/>
-          <a:lstStyle/>
-          <a:p>
-            <a:r>
-              <a:rPr lang="en-US" dirty="0"/>
-              <a:t>Unemployment &amp; Crime Rate - Catherine</a:t>
+          <a:bodyPr>
+            <a:normAutofit fontScale="90000"/>
+          </a:bodyPr>
+          <a:lstStyle/>
+          <a:p>
+            <a:r>
+              <a:rPr lang="en-US" dirty="0"/>
+              <a:t>Unemployment &amp; Crime Rate Analysis Files (Catherine)</a:t>
             </a:r>
           </a:p>
         </p:txBody>
@@ -6864,42 +8485,70 @@
         </p:nvSpPr>
         <p:spPr/>
         <p:txBody>
-          <a:bodyPr/>
-          <a:lstStyle/>
-          <a:p>
-            <a:r>
-              <a:rPr lang="en-US" dirty="0"/>
-              <a:t>Lower </a:t>
-            </a:r>
-            <a:r>
-              <a:rPr lang="en-US" dirty="0">
-                <a:solidFill>
-                  <a:srgbClr val="FF0000"/>
-                </a:solidFill>
-              </a:rPr>
-              <a:t>unemployment</a:t>
-            </a:r>
-            <a:r>
-              <a:rPr lang="en-US" dirty="0"/>
-              <a:t> correlated to </a:t>
-            </a:r>
-            <a:r>
-              <a:rPr lang="en-US" dirty="0">
-                <a:solidFill>
-                  <a:srgbClr val="FF0000"/>
-                </a:solidFill>
-              </a:rPr>
-              <a:t>crime rate</a:t>
-            </a:r>
-            <a:r>
-              <a:rPr lang="en-US" dirty="0"/>
-              <a:t>?</a:t>
-            </a:r>
-          </a:p>
-          <a:p>
-            <a:r>
-              <a:rPr lang="en-US" i="1" dirty="0"/>
-              <a:t>Write description/ observation and supporting plots (minimum 2) here</a:t>
+          <a:bodyPr>
+            <a:normAutofit/>
+          </a:bodyPr>
+          <a:lstStyle/>
+          <a:p>
+            <a:r>
+              <a:rPr lang="en-US" dirty="0"/>
+              <a:t>Files are in folder = \</a:t>
+            </a:r>
+            <a:r>
+              <a:rPr lang="en-US" dirty="0" err="1"/>
+              <a:t>The_Incredible_Quad</a:t>
+            </a:r>
+            <a:r>
+              <a:rPr lang="en-US" dirty="0"/>
+              <a:t>\</a:t>
+            </a:r>
+          </a:p>
+          <a:p>
+            <a:r>
+              <a:rPr lang="en-US" dirty="0" err="1"/>
+              <a:t>Jupyter</a:t>
+            </a:r>
+            <a:r>
+              <a:rPr lang="en-US" dirty="0"/>
+              <a:t> NB filename = .</a:t>
+            </a:r>
+            <a:r>
+              <a:rPr lang="en-US" dirty="0" err="1"/>
+              <a:t>ipynb</a:t>
+            </a:r>
+            <a:endParaRPr lang="en-US" dirty="0"/>
+          </a:p>
+          <a:p>
+            <a:r>
+              <a:rPr lang="en-US" dirty="0"/>
+              <a:t>Google API key file = </a:t>
+            </a:r>
+          </a:p>
+          <a:p>
+            <a:r>
+              <a:rPr lang="en-US" dirty="0"/>
+              <a:t>Saved plots = \</a:t>
+            </a:r>
+            <a:r>
+              <a:rPr lang="en-US" dirty="0" err="1"/>
+              <a:t>The_Incredible_Quad</a:t>
+            </a:r>
+            <a:r>
+              <a:rPr lang="en-US" dirty="0"/>
+              <a:t>\</a:t>
+            </a:r>
+          </a:p>
+          <a:p>
+            <a:r>
+              <a:rPr lang="en-US" dirty="0"/>
+              <a:t>Dataset files = </a:t>
+            </a:r>
+          </a:p>
+          <a:p>
+            <a:pPr lvl="1"/>
+            <a:r>
+              <a:rPr lang="en-US" dirty="0"/>
+              <a:t>*.csv </a:t>
             </a:r>
           </a:p>
         </p:txBody>
@@ -6907,7 +8556,7 @@
     </p:spTree>
     <p:extLst>
       <p:ext uri="{BB962C8B-B14F-4D97-AF65-F5344CB8AC3E}">
-        <p14:creationId xmlns:p14="http://schemas.microsoft.com/office/powerpoint/2010/main" val="4121259519"/>
+        <p14:creationId xmlns:p14="http://schemas.microsoft.com/office/powerpoint/2010/main" val="4102377004"/>
       </p:ext>
     </p:extLst>
   </p:cSld>
@@ -6917,7 +8566,7 @@
 </p:sld>
 </file>
 
-<file path=ppt/slides/slide14.xml><?xml version="1.0" encoding="utf-8"?>
+<file path=ppt/slides/slide24.xml><?xml version="1.0" encoding="utf-8"?>
 <p:sld xmlns:a="http://schemas.openxmlformats.org/drawingml/2006/main" xmlns:r="http://schemas.openxmlformats.org/officeDocument/2006/relationships" xmlns:p="http://schemas.openxmlformats.org/presentationml/2006/main">
   <p:cSld>
     <p:spTree>
@@ -6952,12 +8601,14 @@
         </p:nvSpPr>
         <p:spPr/>
         <p:txBody>
-          <a:bodyPr/>
-          <a:lstStyle/>
-          <a:p>
-            <a:r>
-              <a:rPr lang="en-US" dirty="0"/>
-              <a:t>Salary - Molly</a:t>
+          <a:bodyPr>
+            <a:normAutofit/>
+          </a:bodyPr>
+          <a:lstStyle/>
+          <a:p>
+            <a:r>
+              <a:rPr lang="en-US" dirty="0"/>
+              <a:t>Salary Analysis Files (Molly)</a:t>
             </a:r>
           </a:p>
         </p:txBody>
@@ -6980,30 +8631,70 @@
         </p:nvSpPr>
         <p:spPr/>
         <p:txBody>
-          <a:bodyPr/>
-          <a:lstStyle/>
-          <a:p>
-            <a:r>
-              <a:rPr lang="en-US" dirty="0"/>
-              <a:t>Higher </a:t>
-            </a:r>
-            <a:r>
-              <a:rPr lang="en-US" dirty="0">
-                <a:solidFill>
-                  <a:srgbClr val="FF0000"/>
-                </a:solidFill>
-              </a:rPr>
-              <a:t>salary</a:t>
-            </a:r>
-            <a:r>
-              <a:rPr lang="en-US" dirty="0"/>
-              <a:t> states are the preferred ones?</a:t>
-            </a:r>
-          </a:p>
-          <a:p>
-            <a:r>
-              <a:rPr lang="en-US" i="1" dirty="0"/>
-              <a:t>Write description/ observation and supporting plots (minimum 2) here</a:t>
+          <a:bodyPr>
+            <a:normAutofit/>
+          </a:bodyPr>
+          <a:lstStyle/>
+          <a:p>
+            <a:r>
+              <a:rPr lang="en-US" dirty="0"/>
+              <a:t>Files are in folder = \</a:t>
+            </a:r>
+            <a:r>
+              <a:rPr lang="en-US" dirty="0" err="1"/>
+              <a:t>The_Incredible_Quad</a:t>
+            </a:r>
+            <a:r>
+              <a:rPr lang="en-US" dirty="0"/>
+              <a:t>\</a:t>
+            </a:r>
+          </a:p>
+          <a:p>
+            <a:r>
+              <a:rPr lang="en-US" dirty="0" err="1"/>
+              <a:t>Jupyter</a:t>
+            </a:r>
+            <a:r>
+              <a:rPr lang="en-US" dirty="0"/>
+              <a:t> NB filename = .</a:t>
+            </a:r>
+            <a:r>
+              <a:rPr lang="en-US" dirty="0" err="1"/>
+              <a:t>ipynb</a:t>
+            </a:r>
+            <a:endParaRPr lang="en-US" dirty="0"/>
+          </a:p>
+          <a:p>
+            <a:r>
+              <a:rPr lang="en-US" dirty="0"/>
+              <a:t>Google API key file = </a:t>
+            </a:r>
+          </a:p>
+          <a:p>
+            <a:r>
+              <a:rPr lang="en-US" dirty="0"/>
+              <a:t>Saved plots = \</a:t>
+            </a:r>
+            <a:r>
+              <a:rPr lang="en-US" dirty="0" err="1"/>
+              <a:t>The_Incredible_Quad</a:t>
+            </a:r>
+            <a:r>
+              <a:rPr lang="en-US" dirty="0"/>
+              <a:t>\</a:t>
+            </a:r>
+          </a:p>
+          <a:p>
+            <a:r>
+              <a:rPr lang="en-US" dirty="0"/>
+              <a:t>Dataset files = </a:t>
+            </a:r>
+          </a:p>
+          <a:p>
+            <a:pPr lvl="1"/>
+            <a:r>
+              <a:rPr lang="en-US" dirty="0"/>
+              <a:t>*.csv </a:t>
             </a:r>
           </a:p>
         </p:txBody>
@@ -7011,7 +8702,7 @@
     </p:spTree>
     <p:extLst>
       <p:ext uri="{BB962C8B-B14F-4D97-AF65-F5344CB8AC3E}">
-        <p14:creationId xmlns:p14="http://schemas.microsoft.com/office/powerpoint/2010/main" val="1530488418"/>
+        <p14:creationId xmlns:p14="http://schemas.microsoft.com/office/powerpoint/2010/main" val="821304537"/>
       </p:ext>
     </p:extLst>
   </p:cSld>
@@ -7021,7 +8712,7 @@
 </p:sld>
 </file>
 
-<file path=ppt/slides/slide15.xml><?xml version="1.0" encoding="utf-8"?>
+<file path=ppt/slides/slide25.xml><?xml version="1.0" encoding="utf-8"?>
 <p:sld xmlns:a="http://schemas.openxmlformats.org/drawingml/2006/main" xmlns:r="http://schemas.openxmlformats.org/officeDocument/2006/relationships" xmlns:p="http://schemas.openxmlformats.org/presentationml/2006/main">
   <p:cSld>
     <p:spTree>
@@ -7061,7 +8752,7 @@
           <a:p>
             <a:r>
               <a:rPr lang="en-US" dirty="0"/>
-              <a:t>Climate – Prakash</a:t>
+              <a:t>Climate Analysis Files (Prakash)</a:t>
             </a:r>
           </a:p>
         </p:txBody>
@@ -7082,762 +8773,87 @@
             <p:ph idx="1"/>
           </p:nvPr>
         </p:nvSpPr>
-        <p:spPr>
-          <a:xfrm>
-            <a:off x="1295401" y="2556933"/>
-            <a:ext cx="9601196" cy="1303867"/>
-          </a:xfrm>
-        </p:spPr>
+        <p:spPr/>
         <p:txBody>
           <a:bodyPr>
-            <a:normAutofit fontScale="62500" lnSpcReduction="20000"/>
+            <a:normAutofit lnSpcReduction="10000"/>
           </a:bodyPr>
           <a:lstStyle/>
           <a:p>
             <a:r>
               <a:rPr lang="en-US" dirty="0"/>
-              <a:t>Warmer </a:t>
-            </a:r>
-            <a:r>
-              <a:rPr lang="en-US" dirty="0">
-                <a:solidFill>
-                  <a:srgbClr val="FF0000"/>
-                </a:solidFill>
-              </a:rPr>
-              <a:t>climate</a:t>
-            </a:r>
-            <a:r>
-              <a:rPr lang="en-US" dirty="0"/>
-              <a:t> preferred state to live in, correlate to higher home price?</a:t>
-            </a:r>
-            <a:endParaRPr lang="en-US" i="1" dirty="0"/>
+              <a:t>Files are in folder – \The_Incredible_Quad\</a:t>
+            </a:r>
+            <a:r>
+              <a:rPr lang="en-US" dirty="0" err="1"/>
+              <a:t>Climate_analysis</a:t>
+            </a:r>
+            <a:r>
+              <a:rPr lang="en-US" dirty="0"/>
+              <a:t>\</a:t>
+            </a:r>
+          </a:p>
+          <a:p>
+            <a:r>
+              <a:rPr lang="en-US" dirty="0" err="1"/>
+              <a:t>Jupyter</a:t>
+            </a:r>
+            <a:r>
+              <a:rPr lang="en-US" dirty="0"/>
+              <a:t> NB filename = </a:t>
+            </a:r>
+            <a:r>
+              <a:rPr lang="en-US" dirty="0" err="1"/>
+              <a:t>climate_main_analysis.ipynb</a:t>
+            </a:r>
+            <a:endParaRPr lang="en-US" dirty="0"/>
+          </a:p>
+          <a:p>
+            <a:r>
+              <a:rPr lang="en-US" dirty="0"/>
+              <a:t>Google API key file = config.py</a:t>
+            </a:r>
+          </a:p>
+          <a:p>
+            <a:r>
+              <a:rPr lang="en-US" dirty="0"/>
+              <a:t>Saved plots = \The_Incredible_Quad\Climate_analysis\</a:t>
+            </a:r>
+            <a:r>
+              <a:rPr lang="en-US" dirty="0" err="1"/>
+              <a:t>Climate_images</a:t>
+            </a:r>
+            <a:r>
+              <a:rPr lang="en-US" dirty="0"/>
+              <a:t>\</a:t>
+            </a:r>
+          </a:p>
+          <a:p>
+            <a:r>
+              <a:rPr lang="en-US" dirty="0"/>
+              <a:t>Dataset files = </a:t>
+            </a:r>
           </a:p>
           <a:p>
             <a:pPr lvl="1"/>
             <a:r>
-              <a:rPr lang="en-US" i="1" dirty="0"/>
-              <a:t>There’s </a:t>
-            </a:r>
-            <a:r>
-              <a:rPr lang="en-US" i="1" dirty="0">
-                <a:solidFill>
-                  <a:srgbClr val="FF0000"/>
-                </a:solidFill>
-              </a:rPr>
-              <a:t>no obvious correlation for temperature and home price</a:t>
-            </a:r>
-            <a:r>
-              <a:rPr lang="en-US" i="1" dirty="0"/>
-              <a:t>. Thus home prices in higher temperature state isn’t true based on this analysis.</a:t>
+              <a:rPr lang="en-US" dirty="0"/>
+              <a:t>Climate_dataset2010_2018.csv </a:t>
             </a:r>
           </a:p>
           <a:p>
             <a:pPr lvl="1"/>
             <a:r>
-              <a:rPr lang="en-US" i="1" dirty="0"/>
-              <a:t>Same conclusion for Weighted Sum Analyzed states (see the left plot), the top 20 choice States( in red dots) are almost the same price range as the lower ranked States</a:t>
-            </a:r>
-          </a:p>
-          <a:p>
-            <a:pPr lvl="1"/>
-            <a:r>
-              <a:rPr lang="en-US" i="1" dirty="0">
-                <a:solidFill>
-                  <a:srgbClr val="FF0000"/>
-                </a:solidFill>
-              </a:rPr>
-              <a:t>California came the 1</a:t>
-            </a:r>
-            <a:r>
-              <a:rPr lang="en-US" i="1" baseline="30000" dirty="0">
-                <a:solidFill>
-                  <a:srgbClr val="FF0000"/>
-                </a:solidFill>
-              </a:rPr>
-              <a:t>st</a:t>
-            </a:r>
-            <a:r>
-              <a:rPr lang="en-US" i="1" dirty="0">
-                <a:solidFill>
-                  <a:srgbClr val="FF0000"/>
-                </a:solidFill>
-              </a:rPr>
-              <a:t> in terms of climate (see table, circled in red)</a:t>
-            </a:r>
-            <a:endParaRPr lang="en-US" dirty="0">
-              <a:solidFill>
-                <a:srgbClr val="FF0000"/>
-              </a:solidFill>
-            </a:endParaRPr>
-          </a:p>
-        </p:txBody>
-      </p:sp>
-      <p:pic>
-        <p:nvPicPr>
-          <p:cNvPr id="13" name="Picture 12">
-            <a:extLst>
-              <a:ext uri="{FF2B5EF4-FFF2-40B4-BE49-F238E27FC236}">
-                <a16:creationId xmlns:a16="http://schemas.microsoft.com/office/drawing/2014/main" id="{A4045757-FE6B-4FD3-9C1B-E11C2A15257C}"/>
-              </a:ext>
-            </a:extLst>
-          </p:cNvPr>
-          <p:cNvPicPr>
-            <a:picLocks noChangeAspect="1"/>
-          </p:cNvPicPr>
-          <p:nvPr/>
-        </p:nvPicPr>
-        <p:blipFill>
-          <a:blip r:embed="rId2"/>
-          <a:stretch>
-            <a:fillRect/>
-          </a:stretch>
-        </p:blipFill>
-        <p:spPr>
-          <a:xfrm>
-            <a:off x="775852" y="3860800"/>
-            <a:ext cx="5291539" cy="2267803"/>
-          </a:xfrm>
-          <a:prstGeom prst="rect">
-            <a:avLst/>
-          </a:prstGeom>
-        </p:spPr>
-      </p:pic>
-      <p:pic>
-        <p:nvPicPr>
-          <p:cNvPr id="15" name="Picture 14" descr="A picture containing sky&#10;&#10;Description automatically generated">
-            <a:extLst>
-              <a:ext uri="{FF2B5EF4-FFF2-40B4-BE49-F238E27FC236}">
-                <a16:creationId xmlns:a16="http://schemas.microsoft.com/office/drawing/2014/main" id="{81044354-6CB7-4FC8-9A53-29FBAEE31529}"/>
-              </a:ext>
-            </a:extLst>
-          </p:cNvPr>
-          <p:cNvPicPr>
-            <a:picLocks noChangeAspect="1"/>
-          </p:cNvPicPr>
-          <p:nvPr/>
-        </p:nvPicPr>
-        <p:blipFill>
-          <a:blip r:embed="rId3"/>
-          <a:stretch>
-            <a:fillRect/>
-          </a:stretch>
-        </p:blipFill>
-        <p:spPr>
-          <a:xfrm>
-            <a:off x="6124611" y="3860800"/>
-            <a:ext cx="5291543" cy="2267804"/>
-          </a:xfrm>
-          <a:prstGeom prst="rect">
-            <a:avLst/>
-          </a:prstGeom>
-        </p:spPr>
-      </p:pic>
-      <p:pic>
-        <p:nvPicPr>
-          <p:cNvPr id="16" name="Picture 15">
-            <a:extLst>
-              <a:ext uri="{FF2B5EF4-FFF2-40B4-BE49-F238E27FC236}">
-                <a16:creationId xmlns:a16="http://schemas.microsoft.com/office/drawing/2014/main" id="{F7C3ADD3-2F36-4D9D-B803-BCCCA2FB7FBE}"/>
-              </a:ext>
-            </a:extLst>
-          </p:cNvPr>
-          <p:cNvPicPr>
-            <a:picLocks noChangeAspect="1"/>
-          </p:cNvPicPr>
-          <p:nvPr/>
-        </p:nvPicPr>
-        <p:blipFill>
-          <a:blip r:embed="rId4"/>
-          <a:stretch>
-            <a:fillRect/>
-          </a:stretch>
-        </p:blipFill>
-        <p:spPr>
-          <a:xfrm>
-            <a:off x="5648461" y="4131734"/>
-            <a:ext cx="837857" cy="1178040"/>
-          </a:xfrm>
-          <a:prstGeom prst="rect">
-            <a:avLst/>
-          </a:prstGeom>
-        </p:spPr>
-      </p:pic>
+              <a:rPr lang="en-US" dirty="0"/>
+              <a:t>sfr_home_prices.csv</a:t>
+            </a:r>
+          </a:p>
+        </p:txBody>
+      </p:sp>
     </p:spTree>
     <p:extLst>
       <p:ext uri="{BB962C8B-B14F-4D97-AF65-F5344CB8AC3E}">
-        <p14:creationId xmlns:p14="http://schemas.microsoft.com/office/powerpoint/2010/main" val="1615632251"/>
-      </p:ext>
-    </p:extLst>
-  </p:cSld>
-  <p:clrMapOvr>
-    <a:masterClrMapping/>
-  </p:clrMapOvr>
-</p:sld>
-</file>
-
-<file path=ppt/slides/slide16.xml><?xml version="1.0" encoding="utf-8"?>
-<p:sld xmlns:a="http://schemas.openxmlformats.org/drawingml/2006/main" xmlns:r="http://schemas.openxmlformats.org/officeDocument/2006/relationships" xmlns:p="http://schemas.openxmlformats.org/presentationml/2006/main">
-  <p:cSld>
-    <p:spTree>
-      <p:nvGrpSpPr>
-        <p:cNvPr id="1" name=""/>
-        <p:cNvGrpSpPr/>
-        <p:nvPr/>
-      </p:nvGrpSpPr>
-      <p:grpSpPr>
-        <a:xfrm>
-          <a:off x="0" y="0"/>
-          <a:ext cx="0" cy="0"/>
-          <a:chOff x="0" y="0"/>
-          <a:chExt cx="0" cy="0"/>
-        </a:xfrm>
-      </p:grpSpPr>
-      <p:sp>
-        <p:nvSpPr>
-          <p:cNvPr id="2" name="Title 1">
-            <a:extLst>
-              <a:ext uri="{FF2B5EF4-FFF2-40B4-BE49-F238E27FC236}">
-                <a16:creationId xmlns:a16="http://schemas.microsoft.com/office/drawing/2014/main" id="{1917A588-6B43-4326-8CEE-B31FA8CC4FDB}"/>
-              </a:ext>
-            </a:extLst>
-          </p:cNvPr>
-          <p:cNvSpPr>
-            <a:spLocks noGrp="1"/>
-          </p:cNvSpPr>
-          <p:nvPr>
-            <p:ph type="title"/>
-          </p:nvPr>
-        </p:nvSpPr>
-        <p:spPr/>
-        <p:txBody>
-          <a:bodyPr/>
-          <a:lstStyle/>
-          <a:p>
-            <a:r>
-              <a:rPr lang="en-US" dirty="0"/>
-              <a:t>Climate – Prakash (</a:t>
-            </a:r>
-            <a:r>
-              <a:rPr lang="en-US" dirty="0" err="1"/>
-              <a:t>con’t</a:t>
-            </a:r>
-            <a:r>
-              <a:rPr lang="en-US" dirty="0"/>
-              <a:t>)</a:t>
-            </a:r>
-          </a:p>
-        </p:txBody>
-      </p:sp>
-      <p:sp>
-        <p:nvSpPr>
-          <p:cNvPr id="3" name="Content Placeholder 2">
-            <a:extLst>
-              <a:ext uri="{FF2B5EF4-FFF2-40B4-BE49-F238E27FC236}">
-                <a16:creationId xmlns:a16="http://schemas.microsoft.com/office/drawing/2014/main" id="{F5BE9D4D-949C-4037-9F87-16CDE0EE0466}"/>
-              </a:ext>
-            </a:extLst>
-          </p:cNvPr>
-          <p:cNvSpPr>
-            <a:spLocks noGrp="1"/>
-          </p:cNvSpPr>
-          <p:nvPr>
-            <p:ph idx="1"/>
-          </p:nvPr>
-        </p:nvSpPr>
-        <p:spPr>
-          <a:xfrm>
-            <a:off x="1295400" y="2556932"/>
-            <a:ext cx="9967545" cy="1258192"/>
-          </a:xfrm>
-        </p:spPr>
-        <p:txBody>
-          <a:bodyPr>
-            <a:normAutofit fontScale="70000" lnSpcReduction="20000"/>
-          </a:bodyPr>
-          <a:lstStyle/>
-          <a:p>
-            <a:r>
-              <a:rPr lang="en-US" dirty="0"/>
-              <a:t>Dataset challenges were,</a:t>
-            </a:r>
-          </a:p>
-          <a:p>
-            <a:pPr lvl="1"/>
-            <a:r>
-              <a:rPr lang="en-US" i="1" dirty="0"/>
-              <a:t>Obtaining the 2018 data, </a:t>
-            </a:r>
-            <a:r>
-              <a:rPr lang="en-US" i="1" dirty="0">
-                <a:solidFill>
-                  <a:srgbClr val="FF0000"/>
-                </a:solidFill>
-              </a:rPr>
-              <a:t>hard to find the latest. Mostly were up to 2010 </a:t>
-            </a:r>
-          </a:p>
-          <a:p>
-            <a:pPr lvl="1"/>
-            <a:r>
-              <a:rPr lang="en-US" i="1" dirty="0">
-                <a:solidFill>
-                  <a:srgbClr val="FF0000"/>
-                </a:solidFill>
-              </a:rPr>
-              <a:t>Limited states </a:t>
-            </a:r>
-            <a:r>
-              <a:rPr lang="en-US" i="1" dirty="0"/>
-              <a:t>with climate data for “2018” – refer to Geo Map figure</a:t>
-            </a:r>
-          </a:p>
-          <a:p>
-            <a:pPr lvl="1"/>
-            <a:r>
-              <a:rPr lang="en-US" i="1" dirty="0"/>
-              <a:t>Some states have </a:t>
-            </a:r>
-            <a:r>
-              <a:rPr lang="en-US" i="1" dirty="0">
-                <a:solidFill>
-                  <a:srgbClr val="FF0000"/>
-                </a:solidFill>
-              </a:rPr>
-              <a:t>wider temperature spread </a:t>
-            </a:r>
-            <a:r>
-              <a:rPr lang="en-US" i="1" dirty="0"/>
-              <a:t>– refer to Temperature boxplot </a:t>
-            </a:r>
-          </a:p>
-          <a:p>
-            <a:pPr lvl="1"/>
-            <a:endParaRPr lang="en-US" i="1" dirty="0"/>
-          </a:p>
-          <a:p>
-            <a:pPr lvl="1"/>
-            <a:endParaRPr lang="en-US" i="1" dirty="0"/>
-          </a:p>
-        </p:txBody>
-      </p:sp>
-      <p:pic>
-        <p:nvPicPr>
-          <p:cNvPr id="5" name="Picture 4" descr="A screenshot of a computer&#10;&#10;Description automatically generated">
-            <a:extLst>
-              <a:ext uri="{FF2B5EF4-FFF2-40B4-BE49-F238E27FC236}">
-                <a16:creationId xmlns:a16="http://schemas.microsoft.com/office/drawing/2014/main" id="{79D8BE27-0A75-404F-B08B-8A2E6976194C}"/>
-              </a:ext>
-            </a:extLst>
-          </p:cNvPr>
-          <p:cNvPicPr>
-            <a:picLocks noChangeAspect="1"/>
-          </p:cNvPicPr>
-          <p:nvPr/>
-        </p:nvPicPr>
-        <p:blipFill>
-          <a:blip r:embed="rId2"/>
-          <a:stretch>
-            <a:fillRect/>
-          </a:stretch>
-        </p:blipFill>
-        <p:spPr>
-          <a:xfrm>
-            <a:off x="764929" y="3815124"/>
-            <a:ext cx="5512558" cy="2362525"/>
-          </a:xfrm>
-          <a:prstGeom prst="rect">
-            <a:avLst/>
-          </a:prstGeom>
-        </p:spPr>
-      </p:pic>
-      <p:pic>
-        <p:nvPicPr>
-          <p:cNvPr id="7" name="Picture 6" descr="A picture containing text, map&#10;&#10;Description automatically generated">
-            <a:extLst>
-              <a:ext uri="{FF2B5EF4-FFF2-40B4-BE49-F238E27FC236}">
-                <a16:creationId xmlns:a16="http://schemas.microsoft.com/office/drawing/2014/main" id="{741B7D40-59D5-4388-9ED2-D7BC2EDC9766}"/>
-              </a:ext>
-            </a:extLst>
-          </p:cNvPr>
-          <p:cNvPicPr>
-            <a:picLocks noChangeAspect="1"/>
-          </p:cNvPicPr>
-          <p:nvPr/>
-        </p:nvPicPr>
-        <p:blipFill>
-          <a:blip r:embed="rId3"/>
-          <a:stretch>
-            <a:fillRect/>
-          </a:stretch>
-        </p:blipFill>
-        <p:spPr>
-          <a:xfrm>
-            <a:off x="6277487" y="3815124"/>
-            <a:ext cx="5275707" cy="2273864"/>
-          </a:xfrm>
-          <a:prstGeom prst="rect">
-            <a:avLst/>
-          </a:prstGeom>
-        </p:spPr>
-      </p:pic>
-      <p:sp>
-        <p:nvSpPr>
-          <p:cNvPr id="8" name="Oval 7">
-            <a:extLst>
-              <a:ext uri="{FF2B5EF4-FFF2-40B4-BE49-F238E27FC236}">
-                <a16:creationId xmlns:a16="http://schemas.microsoft.com/office/drawing/2014/main" id="{02B66A99-1F1F-4C8F-BEA2-44D493D521BF}"/>
-              </a:ext>
-            </a:extLst>
-          </p:cNvPr>
-          <p:cNvSpPr/>
-          <p:nvPr/>
-        </p:nvSpPr>
-        <p:spPr>
-          <a:xfrm>
-            <a:off x="1521229" y="4297680"/>
-            <a:ext cx="282633" cy="1138844"/>
-          </a:xfrm>
-          <a:prstGeom prst="ellipse">
-            <a:avLst/>
-          </a:prstGeom>
-          <a:noFill/>
-          <a:ln>
-            <a:solidFill>
-              <a:srgbClr val="FF0000"/>
-            </a:solidFill>
-          </a:ln>
-        </p:spPr>
-        <p:style>
-          <a:lnRef idx="2">
-            <a:schemeClr val="accent1">
-              <a:shade val="50000"/>
-            </a:schemeClr>
-          </a:lnRef>
-          <a:fillRef idx="1">
-            <a:schemeClr val="accent1"/>
-          </a:fillRef>
-          <a:effectRef idx="0">
-            <a:schemeClr val="accent1"/>
-          </a:effectRef>
-          <a:fontRef idx="minor">
-            <a:schemeClr val="lt1"/>
-          </a:fontRef>
-        </p:style>
-        <p:txBody>
-          <a:bodyPr rtlCol="0" anchor="ctr"/>
-          <a:lstStyle/>
-          <a:p>
-            <a:pPr algn="ctr"/>
-            <a:endParaRPr lang="en-US"/>
-          </a:p>
-        </p:txBody>
-      </p:sp>
-    </p:spTree>
-    <p:extLst>
-      <p:ext uri="{BB962C8B-B14F-4D97-AF65-F5344CB8AC3E}">
-        <p14:creationId xmlns:p14="http://schemas.microsoft.com/office/powerpoint/2010/main" val="4136999629"/>
-      </p:ext>
-    </p:extLst>
-  </p:cSld>
-  <p:clrMapOvr>
-    <a:masterClrMapping/>
-  </p:clrMapOvr>
-</p:sld>
-</file>
-
-<file path=ppt/slides/slide17.xml><?xml version="1.0" encoding="utf-8"?>
-<p:sld xmlns:a="http://schemas.openxmlformats.org/drawingml/2006/main" xmlns:r="http://schemas.openxmlformats.org/officeDocument/2006/relationships" xmlns:p="http://schemas.openxmlformats.org/presentationml/2006/main">
-  <p:cSld>
-    <p:spTree>
-      <p:nvGrpSpPr>
-        <p:cNvPr id="1" name=""/>
-        <p:cNvGrpSpPr/>
-        <p:nvPr/>
-      </p:nvGrpSpPr>
-      <p:grpSpPr>
-        <a:xfrm>
-          <a:off x="0" y="0"/>
-          <a:ext cx="0" cy="0"/>
-          <a:chOff x="0" y="0"/>
-          <a:chExt cx="0" cy="0"/>
-        </a:xfrm>
-      </p:grpSpPr>
-      <p:sp>
-        <p:nvSpPr>
-          <p:cNvPr id="2" name="Title 1">
-            <a:extLst>
-              <a:ext uri="{FF2B5EF4-FFF2-40B4-BE49-F238E27FC236}">
-                <a16:creationId xmlns:a16="http://schemas.microsoft.com/office/drawing/2014/main" id="{1917A588-6B43-4326-8CEE-B31FA8CC4FDB}"/>
-              </a:ext>
-            </a:extLst>
-          </p:cNvPr>
-          <p:cNvSpPr>
-            <a:spLocks noGrp="1"/>
-          </p:cNvSpPr>
-          <p:nvPr>
-            <p:ph type="title"/>
-          </p:nvPr>
-        </p:nvSpPr>
-        <p:spPr/>
-        <p:txBody>
-          <a:bodyPr/>
-          <a:lstStyle/>
-          <a:p>
-            <a:r>
-              <a:rPr lang="en-US" dirty="0"/>
-              <a:t>Climate – Prakash (</a:t>
-            </a:r>
-            <a:r>
-              <a:rPr lang="en-US" dirty="0" err="1"/>
-              <a:t>con’t</a:t>
-            </a:r>
-            <a:r>
-              <a:rPr lang="en-US" dirty="0"/>
-              <a:t>)</a:t>
-            </a:r>
-          </a:p>
-        </p:txBody>
-      </p:sp>
-      <p:sp>
-        <p:nvSpPr>
-          <p:cNvPr id="3" name="Content Placeholder 2">
-            <a:extLst>
-              <a:ext uri="{FF2B5EF4-FFF2-40B4-BE49-F238E27FC236}">
-                <a16:creationId xmlns:a16="http://schemas.microsoft.com/office/drawing/2014/main" id="{F5BE9D4D-949C-4037-9F87-16CDE0EE0466}"/>
-              </a:ext>
-            </a:extLst>
-          </p:cNvPr>
-          <p:cNvSpPr>
-            <a:spLocks noGrp="1"/>
-          </p:cNvSpPr>
-          <p:nvPr>
-            <p:ph idx="1"/>
-          </p:nvPr>
-        </p:nvSpPr>
-        <p:spPr>
-          <a:xfrm>
-            <a:off x="1129147" y="3624501"/>
-            <a:ext cx="2195944" cy="1183795"/>
-          </a:xfrm>
-        </p:spPr>
-        <p:txBody>
-          <a:bodyPr>
-            <a:normAutofit/>
-          </a:bodyPr>
-          <a:lstStyle/>
-          <a:p>
-            <a:r>
-              <a:rPr lang="en-US" sz="1600" dirty="0"/>
-              <a:t>Annual home price by State </a:t>
-            </a:r>
-            <a:r>
-              <a:rPr lang="en-US" sz="1600" dirty="0">
-                <a:solidFill>
-                  <a:srgbClr val="FF0000"/>
-                </a:solidFill>
-              </a:rPr>
-              <a:t>doesn’t have huge spread </a:t>
-            </a:r>
-            <a:r>
-              <a:rPr lang="en-US" sz="1600" dirty="0"/>
-              <a:t>like climate’s. </a:t>
-            </a:r>
-            <a:endParaRPr lang="en-US" sz="1600" i="1" dirty="0"/>
-          </a:p>
-        </p:txBody>
-      </p:sp>
-      <p:pic>
-        <p:nvPicPr>
-          <p:cNvPr id="5" name="Picture 4" descr="A close up of a mans face&#10;&#10;Description automatically generated">
-            <a:extLst>
-              <a:ext uri="{FF2B5EF4-FFF2-40B4-BE49-F238E27FC236}">
-                <a16:creationId xmlns:a16="http://schemas.microsoft.com/office/drawing/2014/main" id="{062B4FCC-AECA-4C13-B383-65409235222B}"/>
-              </a:ext>
-            </a:extLst>
-          </p:cNvPr>
-          <p:cNvPicPr>
-            <a:picLocks noChangeAspect="1"/>
-          </p:cNvPicPr>
-          <p:nvPr/>
-        </p:nvPicPr>
-        <p:blipFill>
-          <a:blip r:embed="rId2"/>
-          <a:stretch>
-            <a:fillRect/>
-          </a:stretch>
-        </p:blipFill>
-        <p:spPr>
-          <a:xfrm>
-            <a:off x="3632708" y="2556931"/>
-            <a:ext cx="7744186" cy="3318937"/>
-          </a:xfrm>
-          <a:prstGeom prst="rect">
-            <a:avLst/>
-          </a:prstGeom>
-        </p:spPr>
-      </p:pic>
-    </p:spTree>
-    <p:extLst>
-      <p:ext uri="{BB962C8B-B14F-4D97-AF65-F5344CB8AC3E}">
-        <p14:creationId xmlns:p14="http://schemas.microsoft.com/office/powerpoint/2010/main" val="2698286698"/>
-      </p:ext>
-    </p:extLst>
-  </p:cSld>
-  <p:clrMapOvr>
-    <a:masterClrMapping/>
-  </p:clrMapOvr>
-</p:sld>
-</file>
-
-<file path=ppt/slides/slide2.xml><?xml version="1.0" encoding="utf-8"?>
-<p:sld xmlns:a="http://schemas.openxmlformats.org/drawingml/2006/main" xmlns:r="http://schemas.openxmlformats.org/officeDocument/2006/relationships" xmlns:p="http://schemas.openxmlformats.org/presentationml/2006/main">
-  <p:cSld>
-    <p:spTree>
-      <p:nvGrpSpPr>
-        <p:cNvPr id="1" name=""/>
-        <p:cNvGrpSpPr/>
-        <p:nvPr/>
-      </p:nvGrpSpPr>
-      <p:grpSpPr>
-        <a:xfrm>
-          <a:off x="0" y="0"/>
-          <a:ext cx="0" cy="0"/>
-          <a:chOff x="0" y="0"/>
-          <a:chExt cx="0" cy="0"/>
-        </a:xfrm>
-      </p:grpSpPr>
-      <p:sp>
-        <p:nvSpPr>
-          <p:cNvPr id="2" name="Title 1">
-            <a:extLst>
-              <a:ext uri="{FF2B5EF4-FFF2-40B4-BE49-F238E27FC236}">
-                <a16:creationId xmlns:a16="http://schemas.microsoft.com/office/drawing/2014/main" id="{377C9523-097C-4E43-AC8E-8C68B3057BB1}"/>
-              </a:ext>
-            </a:extLst>
-          </p:cNvPr>
-          <p:cNvSpPr>
-            <a:spLocks noGrp="1"/>
-          </p:cNvSpPr>
-          <p:nvPr>
-            <p:ph type="title"/>
-          </p:nvPr>
-        </p:nvSpPr>
-        <p:spPr/>
-        <p:txBody>
-          <a:bodyPr/>
-          <a:lstStyle/>
-          <a:p>
-            <a:r>
-              <a:rPr lang="en-US" dirty="0"/>
-              <a:t>Project 1 Technical Requirement</a:t>
-            </a:r>
-          </a:p>
-        </p:txBody>
-      </p:sp>
-      <p:sp>
-        <p:nvSpPr>
-          <p:cNvPr id="3" name="Content Placeholder 2">
-            <a:extLst>
-              <a:ext uri="{FF2B5EF4-FFF2-40B4-BE49-F238E27FC236}">
-                <a16:creationId xmlns:a16="http://schemas.microsoft.com/office/drawing/2014/main" id="{42C92943-A346-4DB7-A073-7ED62D2A2B66}"/>
-              </a:ext>
-            </a:extLst>
-          </p:cNvPr>
-          <p:cNvSpPr>
-            <a:spLocks noGrp="1"/>
-          </p:cNvSpPr>
-          <p:nvPr>
-            <p:ph idx="1"/>
-          </p:nvPr>
-        </p:nvSpPr>
-        <p:spPr/>
-        <p:txBody>
-          <a:bodyPr>
-            <a:normAutofit fontScale="55000" lnSpcReduction="20000"/>
-          </a:bodyPr>
-          <a:lstStyle/>
-          <a:p>
-            <a:r>
-              <a:rPr lang="en-US" dirty="0"/>
-              <a:t># Technical Requirements</a:t>
-            </a:r>
-          </a:p>
-          <a:p>
-            <a:r>
-              <a:rPr lang="en-US" dirty="0"/>
-              <a:t>The technical requirements for Project 1 are as follows.</a:t>
-            </a:r>
-          </a:p>
-          <a:p>
-            <a:r>
-              <a:rPr lang="en-US" dirty="0"/>
-              <a:t>* [ ] Use Pandas to clean and format your data set(s)</a:t>
-            </a:r>
-          </a:p>
-          <a:p>
-            <a:r>
-              <a:rPr lang="en-US" dirty="0"/>
-              <a:t>* [ ] Create a </a:t>
-            </a:r>
-            <a:r>
-              <a:rPr lang="en-US" dirty="0" err="1"/>
-              <a:t>Jupyter</a:t>
-            </a:r>
-            <a:r>
-              <a:rPr lang="en-US" dirty="0"/>
-              <a:t> Notebook describing the **data exploration and cleanup** process</a:t>
-            </a:r>
-          </a:p>
-          <a:p>
-            <a:r>
-              <a:rPr lang="en-US" dirty="0"/>
-              <a:t>* [ ] Create a </a:t>
-            </a:r>
-            <a:r>
-              <a:rPr lang="en-US" dirty="0" err="1"/>
-              <a:t>Jupyter</a:t>
-            </a:r>
-            <a:r>
-              <a:rPr lang="en-US" dirty="0"/>
-              <a:t> Notebook illustrating the **final data analysis*** [ ] Use Matplotlib to create a total of 6-8 visualizations of your data (ideally, at least 2 per "question" you ask of your data)</a:t>
-            </a:r>
-          </a:p>
-          <a:p>
-            <a:r>
-              <a:rPr lang="en-US" dirty="0"/>
-              <a:t>* [ ] Save PNG images of your visualizations to distribute to the class and instructional team, and for inclusion in your presentation</a:t>
-            </a:r>
-          </a:p>
-          <a:p>
-            <a:r>
-              <a:rPr lang="en-US" dirty="0"/>
-              <a:t>* [ ] Optionally, use at least one API, if you can find an API with data pertinent to your primary research questions</a:t>
-            </a:r>
-          </a:p>
-          <a:p>
-            <a:r>
-              <a:rPr lang="en-US" dirty="0"/>
-              <a:t>* [ ] Create a write-up summarizing your major findings. This should include a heading for each "question" you asked of your data, and under each heading, a short description of what you found and any relevant plots.</a:t>
-            </a:r>
-          </a:p>
-          <a:p>
-            <a:r>
-              <a:rPr lang="en-US" dirty="0"/>
-              <a:t>- - -### Copyright</a:t>
-            </a:r>
-          </a:p>
-          <a:p>
-            <a:r>
-              <a:rPr lang="en-US" dirty="0"/>
-              <a:t>Coding Boot Camp © 2017. All Rights Reserved.</a:t>
-            </a:r>
-          </a:p>
-        </p:txBody>
-      </p:sp>
-    </p:spTree>
-    <p:extLst>
-      <p:ext uri="{BB962C8B-B14F-4D97-AF65-F5344CB8AC3E}">
-        <p14:creationId xmlns:p14="http://schemas.microsoft.com/office/powerpoint/2010/main" val="3211359946"/>
+        <p14:creationId xmlns:p14="http://schemas.microsoft.com/office/powerpoint/2010/main" val="306411774"/>
       </p:ext>
     </p:extLst>
   </p:cSld>
@@ -7887,7 +8903,7 @@
           <a:p>
             <a:r>
               <a:rPr lang="en-US" dirty="0"/>
-              <a:t>Question Breakdown</a:t>
+              <a:t>Project Description</a:t>
             </a:r>
           </a:p>
         </p:txBody>
@@ -7917,48 +8933,71 @@
           <a:p>
             <a:r>
               <a:rPr lang="en-US" dirty="0"/>
-              <a:t>Best State </a:t>
+              <a:t>Our opinion on Best State to live in 2018 for </a:t>
+            </a:r>
+            <a:r>
+              <a:rPr lang="en-US" dirty="0">
+                <a:solidFill>
+                  <a:srgbClr val="FF0000"/>
+                </a:solidFill>
+              </a:rPr>
+              <a:t>“employee” </a:t>
+            </a:r>
+            <a:r>
+              <a:rPr lang="en-US" dirty="0">
+                <a:solidFill>
+                  <a:schemeClr val="tx1"/>
+                </a:solidFill>
+              </a:rPr>
+              <a:t>from 6 criteria below, </a:t>
             </a:r>
           </a:p>
           <a:p>
             <a:pPr lvl="1"/>
             <a:r>
               <a:rPr lang="en-US" dirty="0"/>
-              <a:t>Out of 50 states, pick the “best choice” from top 20 in categories of salary, crime rate, unemployment rate, climate and tax rate. Not necessarily the best on all of them.</a:t>
-            </a:r>
-          </a:p>
-          <a:p>
-            <a:r>
-              <a:rPr lang="en-US" dirty="0"/>
-              <a:t>To Live In For Employee </a:t>
+              <a:t>State Tax</a:t>
             </a:r>
           </a:p>
           <a:p>
             <a:pPr lvl="1"/>
             <a:r>
               <a:rPr lang="en-US" dirty="0"/>
-              <a:t>Focus is working community and not “retiree” or “retiring soon” community.</a:t>
+              <a:t>Climate</a:t>
             </a:r>
           </a:p>
           <a:p>
             <a:pPr lvl="1"/>
             <a:r>
               <a:rPr lang="en-US" dirty="0"/>
-              <a:t>Affordable housing and tax rate, salary spent on housing + tax &lt; 65%. Having ability to save money </a:t>
+              <a:t>Unemployment rate</a:t>
             </a:r>
           </a:p>
           <a:p>
             <a:pPr lvl="1"/>
             <a:r>
               <a:rPr lang="en-US" dirty="0"/>
-              <a:t>low crime rate and unemployment i.e. &lt; 4% for each</a:t>
+              <a:t>Crime rate</a:t>
             </a:r>
           </a:p>
           <a:p>
             <a:pPr lvl="1"/>
             <a:r>
               <a:rPr lang="en-US" dirty="0"/>
-              <a:t>acceptable climate i.e. not too hot or cold, less humid. Moderate humidity and temperatures (60 – 80 F)  </a:t>
+              <a:t>Salary</a:t>
+            </a:r>
+          </a:p>
+          <a:p>
+            <a:pPr lvl="1"/>
+            <a:r>
+              <a:rPr lang="en-US" dirty="0"/>
+              <a:t>Home Price </a:t>
+            </a:r>
+          </a:p>
+          <a:p>
+            <a:r>
+              <a:rPr lang="en-US" dirty="0"/>
+              <a:t>Through observations, plots and correlations, we’re to determine the best state for employee to live and work in.</a:t>
             </a:r>
           </a:p>
         </p:txBody>
@@ -7966,7 +9005,7 @@
     </p:spTree>
     <p:extLst>
       <p:ext uri="{BB962C8B-B14F-4D97-AF65-F5344CB8AC3E}">
-        <p14:creationId xmlns:p14="http://schemas.microsoft.com/office/powerpoint/2010/main" val="1234996424"/>
+        <p14:creationId xmlns:p14="http://schemas.microsoft.com/office/powerpoint/2010/main" val="2000845695"/>
       </p:ext>
     </p:extLst>
   </p:cSld>
@@ -8016,7 +9055,7 @@
           <a:p>
             <a:r>
               <a:rPr lang="en-US" dirty="0"/>
-              <a:t>Project Description</a:t>
+              <a:t>Question Breakdown</a:t>
             </a:r>
           </a:p>
         </p:txBody>
@@ -8040,70 +9079,58 @@
         <p:spPr/>
         <p:txBody>
           <a:bodyPr>
-            <a:normAutofit fontScale="92500" lnSpcReduction="10000"/>
+            <a:normAutofit fontScale="85000" lnSpcReduction="10000"/>
           </a:bodyPr>
           <a:lstStyle/>
           <a:p>
             <a:r>
               <a:rPr lang="en-US" dirty="0"/>
-              <a:t>Our opinion on Best State to live in 2018 for </a:t>
-            </a:r>
-            <a:r>
-              <a:rPr lang="en-US" dirty="0">
+              <a:t>Best State </a:t>
+            </a:r>
+          </a:p>
+          <a:p>
+            <a:pPr lvl="1"/>
+            <a:r>
+              <a:rPr lang="en-US" dirty="0"/>
+              <a:t>Out of 50 states, pick the “best choice” from top 20 in categories of salary, crime rate, unemployment rate, climate and tax rate. Not necessarily to be the best on all of those criteria.</a:t>
+            </a:r>
+          </a:p>
+          <a:p>
+            <a:r>
+              <a:rPr lang="en-US" dirty="0"/>
+              <a:t>To Live In For Employee </a:t>
+            </a:r>
+          </a:p>
+          <a:p>
+            <a:pPr lvl="1"/>
+            <a:r>
+              <a:rPr lang="en-US" b="1" dirty="0">
                 <a:solidFill>
                   <a:srgbClr val="FF0000"/>
                 </a:solidFill>
               </a:rPr>
-              <a:t>“employee” </a:t>
-            </a:r>
-            <a:r>
-              <a:rPr lang="en-US" dirty="0">
-                <a:solidFill>
-                  <a:schemeClr val="tx1"/>
-                </a:solidFill>
-              </a:rPr>
-              <a:t>from 5 criteria below, </a:t>
+              <a:t>Focus is working community and not “retiree” or “retiring soon” community</a:t>
             </a:r>
           </a:p>
           <a:p>
             <a:pPr lvl="1"/>
             <a:r>
               <a:rPr lang="en-US" dirty="0"/>
-              <a:t>State Tax</a:t>
+              <a:t>Affordable housing and tax rate, salary spent on housing + tax &lt; 65%. Having ability to save money </a:t>
             </a:r>
           </a:p>
           <a:p>
             <a:pPr lvl="1"/>
             <a:r>
               <a:rPr lang="en-US" dirty="0"/>
-              <a:t>Climate</a:t>
+              <a:t>low crime rate and unemployment i.e. &lt; 4% for each</a:t>
             </a:r>
           </a:p>
           <a:p>
             <a:pPr lvl="1"/>
             <a:r>
               <a:rPr lang="en-US" dirty="0"/>
-              <a:t>Unemployment rate</a:t>
-            </a:r>
-          </a:p>
-          <a:p>
-            <a:pPr lvl="1"/>
-            <a:r>
-              <a:rPr lang="en-US" dirty="0"/>
-              <a:t>Crime rate</a:t>
-            </a:r>
-          </a:p>
-          <a:p>
-            <a:pPr lvl="1"/>
-            <a:r>
-              <a:rPr lang="en-US" dirty="0"/>
-              <a:t>Salary </a:t>
-            </a:r>
-          </a:p>
-          <a:p>
-            <a:r>
-              <a:rPr lang="en-US" dirty="0"/>
-              <a:t>Through observations, plots and correlations, we’re to determine the best state for employee to work in.</a:t>
+              <a:t>acceptable climate i.e. not too hot or cold, less humid. Moderate humidity and temperatures (60 – 80 F)  </a:t>
             </a:r>
           </a:p>
         </p:txBody>
@@ -8111,7 +9138,7 @@
     </p:spTree>
     <p:extLst>
       <p:ext uri="{BB962C8B-B14F-4D97-AF65-F5344CB8AC3E}">
-        <p14:creationId xmlns:p14="http://schemas.microsoft.com/office/powerpoint/2010/main" val="556332744"/>
+        <p14:creationId xmlns:p14="http://schemas.microsoft.com/office/powerpoint/2010/main" val="1234996424"/>
       </p:ext>
     </p:extLst>
   </p:cSld>
@@ -8143,7 +9170,7 @@
           <p:cNvPr id="2" name="Title 1">
             <a:extLst>
               <a:ext uri="{FF2B5EF4-FFF2-40B4-BE49-F238E27FC236}">
-                <a16:creationId xmlns:a16="http://schemas.microsoft.com/office/drawing/2014/main" id="{377C9523-097C-4E43-AC8E-8C68B3057BB1}"/>
+                <a16:creationId xmlns:a16="http://schemas.microsoft.com/office/drawing/2014/main" id="{1917A588-6B43-4326-8CEE-B31FA8CC4FDB}"/>
               </a:ext>
             </a:extLst>
           </p:cNvPr>
@@ -8161,102 +9188,634 @@
           <a:p>
             <a:r>
               <a:rPr lang="en-US" dirty="0"/>
-              <a:t>Project Description</a:t>
-            </a:r>
-          </a:p>
-        </p:txBody>
-      </p:sp>
-      <p:sp>
-        <p:nvSpPr>
-          <p:cNvPr id="3" name="Content Placeholder 2">
+              <a:t>Year 2018 Supporting Datasets</a:t>
+            </a:r>
+          </a:p>
+        </p:txBody>
+      </p:sp>
+      <p:sp>
+        <p:nvSpPr>
+          <p:cNvPr id="4" name="Rectangle 3">
             <a:extLst>
               <a:ext uri="{FF2B5EF4-FFF2-40B4-BE49-F238E27FC236}">
-                <a16:creationId xmlns:a16="http://schemas.microsoft.com/office/drawing/2014/main" id="{42C92943-A346-4DB7-A073-7ED62D2A2B66}"/>
+                <a16:creationId xmlns:a16="http://schemas.microsoft.com/office/drawing/2014/main" id="{982B98E6-7640-4E5E-AE9A-932FDB07F887}"/>
               </a:ext>
             </a:extLst>
           </p:cNvPr>
-          <p:cNvSpPr>
-            <a:spLocks noGrp="1"/>
-          </p:cNvSpPr>
-          <p:nvPr>
-            <p:ph idx="1"/>
-          </p:nvPr>
-        </p:nvSpPr>
-        <p:spPr/>
-        <p:txBody>
-          <a:bodyPr>
-            <a:normAutofit fontScale="92500" lnSpcReduction="10000"/>
-          </a:bodyPr>
-          <a:lstStyle/>
-          <a:p>
-            <a:r>
-              <a:rPr lang="en-US" dirty="0"/>
-              <a:t>Our opinion on Best State to live in 2018 for </a:t>
-            </a:r>
-            <a:r>
-              <a:rPr lang="en-US" dirty="0">
-                <a:solidFill>
-                  <a:srgbClr val="FF0000"/>
-                </a:solidFill>
-              </a:rPr>
-              <a:t>“employee” </a:t>
-            </a:r>
-            <a:r>
-              <a:rPr lang="en-US" dirty="0">
-                <a:solidFill>
-                  <a:schemeClr val="tx1"/>
-                </a:solidFill>
-              </a:rPr>
-              <a:t>from 5 criteria below, </a:t>
-            </a:r>
-          </a:p>
-          <a:p>
-            <a:pPr lvl="1"/>
+          <p:cNvSpPr/>
+          <p:nvPr/>
+        </p:nvSpPr>
+        <p:spPr>
+          <a:xfrm>
+            <a:off x="5291503" y="3518101"/>
+            <a:ext cx="1608993" cy="1222131"/>
+          </a:xfrm>
+          <a:prstGeom prst="rect">
+            <a:avLst/>
+          </a:prstGeom>
+        </p:spPr>
+        <p:style>
+          <a:lnRef idx="2">
+            <a:schemeClr val="accent1">
+              <a:shade val="50000"/>
+            </a:schemeClr>
+          </a:lnRef>
+          <a:fillRef idx="1">
+            <a:schemeClr val="accent1"/>
+          </a:fillRef>
+          <a:effectRef idx="0">
+            <a:schemeClr val="accent1"/>
+          </a:effectRef>
+          <a:fontRef idx="minor">
+            <a:schemeClr val="lt1"/>
+          </a:fontRef>
+        </p:style>
+        <p:txBody>
+          <a:bodyPr rtlCol="0" anchor="ctr"/>
+          <a:lstStyle/>
+          <a:p>
+            <a:pPr algn="ctr"/>
+            <a:r>
+              <a:rPr lang="en-US" dirty="0"/>
+              <a:t>2018 Best State Choice  </a:t>
+            </a:r>
+          </a:p>
+        </p:txBody>
+      </p:sp>
+      <p:sp>
+        <p:nvSpPr>
+          <p:cNvPr id="5" name="Oval 4">
+            <a:extLst>
+              <a:ext uri="{FF2B5EF4-FFF2-40B4-BE49-F238E27FC236}">
+                <a16:creationId xmlns:a16="http://schemas.microsoft.com/office/drawing/2014/main" id="{FA0737F6-BE34-4171-AED3-2654FE6F5793}"/>
+              </a:ext>
+            </a:extLst>
+          </p:cNvPr>
+          <p:cNvSpPr/>
+          <p:nvPr/>
+        </p:nvSpPr>
+        <p:spPr>
+          <a:xfrm>
+            <a:off x="7491139" y="2693517"/>
+            <a:ext cx="2262549" cy="1222131"/>
+          </a:xfrm>
+          <a:prstGeom prst="ellipse">
+            <a:avLst/>
+          </a:prstGeom>
+        </p:spPr>
+        <p:style>
+          <a:lnRef idx="2">
+            <a:schemeClr val="accent1">
+              <a:shade val="50000"/>
+            </a:schemeClr>
+          </a:lnRef>
+          <a:fillRef idx="1">
+            <a:schemeClr val="accent1"/>
+          </a:fillRef>
+          <a:effectRef idx="0">
+            <a:schemeClr val="accent1"/>
+          </a:effectRef>
+          <a:fontRef idx="minor">
+            <a:schemeClr val="lt1"/>
+          </a:fontRef>
+        </p:style>
+        <p:txBody>
+          <a:bodyPr rtlCol="0" anchor="ctr"/>
+          <a:lstStyle/>
+          <a:p>
+            <a:pPr algn="ctr"/>
+            <a:r>
+              <a:rPr lang="en-US" dirty="0"/>
+              <a:t> Home Prices</a:t>
+            </a:r>
+          </a:p>
+        </p:txBody>
+      </p:sp>
+      <p:sp>
+        <p:nvSpPr>
+          <p:cNvPr id="6" name="Oval 5">
+            <a:extLst>
+              <a:ext uri="{FF2B5EF4-FFF2-40B4-BE49-F238E27FC236}">
+                <a16:creationId xmlns:a16="http://schemas.microsoft.com/office/drawing/2014/main" id="{30930C6A-0445-40E8-A2E1-0CB8F9F25F79}"/>
+              </a:ext>
+            </a:extLst>
+          </p:cNvPr>
+          <p:cNvSpPr/>
+          <p:nvPr/>
+        </p:nvSpPr>
+        <p:spPr>
+          <a:xfrm>
+            <a:off x="2610514" y="4129166"/>
+            <a:ext cx="2262552" cy="1303866"/>
+          </a:xfrm>
+          <a:prstGeom prst="ellipse">
+            <a:avLst/>
+          </a:prstGeom>
+        </p:spPr>
+        <p:style>
+          <a:lnRef idx="2">
+            <a:schemeClr val="accent1">
+              <a:shade val="50000"/>
+            </a:schemeClr>
+          </a:lnRef>
+          <a:fillRef idx="1">
+            <a:schemeClr val="accent1"/>
+          </a:fillRef>
+          <a:effectRef idx="0">
+            <a:schemeClr val="accent1"/>
+          </a:effectRef>
+          <a:fontRef idx="minor">
+            <a:schemeClr val="lt1"/>
+          </a:fontRef>
+        </p:style>
+        <p:txBody>
+          <a:bodyPr rtlCol="0" anchor="ctr"/>
+          <a:lstStyle/>
+          <a:p>
+            <a:pPr algn="ctr"/>
+            <a:r>
+              <a:rPr lang="en-US" dirty="0"/>
+              <a:t>Unemployment Rate</a:t>
+            </a:r>
+          </a:p>
+        </p:txBody>
+      </p:sp>
+      <p:sp>
+        <p:nvSpPr>
+          <p:cNvPr id="7" name="Oval 6">
+            <a:extLst>
+              <a:ext uri="{FF2B5EF4-FFF2-40B4-BE49-F238E27FC236}">
+                <a16:creationId xmlns:a16="http://schemas.microsoft.com/office/drawing/2014/main" id="{43A8C126-D91E-4B2C-9ACB-9C7498D62767}"/>
+              </a:ext>
+            </a:extLst>
+          </p:cNvPr>
+          <p:cNvSpPr/>
+          <p:nvPr/>
+        </p:nvSpPr>
+        <p:spPr>
+          <a:xfrm>
+            <a:off x="2473899" y="2693516"/>
+            <a:ext cx="2262552" cy="1222131"/>
+          </a:xfrm>
+          <a:prstGeom prst="ellipse">
+            <a:avLst/>
+          </a:prstGeom>
+        </p:spPr>
+        <p:style>
+          <a:lnRef idx="2">
+            <a:schemeClr val="accent1">
+              <a:shade val="50000"/>
+            </a:schemeClr>
+          </a:lnRef>
+          <a:fillRef idx="1">
+            <a:schemeClr val="accent1"/>
+          </a:fillRef>
+          <a:effectRef idx="0">
+            <a:schemeClr val="accent1"/>
+          </a:effectRef>
+          <a:fontRef idx="minor">
+            <a:schemeClr val="lt1"/>
+          </a:fontRef>
+        </p:style>
+        <p:txBody>
+          <a:bodyPr rtlCol="0" anchor="ctr"/>
+          <a:lstStyle/>
+          <a:p>
+            <a:pPr algn="ctr"/>
+            <a:r>
+              <a:rPr lang="en-US" dirty="0"/>
+              <a:t>Crime Rate</a:t>
+            </a:r>
+          </a:p>
+        </p:txBody>
+      </p:sp>
+      <p:sp>
+        <p:nvSpPr>
+          <p:cNvPr id="8" name="Oval 7">
+            <a:extLst>
+              <a:ext uri="{FF2B5EF4-FFF2-40B4-BE49-F238E27FC236}">
+                <a16:creationId xmlns:a16="http://schemas.microsoft.com/office/drawing/2014/main" id="{93E43BBF-BD00-4285-8CFA-BC114AC1E2F7}"/>
+              </a:ext>
+            </a:extLst>
+          </p:cNvPr>
+          <p:cNvSpPr/>
+          <p:nvPr/>
+        </p:nvSpPr>
+        <p:spPr>
+          <a:xfrm>
+            <a:off x="7649080" y="4129166"/>
+            <a:ext cx="2262549" cy="1222131"/>
+          </a:xfrm>
+          <a:prstGeom prst="ellipse">
+            <a:avLst/>
+          </a:prstGeom>
+        </p:spPr>
+        <p:style>
+          <a:lnRef idx="2">
+            <a:schemeClr val="accent1">
+              <a:shade val="50000"/>
+            </a:schemeClr>
+          </a:lnRef>
+          <a:fillRef idx="1">
+            <a:schemeClr val="accent1"/>
+          </a:fillRef>
+          <a:effectRef idx="0">
+            <a:schemeClr val="accent1"/>
+          </a:effectRef>
+          <a:fontRef idx="minor">
+            <a:schemeClr val="lt1"/>
+          </a:fontRef>
+        </p:style>
+        <p:txBody>
+          <a:bodyPr rtlCol="0" anchor="ctr"/>
+          <a:lstStyle/>
+          <a:p>
+            <a:pPr algn="ctr"/>
+            <a:r>
+              <a:rPr lang="en-US" dirty="0"/>
+              <a:t>Salary</a:t>
+            </a:r>
+          </a:p>
+        </p:txBody>
+      </p:sp>
+      <p:sp>
+        <p:nvSpPr>
+          <p:cNvPr id="13" name="Oval 12">
+            <a:extLst>
+              <a:ext uri="{FF2B5EF4-FFF2-40B4-BE49-F238E27FC236}">
+                <a16:creationId xmlns:a16="http://schemas.microsoft.com/office/drawing/2014/main" id="{78A88E94-BBCA-4491-97F9-BD1AFC4AAED7}"/>
+              </a:ext>
+            </a:extLst>
+          </p:cNvPr>
+          <p:cNvSpPr/>
+          <p:nvPr/>
+        </p:nvSpPr>
+        <p:spPr>
+          <a:xfrm>
+            <a:off x="5044220" y="5007535"/>
+            <a:ext cx="2262552" cy="1222131"/>
+          </a:xfrm>
+          <a:prstGeom prst="ellipse">
+            <a:avLst/>
+          </a:prstGeom>
+        </p:spPr>
+        <p:style>
+          <a:lnRef idx="2">
+            <a:schemeClr val="accent1">
+              <a:shade val="50000"/>
+            </a:schemeClr>
+          </a:lnRef>
+          <a:fillRef idx="1">
+            <a:schemeClr val="accent1"/>
+          </a:fillRef>
+          <a:effectRef idx="0">
+            <a:schemeClr val="accent1"/>
+          </a:effectRef>
+          <a:fontRef idx="minor">
+            <a:schemeClr val="lt1"/>
+          </a:fontRef>
+        </p:style>
+        <p:txBody>
+          <a:bodyPr rtlCol="0" anchor="ctr"/>
+          <a:lstStyle/>
+          <a:p>
+            <a:pPr algn="ctr"/>
             <a:r>
               <a:rPr lang="en-US" dirty="0"/>
               <a:t>State Tax</a:t>
             </a:r>
           </a:p>
-          <a:p>
-            <a:pPr lvl="1"/>
+        </p:txBody>
+      </p:sp>
+      <p:sp>
+        <p:nvSpPr>
+          <p:cNvPr id="15" name="Oval 14">
+            <a:extLst>
+              <a:ext uri="{FF2B5EF4-FFF2-40B4-BE49-F238E27FC236}">
+                <a16:creationId xmlns:a16="http://schemas.microsoft.com/office/drawing/2014/main" id="{76474B55-D896-442F-B02F-1A9226A322EE}"/>
+              </a:ext>
+            </a:extLst>
+          </p:cNvPr>
+          <p:cNvSpPr/>
+          <p:nvPr/>
+        </p:nvSpPr>
+        <p:spPr>
+          <a:xfrm>
+            <a:off x="4934323" y="2028667"/>
+            <a:ext cx="2262552" cy="1222131"/>
+          </a:xfrm>
+          <a:prstGeom prst="ellipse">
+            <a:avLst/>
+          </a:prstGeom>
+        </p:spPr>
+        <p:style>
+          <a:lnRef idx="2">
+            <a:schemeClr val="accent1">
+              <a:shade val="50000"/>
+            </a:schemeClr>
+          </a:lnRef>
+          <a:fillRef idx="1">
+            <a:schemeClr val="accent1"/>
+          </a:fillRef>
+          <a:effectRef idx="0">
+            <a:schemeClr val="accent1"/>
+          </a:effectRef>
+          <a:fontRef idx="minor">
+            <a:schemeClr val="lt1"/>
+          </a:fontRef>
+        </p:style>
+        <p:txBody>
+          <a:bodyPr rtlCol="0" anchor="ctr"/>
+          <a:lstStyle/>
+          <a:p>
+            <a:pPr algn="ctr"/>
             <a:r>
               <a:rPr lang="en-US" dirty="0"/>
               <a:t>Climate</a:t>
             </a:r>
           </a:p>
-          <a:p>
-            <a:pPr lvl="1"/>
-            <a:r>
-              <a:rPr lang="en-US" dirty="0"/>
-              <a:t>Unemployment rate</a:t>
-            </a:r>
-          </a:p>
-          <a:p>
-            <a:pPr lvl="1"/>
-            <a:r>
-              <a:rPr lang="en-US" dirty="0"/>
-              <a:t>Crime rate</a:t>
-            </a:r>
-          </a:p>
-          <a:p>
-            <a:pPr lvl="1"/>
-            <a:r>
-              <a:rPr lang="en-US" dirty="0"/>
-              <a:t>Salary </a:t>
-            </a:r>
-          </a:p>
-          <a:p>
-            <a:r>
-              <a:rPr lang="en-US" dirty="0"/>
-              <a:t>Through observations, plots and correlations, we’re to determine the best state for employee to work in.</a:t>
-            </a:r>
+        </p:txBody>
+      </p:sp>
+      <p:sp>
+        <p:nvSpPr>
+          <p:cNvPr id="3" name="Arrow: Down 2">
+            <a:extLst>
+              <a:ext uri="{FF2B5EF4-FFF2-40B4-BE49-F238E27FC236}">
+                <a16:creationId xmlns:a16="http://schemas.microsoft.com/office/drawing/2014/main" id="{900C73FB-047C-4A40-AD8B-96ADED6C32D7}"/>
+              </a:ext>
+            </a:extLst>
+          </p:cNvPr>
+          <p:cNvSpPr/>
+          <p:nvPr/>
+        </p:nvSpPr>
+        <p:spPr>
+          <a:xfrm>
+            <a:off x="6004329" y="3246907"/>
+            <a:ext cx="187488" cy="267303"/>
+          </a:xfrm>
+          <a:prstGeom prst="downArrow">
+            <a:avLst/>
+          </a:prstGeom>
+        </p:spPr>
+        <p:style>
+          <a:lnRef idx="2">
+            <a:schemeClr val="accent1">
+              <a:shade val="50000"/>
+            </a:schemeClr>
+          </a:lnRef>
+          <a:fillRef idx="1">
+            <a:schemeClr val="accent1"/>
+          </a:fillRef>
+          <a:effectRef idx="0">
+            <a:schemeClr val="accent1"/>
+          </a:effectRef>
+          <a:fontRef idx="minor">
+            <a:schemeClr val="lt1"/>
+          </a:fontRef>
+        </p:style>
+        <p:txBody>
+          <a:bodyPr rtlCol="0" anchor="ctr"/>
+          <a:lstStyle/>
+          <a:p>
+            <a:pPr algn="ctr"/>
+            <a:endParaRPr lang="en-US"/>
+          </a:p>
+        </p:txBody>
+      </p:sp>
+      <p:sp>
+        <p:nvSpPr>
+          <p:cNvPr id="16" name="Arrow: Down 15">
+            <a:extLst>
+              <a:ext uri="{FF2B5EF4-FFF2-40B4-BE49-F238E27FC236}">
+                <a16:creationId xmlns:a16="http://schemas.microsoft.com/office/drawing/2014/main" id="{D1CF0093-5ECD-469B-A44E-C8939E0EEFCB}"/>
+              </a:ext>
+            </a:extLst>
+          </p:cNvPr>
+          <p:cNvSpPr/>
+          <p:nvPr/>
+        </p:nvSpPr>
+        <p:spPr>
+          <a:xfrm rot="10800000">
+            <a:off x="6015921" y="4748089"/>
+            <a:ext cx="187488" cy="267303"/>
+          </a:xfrm>
+          <a:prstGeom prst="downArrow">
+            <a:avLst/>
+          </a:prstGeom>
+        </p:spPr>
+        <p:style>
+          <a:lnRef idx="2">
+            <a:schemeClr val="accent1">
+              <a:shade val="50000"/>
+            </a:schemeClr>
+          </a:lnRef>
+          <a:fillRef idx="1">
+            <a:schemeClr val="accent1"/>
+          </a:fillRef>
+          <a:effectRef idx="0">
+            <a:schemeClr val="accent1"/>
+          </a:effectRef>
+          <a:fontRef idx="minor">
+            <a:schemeClr val="lt1"/>
+          </a:fontRef>
+        </p:style>
+        <p:txBody>
+          <a:bodyPr rtlCol="0" anchor="ctr"/>
+          <a:lstStyle/>
+          <a:p>
+            <a:pPr algn="ctr"/>
+            <a:endParaRPr lang="en-US"/>
+          </a:p>
+        </p:txBody>
+      </p:sp>
+      <p:sp>
+        <p:nvSpPr>
+          <p:cNvPr id="17" name="Arrow: Down 16">
+            <a:extLst>
+              <a:ext uri="{FF2B5EF4-FFF2-40B4-BE49-F238E27FC236}">
+                <a16:creationId xmlns:a16="http://schemas.microsoft.com/office/drawing/2014/main" id="{FA5A3F07-8233-4F3C-BB58-7449CAF59168}"/>
+              </a:ext>
+            </a:extLst>
+          </p:cNvPr>
+          <p:cNvSpPr/>
+          <p:nvPr/>
+        </p:nvSpPr>
+        <p:spPr>
+          <a:xfrm rot="18038903">
+            <a:off x="4852624" y="3531348"/>
+            <a:ext cx="187488" cy="267303"/>
+          </a:xfrm>
+          <a:prstGeom prst="downArrow">
+            <a:avLst/>
+          </a:prstGeom>
+        </p:spPr>
+        <p:style>
+          <a:lnRef idx="2">
+            <a:schemeClr val="accent1">
+              <a:shade val="50000"/>
+            </a:schemeClr>
+          </a:lnRef>
+          <a:fillRef idx="1">
+            <a:schemeClr val="accent1"/>
+          </a:fillRef>
+          <a:effectRef idx="0">
+            <a:schemeClr val="accent1"/>
+          </a:effectRef>
+          <a:fontRef idx="minor">
+            <a:schemeClr val="lt1"/>
+          </a:fontRef>
+        </p:style>
+        <p:txBody>
+          <a:bodyPr rtlCol="0" anchor="ctr"/>
+          <a:lstStyle/>
+          <a:p>
+            <a:pPr algn="ctr"/>
+            <a:endParaRPr lang="en-US"/>
+          </a:p>
+        </p:txBody>
+      </p:sp>
+      <p:sp>
+        <p:nvSpPr>
+          <p:cNvPr id="18" name="Arrow: Down 17">
+            <a:extLst>
+              <a:ext uri="{FF2B5EF4-FFF2-40B4-BE49-F238E27FC236}">
+                <a16:creationId xmlns:a16="http://schemas.microsoft.com/office/drawing/2014/main" id="{2C53E121-7676-43EB-BCEF-226655D34ECB}"/>
+              </a:ext>
+            </a:extLst>
+          </p:cNvPr>
+          <p:cNvSpPr/>
+          <p:nvPr/>
+        </p:nvSpPr>
+        <p:spPr>
+          <a:xfrm rot="3073007">
+            <a:off x="7168954" y="3531347"/>
+            <a:ext cx="187488" cy="267303"/>
+          </a:xfrm>
+          <a:prstGeom prst="downArrow">
+            <a:avLst/>
+          </a:prstGeom>
+        </p:spPr>
+        <p:style>
+          <a:lnRef idx="2">
+            <a:schemeClr val="accent1">
+              <a:shade val="50000"/>
+            </a:schemeClr>
+          </a:lnRef>
+          <a:fillRef idx="1">
+            <a:schemeClr val="accent1"/>
+          </a:fillRef>
+          <a:effectRef idx="0">
+            <a:schemeClr val="accent1"/>
+          </a:effectRef>
+          <a:fontRef idx="minor">
+            <a:schemeClr val="lt1"/>
+          </a:fontRef>
+        </p:style>
+        <p:txBody>
+          <a:bodyPr rtlCol="0" anchor="ctr"/>
+          <a:lstStyle/>
+          <a:p>
+            <a:pPr algn="ctr"/>
+            <a:endParaRPr lang="en-US"/>
+          </a:p>
+        </p:txBody>
+      </p:sp>
+      <p:sp>
+        <p:nvSpPr>
+          <p:cNvPr id="19" name="Arrow: Down 18">
+            <a:extLst>
+              <a:ext uri="{FF2B5EF4-FFF2-40B4-BE49-F238E27FC236}">
+                <a16:creationId xmlns:a16="http://schemas.microsoft.com/office/drawing/2014/main" id="{3B1A1EF7-00CF-45A1-819E-C401B47DAFDC}"/>
+              </a:ext>
+            </a:extLst>
+          </p:cNvPr>
+          <p:cNvSpPr/>
+          <p:nvPr/>
+        </p:nvSpPr>
+        <p:spPr>
+          <a:xfrm rot="13460410">
+            <a:off x="4934323" y="4465070"/>
+            <a:ext cx="187488" cy="267303"/>
+          </a:xfrm>
+          <a:prstGeom prst="downArrow">
+            <a:avLst/>
+          </a:prstGeom>
+        </p:spPr>
+        <p:style>
+          <a:lnRef idx="2">
+            <a:schemeClr val="accent1">
+              <a:shade val="50000"/>
+            </a:schemeClr>
+          </a:lnRef>
+          <a:fillRef idx="1">
+            <a:schemeClr val="accent1"/>
+          </a:fillRef>
+          <a:effectRef idx="0">
+            <a:schemeClr val="accent1"/>
+          </a:effectRef>
+          <a:fontRef idx="minor">
+            <a:schemeClr val="lt1"/>
+          </a:fontRef>
+        </p:style>
+        <p:txBody>
+          <a:bodyPr rtlCol="0" anchor="ctr"/>
+          <a:lstStyle/>
+          <a:p>
+            <a:pPr algn="ctr"/>
+            <a:endParaRPr lang="en-US"/>
+          </a:p>
+        </p:txBody>
+      </p:sp>
+      <p:sp>
+        <p:nvSpPr>
+          <p:cNvPr id="20" name="Arrow: Down 19">
+            <a:extLst>
+              <a:ext uri="{FF2B5EF4-FFF2-40B4-BE49-F238E27FC236}">
+                <a16:creationId xmlns:a16="http://schemas.microsoft.com/office/drawing/2014/main" id="{99DA2F21-4B74-40D7-B647-6C0A4B1FDF20}"/>
+              </a:ext>
+            </a:extLst>
+          </p:cNvPr>
+          <p:cNvSpPr/>
+          <p:nvPr/>
+        </p:nvSpPr>
+        <p:spPr>
+          <a:xfrm rot="7692649">
+            <a:off x="7230970" y="4491118"/>
+            <a:ext cx="187488" cy="267303"/>
+          </a:xfrm>
+          <a:prstGeom prst="downArrow">
+            <a:avLst/>
+          </a:prstGeom>
+        </p:spPr>
+        <p:style>
+          <a:lnRef idx="2">
+            <a:schemeClr val="accent1">
+              <a:shade val="50000"/>
+            </a:schemeClr>
+          </a:lnRef>
+          <a:fillRef idx="1">
+            <a:schemeClr val="accent1"/>
+          </a:fillRef>
+          <a:effectRef idx="0">
+            <a:schemeClr val="accent1"/>
+          </a:effectRef>
+          <a:fontRef idx="minor">
+            <a:schemeClr val="lt1"/>
+          </a:fontRef>
+        </p:style>
+        <p:txBody>
+          <a:bodyPr rtlCol="0" anchor="ctr"/>
+          <a:lstStyle/>
+          <a:p>
+            <a:pPr algn="ctr"/>
+            <a:endParaRPr lang="en-US"/>
           </a:p>
         </p:txBody>
       </p:sp>
     </p:spTree>
     <p:extLst>
       <p:ext uri="{BB962C8B-B14F-4D97-AF65-F5344CB8AC3E}">
-        <p14:creationId xmlns:p14="http://schemas.microsoft.com/office/powerpoint/2010/main" val="2000845695"/>
+        <p14:creationId xmlns:p14="http://schemas.microsoft.com/office/powerpoint/2010/main" val="3565895848"/>
       </p:ext>
     </p:extLst>
   </p:cSld>
@@ -8306,634 +9865,71 @@
           <a:p>
             <a:r>
               <a:rPr lang="en-US" dirty="0"/>
-              <a:t>Supporting 2018 Datasets</a:t>
-            </a:r>
-          </a:p>
-        </p:txBody>
-      </p:sp>
-      <p:sp>
-        <p:nvSpPr>
-          <p:cNvPr id="4" name="Rectangle 3">
+              <a:t>Datasets Origin</a:t>
+            </a:r>
+          </a:p>
+        </p:txBody>
+      </p:sp>
+      <p:sp>
+        <p:nvSpPr>
+          <p:cNvPr id="3" name="Content Placeholder 2">
             <a:extLst>
               <a:ext uri="{FF2B5EF4-FFF2-40B4-BE49-F238E27FC236}">
-                <a16:creationId xmlns:a16="http://schemas.microsoft.com/office/drawing/2014/main" id="{982B98E6-7640-4E5E-AE9A-932FDB07F887}"/>
+                <a16:creationId xmlns:a16="http://schemas.microsoft.com/office/drawing/2014/main" id="{F5BE9D4D-949C-4037-9F87-16CDE0EE0466}"/>
               </a:ext>
             </a:extLst>
           </p:cNvPr>
-          <p:cNvSpPr/>
-          <p:nvPr/>
-        </p:nvSpPr>
-        <p:spPr>
-          <a:xfrm>
-            <a:off x="5291503" y="3518101"/>
-            <a:ext cx="1608993" cy="1222131"/>
-          </a:xfrm>
-          <a:prstGeom prst="rect">
-            <a:avLst/>
-          </a:prstGeom>
-        </p:spPr>
-        <p:style>
-          <a:lnRef idx="2">
-            <a:schemeClr val="accent1">
-              <a:shade val="50000"/>
-            </a:schemeClr>
-          </a:lnRef>
-          <a:fillRef idx="1">
-            <a:schemeClr val="accent1"/>
-          </a:fillRef>
-          <a:effectRef idx="0">
-            <a:schemeClr val="accent1"/>
-          </a:effectRef>
-          <a:fontRef idx="minor">
-            <a:schemeClr val="lt1"/>
-          </a:fontRef>
-        </p:style>
-        <p:txBody>
-          <a:bodyPr rtlCol="0" anchor="ctr"/>
-          <a:lstStyle/>
-          <a:p>
-            <a:pPr algn="ctr"/>
-            <a:r>
-              <a:rPr lang="en-US" dirty="0"/>
-              <a:t>2018 Best State Choice  </a:t>
-            </a:r>
-          </a:p>
-        </p:txBody>
-      </p:sp>
-      <p:sp>
-        <p:nvSpPr>
-          <p:cNvPr id="5" name="Oval 4">
-            <a:extLst>
-              <a:ext uri="{FF2B5EF4-FFF2-40B4-BE49-F238E27FC236}">
-                <a16:creationId xmlns:a16="http://schemas.microsoft.com/office/drawing/2014/main" id="{FA0737F6-BE34-4171-AED3-2654FE6F5793}"/>
-              </a:ext>
-            </a:extLst>
-          </p:cNvPr>
-          <p:cNvSpPr/>
-          <p:nvPr/>
-        </p:nvSpPr>
-        <p:spPr>
-          <a:xfrm>
-            <a:off x="7491139" y="2693517"/>
-            <a:ext cx="2262549" cy="1222131"/>
-          </a:xfrm>
-          <a:prstGeom prst="ellipse">
-            <a:avLst/>
-          </a:prstGeom>
-        </p:spPr>
-        <p:style>
-          <a:lnRef idx="2">
-            <a:schemeClr val="accent1">
-              <a:shade val="50000"/>
-            </a:schemeClr>
-          </a:lnRef>
-          <a:fillRef idx="1">
-            <a:schemeClr val="accent1"/>
-          </a:fillRef>
-          <a:effectRef idx="0">
-            <a:schemeClr val="accent1"/>
-          </a:effectRef>
-          <a:fontRef idx="minor">
-            <a:schemeClr val="lt1"/>
-          </a:fontRef>
-        </p:style>
-        <p:txBody>
-          <a:bodyPr rtlCol="0" anchor="ctr"/>
-          <a:lstStyle/>
-          <a:p>
-            <a:pPr algn="ctr"/>
-            <a:r>
-              <a:rPr lang="en-US" dirty="0"/>
-              <a:t> Home Prices</a:t>
-            </a:r>
-          </a:p>
-        </p:txBody>
-      </p:sp>
-      <p:sp>
-        <p:nvSpPr>
-          <p:cNvPr id="6" name="Oval 5">
-            <a:extLst>
-              <a:ext uri="{FF2B5EF4-FFF2-40B4-BE49-F238E27FC236}">
-                <a16:creationId xmlns:a16="http://schemas.microsoft.com/office/drawing/2014/main" id="{30930C6A-0445-40E8-A2E1-0CB8F9F25F79}"/>
-              </a:ext>
-            </a:extLst>
-          </p:cNvPr>
-          <p:cNvSpPr/>
-          <p:nvPr/>
-        </p:nvSpPr>
-        <p:spPr>
-          <a:xfrm>
-            <a:off x="2610514" y="4129166"/>
-            <a:ext cx="2262552" cy="1303866"/>
-          </a:xfrm>
-          <a:prstGeom prst="ellipse">
-            <a:avLst/>
-          </a:prstGeom>
-        </p:spPr>
-        <p:style>
-          <a:lnRef idx="2">
-            <a:schemeClr val="accent1">
-              <a:shade val="50000"/>
-            </a:schemeClr>
-          </a:lnRef>
-          <a:fillRef idx="1">
-            <a:schemeClr val="accent1"/>
-          </a:fillRef>
-          <a:effectRef idx="0">
-            <a:schemeClr val="accent1"/>
-          </a:effectRef>
-          <a:fontRef idx="minor">
-            <a:schemeClr val="lt1"/>
-          </a:fontRef>
-        </p:style>
-        <p:txBody>
-          <a:bodyPr rtlCol="0" anchor="ctr"/>
-          <a:lstStyle/>
-          <a:p>
-            <a:pPr algn="ctr"/>
-            <a:r>
-              <a:rPr lang="en-US" dirty="0"/>
-              <a:t>Unemployment Rate</a:t>
-            </a:r>
-          </a:p>
-        </p:txBody>
-      </p:sp>
-      <p:sp>
-        <p:nvSpPr>
-          <p:cNvPr id="7" name="Oval 6">
-            <a:extLst>
-              <a:ext uri="{FF2B5EF4-FFF2-40B4-BE49-F238E27FC236}">
-                <a16:creationId xmlns:a16="http://schemas.microsoft.com/office/drawing/2014/main" id="{43A8C126-D91E-4B2C-9ACB-9C7498D62767}"/>
-              </a:ext>
-            </a:extLst>
-          </p:cNvPr>
-          <p:cNvSpPr/>
-          <p:nvPr/>
-        </p:nvSpPr>
-        <p:spPr>
-          <a:xfrm>
-            <a:off x="2473899" y="2693516"/>
-            <a:ext cx="2262552" cy="1222131"/>
-          </a:xfrm>
-          <a:prstGeom prst="ellipse">
-            <a:avLst/>
-          </a:prstGeom>
-        </p:spPr>
-        <p:style>
-          <a:lnRef idx="2">
-            <a:schemeClr val="accent1">
-              <a:shade val="50000"/>
-            </a:schemeClr>
-          </a:lnRef>
-          <a:fillRef idx="1">
-            <a:schemeClr val="accent1"/>
-          </a:fillRef>
-          <a:effectRef idx="0">
-            <a:schemeClr val="accent1"/>
-          </a:effectRef>
-          <a:fontRef idx="minor">
-            <a:schemeClr val="lt1"/>
-          </a:fontRef>
-        </p:style>
-        <p:txBody>
-          <a:bodyPr rtlCol="0" anchor="ctr"/>
-          <a:lstStyle/>
-          <a:p>
-            <a:pPr algn="ctr"/>
-            <a:r>
-              <a:rPr lang="en-US" dirty="0"/>
-              <a:t>Crime Rate</a:t>
-            </a:r>
-          </a:p>
-        </p:txBody>
-      </p:sp>
-      <p:sp>
-        <p:nvSpPr>
-          <p:cNvPr id="8" name="Oval 7">
-            <a:extLst>
-              <a:ext uri="{FF2B5EF4-FFF2-40B4-BE49-F238E27FC236}">
-                <a16:creationId xmlns:a16="http://schemas.microsoft.com/office/drawing/2014/main" id="{93E43BBF-BD00-4285-8CFA-BC114AC1E2F7}"/>
-              </a:ext>
-            </a:extLst>
-          </p:cNvPr>
-          <p:cNvSpPr/>
-          <p:nvPr/>
-        </p:nvSpPr>
-        <p:spPr>
-          <a:xfrm>
-            <a:off x="7649080" y="4129166"/>
-            <a:ext cx="2262549" cy="1222131"/>
-          </a:xfrm>
-          <a:prstGeom prst="ellipse">
-            <a:avLst/>
-          </a:prstGeom>
-        </p:spPr>
-        <p:style>
-          <a:lnRef idx="2">
-            <a:schemeClr val="accent1">
-              <a:shade val="50000"/>
-            </a:schemeClr>
-          </a:lnRef>
-          <a:fillRef idx="1">
-            <a:schemeClr val="accent1"/>
-          </a:fillRef>
-          <a:effectRef idx="0">
-            <a:schemeClr val="accent1"/>
-          </a:effectRef>
-          <a:fontRef idx="minor">
-            <a:schemeClr val="lt1"/>
-          </a:fontRef>
-        </p:style>
-        <p:txBody>
-          <a:bodyPr rtlCol="0" anchor="ctr"/>
-          <a:lstStyle/>
-          <a:p>
-            <a:pPr algn="ctr"/>
-            <a:r>
-              <a:rPr lang="en-US" dirty="0"/>
-              <a:t>Salary</a:t>
-            </a:r>
-          </a:p>
-        </p:txBody>
-      </p:sp>
-      <p:sp>
-        <p:nvSpPr>
-          <p:cNvPr id="13" name="Oval 12">
-            <a:extLst>
-              <a:ext uri="{FF2B5EF4-FFF2-40B4-BE49-F238E27FC236}">
-                <a16:creationId xmlns:a16="http://schemas.microsoft.com/office/drawing/2014/main" id="{78A88E94-BBCA-4491-97F9-BD1AFC4AAED7}"/>
-              </a:ext>
-            </a:extLst>
-          </p:cNvPr>
-          <p:cNvSpPr/>
-          <p:nvPr/>
-        </p:nvSpPr>
-        <p:spPr>
-          <a:xfrm>
-            <a:off x="5044220" y="5007535"/>
-            <a:ext cx="2262552" cy="1222131"/>
-          </a:xfrm>
-          <a:prstGeom prst="ellipse">
-            <a:avLst/>
-          </a:prstGeom>
-        </p:spPr>
-        <p:style>
-          <a:lnRef idx="2">
-            <a:schemeClr val="accent1">
-              <a:shade val="50000"/>
-            </a:schemeClr>
-          </a:lnRef>
-          <a:fillRef idx="1">
-            <a:schemeClr val="accent1"/>
-          </a:fillRef>
-          <a:effectRef idx="0">
-            <a:schemeClr val="accent1"/>
-          </a:effectRef>
-          <a:fontRef idx="minor">
-            <a:schemeClr val="lt1"/>
-          </a:fontRef>
-        </p:style>
-        <p:txBody>
-          <a:bodyPr rtlCol="0" anchor="ctr"/>
-          <a:lstStyle/>
-          <a:p>
-            <a:pPr algn="ctr"/>
-            <a:r>
-              <a:rPr lang="en-US" dirty="0"/>
-              <a:t>State Tax</a:t>
-            </a:r>
-          </a:p>
-        </p:txBody>
-      </p:sp>
-      <p:sp>
-        <p:nvSpPr>
-          <p:cNvPr id="15" name="Oval 14">
-            <a:extLst>
-              <a:ext uri="{FF2B5EF4-FFF2-40B4-BE49-F238E27FC236}">
-                <a16:creationId xmlns:a16="http://schemas.microsoft.com/office/drawing/2014/main" id="{76474B55-D896-442F-B02F-1A9226A322EE}"/>
-              </a:ext>
-            </a:extLst>
-          </p:cNvPr>
-          <p:cNvSpPr/>
-          <p:nvPr/>
-        </p:nvSpPr>
-        <p:spPr>
-          <a:xfrm>
-            <a:off x="4934323" y="2028667"/>
-            <a:ext cx="2262552" cy="1222131"/>
-          </a:xfrm>
-          <a:prstGeom prst="ellipse">
-            <a:avLst/>
-          </a:prstGeom>
-        </p:spPr>
-        <p:style>
-          <a:lnRef idx="2">
-            <a:schemeClr val="accent1">
-              <a:shade val="50000"/>
-            </a:schemeClr>
-          </a:lnRef>
-          <a:fillRef idx="1">
-            <a:schemeClr val="accent1"/>
-          </a:fillRef>
-          <a:effectRef idx="0">
-            <a:schemeClr val="accent1"/>
-          </a:effectRef>
-          <a:fontRef idx="minor">
-            <a:schemeClr val="lt1"/>
-          </a:fontRef>
-        </p:style>
-        <p:txBody>
-          <a:bodyPr rtlCol="0" anchor="ctr"/>
-          <a:lstStyle/>
-          <a:p>
-            <a:pPr algn="ctr"/>
-            <a:r>
-              <a:rPr lang="en-US" dirty="0"/>
-              <a:t>Climate</a:t>
-            </a:r>
-          </a:p>
-        </p:txBody>
-      </p:sp>
-      <p:sp>
-        <p:nvSpPr>
-          <p:cNvPr id="3" name="Arrow: Down 2">
-            <a:extLst>
-              <a:ext uri="{FF2B5EF4-FFF2-40B4-BE49-F238E27FC236}">
-                <a16:creationId xmlns:a16="http://schemas.microsoft.com/office/drawing/2014/main" id="{900C73FB-047C-4A40-AD8B-96ADED6C32D7}"/>
-              </a:ext>
-            </a:extLst>
-          </p:cNvPr>
-          <p:cNvSpPr/>
-          <p:nvPr/>
-        </p:nvSpPr>
-        <p:spPr>
-          <a:xfrm>
-            <a:off x="6004329" y="3246907"/>
-            <a:ext cx="187488" cy="267303"/>
-          </a:xfrm>
-          <a:prstGeom prst="downArrow">
-            <a:avLst/>
-          </a:prstGeom>
-        </p:spPr>
-        <p:style>
-          <a:lnRef idx="2">
-            <a:schemeClr val="accent1">
-              <a:shade val="50000"/>
-            </a:schemeClr>
-          </a:lnRef>
-          <a:fillRef idx="1">
-            <a:schemeClr val="accent1"/>
-          </a:fillRef>
-          <a:effectRef idx="0">
-            <a:schemeClr val="accent1"/>
-          </a:effectRef>
-          <a:fontRef idx="minor">
-            <a:schemeClr val="lt1"/>
-          </a:fontRef>
-        </p:style>
-        <p:txBody>
-          <a:bodyPr rtlCol="0" anchor="ctr"/>
-          <a:lstStyle/>
-          <a:p>
-            <a:pPr algn="ctr"/>
-            <a:endParaRPr lang="en-US"/>
-          </a:p>
-        </p:txBody>
-      </p:sp>
-      <p:sp>
-        <p:nvSpPr>
-          <p:cNvPr id="16" name="Arrow: Down 15">
-            <a:extLst>
-              <a:ext uri="{FF2B5EF4-FFF2-40B4-BE49-F238E27FC236}">
-                <a16:creationId xmlns:a16="http://schemas.microsoft.com/office/drawing/2014/main" id="{D1CF0093-5ECD-469B-A44E-C8939E0EEFCB}"/>
-              </a:ext>
-            </a:extLst>
-          </p:cNvPr>
-          <p:cNvSpPr/>
-          <p:nvPr/>
-        </p:nvSpPr>
-        <p:spPr>
-          <a:xfrm rot="10491732">
-            <a:off x="6005146" y="4740231"/>
-            <a:ext cx="187488" cy="267303"/>
-          </a:xfrm>
-          <a:prstGeom prst="downArrow">
-            <a:avLst/>
-          </a:prstGeom>
-        </p:spPr>
-        <p:style>
-          <a:lnRef idx="2">
-            <a:schemeClr val="accent1">
-              <a:shade val="50000"/>
-            </a:schemeClr>
-          </a:lnRef>
-          <a:fillRef idx="1">
-            <a:schemeClr val="accent1"/>
-          </a:fillRef>
-          <a:effectRef idx="0">
-            <a:schemeClr val="accent1"/>
-          </a:effectRef>
-          <a:fontRef idx="minor">
-            <a:schemeClr val="lt1"/>
-          </a:fontRef>
-        </p:style>
-        <p:txBody>
-          <a:bodyPr rtlCol="0" anchor="ctr"/>
-          <a:lstStyle/>
-          <a:p>
-            <a:pPr algn="ctr"/>
-            <a:endParaRPr lang="en-US"/>
-          </a:p>
-        </p:txBody>
-      </p:sp>
-      <p:sp>
-        <p:nvSpPr>
-          <p:cNvPr id="17" name="Arrow: Down 16">
-            <a:extLst>
-              <a:ext uri="{FF2B5EF4-FFF2-40B4-BE49-F238E27FC236}">
-                <a16:creationId xmlns:a16="http://schemas.microsoft.com/office/drawing/2014/main" id="{FA5A3F07-8233-4F3C-BB58-7449CAF59168}"/>
-              </a:ext>
-            </a:extLst>
-          </p:cNvPr>
-          <p:cNvSpPr/>
-          <p:nvPr/>
-        </p:nvSpPr>
-        <p:spPr>
-          <a:xfrm rot="18038903">
-            <a:off x="4852624" y="3531348"/>
-            <a:ext cx="187488" cy="267303"/>
-          </a:xfrm>
-          <a:prstGeom prst="downArrow">
-            <a:avLst/>
-          </a:prstGeom>
-        </p:spPr>
-        <p:style>
-          <a:lnRef idx="2">
-            <a:schemeClr val="accent1">
-              <a:shade val="50000"/>
-            </a:schemeClr>
-          </a:lnRef>
-          <a:fillRef idx="1">
-            <a:schemeClr val="accent1"/>
-          </a:fillRef>
-          <a:effectRef idx="0">
-            <a:schemeClr val="accent1"/>
-          </a:effectRef>
-          <a:fontRef idx="minor">
-            <a:schemeClr val="lt1"/>
-          </a:fontRef>
-        </p:style>
-        <p:txBody>
-          <a:bodyPr rtlCol="0" anchor="ctr"/>
-          <a:lstStyle/>
-          <a:p>
-            <a:pPr algn="ctr"/>
-            <a:endParaRPr lang="en-US"/>
-          </a:p>
-        </p:txBody>
-      </p:sp>
-      <p:sp>
-        <p:nvSpPr>
-          <p:cNvPr id="18" name="Arrow: Down 17">
-            <a:extLst>
-              <a:ext uri="{FF2B5EF4-FFF2-40B4-BE49-F238E27FC236}">
-                <a16:creationId xmlns:a16="http://schemas.microsoft.com/office/drawing/2014/main" id="{2C53E121-7676-43EB-BCEF-226655D34ECB}"/>
-              </a:ext>
-            </a:extLst>
-          </p:cNvPr>
-          <p:cNvSpPr/>
-          <p:nvPr/>
-        </p:nvSpPr>
-        <p:spPr>
-          <a:xfrm rot="3073007">
-            <a:off x="7168954" y="3531347"/>
-            <a:ext cx="187488" cy="267303"/>
-          </a:xfrm>
-          <a:prstGeom prst="downArrow">
-            <a:avLst/>
-          </a:prstGeom>
-        </p:spPr>
-        <p:style>
-          <a:lnRef idx="2">
-            <a:schemeClr val="accent1">
-              <a:shade val="50000"/>
-            </a:schemeClr>
-          </a:lnRef>
-          <a:fillRef idx="1">
-            <a:schemeClr val="accent1"/>
-          </a:fillRef>
-          <a:effectRef idx="0">
-            <a:schemeClr val="accent1"/>
-          </a:effectRef>
-          <a:fontRef idx="minor">
-            <a:schemeClr val="lt1"/>
-          </a:fontRef>
-        </p:style>
-        <p:txBody>
-          <a:bodyPr rtlCol="0" anchor="ctr"/>
-          <a:lstStyle/>
-          <a:p>
-            <a:pPr algn="ctr"/>
-            <a:endParaRPr lang="en-US"/>
-          </a:p>
-        </p:txBody>
-      </p:sp>
-      <p:sp>
-        <p:nvSpPr>
-          <p:cNvPr id="19" name="Arrow: Down 18">
-            <a:extLst>
-              <a:ext uri="{FF2B5EF4-FFF2-40B4-BE49-F238E27FC236}">
-                <a16:creationId xmlns:a16="http://schemas.microsoft.com/office/drawing/2014/main" id="{3B1A1EF7-00CF-45A1-819E-C401B47DAFDC}"/>
-              </a:ext>
-            </a:extLst>
-          </p:cNvPr>
-          <p:cNvSpPr/>
-          <p:nvPr/>
-        </p:nvSpPr>
-        <p:spPr>
-          <a:xfrm rot="13460410">
-            <a:off x="4934323" y="4465070"/>
-            <a:ext cx="187488" cy="267303"/>
-          </a:xfrm>
-          <a:prstGeom prst="downArrow">
-            <a:avLst/>
-          </a:prstGeom>
-        </p:spPr>
-        <p:style>
-          <a:lnRef idx="2">
-            <a:schemeClr val="accent1">
-              <a:shade val="50000"/>
-            </a:schemeClr>
-          </a:lnRef>
-          <a:fillRef idx="1">
-            <a:schemeClr val="accent1"/>
-          </a:fillRef>
-          <a:effectRef idx="0">
-            <a:schemeClr val="accent1"/>
-          </a:effectRef>
-          <a:fontRef idx="minor">
-            <a:schemeClr val="lt1"/>
-          </a:fontRef>
-        </p:style>
-        <p:txBody>
-          <a:bodyPr rtlCol="0" anchor="ctr"/>
-          <a:lstStyle/>
-          <a:p>
-            <a:pPr algn="ctr"/>
-            <a:endParaRPr lang="en-US"/>
-          </a:p>
-        </p:txBody>
-      </p:sp>
-      <p:sp>
-        <p:nvSpPr>
-          <p:cNvPr id="20" name="Arrow: Down 19">
-            <a:extLst>
-              <a:ext uri="{FF2B5EF4-FFF2-40B4-BE49-F238E27FC236}">
-                <a16:creationId xmlns:a16="http://schemas.microsoft.com/office/drawing/2014/main" id="{99DA2F21-4B74-40D7-B647-6C0A4B1FDF20}"/>
-              </a:ext>
-            </a:extLst>
-          </p:cNvPr>
-          <p:cNvSpPr/>
-          <p:nvPr/>
-        </p:nvSpPr>
-        <p:spPr>
-          <a:xfrm rot="7692649">
-            <a:off x="7230970" y="4491118"/>
-            <a:ext cx="187488" cy="267303"/>
-          </a:xfrm>
-          <a:prstGeom prst="downArrow">
-            <a:avLst/>
-          </a:prstGeom>
-        </p:spPr>
-        <p:style>
-          <a:lnRef idx="2">
-            <a:schemeClr val="accent1">
-              <a:shade val="50000"/>
-            </a:schemeClr>
-          </a:lnRef>
-          <a:fillRef idx="1">
-            <a:schemeClr val="accent1"/>
-          </a:fillRef>
-          <a:effectRef idx="0">
-            <a:schemeClr val="accent1"/>
-          </a:effectRef>
-          <a:fontRef idx="minor">
-            <a:schemeClr val="lt1"/>
-          </a:fontRef>
-        </p:style>
-        <p:txBody>
-          <a:bodyPr rtlCol="0" anchor="ctr"/>
-          <a:lstStyle/>
-          <a:p>
-            <a:pPr algn="ctr"/>
-            <a:endParaRPr lang="en-US"/>
+          <p:cNvSpPr>
+            <a:spLocks noGrp="1"/>
+          </p:cNvSpPr>
+          <p:nvPr>
+            <p:ph idx="1"/>
+          </p:nvPr>
+        </p:nvSpPr>
+        <p:spPr/>
+        <p:txBody>
+          <a:bodyPr/>
+          <a:lstStyle/>
+          <a:p>
+            <a:r>
+              <a:rPr lang="en-US" dirty="0"/>
+              <a:t>The datasets we used for this project were from,</a:t>
+            </a:r>
+          </a:p>
+          <a:p>
+            <a:pPr lvl="1"/>
+            <a:r>
+              <a:rPr lang="en-US" i="1" dirty="0"/>
+              <a:t>US BLS (Bureau of Labor Statistics)</a:t>
+            </a:r>
+          </a:p>
+          <a:p>
+            <a:pPr lvl="1"/>
+            <a:r>
+              <a:rPr lang="en-US" i="1" dirty="0"/>
+              <a:t>Zillow</a:t>
+            </a:r>
+          </a:p>
+          <a:p>
+            <a:pPr lvl="1"/>
+            <a:r>
+              <a:rPr lang="en-US" dirty="0">
+                <a:hlinkClick r:id="rId2"/>
+              </a:rPr>
+              <a:t>https://www.currentresults.com/Yearly-Weather/USA/recent-yearly-weather-usa-cities-index.php</a:t>
+            </a:r>
+            <a:endParaRPr lang="en-US" i="1" dirty="0"/>
+          </a:p>
+          <a:p>
+            <a:pPr lvl="1"/>
+            <a:endParaRPr lang="en-US" i="1" dirty="0"/>
           </a:p>
         </p:txBody>
       </p:sp>
     </p:spTree>
     <p:extLst>
       <p:ext uri="{BB962C8B-B14F-4D97-AF65-F5344CB8AC3E}">
-        <p14:creationId xmlns:p14="http://schemas.microsoft.com/office/powerpoint/2010/main" val="3565895848"/>
+        <p14:creationId xmlns:p14="http://schemas.microsoft.com/office/powerpoint/2010/main" val="3527704293"/>
       </p:ext>
     </p:extLst>
   </p:cSld>
@@ -11118,12 +12114,14 @@
         </p:nvSpPr>
         <p:spPr/>
         <p:txBody>
-          <a:bodyPr/>
-          <a:lstStyle/>
-          <a:p>
-            <a:r>
-              <a:rPr lang="en-US" dirty="0"/>
-              <a:t>Questions &amp; Criteria</a:t>
+          <a:bodyPr>
+            <a:normAutofit fontScale="90000"/>
+          </a:bodyPr>
+          <a:lstStyle/>
+          <a:p>
+            <a:r>
+              <a:rPr lang="en-US" dirty="0"/>
+              <a:t>Questions &amp; Criteria Driving to Conclusion</a:t>
             </a:r>
           </a:p>
         </p:txBody>
@@ -11405,47 +12403,226 @@
           <a:p>
             <a:r>
               <a:rPr lang="en-US" dirty="0"/>
-              <a:t>Raw data files location</a:t>
-            </a:r>
-          </a:p>
-        </p:txBody>
-      </p:sp>
-      <p:pic>
-        <p:nvPicPr>
-          <p:cNvPr id="4" name="Content Placeholder 3">
+              <a:t>Things we did in </a:t>
+            </a:r>
+            <a:r>
+              <a:rPr lang="en-US" dirty="0" err="1"/>
+              <a:t>Jupyter</a:t>
+            </a:r>
+            <a:r>
+              <a:rPr lang="en-US" dirty="0"/>
+              <a:t> Notebook</a:t>
+            </a:r>
+          </a:p>
+        </p:txBody>
+      </p:sp>
+      <p:sp>
+        <p:nvSpPr>
+          <p:cNvPr id="3" name="Content Placeholder 2">
             <a:extLst>
               <a:ext uri="{FF2B5EF4-FFF2-40B4-BE49-F238E27FC236}">
-                <a16:creationId xmlns:a16="http://schemas.microsoft.com/office/drawing/2014/main" id="{D51BA1BF-2794-4BC3-AB3C-4FCE473C5999}"/>
+                <a16:creationId xmlns:a16="http://schemas.microsoft.com/office/drawing/2014/main" id="{F5BE9D4D-949C-4037-9F87-16CDE0EE0466}"/>
               </a:ext>
             </a:extLst>
           </p:cNvPr>
-          <p:cNvPicPr>
-            <a:picLocks noGrp="1" noChangeAspect="1"/>
-          </p:cNvPicPr>
+          <p:cNvSpPr>
+            <a:spLocks noGrp="1"/>
+          </p:cNvSpPr>
           <p:nvPr>
             <p:ph idx="1"/>
           </p:nvPr>
-        </p:nvPicPr>
-        <p:blipFill>
-          <a:blip r:embed="rId2"/>
-          <a:stretch>
-            <a:fillRect/>
-          </a:stretch>
-        </p:blipFill>
+        </p:nvSpPr>
         <p:spPr>
           <a:xfrm>
-            <a:off x="2038350" y="2878138"/>
-            <a:ext cx="8115300" cy="2676525"/>
+            <a:off x="1295401" y="2556931"/>
+            <a:ext cx="9601196" cy="3597683"/>
           </a:xfrm>
-          <a:prstGeom prst="rect">
-            <a:avLst/>
-          </a:prstGeom>
         </p:spPr>
-      </p:pic>
+        <p:txBody>
+          <a:bodyPr>
+            <a:normAutofit fontScale="92500" lnSpcReduction="10000"/>
+          </a:bodyPr>
+          <a:lstStyle/>
+          <a:p>
+            <a:r>
+              <a:rPr lang="en-US" dirty="0"/>
+              <a:t>Merge some datasets through pandas </a:t>
+            </a:r>
+            <a:r>
+              <a:rPr lang="en-US" dirty="0" err="1">
+                <a:solidFill>
+                  <a:srgbClr val="FF0000"/>
+                </a:solidFill>
+              </a:rPr>
+              <a:t>pd.merge</a:t>
+            </a:r>
+            <a:endParaRPr lang="en-US" dirty="0">
+              <a:solidFill>
+                <a:srgbClr val="FF0000"/>
+              </a:solidFill>
+            </a:endParaRPr>
+          </a:p>
+          <a:p>
+            <a:r>
+              <a:rPr lang="en-US" dirty="0"/>
+              <a:t>Cleaned up rows that’s are </a:t>
+            </a:r>
+            <a:r>
+              <a:rPr lang="en-US" dirty="0" err="1">
+                <a:solidFill>
+                  <a:srgbClr val="FF0000"/>
+                </a:solidFill>
+              </a:rPr>
+              <a:t>NaN</a:t>
+            </a:r>
+            <a:r>
+              <a:rPr lang="en-US" dirty="0">
+                <a:solidFill>
+                  <a:srgbClr val="FF0000"/>
+                </a:solidFill>
+              </a:rPr>
+              <a:t> with drop.na</a:t>
+            </a:r>
+          </a:p>
+          <a:p>
+            <a:r>
+              <a:rPr lang="en-US" dirty="0"/>
+              <a:t>Format </a:t>
+            </a:r>
+            <a:r>
+              <a:rPr lang="en-US" dirty="0" err="1"/>
+              <a:t>dataframes</a:t>
+            </a:r>
+            <a:r>
+              <a:rPr lang="en-US" dirty="0"/>
+              <a:t> column(s) if needed </a:t>
+            </a:r>
+            <a:r>
+              <a:rPr lang="en-US" dirty="0">
+                <a:solidFill>
+                  <a:srgbClr val="FF0000"/>
+                </a:solidFill>
+              </a:rPr>
+              <a:t>from string to int or float</a:t>
+            </a:r>
+          </a:p>
+          <a:p>
+            <a:r>
+              <a:rPr lang="en-US" dirty="0"/>
+              <a:t>Create </a:t>
+            </a:r>
+            <a:r>
+              <a:rPr lang="en-US" dirty="0">
+                <a:solidFill>
+                  <a:srgbClr val="FF0000"/>
+                </a:solidFill>
+              </a:rPr>
+              <a:t>new </a:t>
+            </a:r>
+            <a:r>
+              <a:rPr lang="en-US" dirty="0" err="1">
+                <a:solidFill>
+                  <a:srgbClr val="FF0000"/>
+                </a:solidFill>
+              </a:rPr>
+              <a:t>dataframe</a:t>
+            </a:r>
+            <a:r>
+              <a:rPr lang="en-US" dirty="0">
+                <a:solidFill>
+                  <a:srgbClr val="FF0000"/>
+                </a:solidFill>
+              </a:rPr>
+              <a:t> by selecting columns </a:t>
+            </a:r>
+            <a:r>
+              <a:rPr lang="en-US" dirty="0"/>
+              <a:t>that are needed for analysis </a:t>
+            </a:r>
+          </a:p>
+          <a:p>
+            <a:r>
+              <a:rPr lang="en-US" dirty="0"/>
+              <a:t>Used </a:t>
+            </a:r>
+            <a:r>
+              <a:rPr lang="en-US" dirty="0">
+                <a:solidFill>
+                  <a:srgbClr val="FF0000"/>
+                </a:solidFill>
+              </a:rPr>
+              <a:t>regression, median, mean, max, reset index, Weighted Sum approach, pandas rank and sort </a:t>
+            </a:r>
+            <a:r>
+              <a:rPr lang="en-US" dirty="0"/>
+              <a:t>to help answer questions</a:t>
+            </a:r>
+          </a:p>
+          <a:p>
+            <a:r>
+              <a:rPr lang="en-US" dirty="0"/>
+              <a:t>Applied </a:t>
+            </a:r>
+            <a:r>
+              <a:rPr lang="en-US" dirty="0">
+                <a:solidFill>
+                  <a:srgbClr val="FF0000"/>
+                </a:solidFill>
+              </a:rPr>
+              <a:t>matplotlib</a:t>
+            </a:r>
+            <a:r>
+              <a:rPr lang="en-US" dirty="0"/>
+              <a:t> for plotting charts like scatter, boxplot, bar for visualization </a:t>
+            </a:r>
+          </a:p>
+          <a:p>
+            <a:r>
+              <a:rPr lang="en-US" dirty="0"/>
+              <a:t>Made use of </a:t>
+            </a:r>
+            <a:r>
+              <a:rPr lang="en-US" dirty="0">
+                <a:solidFill>
+                  <a:srgbClr val="FF0000"/>
+                </a:solidFill>
+              </a:rPr>
+              <a:t>Google </a:t>
+            </a:r>
+            <a:r>
+              <a:rPr lang="en-US" dirty="0" err="1">
+                <a:solidFill>
+                  <a:srgbClr val="FF0000"/>
+                </a:solidFill>
+              </a:rPr>
+              <a:t>Gmap</a:t>
+            </a:r>
+            <a:r>
+              <a:rPr lang="en-US" dirty="0">
+                <a:solidFill>
+                  <a:srgbClr val="FF0000"/>
+                </a:solidFill>
+              </a:rPr>
+              <a:t> API </a:t>
+            </a:r>
+            <a:r>
+              <a:rPr lang="en-US" dirty="0"/>
+              <a:t>to display states temperature</a:t>
+            </a:r>
+          </a:p>
+          <a:p>
+            <a:pPr lvl="1"/>
+            <a:endParaRPr lang="en-US" dirty="0"/>
+          </a:p>
+          <a:p>
+            <a:endParaRPr lang="en-US" dirty="0"/>
+          </a:p>
+        </p:txBody>
+      </p:sp>
     </p:spTree>
     <p:extLst>
       <p:ext uri="{BB962C8B-B14F-4D97-AF65-F5344CB8AC3E}">
-        <p14:creationId xmlns:p14="http://schemas.microsoft.com/office/powerpoint/2010/main" val="1660539235"/>
+        <p14:creationId xmlns:p14="http://schemas.microsoft.com/office/powerpoint/2010/main" val="341811892"/>
       </p:ext>
     </p:extLst>
   </p:cSld>

--- a/Working_Presentation.pptx
+++ b/Working_Presentation.pptx
@@ -22,14 +22,16 @@
     <p:sldId id="267" r:id="rId16"/>
     <p:sldId id="271" r:id="rId17"/>
     <p:sldId id="273" r:id="rId18"/>
-    <p:sldId id="261" r:id="rId19"/>
-    <p:sldId id="260" r:id="rId20"/>
-    <p:sldId id="258" r:id="rId21"/>
-    <p:sldId id="277" r:id="rId22"/>
-    <p:sldId id="278" r:id="rId23"/>
-    <p:sldId id="282" r:id="rId24"/>
-    <p:sldId id="283" r:id="rId25"/>
-    <p:sldId id="281" r:id="rId26"/>
+    <p:sldId id="284" r:id="rId19"/>
+    <p:sldId id="285" r:id="rId20"/>
+    <p:sldId id="261" r:id="rId21"/>
+    <p:sldId id="260" r:id="rId22"/>
+    <p:sldId id="258" r:id="rId23"/>
+    <p:sldId id="277" r:id="rId24"/>
+    <p:sldId id="278" r:id="rId25"/>
+    <p:sldId id="282" r:id="rId26"/>
+    <p:sldId id="283" r:id="rId27"/>
+    <p:sldId id="281" r:id="rId28"/>
   </p:sldIdLst>
   <p:sldSz cx="12192000" cy="6858000"/>
   <p:notesSz cx="6858000" cy="9144000"/>
@@ -468,7 +470,7 @@
             <a:fld id="{B61BEF0D-F0BB-DE4B-95CE-6DB70DBA9567}" type="datetimeFigureOut">
               <a:rPr lang="en-US" dirty="0"/>
               <a:pPr/>
-              <a:t>7/9/2019</a:t>
+              <a:t>7/10/2019</a:t>
             </a:fld>
             <a:endParaRPr lang="en-US" dirty="0"/>
           </a:p>
@@ -789,7 +791,7 @@
             <a:fld id="{B61BEF0D-F0BB-DE4B-95CE-6DB70DBA9567}" type="datetimeFigureOut">
               <a:rPr lang="en-US" dirty="0"/>
               <a:pPr/>
-              <a:t>7/9/2019</a:t>
+              <a:t>7/10/2019</a:t>
             </a:fld>
             <a:endParaRPr lang="en-US" dirty="0"/>
           </a:p>
@@ -1034,7 +1036,7 @@
             <a:fld id="{B61BEF0D-F0BB-DE4B-95CE-6DB70DBA9567}" type="datetimeFigureOut">
               <a:rPr lang="en-US" dirty="0"/>
               <a:pPr/>
-              <a:t>7/9/2019</a:t>
+              <a:t>7/10/2019</a:t>
             </a:fld>
             <a:endParaRPr lang="en-US" dirty="0"/>
           </a:p>
@@ -1370,7 +1372,7 @@
             <a:fld id="{B61BEF0D-F0BB-DE4B-95CE-6DB70DBA9567}" type="datetimeFigureOut">
               <a:rPr lang="en-US" dirty="0"/>
               <a:pPr/>
-              <a:t>7/9/2019</a:t>
+              <a:t>7/10/2019</a:t>
             </a:fld>
             <a:endParaRPr lang="en-US" dirty="0"/>
           </a:p>
@@ -1714,7 +1716,7 @@
             <a:fld id="{B61BEF0D-F0BB-DE4B-95CE-6DB70DBA9567}" type="datetimeFigureOut">
               <a:rPr lang="en-US" dirty="0"/>
               <a:pPr/>
-              <a:t>7/9/2019</a:t>
+              <a:t>7/10/2019</a:t>
             </a:fld>
             <a:endParaRPr lang="en-US" dirty="0"/>
           </a:p>
@@ -2085,7 +2087,7 @@
             <a:fld id="{B61BEF0D-F0BB-DE4B-95CE-6DB70DBA9567}" type="datetimeFigureOut">
               <a:rPr lang="en-US" dirty="0"/>
               <a:pPr/>
-              <a:t>7/9/2019</a:t>
+              <a:t>7/10/2019</a:t>
             </a:fld>
             <a:endParaRPr lang="en-US" dirty="0"/>
           </a:p>
@@ -2552,7 +2554,7 @@
             <a:fld id="{B61BEF0D-F0BB-DE4B-95CE-6DB70DBA9567}" type="datetimeFigureOut">
               <a:rPr lang="en-US" dirty="0"/>
               <a:pPr/>
-              <a:t>7/9/2019</a:t>
+              <a:t>7/10/2019</a:t>
             </a:fld>
             <a:endParaRPr lang="en-US" dirty="0"/>
           </a:p>
@@ -2754,7 +2756,7 @@
             <a:fld id="{B61BEF0D-F0BB-DE4B-95CE-6DB70DBA9567}" type="datetimeFigureOut">
               <a:rPr lang="en-US" dirty="0"/>
               <a:pPr/>
-              <a:t>7/9/2019</a:t>
+              <a:t>7/10/2019</a:t>
             </a:fld>
             <a:endParaRPr lang="en-US" dirty="0"/>
           </a:p>
@@ -2962,7 +2964,7 @@
             <a:fld id="{B61BEF0D-F0BB-DE4B-95CE-6DB70DBA9567}" type="datetimeFigureOut">
               <a:rPr lang="en-US" dirty="0"/>
               <a:pPr/>
-              <a:t>7/9/2019</a:t>
+              <a:t>7/10/2019</a:t>
             </a:fld>
             <a:endParaRPr lang="en-US" dirty="0"/>
           </a:p>
@@ -3190,7 +3192,7 @@
           <a:p>
             <a:fld id="{52647F38-B617-4D2F-AE0A-013F0C4D2C57}" type="datetimeFigureOut">
               <a:rPr lang="en-US" dirty="0"/>
-              <a:t>7/9/2019</a:t>
+              <a:t>7/10/2019</a:t>
             </a:fld>
             <a:endParaRPr lang="en-US" dirty="0"/>
           </a:p>
@@ -3434,7 +3436,7 @@
             <a:fld id="{B61BEF0D-F0BB-DE4B-95CE-6DB70DBA9567}" type="datetimeFigureOut">
               <a:rPr lang="en-US" dirty="0"/>
               <a:pPr/>
-              <a:t>7/9/2019</a:t>
+              <a:t>7/10/2019</a:t>
             </a:fld>
             <a:endParaRPr lang="en-US" dirty="0"/>
           </a:p>
@@ -3728,7 +3730,7 @@
           <a:p>
             <a:fld id="{05BFA754-D5C3-4E66-96A6-867B257F58DC}" type="datetimeFigureOut">
               <a:rPr lang="en-US" dirty="0"/>
-              <a:t>7/9/2019</a:t>
+              <a:t>7/10/2019</a:t>
             </a:fld>
             <a:endParaRPr lang="en-US" dirty="0"/>
           </a:p>
@@ -4118,7 +4120,7 @@
             <a:fld id="{B61BEF0D-F0BB-DE4B-95CE-6DB70DBA9567}" type="datetimeFigureOut">
               <a:rPr lang="en-US" dirty="0"/>
               <a:pPr/>
-              <a:t>7/9/2019</a:t>
+              <a:t>7/10/2019</a:t>
             </a:fld>
             <a:endParaRPr lang="en-US" dirty="0"/>
           </a:p>
@@ -4264,7 +4266,7 @@
             <a:fld id="{B61BEF0D-F0BB-DE4B-95CE-6DB70DBA9567}" type="datetimeFigureOut">
               <a:rPr lang="en-US" dirty="0"/>
               <a:pPr/>
-              <a:t>7/9/2019</a:t>
+              <a:t>7/10/2019</a:t>
             </a:fld>
             <a:endParaRPr lang="en-US" dirty="0"/>
           </a:p>
@@ -4387,7 +4389,7 @@
             <a:fld id="{B61BEF0D-F0BB-DE4B-95CE-6DB70DBA9567}" type="datetimeFigureOut">
               <a:rPr lang="en-US" dirty="0"/>
               <a:pPr/>
-              <a:t>7/9/2019</a:t>
+              <a:t>7/10/2019</a:t>
             </a:fld>
             <a:endParaRPr lang="en-US" dirty="0"/>
           </a:p>
@@ -4639,7 +4641,7 @@
             <a:fld id="{B61BEF0D-F0BB-DE4B-95CE-6DB70DBA9567}" type="datetimeFigureOut">
               <a:rPr lang="en-US" dirty="0"/>
               <a:pPr/>
-              <a:t>7/9/2019</a:t>
+              <a:t>7/10/2019</a:t>
             </a:fld>
             <a:endParaRPr lang="en-US" dirty="0"/>
           </a:p>
@@ -4951,7 +4953,7 @@
             <a:fld id="{B61BEF0D-F0BB-DE4B-95CE-6DB70DBA9567}" type="datetimeFigureOut">
               <a:rPr lang="en-US" dirty="0"/>
               <a:pPr/>
-              <a:t>7/9/2019</a:t>
+              <a:t>7/10/2019</a:t>
             </a:fld>
             <a:endParaRPr lang="en-US" dirty="0"/>
           </a:p>
@@ -5299,7 +5301,7 @@
             <a:fld id="{B61BEF0D-F0BB-DE4B-95CE-6DB70DBA9567}" type="datetimeFigureOut">
               <a:rPr lang="en-US" dirty="0"/>
               <a:pPr/>
-              <a:t>7/9/2019</a:t>
+              <a:t>7/10/2019</a:t>
             </a:fld>
             <a:endParaRPr lang="en-US" dirty="0"/>
           </a:p>
@@ -5884,8 +5886,8 @@
         </p:nvSpPr>
         <p:spPr>
           <a:xfrm>
-            <a:off x="2688165" y="3604843"/>
-            <a:ext cx="6815669" cy="1320802"/>
+            <a:off x="2688165" y="4141177"/>
+            <a:ext cx="6815669" cy="527538"/>
           </a:xfrm>
         </p:spPr>
         <p:txBody>
@@ -6333,7 +6335,7 @@
           <a:p>
             <a:r>
               <a:rPr lang="en-US" dirty="0"/>
-              <a:t>Climate – Prakash</a:t>
+              <a:t>Climate Analysis – Prakash</a:t>
             </a:r>
           </a:p>
         </p:txBody>
@@ -6356,13 +6358,13 @@
         </p:nvSpPr>
         <p:spPr>
           <a:xfrm>
-            <a:off x="919567" y="2545862"/>
-            <a:ext cx="2711656" cy="3231988"/>
+            <a:off x="910428" y="2545861"/>
+            <a:ext cx="3309880" cy="3494453"/>
           </a:xfrm>
         </p:spPr>
         <p:txBody>
           <a:bodyPr>
-            <a:normAutofit fontScale="70000" lnSpcReduction="20000"/>
+            <a:normAutofit lnSpcReduction="10000"/>
           </a:bodyPr>
           <a:lstStyle/>
           <a:p>
@@ -6396,18 +6398,11 @@
                   <a:srgbClr val="FF0000"/>
                 </a:solidFill>
               </a:rPr>
-              <a:t>no obvious correlation for temperature and home price</a:t>
+              <a:t>no obvious correlation for temperature and home price (circled)</a:t>
             </a:r>
             <a:r>
               <a:rPr lang="en-US" i="1" dirty="0"/>
               <a:t>. Thus home prices in higher temperature state isn’t true based on this analysis.</a:t>
-            </a:r>
-          </a:p>
-          <a:p>
-            <a:pPr lvl="1"/>
-            <a:r>
-              <a:rPr lang="en-US" i="1" dirty="0"/>
-              <a:t>Same conclusion for Weighted Sum Analyzed states (see the left plot), the top 20 choice States( in red dots) are almost the same price range as the lower ranked States</a:t>
             </a:r>
           </a:p>
         </p:txBody>
@@ -6506,7 +6501,7 @@
         </p:nvSpPr>
         <p:spPr>
           <a:xfrm>
-            <a:off x="2382716" y="5342631"/>
+            <a:off x="8865575" y="2593721"/>
             <a:ext cx="2031023" cy="870438"/>
           </a:xfrm>
           <a:prstGeom prst="cloudCallout">
@@ -6541,6 +6536,105 @@
           </a:p>
         </p:txBody>
       </p:sp>
+      <p:sp>
+        <p:nvSpPr>
+          <p:cNvPr id="4" name="Oval 3">
+            <a:extLst>
+              <a:ext uri="{FF2B5EF4-FFF2-40B4-BE49-F238E27FC236}">
+                <a16:creationId xmlns:a16="http://schemas.microsoft.com/office/drawing/2014/main" id="{3095D839-9286-4896-BF10-03D292C04168}"/>
+              </a:ext>
+            </a:extLst>
+          </p:cNvPr>
+          <p:cNvSpPr/>
+          <p:nvPr/>
+        </p:nvSpPr>
+        <p:spPr>
+          <a:xfrm>
+            <a:off x="4746109" y="4033143"/>
+            <a:ext cx="1417299" cy="1462049"/>
+          </a:xfrm>
+          <a:prstGeom prst="ellipse">
+            <a:avLst/>
+          </a:prstGeom>
+          <a:noFill/>
+          <a:ln>
+            <a:solidFill>
+              <a:schemeClr val="accent3">
+                <a:lumMod val="50000"/>
+              </a:schemeClr>
+            </a:solidFill>
+            <a:prstDash val="dashDot"/>
+          </a:ln>
+        </p:spPr>
+        <p:style>
+          <a:lnRef idx="2">
+            <a:schemeClr val="accent1">
+              <a:shade val="50000"/>
+            </a:schemeClr>
+          </a:lnRef>
+          <a:fillRef idx="1">
+            <a:schemeClr val="accent1"/>
+          </a:fillRef>
+          <a:effectRef idx="0">
+            <a:schemeClr val="accent1"/>
+          </a:effectRef>
+          <a:fontRef idx="minor">
+            <a:schemeClr val="lt1"/>
+          </a:fontRef>
+        </p:style>
+        <p:txBody>
+          <a:bodyPr rtlCol="0" anchor="ctr"/>
+          <a:lstStyle/>
+          <a:p>
+            <a:pPr algn="ctr"/>
+            <a:endParaRPr lang="en-US"/>
+          </a:p>
+        </p:txBody>
+      </p:sp>
+      <p:cxnSp>
+        <p:nvCxnSpPr>
+          <p:cNvPr id="11" name="Straight Arrow Connector 10">
+            <a:extLst>
+              <a:ext uri="{FF2B5EF4-FFF2-40B4-BE49-F238E27FC236}">
+                <a16:creationId xmlns:a16="http://schemas.microsoft.com/office/drawing/2014/main" id="{CA802F18-CE0E-4FF5-B445-70BCDC4D1236}"/>
+              </a:ext>
+            </a:extLst>
+          </p:cNvPr>
+          <p:cNvCxnSpPr/>
+          <p:nvPr/>
+        </p:nvCxnSpPr>
+        <p:spPr>
+          <a:xfrm flipV="1">
+            <a:off x="4079631" y="4941277"/>
+            <a:ext cx="571500" cy="378069"/>
+          </a:xfrm>
+          <a:prstGeom prst="straightConnector1">
+            <a:avLst/>
+          </a:prstGeom>
+          <a:ln w="38100">
+            <a:solidFill>
+              <a:schemeClr val="accent1">
+                <a:lumMod val="50000"/>
+              </a:schemeClr>
+            </a:solidFill>
+            <a:tailEnd type="triangle"/>
+          </a:ln>
+        </p:spPr>
+        <p:style>
+          <a:lnRef idx="1">
+            <a:schemeClr val="accent1"/>
+          </a:lnRef>
+          <a:fillRef idx="0">
+            <a:schemeClr val="accent1"/>
+          </a:fillRef>
+          <a:effectRef idx="0">
+            <a:schemeClr val="accent1"/>
+          </a:effectRef>
+          <a:fontRef idx="minor">
+            <a:schemeClr val="tx1"/>
+          </a:fontRef>
+        </p:style>
+      </p:cxnSp>
     </p:spTree>
     <p:extLst>
       <p:ext uri="{BB962C8B-B14F-4D97-AF65-F5344CB8AC3E}">
@@ -6594,7 +6688,7 @@
           <a:p>
             <a:r>
               <a:rPr lang="en-US" dirty="0"/>
-              <a:t>Climate – Prakash (</a:t>
+              <a:t>Climate Analysis – Prakash (</a:t>
             </a:r>
             <a:r>
               <a:rPr lang="en-US" dirty="0" err="1"/>
@@ -6625,8 +6719,8 @@
         </p:nvSpPr>
         <p:spPr>
           <a:xfrm>
-            <a:off x="1295402" y="2684813"/>
-            <a:ext cx="3892061" cy="3228405"/>
+            <a:off x="1371600" y="3528875"/>
+            <a:ext cx="2971800" cy="1447571"/>
           </a:xfrm>
         </p:spPr>
         <p:txBody>
@@ -6669,8 +6763,8 @@
         </p:blipFill>
         <p:spPr>
           <a:xfrm>
-            <a:off x="5829300" y="2587924"/>
-            <a:ext cx="5262526" cy="3325294"/>
+            <a:off x="4561865" y="2473623"/>
+            <a:ext cx="6732184" cy="3724953"/>
           </a:xfrm>
           <a:prstGeom prst="rect">
             <a:avLst/>
@@ -6730,7 +6824,7 @@
           <a:p>
             <a:r>
               <a:rPr lang="en-US" dirty="0"/>
-              <a:t>Climate – Prakash (</a:t>
+              <a:t>Climate Analysis – Prakash (</a:t>
             </a:r>
             <a:r>
               <a:rPr lang="en-US" dirty="0" err="1"/>
@@ -7000,7 +7094,7 @@
           <a:p>
             <a:r>
               <a:rPr lang="en-US" dirty="0"/>
-              <a:t>Climate – Prakash (</a:t>
+              <a:t>Climate Analysis – Prakash (</a:t>
             </a:r>
             <a:r>
               <a:rPr lang="en-US" dirty="0" err="1"/>
@@ -7212,6 +7306,519 @@
         </p:nvSpPr>
         <p:spPr/>
         <p:txBody>
+          <a:bodyPr/>
+          <a:lstStyle/>
+          <a:p>
+            <a:r>
+              <a:rPr lang="en-US" dirty="0"/>
+              <a:t>Climate Analysis – Prakash</a:t>
+            </a:r>
+          </a:p>
+        </p:txBody>
+      </p:sp>
+      <p:sp>
+        <p:nvSpPr>
+          <p:cNvPr id="3" name="Content Placeholder 2">
+            <a:extLst>
+              <a:ext uri="{FF2B5EF4-FFF2-40B4-BE49-F238E27FC236}">
+                <a16:creationId xmlns:a16="http://schemas.microsoft.com/office/drawing/2014/main" id="{F5BE9D4D-949C-4037-9F87-16CDE0EE0466}"/>
+              </a:ext>
+            </a:extLst>
+          </p:cNvPr>
+          <p:cNvSpPr>
+            <a:spLocks noGrp="1"/>
+          </p:cNvSpPr>
+          <p:nvPr>
+            <p:ph idx="1"/>
+          </p:nvPr>
+        </p:nvSpPr>
+        <p:spPr>
+          <a:xfrm>
+            <a:off x="1293136" y="2552937"/>
+            <a:ext cx="10022563" cy="1104664"/>
+          </a:xfrm>
+        </p:spPr>
+        <p:txBody>
+          <a:bodyPr>
+            <a:normAutofit/>
+          </a:bodyPr>
+          <a:lstStyle/>
+          <a:p>
+            <a:r>
+              <a:rPr lang="en-US" sz="1600" dirty="0" err="1"/>
+              <a:t>Percipitation</a:t>
+            </a:r>
+            <a:r>
+              <a:rPr lang="en-US" sz="1600" dirty="0"/>
+              <a:t> and snow by States spread</a:t>
+            </a:r>
+            <a:endParaRPr lang="en-US" sz="1600" i="1" dirty="0"/>
+          </a:p>
+        </p:txBody>
+      </p:sp>
+      <p:pic>
+        <p:nvPicPr>
+          <p:cNvPr id="6" name="Picture 5">
+            <a:extLst>
+              <a:ext uri="{FF2B5EF4-FFF2-40B4-BE49-F238E27FC236}">
+                <a16:creationId xmlns:a16="http://schemas.microsoft.com/office/drawing/2014/main" id="{41A9FA1C-E70D-48CF-A7E0-8AE2FC455414}"/>
+              </a:ext>
+            </a:extLst>
+          </p:cNvPr>
+          <p:cNvPicPr>
+            <a:picLocks noChangeAspect="1"/>
+          </p:cNvPicPr>
+          <p:nvPr/>
+        </p:nvPicPr>
+        <p:blipFill>
+          <a:blip r:embed="rId2"/>
+          <a:stretch>
+            <a:fillRect/>
+          </a:stretch>
+        </p:blipFill>
+        <p:spPr>
+          <a:xfrm>
+            <a:off x="882161" y="3736731"/>
+            <a:ext cx="5295897" cy="2269670"/>
+          </a:xfrm>
+          <a:prstGeom prst="rect">
+            <a:avLst/>
+          </a:prstGeom>
+        </p:spPr>
+      </p:pic>
+      <p:pic>
+        <p:nvPicPr>
+          <p:cNvPr id="8" name="Picture 7">
+            <a:extLst>
+              <a:ext uri="{FF2B5EF4-FFF2-40B4-BE49-F238E27FC236}">
+                <a16:creationId xmlns:a16="http://schemas.microsoft.com/office/drawing/2014/main" id="{157ECCB2-92B2-40D0-B4AC-52E8F0A00200}"/>
+              </a:ext>
+            </a:extLst>
+          </p:cNvPr>
+          <p:cNvPicPr>
+            <a:picLocks noChangeAspect="1"/>
+          </p:cNvPicPr>
+          <p:nvPr/>
+        </p:nvPicPr>
+        <p:blipFill>
+          <a:blip r:embed="rId3"/>
+          <a:stretch>
+            <a:fillRect/>
+          </a:stretch>
+        </p:blipFill>
+        <p:spPr>
+          <a:xfrm>
+            <a:off x="6096000" y="3736731"/>
+            <a:ext cx="5295897" cy="2269670"/>
+          </a:xfrm>
+          <a:prstGeom prst="rect">
+            <a:avLst/>
+          </a:prstGeom>
+        </p:spPr>
+      </p:pic>
+    </p:spTree>
+    <p:extLst>
+      <p:ext uri="{BB962C8B-B14F-4D97-AF65-F5344CB8AC3E}">
+        <p14:creationId xmlns:p14="http://schemas.microsoft.com/office/powerpoint/2010/main" val="2303814723"/>
+      </p:ext>
+    </p:extLst>
+  </p:cSld>
+  <p:clrMapOvr>
+    <a:masterClrMapping/>
+  </p:clrMapOvr>
+</p:sld>
+</file>
+
+<file path=ppt/slides/slide19.xml><?xml version="1.0" encoding="utf-8"?>
+<p:sld xmlns:a="http://schemas.openxmlformats.org/drawingml/2006/main" xmlns:r="http://schemas.openxmlformats.org/officeDocument/2006/relationships" xmlns:p="http://schemas.openxmlformats.org/presentationml/2006/main">
+  <p:cSld>
+    <p:spTree>
+      <p:nvGrpSpPr>
+        <p:cNvPr id="1" name=""/>
+        <p:cNvGrpSpPr/>
+        <p:nvPr/>
+      </p:nvGrpSpPr>
+      <p:grpSpPr>
+        <a:xfrm>
+          <a:off x="0" y="0"/>
+          <a:ext cx="0" cy="0"/>
+          <a:chOff x="0" y="0"/>
+          <a:chExt cx="0" cy="0"/>
+        </a:xfrm>
+      </p:grpSpPr>
+      <p:sp>
+        <p:nvSpPr>
+          <p:cNvPr id="2" name="Title 1">
+            <a:extLst>
+              <a:ext uri="{FF2B5EF4-FFF2-40B4-BE49-F238E27FC236}">
+                <a16:creationId xmlns:a16="http://schemas.microsoft.com/office/drawing/2014/main" id="{1917A588-6B43-4326-8CEE-B31FA8CC4FDB}"/>
+              </a:ext>
+            </a:extLst>
+          </p:cNvPr>
+          <p:cNvSpPr>
+            <a:spLocks noGrp="1"/>
+          </p:cNvSpPr>
+          <p:nvPr>
+            <p:ph type="title"/>
+          </p:nvPr>
+        </p:nvSpPr>
+        <p:spPr/>
+        <p:txBody>
+          <a:bodyPr/>
+          <a:lstStyle/>
+          <a:p>
+            <a:r>
+              <a:rPr lang="en-US" dirty="0"/>
+              <a:t>Climate Analysis – Prakash</a:t>
+            </a:r>
+          </a:p>
+        </p:txBody>
+      </p:sp>
+      <p:sp>
+        <p:nvSpPr>
+          <p:cNvPr id="3" name="Content Placeholder 2">
+            <a:extLst>
+              <a:ext uri="{FF2B5EF4-FFF2-40B4-BE49-F238E27FC236}">
+                <a16:creationId xmlns:a16="http://schemas.microsoft.com/office/drawing/2014/main" id="{F5BE9D4D-949C-4037-9F87-16CDE0EE0466}"/>
+              </a:ext>
+            </a:extLst>
+          </p:cNvPr>
+          <p:cNvSpPr>
+            <a:spLocks noGrp="1"/>
+          </p:cNvSpPr>
+          <p:nvPr>
+            <p:ph idx="1"/>
+          </p:nvPr>
+        </p:nvSpPr>
+        <p:spPr>
+          <a:xfrm>
+            <a:off x="5002027" y="2722767"/>
+            <a:ext cx="2195944" cy="1183795"/>
+          </a:xfrm>
+        </p:spPr>
+        <p:txBody>
+          <a:bodyPr>
+            <a:normAutofit/>
+          </a:bodyPr>
+          <a:lstStyle/>
+          <a:p>
+            <a:r>
+              <a:rPr lang="en-US" sz="1600" dirty="0"/>
+              <a:t>Temperature, Snow and </a:t>
+            </a:r>
+            <a:r>
+              <a:rPr lang="en-US" sz="1600" dirty="0" err="1"/>
+              <a:t>Percipitation</a:t>
+            </a:r>
+            <a:r>
+              <a:rPr lang="en-US" sz="1600" dirty="0"/>
+              <a:t> spread by States</a:t>
+            </a:r>
+            <a:endParaRPr lang="en-US" sz="1600" i="1" dirty="0"/>
+          </a:p>
+        </p:txBody>
+      </p:sp>
+      <p:pic>
+        <p:nvPicPr>
+          <p:cNvPr id="6" name="Picture 5">
+            <a:extLst>
+              <a:ext uri="{FF2B5EF4-FFF2-40B4-BE49-F238E27FC236}">
+                <a16:creationId xmlns:a16="http://schemas.microsoft.com/office/drawing/2014/main" id="{9A6C83C9-3AC9-4F82-A997-11D50BF0E053}"/>
+              </a:ext>
+            </a:extLst>
+          </p:cNvPr>
+          <p:cNvPicPr>
+            <a:picLocks noChangeAspect="1"/>
+          </p:cNvPicPr>
+          <p:nvPr/>
+        </p:nvPicPr>
+        <p:blipFill>
+          <a:blip r:embed="rId2"/>
+          <a:stretch>
+            <a:fillRect/>
+          </a:stretch>
+        </p:blipFill>
+        <p:spPr>
+          <a:xfrm>
+            <a:off x="7197971" y="2434900"/>
+            <a:ext cx="4097214" cy="1755949"/>
+          </a:xfrm>
+          <a:prstGeom prst="rect">
+            <a:avLst/>
+          </a:prstGeom>
+        </p:spPr>
+      </p:pic>
+      <p:pic>
+        <p:nvPicPr>
+          <p:cNvPr id="8" name="Picture 7">
+            <a:extLst>
+              <a:ext uri="{FF2B5EF4-FFF2-40B4-BE49-F238E27FC236}">
+                <a16:creationId xmlns:a16="http://schemas.microsoft.com/office/drawing/2014/main" id="{E9C3F09A-46E4-4EC8-97B6-C89625DD2FBE}"/>
+              </a:ext>
+            </a:extLst>
+          </p:cNvPr>
+          <p:cNvPicPr>
+            <a:picLocks noChangeAspect="1"/>
+          </p:cNvPicPr>
+          <p:nvPr/>
+        </p:nvPicPr>
+        <p:blipFill>
+          <a:blip r:embed="rId3"/>
+          <a:stretch>
+            <a:fillRect/>
+          </a:stretch>
+        </p:blipFill>
+        <p:spPr>
+          <a:xfrm>
+            <a:off x="896817" y="2499530"/>
+            <a:ext cx="4097214" cy="1755949"/>
+          </a:xfrm>
+          <a:prstGeom prst="rect">
+            <a:avLst/>
+          </a:prstGeom>
+        </p:spPr>
+      </p:pic>
+      <p:pic>
+        <p:nvPicPr>
+          <p:cNvPr id="10" name="Picture 9">
+            <a:extLst>
+              <a:ext uri="{FF2B5EF4-FFF2-40B4-BE49-F238E27FC236}">
+                <a16:creationId xmlns:a16="http://schemas.microsoft.com/office/drawing/2014/main" id="{F2635AEF-82B8-4FA2-AFDB-E19E7BAE16A8}"/>
+              </a:ext>
+            </a:extLst>
+          </p:cNvPr>
+          <p:cNvPicPr>
+            <a:picLocks noChangeAspect="1"/>
+          </p:cNvPicPr>
+          <p:nvPr/>
+        </p:nvPicPr>
+        <p:blipFill>
+          <a:blip r:embed="rId4"/>
+          <a:stretch>
+            <a:fillRect/>
+          </a:stretch>
+        </p:blipFill>
+        <p:spPr>
+          <a:xfrm>
+            <a:off x="4281193" y="4366129"/>
+            <a:ext cx="4097214" cy="1755949"/>
+          </a:xfrm>
+          <a:prstGeom prst="rect">
+            <a:avLst/>
+          </a:prstGeom>
+        </p:spPr>
+      </p:pic>
+    </p:spTree>
+    <p:extLst>
+      <p:ext uri="{BB962C8B-B14F-4D97-AF65-F5344CB8AC3E}">
+        <p14:creationId xmlns:p14="http://schemas.microsoft.com/office/powerpoint/2010/main" val="2124005546"/>
+      </p:ext>
+    </p:extLst>
+  </p:cSld>
+  <p:clrMapOvr>
+    <a:masterClrMapping/>
+  </p:clrMapOvr>
+</p:sld>
+</file>
+
+<file path=ppt/slides/slide2.xml><?xml version="1.0" encoding="utf-8"?>
+<p:sld xmlns:a="http://schemas.openxmlformats.org/drawingml/2006/main" xmlns:r="http://schemas.openxmlformats.org/officeDocument/2006/relationships" xmlns:p="http://schemas.openxmlformats.org/presentationml/2006/main">
+  <p:cSld>
+    <p:spTree>
+      <p:nvGrpSpPr>
+        <p:cNvPr id="1" name=""/>
+        <p:cNvGrpSpPr/>
+        <p:nvPr/>
+      </p:nvGrpSpPr>
+      <p:grpSpPr>
+        <a:xfrm>
+          <a:off x="0" y="0"/>
+          <a:ext cx="0" cy="0"/>
+          <a:chOff x="0" y="0"/>
+          <a:chExt cx="0" cy="0"/>
+        </a:xfrm>
+      </p:grpSpPr>
+      <p:sp>
+        <p:nvSpPr>
+          <p:cNvPr id="2" name="Title 1">
+            <a:extLst>
+              <a:ext uri="{FF2B5EF4-FFF2-40B4-BE49-F238E27FC236}">
+                <a16:creationId xmlns:a16="http://schemas.microsoft.com/office/drawing/2014/main" id="{377C9523-097C-4E43-AC8E-8C68B3057BB1}"/>
+              </a:ext>
+            </a:extLst>
+          </p:cNvPr>
+          <p:cNvSpPr>
+            <a:spLocks noGrp="1"/>
+          </p:cNvSpPr>
+          <p:nvPr>
+            <p:ph type="title"/>
+          </p:nvPr>
+        </p:nvSpPr>
+        <p:spPr/>
+        <p:txBody>
+          <a:bodyPr/>
+          <a:lstStyle/>
+          <a:p>
+            <a:r>
+              <a:rPr lang="en-US" dirty="0"/>
+              <a:t>Project 1 Technical Requirement</a:t>
+            </a:r>
+          </a:p>
+        </p:txBody>
+      </p:sp>
+      <p:sp>
+        <p:nvSpPr>
+          <p:cNvPr id="3" name="Content Placeholder 2">
+            <a:extLst>
+              <a:ext uri="{FF2B5EF4-FFF2-40B4-BE49-F238E27FC236}">
+                <a16:creationId xmlns:a16="http://schemas.microsoft.com/office/drawing/2014/main" id="{42C92943-A346-4DB7-A073-7ED62D2A2B66}"/>
+              </a:ext>
+            </a:extLst>
+          </p:cNvPr>
+          <p:cNvSpPr>
+            <a:spLocks noGrp="1"/>
+          </p:cNvSpPr>
+          <p:nvPr>
+            <p:ph idx="1"/>
+          </p:nvPr>
+        </p:nvSpPr>
+        <p:spPr>
+          <a:xfrm>
+            <a:off x="1295401" y="2435469"/>
+            <a:ext cx="9601196" cy="3789485"/>
+          </a:xfrm>
+        </p:spPr>
+        <p:txBody>
+          <a:bodyPr>
+            <a:noAutofit/>
+          </a:bodyPr>
+          <a:lstStyle/>
+          <a:p>
+            <a:r>
+              <a:rPr lang="en-US" sz="1400" dirty="0"/>
+              <a:t># Technical Requirements</a:t>
+            </a:r>
+          </a:p>
+          <a:p>
+            <a:r>
+              <a:rPr lang="en-US" sz="1400" dirty="0"/>
+              <a:t>The technical requirements for Project 1 are as follows.</a:t>
+            </a:r>
+          </a:p>
+          <a:p>
+            <a:r>
+              <a:rPr lang="en-US" sz="1400" dirty="0"/>
+              <a:t>* [ ] Use Pandas to clean and format your data set(s)</a:t>
+            </a:r>
+          </a:p>
+          <a:p>
+            <a:r>
+              <a:rPr lang="en-US" sz="1400" dirty="0"/>
+              <a:t>* [ ] Create a </a:t>
+            </a:r>
+            <a:r>
+              <a:rPr lang="en-US" sz="1400" dirty="0" err="1"/>
+              <a:t>Jupyter</a:t>
+            </a:r>
+            <a:r>
+              <a:rPr lang="en-US" sz="1400" dirty="0"/>
+              <a:t> Notebook describing the **data exploration and cleanup** process</a:t>
+            </a:r>
+          </a:p>
+          <a:p>
+            <a:r>
+              <a:rPr lang="en-US" sz="1400" dirty="0"/>
+              <a:t>* [ ] Create a </a:t>
+            </a:r>
+            <a:r>
+              <a:rPr lang="en-US" sz="1400" dirty="0" err="1"/>
+              <a:t>Jupyter</a:t>
+            </a:r>
+            <a:r>
+              <a:rPr lang="en-US" sz="1400" dirty="0"/>
+              <a:t> Notebook illustrating the **final data analysis*** [ ] Use Matplotlib to create a total of 6-8 visualizations of your data (ideally, at least 2 per "question" you ask of your data)</a:t>
+            </a:r>
+          </a:p>
+          <a:p>
+            <a:r>
+              <a:rPr lang="en-US" sz="1400" dirty="0"/>
+              <a:t>* [ ] Save PNG images of your visualizations to distribute to the class and instructional team, and for inclusion in your presentation</a:t>
+            </a:r>
+          </a:p>
+          <a:p>
+            <a:r>
+              <a:rPr lang="en-US" sz="1400" dirty="0"/>
+              <a:t>* [ ] Optionally, use at least one API, if you can find an API with data pertinent to your primary research questions</a:t>
+            </a:r>
+          </a:p>
+          <a:p>
+            <a:r>
+              <a:rPr lang="en-US" sz="1400" dirty="0"/>
+              <a:t>* [ ] Create a write-up summarizing your major findings. This should include a heading for each "question" you asked of your data, and under each heading, a short description of what you found and any relevant plots.</a:t>
+            </a:r>
+          </a:p>
+          <a:p>
+            <a:r>
+              <a:rPr lang="en-US" sz="1400" dirty="0"/>
+              <a:t>- - -### Copyright</a:t>
+            </a:r>
+          </a:p>
+          <a:p>
+            <a:r>
+              <a:rPr lang="en-US" sz="1400" dirty="0"/>
+              <a:t>Coding Boot Camp © 2017. All Rights Reserved.</a:t>
+            </a:r>
+          </a:p>
+        </p:txBody>
+      </p:sp>
+    </p:spTree>
+    <p:extLst>
+      <p:ext uri="{BB962C8B-B14F-4D97-AF65-F5344CB8AC3E}">
+        <p14:creationId xmlns:p14="http://schemas.microsoft.com/office/powerpoint/2010/main" val="3211359946"/>
+      </p:ext>
+    </p:extLst>
+  </p:cSld>
+  <p:clrMapOvr>
+    <a:masterClrMapping/>
+  </p:clrMapOvr>
+</p:sld>
+</file>
+
+<file path=ppt/slides/slide20.xml><?xml version="1.0" encoding="utf-8"?>
+<p:sld xmlns:a="http://schemas.openxmlformats.org/drawingml/2006/main" xmlns:r="http://schemas.openxmlformats.org/officeDocument/2006/relationships" xmlns:p="http://schemas.openxmlformats.org/presentationml/2006/main">
+  <p:cSld>
+    <p:spTree>
+      <p:nvGrpSpPr>
+        <p:cNvPr id="1" name=""/>
+        <p:cNvGrpSpPr/>
+        <p:nvPr/>
+      </p:nvGrpSpPr>
+      <p:grpSpPr>
+        <a:xfrm>
+          <a:off x="0" y="0"/>
+          <a:ext cx="0" cy="0"/>
+          <a:chOff x="0" y="0"/>
+          <a:chExt cx="0" cy="0"/>
+        </a:xfrm>
+      </p:grpSpPr>
+      <p:sp>
+        <p:nvSpPr>
+          <p:cNvPr id="2" name="Title 1">
+            <a:extLst>
+              <a:ext uri="{FF2B5EF4-FFF2-40B4-BE49-F238E27FC236}">
+                <a16:creationId xmlns:a16="http://schemas.microsoft.com/office/drawing/2014/main" id="{1917A588-6B43-4326-8CEE-B31FA8CC4FDB}"/>
+              </a:ext>
+            </a:extLst>
+          </p:cNvPr>
+          <p:cNvSpPr>
+            <a:spLocks noGrp="1"/>
+          </p:cNvSpPr>
+          <p:nvPr>
+            <p:ph type="title"/>
+          </p:nvPr>
+        </p:nvSpPr>
+        <p:spPr/>
+        <p:txBody>
           <a:bodyPr>
             <a:normAutofit/>
           </a:bodyPr>
@@ -7269,7 +7876,7 @@
 </p:sld>
 </file>
 
-<file path=ppt/slides/slide19.xml><?xml version="1.0" encoding="utf-8"?>
+<file path=ppt/slides/slide21.xml><?xml version="1.0" encoding="utf-8"?>
 <p:sld xmlns:a="http://schemas.openxmlformats.org/drawingml/2006/main" xmlns:r="http://schemas.openxmlformats.org/officeDocument/2006/relationships" xmlns:p="http://schemas.openxmlformats.org/presentationml/2006/main">
   <p:cSld>
     <p:spTree>
@@ -7424,165 +8031,7 @@
 </p:sld>
 </file>
 
-<file path=ppt/slides/slide2.xml><?xml version="1.0" encoding="utf-8"?>
-<p:sld xmlns:a="http://schemas.openxmlformats.org/drawingml/2006/main" xmlns:r="http://schemas.openxmlformats.org/officeDocument/2006/relationships" xmlns:p="http://schemas.openxmlformats.org/presentationml/2006/main">
-  <p:cSld>
-    <p:spTree>
-      <p:nvGrpSpPr>
-        <p:cNvPr id="1" name=""/>
-        <p:cNvGrpSpPr/>
-        <p:nvPr/>
-      </p:nvGrpSpPr>
-      <p:grpSpPr>
-        <a:xfrm>
-          <a:off x="0" y="0"/>
-          <a:ext cx="0" cy="0"/>
-          <a:chOff x="0" y="0"/>
-          <a:chExt cx="0" cy="0"/>
-        </a:xfrm>
-      </p:grpSpPr>
-      <p:sp>
-        <p:nvSpPr>
-          <p:cNvPr id="2" name="Title 1">
-            <a:extLst>
-              <a:ext uri="{FF2B5EF4-FFF2-40B4-BE49-F238E27FC236}">
-                <a16:creationId xmlns:a16="http://schemas.microsoft.com/office/drawing/2014/main" id="{377C9523-097C-4E43-AC8E-8C68B3057BB1}"/>
-              </a:ext>
-            </a:extLst>
-          </p:cNvPr>
-          <p:cNvSpPr>
-            <a:spLocks noGrp="1"/>
-          </p:cNvSpPr>
-          <p:nvPr>
-            <p:ph type="title"/>
-          </p:nvPr>
-        </p:nvSpPr>
-        <p:spPr/>
-        <p:txBody>
-          <a:bodyPr/>
-          <a:lstStyle/>
-          <a:p>
-            <a:r>
-              <a:rPr lang="en-US" dirty="0"/>
-              <a:t>Project 1 Technical Requirement</a:t>
-            </a:r>
-          </a:p>
-        </p:txBody>
-      </p:sp>
-      <p:sp>
-        <p:nvSpPr>
-          <p:cNvPr id="3" name="Content Placeholder 2">
-            <a:extLst>
-              <a:ext uri="{FF2B5EF4-FFF2-40B4-BE49-F238E27FC236}">
-                <a16:creationId xmlns:a16="http://schemas.microsoft.com/office/drawing/2014/main" id="{42C92943-A346-4DB7-A073-7ED62D2A2B66}"/>
-              </a:ext>
-            </a:extLst>
-          </p:cNvPr>
-          <p:cNvSpPr>
-            <a:spLocks noGrp="1"/>
-          </p:cNvSpPr>
-          <p:nvPr>
-            <p:ph idx="1"/>
-          </p:nvPr>
-        </p:nvSpPr>
-        <p:spPr/>
-        <p:txBody>
-          <a:bodyPr>
-            <a:normAutofit fontScale="55000" lnSpcReduction="20000"/>
-          </a:bodyPr>
-          <a:lstStyle/>
-          <a:p>
-            <a:r>
-              <a:rPr lang="en-US" dirty="0"/>
-              <a:t># Technical Requirements</a:t>
-            </a:r>
-          </a:p>
-          <a:p>
-            <a:r>
-              <a:rPr lang="en-US" dirty="0"/>
-              <a:t>The technical requirements for Project 1 are as follows.</a:t>
-            </a:r>
-          </a:p>
-          <a:p>
-            <a:r>
-              <a:rPr lang="en-US" dirty="0"/>
-              <a:t>* [ ] Use Pandas to clean and format your data set(s)</a:t>
-            </a:r>
-          </a:p>
-          <a:p>
-            <a:r>
-              <a:rPr lang="en-US" dirty="0"/>
-              <a:t>* [ ] Create a </a:t>
-            </a:r>
-            <a:r>
-              <a:rPr lang="en-US" dirty="0" err="1"/>
-              <a:t>Jupyter</a:t>
-            </a:r>
-            <a:r>
-              <a:rPr lang="en-US" dirty="0"/>
-              <a:t> Notebook describing the **data exploration and cleanup** process</a:t>
-            </a:r>
-          </a:p>
-          <a:p>
-            <a:r>
-              <a:rPr lang="en-US" dirty="0"/>
-              <a:t>* [ ] Create a </a:t>
-            </a:r>
-            <a:r>
-              <a:rPr lang="en-US" dirty="0" err="1"/>
-              <a:t>Jupyter</a:t>
-            </a:r>
-            <a:r>
-              <a:rPr lang="en-US" dirty="0"/>
-              <a:t> Notebook illustrating the **final data analysis*** [ ] Use Matplotlib to create a total of 6-8 visualizations of your data (ideally, at least 2 per "question" you ask of your data)</a:t>
-            </a:r>
-          </a:p>
-          <a:p>
-            <a:r>
-              <a:rPr lang="en-US" dirty="0"/>
-              <a:t>* [ ] Save PNG images of your visualizations to distribute to the class and instructional team, and for inclusion in your presentation</a:t>
-            </a:r>
-          </a:p>
-          <a:p>
-            <a:r>
-              <a:rPr lang="en-US" dirty="0"/>
-              <a:t>* [ ] Optionally, use at least one API, if you can find an API with data pertinent to your primary research questions</a:t>
-            </a:r>
-          </a:p>
-          <a:p>
-            <a:r>
-              <a:rPr lang="en-US" dirty="0"/>
-              <a:t>* [ ] Create a write-up summarizing your major findings. This should include a heading for each "question" you asked of your data, and under each heading, a short description of what you found and any relevant plots.</a:t>
-            </a:r>
-          </a:p>
-          <a:p>
-            <a:r>
-              <a:rPr lang="en-US" dirty="0"/>
-              <a:t>- - -### Copyright</a:t>
-            </a:r>
-          </a:p>
-          <a:p>
-            <a:r>
-              <a:rPr lang="en-US" dirty="0"/>
-              <a:t>Coding Boot Camp © 2017. All Rights Reserved.</a:t>
-            </a:r>
-          </a:p>
-        </p:txBody>
-      </p:sp>
-    </p:spTree>
-    <p:extLst>
-      <p:ext uri="{BB962C8B-B14F-4D97-AF65-F5344CB8AC3E}">
-        <p14:creationId xmlns:p14="http://schemas.microsoft.com/office/powerpoint/2010/main" val="3211359946"/>
-      </p:ext>
-    </p:extLst>
-  </p:cSld>
-  <p:clrMapOvr>
-    <a:masterClrMapping/>
-  </p:clrMapOvr>
-</p:sld>
-</file>
-
-<file path=ppt/slides/slide20.xml><?xml version="1.0" encoding="utf-8"?>
+<file path=ppt/slides/slide22.xml><?xml version="1.0" encoding="utf-8"?>
 <p:sld xmlns:a="http://schemas.openxmlformats.org/drawingml/2006/main" xmlns:r="http://schemas.openxmlformats.org/officeDocument/2006/relationships" xmlns:p="http://schemas.openxmlformats.org/presentationml/2006/main">
   <p:cSld>
     <p:spTree>
@@ -8193,7 +8642,7 @@
 </p:sld>
 </file>
 
-<file path=ppt/slides/slide21.xml><?xml version="1.0" encoding="utf-8"?>
+<file path=ppt/slides/slide23.xml><?xml version="1.0" encoding="utf-8"?>
 <p:sld xmlns:a="http://schemas.openxmlformats.org/drawingml/2006/main" xmlns:r="http://schemas.openxmlformats.org/officeDocument/2006/relationships" xmlns:p="http://schemas.openxmlformats.org/presentationml/2006/main">
   <p:cSld>
     <p:bg>
@@ -8257,306 +8706,6 @@
     <p:extLst>
       <p:ext uri="{BB962C8B-B14F-4D97-AF65-F5344CB8AC3E}">
         <p14:creationId xmlns:p14="http://schemas.microsoft.com/office/powerpoint/2010/main" val="2637397907"/>
-      </p:ext>
-    </p:extLst>
-  </p:cSld>
-  <p:clrMapOvr>
-    <a:masterClrMapping/>
-  </p:clrMapOvr>
-</p:sld>
-</file>
-
-<file path=ppt/slides/slide22.xml><?xml version="1.0" encoding="utf-8"?>
-<p:sld xmlns:a="http://schemas.openxmlformats.org/drawingml/2006/main" xmlns:r="http://schemas.openxmlformats.org/officeDocument/2006/relationships" xmlns:p="http://schemas.openxmlformats.org/presentationml/2006/main">
-  <p:cSld>
-    <p:spTree>
-      <p:nvGrpSpPr>
-        <p:cNvPr id="1" name=""/>
-        <p:cNvGrpSpPr/>
-        <p:nvPr/>
-      </p:nvGrpSpPr>
-      <p:grpSpPr>
-        <a:xfrm>
-          <a:off x="0" y="0"/>
-          <a:ext cx="0" cy="0"/>
-          <a:chOff x="0" y="0"/>
-          <a:chExt cx="0" cy="0"/>
-        </a:xfrm>
-      </p:grpSpPr>
-      <p:sp>
-        <p:nvSpPr>
-          <p:cNvPr id="2" name="Title 1">
-            <a:extLst>
-              <a:ext uri="{FF2B5EF4-FFF2-40B4-BE49-F238E27FC236}">
-                <a16:creationId xmlns:a16="http://schemas.microsoft.com/office/drawing/2014/main" id="{1917A588-6B43-4326-8CEE-B31FA8CC4FDB}"/>
-              </a:ext>
-            </a:extLst>
-          </p:cNvPr>
-          <p:cNvSpPr>
-            <a:spLocks noGrp="1"/>
-          </p:cNvSpPr>
-          <p:nvPr>
-            <p:ph type="title"/>
-          </p:nvPr>
-        </p:nvSpPr>
-        <p:spPr/>
-        <p:txBody>
-          <a:bodyPr>
-            <a:normAutofit fontScale="90000"/>
-          </a:bodyPr>
-          <a:lstStyle/>
-          <a:p>
-            <a:r>
-              <a:rPr lang="en-US" dirty="0"/>
-              <a:t>State Tax &amp; Living Cost Analysis Files (</a:t>
-            </a:r>
-            <a:r>
-              <a:rPr lang="en-US" dirty="0" err="1"/>
-              <a:t>Bahar</a:t>
-            </a:r>
-            <a:r>
-              <a:rPr lang="en-US" dirty="0"/>
-              <a:t>)</a:t>
-            </a:r>
-          </a:p>
-        </p:txBody>
-      </p:sp>
-      <p:sp>
-        <p:nvSpPr>
-          <p:cNvPr id="3" name="Content Placeholder 2">
-            <a:extLst>
-              <a:ext uri="{FF2B5EF4-FFF2-40B4-BE49-F238E27FC236}">
-                <a16:creationId xmlns:a16="http://schemas.microsoft.com/office/drawing/2014/main" id="{F5BE9D4D-949C-4037-9F87-16CDE0EE0466}"/>
-              </a:ext>
-            </a:extLst>
-          </p:cNvPr>
-          <p:cNvSpPr>
-            <a:spLocks noGrp="1"/>
-          </p:cNvSpPr>
-          <p:nvPr>
-            <p:ph idx="1"/>
-          </p:nvPr>
-        </p:nvSpPr>
-        <p:spPr/>
-        <p:txBody>
-          <a:bodyPr>
-            <a:normAutofit/>
-          </a:bodyPr>
-          <a:lstStyle/>
-          <a:p>
-            <a:r>
-              <a:rPr lang="en-US" dirty="0"/>
-              <a:t>Files are in folder = \</a:t>
-            </a:r>
-            <a:r>
-              <a:rPr lang="en-US" dirty="0" err="1"/>
-              <a:t>The_Incredible_Quad</a:t>
-            </a:r>
-            <a:r>
-              <a:rPr lang="en-US" dirty="0"/>
-              <a:t>\</a:t>
-            </a:r>
-          </a:p>
-          <a:p>
-            <a:r>
-              <a:rPr lang="en-US" dirty="0" err="1"/>
-              <a:t>Jupyter</a:t>
-            </a:r>
-            <a:r>
-              <a:rPr lang="en-US" dirty="0"/>
-              <a:t> NB filename = .</a:t>
-            </a:r>
-            <a:r>
-              <a:rPr lang="en-US" dirty="0" err="1"/>
-              <a:t>ipynb</a:t>
-            </a:r>
-            <a:endParaRPr lang="en-US" dirty="0"/>
-          </a:p>
-          <a:p>
-            <a:r>
-              <a:rPr lang="en-US" dirty="0"/>
-              <a:t>Google API key file = </a:t>
-            </a:r>
-          </a:p>
-          <a:p>
-            <a:r>
-              <a:rPr lang="en-US" dirty="0"/>
-              <a:t>Saved plots = \</a:t>
-            </a:r>
-            <a:r>
-              <a:rPr lang="en-US" dirty="0" err="1"/>
-              <a:t>The_Incredible_Quad</a:t>
-            </a:r>
-            <a:r>
-              <a:rPr lang="en-US" dirty="0"/>
-              <a:t>\</a:t>
-            </a:r>
-          </a:p>
-          <a:p>
-            <a:r>
-              <a:rPr lang="en-US" dirty="0"/>
-              <a:t>Dataset files = </a:t>
-            </a:r>
-          </a:p>
-          <a:p>
-            <a:pPr lvl="1"/>
-            <a:r>
-              <a:rPr lang="en-US" dirty="0"/>
-              <a:t>*.csv </a:t>
-            </a:r>
-          </a:p>
-        </p:txBody>
-      </p:sp>
-    </p:spTree>
-    <p:extLst>
-      <p:ext uri="{BB962C8B-B14F-4D97-AF65-F5344CB8AC3E}">
-        <p14:creationId xmlns:p14="http://schemas.microsoft.com/office/powerpoint/2010/main" val="634013030"/>
-      </p:ext>
-    </p:extLst>
-  </p:cSld>
-  <p:clrMapOvr>
-    <a:masterClrMapping/>
-  </p:clrMapOvr>
-</p:sld>
-</file>
-
-<file path=ppt/slides/slide23.xml><?xml version="1.0" encoding="utf-8"?>
-<p:sld xmlns:a="http://schemas.openxmlformats.org/drawingml/2006/main" xmlns:r="http://schemas.openxmlformats.org/officeDocument/2006/relationships" xmlns:p="http://schemas.openxmlformats.org/presentationml/2006/main">
-  <p:cSld>
-    <p:spTree>
-      <p:nvGrpSpPr>
-        <p:cNvPr id="1" name=""/>
-        <p:cNvGrpSpPr/>
-        <p:nvPr/>
-      </p:nvGrpSpPr>
-      <p:grpSpPr>
-        <a:xfrm>
-          <a:off x="0" y="0"/>
-          <a:ext cx="0" cy="0"/>
-          <a:chOff x="0" y="0"/>
-          <a:chExt cx="0" cy="0"/>
-        </a:xfrm>
-      </p:grpSpPr>
-      <p:sp>
-        <p:nvSpPr>
-          <p:cNvPr id="2" name="Title 1">
-            <a:extLst>
-              <a:ext uri="{FF2B5EF4-FFF2-40B4-BE49-F238E27FC236}">
-                <a16:creationId xmlns:a16="http://schemas.microsoft.com/office/drawing/2014/main" id="{1917A588-6B43-4326-8CEE-B31FA8CC4FDB}"/>
-              </a:ext>
-            </a:extLst>
-          </p:cNvPr>
-          <p:cNvSpPr>
-            <a:spLocks noGrp="1"/>
-          </p:cNvSpPr>
-          <p:nvPr>
-            <p:ph type="title"/>
-          </p:nvPr>
-        </p:nvSpPr>
-        <p:spPr/>
-        <p:txBody>
-          <a:bodyPr>
-            <a:normAutofit fontScale="90000"/>
-          </a:bodyPr>
-          <a:lstStyle/>
-          <a:p>
-            <a:r>
-              <a:rPr lang="en-US" dirty="0"/>
-              <a:t>Unemployment &amp; Crime Rate Analysis Files (Catherine)</a:t>
-            </a:r>
-          </a:p>
-        </p:txBody>
-      </p:sp>
-      <p:sp>
-        <p:nvSpPr>
-          <p:cNvPr id="3" name="Content Placeholder 2">
-            <a:extLst>
-              <a:ext uri="{FF2B5EF4-FFF2-40B4-BE49-F238E27FC236}">
-                <a16:creationId xmlns:a16="http://schemas.microsoft.com/office/drawing/2014/main" id="{F5BE9D4D-949C-4037-9F87-16CDE0EE0466}"/>
-              </a:ext>
-            </a:extLst>
-          </p:cNvPr>
-          <p:cNvSpPr>
-            <a:spLocks noGrp="1"/>
-          </p:cNvSpPr>
-          <p:nvPr>
-            <p:ph idx="1"/>
-          </p:nvPr>
-        </p:nvSpPr>
-        <p:spPr/>
-        <p:txBody>
-          <a:bodyPr>
-            <a:normAutofit/>
-          </a:bodyPr>
-          <a:lstStyle/>
-          <a:p>
-            <a:r>
-              <a:rPr lang="en-US" dirty="0"/>
-              <a:t>Files are in folder = \</a:t>
-            </a:r>
-            <a:r>
-              <a:rPr lang="en-US" dirty="0" err="1"/>
-              <a:t>The_Incredible_Quad</a:t>
-            </a:r>
-            <a:r>
-              <a:rPr lang="en-US" dirty="0"/>
-              <a:t>\</a:t>
-            </a:r>
-          </a:p>
-          <a:p>
-            <a:r>
-              <a:rPr lang="en-US" dirty="0" err="1"/>
-              <a:t>Jupyter</a:t>
-            </a:r>
-            <a:r>
-              <a:rPr lang="en-US" dirty="0"/>
-              <a:t> NB filename = .</a:t>
-            </a:r>
-            <a:r>
-              <a:rPr lang="en-US" dirty="0" err="1"/>
-              <a:t>ipynb</a:t>
-            </a:r>
-            <a:endParaRPr lang="en-US" dirty="0"/>
-          </a:p>
-          <a:p>
-            <a:r>
-              <a:rPr lang="en-US" dirty="0"/>
-              <a:t>Google API key file = </a:t>
-            </a:r>
-          </a:p>
-          <a:p>
-            <a:r>
-              <a:rPr lang="en-US" dirty="0"/>
-              <a:t>Saved plots = \</a:t>
-            </a:r>
-            <a:r>
-              <a:rPr lang="en-US" dirty="0" err="1"/>
-              <a:t>The_Incredible_Quad</a:t>
-            </a:r>
-            <a:r>
-              <a:rPr lang="en-US" dirty="0"/>
-              <a:t>\</a:t>
-            </a:r>
-          </a:p>
-          <a:p>
-            <a:r>
-              <a:rPr lang="en-US" dirty="0"/>
-              <a:t>Dataset files = </a:t>
-            </a:r>
-          </a:p>
-          <a:p>
-            <a:pPr lvl="1"/>
-            <a:r>
-              <a:rPr lang="en-US" dirty="0"/>
-              <a:t>*.csv </a:t>
-            </a:r>
-          </a:p>
-        </p:txBody>
-      </p:sp>
-    </p:spTree>
-    <p:extLst>
-      <p:ext uri="{BB962C8B-B14F-4D97-AF65-F5344CB8AC3E}">
-        <p14:creationId xmlns:p14="http://schemas.microsoft.com/office/powerpoint/2010/main" val="4102377004"/>
       </p:ext>
     </p:extLst>
   </p:cSld>
@@ -8602,6 +8751,306 @@
         <p:spPr/>
         <p:txBody>
           <a:bodyPr>
+            <a:normAutofit fontScale="90000"/>
+          </a:bodyPr>
+          <a:lstStyle/>
+          <a:p>
+            <a:r>
+              <a:rPr lang="en-US" dirty="0"/>
+              <a:t>State Tax &amp; Living Cost Analysis Files (</a:t>
+            </a:r>
+            <a:r>
+              <a:rPr lang="en-US" dirty="0" err="1"/>
+              <a:t>Bahar</a:t>
+            </a:r>
+            <a:r>
+              <a:rPr lang="en-US" dirty="0"/>
+              <a:t>)</a:t>
+            </a:r>
+          </a:p>
+        </p:txBody>
+      </p:sp>
+      <p:sp>
+        <p:nvSpPr>
+          <p:cNvPr id="3" name="Content Placeholder 2">
+            <a:extLst>
+              <a:ext uri="{FF2B5EF4-FFF2-40B4-BE49-F238E27FC236}">
+                <a16:creationId xmlns:a16="http://schemas.microsoft.com/office/drawing/2014/main" id="{F5BE9D4D-949C-4037-9F87-16CDE0EE0466}"/>
+              </a:ext>
+            </a:extLst>
+          </p:cNvPr>
+          <p:cNvSpPr>
+            <a:spLocks noGrp="1"/>
+          </p:cNvSpPr>
+          <p:nvPr>
+            <p:ph idx="1"/>
+          </p:nvPr>
+        </p:nvSpPr>
+        <p:spPr/>
+        <p:txBody>
+          <a:bodyPr>
+            <a:normAutofit/>
+          </a:bodyPr>
+          <a:lstStyle/>
+          <a:p>
+            <a:r>
+              <a:rPr lang="en-US" dirty="0"/>
+              <a:t>Files are in folder = \</a:t>
+            </a:r>
+            <a:r>
+              <a:rPr lang="en-US" dirty="0" err="1"/>
+              <a:t>The_Incredible_Quad</a:t>
+            </a:r>
+            <a:r>
+              <a:rPr lang="en-US" dirty="0"/>
+              <a:t>\</a:t>
+            </a:r>
+          </a:p>
+          <a:p>
+            <a:r>
+              <a:rPr lang="en-US" dirty="0" err="1"/>
+              <a:t>Jupyter</a:t>
+            </a:r>
+            <a:r>
+              <a:rPr lang="en-US" dirty="0"/>
+              <a:t> NB filename = .</a:t>
+            </a:r>
+            <a:r>
+              <a:rPr lang="en-US" dirty="0" err="1"/>
+              <a:t>ipynb</a:t>
+            </a:r>
+            <a:endParaRPr lang="en-US" dirty="0"/>
+          </a:p>
+          <a:p>
+            <a:r>
+              <a:rPr lang="en-US" dirty="0"/>
+              <a:t>Google API key file = </a:t>
+            </a:r>
+          </a:p>
+          <a:p>
+            <a:r>
+              <a:rPr lang="en-US" dirty="0"/>
+              <a:t>Saved plots = \</a:t>
+            </a:r>
+            <a:r>
+              <a:rPr lang="en-US" dirty="0" err="1"/>
+              <a:t>The_Incredible_Quad</a:t>
+            </a:r>
+            <a:r>
+              <a:rPr lang="en-US" dirty="0"/>
+              <a:t>\</a:t>
+            </a:r>
+          </a:p>
+          <a:p>
+            <a:r>
+              <a:rPr lang="en-US" dirty="0"/>
+              <a:t>Dataset files = </a:t>
+            </a:r>
+          </a:p>
+          <a:p>
+            <a:pPr lvl="1"/>
+            <a:r>
+              <a:rPr lang="en-US" dirty="0"/>
+              <a:t>*.csv </a:t>
+            </a:r>
+          </a:p>
+        </p:txBody>
+      </p:sp>
+    </p:spTree>
+    <p:extLst>
+      <p:ext uri="{BB962C8B-B14F-4D97-AF65-F5344CB8AC3E}">
+        <p14:creationId xmlns:p14="http://schemas.microsoft.com/office/powerpoint/2010/main" val="634013030"/>
+      </p:ext>
+    </p:extLst>
+  </p:cSld>
+  <p:clrMapOvr>
+    <a:masterClrMapping/>
+  </p:clrMapOvr>
+</p:sld>
+</file>
+
+<file path=ppt/slides/slide25.xml><?xml version="1.0" encoding="utf-8"?>
+<p:sld xmlns:a="http://schemas.openxmlformats.org/drawingml/2006/main" xmlns:r="http://schemas.openxmlformats.org/officeDocument/2006/relationships" xmlns:p="http://schemas.openxmlformats.org/presentationml/2006/main">
+  <p:cSld>
+    <p:spTree>
+      <p:nvGrpSpPr>
+        <p:cNvPr id="1" name=""/>
+        <p:cNvGrpSpPr/>
+        <p:nvPr/>
+      </p:nvGrpSpPr>
+      <p:grpSpPr>
+        <a:xfrm>
+          <a:off x="0" y="0"/>
+          <a:ext cx="0" cy="0"/>
+          <a:chOff x="0" y="0"/>
+          <a:chExt cx="0" cy="0"/>
+        </a:xfrm>
+      </p:grpSpPr>
+      <p:sp>
+        <p:nvSpPr>
+          <p:cNvPr id="2" name="Title 1">
+            <a:extLst>
+              <a:ext uri="{FF2B5EF4-FFF2-40B4-BE49-F238E27FC236}">
+                <a16:creationId xmlns:a16="http://schemas.microsoft.com/office/drawing/2014/main" id="{1917A588-6B43-4326-8CEE-B31FA8CC4FDB}"/>
+              </a:ext>
+            </a:extLst>
+          </p:cNvPr>
+          <p:cNvSpPr>
+            <a:spLocks noGrp="1"/>
+          </p:cNvSpPr>
+          <p:nvPr>
+            <p:ph type="title"/>
+          </p:nvPr>
+        </p:nvSpPr>
+        <p:spPr/>
+        <p:txBody>
+          <a:bodyPr>
+            <a:normAutofit fontScale="90000"/>
+          </a:bodyPr>
+          <a:lstStyle/>
+          <a:p>
+            <a:r>
+              <a:rPr lang="en-US" dirty="0"/>
+              <a:t>Unemployment &amp; Crime Rate Analysis Files (Catherine)</a:t>
+            </a:r>
+          </a:p>
+        </p:txBody>
+      </p:sp>
+      <p:sp>
+        <p:nvSpPr>
+          <p:cNvPr id="3" name="Content Placeholder 2">
+            <a:extLst>
+              <a:ext uri="{FF2B5EF4-FFF2-40B4-BE49-F238E27FC236}">
+                <a16:creationId xmlns:a16="http://schemas.microsoft.com/office/drawing/2014/main" id="{F5BE9D4D-949C-4037-9F87-16CDE0EE0466}"/>
+              </a:ext>
+            </a:extLst>
+          </p:cNvPr>
+          <p:cNvSpPr>
+            <a:spLocks noGrp="1"/>
+          </p:cNvSpPr>
+          <p:nvPr>
+            <p:ph idx="1"/>
+          </p:nvPr>
+        </p:nvSpPr>
+        <p:spPr/>
+        <p:txBody>
+          <a:bodyPr>
+            <a:normAutofit/>
+          </a:bodyPr>
+          <a:lstStyle/>
+          <a:p>
+            <a:r>
+              <a:rPr lang="en-US" dirty="0"/>
+              <a:t>Files are in folder = \</a:t>
+            </a:r>
+            <a:r>
+              <a:rPr lang="en-US" dirty="0" err="1"/>
+              <a:t>The_Incredible_Quad</a:t>
+            </a:r>
+            <a:r>
+              <a:rPr lang="en-US" dirty="0"/>
+              <a:t>\</a:t>
+            </a:r>
+          </a:p>
+          <a:p>
+            <a:r>
+              <a:rPr lang="en-US" dirty="0" err="1"/>
+              <a:t>Jupyter</a:t>
+            </a:r>
+            <a:r>
+              <a:rPr lang="en-US" dirty="0"/>
+              <a:t> NB filename = .</a:t>
+            </a:r>
+            <a:r>
+              <a:rPr lang="en-US" dirty="0" err="1"/>
+              <a:t>ipynb</a:t>
+            </a:r>
+            <a:endParaRPr lang="en-US" dirty="0"/>
+          </a:p>
+          <a:p>
+            <a:r>
+              <a:rPr lang="en-US" dirty="0"/>
+              <a:t>Google API key file = </a:t>
+            </a:r>
+          </a:p>
+          <a:p>
+            <a:r>
+              <a:rPr lang="en-US" dirty="0"/>
+              <a:t>Saved plots = \</a:t>
+            </a:r>
+            <a:r>
+              <a:rPr lang="en-US" dirty="0" err="1"/>
+              <a:t>The_Incredible_Quad</a:t>
+            </a:r>
+            <a:r>
+              <a:rPr lang="en-US" dirty="0"/>
+              <a:t>\</a:t>
+            </a:r>
+          </a:p>
+          <a:p>
+            <a:r>
+              <a:rPr lang="en-US" dirty="0"/>
+              <a:t>Dataset files = </a:t>
+            </a:r>
+          </a:p>
+          <a:p>
+            <a:pPr lvl="1"/>
+            <a:r>
+              <a:rPr lang="en-US" dirty="0"/>
+              <a:t>*.csv </a:t>
+            </a:r>
+          </a:p>
+        </p:txBody>
+      </p:sp>
+    </p:spTree>
+    <p:extLst>
+      <p:ext uri="{BB962C8B-B14F-4D97-AF65-F5344CB8AC3E}">
+        <p14:creationId xmlns:p14="http://schemas.microsoft.com/office/powerpoint/2010/main" val="4102377004"/>
+      </p:ext>
+    </p:extLst>
+  </p:cSld>
+  <p:clrMapOvr>
+    <a:masterClrMapping/>
+  </p:clrMapOvr>
+</p:sld>
+</file>
+
+<file path=ppt/slides/slide26.xml><?xml version="1.0" encoding="utf-8"?>
+<p:sld xmlns:a="http://schemas.openxmlformats.org/drawingml/2006/main" xmlns:r="http://schemas.openxmlformats.org/officeDocument/2006/relationships" xmlns:p="http://schemas.openxmlformats.org/presentationml/2006/main">
+  <p:cSld>
+    <p:spTree>
+      <p:nvGrpSpPr>
+        <p:cNvPr id="1" name=""/>
+        <p:cNvGrpSpPr/>
+        <p:nvPr/>
+      </p:nvGrpSpPr>
+      <p:grpSpPr>
+        <a:xfrm>
+          <a:off x="0" y="0"/>
+          <a:ext cx="0" cy="0"/>
+          <a:chOff x="0" y="0"/>
+          <a:chExt cx="0" cy="0"/>
+        </a:xfrm>
+      </p:grpSpPr>
+      <p:sp>
+        <p:nvSpPr>
+          <p:cNvPr id="2" name="Title 1">
+            <a:extLst>
+              <a:ext uri="{FF2B5EF4-FFF2-40B4-BE49-F238E27FC236}">
+                <a16:creationId xmlns:a16="http://schemas.microsoft.com/office/drawing/2014/main" id="{1917A588-6B43-4326-8CEE-B31FA8CC4FDB}"/>
+              </a:ext>
+            </a:extLst>
+          </p:cNvPr>
+          <p:cNvSpPr>
+            <a:spLocks noGrp="1"/>
+          </p:cNvSpPr>
+          <p:nvPr>
+            <p:ph type="title"/>
+          </p:nvPr>
+        </p:nvSpPr>
+        <p:spPr/>
+        <p:txBody>
+          <a:bodyPr>
             <a:normAutofit/>
           </a:bodyPr>
           <a:lstStyle/>
@@ -8712,7 +9161,7 @@
 </p:sld>
 </file>
 
-<file path=ppt/slides/slide25.xml><?xml version="1.0" encoding="utf-8"?>
+<file path=ppt/slides/slide27.xml><?xml version="1.0" encoding="utf-8"?>
 <p:sld xmlns:a="http://schemas.openxmlformats.org/drawingml/2006/main" xmlns:r="http://schemas.openxmlformats.org/officeDocument/2006/relationships" xmlns:p="http://schemas.openxmlformats.org/presentationml/2006/main">
   <p:cSld>
     <p:spTree>
@@ -8936,12 +9385,20 @@
               <a:t>Our opinion on Best State to live in 2018 for </a:t>
             </a:r>
             <a:r>
+              <a:rPr lang="en-US" i="1" dirty="0">
+                <a:solidFill>
+                  <a:srgbClr val="FF0000"/>
+                </a:solidFill>
+              </a:rPr>
+              <a:t>“employee”</a:t>
+            </a:r>
+            <a:r>
               <a:rPr lang="en-US" dirty="0">
                 <a:solidFill>
                   <a:srgbClr val="FF0000"/>
                 </a:solidFill>
               </a:rPr>
-              <a:t>“employee” </a:t>
+              <a:t> </a:t>
             </a:r>
             <a:r>
               <a:rPr lang="en-US" dirty="0">
@@ -9092,13 +9549,32 @@
             <a:pPr lvl="1"/>
             <a:r>
               <a:rPr lang="en-US" dirty="0"/>
-              <a:t>Out of 50 states, pick the “best choice” from top 20 in categories of salary, crime rate, unemployment rate, climate and tax rate. Not necessarily to be the best on all of those criteria.</a:t>
-            </a:r>
-          </a:p>
-          <a:p>
-            <a:r>
-              <a:rPr lang="en-US" dirty="0"/>
-              <a:t>To Live In For Employee </a:t>
+              <a:t>Out of 50 states, pick the </a:t>
+            </a:r>
+            <a:r>
+              <a:rPr lang="en-US" i="1" dirty="0">
+                <a:solidFill>
+                  <a:srgbClr val="FF0000"/>
+                </a:solidFill>
+              </a:rPr>
+              <a:t>“best choice”</a:t>
+            </a:r>
+            <a:r>
+              <a:rPr lang="en-US" dirty="0"/>
+              <a:t> from top 20 in categories of salary, crime rate, unemployment rate, climate and tax rate. </a:t>
+            </a:r>
+          </a:p>
+          <a:p>
+            <a:pPr lvl="1"/>
+            <a:r>
+              <a:rPr lang="en-US" dirty="0"/>
+              <a:t>Not necessarily to be the best on all of those criteria.</a:t>
+            </a:r>
+          </a:p>
+          <a:p>
+            <a:r>
+              <a:rPr lang="en-US" dirty="0"/>
+              <a:t>To Live and Work In For Employee (Working People) </a:t>
             </a:r>
           </a:p>
           <a:p>
@@ -9116,21 +9592,33 @@
             <a:pPr lvl="1"/>
             <a:r>
               <a:rPr lang="en-US" dirty="0"/>
-              <a:t>Affordable housing and tax rate, salary spent on housing + tax &lt; 65%. Having ability to save money </a:t>
+              <a:t>Affordable housing and tax rate, salary spent on </a:t>
+            </a:r>
+            <a:r>
+              <a:rPr lang="en-US" dirty="0">
+                <a:solidFill>
+                  <a:srgbClr val="FF0000"/>
+                </a:solidFill>
+              </a:rPr>
+              <a:t>housing + tax &lt; 65%. </a:t>
+            </a:r>
+            <a:r>
+              <a:rPr lang="en-US" dirty="0"/>
+              <a:t>Having ability to save money </a:t>
             </a:r>
           </a:p>
           <a:p>
             <a:pPr lvl="1"/>
             <a:r>
               <a:rPr lang="en-US" dirty="0"/>
-              <a:t>low crime rate and unemployment i.e. &lt; 4% for each</a:t>
+              <a:t>Low crime rate and unemployment i.e. &lt; 4% for each</a:t>
             </a:r>
           </a:p>
           <a:p>
             <a:pPr lvl="1"/>
             <a:r>
               <a:rPr lang="en-US" dirty="0"/>
-              <a:t>acceptable climate i.e. not too hot or cold, less humid. Moderate humidity and temperatures (60 – 80 F)  </a:t>
+              <a:t>Acceptable climate i.e. not too hot or cold, less humid. Moderate climate condition (70 – 80 F)  </a:t>
             </a:r>
           </a:p>
         </p:txBody>
@@ -9899,14 +10387,22 @@
           <a:p>
             <a:pPr lvl="1"/>
             <a:r>
-              <a:rPr lang="en-US" i="1" dirty="0"/>
+              <a:rPr lang="en-US" dirty="0">
+                <a:solidFill>
+                  <a:schemeClr val="accent3"/>
+                </a:solidFill>
+              </a:rPr>
               <a:t>US BLS (Bureau of Labor Statistics)</a:t>
             </a:r>
           </a:p>
           <a:p>
             <a:pPr lvl="1"/>
             <a:r>
-              <a:rPr lang="en-US" i="1" dirty="0"/>
+              <a:rPr lang="en-US" dirty="0">
+                <a:solidFill>
+                  <a:schemeClr val="accent3"/>
+                </a:solidFill>
+              </a:rPr>
               <a:t>Zillow</a:t>
             </a:r>
           </a:p>
@@ -9914,15 +10410,28 @@
             <a:pPr lvl="1"/>
             <a:r>
               <a:rPr lang="en-US" dirty="0">
-                <a:hlinkClick r:id="rId2"/>
+                <a:solidFill>
+                  <a:schemeClr val="accent3"/>
+                </a:solidFill>
+                <a:hlinkClick r:id="rId2">
+                  <a:extLst>
+                    <a:ext uri="{A12FA001-AC4F-418D-AE19-62706E023703}">
+                      <ahyp:hlinkClr xmlns:ahyp="http://schemas.microsoft.com/office/drawing/2018/hyperlinkcolor" val="tx"/>
+                    </a:ext>
+                  </a:extLst>
+                </a:hlinkClick>
               </a:rPr>
               <a:t>https://www.currentresults.com/Yearly-Weather/USA/recent-yearly-weather-usa-cities-index.php</a:t>
             </a:r>
-            <a:endParaRPr lang="en-US" i="1" dirty="0"/>
+            <a:endParaRPr lang="en-US" dirty="0">
+              <a:solidFill>
+                <a:schemeClr val="accent3"/>
+              </a:solidFill>
+            </a:endParaRPr>
           </a:p>
           <a:p>
             <a:pPr lvl="1"/>
-            <a:endParaRPr lang="en-US" i="1" dirty="0"/>
+            <a:endParaRPr lang="en-US" dirty="0"/>
           </a:p>
         </p:txBody>
       </p:sp>
@@ -9978,8 +10487,8 @@
         </p:blipFill>
         <p:spPr>
           <a:xfrm>
-            <a:off x="2874522" y="4715861"/>
-            <a:ext cx="3898685" cy="1398479"/>
+            <a:off x="2541957" y="4699220"/>
+            <a:ext cx="3991471" cy="1431762"/>
           </a:xfrm>
           <a:prstGeom prst="rect">
             <a:avLst/>
@@ -10280,7 +10789,14 @@
             <a:pPr algn="ctr"/>
             <a:r>
               <a:rPr lang="en-US" dirty="0"/>
-              <a:t>Analyze plots </a:t>
+              <a:t>(5)</a:t>
+            </a:r>
+          </a:p>
+          <a:p>
+            <a:pPr algn="ctr"/>
+            <a:r>
+              <a:rPr lang="en-US" dirty="0"/>
+              <a:t>Analyze plots, data &amp; conclude </a:t>
             </a:r>
           </a:p>
         </p:txBody>
@@ -10586,7 +11102,7 @@
           <p:nvPr>
             <p:extLst>
               <p:ext uri="{D42A27DB-BD31-4B8C-83A1-F6EECF244321}">
-                <p14:modId xmlns:p14="http://schemas.microsoft.com/office/powerpoint/2010/main" val="719422650"/>
+                <p14:modId xmlns:p14="http://schemas.microsoft.com/office/powerpoint/2010/main" val="2483479015"/>
               </p:ext>
             </p:extLst>
           </p:nvPr>
@@ -11949,14 +12465,14 @@
                     <a:p>
                       <a:pPr algn="ctr" fontAlgn="ctr"/>
                       <a:r>
-                        <a:rPr lang="en-US" sz="1100" b="0" i="0" u="none" strike="noStrike">
+                        <a:rPr lang="en-US" sz="1100" b="0" i="0" u="none" strike="noStrike" dirty="0">
                           <a:solidFill>
                             <a:srgbClr val="000000"/>
                           </a:solidFill>
                           <a:effectLst/>
                           <a:latin typeface="Calibri" panose="020F0502020204030204" pitchFamily="34" charset="0"/>
                         </a:rPr>
-                        <a:t>Analyze plots, data</a:t>
+                        <a:t>Analyze plots, data &amp; conclusion</a:t>
                       </a:r>
                     </a:p>
                   </a:txBody>
@@ -12121,7 +12637,14 @@
           <a:p>
             <a:r>
               <a:rPr lang="en-US" dirty="0"/>
-              <a:t>Questions &amp; Criteria Driving to Conclusion</a:t>
+              <a:t>Questions &amp; Criteria </a:t>
+            </a:r>
+            <a:br>
+              <a:rPr lang="en-US" dirty="0"/>
+            </a:br>
+            <a:r>
+              <a:rPr lang="en-US" dirty="0"/>
+              <a:t>Driving to Conclusion</a:t>
             </a:r>
           </a:p>
         </p:txBody>
@@ -12144,19 +12667,19 @@
         </p:nvSpPr>
         <p:spPr>
           <a:xfrm>
-            <a:off x="1295401" y="2556931"/>
-            <a:ext cx="9601196" cy="3597683"/>
+            <a:off x="987669" y="2539346"/>
+            <a:ext cx="6248400" cy="3492177"/>
           </a:xfrm>
         </p:spPr>
         <p:txBody>
           <a:bodyPr>
-            <a:normAutofit fontScale="85000" lnSpcReduction="20000"/>
+            <a:normAutofit fontScale="92500" lnSpcReduction="10000"/>
           </a:bodyPr>
           <a:lstStyle/>
           <a:p>
             <a:r>
               <a:rPr lang="en-US" dirty="0"/>
-              <a:t>1) Which state is startup business friendly (low tax)? – </a:t>
+              <a:t>Which state is startup business friendly (low tax)? – </a:t>
             </a:r>
             <a:r>
               <a:rPr lang="en-US" dirty="0">
@@ -12165,10 +12688,6 @@
                 </a:solidFill>
               </a:rPr>
               <a:t>Tax rate and living cost (housing) </a:t>
-            </a:r>
-            <a:r>
-              <a:rPr lang="en-US" dirty="0"/>
-              <a:t>--  (Extra goal) </a:t>
             </a:r>
             <a:r>
               <a:rPr lang="en-US" dirty="0">
@@ -12187,7 +12706,7 @@
           <a:p>
             <a:r>
               <a:rPr lang="en-US" dirty="0"/>
-              <a:t>2) Which state with low </a:t>
+              <a:t>Which state with low </a:t>
             </a:r>
             <a:r>
               <a:rPr lang="en-US" dirty="0">
@@ -12199,7 +12718,7 @@
             </a:r>
             <a:r>
               <a:rPr lang="en-US" dirty="0"/>
-              <a:t>, attracts employee? (Main goal) </a:t>
+              <a:t>, attracts employee? </a:t>
             </a:r>
             <a:r>
               <a:rPr lang="en-US" dirty="0">
@@ -12218,7 +12737,7 @@
           <a:p>
             <a:r>
               <a:rPr lang="en-US" dirty="0"/>
-              <a:t>3) Warmer </a:t>
+              <a:t>Warmer </a:t>
             </a:r>
             <a:r>
               <a:rPr lang="en-US" dirty="0">
@@ -12230,7 +12749,7 @@
             </a:r>
             <a:r>
               <a:rPr lang="en-US" dirty="0"/>
-              <a:t> preferred state to live in, correlate to home price? (Main goal) </a:t>
+              <a:t> preferred state to live in, correlate to home price? </a:t>
             </a:r>
             <a:r>
               <a:rPr lang="en-US" dirty="0">
@@ -12246,7 +12765,7 @@
           <a:p>
             <a:r>
               <a:rPr lang="en-US" dirty="0"/>
-              <a:t>4) Lower </a:t>
+              <a:t>Lower </a:t>
             </a:r>
             <a:r>
               <a:rPr lang="en-US" dirty="0">
@@ -12270,7 +12789,7 @@
             </a:r>
             <a:r>
               <a:rPr lang="en-US" dirty="0"/>
-              <a:t>? (Main goal) </a:t>
+              <a:t>? </a:t>
             </a:r>
             <a:r>
               <a:rPr lang="en-US" dirty="0">
@@ -12286,7 +12805,7 @@
           <a:p>
             <a:r>
               <a:rPr lang="en-US" dirty="0"/>
-              <a:t>5) Higher </a:t>
+              <a:t>Higher </a:t>
             </a:r>
             <a:r>
               <a:rPr lang="en-US" dirty="0">
@@ -12298,7 +12817,7 @@
             </a:r>
             <a:r>
               <a:rPr lang="en-US" dirty="0"/>
-              <a:t> states are the preferred ones? (Main goal) </a:t>
+              <a:t> states are the preferred ones? </a:t>
             </a:r>
             <a:r>
               <a:rPr lang="en-US" dirty="0">
@@ -12309,33 +12828,6 @@
             <a:endParaRPr lang="en-US" dirty="0"/>
           </a:p>
           <a:p>
-            <a:r>
-              <a:rPr lang="en-US" dirty="0"/>
-              <a:t>4) Definition of the best state to live in (our criteria)?</a:t>
-            </a:r>
-          </a:p>
-          <a:p>
-            <a:pPr lvl="1"/>
-            <a:r>
-              <a:rPr lang="en-US" dirty="0"/>
-              <a:t>Modest to high salary range</a:t>
-            </a:r>
-          </a:p>
-          <a:p>
-            <a:pPr lvl="1"/>
-            <a:r>
-              <a:rPr lang="en-US" dirty="0"/>
-              <a:t>Low crime and unemployment rate</a:t>
-            </a:r>
-          </a:p>
-          <a:p>
-            <a:pPr lvl="1"/>
-            <a:r>
-              <a:rPr lang="en-US" dirty="0"/>
-              <a:t>Climate with no hurricane, tornado, snow blizzard, </a:t>
-            </a:r>
-          </a:p>
-          <a:p>
             <a:pPr lvl="1"/>
             <a:endParaRPr lang="en-US" dirty="0"/>
           </a:p>
@@ -12344,6 +12836,360 @@
             <a:endParaRPr lang="en-US" dirty="0"/>
           </a:p>
           <a:p>
+            <a:endParaRPr lang="en-US" dirty="0"/>
+          </a:p>
+        </p:txBody>
+      </p:sp>
+      <p:sp>
+        <p:nvSpPr>
+          <p:cNvPr id="5" name="Content Placeholder 2">
+            <a:extLst>
+              <a:ext uri="{FF2B5EF4-FFF2-40B4-BE49-F238E27FC236}">
+                <a16:creationId xmlns:a16="http://schemas.microsoft.com/office/drawing/2014/main" id="{3ED0AAB7-D745-423C-999E-CCDB6E786B48}"/>
+              </a:ext>
+            </a:extLst>
+          </p:cNvPr>
+          <p:cNvSpPr txBox="1">
+            <a:spLocks/>
+          </p:cNvSpPr>
+          <p:nvPr/>
+        </p:nvSpPr>
+        <p:spPr>
+          <a:xfrm rot="1197067">
+            <a:off x="7532356" y="3192790"/>
+            <a:ext cx="3681946" cy="2384248"/>
+          </a:xfrm>
+          <a:prstGeom prst="rect">
+            <a:avLst/>
+          </a:prstGeom>
+        </p:spPr>
+        <p:txBody>
+          <a:bodyPr vert="horz" lIns="91440" tIns="45720" rIns="91440" bIns="45720" rtlCol="0" anchor="t">
+            <a:normAutofit/>
+          </a:bodyPr>
+          <a:lstStyle>
+            <a:lvl1pPr marL="285750" indent="-285750" algn="l" defTabSz="457200" rtl="0" eaLnBrk="1" latinLnBrk="0" hangingPunct="1">
+              <a:spcBef>
+                <a:spcPct val="20000"/>
+              </a:spcBef>
+              <a:spcAft>
+                <a:spcPts val="600"/>
+              </a:spcAft>
+              <a:buClr>
+                <a:schemeClr val="accent1"/>
+              </a:buClr>
+              <a:buSzPct val="115000"/>
+              <a:buFont typeface="Arial"/>
+              <a:buChar char="•"/>
+              <a:defRPr sz="2400" kern="1200" cap="none">
+                <a:solidFill>
+                  <a:schemeClr val="tx1">
+                    <a:lumMod val="85000"/>
+                    <a:lumOff val="15000"/>
+                  </a:schemeClr>
+                </a:solidFill>
+                <a:effectLst/>
+                <a:latin typeface="+mn-lt"/>
+                <a:ea typeface="+mn-ea"/>
+                <a:cs typeface="+mn-cs"/>
+              </a:defRPr>
+            </a:lvl1pPr>
+            <a:lvl2pPr marL="742950" indent="-285750" algn="l" defTabSz="457200" rtl="0" eaLnBrk="1" latinLnBrk="0" hangingPunct="1">
+              <a:spcBef>
+                <a:spcPct val="20000"/>
+              </a:spcBef>
+              <a:spcAft>
+                <a:spcPts val="600"/>
+              </a:spcAft>
+              <a:buClr>
+                <a:schemeClr val="accent1"/>
+              </a:buClr>
+              <a:buSzPct val="115000"/>
+              <a:buFont typeface="Arial"/>
+              <a:buChar char="•"/>
+              <a:defRPr sz="2000" kern="1200" cap="none">
+                <a:solidFill>
+                  <a:schemeClr val="tx1">
+                    <a:lumMod val="85000"/>
+                    <a:lumOff val="15000"/>
+                  </a:schemeClr>
+                </a:solidFill>
+                <a:effectLst/>
+                <a:latin typeface="+mn-lt"/>
+                <a:ea typeface="+mn-ea"/>
+                <a:cs typeface="+mn-cs"/>
+              </a:defRPr>
+            </a:lvl2pPr>
+            <a:lvl3pPr marL="1200150" indent="-285750" algn="l" defTabSz="457200" rtl="0" eaLnBrk="1" latinLnBrk="0" hangingPunct="1">
+              <a:spcBef>
+                <a:spcPct val="20000"/>
+              </a:spcBef>
+              <a:spcAft>
+                <a:spcPts val="600"/>
+              </a:spcAft>
+              <a:buClr>
+                <a:schemeClr val="accent1"/>
+              </a:buClr>
+              <a:buSzPct val="115000"/>
+              <a:buFont typeface="Arial"/>
+              <a:buChar char="•"/>
+              <a:defRPr sz="1800" kern="1200" cap="none">
+                <a:solidFill>
+                  <a:schemeClr val="tx1">
+                    <a:lumMod val="85000"/>
+                    <a:lumOff val="15000"/>
+                  </a:schemeClr>
+                </a:solidFill>
+                <a:effectLst/>
+                <a:latin typeface="+mn-lt"/>
+                <a:ea typeface="+mn-ea"/>
+                <a:cs typeface="+mn-cs"/>
+              </a:defRPr>
+            </a:lvl3pPr>
+            <a:lvl4pPr marL="1543050" indent="-171450" algn="l" defTabSz="457200" rtl="0" eaLnBrk="1" latinLnBrk="0" hangingPunct="1">
+              <a:spcBef>
+                <a:spcPct val="20000"/>
+              </a:spcBef>
+              <a:spcAft>
+                <a:spcPts val="600"/>
+              </a:spcAft>
+              <a:buClr>
+                <a:schemeClr val="accent1"/>
+              </a:buClr>
+              <a:buSzPct val="115000"/>
+              <a:buFont typeface="Arial"/>
+              <a:buChar char="•"/>
+              <a:defRPr sz="1600" kern="1200" cap="none">
+                <a:solidFill>
+                  <a:schemeClr val="tx1">
+                    <a:lumMod val="85000"/>
+                    <a:lumOff val="15000"/>
+                  </a:schemeClr>
+                </a:solidFill>
+                <a:effectLst/>
+                <a:latin typeface="+mn-lt"/>
+                <a:ea typeface="+mn-ea"/>
+                <a:cs typeface="+mn-cs"/>
+              </a:defRPr>
+            </a:lvl4pPr>
+            <a:lvl5pPr marL="2000250" indent="-171450" algn="l" defTabSz="457200" rtl="0" eaLnBrk="1" latinLnBrk="0" hangingPunct="1">
+              <a:spcBef>
+                <a:spcPct val="20000"/>
+              </a:spcBef>
+              <a:spcAft>
+                <a:spcPts val="600"/>
+              </a:spcAft>
+              <a:buClr>
+                <a:schemeClr val="accent1"/>
+              </a:buClr>
+              <a:buSzPct val="115000"/>
+              <a:buFont typeface="Arial"/>
+              <a:buChar char="•"/>
+              <a:defRPr sz="1400" kern="1200" cap="none">
+                <a:solidFill>
+                  <a:schemeClr val="tx1">
+                    <a:lumMod val="85000"/>
+                    <a:lumOff val="15000"/>
+                  </a:schemeClr>
+                </a:solidFill>
+                <a:effectLst/>
+                <a:latin typeface="+mn-lt"/>
+                <a:ea typeface="+mn-ea"/>
+                <a:cs typeface="+mn-cs"/>
+              </a:defRPr>
+            </a:lvl5pPr>
+            <a:lvl6pPr marL="2514600" indent="-228600" algn="l" defTabSz="457200" rtl="0" eaLnBrk="1" latinLnBrk="0" hangingPunct="1">
+              <a:spcBef>
+                <a:spcPct val="20000"/>
+              </a:spcBef>
+              <a:spcAft>
+                <a:spcPts val="600"/>
+              </a:spcAft>
+              <a:buClr>
+                <a:schemeClr val="accent1"/>
+              </a:buClr>
+              <a:buSzPct val="115000"/>
+              <a:buFont typeface="Arial"/>
+              <a:buChar char="•"/>
+              <a:defRPr sz="1400" kern="1200" cap="none">
+                <a:solidFill>
+                  <a:schemeClr val="tx1">
+                    <a:lumMod val="85000"/>
+                    <a:lumOff val="15000"/>
+                  </a:schemeClr>
+                </a:solidFill>
+                <a:effectLst/>
+                <a:latin typeface="+mn-lt"/>
+                <a:ea typeface="+mn-ea"/>
+                <a:cs typeface="+mn-cs"/>
+              </a:defRPr>
+            </a:lvl6pPr>
+            <a:lvl7pPr marL="2971800" indent="-228600" algn="l" defTabSz="457200" rtl="0" eaLnBrk="1" latinLnBrk="0" hangingPunct="1">
+              <a:spcBef>
+                <a:spcPct val="20000"/>
+              </a:spcBef>
+              <a:spcAft>
+                <a:spcPts val="600"/>
+              </a:spcAft>
+              <a:buClr>
+                <a:schemeClr val="accent1"/>
+              </a:buClr>
+              <a:buSzPct val="115000"/>
+              <a:buFont typeface="Arial"/>
+              <a:buChar char="•"/>
+              <a:defRPr sz="1400" kern="1200" cap="none">
+                <a:solidFill>
+                  <a:schemeClr val="tx1">
+                    <a:lumMod val="85000"/>
+                    <a:lumOff val="15000"/>
+                  </a:schemeClr>
+                </a:solidFill>
+                <a:effectLst/>
+                <a:latin typeface="+mn-lt"/>
+                <a:ea typeface="+mn-ea"/>
+                <a:cs typeface="+mn-cs"/>
+              </a:defRPr>
+            </a:lvl7pPr>
+            <a:lvl8pPr marL="3429000" indent="-228600" algn="l" defTabSz="457200" rtl="0" eaLnBrk="1" latinLnBrk="0" hangingPunct="1">
+              <a:spcBef>
+                <a:spcPct val="20000"/>
+              </a:spcBef>
+              <a:spcAft>
+                <a:spcPts val="600"/>
+              </a:spcAft>
+              <a:buClr>
+                <a:schemeClr val="accent1"/>
+              </a:buClr>
+              <a:buSzPct val="115000"/>
+              <a:buFont typeface="Arial"/>
+              <a:buChar char="•"/>
+              <a:defRPr sz="1400" kern="1200" cap="none">
+                <a:solidFill>
+                  <a:schemeClr val="tx1">
+                    <a:lumMod val="85000"/>
+                    <a:lumOff val="15000"/>
+                  </a:schemeClr>
+                </a:solidFill>
+                <a:effectLst/>
+                <a:latin typeface="+mn-lt"/>
+                <a:ea typeface="+mn-ea"/>
+                <a:cs typeface="+mn-cs"/>
+              </a:defRPr>
+            </a:lvl8pPr>
+            <a:lvl9pPr marL="3886200" indent="-228600" algn="l" defTabSz="457200" rtl="0" eaLnBrk="1" latinLnBrk="0" hangingPunct="1">
+              <a:spcBef>
+                <a:spcPct val="20000"/>
+              </a:spcBef>
+              <a:spcAft>
+                <a:spcPts val="600"/>
+              </a:spcAft>
+              <a:buClr>
+                <a:schemeClr val="accent1"/>
+              </a:buClr>
+              <a:buSzPct val="115000"/>
+              <a:buFont typeface="Arial"/>
+              <a:buChar char="•"/>
+              <a:defRPr sz="1400" kern="1200" cap="none">
+                <a:solidFill>
+                  <a:schemeClr val="tx1">
+                    <a:lumMod val="85000"/>
+                    <a:lumOff val="15000"/>
+                  </a:schemeClr>
+                </a:solidFill>
+                <a:effectLst/>
+                <a:latin typeface="+mn-lt"/>
+                <a:ea typeface="+mn-ea"/>
+                <a:cs typeface="+mn-cs"/>
+              </a:defRPr>
+            </a:lvl9pPr>
+          </a:lstStyle>
+          <a:p>
+            <a:pPr lvl="1"/>
+            <a:endParaRPr lang="en-US" dirty="0"/>
+          </a:p>
+          <a:p>
+            <a:pPr lvl="1"/>
+            <a:endParaRPr lang="en-US" dirty="0"/>
+          </a:p>
+          <a:p>
+            <a:endParaRPr lang="en-US" dirty="0"/>
+          </a:p>
+        </p:txBody>
+      </p:sp>
+      <p:sp>
+        <p:nvSpPr>
+          <p:cNvPr id="6" name="Scroll: Vertical 5">
+            <a:extLst>
+              <a:ext uri="{FF2B5EF4-FFF2-40B4-BE49-F238E27FC236}">
+                <a16:creationId xmlns:a16="http://schemas.microsoft.com/office/drawing/2014/main" id="{1B1E4B32-2B19-46A9-B83E-C6018AE4EFC4}"/>
+              </a:ext>
+            </a:extLst>
+          </p:cNvPr>
+          <p:cNvSpPr/>
+          <p:nvPr/>
+        </p:nvSpPr>
+        <p:spPr>
+          <a:xfrm>
+            <a:off x="7476392" y="2636162"/>
+            <a:ext cx="3727939" cy="3239706"/>
+          </a:xfrm>
+          <a:prstGeom prst="verticalScroll">
+            <a:avLst/>
+          </a:prstGeom>
+        </p:spPr>
+        <p:style>
+          <a:lnRef idx="2">
+            <a:schemeClr val="accent1">
+              <a:shade val="50000"/>
+            </a:schemeClr>
+          </a:lnRef>
+          <a:fillRef idx="1">
+            <a:schemeClr val="accent1"/>
+          </a:fillRef>
+          <a:effectRef idx="0">
+            <a:schemeClr val="accent1"/>
+          </a:effectRef>
+          <a:fontRef idx="minor">
+            <a:schemeClr val="lt1"/>
+          </a:fontRef>
+        </p:style>
+        <p:txBody>
+          <a:bodyPr rtlCol="0" anchor="ctr"/>
+          <a:lstStyle/>
+          <a:p>
+            <a:pPr algn="ctr"/>
+            <a:endParaRPr lang="en-US" u="sng" dirty="0"/>
+          </a:p>
+          <a:p>
+            <a:pPr algn="ctr"/>
+            <a:r>
+              <a:rPr lang="en-US" u="sng" dirty="0"/>
+              <a:t>Definition of the best state to live and work in (our criteria)</a:t>
+            </a:r>
+          </a:p>
+          <a:p>
+            <a:pPr lvl="1"/>
+            <a:r>
+              <a:rPr lang="en-US" dirty="0"/>
+              <a:t>- Modest to high salary range</a:t>
+            </a:r>
+          </a:p>
+          <a:p>
+            <a:pPr lvl="1"/>
+            <a:r>
+              <a:rPr lang="en-US" dirty="0"/>
+              <a:t>- Low crime and unemployment rate</a:t>
+            </a:r>
+          </a:p>
+          <a:p>
+            <a:pPr lvl="1"/>
+            <a:r>
+              <a:rPr lang="en-US" dirty="0"/>
+              <a:t>- Climate with no extreme condition hurricane, tornado, snow blizzard, </a:t>
+            </a:r>
+          </a:p>
+          <a:p>
+            <a:pPr algn="ctr"/>
             <a:endParaRPr lang="en-US" dirty="0"/>
           </a:p>
         </p:txBody>
@@ -12397,14 +13243,17 @@
         <p:spPr/>
         <p:txBody>
           <a:bodyPr>
-            <a:normAutofit/>
+            <a:normAutofit fontScale="90000"/>
           </a:bodyPr>
           <a:lstStyle/>
           <a:p>
             <a:r>
               <a:rPr lang="en-US" dirty="0"/>
-              <a:t>Things we did in </a:t>
-            </a:r>
+              <a:t>Things we applied in </a:t>
+            </a:r>
+            <a:br>
+              <a:rPr lang="en-US" dirty="0"/>
+            </a:br>
             <a:r>
               <a:rPr lang="en-US" dirty="0" err="1"/>
               <a:t>Jupyter</a:t>

--- a/Working_Presentation.pptx
+++ b/Working_Presentation.pptx
@@ -15,23 +15,25 @@
     <p:sldId id="259" r:id="rId9"/>
     <p:sldId id="276" r:id="rId10"/>
     <p:sldId id="263" r:id="rId11"/>
-    <p:sldId id="265" r:id="rId12"/>
-    <p:sldId id="266" r:id="rId13"/>
-    <p:sldId id="272" r:id="rId14"/>
-    <p:sldId id="274" r:id="rId15"/>
-    <p:sldId id="267" r:id="rId16"/>
-    <p:sldId id="271" r:id="rId17"/>
-    <p:sldId id="273" r:id="rId18"/>
-    <p:sldId id="284" r:id="rId19"/>
-    <p:sldId id="285" r:id="rId20"/>
-    <p:sldId id="261" r:id="rId21"/>
-    <p:sldId id="260" r:id="rId22"/>
-    <p:sldId id="258" r:id="rId23"/>
-    <p:sldId id="277" r:id="rId24"/>
-    <p:sldId id="278" r:id="rId25"/>
-    <p:sldId id="282" r:id="rId26"/>
-    <p:sldId id="283" r:id="rId27"/>
-    <p:sldId id="281" r:id="rId28"/>
+    <p:sldId id="286" r:id="rId12"/>
+    <p:sldId id="287" r:id="rId13"/>
+    <p:sldId id="265" r:id="rId14"/>
+    <p:sldId id="266" r:id="rId15"/>
+    <p:sldId id="272" r:id="rId16"/>
+    <p:sldId id="274" r:id="rId17"/>
+    <p:sldId id="267" r:id="rId18"/>
+    <p:sldId id="271" r:id="rId19"/>
+    <p:sldId id="273" r:id="rId20"/>
+    <p:sldId id="284" r:id="rId21"/>
+    <p:sldId id="285" r:id="rId22"/>
+    <p:sldId id="261" r:id="rId23"/>
+    <p:sldId id="260" r:id="rId24"/>
+    <p:sldId id="258" r:id="rId25"/>
+    <p:sldId id="277" r:id="rId26"/>
+    <p:sldId id="278" r:id="rId27"/>
+    <p:sldId id="282" r:id="rId28"/>
+    <p:sldId id="283" r:id="rId29"/>
+    <p:sldId id="281" r:id="rId30"/>
   </p:sldIdLst>
   <p:sldSz cx="12192000" cy="6858000"/>
   <p:notesSz cx="6858000" cy="9144000"/>
@@ -5988,17 +5990,24 @@
             <p:ph idx="1"/>
           </p:nvPr>
         </p:nvSpPr>
-        <p:spPr/>
-        <p:txBody>
-          <a:bodyPr/>
-          <a:lstStyle/>
-          <a:p>
-            <a:r>
-              <a:rPr lang="en-US" dirty="0"/>
+        <p:spPr>
+          <a:xfrm>
+            <a:off x="1295401" y="2556932"/>
+            <a:ext cx="9601196" cy="3318936"/>
+          </a:xfrm>
+        </p:spPr>
+        <p:txBody>
+          <a:bodyPr>
+            <a:normAutofit/>
+          </a:bodyPr>
+          <a:lstStyle/>
+          <a:p>
+            <a:r>
+              <a:rPr lang="en-US" sz="2800" dirty="0"/>
               <a:t>Which state is startup business friendly (low tax)? – </a:t>
             </a:r>
             <a:r>
-              <a:rPr lang="en-US" dirty="0">
+              <a:rPr lang="en-US" sz="2800" dirty="0">
                 <a:solidFill>
                   <a:srgbClr val="FF0000"/>
                 </a:solidFill>
@@ -6008,11 +6017,11 @@
           </a:p>
           <a:p>
             <a:r>
-              <a:rPr lang="en-US" dirty="0"/>
+              <a:rPr lang="en-US" sz="2800" dirty="0"/>
               <a:t>Which state with low </a:t>
             </a:r>
             <a:r>
-              <a:rPr lang="en-US" dirty="0">
+              <a:rPr lang="en-US" sz="2800" dirty="0">
                 <a:solidFill>
                   <a:srgbClr val="FF0000"/>
                 </a:solidFill>
@@ -6020,14 +6029,8 @@
               <a:t>tax rate</a:t>
             </a:r>
             <a:r>
-              <a:rPr lang="en-US" dirty="0"/>
-              <a:t>, attracts employee?</a:t>
-            </a:r>
-          </a:p>
-          <a:p>
-            <a:r>
-              <a:rPr lang="en-US" i="1" dirty="0"/>
-              <a:t>Write description/ observation and supporting plots (minimum 2) here</a:t>
+              <a:rPr lang="en-US" sz="2800" dirty="0"/>
+              <a:t>, attracts employee</a:t>
             </a:r>
           </a:p>
         </p:txBody>
@@ -6085,7 +6088,23 @@
           <a:p>
             <a:r>
               <a:rPr lang="en-US" dirty="0"/>
-              <a:t>Unemployment &amp; Crime Rate - Catherine</a:t>
+              <a:t>State Tax &amp; Living Cost – </a:t>
+            </a:r>
+            <a:r>
+              <a:rPr lang="en-US" dirty="0" err="1"/>
+              <a:t>Bahar</a:t>
+            </a:r>
+            <a:r>
+              <a:rPr lang="en-US" dirty="0"/>
+              <a:t> (</a:t>
+            </a:r>
+            <a:r>
+              <a:rPr lang="en-US" dirty="0" err="1"/>
+              <a:t>con’t</a:t>
+            </a:r>
+            <a:r>
+              <a:rPr lang="en-US" dirty="0"/>
+              <a:t>)</a:t>
             </a:r>
           </a:p>
         </p:txBody>
@@ -6106,44 +6125,47 @@
             <p:ph idx="1"/>
           </p:nvPr>
         </p:nvSpPr>
-        <p:spPr/>
-        <p:txBody>
-          <a:bodyPr/>
-          <a:lstStyle/>
-          <a:p>
-            <a:r>
-              <a:rPr lang="en-US" dirty="0"/>
-              <a:t>Lower </a:t>
-            </a:r>
-            <a:r>
-              <a:rPr lang="en-US" dirty="0">
+        <p:spPr>
+          <a:xfrm>
+            <a:off x="1295401" y="2556932"/>
+            <a:ext cx="1746737" cy="2445891"/>
+          </a:xfrm>
+        </p:spPr>
+        <p:txBody>
+          <a:bodyPr>
+            <a:normAutofit lnSpcReduction="10000"/>
+          </a:bodyPr>
+          <a:lstStyle/>
+          <a:p>
+            <a:r>
+              <a:rPr lang="en-US" sz="1600" dirty="0"/>
+              <a:t>Which state is startup business friendly (low tax)? – </a:t>
+            </a:r>
+            <a:r>
+              <a:rPr lang="en-US" sz="1600" dirty="0">
                 <a:solidFill>
                   <a:srgbClr val="FF0000"/>
                 </a:solidFill>
               </a:rPr>
-              <a:t>unemployment</a:t>
-            </a:r>
-            <a:r>
-              <a:rPr lang="en-US" dirty="0"/>
-              <a:t> correlated to </a:t>
-            </a:r>
-            <a:r>
-              <a:rPr lang="en-US" dirty="0">
+              <a:t>Tax rate and living cost (housing).</a:t>
+            </a:r>
+          </a:p>
+          <a:p>
+            <a:r>
+              <a:rPr lang="en-US" sz="1600" dirty="0"/>
+              <a:t>Which state with low </a:t>
+            </a:r>
+            <a:r>
+              <a:rPr lang="en-US" sz="1600" dirty="0">
                 <a:solidFill>
                   <a:srgbClr val="FF0000"/>
                 </a:solidFill>
               </a:rPr>
-              <a:t>crime rate</a:t>
-            </a:r>
-            <a:r>
-              <a:rPr lang="en-US" dirty="0"/>
-              <a:t>?</a:t>
-            </a:r>
-          </a:p>
-          <a:p>
-            <a:r>
-              <a:rPr lang="en-US" i="1" dirty="0"/>
-              <a:t>Write description/ observation and supporting plots (minimum 2) here</a:t>
+              <a:t>tax rate</a:t>
+            </a:r>
+            <a:r>
+              <a:rPr lang="en-US" sz="1600" dirty="0"/>
+              <a:t>, attracts employee</a:t>
             </a:r>
           </a:p>
         </p:txBody>
@@ -6151,7 +6173,7 @@
     </p:spTree>
     <p:extLst>
       <p:ext uri="{BB962C8B-B14F-4D97-AF65-F5344CB8AC3E}">
-        <p14:creationId xmlns:p14="http://schemas.microsoft.com/office/powerpoint/2010/main" val="4121259519"/>
+        <p14:creationId xmlns:p14="http://schemas.microsoft.com/office/powerpoint/2010/main" val="2762072189"/>
       </p:ext>
     </p:extLst>
   </p:cSld>
@@ -6201,6 +6223,308 @@
           <a:p>
             <a:r>
               <a:rPr lang="en-US" dirty="0"/>
+              <a:t>State Tax &amp; Living Cost - </a:t>
+            </a:r>
+            <a:r>
+              <a:rPr lang="en-US" dirty="0" err="1"/>
+              <a:t>Bahar</a:t>
+            </a:r>
+            <a:endParaRPr lang="en-US" dirty="0"/>
+          </a:p>
+        </p:txBody>
+      </p:sp>
+      <p:sp>
+        <p:nvSpPr>
+          <p:cNvPr id="3" name="Content Placeholder 2">
+            <a:extLst>
+              <a:ext uri="{FF2B5EF4-FFF2-40B4-BE49-F238E27FC236}">
+                <a16:creationId xmlns:a16="http://schemas.microsoft.com/office/drawing/2014/main" id="{F5BE9D4D-949C-4037-9F87-16CDE0EE0466}"/>
+              </a:ext>
+            </a:extLst>
+          </p:cNvPr>
+          <p:cNvSpPr>
+            <a:spLocks noGrp="1"/>
+          </p:cNvSpPr>
+          <p:nvPr>
+            <p:ph idx="1"/>
+          </p:nvPr>
+        </p:nvSpPr>
+        <p:spPr>
+          <a:xfrm>
+            <a:off x="1295401" y="2556932"/>
+            <a:ext cx="1746737" cy="2445891"/>
+          </a:xfrm>
+        </p:spPr>
+        <p:txBody>
+          <a:bodyPr>
+            <a:normAutofit lnSpcReduction="10000"/>
+          </a:bodyPr>
+          <a:lstStyle/>
+          <a:p>
+            <a:r>
+              <a:rPr lang="en-US" sz="1600" dirty="0"/>
+              <a:t>Which state is startup business friendly (low tax)? – </a:t>
+            </a:r>
+            <a:r>
+              <a:rPr lang="en-US" sz="1600" dirty="0">
+                <a:solidFill>
+                  <a:srgbClr val="FF0000"/>
+                </a:solidFill>
+              </a:rPr>
+              <a:t>Tax rate and living cost (housing).</a:t>
+            </a:r>
+          </a:p>
+          <a:p>
+            <a:r>
+              <a:rPr lang="en-US" sz="1600" dirty="0"/>
+              <a:t>Which state with low </a:t>
+            </a:r>
+            <a:r>
+              <a:rPr lang="en-US" sz="1600" dirty="0">
+                <a:solidFill>
+                  <a:srgbClr val="FF0000"/>
+                </a:solidFill>
+              </a:rPr>
+              <a:t>tax rate</a:t>
+            </a:r>
+            <a:r>
+              <a:rPr lang="en-US" sz="1600" dirty="0"/>
+              <a:t>, attracts employee</a:t>
+            </a:r>
+          </a:p>
+        </p:txBody>
+      </p:sp>
+      <p:pic>
+        <p:nvPicPr>
+          <p:cNvPr id="5" name="Picture 4" descr="A picture containing object&#10;&#10;Description automatically generated">
+            <a:extLst>
+              <a:ext uri="{FF2B5EF4-FFF2-40B4-BE49-F238E27FC236}">
+                <a16:creationId xmlns:a16="http://schemas.microsoft.com/office/drawing/2014/main" id="{95D9D42C-91D2-4C5F-B92D-6BBFCD4380A7}"/>
+              </a:ext>
+            </a:extLst>
+          </p:cNvPr>
+          <p:cNvPicPr>
+            <a:picLocks noChangeAspect="1"/>
+          </p:cNvPicPr>
+          <p:nvPr/>
+        </p:nvPicPr>
+        <p:blipFill>
+          <a:blip r:embed="rId2"/>
+          <a:stretch>
+            <a:fillRect/>
+          </a:stretch>
+        </p:blipFill>
+        <p:spPr>
+          <a:xfrm>
+            <a:off x="3247286" y="2486593"/>
+            <a:ext cx="8042037" cy="3667126"/>
+          </a:xfrm>
+          <a:prstGeom prst="rect">
+            <a:avLst/>
+          </a:prstGeom>
+        </p:spPr>
+      </p:pic>
+      <p:sp>
+        <p:nvSpPr>
+          <p:cNvPr id="4" name="TextBox 3">
+            <a:extLst>
+              <a:ext uri="{FF2B5EF4-FFF2-40B4-BE49-F238E27FC236}">
+                <a16:creationId xmlns:a16="http://schemas.microsoft.com/office/drawing/2014/main" id="{60EE8B80-7B9E-4655-AB2C-7A11BF3917E9}"/>
+              </a:ext>
+            </a:extLst>
+          </p:cNvPr>
+          <p:cNvSpPr txBox="1"/>
+          <p:nvPr/>
+        </p:nvSpPr>
+        <p:spPr>
+          <a:xfrm>
+            <a:off x="3464169" y="3991708"/>
+            <a:ext cx="378069" cy="852854"/>
+          </a:xfrm>
+          <a:prstGeom prst="rect">
+            <a:avLst/>
+          </a:prstGeom>
+          <a:noFill/>
+        </p:spPr>
+        <p:txBody>
+          <a:bodyPr wrap="square" rtlCol="0">
+            <a:spAutoFit/>
+          </a:bodyPr>
+          <a:lstStyle/>
+          <a:p>
+            <a:endParaRPr lang="en-US" dirty="0"/>
+          </a:p>
+        </p:txBody>
+      </p:sp>
+    </p:spTree>
+    <p:extLst>
+      <p:ext uri="{BB962C8B-B14F-4D97-AF65-F5344CB8AC3E}">
+        <p14:creationId xmlns:p14="http://schemas.microsoft.com/office/powerpoint/2010/main" val="3489240499"/>
+      </p:ext>
+    </p:extLst>
+  </p:cSld>
+  <p:clrMapOvr>
+    <a:masterClrMapping/>
+  </p:clrMapOvr>
+</p:sld>
+</file>
+
+<file path=ppt/slides/slide13.xml><?xml version="1.0" encoding="utf-8"?>
+<p:sld xmlns:a="http://schemas.openxmlformats.org/drawingml/2006/main" xmlns:r="http://schemas.openxmlformats.org/officeDocument/2006/relationships" xmlns:p="http://schemas.openxmlformats.org/presentationml/2006/main">
+  <p:cSld>
+    <p:spTree>
+      <p:nvGrpSpPr>
+        <p:cNvPr id="1" name=""/>
+        <p:cNvGrpSpPr/>
+        <p:nvPr/>
+      </p:nvGrpSpPr>
+      <p:grpSpPr>
+        <a:xfrm>
+          <a:off x="0" y="0"/>
+          <a:ext cx="0" cy="0"/>
+          <a:chOff x="0" y="0"/>
+          <a:chExt cx="0" cy="0"/>
+        </a:xfrm>
+      </p:grpSpPr>
+      <p:sp>
+        <p:nvSpPr>
+          <p:cNvPr id="2" name="Title 1">
+            <a:extLst>
+              <a:ext uri="{FF2B5EF4-FFF2-40B4-BE49-F238E27FC236}">
+                <a16:creationId xmlns:a16="http://schemas.microsoft.com/office/drawing/2014/main" id="{1917A588-6B43-4326-8CEE-B31FA8CC4FDB}"/>
+              </a:ext>
+            </a:extLst>
+          </p:cNvPr>
+          <p:cNvSpPr>
+            <a:spLocks noGrp="1"/>
+          </p:cNvSpPr>
+          <p:nvPr>
+            <p:ph type="title"/>
+          </p:nvPr>
+        </p:nvSpPr>
+        <p:spPr/>
+        <p:txBody>
+          <a:bodyPr/>
+          <a:lstStyle/>
+          <a:p>
+            <a:r>
+              <a:rPr lang="en-US" dirty="0"/>
+              <a:t>Unemployment &amp; Crime Rate - Catherine</a:t>
+            </a:r>
+          </a:p>
+        </p:txBody>
+      </p:sp>
+      <p:sp>
+        <p:nvSpPr>
+          <p:cNvPr id="3" name="Content Placeholder 2">
+            <a:extLst>
+              <a:ext uri="{FF2B5EF4-FFF2-40B4-BE49-F238E27FC236}">
+                <a16:creationId xmlns:a16="http://schemas.microsoft.com/office/drawing/2014/main" id="{F5BE9D4D-949C-4037-9F87-16CDE0EE0466}"/>
+              </a:ext>
+            </a:extLst>
+          </p:cNvPr>
+          <p:cNvSpPr>
+            <a:spLocks noGrp="1"/>
+          </p:cNvSpPr>
+          <p:nvPr>
+            <p:ph idx="1"/>
+          </p:nvPr>
+        </p:nvSpPr>
+        <p:spPr/>
+        <p:txBody>
+          <a:bodyPr/>
+          <a:lstStyle/>
+          <a:p>
+            <a:r>
+              <a:rPr lang="en-US" dirty="0"/>
+              <a:t>Lower </a:t>
+            </a:r>
+            <a:r>
+              <a:rPr lang="en-US" dirty="0">
+                <a:solidFill>
+                  <a:srgbClr val="FF0000"/>
+                </a:solidFill>
+              </a:rPr>
+              <a:t>unemployment</a:t>
+            </a:r>
+            <a:r>
+              <a:rPr lang="en-US" dirty="0"/>
+              <a:t> correlated to </a:t>
+            </a:r>
+            <a:r>
+              <a:rPr lang="en-US" dirty="0">
+                <a:solidFill>
+                  <a:srgbClr val="FF0000"/>
+                </a:solidFill>
+              </a:rPr>
+              <a:t>crime rate</a:t>
+            </a:r>
+            <a:r>
+              <a:rPr lang="en-US" dirty="0"/>
+              <a:t>?</a:t>
+            </a:r>
+          </a:p>
+          <a:p>
+            <a:r>
+              <a:rPr lang="en-US" i="1" dirty="0"/>
+              <a:t>Write description/ observation and supporting plots (minimum 2) here</a:t>
+            </a:r>
+          </a:p>
+        </p:txBody>
+      </p:sp>
+    </p:spTree>
+    <p:extLst>
+      <p:ext uri="{BB962C8B-B14F-4D97-AF65-F5344CB8AC3E}">
+        <p14:creationId xmlns:p14="http://schemas.microsoft.com/office/powerpoint/2010/main" val="4121259519"/>
+      </p:ext>
+    </p:extLst>
+  </p:cSld>
+  <p:clrMapOvr>
+    <a:masterClrMapping/>
+  </p:clrMapOvr>
+</p:sld>
+</file>
+
+<file path=ppt/slides/slide14.xml><?xml version="1.0" encoding="utf-8"?>
+<p:sld xmlns:a="http://schemas.openxmlformats.org/drawingml/2006/main" xmlns:r="http://schemas.openxmlformats.org/officeDocument/2006/relationships" xmlns:p="http://schemas.openxmlformats.org/presentationml/2006/main">
+  <p:cSld>
+    <p:spTree>
+      <p:nvGrpSpPr>
+        <p:cNvPr id="1" name=""/>
+        <p:cNvGrpSpPr/>
+        <p:nvPr/>
+      </p:nvGrpSpPr>
+      <p:grpSpPr>
+        <a:xfrm>
+          <a:off x="0" y="0"/>
+          <a:ext cx="0" cy="0"/>
+          <a:chOff x="0" y="0"/>
+          <a:chExt cx="0" cy="0"/>
+        </a:xfrm>
+      </p:grpSpPr>
+      <p:sp>
+        <p:nvSpPr>
+          <p:cNvPr id="2" name="Title 1">
+            <a:extLst>
+              <a:ext uri="{FF2B5EF4-FFF2-40B4-BE49-F238E27FC236}">
+                <a16:creationId xmlns:a16="http://schemas.microsoft.com/office/drawing/2014/main" id="{1917A588-6B43-4326-8CEE-B31FA8CC4FDB}"/>
+              </a:ext>
+            </a:extLst>
+          </p:cNvPr>
+          <p:cNvSpPr>
+            <a:spLocks noGrp="1"/>
+          </p:cNvSpPr>
+          <p:nvPr>
+            <p:ph type="title"/>
+          </p:nvPr>
+        </p:nvSpPr>
+        <p:spPr/>
+        <p:txBody>
+          <a:bodyPr/>
+          <a:lstStyle/>
+          <a:p>
+            <a:r>
+              <a:rPr lang="en-US" dirty="0"/>
               <a:t>Salary - Molly</a:t>
             </a:r>
           </a:p>
@@ -6265,7 +6589,7 @@
 </p:sld>
 </file>
 
-<file path=ppt/slides/slide13.xml><?xml version="1.0" encoding="utf-8"?>
+<file path=ppt/slides/slide15.xml><?xml version="1.0" encoding="utf-8"?>
 <p:sld xmlns:a="http://schemas.openxmlformats.org/drawingml/2006/main" xmlns:r="http://schemas.openxmlformats.org/officeDocument/2006/relationships" xmlns:p="http://schemas.openxmlformats.org/presentationml/2006/main">
   <p:cSld>
     <p:spTree>
@@ -6648,7 +6972,7 @@
 </p:sld>
 </file>
 
-<file path=ppt/slides/slide14.xml><?xml version="1.0" encoding="utf-8"?>
+<file path=ppt/slides/slide16.xml><?xml version="1.0" encoding="utf-8"?>
 <p:sld xmlns:a="http://schemas.openxmlformats.org/drawingml/2006/main" xmlns:r="http://schemas.openxmlformats.org/officeDocument/2006/relationships" xmlns:p="http://schemas.openxmlformats.org/presentationml/2006/main">
   <p:cSld>
     <p:spTree>
@@ -6784,7 +7108,7 @@
 </p:sld>
 </file>
 
-<file path=ppt/slides/slide15.xml><?xml version="1.0" encoding="utf-8"?>
+<file path=ppt/slides/slide17.xml><?xml version="1.0" encoding="utf-8"?>
 <p:sld xmlns:a="http://schemas.openxmlformats.org/drawingml/2006/main" xmlns:r="http://schemas.openxmlformats.org/officeDocument/2006/relationships" xmlns:p="http://schemas.openxmlformats.org/presentationml/2006/main">
   <p:cSld>
     <p:spTree>
@@ -7054,7 +7378,7 @@
 </p:sld>
 </file>
 
-<file path=ppt/slides/slide16.xml><?xml version="1.0" encoding="utf-8"?>
+<file path=ppt/slides/slide18.xml><?xml version="1.0" encoding="utf-8"?>
 <p:sld xmlns:a="http://schemas.openxmlformats.org/drawingml/2006/main" xmlns:r="http://schemas.openxmlformats.org/officeDocument/2006/relationships" xmlns:p="http://schemas.openxmlformats.org/presentationml/2006/main">
   <p:cSld>
     <p:spTree>
@@ -7198,7 +7522,7 @@
 </p:sld>
 </file>
 
-<file path=ppt/slides/slide17.xml><?xml version="1.0" encoding="utf-8"?>
+<file path=ppt/slides/slide19.xml><?xml version="1.0" encoding="utf-8"?>
 <p:sld xmlns:a="http://schemas.openxmlformats.org/drawingml/2006/main" xmlns:r="http://schemas.openxmlformats.org/officeDocument/2006/relationships" xmlns:p="http://schemas.openxmlformats.org/presentationml/2006/main">
   <p:cSld>
     <p:bg>
@@ -7271,7 +7595,170 @@
 </p:sld>
 </file>
 
-<file path=ppt/slides/slide18.xml><?xml version="1.0" encoding="utf-8"?>
+<file path=ppt/slides/slide2.xml><?xml version="1.0" encoding="utf-8"?>
+<p:sld xmlns:a="http://schemas.openxmlformats.org/drawingml/2006/main" xmlns:r="http://schemas.openxmlformats.org/officeDocument/2006/relationships" xmlns:p="http://schemas.openxmlformats.org/presentationml/2006/main">
+  <p:cSld>
+    <p:spTree>
+      <p:nvGrpSpPr>
+        <p:cNvPr id="1" name=""/>
+        <p:cNvGrpSpPr/>
+        <p:nvPr/>
+      </p:nvGrpSpPr>
+      <p:grpSpPr>
+        <a:xfrm>
+          <a:off x="0" y="0"/>
+          <a:ext cx="0" cy="0"/>
+          <a:chOff x="0" y="0"/>
+          <a:chExt cx="0" cy="0"/>
+        </a:xfrm>
+      </p:grpSpPr>
+      <p:sp>
+        <p:nvSpPr>
+          <p:cNvPr id="2" name="Title 1">
+            <a:extLst>
+              <a:ext uri="{FF2B5EF4-FFF2-40B4-BE49-F238E27FC236}">
+                <a16:creationId xmlns:a16="http://schemas.microsoft.com/office/drawing/2014/main" id="{377C9523-097C-4E43-AC8E-8C68B3057BB1}"/>
+              </a:ext>
+            </a:extLst>
+          </p:cNvPr>
+          <p:cNvSpPr>
+            <a:spLocks noGrp="1"/>
+          </p:cNvSpPr>
+          <p:nvPr>
+            <p:ph type="title"/>
+          </p:nvPr>
+        </p:nvSpPr>
+        <p:spPr/>
+        <p:txBody>
+          <a:bodyPr/>
+          <a:lstStyle/>
+          <a:p>
+            <a:r>
+              <a:rPr lang="en-US" dirty="0"/>
+              <a:t>Project 1 Technical Requirement</a:t>
+            </a:r>
+          </a:p>
+        </p:txBody>
+      </p:sp>
+      <p:sp>
+        <p:nvSpPr>
+          <p:cNvPr id="3" name="Content Placeholder 2">
+            <a:extLst>
+              <a:ext uri="{FF2B5EF4-FFF2-40B4-BE49-F238E27FC236}">
+                <a16:creationId xmlns:a16="http://schemas.microsoft.com/office/drawing/2014/main" id="{42C92943-A346-4DB7-A073-7ED62D2A2B66}"/>
+              </a:ext>
+            </a:extLst>
+          </p:cNvPr>
+          <p:cNvSpPr>
+            <a:spLocks noGrp="1"/>
+          </p:cNvSpPr>
+          <p:nvPr>
+            <p:ph idx="1"/>
+          </p:nvPr>
+        </p:nvSpPr>
+        <p:spPr>
+          <a:xfrm>
+            <a:off x="1295401" y="2435469"/>
+            <a:ext cx="9601196" cy="3789485"/>
+          </a:xfrm>
+        </p:spPr>
+        <p:txBody>
+          <a:bodyPr>
+            <a:noAutofit/>
+          </a:bodyPr>
+          <a:lstStyle/>
+          <a:p>
+            <a:r>
+              <a:rPr lang="en-US" sz="1400" dirty="0"/>
+              <a:t># Technical Requirements</a:t>
+            </a:r>
+          </a:p>
+          <a:p>
+            <a:r>
+              <a:rPr lang="en-US" sz="1400" dirty="0"/>
+              <a:t>The technical requirements for Project 1 are as follows.</a:t>
+            </a:r>
+          </a:p>
+          <a:p>
+            <a:r>
+              <a:rPr lang="en-US" sz="1400" dirty="0"/>
+              <a:t>* [ ] Use Pandas to clean and format your data set(s)</a:t>
+            </a:r>
+          </a:p>
+          <a:p>
+            <a:r>
+              <a:rPr lang="en-US" sz="1400" dirty="0"/>
+              <a:t>* [ ] Create a </a:t>
+            </a:r>
+            <a:r>
+              <a:rPr lang="en-US" sz="1400" dirty="0" err="1"/>
+              <a:t>Jupyter</a:t>
+            </a:r>
+            <a:r>
+              <a:rPr lang="en-US" sz="1400" dirty="0"/>
+              <a:t> Notebook describing the **data exploration and cleanup** process</a:t>
+            </a:r>
+          </a:p>
+          <a:p>
+            <a:r>
+              <a:rPr lang="en-US" sz="1400" dirty="0"/>
+              <a:t>* [ ] Create a </a:t>
+            </a:r>
+            <a:r>
+              <a:rPr lang="en-US" sz="1400" dirty="0" err="1"/>
+              <a:t>Jupyter</a:t>
+            </a:r>
+            <a:r>
+              <a:rPr lang="en-US" sz="1400" dirty="0"/>
+              <a:t> Notebook illustrating the **final data analysis*** [ ] Use Matplotlib to create a total of 6-8 visualizations of your data (ideally, at least 2 per "question" you ask of your data)</a:t>
+            </a:r>
+          </a:p>
+          <a:p>
+            <a:r>
+              <a:rPr lang="en-US" sz="1400" dirty="0"/>
+              <a:t>* [ ] Save PNG images of your visualizations to distribute to the class and instructional team, and for inclusion in your presentation</a:t>
+            </a:r>
+          </a:p>
+          <a:p>
+            <a:r>
+              <a:rPr lang="en-US" sz="1400" dirty="0"/>
+              <a:t>* [ ] Optionally, use at least one API, if you can find an API with data pertinent to your primary research questions</a:t>
+            </a:r>
+          </a:p>
+          <a:p>
+            <a:r>
+              <a:rPr lang="en-US" sz="1400" dirty="0"/>
+              <a:t>* [ ] Create a write-up summarizing your major findings. This should include a heading for each "question" you asked of your data, and under each heading, a short description of what you found and any relevant plots.</a:t>
+            </a:r>
+          </a:p>
+          <a:p>
+            <a:r>
+              <a:rPr lang="en-US" sz="1400" dirty="0"/>
+              <a:t>- - -### Copyright</a:t>
+            </a:r>
+          </a:p>
+          <a:p>
+            <a:r>
+              <a:rPr lang="en-US" sz="1400" dirty="0"/>
+              <a:t>Coding Boot Camp © 2017. All Rights Reserved.</a:t>
+            </a:r>
+          </a:p>
+        </p:txBody>
+      </p:sp>
+    </p:spTree>
+    <p:extLst>
+      <p:ext uri="{BB962C8B-B14F-4D97-AF65-F5344CB8AC3E}">
+        <p14:creationId xmlns:p14="http://schemas.microsoft.com/office/powerpoint/2010/main" val="3211359946"/>
+      </p:ext>
+    </p:extLst>
+  </p:cSld>
+  <p:clrMapOvr>
+    <a:masterClrMapping/>
+  </p:clrMapOvr>
+</p:sld>
+</file>
+
+<file path=ppt/slides/slide20.xml><?xml version="1.0" encoding="utf-8"?>
 <p:sld xmlns:a="http://schemas.openxmlformats.org/drawingml/2006/main" xmlns:r="http://schemas.openxmlformats.org/officeDocument/2006/relationships" xmlns:p="http://schemas.openxmlformats.org/presentationml/2006/main">
   <p:cSld>
     <p:spTree>
@@ -7429,7 +7916,7 @@
 </p:sld>
 </file>
 
-<file path=ppt/slides/slide19.xml><?xml version="1.0" encoding="utf-8"?>
+<file path=ppt/slides/slide21.xml><?xml version="1.0" encoding="utf-8"?>
 <p:sld xmlns:a="http://schemas.openxmlformats.org/drawingml/2006/main" xmlns:r="http://schemas.openxmlformats.org/officeDocument/2006/relationships" xmlns:p="http://schemas.openxmlformats.org/presentationml/2006/main">
   <p:cSld>
     <p:spTree>
@@ -7621,170 +8108,7 @@
 </p:sld>
 </file>
 
-<file path=ppt/slides/slide2.xml><?xml version="1.0" encoding="utf-8"?>
-<p:sld xmlns:a="http://schemas.openxmlformats.org/drawingml/2006/main" xmlns:r="http://schemas.openxmlformats.org/officeDocument/2006/relationships" xmlns:p="http://schemas.openxmlformats.org/presentationml/2006/main">
-  <p:cSld>
-    <p:spTree>
-      <p:nvGrpSpPr>
-        <p:cNvPr id="1" name=""/>
-        <p:cNvGrpSpPr/>
-        <p:nvPr/>
-      </p:nvGrpSpPr>
-      <p:grpSpPr>
-        <a:xfrm>
-          <a:off x="0" y="0"/>
-          <a:ext cx="0" cy="0"/>
-          <a:chOff x="0" y="0"/>
-          <a:chExt cx="0" cy="0"/>
-        </a:xfrm>
-      </p:grpSpPr>
-      <p:sp>
-        <p:nvSpPr>
-          <p:cNvPr id="2" name="Title 1">
-            <a:extLst>
-              <a:ext uri="{FF2B5EF4-FFF2-40B4-BE49-F238E27FC236}">
-                <a16:creationId xmlns:a16="http://schemas.microsoft.com/office/drawing/2014/main" id="{377C9523-097C-4E43-AC8E-8C68B3057BB1}"/>
-              </a:ext>
-            </a:extLst>
-          </p:cNvPr>
-          <p:cNvSpPr>
-            <a:spLocks noGrp="1"/>
-          </p:cNvSpPr>
-          <p:nvPr>
-            <p:ph type="title"/>
-          </p:nvPr>
-        </p:nvSpPr>
-        <p:spPr/>
-        <p:txBody>
-          <a:bodyPr/>
-          <a:lstStyle/>
-          <a:p>
-            <a:r>
-              <a:rPr lang="en-US" dirty="0"/>
-              <a:t>Project 1 Technical Requirement</a:t>
-            </a:r>
-          </a:p>
-        </p:txBody>
-      </p:sp>
-      <p:sp>
-        <p:nvSpPr>
-          <p:cNvPr id="3" name="Content Placeholder 2">
-            <a:extLst>
-              <a:ext uri="{FF2B5EF4-FFF2-40B4-BE49-F238E27FC236}">
-                <a16:creationId xmlns:a16="http://schemas.microsoft.com/office/drawing/2014/main" id="{42C92943-A346-4DB7-A073-7ED62D2A2B66}"/>
-              </a:ext>
-            </a:extLst>
-          </p:cNvPr>
-          <p:cNvSpPr>
-            <a:spLocks noGrp="1"/>
-          </p:cNvSpPr>
-          <p:nvPr>
-            <p:ph idx="1"/>
-          </p:nvPr>
-        </p:nvSpPr>
-        <p:spPr>
-          <a:xfrm>
-            <a:off x="1295401" y="2435469"/>
-            <a:ext cx="9601196" cy="3789485"/>
-          </a:xfrm>
-        </p:spPr>
-        <p:txBody>
-          <a:bodyPr>
-            <a:noAutofit/>
-          </a:bodyPr>
-          <a:lstStyle/>
-          <a:p>
-            <a:r>
-              <a:rPr lang="en-US" sz="1400" dirty="0"/>
-              <a:t># Technical Requirements</a:t>
-            </a:r>
-          </a:p>
-          <a:p>
-            <a:r>
-              <a:rPr lang="en-US" sz="1400" dirty="0"/>
-              <a:t>The technical requirements for Project 1 are as follows.</a:t>
-            </a:r>
-          </a:p>
-          <a:p>
-            <a:r>
-              <a:rPr lang="en-US" sz="1400" dirty="0"/>
-              <a:t>* [ ] Use Pandas to clean and format your data set(s)</a:t>
-            </a:r>
-          </a:p>
-          <a:p>
-            <a:r>
-              <a:rPr lang="en-US" sz="1400" dirty="0"/>
-              <a:t>* [ ] Create a </a:t>
-            </a:r>
-            <a:r>
-              <a:rPr lang="en-US" sz="1400" dirty="0" err="1"/>
-              <a:t>Jupyter</a:t>
-            </a:r>
-            <a:r>
-              <a:rPr lang="en-US" sz="1400" dirty="0"/>
-              <a:t> Notebook describing the **data exploration and cleanup** process</a:t>
-            </a:r>
-          </a:p>
-          <a:p>
-            <a:r>
-              <a:rPr lang="en-US" sz="1400" dirty="0"/>
-              <a:t>* [ ] Create a </a:t>
-            </a:r>
-            <a:r>
-              <a:rPr lang="en-US" sz="1400" dirty="0" err="1"/>
-              <a:t>Jupyter</a:t>
-            </a:r>
-            <a:r>
-              <a:rPr lang="en-US" sz="1400" dirty="0"/>
-              <a:t> Notebook illustrating the **final data analysis*** [ ] Use Matplotlib to create a total of 6-8 visualizations of your data (ideally, at least 2 per "question" you ask of your data)</a:t>
-            </a:r>
-          </a:p>
-          <a:p>
-            <a:r>
-              <a:rPr lang="en-US" sz="1400" dirty="0"/>
-              <a:t>* [ ] Save PNG images of your visualizations to distribute to the class and instructional team, and for inclusion in your presentation</a:t>
-            </a:r>
-          </a:p>
-          <a:p>
-            <a:r>
-              <a:rPr lang="en-US" sz="1400" dirty="0"/>
-              <a:t>* [ ] Optionally, use at least one API, if you can find an API with data pertinent to your primary research questions</a:t>
-            </a:r>
-          </a:p>
-          <a:p>
-            <a:r>
-              <a:rPr lang="en-US" sz="1400" dirty="0"/>
-              <a:t>* [ ] Create a write-up summarizing your major findings. This should include a heading for each "question" you asked of your data, and under each heading, a short description of what you found and any relevant plots.</a:t>
-            </a:r>
-          </a:p>
-          <a:p>
-            <a:r>
-              <a:rPr lang="en-US" sz="1400" dirty="0"/>
-              <a:t>- - -### Copyright</a:t>
-            </a:r>
-          </a:p>
-          <a:p>
-            <a:r>
-              <a:rPr lang="en-US" sz="1400" dirty="0"/>
-              <a:t>Coding Boot Camp © 2017. All Rights Reserved.</a:t>
-            </a:r>
-          </a:p>
-        </p:txBody>
-      </p:sp>
-    </p:spTree>
-    <p:extLst>
-      <p:ext uri="{BB962C8B-B14F-4D97-AF65-F5344CB8AC3E}">
-        <p14:creationId xmlns:p14="http://schemas.microsoft.com/office/powerpoint/2010/main" val="3211359946"/>
-      </p:ext>
-    </p:extLst>
-  </p:cSld>
-  <p:clrMapOvr>
-    <a:masterClrMapping/>
-  </p:clrMapOvr>
-</p:sld>
-</file>
-
-<file path=ppt/slides/slide20.xml><?xml version="1.0" encoding="utf-8"?>
+<file path=ppt/slides/slide22.xml><?xml version="1.0" encoding="utf-8"?>
 <p:sld xmlns:a="http://schemas.openxmlformats.org/drawingml/2006/main" xmlns:r="http://schemas.openxmlformats.org/officeDocument/2006/relationships" xmlns:p="http://schemas.openxmlformats.org/presentationml/2006/main">
   <p:cSld>
     <p:spTree>
@@ -7876,7 +8200,7 @@
 </p:sld>
 </file>
 
-<file path=ppt/slides/slide21.xml><?xml version="1.0" encoding="utf-8"?>
+<file path=ppt/slides/slide23.xml><?xml version="1.0" encoding="utf-8"?>
 <p:sld xmlns:a="http://schemas.openxmlformats.org/drawingml/2006/main" xmlns:r="http://schemas.openxmlformats.org/officeDocument/2006/relationships" xmlns:p="http://schemas.openxmlformats.org/presentationml/2006/main">
   <p:cSld>
     <p:spTree>
@@ -8031,7 +8355,7 @@
 </p:sld>
 </file>
 
-<file path=ppt/slides/slide22.xml><?xml version="1.0" encoding="utf-8"?>
+<file path=ppt/slides/slide24.xml><?xml version="1.0" encoding="utf-8"?>
 <p:sld xmlns:a="http://schemas.openxmlformats.org/drawingml/2006/main" xmlns:r="http://schemas.openxmlformats.org/officeDocument/2006/relationships" xmlns:p="http://schemas.openxmlformats.org/presentationml/2006/main">
   <p:cSld>
     <p:spTree>
@@ -8642,7 +8966,7 @@
 </p:sld>
 </file>
 
-<file path=ppt/slides/slide23.xml><?xml version="1.0" encoding="utf-8"?>
+<file path=ppt/slides/slide25.xml><?xml version="1.0" encoding="utf-8"?>
 <p:sld xmlns:a="http://schemas.openxmlformats.org/drawingml/2006/main" xmlns:r="http://schemas.openxmlformats.org/officeDocument/2006/relationships" xmlns:p="http://schemas.openxmlformats.org/presentationml/2006/main">
   <p:cSld>
     <p:bg>
@@ -8706,306 +9030,6 @@
     <p:extLst>
       <p:ext uri="{BB962C8B-B14F-4D97-AF65-F5344CB8AC3E}">
         <p14:creationId xmlns:p14="http://schemas.microsoft.com/office/powerpoint/2010/main" val="2637397907"/>
-      </p:ext>
-    </p:extLst>
-  </p:cSld>
-  <p:clrMapOvr>
-    <a:masterClrMapping/>
-  </p:clrMapOvr>
-</p:sld>
-</file>
-
-<file path=ppt/slides/slide24.xml><?xml version="1.0" encoding="utf-8"?>
-<p:sld xmlns:a="http://schemas.openxmlformats.org/drawingml/2006/main" xmlns:r="http://schemas.openxmlformats.org/officeDocument/2006/relationships" xmlns:p="http://schemas.openxmlformats.org/presentationml/2006/main">
-  <p:cSld>
-    <p:spTree>
-      <p:nvGrpSpPr>
-        <p:cNvPr id="1" name=""/>
-        <p:cNvGrpSpPr/>
-        <p:nvPr/>
-      </p:nvGrpSpPr>
-      <p:grpSpPr>
-        <a:xfrm>
-          <a:off x="0" y="0"/>
-          <a:ext cx="0" cy="0"/>
-          <a:chOff x="0" y="0"/>
-          <a:chExt cx="0" cy="0"/>
-        </a:xfrm>
-      </p:grpSpPr>
-      <p:sp>
-        <p:nvSpPr>
-          <p:cNvPr id="2" name="Title 1">
-            <a:extLst>
-              <a:ext uri="{FF2B5EF4-FFF2-40B4-BE49-F238E27FC236}">
-                <a16:creationId xmlns:a16="http://schemas.microsoft.com/office/drawing/2014/main" id="{1917A588-6B43-4326-8CEE-B31FA8CC4FDB}"/>
-              </a:ext>
-            </a:extLst>
-          </p:cNvPr>
-          <p:cNvSpPr>
-            <a:spLocks noGrp="1"/>
-          </p:cNvSpPr>
-          <p:nvPr>
-            <p:ph type="title"/>
-          </p:nvPr>
-        </p:nvSpPr>
-        <p:spPr/>
-        <p:txBody>
-          <a:bodyPr>
-            <a:normAutofit fontScale="90000"/>
-          </a:bodyPr>
-          <a:lstStyle/>
-          <a:p>
-            <a:r>
-              <a:rPr lang="en-US" dirty="0"/>
-              <a:t>State Tax &amp; Living Cost Analysis Files (</a:t>
-            </a:r>
-            <a:r>
-              <a:rPr lang="en-US" dirty="0" err="1"/>
-              <a:t>Bahar</a:t>
-            </a:r>
-            <a:r>
-              <a:rPr lang="en-US" dirty="0"/>
-              <a:t>)</a:t>
-            </a:r>
-          </a:p>
-        </p:txBody>
-      </p:sp>
-      <p:sp>
-        <p:nvSpPr>
-          <p:cNvPr id="3" name="Content Placeholder 2">
-            <a:extLst>
-              <a:ext uri="{FF2B5EF4-FFF2-40B4-BE49-F238E27FC236}">
-                <a16:creationId xmlns:a16="http://schemas.microsoft.com/office/drawing/2014/main" id="{F5BE9D4D-949C-4037-9F87-16CDE0EE0466}"/>
-              </a:ext>
-            </a:extLst>
-          </p:cNvPr>
-          <p:cNvSpPr>
-            <a:spLocks noGrp="1"/>
-          </p:cNvSpPr>
-          <p:nvPr>
-            <p:ph idx="1"/>
-          </p:nvPr>
-        </p:nvSpPr>
-        <p:spPr/>
-        <p:txBody>
-          <a:bodyPr>
-            <a:normAutofit/>
-          </a:bodyPr>
-          <a:lstStyle/>
-          <a:p>
-            <a:r>
-              <a:rPr lang="en-US" dirty="0"/>
-              <a:t>Files are in folder = \</a:t>
-            </a:r>
-            <a:r>
-              <a:rPr lang="en-US" dirty="0" err="1"/>
-              <a:t>The_Incredible_Quad</a:t>
-            </a:r>
-            <a:r>
-              <a:rPr lang="en-US" dirty="0"/>
-              <a:t>\</a:t>
-            </a:r>
-          </a:p>
-          <a:p>
-            <a:r>
-              <a:rPr lang="en-US" dirty="0" err="1"/>
-              <a:t>Jupyter</a:t>
-            </a:r>
-            <a:r>
-              <a:rPr lang="en-US" dirty="0"/>
-              <a:t> NB filename = .</a:t>
-            </a:r>
-            <a:r>
-              <a:rPr lang="en-US" dirty="0" err="1"/>
-              <a:t>ipynb</a:t>
-            </a:r>
-            <a:endParaRPr lang="en-US" dirty="0"/>
-          </a:p>
-          <a:p>
-            <a:r>
-              <a:rPr lang="en-US" dirty="0"/>
-              <a:t>Google API key file = </a:t>
-            </a:r>
-          </a:p>
-          <a:p>
-            <a:r>
-              <a:rPr lang="en-US" dirty="0"/>
-              <a:t>Saved plots = \</a:t>
-            </a:r>
-            <a:r>
-              <a:rPr lang="en-US" dirty="0" err="1"/>
-              <a:t>The_Incredible_Quad</a:t>
-            </a:r>
-            <a:r>
-              <a:rPr lang="en-US" dirty="0"/>
-              <a:t>\</a:t>
-            </a:r>
-          </a:p>
-          <a:p>
-            <a:r>
-              <a:rPr lang="en-US" dirty="0"/>
-              <a:t>Dataset files = </a:t>
-            </a:r>
-          </a:p>
-          <a:p>
-            <a:pPr lvl="1"/>
-            <a:r>
-              <a:rPr lang="en-US" dirty="0"/>
-              <a:t>*.csv </a:t>
-            </a:r>
-          </a:p>
-        </p:txBody>
-      </p:sp>
-    </p:spTree>
-    <p:extLst>
-      <p:ext uri="{BB962C8B-B14F-4D97-AF65-F5344CB8AC3E}">
-        <p14:creationId xmlns:p14="http://schemas.microsoft.com/office/powerpoint/2010/main" val="634013030"/>
-      </p:ext>
-    </p:extLst>
-  </p:cSld>
-  <p:clrMapOvr>
-    <a:masterClrMapping/>
-  </p:clrMapOvr>
-</p:sld>
-</file>
-
-<file path=ppt/slides/slide25.xml><?xml version="1.0" encoding="utf-8"?>
-<p:sld xmlns:a="http://schemas.openxmlformats.org/drawingml/2006/main" xmlns:r="http://schemas.openxmlformats.org/officeDocument/2006/relationships" xmlns:p="http://schemas.openxmlformats.org/presentationml/2006/main">
-  <p:cSld>
-    <p:spTree>
-      <p:nvGrpSpPr>
-        <p:cNvPr id="1" name=""/>
-        <p:cNvGrpSpPr/>
-        <p:nvPr/>
-      </p:nvGrpSpPr>
-      <p:grpSpPr>
-        <a:xfrm>
-          <a:off x="0" y="0"/>
-          <a:ext cx="0" cy="0"/>
-          <a:chOff x="0" y="0"/>
-          <a:chExt cx="0" cy="0"/>
-        </a:xfrm>
-      </p:grpSpPr>
-      <p:sp>
-        <p:nvSpPr>
-          <p:cNvPr id="2" name="Title 1">
-            <a:extLst>
-              <a:ext uri="{FF2B5EF4-FFF2-40B4-BE49-F238E27FC236}">
-                <a16:creationId xmlns:a16="http://schemas.microsoft.com/office/drawing/2014/main" id="{1917A588-6B43-4326-8CEE-B31FA8CC4FDB}"/>
-              </a:ext>
-            </a:extLst>
-          </p:cNvPr>
-          <p:cNvSpPr>
-            <a:spLocks noGrp="1"/>
-          </p:cNvSpPr>
-          <p:nvPr>
-            <p:ph type="title"/>
-          </p:nvPr>
-        </p:nvSpPr>
-        <p:spPr/>
-        <p:txBody>
-          <a:bodyPr>
-            <a:normAutofit fontScale="90000"/>
-          </a:bodyPr>
-          <a:lstStyle/>
-          <a:p>
-            <a:r>
-              <a:rPr lang="en-US" dirty="0"/>
-              <a:t>Unemployment &amp; Crime Rate Analysis Files (Catherine)</a:t>
-            </a:r>
-          </a:p>
-        </p:txBody>
-      </p:sp>
-      <p:sp>
-        <p:nvSpPr>
-          <p:cNvPr id="3" name="Content Placeholder 2">
-            <a:extLst>
-              <a:ext uri="{FF2B5EF4-FFF2-40B4-BE49-F238E27FC236}">
-                <a16:creationId xmlns:a16="http://schemas.microsoft.com/office/drawing/2014/main" id="{F5BE9D4D-949C-4037-9F87-16CDE0EE0466}"/>
-              </a:ext>
-            </a:extLst>
-          </p:cNvPr>
-          <p:cNvSpPr>
-            <a:spLocks noGrp="1"/>
-          </p:cNvSpPr>
-          <p:nvPr>
-            <p:ph idx="1"/>
-          </p:nvPr>
-        </p:nvSpPr>
-        <p:spPr/>
-        <p:txBody>
-          <a:bodyPr>
-            <a:normAutofit/>
-          </a:bodyPr>
-          <a:lstStyle/>
-          <a:p>
-            <a:r>
-              <a:rPr lang="en-US" dirty="0"/>
-              <a:t>Files are in folder = \</a:t>
-            </a:r>
-            <a:r>
-              <a:rPr lang="en-US" dirty="0" err="1"/>
-              <a:t>The_Incredible_Quad</a:t>
-            </a:r>
-            <a:r>
-              <a:rPr lang="en-US" dirty="0"/>
-              <a:t>\</a:t>
-            </a:r>
-          </a:p>
-          <a:p>
-            <a:r>
-              <a:rPr lang="en-US" dirty="0" err="1"/>
-              <a:t>Jupyter</a:t>
-            </a:r>
-            <a:r>
-              <a:rPr lang="en-US" dirty="0"/>
-              <a:t> NB filename = .</a:t>
-            </a:r>
-            <a:r>
-              <a:rPr lang="en-US" dirty="0" err="1"/>
-              <a:t>ipynb</a:t>
-            </a:r>
-            <a:endParaRPr lang="en-US" dirty="0"/>
-          </a:p>
-          <a:p>
-            <a:r>
-              <a:rPr lang="en-US" dirty="0"/>
-              <a:t>Google API key file = </a:t>
-            </a:r>
-          </a:p>
-          <a:p>
-            <a:r>
-              <a:rPr lang="en-US" dirty="0"/>
-              <a:t>Saved plots = \</a:t>
-            </a:r>
-            <a:r>
-              <a:rPr lang="en-US" dirty="0" err="1"/>
-              <a:t>The_Incredible_Quad</a:t>
-            </a:r>
-            <a:r>
-              <a:rPr lang="en-US" dirty="0"/>
-              <a:t>\</a:t>
-            </a:r>
-          </a:p>
-          <a:p>
-            <a:r>
-              <a:rPr lang="en-US" dirty="0"/>
-              <a:t>Dataset files = </a:t>
-            </a:r>
-          </a:p>
-          <a:p>
-            <a:pPr lvl="1"/>
-            <a:r>
-              <a:rPr lang="en-US" dirty="0"/>
-              <a:t>*.csv </a:t>
-            </a:r>
-          </a:p>
-        </p:txBody>
-      </p:sp>
-    </p:spTree>
-    <p:extLst>
-      <p:ext uri="{BB962C8B-B14F-4D97-AF65-F5344CB8AC3E}">
-        <p14:creationId xmlns:p14="http://schemas.microsoft.com/office/powerpoint/2010/main" val="4102377004"/>
       </p:ext>
     </p:extLst>
   </p:cSld>
@@ -9051,6 +9075,306 @@
         <p:spPr/>
         <p:txBody>
           <a:bodyPr>
+            <a:normAutofit fontScale="90000"/>
+          </a:bodyPr>
+          <a:lstStyle/>
+          <a:p>
+            <a:r>
+              <a:rPr lang="en-US" dirty="0"/>
+              <a:t>State Tax &amp; Living Cost Analysis Files (</a:t>
+            </a:r>
+            <a:r>
+              <a:rPr lang="en-US" dirty="0" err="1"/>
+              <a:t>Bahar</a:t>
+            </a:r>
+            <a:r>
+              <a:rPr lang="en-US" dirty="0"/>
+              <a:t>)</a:t>
+            </a:r>
+          </a:p>
+        </p:txBody>
+      </p:sp>
+      <p:sp>
+        <p:nvSpPr>
+          <p:cNvPr id="3" name="Content Placeholder 2">
+            <a:extLst>
+              <a:ext uri="{FF2B5EF4-FFF2-40B4-BE49-F238E27FC236}">
+                <a16:creationId xmlns:a16="http://schemas.microsoft.com/office/drawing/2014/main" id="{F5BE9D4D-949C-4037-9F87-16CDE0EE0466}"/>
+              </a:ext>
+            </a:extLst>
+          </p:cNvPr>
+          <p:cNvSpPr>
+            <a:spLocks noGrp="1"/>
+          </p:cNvSpPr>
+          <p:nvPr>
+            <p:ph idx="1"/>
+          </p:nvPr>
+        </p:nvSpPr>
+        <p:spPr/>
+        <p:txBody>
+          <a:bodyPr>
+            <a:normAutofit/>
+          </a:bodyPr>
+          <a:lstStyle/>
+          <a:p>
+            <a:r>
+              <a:rPr lang="en-US" dirty="0"/>
+              <a:t>Files are in folder = \</a:t>
+            </a:r>
+            <a:r>
+              <a:rPr lang="en-US" dirty="0" err="1"/>
+              <a:t>The_Incredible_Quad</a:t>
+            </a:r>
+            <a:r>
+              <a:rPr lang="en-US" dirty="0"/>
+              <a:t>\</a:t>
+            </a:r>
+          </a:p>
+          <a:p>
+            <a:r>
+              <a:rPr lang="en-US" dirty="0" err="1"/>
+              <a:t>Jupyter</a:t>
+            </a:r>
+            <a:r>
+              <a:rPr lang="en-US" dirty="0"/>
+              <a:t> NB filename = .</a:t>
+            </a:r>
+            <a:r>
+              <a:rPr lang="en-US" dirty="0" err="1"/>
+              <a:t>ipynb</a:t>
+            </a:r>
+            <a:endParaRPr lang="en-US" dirty="0"/>
+          </a:p>
+          <a:p>
+            <a:r>
+              <a:rPr lang="en-US" dirty="0"/>
+              <a:t>Google API key file = </a:t>
+            </a:r>
+          </a:p>
+          <a:p>
+            <a:r>
+              <a:rPr lang="en-US" dirty="0"/>
+              <a:t>Saved plots = \</a:t>
+            </a:r>
+            <a:r>
+              <a:rPr lang="en-US" dirty="0" err="1"/>
+              <a:t>The_Incredible_Quad</a:t>
+            </a:r>
+            <a:r>
+              <a:rPr lang="en-US" dirty="0"/>
+              <a:t>\</a:t>
+            </a:r>
+          </a:p>
+          <a:p>
+            <a:r>
+              <a:rPr lang="en-US" dirty="0"/>
+              <a:t>Dataset files = </a:t>
+            </a:r>
+          </a:p>
+          <a:p>
+            <a:pPr lvl="1"/>
+            <a:r>
+              <a:rPr lang="en-US" dirty="0"/>
+              <a:t>*.csv </a:t>
+            </a:r>
+          </a:p>
+        </p:txBody>
+      </p:sp>
+    </p:spTree>
+    <p:extLst>
+      <p:ext uri="{BB962C8B-B14F-4D97-AF65-F5344CB8AC3E}">
+        <p14:creationId xmlns:p14="http://schemas.microsoft.com/office/powerpoint/2010/main" val="634013030"/>
+      </p:ext>
+    </p:extLst>
+  </p:cSld>
+  <p:clrMapOvr>
+    <a:masterClrMapping/>
+  </p:clrMapOvr>
+</p:sld>
+</file>
+
+<file path=ppt/slides/slide27.xml><?xml version="1.0" encoding="utf-8"?>
+<p:sld xmlns:a="http://schemas.openxmlformats.org/drawingml/2006/main" xmlns:r="http://schemas.openxmlformats.org/officeDocument/2006/relationships" xmlns:p="http://schemas.openxmlformats.org/presentationml/2006/main">
+  <p:cSld>
+    <p:spTree>
+      <p:nvGrpSpPr>
+        <p:cNvPr id="1" name=""/>
+        <p:cNvGrpSpPr/>
+        <p:nvPr/>
+      </p:nvGrpSpPr>
+      <p:grpSpPr>
+        <a:xfrm>
+          <a:off x="0" y="0"/>
+          <a:ext cx="0" cy="0"/>
+          <a:chOff x="0" y="0"/>
+          <a:chExt cx="0" cy="0"/>
+        </a:xfrm>
+      </p:grpSpPr>
+      <p:sp>
+        <p:nvSpPr>
+          <p:cNvPr id="2" name="Title 1">
+            <a:extLst>
+              <a:ext uri="{FF2B5EF4-FFF2-40B4-BE49-F238E27FC236}">
+                <a16:creationId xmlns:a16="http://schemas.microsoft.com/office/drawing/2014/main" id="{1917A588-6B43-4326-8CEE-B31FA8CC4FDB}"/>
+              </a:ext>
+            </a:extLst>
+          </p:cNvPr>
+          <p:cNvSpPr>
+            <a:spLocks noGrp="1"/>
+          </p:cNvSpPr>
+          <p:nvPr>
+            <p:ph type="title"/>
+          </p:nvPr>
+        </p:nvSpPr>
+        <p:spPr/>
+        <p:txBody>
+          <a:bodyPr>
+            <a:normAutofit fontScale="90000"/>
+          </a:bodyPr>
+          <a:lstStyle/>
+          <a:p>
+            <a:r>
+              <a:rPr lang="en-US" dirty="0"/>
+              <a:t>Unemployment &amp; Crime Rate Analysis Files (Catherine)</a:t>
+            </a:r>
+          </a:p>
+        </p:txBody>
+      </p:sp>
+      <p:sp>
+        <p:nvSpPr>
+          <p:cNvPr id="3" name="Content Placeholder 2">
+            <a:extLst>
+              <a:ext uri="{FF2B5EF4-FFF2-40B4-BE49-F238E27FC236}">
+                <a16:creationId xmlns:a16="http://schemas.microsoft.com/office/drawing/2014/main" id="{F5BE9D4D-949C-4037-9F87-16CDE0EE0466}"/>
+              </a:ext>
+            </a:extLst>
+          </p:cNvPr>
+          <p:cNvSpPr>
+            <a:spLocks noGrp="1"/>
+          </p:cNvSpPr>
+          <p:nvPr>
+            <p:ph idx="1"/>
+          </p:nvPr>
+        </p:nvSpPr>
+        <p:spPr/>
+        <p:txBody>
+          <a:bodyPr>
+            <a:normAutofit/>
+          </a:bodyPr>
+          <a:lstStyle/>
+          <a:p>
+            <a:r>
+              <a:rPr lang="en-US" dirty="0"/>
+              <a:t>Files are in folder = \</a:t>
+            </a:r>
+            <a:r>
+              <a:rPr lang="en-US" dirty="0" err="1"/>
+              <a:t>The_Incredible_Quad</a:t>
+            </a:r>
+            <a:r>
+              <a:rPr lang="en-US" dirty="0"/>
+              <a:t>\</a:t>
+            </a:r>
+          </a:p>
+          <a:p>
+            <a:r>
+              <a:rPr lang="en-US" dirty="0" err="1"/>
+              <a:t>Jupyter</a:t>
+            </a:r>
+            <a:r>
+              <a:rPr lang="en-US" dirty="0"/>
+              <a:t> NB filename = .</a:t>
+            </a:r>
+            <a:r>
+              <a:rPr lang="en-US" dirty="0" err="1"/>
+              <a:t>ipynb</a:t>
+            </a:r>
+            <a:endParaRPr lang="en-US" dirty="0"/>
+          </a:p>
+          <a:p>
+            <a:r>
+              <a:rPr lang="en-US" dirty="0"/>
+              <a:t>Google API key file = </a:t>
+            </a:r>
+          </a:p>
+          <a:p>
+            <a:r>
+              <a:rPr lang="en-US" dirty="0"/>
+              <a:t>Saved plots = \</a:t>
+            </a:r>
+            <a:r>
+              <a:rPr lang="en-US" dirty="0" err="1"/>
+              <a:t>The_Incredible_Quad</a:t>
+            </a:r>
+            <a:r>
+              <a:rPr lang="en-US" dirty="0"/>
+              <a:t>\</a:t>
+            </a:r>
+          </a:p>
+          <a:p>
+            <a:r>
+              <a:rPr lang="en-US" dirty="0"/>
+              <a:t>Dataset files = </a:t>
+            </a:r>
+          </a:p>
+          <a:p>
+            <a:pPr lvl="1"/>
+            <a:r>
+              <a:rPr lang="en-US" dirty="0"/>
+              <a:t>*.csv </a:t>
+            </a:r>
+          </a:p>
+        </p:txBody>
+      </p:sp>
+    </p:spTree>
+    <p:extLst>
+      <p:ext uri="{BB962C8B-B14F-4D97-AF65-F5344CB8AC3E}">
+        <p14:creationId xmlns:p14="http://schemas.microsoft.com/office/powerpoint/2010/main" val="4102377004"/>
+      </p:ext>
+    </p:extLst>
+  </p:cSld>
+  <p:clrMapOvr>
+    <a:masterClrMapping/>
+  </p:clrMapOvr>
+</p:sld>
+</file>
+
+<file path=ppt/slides/slide28.xml><?xml version="1.0" encoding="utf-8"?>
+<p:sld xmlns:a="http://schemas.openxmlformats.org/drawingml/2006/main" xmlns:r="http://schemas.openxmlformats.org/officeDocument/2006/relationships" xmlns:p="http://schemas.openxmlformats.org/presentationml/2006/main">
+  <p:cSld>
+    <p:spTree>
+      <p:nvGrpSpPr>
+        <p:cNvPr id="1" name=""/>
+        <p:cNvGrpSpPr/>
+        <p:nvPr/>
+      </p:nvGrpSpPr>
+      <p:grpSpPr>
+        <a:xfrm>
+          <a:off x="0" y="0"/>
+          <a:ext cx="0" cy="0"/>
+          <a:chOff x="0" y="0"/>
+          <a:chExt cx="0" cy="0"/>
+        </a:xfrm>
+      </p:grpSpPr>
+      <p:sp>
+        <p:nvSpPr>
+          <p:cNvPr id="2" name="Title 1">
+            <a:extLst>
+              <a:ext uri="{FF2B5EF4-FFF2-40B4-BE49-F238E27FC236}">
+                <a16:creationId xmlns:a16="http://schemas.microsoft.com/office/drawing/2014/main" id="{1917A588-6B43-4326-8CEE-B31FA8CC4FDB}"/>
+              </a:ext>
+            </a:extLst>
+          </p:cNvPr>
+          <p:cNvSpPr>
+            <a:spLocks noGrp="1"/>
+          </p:cNvSpPr>
+          <p:nvPr>
+            <p:ph type="title"/>
+          </p:nvPr>
+        </p:nvSpPr>
+        <p:spPr/>
+        <p:txBody>
+          <a:bodyPr>
             <a:normAutofit/>
           </a:bodyPr>
           <a:lstStyle/>
@@ -9161,7 +9485,7 @@
 </p:sld>
 </file>
 
-<file path=ppt/slides/slide27.xml><?xml version="1.0" encoding="utf-8"?>
+<file path=ppt/slides/slide29.xml><?xml version="1.0" encoding="utf-8"?>
 <p:sld xmlns:a="http://schemas.openxmlformats.org/drawingml/2006/main" xmlns:r="http://schemas.openxmlformats.org/officeDocument/2006/relationships" xmlns:p="http://schemas.openxmlformats.org/presentationml/2006/main">
   <p:cSld>
     <p:spTree>

--- a/Working_Presentation.pptx
+++ b/Working_Presentation.pptx
@@ -6316,8 +6316,8 @@
         </p:blipFill>
         <p:spPr>
           <a:xfrm>
-            <a:off x="3247286" y="2486593"/>
-            <a:ext cx="8042037" cy="3667126"/>
+            <a:off x="667126" y="1310054"/>
+            <a:ext cx="10622197" cy="4843665"/>
           </a:xfrm>
           <a:prstGeom prst="rect">
             <a:avLst/>
@@ -6488,6 +6488,14 @@
 <file path=ppt/slides/slide14.xml><?xml version="1.0" encoding="utf-8"?>
 <p:sld xmlns:a="http://schemas.openxmlformats.org/drawingml/2006/main" xmlns:r="http://schemas.openxmlformats.org/officeDocument/2006/relationships" xmlns:p="http://schemas.openxmlformats.org/presentationml/2006/main">
   <p:cSld>
+    <p:bg>
+      <p:bgPr>
+        <a:solidFill>
+          <a:schemeClr val="bg1"/>
+        </a:solidFill>
+        <a:effectLst/>
+      </p:bgPr>
+    </p:bg>
     <p:spTree>
       <p:nvGrpSpPr>
         <p:cNvPr id="1" name=""/>
@@ -6504,6 +6512,199 @@
       </p:grpSpPr>
       <p:sp>
         <p:nvSpPr>
+          <p:cNvPr id="10" name="Rectangle 9">
+            <a:extLst>
+              <a:ext uri="{FF2B5EF4-FFF2-40B4-BE49-F238E27FC236}">
+                <a16:creationId xmlns:a16="http://schemas.microsoft.com/office/drawing/2014/main" id="{333F0879-3DA0-4CB8-B35E-A0AD42558191}"/>
+              </a:ext>
+              <a:ext uri="{C183D7F6-B498-43B3-948B-1728B52AA6E4}">
+                <adec:decorative xmlns:adec="http://schemas.microsoft.com/office/drawing/2017/decorative" val="1"/>
+              </a:ext>
+            </a:extLst>
+          </p:cNvPr>
+          <p:cNvSpPr>
+            <a:spLocks noGrp="1" noRot="1" noChangeAspect="1" noMove="1" noResize="1" noEditPoints="1" noAdjustHandles="1" noChangeArrowheads="1" noChangeShapeType="1" noTextEdit="1"/>
+          </p:cNvSpPr>
+          <p:nvPr>
+            <p:extLst>
+              <p:ext uri="{386F3935-93C4-4BCD-93E2-E3B085C9AB24}">
+                <p16:designElem xmlns:p16="http://schemas.microsoft.com/office/powerpoint/2015/main" val="1"/>
+              </p:ext>
+            </p:extLst>
+          </p:nvPr>
+        </p:nvSpPr>
+        <p:spPr>
+          <a:xfrm>
+            <a:off x="0" y="2"/>
+            <a:ext cx="12188952" cy="6858000"/>
+          </a:xfrm>
+          <a:prstGeom prst="rect">
+            <a:avLst/>
+          </a:prstGeom>
+          <a:ln>
+            <a:noFill/>
+          </a:ln>
+        </p:spPr>
+        <p:style>
+          <a:lnRef idx="2">
+            <a:schemeClr val="accent1">
+              <a:shade val="50000"/>
+            </a:schemeClr>
+          </a:lnRef>
+          <a:fillRef idx="1003">
+            <a:schemeClr val="lt1"/>
+          </a:fillRef>
+          <a:effectRef idx="0">
+            <a:schemeClr val="accent1"/>
+          </a:effectRef>
+          <a:fontRef idx="minor">
+            <a:schemeClr val="lt1"/>
+          </a:fontRef>
+        </p:style>
+        <p:txBody>
+          <a:bodyPr rtlCol="0" anchor="ctr"/>
+          <a:lstStyle/>
+          <a:p>
+            <a:pPr algn="ctr"/>
+            <a:endParaRPr lang="en-US"/>
+          </a:p>
+        </p:txBody>
+      </p:sp>
+      <p:sp>
+        <p:nvSpPr>
+          <p:cNvPr id="12" name="Rectangle 11">
+            <a:extLst>
+              <a:ext uri="{FF2B5EF4-FFF2-40B4-BE49-F238E27FC236}">
+                <a16:creationId xmlns:a16="http://schemas.microsoft.com/office/drawing/2014/main" id="{324D2183-F388-476E-92A9-D6639D698580}"/>
+              </a:ext>
+              <a:ext uri="{C183D7F6-B498-43B3-948B-1728B52AA6E4}">
+                <adec:decorative xmlns:adec="http://schemas.microsoft.com/office/drawing/2017/decorative" val="1"/>
+              </a:ext>
+            </a:extLst>
+          </p:cNvPr>
+          <p:cNvSpPr>
+            <a:spLocks noGrp="1" noRot="1" noChangeAspect="1" noMove="1" noResize="1" noEditPoints="1" noAdjustHandles="1" noChangeArrowheads="1" noChangeShapeType="1" noTextEdit="1"/>
+          </p:cNvSpPr>
+          <p:nvPr>
+            <p:extLst>
+              <p:ext uri="{386F3935-93C4-4BCD-93E2-E3B085C9AB24}">
+                <p16:designElem xmlns:p16="http://schemas.microsoft.com/office/powerpoint/2015/main" val="1"/>
+              </p:ext>
+            </p:extLst>
+          </p:nvPr>
+        </p:nvSpPr>
+        <p:spPr>
+          <a:xfrm>
+            <a:off x="486138" y="496090"/>
+            <a:ext cx="3823215" cy="5883295"/>
+          </a:xfrm>
+          <a:prstGeom prst="rect">
+            <a:avLst/>
+          </a:prstGeom>
+          <a:blipFill dpi="0" rotWithShape="1">
+            <a:blip r:embed="rId2"/>
+            <a:srcRect/>
+            <a:tile tx="0" ty="0" sx="100000" sy="100000" flip="none" algn="tl"/>
+          </a:blipFill>
+          <a:ln>
+            <a:noFill/>
+          </a:ln>
+          <a:effectLst>
+            <a:outerShdw blurRad="114300" dist="127000" dir="5400000" sx="99000" sy="99000" algn="t" rotWithShape="0">
+              <a:prstClr val="black">
+                <a:alpha val="40000"/>
+              </a:prstClr>
+            </a:outerShdw>
+          </a:effectLst>
+          <a:scene3d>
+            <a:camera prst="orthographicFront"/>
+            <a:lightRig rig="twoPt" dir="t"/>
+          </a:scene3d>
+          <a:sp3d contourW="6350">
+            <a:bevelT w="12700" h="0" prst="coolSlant"/>
+            <a:contourClr>
+              <a:schemeClr val="bg2"/>
+            </a:contourClr>
+          </a:sp3d>
+        </p:spPr>
+        <p:style>
+          <a:lnRef idx="2">
+            <a:schemeClr val="accent1">
+              <a:shade val="50000"/>
+            </a:schemeClr>
+          </a:lnRef>
+          <a:fillRef idx="1">
+            <a:schemeClr val="accent1"/>
+          </a:fillRef>
+          <a:effectRef idx="0">
+            <a:schemeClr val="accent1"/>
+          </a:effectRef>
+          <a:fontRef idx="minor">
+            <a:schemeClr val="lt1"/>
+          </a:fontRef>
+        </p:style>
+        <p:txBody>
+          <a:bodyPr rtlCol="0" anchor="ctr"/>
+          <a:lstStyle/>
+          <a:p>
+            <a:pPr algn="ctr"/>
+            <a:endParaRPr lang="en-US"/>
+          </a:p>
+        </p:txBody>
+      </p:sp>
+      <p:sp>
+        <p:nvSpPr>
+          <p:cNvPr id="14" name="Rectangle 13">
+            <a:extLst>
+              <a:ext uri="{FF2B5EF4-FFF2-40B4-BE49-F238E27FC236}">
+                <a16:creationId xmlns:a16="http://schemas.microsoft.com/office/drawing/2014/main" id="{243462E7-1698-4B21-BE89-AEFAC7C2FEFA}"/>
+              </a:ext>
+              <a:ext uri="{C183D7F6-B498-43B3-948B-1728B52AA6E4}">
+                <adec:decorative xmlns:adec="http://schemas.microsoft.com/office/drawing/2017/decorative" val="1"/>
+              </a:ext>
+            </a:extLst>
+          </p:cNvPr>
+          <p:cNvSpPr>
+            <a:spLocks noGrp="1" noRot="1" noChangeAspect="1" noMove="1" noResize="1" noEditPoints="1" noAdjustHandles="1" noChangeArrowheads="1" noChangeShapeType="1" noTextEdit="1"/>
+          </p:cNvSpPr>
+          <p:nvPr>
+            <p:extLst>
+              <p:ext uri="{386F3935-93C4-4BCD-93E2-E3B085C9AB24}">
+                <p16:designElem xmlns:p16="http://schemas.microsoft.com/office/powerpoint/2015/main" val="1"/>
+              </p:ext>
+            </p:extLst>
+          </p:nvPr>
+        </p:nvSpPr>
+        <p:spPr>
+          <a:xfrm>
+            <a:off x="608012" y="609602"/>
+            <a:ext cx="3552006" cy="5638800"/>
+          </a:xfrm>
+          <a:prstGeom prst="rect">
+            <a:avLst/>
+          </a:prstGeom>
+          <a:noFill/>
+          <a:ln w="15875" cap="flat">
+            <a:miter lim="800000"/>
+          </a:ln>
+        </p:spPr>
+        <p:style>
+          <a:lnRef idx="1">
+            <a:schemeClr val="accent1"/>
+          </a:lnRef>
+          <a:fillRef idx="3">
+            <a:schemeClr val="accent1"/>
+          </a:fillRef>
+          <a:effectRef idx="2">
+            <a:schemeClr val="accent1"/>
+          </a:effectRef>
+          <a:fontRef idx="minor">
+            <a:schemeClr val="lt1"/>
+          </a:fontRef>
+        </p:style>
+      </p:sp>
+      <p:sp>
+        <p:nvSpPr>
           <p:cNvPr id="2" name="Title 1">
             <a:extLst>
               <a:ext uri="{FF2B5EF4-FFF2-40B4-BE49-F238E27FC236}">
@@ -6518,13 +6719,24 @@
             <p:ph type="title"/>
           </p:nvPr>
         </p:nvSpPr>
-        <p:spPr/>
-        <p:txBody>
-          <a:bodyPr/>
-          <a:lstStyle/>
-          <a:p>
-            <a:r>
-              <a:rPr lang="en-US" dirty="0"/>
+        <p:spPr>
+          <a:xfrm>
+            <a:off x="929140" y="972766"/>
+            <a:ext cx="2835464" cy="1254868"/>
+          </a:xfrm>
+        </p:spPr>
+        <p:txBody>
+          <a:bodyPr anchor="b">
+            <a:normAutofit/>
+          </a:bodyPr>
+          <a:lstStyle/>
+          <a:p>
+            <a:r>
+              <a:rPr lang="en-US" sz="2800">
+                <a:solidFill>
+                  <a:srgbClr val="262626"/>
+                </a:solidFill>
+              </a:rPr>
               <a:t>Salary - Molly</a:t>
             </a:r>
           </a:p>
@@ -6546,36 +6758,159 @@
             <p:ph idx="1"/>
           </p:nvPr>
         </p:nvSpPr>
-        <p:spPr/>
-        <p:txBody>
-          <a:bodyPr/>
-          <a:lstStyle/>
-          <a:p>
-            <a:r>
-              <a:rPr lang="en-US" dirty="0"/>
-              <a:t>Higher </a:t>
-            </a:r>
-            <a:r>
-              <a:rPr lang="en-US" dirty="0">
-                <a:solidFill>
-                  <a:srgbClr val="FF0000"/>
+        <p:spPr>
+          <a:xfrm>
+            <a:off x="929141" y="2430471"/>
+            <a:ext cx="2835464" cy="3552039"/>
+          </a:xfrm>
+        </p:spPr>
+        <p:txBody>
+          <a:bodyPr>
+            <a:normAutofit/>
+          </a:bodyPr>
+          <a:lstStyle/>
+          <a:p>
+            <a:r>
+              <a:rPr lang="en-US" sz="1800" dirty="0">
+                <a:solidFill>
+                  <a:srgbClr val="262626"/>
                 </a:solidFill>
               </a:rPr>
-              <a:t>salary</a:t>
-            </a:r>
-            <a:r>
-              <a:rPr lang="en-US" dirty="0"/>
-              <a:t> states are the preferred ones?</a:t>
-            </a:r>
-          </a:p>
-          <a:p>
-            <a:r>
-              <a:rPr lang="en-US" i="1" dirty="0"/>
+              <a:t>Higher salary states are the preferred ones?</a:t>
+            </a:r>
+          </a:p>
+          <a:p>
+            <a:r>
+              <a:rPr lang="en-US" sz="1800" i="1" dirty="0">
+                <a:solidFill>
+                  <a:srgbClr val="262626"/>
+                </a:solidFill>
+              </a:rPr>
               <a:t>Write description/ observation and supporting plots (minimum 2) here</a:t>
             </a:r>
           </a:p>
         </p:txBody>
       </p:sp>
+      <p:sp useBgFill="1">
+        <p:nvSpPr>
+          <p:cNvPr id="16" name="Rectangle 15">
+            <a:extLst>
+              <a:ext uri="{FF2B5EF4-FFF2-40B4-BE49-F238E27FC236}">
+                <a16:creationId xmlns:a16="http://schemas.microsoft.com/office/drawing/2014/main" id="{6C22FCAC-D7EC-4A52-B153-FF761E2235B3}"/>
+              </a:ext>
+              <a:ext uri="{C183D7F6-B498-43B3-948B-1728B52AA6E4}">
+                <adec:decorative xmlns:adec="http://schemas.microsoft.com/office/drawing/2017/decorative" val="1"/>
+              </a:ext>
+            </a:extLst>
+          </p:cNvPr>
+          <p:cNvSpPr>
+            <a:spLocks noGrp="1" noRot="1" noChangeAspect="1" noMove="1" noResize="1" noEditPoints="1" noAdjustHandles="1" noChangeArrowheads="1" noChangeShapeType="1" noTextEdit="1"/>
+          </p:cNvSpPr>
+          <p:nvPr>
+            <p:extLst>
+              <p:ext uri="{386F3935-93C4-4BCD-93E2-E3B085C9AB24}">
+                <p16:designElem xmlns:p16="http://schemas.microsoft.com/office/powerpoint/2015/main" val="1"/>
+              </p:ext>
+            </p:extLst>
+          </p:nvPr>
+        </p:nvSpPr>
+        <p:spPr>
+          <a:xfrm>
+            <a:off x="4795491" y="0"/>
+            <a:ext cx="7396509" cy="6858002"/>
+          </a:xfrm>
+          <a:prstGeom prst="rect">
+            <a:avLst/>
+          </a:prstGeom>
+          <a:ln>
+            <a:noFill/>
+          </a:ln>
+        </p:spPr>
+        <p:style>
+          <a:lnRef idx="2">
+            <a:schemeClr val="accent1">
+              <a:shade val="50000"/>
+            </a:schemeClr>
+          </a:lnRef>
+          <a:fillRef idx="1">
+            <a:schemeClr val="accent1"/>
+          </a:fillRef>
+          <a:effectRef idx="0">
+            <a:schemeClr val="accent1"/>
+          </a:effectRef>
+          <a:fontRef idx="minor">
+            <a:schemeClr val="lt1"/>
+          </a:fontRef>
+        </p:style>
+        <p:txBody>
+          <a:bodyPr rtlCol="0" anchor="ctr"/>
+          <a:lstStyle/>
+          <a:p>
+            <a:pPr algn="ctr"/>
+            <a:endParaRPr lang="en-US"/>
+          </a:p>
+        </p:txBody>
+      </p:sp>
+      <p:pic>
+        <p:nvPicPr>
+          <p:cNvPr id="7" name="Picture 6" descr="A close up of a logo&#10;&#10;Description automatically generated">
+            <a:extLst>
+              <a:ext uri="{FF2B5EF4-FFF2-40B4-BE49-F238E27FC236}">
+                <a16:creationId xmlns:a16="http://schemas.microsoft.com/office/drawing/2014/main" id="{F61791F7-7E1E-44E1-B4B6-2B207FA16B1F}"/>
+              </a:ext>
+            </a:extLst>
+          </p:cNvPr>
+          <p:cNvPicPr>
+            <a:picLocks noChangeAspect="1"/>
+          </p:cNvPicPr>
+          <p:nvPr/>
+        </p:nvPicPr>
+        <p:blipFill>
+          <a:blip r:embed="rId3"/>
+          <a:stretch>
+            <a:fillRect/>
+          </a:stretch>
+        </p:blipFill>
+        <p:spPr>
+          <a:xfrm>
+            <a:off x="4870158" y="307730"/>
+            <a:ext cx="7393461" cy="3646785"/>
+          </a:xfrm>
+          <a:prstGeom prst="rect">
+            <a:avLst/>
+          </a:prstGeom>
+        </p:spPr>
+      </p:pic>
+      <p:pic>
+        <p:nvPicPr>
+          <p:cNvPr id="9" name="Picture 8">
+            <a:extLst>
+              <a:ext uri="{FF2B5EF4-FFF2-40B4-BE49-F238E27FC236}">
+                <a16:creationId xmlns:a16="http://schemas.microsoft.com/office/drawing/2014/main" id="{BC39B7E9-6114-4420-A965-2027D1707F73}"/>
+              </a:ext>
+            </a:extLst>
+          </p:cNvPr>
+          <p:cNvPicPr>
+            <a:picLocks noChangeAspect="1"/>
+          </p:cNvPicPr>
+          <p:nvPr/>
+        </p:nvPicPr>
+        <p:blipFill>
+          <a:blip r:embed="rId4"/>
+          <a:stretch>
+            <a:fillRect/>
+          </a:stretch>
+        </p:blipFill>
+        <p:spPr>
+          <a:xfrm>
+            <a:off x="4957255" y="3557608"/>
+            <a:ext cx="7219265" cy="3168092"/>
+          </a:xfrm>
+          <a:prstGeom prst="rect">
+            <a:avLst/>
+          </a:prstGeom>
+        </p:spPr>
+      </p:pic>
     </p:spTree>
     <p:extLst>
       <p:ext uri="{BB962C8B-B14F-4D97-AF65-F5344CB8AC3E}">

--- a/Working_Presentation.pptx
+++ b/Working_Presentation.pptx
@@ -7,33 +7,35 @@
   <p:sldIdLst>
     <p:sldId id="256" r:id="rId2"/>
     <p:sldId id="270" r:id="rId3"/>
-    <p:sldId id="268" r:id="rId4"/>
-    <p:sldId id="269" r:id="rId5"/>
-    <p:sldId id="262" r:id="rId6"/>
-    <p:sldId id="275" r:id="rId7"/>
-    <p:sldId id="264" r:id="rId8"/>
-    <p:sldId id="259" r:id="rId9"/>
-    <p:sldId id="276" r:id="rId10"/>
-    <p:sldId id="263" r:id="rId11"/>
-    <p:sldId id="286" r:id="rId12"/>
-    <p:sldId id="287" r:id="rId13"/>
-    <p:sldId id="265" r:id="rId14"/>
-    <p:sldId id="266" r:id="rId15"/>
-    <p:sldId id="272" r:id="rId16"/>
-    <p:sldId id="274" r:id="rId17"/>
-    <p:sldId id="267" r:id="rId18"/>
-    <p:sldId id="271" r:id="rId19"/>
-    <p:sldId id="273" r:id="rId20"/>
-    <p:sldId id="284" r:id="rId21"/>
-    <p:sldId id="285" r:id="rId22"/>
-    <p:sldId id="261" r:id="rId23"/>
-    <p:sldId id="260" r:id="rId24"/>
-    <p:sldId id="258" r:id="rId25"/>
-    <p:sldId id="277" r:id="rId26"/>
-    <p:sldId id="278" r:id="rId27"/>
-    <p:sldId id="282" r:id="rId28"/>
-    <p:sldId id="283" r:id="rId29"/>
-    <p:sldId id="281" r:id="rId30"/>
+    <p:sldId id="289" r:id="rId4"/>
+    <p:sldId id="268" r:id="rId5"/>
+    <p:sldId id="269" r:id="rId6"/>
+    <p:sldId id="259" r:id="rId7"/>
+    <p:sldId id="262" r:id="rId8"/>
+    <p:sldId id="275" r:id="rId9"/>
+    <p:sldId id="264" r:id="rId10"/>
+    <p:sldId id="276" r:id="rId11"/>
+    <p:sldId id="263" r:id="rId12"/>
+    <p:sldId id="286" r:id="rId13"/>
+    <p:sldId id="287" r:id="rId14"/>
+    <p:sldId id="265" r:id="rId15"/>
+    <p:sldId id="266" r:id="rId16"/>
+    <p:sldId id="272" r:id="rId17"/>
+    <p:sldId id="274" r:id="rId18"/>
+    <p:sldId id="267" r:id="rId19"/>
+    <p:sldId id="271" r:id="rId20"/>
+    <p:sldId id="288" r:id="rId21"/>
+    <p:sldId id="273" r:id="rId22"/>
+    <p:sldId id="284" r:id="rId23"/>
+    <p:sldId id="285" r:id="rId24"/>
+    <p:sldId id="261" r:id="rId25"/>
+    <p:sldId id="260" r:id="rId26"/>
+    <p:sldId id="258" r:id="rId27"/>
+    <p:sldId id="277" r:id="rId28"/>
+    <p:sldId id="278" r:id="rId29"/>
+    <p:sldId id="282" r:id="rId30"/>
+    <p:sldId id="283" r:id="rId31"/>
+    <p:sldId id="281" r:id="rId32"/>
   </p:sldIdLst>
   <p:sldSz cx="12192000" cy="6858000"/>
   <p:notesSz cx="6858000" cy="9144000"/>
@@ -472,7 +474,7 @@
             <a:fld id="{B61BEF0D-F0BB-DE4B-95CE-6DB70DBA9567}" type="datetimeFigureOut">
               <a:rPr lang="en-US" dirty="0"/>
               <a:pPr/>
-              <a:t>7/10/2019</a:t>
+              <a:t>7/12/2019</a:t>
             </a:fld>
             <a:endParaRPr lang="en-US" dirty="0"/>
           </a:p>
@@ -793,7 +795,7 @@
             <a:fld id="{B61BEF0D-F0BB-DE4B-95CE-6DB70DBA9567}" type="datetimeFigureOut">
               <a:rPr lang="en-US" dirty="0"/>
               <a:pPr/>
-              <a:t>7/10/2019</a:t>
+              <a:t>7/12/2019</a:t>
             </a:fld>
             <a:endParaRPr lang="en-US" dirty="0"/>
           </a:p>
@@ -1038,7 +1040,7 @@
             <a:fld id="{B61BEF0D-F0BB-DE4B-95CE-6DB70DBA9567}" type="datetimeFigureOut">
               <a:rPr lang="en-US" dirty="0"/>
               <a:pPr/>
-              <a:t>7/10/2019</a:t>
+              <a:t>7/12/2019</a:t>
             </a:fld>
             <a:endParaRPr lang="en-US" dirty="0"/>
           </a:p>
@@ -1374,7 +1376,7 @@
             <a:fld id="{B61BEF0D-F0BB-DE4B-95CE-6DB70DBA9567}" type="datetimeFigureOut">
               <a:rPr lang="en-US" dirty="0"/>
               <a:pPr/>
-              <a:t>7/10/2019</a:t>
+              <a:t>7/12/2019</a:t>
             </a:fld>
             <a:endParaRPr lang="en-US" dirty="0"/>
           </a:p>
@@ -1718,7 +1720,7 @@
             <a:fld id="{B61BEF0D-F0BB-DE4B-95CE-6DB70DBA9567}" type="datetimeFigureOut">
               <a:rPr lang="en-US" dirty="0"/>
               <a:pPr/>
-              <a:t>7/10/2019</a:t>
+              <a:t>7/12/2019</a:t>
             </a:fld>
             <a:endParaRPr lang="en-US" dirty="0"/>
           </a:p>
@@ -2089,7 +2091,7 @@
             <a:fld id="{B61BEF0D-F0BB-DE4B-95CE-6DB70DBA9567}" type="datetimeFigureOut">
               <a:rPr lang="en-US" dirty="0"/>
               <a:pPr/>
-              <a:t>7/10/2019</a:t>
+              <a:t>7/12/2019</a:t>
             </a:fld>
             <a:endParaRPr lang="en-US" dirty="0"/>
           </a:p>
@@ -2556,7 +2558,7 @@
             <a:fld id="{B61BEF0D-F0BB-DE4B-95CE-6DB70DBA9567}" type="datetimeFigureOut">
               <a:rPr lang="en-US" dirty="0"/>
               <a:pPr/>
-              <a:t>7/10/2019</a:t>
+              <a:t>7/12/2019</a:t>
             </a:fld>
             <a:endParaRPr lang="en-US" dirty="0"/>
           </a:p>
@@ -2758,7 +2760,7 @@
             <a:fld id="{B61BEF0D-F0BB-DE4B-95CE-6DB70DBA9567}" type="datetimeFigureOut">
               <a:rPr lang="en-US" dirty="0"/>
               <a:pPr/>
-              <a:t>7/10/2019</a:t>
+              <a:t>7/12/2019</a:t>
             </a:fld>
             <a:endParaRPr lang="en-US" dirty="0"/>
           </a:p>
@@ -2966,7 +2968,7 @@
             <a:fld id="{B61BEF0D-F0BB-DE4B-95CE-6DB70DBA9567}" type="datetimeFigureOut">
               <a:rPr lang="en-US" dirty="0"/>
               <a:pPr/>
-              <a:t>7/10/2019</a:t>
+              <a:t>7/12/2019</a:t>
             </a:fld>
             <a:endParaRPr lang="en-US" dirty="0"/>
           </a:p>
@@ -3194,7 +3196,7 @@
           <a:p>
             <a:fld id="{52647F38-B617-4D2F-AE0A-013F0C4D2C57}" type="datetimeFigureOut">
               <a:rPr lang="en-US" dirty="0"/>
-              <a:t>7/10/2019</a:t>
+              <a:t>7/12/2019</a:t>
             </a:fld>
             <a:endParaRPr lang="en-US" dirty="0"/>
           </a:p>
@@ -3438,7 +3440,7 @@
             <a:fld id="{B61BEF0D-F0BB-DE4B-95CE-6DB70DBA9567}" type="datetimeFigureOut">
               <a:rPr lang="en-US" dirty="0"/>
               <a:pPr/>
-              <a:t>7/10/2019</a:t>
+              <a:t>7/12/2019</a:t>
             </a:fld>
             <a:endParaRPr lang="en-US" dirty="0"/>
           </a:p>
@@ -3732,7 +3734,7 @@
           <a:p>
             <a:fld id="{05BFA754-D5C3-4E66-96A6-867B257F58DC}" type="datetimeFigureOut">
               <a:rPr lang="en-US" dirty="0"/>
-              <a:t>7/10/2019</a:t>
+              <a:t>7/12/2019</a:t>
             </a:fld>
             <a:endParaRPr lang="en-US" dirty="0"/>
           </a:p>
@@ -4122,7 +4124,7 @@
             <a:fld id="{B61BEF0D-F0BB-DE4B-95CE-6DB70DBA9567}" type="datetimeFigureOut">
               <a:rPr lang="en-US" dirty="0"/>
               <a:pPr/>
-              <a:t>7/10/2019</a:t>
+              <a:t>7/12/2019</a:t>
             </a:fld>
             <a:endParaRPr lang="en-US" dirty="0"/>
           </a:p>
@@ -4268,7 +4270,7 @@
             <a:fld id="{B61BEF0D-F0BB-DE4B-95CE-6DB70DBA9567}" type="datetimeFigureOut">
               <a:rPr lang="en-US" dirty="0"/>
               <a:pPr/>
-              <a:t>7/10/2019</a:t>
+              <a:t>7/12/2019</a:t>
             </a:fld>
             <a:endParaRPr lang="en-US" dirty="0"/>
           </a:p>
@@ -4391,7 +4393,7 @@
             <a:fld id="{B61BEF0D-F0BB-DE4B-95CE-6DB70DBA9567}" type="datetimeFigureOut">
               <a:rPr lang="en-US" dirty="0"/>
               <a:pPr/>
-              <a:t>7/10/2019</a:t>
+              <a:t>7/12/2019</a:t>
             </a:fld>
             <a:endParaRPr lang="en-US" dirty="0"/>
           </a:p>
@@ -4643,7 +4645,7 @@
             <a:fld id="{B61BEF0D-F0BB-DE4B-95CE-6DB70DBA9567}" type="datetimeFigureOut">
               <a:rPr lang="en-US" dirty="0"/>
               <a:pPr/>
-              <a:t>7/10/2019</a:t>
+              <a:t>7/12/2019</a:t>
             </a:fld>
             <a:endParaRPr lang="en-US" dirty="0"/>
           </a:p>
@@ -4955,7 +4957,7 @@
             <a:fld id="{B61BEF0D-F0BB-DE4B-95CE-6DB70DBA9567}" type="datetimeFigureOut">
               <a:rPr lang="en-US" dirty="0"/>
               <a:pPr/>
-              <a:t>7/10/2019</a:t>
+              <a:t>7/12/2019</a:t>
             </a:fld>
             <a:endParaRPr lang="en-US" dirty="0"/>
           </a:p>
@@ -5303,7 +5305,7 @@
             <a:fld id="{B61BEF0D-F0BB-DE4B-95CE-6DB70DBA9567}" type="datetimeFigureOut">
               <a:rPr lang="en-US" dirty="0"/>
               <a:pPr/>
-              <a:t>7/10/2019</a:t>
+              <a:t>7/12/2019</a:t>
             </a:fld>
             <a:endParaRPr lang="en-US" dirty="0"/>
           </a:p>
@@ -5959,18 +5961,26 @@
         </p:nvSpPr>
         <p:spPr/>
         <p:txBody>
-          <a:bodyPr/>
-          <a:lstStyle/>
-          <a:p>
-            <a:r>
-              <a:rPr lang="en-US" dirty="0"/>
-              <a:t>State Tax &amp; Living Cost - </a:t>
-            </a:r>
+          <a:bodyPr>
+            <a:normAutofit fontScale="90000"/>
+          </a:bodyPr>
+          <a:lstStyle/>
+          <a:p>
+            <a:r>
+              <a:rPr lang="en-US" dirty="0"/>
+              <a:t>Things we applied in </a:t>
+            </a:r>
+            <a:br>
+              <a:rPr lang="en-US" dirty="0"/>
+            </a:br>
             <a:r>
               <a:rPr lang="en-US" dirty="0" err="1"/>
-              <a:t>Bahar</a:t>
-            </a:r>
-            <a:endParaRPr lang="en-US" dirty="0"/>
+              <a:t>Jupyter</a:t>
+            </a:r>
+            <a:r>
+              <a:rPr lang="en-US" dirty="0"/>
+              <a:t> Notebook</a:t>
+            </a:r>
           </a:p>
         </p:txBody>
       </p:sp>
@@ -5992,53 +6002,195 @@
         </p:nvSpPr>
         <p:spPr>
           <a:xfrm>
-            <a:off x="1295401" y="2556932"/>
-            <a:ext cx="9601196" cy="3318936"/>
+            <a:off x="1295401" y="2556931"/>
+            <a:ext cx="9601196" cy="3597683"/>
           </a:xfrm>
         </p:spPr>
         <p:txBody>
           <a:bodyPr>
-            <a:normAutofit/>
+            <a:normAutofit fontScale="92500" lnSpcReduction="10000"/>
           </a:bodyPr>
           <a:lstStyle/>
           <a:p>
             <a:r>
-              <a:rPr lang="en-US" sz="2800" dirty="0"/>
-              <a:t>Which state is startup business friendly (low tax)? – </a:t>
-            </a:r>
-            <a:r>
-              <a:rPr lang="en-US" sz="2800" dirty="0">
+              <a:rPr lang="en-US" dirty="0"/>
+              <a:t>Merge some datasets through pandas </a:t>
+            </a:r>
+            <a:r>
+              <a:rPr lang="en-US" dirty="0" err="1">
                 <a:solidFill>
                   <a:srgbClr val="FF0000"/>
                 </a:solidFill>
               </a:rPr>
-              <a:t>Tax rate and living cost (housing).</a:t>
-            </a:r>
-          </a:p>
-          <a:p>
-            <a:r>
-              <a:rPr lang="en-US" sz="2800" dirty="0"/>
-              <a:t>Which state with low </a:t>
-            </a:r>
-            <a:r>
-              <a:rPr lang="en-US" sz="2800" dirty="0">
+              <a:t>pd.merge</a:t>
+            </a:r>
+            <a:endParaRPr lang="en-US" dirty="0">
+              <a:solidFill>
+                <a:srgbClr val="FF0000"/>
+              </a:solidFill>
+            </a:endParaRPr>
+          </a:p>
+          <a:p>
+            <a:r>
+              <a:rPr lang="en-US" dirty="0"/>
+              <a:t>Cleaned up rows that’s are </a:t>
+            </a:r>
+            <a:r>
+              <a:rPr lang="en-US" dirty="0" err="1">
                 <a:solidFill>
                   <a:srgbClr val="FF0000"/>
                 </a:solidFill>
               </a:rPr>
-              <a:t>tax rate</a:t>
-            </a:r>
-            <a:r>
-              <a:rPr lang="en-US" sz="2800" dirty="0"/>
-              <a:t>, attracts employee</a:t>
-            </a:r>
+              <a:t>NaN</a:t>
+            </a:r>
+            <a:r>
+              <a:rPr lang="en-US" dirty="0">
+                <a:solidFill>
+                  <a:srgbClr val="FF0000"/>
+                </a:solidFill>
+              </a:rPr>
+              <a:t> with drop.na</a:t>
+            </a:r>
+          </a:p>
+          <a:p>
+            <a:r>
+              <a:rPr lang="en-US" dirty="0"/>
+              <a:t>Format </a:t>
+            </a:r>
+            <a:r>
+              <a:rPr lang="en-US" dirty="0" err="1"/>
+              <a:t>dataframes</a:t>
+            </a:r>
+            <a:r>
+              <a:rPr lang="en-US" dirty="0"/>
+              <a:t> column(s) if needed </a:t>
+            </a:r>
+            <a:r>
+              <a:rPr lang="en-US" dirty="0">
+                <a:solidFill>
+                  <a:srgbClr val="FF0000"/>
+                </a:solidFill>
+              </a:rPr>
+              <a:t>from string to int or float</a:t>
+            </a:r>
+          </a:p>
+          <a:p>
+            <a:r>
+              <a:rPr lang="en-US" dirty="0"/>
+              <a:t>Create </a:t>
+            </a:r>
+            <a:r>
+              <a:rPr lang="en-US" dirty="0">
+                <a:solidFill>
+                  <a:srgbClr val="FF0000"/>
+                </a:solidFill>
+              </a:rPr>
+              <a:t>new </a:t>
+            </a:r>
+            <a:r>
+              <a:rPr lang="en-US" dirty="0" err="1">
+                <a:solidFill>
+                  <a:srgbClr val="FF0000"/>
+                </a:solidFill>
+              </a:rPr>
+              <a:t>dataframe</a:t>
+            </a:r>
+            <a:r>
+              <a:rPr lang="en-US" dirty="0">
+                <a:solidFill>
+                  <a:srgbClr val="FF0000"/>
+                </a:solidFill>
+              </a:rPr>
+              <a:t> by selecting columns </a:t>
+            </a:r>
+            <a:r>
+              <a:rPr lang="en-US" dirty="0"/>
+              <a:t>that are needed for analysis </a:t>
+            </a:r>
+          </a:p>
+          <a:p>
+            <a:r>
+              <a:rPr lang="en-US" dirty="0"/>
+              <a:t>Used </a:t>
+            </a:r>
+            <a:r>
+              <a:rPr lang="en-US" dirty="0">
+                <a:solidFill>
+                  <a:srgbClr val="FF0000"/>
+                </a:solidFill>
+              </a:rPr>
+              <a:t>regression, median, mean, max, reset index, Weighted Sum approach, pandas rank and sort </a:t>
+            </a:r>
+            <a:r>
+              <a:rPr lang="en-US" dirty="0"/>
+              <a:t>to help answer questions</a:t>
+            </a:r>
+          </a:p>
+          <a:p>
+            <a:r>
+              <a:rPr lang="en-US" dirty="0"/>
+              <a:t>Applied </a:t>
+            </a:r>
+            <a:r>
+              <a:rPr lang="en-US" dirty="0">
+                <a:solidFill>
+                  <a:srgbClr val="FF0000"/>
+                </a:solidFill>
+              </a:rPr>
+              <a:t>matplotlib</a:t>
+            </a:r>
+            <a:r>
+              <a:rPr lang="en-US" dirty="0"/>
+              <a:t> for plotting charts like scatter, boxplot, bar for visualization </a:t>
+            </a:r>
+          </a:p>
+          <a:p>
+            <a:r>
+              <a:rPr lang="en-US" dirty="0"/>
+              <a:t>Made use of </a:t>
+            </a:r>
+            <a:r>
+              <a:rPr lang="en-US" dirty="0">
+                <a:solidFill>
+                  <a:srgbClr val="FF0000"/>
+                </a:solidFill>
+              </a:rPr>
+              <a:t>Google </a:t>
+            </a:r>
+            <a:r>
+              <a:rPr lang="en-US" dirty="0" err="1">
+                <a:solidFill>
+                  <a:srgbClr val="FF0000"/>
+                </a:solidFill>
+              </a:rPr>
+              <a:t>Gmap</a:t>
+            </a:r>
+            <a:r>
+              <a:rPr lang="en-US" dirty="0">
+                <a:solidFill>
+                  <a:srgbClr val="FF0000"/>
+                </a:solidFill>
+              </a:rPr>
+              <a:t> API </a:t>
+            </a:r>
+            <a:r>
+              <a:rPr lang="en-US" dirty="0"/>
+              <a:t>to display states temperature</a:t>
+            </a:r>
+          </a:p>
+          <a:p>
+            <a:pPr lvl="1"/>
+            <a:endParaRPr lang="en-US" dirty="0"/>
+          </a:p>
+          <a:p>
+            <a:endParaRPr lang="en-US" dirty="0"/>
           </a:p>
         </p:txBody>
       </p:sp>
     </p:spTree>
     <p:extLst>
       <p:ext uri="{BB962C8B-B14F-4D97-AF65-F5344CB8AC3E}">
-        <p14:creationId xmlns:p14="http://schemas.microsoft.com/office/powerpoint/2010/main" val="1207226246"/>
+        <p14:creationId xmlns:p14="http://schemas.microsoft.com/office/powerpoint/2010/main" val="341811892"/>
       </p:ext>
     </p:extLst>
   </p:cSld>
@@ -6088,6 +6240,130 @@
           <a:p>
             <a:r>
               <a:rPr lang="en-US" dirty="0"/>
+              <a:t>State Tax &amp; Living Cost - </a:t>
+            </a:r>
+            <a:r>
+              <a:rPr lang="en-US" dirty="0" err="1"/>
+              <a:t>Bahar</a:t>
+            </a:r>
+            <a:endParaRPr lang="en-US" dirty="0"/>
+          </a:p>
+        </p:txBody>
+      </p:sp>
+      <p:sp>
+        <p:nvSpPr>
+          <p:cNvPr id="3" name="Content Placeholder 2">
+            <a:extLst>
+              <a:ext uri="{FF2B5EF4-FFF2-40B4-BE49-F238E27FC236}">
+                <a16:creationId xmlns:a16="http://schemas.microsoft.com/office/drawing/2014/main" id="{F5BE9D4D-949C-4037-9F87-16CDE0EE0466}"/>
+              </a:ext>
+            </a:extLst>
+          </p:cNvPr>
+          <p:cNvSpPr>
+            <a:spLocks noGrp="1"/>
+          </p:cNvSpPr>
+          <p:nvPr>
+            <p:ph idx="1"/>
+          </p:nvPr>
+        </p:nvSpPr>
+        <p:spPr>
+          <a:xfrm>
+            <a:off x="1295401" y="2556932"/>
+            <a:ext cx="9601196" cy="3318936"/>
+          </a:xfrm>
+        </p:spPr>
+        <p:txBody>
+          <a:bodyPr>
+            <a:normAutofit/>
+          </a:bodyPr>
+          <a:lstStyle/>
+          <a:p>
+            <a:r>
+              <a:rPr lang="en-US" sz="2800" dirty="0"/>
+              <a:t>Which state is startup business friendly (low tax)? – </a:t>
+            </a:r>
+            <a:r>
+              <a:rPr lang="en-US" sz="2800" dirty="0">
+                <a:solidFill>
+                  <a:srgbClr val="FF0000"/>
+                </a:solidFill>
+              </a:rPr>
+              <a:t>Tax rate and living cost (housing).</a:t>
+            </a:r>
+          </a:p>
+          <a:p>
+            <a:r>
+              <a:rPr lang="en-US" sz="2800" dirty="0"/>
+              <a:t>Which state with low </a:t>
+            </a:r>
+            <a:r>
+              <a:rPr lang="en-US" sz="2800" dirty="0">
+                <a:solidFill>
+                  <a:srgbClr val="FF0000"/>
+                </a:solidFill>
+              </a:rPr>
+              <a:t>tax rate</a:t>
+            </a:r>
+            <a:r>
+              <a:rPr lang="en-US" sz="2800" dirty="0"/>
+              <a:t>, attracts employee</a:t>
+            </a:r>
+          </a:p>
+        </p:txBody>
+      </p:sp>
+    </p:spTree>
+    <p:extLst>
+      <p:ext uri="{BB962C8B-B14F-4D97-AF65-F5344CB8AC3E}">
+        <p14:creationId xmlns:p14="http://schemas.microsoft.com/office/powerpoint/2010/main" val="1207226246"/>
+      </p:ext>
+    </p:extLst>
+  </p:cSld>
+  <p:clrMapOvr>
+    <a:masterClrMapping/>
+  </p:clrMapOvr>
+</p:sld>
+</file>
+
+<file path=ppt/slides/slide12.xml><?xml version="1.0" encoding="utf-8"?>
+<p:sld xmlns:a="http://schemas.openxmlformats.org/drawingml/2006/main" xmlns:r="http://schemas.openxmlformats.org/officeDocument/2006/relationships" xmlns:p="http://schemas.openxmlformats.org/presentationml/2006/main">
+  <p:cSld>
+    <p:spTree>
+      <p:nvGrpSpPr>
+        <p:cNvPr id="1" name=""/>
+        <p:cNvGrpSpPr/>
+        <p:nvPr/>
+      </p:nvGrpSpPr>
+      <p:grpSpPr>
+        <a:xfrm>
+          <a:off x="0" y="0"/>
+          <a:ext cx="0" cy="0"/>
+          <a:chOff x="0" y="0"/>
+          <a:chExt cx="0" cy="0"/>
+        </a:xfrm>
+      </p:grpSpPr>
+      <p:sp>
+        <p:nvSpPr>
+          <p:cNvPr id="2" name="Title 1">
+            <a:extLst>
+              <a:ext uri="{FF2B5EF4-FFF2-40B4-BE49-F238E27FC236}">
+                <a16:creationId xmlns:a16="http://schemas.microsoft.com/office/drawing/2014/main" id="{1917A588-6B43-4326-8CEE-B31FA8CC4FDB}"/>
+              </a:ext>
+            </a:extLst>
+          </p:cNvPr>
+          <p:cNvSpPr>
+            <a:spLocks noGrp="1"/>
+          </p:cNvSpPr>
+          <p:nvPr>
+            <p:ph type="title"/>
+          </p:nvPr>
+        </p:nvSpPr>
+        <p:spPr/>
+        <p:txBody>
+          <a:bodyPr/>
+          <a:lstStyle/>
+          <a:p>
+            <a:r>
+              <a:rPr lang="en-US" dirty="0"/>
               <a:t>State Tax &amp; Living Cost – </a:t>
             </a:r>
             <a:r>
@@ -6183,7 +6459,7 @@
 </p:sld>
 </file>
 
-<file path=ppt/slides/slide12.xml><?xml version="1.0" encoding="utf-8"?>
+<file path=ppt/slides/slide13.xml><?xml version="1.0" encoding="utf-8"?>
 <p:sld xmlns:a="http://schemas.openxmlformats.org/drawingml/2006/main" xmlns:r="http://schemas.openxmlformats.org/officeDocument/2006/relationships" xmlns:p="http://schemas.openxmlformats.org/presentationml/2006/main">
   <p:cSld>
     <p:spTree>
@@ -6369,7 +6645,7 @@
 </p:sld>
 </file>
 
-<file path=ppt/slides/slide13.xml><?xml version="1.0" encoding="utf-8"?>
+<file path=ppt/slides/slide14.xml><?xml version="1.0" encoding="utf-8"?>
 <p:sld xmlns:a="http://schemas.openxmlformats.org/drawingml/2006/main" xmlns:r="http://schemas.openxmlformats.org/officeDocument/2006/relationships" xmlns:p="http://schemas.openxmlformats.org/presentationml/2006/main">
   <p:cSld>
     <p:spTree>
@@ -6485,7 +6761,7 @@
 </p:sld>
 </file>
 
-<file path=ppt/slides/slide14.xml><?xml version="1.0" encoding="utf-8"?>
+<file path=ppt/slides/slide15.xml><?xml version="1.0" encoding="utf-8"?>
 <p:sld xmlns:a="http://schemas.openxmlformats.org/drawingml/2006/main" xmlns:r="http://schemas.openxmlformats.org/officeDocument/2006/relationships" xmlns:p="http://schemas.openxmlformats.org/presentationml/2006/main">
   <p:cSld>
     <p:bg>
@@ -6924,7 +7200,7 @@
 </p:sld>
 </file>
 
-<file path=ppt/slides/slide15.xml><?xml version="1.0" encoding="utf-8"?>
+<file path=ppt/slides/slide16.xml><?xml version="1.0" encoding="utf-8"?>
 <p:sld xmlns:a="http://schemas.openxmlformats.org/drawingml/2006/main" xmlns:r="http://schemas.openxmlformats.org/officeDocument/2006/relationships" xmlns:p="http://schemas.openxmlformats.org/presentationml/2006/main">
   <p:cSld>
     <p:spTree>
@@ -7307,7 +7583,7 @@
 </p:sld>
 </file>
 
-<file path=ppt/slides/slide16.xml><?xml version="1.0" encoding="utf-8"?>
+<file path=ppt/slides/slide17.xml><?xml version="1.0" encoding="utf-8"?>
 <p:sld xmlns:a="http://schemas.openxmlformats.org/drawingml/2006/main" xmlns:r="http://schemas.openxmlformats.org/officeDocument/2006/relationships" xmlns:p="http://schemas.openxmlformats.org/presentationml/2006/main">
   <p:cSld>
     <p:spTree>
@@ -7443,7 +7719,7 @@
 </p:sld>
 </file>
 
-<file path=ppt/slides/slide17.xml><?xml version="1.0" encoding="utf-8"?>
+<file path=ppt/slides/slide18.xml><?xml version="1.0" encoding="utf-8"?>
 <p:sld xmlns:a="http://schemas.openxmlformats.org/drawingml/2006/main" xmlns:r="http://schemas.openxmlformats.org/officeDocument/2006/relationships" xmlns:p="http://schemas.openxmlformats.org/presentationml/2006/main">
   <p:cSld>
     <p:spTree>
@@ -7713,7 +7989,7 @@
 </p:sld>
 </file>
 
-<file path=ppt/slides/slide18.xml><?xml version="1.0" encoding="utf-8"?>
+<file path=ppt/slides/slide19.xml><?xml version="1.0" encoding="utf-8"?>
 <p:sld xmlns:a="http://schemas.openxmlformats.org/drawingml/2006/main" xmlns:r="http://schemas.openxmlformats.org/officeDocument/2006/relationships" xmlns:p="http://schemas.openxmlformats.org/presentationml/2006/main">
   <p:cSld>
     <p:spTree>
@@ -7857,7 +8133,484 @@
 </p:sld>
 </file>
 
-<file path=ppt/slides/slide19.xml><?xml version="1.0" encoding="utf-8"?>
+<file path=ppt/slides/slide2.xml><?xml version="1.0" encoding="utf-8"?>
+<p:sld xmlns:a="http://schemas.openxmlformats.org/drawingml/2006/main" xmlns:r="http://schemas.openxmlformats.org/officeDocument/2006/relationships" xmlns:p="http://schemas.openxmlformats.org/presentationml/2006/main">
+  <p:cSld>
+    <p:spTree>
+      <p:nvGrpSpPr>
+        <p:cNvPr id="1" name=""/>
+        <p:cNvGrpSpPr/>
+        <p:nvPr/>
+      </p:nvGrpSpPr>
+      <p:grpSpPr>
+        <a:xfrm>
+          <a:off x="0" y="0"/>
+          <a:ext cx="0" cy="0"/>
+          <a:chOff x="0" y="0"/>
+          <a:chExt cx="0" cy="0"/>
+        </a:xfrm>
+      </p:grpSpPr>
+      <p:sp>
+        <p:nvSpPr>
+          <p:cNvPr id="2" name="Title 1">
+            <a:extLst>
+              <a:ext uri="{FF2B5EF4-FFF2-40B4-BE49-F238E27FC236}">
+                <a16:creationId xmlns:a16="http://schemas.microsoft.com/office/drawing/2014/main" id="{377C9523-097C-4E43-AC8E-8C68B3057BB1}"/>
+              </a:ext>
+            </a:extLst>
+          </p:cNvPr>
+          <p:cNvSpPr>
+            <a:spLocks noGrp="1"/>
+          </p:cNvSpPr>
+          <p:nvPr>
+            <p:ph type="title"/>
+          </p:nvPr>
+        </p:nvSpPr>
+        <p:spPr/>
+        <p:txBody>
+          <a:bodyPr/>
+          <a:lstStyle/>
+          <a:p>
+            <a:r>
+              <a:rPr lang="en-US" dirty="0"/>
+              <a:t>Project 1 Technical Requirement</a:t>
+            </a:r>
+          </a:p>
+        </p:txBody>
+      </p:sp>
+      <p:sp>
+        <p:nvSpPr>
+          <p:cNvPr id="3" name="Content Placeholder 2">
+            <a:extLst>
+              <a:ext uri="{FF2B5EF4-FFF2-40B4-BE49-F238E27FC236}">
+                <a16:creationId xmlns:a16="http://schemas.microsoft.com/office/drawing/2014/main" id="{42C92943-A346-4DB7-A073-7ED62D2A2B66}"/>
+              </a:ext>
+            </a:extLst>
+          </p:cNvPr>
+          <p:cNvSpPr>
+            <a:spLocks noGrp="1"/>
+          </p:cNvSpPr>
+          <p:nvPr>
+            <p:ph idx="1"/>
+          </p:nvPr>
+        </p:nvSpPr>
+        <p:spPr>
+          <a:xfrm>
+            <a:off x="1295401" y="2435469"/>
+            <a:ext cx="9601196" cy="3789485"/>
+          </a:xfrm>
+        </p:spPr>
+        <p:txBody>
+          <a:bodyPr>
+            <a:noAutofit/>
+          </a:bodyPr>
+          <a:lstStyle/>
+          <a:p>
+            <a:r>
+              <a:rPr lang="en-US" sz="1400" dirty="0"/>
+              <a:t># Technical Requirements</a:t>
+            </a:r>
+          </a:p>
+          <a:p>
+            <a:r>
+              <a:rPr lang="en-US" sz="1400" dirty="0"/>
+              <a:t>The technical requirements for Project 1 are as follows.</a:t>
+            </a:r>
+          </a:p>
+          <a:p>
+            <a:r>
+              <a:rPr lang="en-US" sz="1400" dirty="0"/>
+              <a:t>* [ ] Use Pandas to clean and format your data set(s)</a:t>
+            </a:r>
+          </a:p>
+          <a:p>
+            <a:r>
+              <a:rPr lang="en-US" sz="1400" dirty="0"/>
+              <a:t>* [ ] Create a </a:t>
+            </a:r>
+            <a:r>
+              <a:rPr lang="en-US" sz="1400" dirty="0" err="1"/>
+              <a:t>Jupyter</a:t>
+            </a:r>
+            <a:r>
+              <a:rPr lang="en-US" sz="1400" dirty="0"/>
+              <a:t> Notebook describing the **data exploration and cleanup** process</a:t>
+            </a:r>
+          </a:p>
+          <a:p>
+            <a:r>
+              <a:rPr lang="en-US" sz="1400" dirty="0"/>
+              <a:t>* [ ] Create a </a:t>
+            </a:r>
+            <a:r>
+              <a:rPr lang="en-US" sz="1400" dirty="0" err="1"/>
+              <a:t>Jupyter</a:t>
+            </a:r>
+            <a:r>
+              <a:rPr lang="en-US" sz="1400" dirty="0"/>
+              <a:t> Notebook illustrating the **final data analysis*** [ ] Use Matplotlib to create a total of 6-8 visualizations of your data (ideally, at least 2 per "question" you ask of your data)</a:t>
+            </a:r>
+          </a:p>
+          <a:p>
+            <a:r>
+              <a:rPr lang="en-US" sz="1400" dirty="0"/>
+              <a:t>* [ ] Save PNG images of your visualizations to distribute to the class and instructional team, and for inclusion in your presentation</a:t>
+            </a:r>
+          </a:p>
+          <a:p>
+            <a:r>
+              <a:rPr lang="en-US" sz="1400" dirty="0"/>
+              <a:t>* [ ] Optionally, use at least one API, if you can find an API with data pertinent to your primary research questions</a:t>
+            </a:r>
+          </a:p>
+          <a:p>
+            <a:r>
+              <a:rPr lang="en-US" sz="1400" dirty="0"/>
+              <a:t>* [ ] Create a write-up summarizing your major findings. This should include a heading for each "question" you asked of your data, and under each heading, a short description of what you found and any relevant plots.</a:t>
+            </a:r>
+          </a:p>
+          <a:p>
+            <a:r>
+              <a:rPr lang="en-US" sz="1400" dirty="0"/>
+              <a:t>- - -### Copyright</a:t>
+            </a:r>
+          </a:p>
+          <a:p>
+            <a:r>
+              <a:rPr lang="en-US" sz="1400" dirty="0"/>
+              <a:t>Coding Boot Camp © 2017. All Rights Reserved.</a:t>
+            </a:r>
+          </a:p>
+        </p:txBody>
+      </p:sp>
+    </p:spTree>
+    <p:extLst>
+      <p:ext uri="{BB962C8B-B14F-4D97-AF65-F5344CB8AC3E}">
+        <p14:creationId xmlns:p14="http://schemas.microsoft.com/office/powerpoint/2010/main" val="3211359946"/>
+      </p:ext>
+    </p:extLst>
+  </p:cSld>
+  <p:clrMapOvr>
+    <a:masterClrMapping/>
+  </p:clrMapOvr>
+</p:sld>
+</file>
+
+<file path=ppt/slides/slide20.xml><?xml version="1.0" encoding="utf-8"?>
+<p:sld xmlns:a="http://schemas.openxmlformats.org/drawingml/2006/main" xmlns:r="http://schemas.openxmlformats.org/officeDocument/2006/relationships" xmlns:p="http://schemas.openxmlformats.org/presentationml/2006/main">
+  <p:cSld>
+    <p:spTree>
+      <p:nvGrpSpPr>
+        <p:cNvPr id="1" name=""/>
+        <p:cNvGrpSpPr/>
+        <p:nvPr/>
+      </p:nvGrpSpPr>
+      <p:grpSpPr>
+        <a:xfrm>
+          <a:off x="0" y="0"/>
+          <a:ext cx="0" cy="0"/>
+          <a:chOff x="0" y="0"/>
+          <a:chExt cx="0" cy="0"/>
+        </a:xfrm>
+      </p:grpSpPr>
+      <p:sp>
+        <p:nvSpPr>
+          <p:cNvPr id="2" name="Title 1">
+            <a:extLst>
+              <a:ext uri="{FF2B5EF4-FFF2-40B4-BE49-F238E27FC236}">
+                <a16:creationId xmlns:a16="http://schemas.microsoft.com/office/drawing/2014/main" id="{1917A588-6B43-4326-8CEE-B31FA8CC4FDB}"/>
+              </a:ext>
+            </a:extLst>
+          </p:cNvPr>
+          <p:cNvSpPr>
+            <a:spLocks noGrp="1"/>
+          </p:cNvSpPr>
+          <p:nvPr>
+            <p:ph type="title"/>
+          </p:nvPr>
+        </p:nvSpPr>
+        <p:spPr>
+          <a:xfrm>
+            <a:off x="5524485" y="474788"/>
+            <a:ext cx="1550389" cy="545122"/>
+          </a:xfrm>
+        </p:spPr>
+        <p:txBody>
+          <a:bodyPr>
+            <a:normAutofit fontScale="90000"/>
+          </a:bodyPr>
+          <a:lstStyle/>
+          <a:p>
+            <a:r>
+              <a:rPr lang="en-US" b="1" u="sng" dirty="0"/>
+              <a:t>Conclusion</a:t>
+            </a:r>
+          </a:p>
+        </p:txBody>
+      </p:sp>
+      <p:sp>
+        <p:nvSpPr>
+          <p:cNvPr id="7" name="Text Placeholder 6">
+            <a:extLst>
+              <a:ext uri="{FF2B5EF4-FFF2-40B4-BE49-F238E27FC236}">
+                <a16:creationId xmlns:a16="http://schemas.microsoft.com/office/drawing/2014/main" id="{6FCA3E8F-EF5D-4E5F-853E-322A6508B210}"/>
+              </a:ext>
+            </a:extLst>
+          </p:cNvPr>
+          <p:cNvSpPr>
+            <a:spLocks noGrp="1"/>
+          </p:cNvSpPr>
+          <p:nvPr>
+            <p:ph type="body" sz="half" idx="2"/>
+          </p:nvPr>
+        </p:nvSpPr>
+        <p:spPr>
+          <a:xfrm>
+            <a:off x="747674" y="2976196"/>
+            <a:ext cx="1441611" cy="3099287"/>
+          </a:xfrm>
+        </p:spPr>
+        <p:txBody>
+          <a:bodyPr>
+            <a:normAutofit/>
+          </a:bodyPr>
+          <a:lstStyle/>
+          <a:p>
+            <a:pPr marL="285750" indent="-285750">
+              <a:buFontTx/>
+              <a:buChar char="-"/>
+            </a:pPr>
+            <a:r>
+              <a:rPr lang="en-US" dirty="0"/>
+              <a:t>Based on the criteria below, </a:t>
+            </a:r>
+          </a:p>
+          <a:p>
+            <a:pPr marL="285750" indent="-285750">
+              <a:buFontTx/>
+              <a:buChar char="-"/>
+            </a:pPr>
+            <a:r>
+              <a:rPr lang="en-US" dirty="0"/>
+              <a:t>We choose “State” to be the best one to live and work in</a:t>
+            </a:r>
+          </a:p>
+        </p:txBody>
+      </p:sp>
+      <p:pic>
+        <p:nvPicPr>
+          <p:cNvPr id="4" name="Picture 3">
+            <a:extLst>
+              <a:ext uri="{FF2B5EF4-FFF2-40B4-BE49-F238E27FC236}">
+                <a16:creationId xmlns:a16="http://schemas.microsoft.com/office/drawing/2014/main" id="{28F8F393-42DF-42C3-AE6E-EA1D63637C3B}"/>
+              </a:ext>
+            </a:extLst>
+          </p:cNvPr>
+          <p:cNvPicPr>
+            <a:picLocks noChangeAspect="1"/>
+          </p:cNvPicPr>
+          <p:nvPr/>
+        </p:nvPicPr>
+        <p:blipFill>
+          <a:blip r:embed="rId2"/>
+          <a:stretch>
+            <a:fillRect/>
+          </a:stretch>
+        </p:blipFill>
+        <p:spPr>
+          <a:xfrm>
+            <a:off x="2298064" y="955395"/>
+            <a:ext cx="9146261" cy="4891489"/>
+          </a:xfrm>
+          <a:prstGeom prst="rect">
+            <a:avLst/>
+          </a:prstGeom>
+        </p:spPr>
+      </p:pic>
+      <p:sp>
+        <p:nvSpPr>
+          <p:cNvPr id="3" name="Arrow: Right 2">
+            <a:extLst>
+              <a:ext uri="{FF2B5EF4-FFF2-40B4-BE49-F238E27FC236}">
+                <a16:creationId xmlns:a16="http://schemas.microsoft.com/office/drawing/2014/main" id="{464D1E1A-DADD-4FED-9EB5-A4DCB309C945}"/>
+              </a:ext>
+            </a:extLst>
+          </p:cNvPr>
+          <p:cNvSpPr/>
+          <p:nvPr/>
+        </p:nvSpPr>
+        <p:spPr>
+          <a:xfrm>
+            <a:off x="8781672" y="5934806"/>
+            <a:ext cx="677008" cy="228600"/>
+          </a:xfrm>
+          <a:prstGeom prst="rightArrow">
+            <a:avLst/>
+          </a:prstGeom>
+        </p:spPr>
+        <p:style>
+          <a:lnRef idx="2">
+            <a:schemeClr val="accent1">
+              <a:shade val="50000"/>
+            </a:schemeClr>
+          </a:lnRef>
+          <a:fillRef idx="1">
+            <a:schemeClr val="accent1"/>
+          </a:fillRef>
+          <a:effectRef idx="0">
+            <a:schemeClr val="accent1"/>
+          </a:effectRef>
+          <a:fontRef idx="minor">
+            <a:schemeClr val="lt1"/>
+          </a:fontRef>
+        </p:style>
+        <p:txBody>
+          <a:bodyPr rtlCol="0" anchor="ctr"/>
+          <a:lstStyle/>
+          <a:p>
+            <a:pPr algn="ctr"/>
+            <a:endParaRPr lang="en-US"/>
+          </a:p>
+        </p:txBody>
+      </p:sp>
+      <p:sp>
+        <p:nvSpPr>
+          <p:cNvPr id="6" name="Arrow: Right 5">
+            <a:extLst>
+              <a:ext uri="{FF2B5EF4-FFF2-40B4-BE49-F238E27FC236}">
+                <a16:creationId xmlns:a16="http://schemas.microsoft.com/office/drawing/2014/main" id="{B95E2B72-3275-4D11-8130-6B4006CA15DD}"/>
+              </a:ext>
+            </a:extLst>
+          </p:cNvPr>
+          <p:cNvSpPr/>
+          <p:nvPr/>
+        </p:nvSpPr>
+        <p:spPr>
+          <a:xfrm rot="10800000">
+            <a:off x="4293576" y="5934806"/>
+            <a:ext cx="677008" cy="228600"/>
+          </a:xfrm>
+          <a:prstGeom prst="rightArrow">
+            <a:avLst/>
+          </a:prstGeom>
+        </p:spPr>
+        <p:style>
+          <a:lnRef idx="2">
+            <a:schemeClr val="accent1">
+              <a:shade val="50000"/>
+            </a:schemeClr>
+          </a:lnRef>
+          <a:fillRef idx="1">
+            <a:schemeClr val="accent1"/>
+          </a:fillRef>
+          <a:effectRef idx="0">
+            <a:schemeClr val="accent1"/>
+          </a:effectRef>
+          <a:fontRef idx="minor">
+            <a:schemeClr val="lt1"/>
+          </a:fontRef>
+        </p:style>
+        <p:txBody>
+          <a:bodyPr rtlCol="0" anchor="ctr"/>
+          <a:lstStyle/>
+          <a:p>
+            <a:pPr algn="ctr"/>
+            <a:endParaRPr lang="en-US"/>
+          </a:p>
+        </p:txBody>
+      </p:sp>
+      <p:sp>
+        <p:nvSpPr>
+          <p:cNvPr id="5" name="TextBox 4">
+            <a:extLst>
+              <a:ext uri="{FF2B5EF4-FFF2-40B4-BE49-F238E27FC236}">
+                <a16:creationId xmlns:a16="http://schemas.microsoft.com/office/drawing/2014/main" id="{DC9C6013-054B-4F5D-B8FA-C37B3378A971}"/>
+              </a:ext>
+            </a:extLst>
+          </p:cNvPr>
+          <p:cNvSpPr txBox="1"/>
+          <p:nvPr/>
+        </p:nvSpPr>
+        <p:spPr>
+          <a:xfrm>
+            <a:off x="4970584" y="5864440"/>
+            <a:ext cx="715581" cy="369332"/>
+          </a:xfrm>
+          <a:prstGeom prst="rect">
+            <a:avLst/>
+          </a:prstGeom>
+          <a:noFill/>
+        </p:spPr>
+        <p:txBody>
+          <a:bodyPr wrap="none" rtlCol="0">
+            <a:spAutoFit/>
+          </a:bodyPr>
+          <a:lstStyle/>
+          <a:p>
+            <a:r>
+              <a:rPr lang="en-US" dirty="0">
+                <a:solidFill>
+                  <a:srgbClr val="FF0000"/>
+                </a:solidFill>
+              </a:rPr>
+              <a:t>Worst</a:t>
+            </a:r>
+          </a:p>
+        </p:txBody>
+      </p:sp>
+      <p:sp>
+        <p:nvSpPr>
+          <p:cNvPr id="8" name="TextBox 7">
+            <a:extLst>
+              <a:ext uri="{FF2B5EF4-FFF2-40B4-BE49-F238E27FC236}">
+                <a16:creationId xmlns:a16="http://schemas.microsoft.com/office/drawing/2014/main" id="{8EABDB9D-24CC-4F8A-A1AF-5AC5B92368B9}"/>
+              </a:ext>
+            </a:extLst>
+          </p:cNvPr>
+          <p:cNvSpPr txBox="1"/>
+          <p:nvPr/>
+        </p:nvSpPr>
+        <p:spPr>
+          <a:xfrm>
+            <a:off x="8205873" y="5846883"/>
+            <a:ext cx="575799" cy="369332"/>
+          </a:xfrm>
+          <a:prstGeom prst="rect">
+            <a:avLst/>
+          </a:prstGeom>
+          <a:noFill/>
+        </p:spPr>
+        <p:txBody>
+          <a:bodyPr wrap="none" rtlCol="0">
+            <a:spAutoFit/>
+          </a:bodyPr>
+          <a:lstStyle/>
+          <a:p>
+            <a:r>
+              <a:rPr lang="en-US" dirty="0">
+                <a:solidFill>
+                  <a:srgbClr val="002060"/>
+                </a:solidFill>
+              </a:rPr>
+              <a:t>Best</a:t>
+            </a:r>
+          </a:p>
+        </p:txBody>
+      </p:sp>
+    </p:spTree>
+    <p:extLst>
+      <p:ext uri="{BB962C8B-B14F-4D97-AF65-F5344CB8AC3E}">
+        <p14:creationId xmlns:p14="http://schemas.microsoft.com/office/powerpoint/2010/main" val="1418736448"/>
+      </p:ext>
+    </p:extLst>
+  </p:cSld>
+  <p:clrMapOvr>
+    <a:masterClrMapping/>
+  </p:clrMapOvr>
+</p:sld>
+</file>
+
+<file path=ppt/slides/slide21.xml><?xml version="1.0" encoding="utf-8"?>
 <p:sld xmlns:a="http://schemas.openxmlformats.org/drawingml/2006/main" xmlns:r="http://schemas.openxmlformats.org/officeDocument/2006/relationships" xmlns:p="http://schemas.openxmlformats.org/presentationml/2006/main">
   <p:cSld>
     <p:bg>
@@ -7930,170 +8683,7 @@
 </p:sld>
 </file>
 
-<file path=ppt/slides/slide2.xml><?xml version="1.0" encoding="utf-8"?>
-<p:sld xmlns:a="http://schemas.openxmlformats.org/drawingml/2006/main" xmlns:r="http://schemas.openxmlformats.org/officeDocument/2006/relationships" xmlns:p="http://schemas.openxmlformats.org/presentationml/2006/main">
-  <p:cSld>
-    <p:spTree>
-      <p:nvGrpSpPr>
-        <p:cNvPr id="1" name=""/>
-        <p:cNvGrpSpPr/>
-        <p:nvPr/>
-      </p:nvGrpSpPr>
-      <p:grpSpPr>
-        <a:xfrm>
-          <a:off x="0" y="0"/>
-          <a:ext cx="0" cy="0"/>
-          <a:chOff x="0" y="0"/>
-          <a:chExt cx="0" cy="0"/>
-        </a:xfrm>
-      </p:grpSpPr>
-      <p:sp>
-        <p:nvSpPr>
-          <p:cNvPr id="2" name="Title 1">
-            <a:extLst>
-              <a:ext uri="{FF2B5EF4-FFF2-40B4-BE49-F238E27FC236}">
-                <a16:creationId xmlns:a16="http://schemas.microsoft.com/office/drawing/2014/main" id="{377C9523-097C-4E43-AC8E-8C68B3057BB1}"/>
-              </a:ext>
-            </a:extLst>
-          </p:cNvPr>
-          <p:cNvSpPr>
-            <a:spLocks noGrp="1"/>
-          </p:cNvSpPr>
-          <p:nvPr>
-            <p:ph type="title"/>
-          </p:nvPr>
-        </p:nvSpPr>
-        <p:spPr/>
-        <p:txBody>
-          <a:bodyPr/>
-          <a:lstStyle/>
-          <a:p>
-            <a:r>
-              <a:rPr lang="en-US" dirty="0"/>
-              <a:t>Project 1 Technical Requirement</a:t>
-            </a:r>
-          </a:p>
-        </p:txBody>
-      </p:sp>
-      <p:sp>
-        <p:nvSpPr>
-          <p:cNvPr id="3" name="Content Placeholder 2">
-            <a:extLst>
-              <a:ext uri="{FF2B5EF4-FFF2-40B4-BE49-F238E27FC236}">
-                <a16:creationId xmlns:a16="http://schemas.microsoft.com/office/drawing/2014/main" id="{42C92943-A346-4DB7-A073-7ED62D2A2B66}"/>
-              </a:ext>
-            </a:extLst>
-          </p:cNvPr>
-          <p:cNvSpPr>
-            <a:spLocks noGrp="1"/>
-          </p:cNvSpPr>
-          <p:nvPr>
-            <p:ph idx="1"/>
-          </p:nvPr>
-        </p:nvSpPr>
-        <p:spPr>
-          <a:xfrm>
-            <a:off x="1295401" y="2435469"/>
-            <a:ext cx="9601196" cy="3789485"/>
-          </a:xfrm>
-        </p:spPr>
-        <p:txBody>
-          <a:bodyPr>
-            <a:noAutofit/>
-          </a:bodyPr>
-          <a:lstStyle/>
-          <a:p>
-            <a:r>
-              <a:rPr lang="en-US" sz="1400" dirty="0"/>
-              <a:t># Technical Requirements</a:t>
-            </a:r>
-          </a:p>
-          <a:p>
-            <a:r>
-              <a:rPr lang="en-US" sz="1400" dirty="0"/>
-              <a:t>The technical requirements for Project 1 are as follows.</a:t>
-            </a:r>
-          </a:p>
-          <a:p>
-            <a:r>
-              <a:rPr lang="en-US" sz="1400" dirty="0"/>
-              <a:t>* [ ] Use Pandas to clean and format your data set(s)</a:t>
-            </a:r>
-          </a:p>
-          <a:p>
-            <a:r>
-              <a:rPr lang="en-US" sz="1400" dirty="0"/>
-              <a:t>* [ ] Create a </a:t>
-            </a:r>
-            <a:r>
-              <a:rPr lang="en-US" sz="1400" dirty="0" err="1"/>
-              <a:t>Jupyter</a:t>
-            </a:r>
-            <a:r>
-              <a:rPr lang="en-US" sz="1400" dirty="0"/>
-              <a:t> Notebook describing the **data exploration and cleanup** process</a:t>
-            </a:r>
-          </a:p>
-          <a:p>
-            <a:r>
-              <a:rPr lang="en-US" sz="1400" dirty="0"/>
-              <a:t>* [ ] Create a </a:t>
-            </a:r>
-            <a:r>
-              <a:rPr lang="en-US" sz="1400" dirty="0" err="1"/>
-              <a:t>Jupyter</a:t>
-            </a:r>
-            <a:r>
-              <a:rPr lang="en-US" sz="1400" dirty="0"/>
-              <a:t> Notebook illustrating the **final data analysis*** [ ] Use Matplotlib to create a total of 6-8 visualizations of your data (ideally, at least 2 per "question" you ask of your data)</a:t>
-            </a:r>
-          </a:p>
-          <a:p>
-            <a:r>
-              <a:rPr lang="en-US" sz="1400" dirty="0"/>
-              <a:t>* [ ] Save PNG images of your visualizations to distribute to the class and instructional team, and for inclusion in your presentation</a:t>
-            </a:r>
-          </a:p>
-          <a:p>
-            <a:r>
-              <a:rPr lang="en-US" sz="1400" dirty="0"/>
-              <a:t>* [ ] Optionally, use at least one API, if you can find an API with data pertinent to your primary research questions</a:t>
-            </a:r>
-          </a:p>
-          <a:p>
-            <a:r>
-              <a:rPr lang="en-US" sz="1400" dirty="0"/>
-              <a:t>* [ ] Create a write-up summarizing your major findings. This should include a heading for each "question" you asked of your data, and under each heading, a short description of what you found and any relevant plots.</a:t>
-            </a:r>
-          </a:p>
-          <a:p>
-            <a:r>
-              <a:rPr lang="en-US" sz="1400" dirty="0"/>
-              <a:t>- - -### Copyright</a:t>
-            </a:r>
-          </a:p>
-          <a:p>
-            <a:r>
-              <a:rPr lang="en-US" sz="1400" dirty="0"/>
-              <a:t>Coding Boot Camp © 2017. All Rights Reserved.</a:t>
-            </a:r>
-          </a:p>
-        </p:txBody>
-      </p:sp>
-    </p:spTree>
-    <p:extLst>
-      <p:ext uri="{BB962C8B-B14F-4D97-AF65-F5344CB8AC3E}">
-        <p14:creationId xmlns:p14="http://schemas.microsoft.com/office/powerpoint/2010/main" val="3211359946"/>
-      </p:ext>
-    </p:extLst>
-  </p:cSld>
-  <p:clrMapOvr>
-    <a:masterClrMapping/>
-  </p:clrMapOvr>
-</p:sld>
-</file>
-
-<file path=ppt/slides/slide20.xml><?xml version="1.0" encoding="utf-8"?>
+<file path=ppt/slides/slide22.xml><?xml version="1.0" encoding="utf-8"?>
 <p:sld xmlns:a="http://schemas.openxmlformats.org/drawingml/2006/main" xmlns:r="http://schemas.openxmlformats.org/officeDocument/2006/relationships" xmlns:p="http://schemas.openxmlformats.org/presentationml/2006/main">
   <p:cSld>
     <p:spTree>
@@ -8251,7 +8841,7 @@
 </p:sld>
 </file>
 
-<file path=ppt/slides/slide21.xml><?xml version="1.0" encoding="utf-8"?>
+<file path=ppt/slides/slide23.xml><?xml version="1.0" encoding="utf-8"?>
 <p:sld xmlns:a="http://schemas.openxmlformats.org/drawingml/2006/main" xmlns:r="http://schemas.openxmlformats.org/officeDocument/2006/relationships" xmlns:p="http://schemas.openxmlformats.org/presentationml/2006/main">
   <p:cSld>
     <p:spTree>
@@ -8443,7 +9033,7 @@
 </p:sld>
 </file>
 
-<file path=ppt/slides/slide22.xml><?xml version="1.0" encoding="utf-8"?>
+<file path=ppt/slides/slide24.xml><?xml version="1.0" encoding="utf-8"?>
 <p:sld xmlns:a="http://schemas.openxmlformats.org/drawingml/2006/main" xmlns:r="http://schemas.openxmlformats.org/officeDocument/2006/relationships" xmlns:p="http://schemas.openxmlformats.org/presentationml/2006/main">
   <p:cSld>
     <p:spTree>
@@ -8535,7 +9125,7 @@
 </p:sld>
 </file>
 
-<file path=ppt/slides/slide23.xml><?xml version="1.0" encoding="utf-8"?>
+<file path=ppt/slides/slide25.xml><?xml version="1.0" encoding="utf-8"?>
 <p:sld xmlns:a="http://schemas.openxmlformats.org/drawingml/2006/main" xmlns:r="http://schemas.openxmlformats.org/officeDocument/2006/relationships" xmlns:p="http://schemas.openxmlformats.org/presentationml/2006/main">
   <p:cSld>
     <p:spTree>
@@ -8690,7 +9280,7 @@
 </p:sld>
 </file>
 
-<file path=ppt/slides/slide24.xml><?xml version="1.0" encoding="utf-8"?>
+<file path=ppt/slides/slide26.xml><?xml version="1.0" encoding="utf-8"?>
 <p:sld xmlns:a="http://schemas.openxmlformats.org/drawingml/2006/main" xmlns:r="http://schemas.openxmlformats.org/officeDocument/2006/relationships" xmlns:p="http://schemas.openxmlformats.org/presentationml/2006/main">
   <p:cSld>
     <p:spTree>
@@ -9301,7 +9891,7 @@
 </p:sld>
 </file>
 
-<file path=ppt/slides/slide25.xml><?xml version="1.0" encoding="utf-8"?>
+<file path=ppt/slides/slide27.xml><?xml version="1.0" encoding="utf-8"?>
 <p:sld xmlns:a="http://schemas.openxmlformats.org/drawingml/2006/main" xmlns:r="http://schemas.openxmlformats.org/officeDocument/2006/relationships" xmlns:p="http://schemas.openxmlformats.org/presentationml/2006/main">
   <p:cSld>
     <p:bg>
@@ -9365,306 +9955,6 @@
     <p:extLst>
       <p:ext uri="{BB962C8B-B14F-4D97-AF65-F5344CB8AC3E}">
         <p14:creationId xmlns:p14="http://schemas.microsoft.com/office/powerpoint/2010/main" val="2637397907"/>
-      </p:ext>
-    </p:extLst>
-  </p:cSld>
-  <p:clrMapOvr>
-    <a:masterClrMapping/>
-  </p:clrMapOvr>
-</p:sld>
-</file>
-
-<file path=ppt/slides/slide26.xml><?xml version="1.0" encoding="utf-8"?>
-<p:sld xmlns:a="http://schemas.openxmlformats.org/drawingml/2006/main" xmlns:r="http://schemas.openxmlformats.org/officeDocument/2006/relationships" xmlns:p="http://schemas.openxmlformats.org/presentationml/2006/main">
-  <p:cSld>
-    <p:spTree>
-      <p:nvGrpSpPr>
-        <p:cNvPr id="1" name=""/>
-        <p:cNvGrpSpPr/>
-        <p:nvPr/>
-      </p:nvGrpSpPr>
-      <p:grpSpPr>
-        <a:xfrm>
-          <a:off x="0" y="0"/>
-          <a:ext cx="0" cy="0"/>
-          <a:chOff x="0" y="0"/>
-          <a:chExt cx="0" cy="0"/>
-        </a:xfrm>
-      </p:grpSpPr>
-      <p:sp>
-        <p:nvSpPr>
-          <p:cNvPr id="2" name="Title 1">
-            <a:extLst>
-              <a:ext uri="{FF2B5EF4-FFF2-40B4-BE49-F238E27FC236}">
-                <a16:creationId xmlns:a16="http://schemas.microsoft.com/office/drawing/2014/main" id="{1917A588-6B43-4326-8CEE-B31FA8CC4FDB}"/>
-              </a:ext>
-            </a:extLst>
-          </p:cNvPr>
-          <p:cNvSpPr>
-            <a:spLocks noGrp="1"/>
-          </p:cNvSpPr>
-          <p:nvPr>
-            <p:ph type="title"/>
-          </p:nvPr>
-        </p:nvSpPr>
-        <p:spPr/>
-        <p:txBody>
-          <a:bodyPr>
-            <a:normAutofit fontScale="90000"/>
-          </a:bodyPr>
-          <a:lstStyle/>
-          <a:p>
-            <a:r>
-              <a:rPr lang="en-US" dirty="0"/>
-              <a:t>State Tax &amp; Living Cost Analysis Files (</a:t>
-            </a:r>
-            <a:r>
-              <a:rPr lang="en-US" dirty="0" err="1"/>
-              <a:t>Bahar</a:t>
-            </a:r>
-            <a:r>
-              <a:rPr lang="en-US" dirty="0"/>
-              <a:t>)</a:t>
-            </a:r>
-          </a:p>
-        </p:txBody>
-      </p:sp>
-      <p:sp>
-        <p:nvSpPr>
-          <p:cNvPr id="3" name="Content Placeholder 2">
-            <a:extLst>
-              <a:ext uri="{FF2B5EF4-FFF2-40B4-BE49-F238E27FC236}">
-                <a16:creationId xmlns:a16="http://schemas.microsoft.com/office/drawing/2014/main" id="{F5BE9D4D-949C-4037-9F87-16CDE0EE0466}"/>
-              </a:ext>
-            </a:extLst>
-          </p:cNvPr>
-          <p:cNvSpPr>
-            <a:spLocks noGrp="1"/>
-          </p:cNvSpPr>
-          <p:nvPr>
-            <p:ph idx="1"/>
-          </p:nvPr>
-        </p:nvSpPr>
-        <p:spPr/>
-        <p:txBody>
-          <a:bodyPr>
-            <a:normAutofit/>
-          </a:bodyPr>
-          <a:lstStyle/>
-          <a:p>
-            <a:r>
-              <a:rPr lang="en-US" dirty="0"/>
-              <a:t>Files are in folder = \</a:t>
-            </a:r>
-            <a:r>
-              <a:rPr lang="en-US" dirty="0" err="1"/>
-              <a:t>The_Incredible_Quad</a:t>
-            </a:r>
-            <a:r>
-              <a:rPr lang="en-US" dirty="0"/>
-              <a:t>\</a:t>
-            </a:r>
-          </a:p>
-          <a:p>
-            <a:r>
-              <a:rPr lang="en-US" dirty="0" err="1"/>
-              <a:t>Jupyter</a:t>
-            </a:r>
-            <a:r>
-              <a:rPr lang="en-US" dirty="0"/>
-              <a:t> NB filename = .</a:t>
-            </a:r>
-            <a:r>
-              <a:rPr lang="en-US" dirty="0" err="1"/>
-              <a:t>ipynb</a:t>
-            </a:r>
-            <a:endParaRPr lang="en-US" dirty="0"/>
-          </a:p>
-          <a:p>
-            <a:r>
-              <a:rPr lang="en-US" dirty="0"/>
-              <a:t>Google API key file = </a:t>
-            </a:r>
-          </a:p>
-          <a:p>
-            <a:r>
-              <a:rPr lang="en-US" dirty="0"/>
-              <a:t>Saved plots = \</a:t>
-            </a:r>
-            <a:r>
-              <a:rPr lang="en-US" dirty="0" err="1"/>
-              <a:t>The_Incredible_Quad</a:t>
-            </a:r>
-            <a:r>
-              <a:rPr lang="en-US" dirty="0"/>
-              <a:t>\</a:t>
-            </a:r>
-          </a:p>
-          <a:p>
-            <a:r>
-              <a:rPr lang="en-US" dirty="0"/>
-              <a:t>Dataset files = </a:t>
-            </a:r>
-          </a:p>
-          <a:p>
-            <a:pPr lvl="1"/>
-            <a:r>
-              <a:rPr lang="en-US" dirty="0"/>
-              <a:t>*.csv </a:t>
-            </a:r>
-          </a:p>
-        </p:txBody>
-      </p:sp>
-    </p:spTree>
-    <p:extLst>
-      <p:ext uri="{BB962C8B-B14F-4D97-AF65-F5344CB8AC3E}">
-        <p14:creationId xmlns:p14="http://schemas.microsoft.com/office/powerpoint/2010/main" val="634013030"/>
-      </p:ext>
-    </p:extLst>
-  </p:cSld>
-  <p:clrMapOvr>
-    <a:masterClrMapping/>
-  </p:clrMapOvr>
-</p:sld>
-</file>
-
-<file path=ppt/slides/slide27.xml><?xml version="1.0" encoding="utf-8"?>
-<p:sld xmlns:a="http://schemas.openxmlformats.org/drawingml/2006/main" xmlns:r="http://schemas.openxmlformats.org/officeDocument/2006/relationships" xmlns:p="http://schemas.openxmlformats.org/presentationml/2006/main">
-  <p:cSld>
-    <p:spTree>
-      <p:nvGrpSpPr>
-        <p:cNvPr id="1" name=""/>
-        <p:cNvGrpSpPr/>
-        <p:nvPr/>
-      </p:nvGrpSpPr>
-      <p:grpSpPr>
-        <a:xfrm>
-          <a:off x="0" y="0"/>
-          <a:ext cx="0" cy="0"/>
-          <a:chOff x="0" y="0"/>
-          <a:chExt cx="0" cy="0"/>
-        </a:xfrm>
-      </p:grpSpPr>
-      <p:sp>
-        <p:nvSpPr>
-          <p:cNvPr id="2" name="Title 1">
-            <a:extLst>
-              <a:ext uri="{FF2B5EF4-FFF2-40B4-BE49-F238E27FC236}">
-                <a16:creationId xmlns:a16="http://schemas.microsoft.com/office/drawing/2014/main" id="{1917A588-6B43-4326-8CEE-B31FA8CC4FDB}"/>
-              </a:ext>
-            </a:extLst>
-          </p:cNvPr>
-          <p:cNvSpPr>
-            <a:spLocks noGrp="1"/>
-          </p:cNvSpPr>
-          <p:nvPr>
-            <p:ph type="title"/>
-          </p:nvPr>
-        </p:nvSpPr>
-        <p:spPr/>
-        <p:txBody>
-          <a:bodyPr>
-            <a:normAutofit fontScale="90000"/>
-          </a:bodyPr>
-          <a:lstStyle/>
-          <a:p>
-            <a:r>
-              <a:rPr lang="en-US" dirty="0"/>
-              <a:t>Unemployment &amp; Crime Rate Analysis Files (Catherine)</a:t>
-            </a:r>
-          </a:p>
-        </p:txBody>
-      </p:sp>
-      <p:sp>
-        <p:nvSpPr>
-          <p:cNvPr id="3" name="Content Placeholder 2">
-            <a:extLst>
-              <a:ext uri="{FF2B5EF4-FFF2-40B4-BE49-F238E27FC236}">
-                <a16:creationId xmlns:a16="http://schemas.microsoft.com/office/drawing/2014/main" id="{F5BE9D4D-949C-4037-9F87-16CDE0EE0466}"/>
-              </a:ext>
-            </a:extLst>
-          </p:cNvPr>
-          <p:cNvSpPr>
-            <a:spLocks noGrp="1"/>
-          </p:cNvSpPr>
-          <p:nvPr>
-            <p:ph idx="1"/>
-          </p:nvPr>
-        </p:nvSpPr>
-        <p:spPr/>
-        <p:txBody>
-          <a:bodyPr>
-            <a:normAutofit/>
-          </a:bodyPr>
-          <a:lstStyle/>
-          <a:p>
-            <a:r>
-              <a:rPr lang="en-US" dirty="0"/>
-              <a:t>Files are in folder = \</a:t>
-            </a:r>
-            <a:r>
-              <a:rPr lang="en-US" dirty="0" err="1"/>
-              <a:t>The_Incredible_Quad</a:t>
-            </a:r>
-            <a:r>
-              <a:rPr lang="en-US" dirty="0"/>
-              <a:t>\</a:t>
-            </a:r>
-          </a:p>
-          <a:p>
-            <a:r>
-              <a:rPr lang="en-US" dirty="0" err="1"/>
-              <a:t>Jupyter</a:t>
-            </a:r>
-            <a:r>
-              <a:rPr lang="en-US" dirty="0"/>
-              <a:t> NB filename = .</a:t>
-            </a:r>
-            <a:r>
-              <a:rPr lang="en-US" dirty="0" err="1"/>
-              <a:t>ipynb</a:t>
-            </a:r>
-            <a:endParaRPr lang="en-US" dirty="0"/>
-          </a:p>
-          <a:p>
-            <a:r>
-              <a:rPr lang="en-US" dirty="0"/>
-              <a:t>Google API key file = </a:t>
-            </a:r>
-          </a:p>
-          <a:p>
-            <a:r>
-              <a:rPr lang="en-US" dirty="0"/>
-              <a:t>Saved plots = \</a:t>
-            </a:r>
-            <a:r>
-              <a:rPr lang="en-US" dirty="0" err="1"/>
-              <a:t>The_Incredible_Quad</a:t>
-            </a:r>
-            <a:r>
-              <a:rPr lang="en-US" dirty="0"/>
-              <a:t>\</a:t>
-            </a:r>
-          </a:p>
-          <a:p>
-            <a:r>
-              <a:rPr lang="en-US" dirty="0"/>
-              <a:t>Dataset files = </a:t>
-            </a:r>
-          </a:p>
-          <a:p>
-            <a:pPr lvl="1"/>
-            <a:r>
-              <a:rPr lang="en-US" dirty="0"/>
-              <a:t>*.csv </a:t>
-            </a:r>
-          </a:p>
-        </p:txBody>
-      </p:sp>
-    </p:spTree>
-    <p:extLst>
-      <p:ext uri="{BB962C8B-B14F-4D97-AF65-F5344CB8AC3E}">
-        <p14:creationId xmlns:p14="http://schemas.microsoft.com/office/powerpoint/2010/main" val="4102377004"/>
       </p:ext>
     </p:extLst>
   </p:cSld>
@@ -9710,13 +10000,21 @@
         <p:spPr/>
         <p:txBody>
           <a:bodyPr>
-            <a:normAutofit/>
+            <a:normAutofit fontScale="90000"/>
           </a:bodyPr>
           <a:lstStyle/>
           <a:p>
             <a:r>
               <a:rPr lang="en-US" dirty="0"/>
-              <a:t>Salary Analysis Files (Molly)</a:t>
+              <a:t>State Tax &amp; Living Cost Analysis Files (</a:t>
+            </a:r>
+            <a:r>
+              <a:rPr lang="en-US" dirty="0" err="1"/>
+              <a:t>Bahar</a:t>
+            </a:r>
+            <a:r>
+              <a:rPr lang="en-US" dirty="0"/>
+              <a:t>)</a:t>
             </a:r>
           </a:p>
         </p:txBody>
@@ -9810,7 +10108,7 @@
     </p:spTree>
     <p:extLst>
       <p:ext uri="{BB962C8B-B14F-4D97-AF65-F5344CB8AC3E}">
-        <p14:creationId xmlns:p14="http://schemas.microsoft.com/office/powerpoint/2010/main" val="821304537"/>
+        <p14:creationId xmlns:p14="http://schemas.microsoft.com/office/powerpoint/2010/main" val="634013030"/>
       </p:ext>
     </p:extLst>
   </p:cSld>
@@ -9855,12 +10153,14 @@
         </p:nvSpPr>
         <p:spPr/>
         <p:txBody>
-          <a:bodyPr/>
-          <a:lstStyle/>
-          <a:p>
-            <a:r>
-              <a:rPr lang="en-US" dirty="0"/>
-              <a:t>Climate Analysis Files (Prakash)</a:t>
+          <a:bodyPr>
+            <a:normAutofit fontScale="90000"/>
+          </a:bodyPr>
+          <a:lstStyle/>
+          <a:p>
+            <a:r>
+              <a:rPr lang="en-US" dirty="0"/>
+              <a:t>Unemployment &amp; Crime Rate Analysis Files (Catherine)</a:t>
             </a:r>
           </a:p>
         </p:txBody>
@@ -9884,17 +10184,17 @@
         <p:spPr/>
         <p:txBody>
           <a:bodyPr>
-            <a:normAutofit lnSpcReduction="10000"/>
+            <a:normAutofit/>
           </a:bodyPr>
           <a:lstStyle/>
           <a:p>
             <a:r>
               <a:rPr lang="en-US" dirty="0"/>
-              <a:t>Files are in folder – \The_Incredible_Quad\</a:t>
+              <a:t>Files are in folder = \</a:t>
             </a:r>
             <a:r>
               <a:rPr lang="en-US" dirty="0" err="1"/>
-              <a:t>Climate_analysis</a:t>
+              <a:t>The_Incredible_Quad</a:t>
             </a:r>
             <a:r>
               <a:rPr lang="en-US" dirty="0"/>
@@ -9908,28 +10208,28 @@
             </a:r>
             <a:r>
               <a:rPr lang="en-US" dirty="0"/>
-              <a:t> NB filename = </a:t>
+              <a:t> NB filename = .</a:t>
             </a:r>
             <a:r>
               <a:rPr lang="en-US" dirty="0" err="1"/>
-              <a:t>climate_main_analysis.ipynb</a:t>
+              <a:t>ipynb</a:t>
             </a:r>
             <a:endParaRPr lang="en-US" dirty="0"/>
           </a:p>
           <a:p>
             <a:r>
               <a:rPr lang="en-US" dirty="0"/>
-              <a:t>Google API key file = config.py</a:t>
-            </a:r>
-          </a:p>
-          <a:p>
-            <a:r>
-              <a:rPr lang="en-US" dirty="0"/>
-              <a:t>Saved plots = \The_Incredible_Quad\Climate_analysis\</a:t>
+              <a:t>Google API key file = </a:t>
+            </a:r>
+          </a:p>
+          <a:p>
+            <a:r>
+              <a:rPr lang="en-US" dirty="0"/>
+              <a:t>Saved plots = \</a:t>
             </a:r>
             <a:r>
               <a:rPr lang="en-US" dirty="0" err="1"/>
-              <a:t>Climate_images</a:t>
+              <a:t>The_Incredible_Quad</a:t>
             </a:r>
             <a:r>
               <a:rPr lang="en-US" dirty="0"/>
@@ -9946,14 +10246,7 @@
             <a:pPr lvl="1"/>
             <a:r>
               <a:rPr lang="en-US" dirty="0"/>
-              <a:t>Climate_dataset2010_2018.csv </a:t>
-            </a:r>
-          </a:p>
-          <a:p>
-            <a:pPr lvl="1"/>
-            <a:r>
-              <a:rPr lang="en-US" dirty="0"/>
-              <a:t>sfr_home_prices.csv</a:t>
+              <a:t>*.csv </a:t>
             </a:r>
           </a:p>
         </p:txBody>
@@ -9961,7 +10254,7 @@
     </p:spTree>
     <p:extLst>
       <p:ext uri="{BB962C8B-B14F-4D97-AF65-F5344CB8AC3E}">
-        <p14:creationId xmlns:p14="http://schemas.microsoft.com/office/powerpoint/2010/main" val="306411774"/>
+        <p14:creationId xmlns:p14="http://schemas.microsoft.com/office/powerpoint/2010/main" val="4102377004"/>
       </p:ext>
     </p:extLst>
   </p:cSld>
@@ -10011,7 +10304,7 @@
           <a:p>
             <a:r>
               <a:rPr lang="en-US" dirty="0"/>
-              <a:t>Project Description</a:t>
+              <a:t>Agenda</a:t>
             </a:r>
           </a:p>
         </p:txBody>
@@ -10032,96 +10325,388 @@
             <p:ph idx="1"/>
           </p:nvPr>
         </p:nvSpPr>
-        <p:spPr/>
+        <p:spPr>
+          <a:xfrm>
+            <a:off x="1295401" y="2556932"/>
+            <a:ext cx="9601196" cy="3624060"/>
+          </a:xfrm>
+        </p:spPr>
         <p:txBody>
           <a:bodyPr>
-            <a:normAutofit fontScale="92500" lnSpcReduction="20000"/>
+            <a:normAutofit fontScale="92500" lnSpcReduction="10000"/>
           </a:bodyPr>
           <a:lstStyle/>
           <a:p>
             <a:r>
               <a:rPr lang="en-US" dirty="0"/>
-              <a:t>Our opinion on Best State to live in 2018 for </a:t>
-            </a:r>
-            <a:r>
-              <a:rPr lang="en-US" i="1" dirty="0">
-                <a:solidFill>
-                  <a:srgbClr val="FF0000"/>
-                </a:solidFill>
-              </a:rPr>
-              <a:t>“employee”</a:t>
-            </a:r>
-            <a:r>
-              <a:rPr lang="en-US" dirty="0">
-                <a:solidFill>
-                  <a:srgbClr val="FF0000"/>
-                </a:solidFill>
-              </a:rPr>
-              <a:t> </a:t>
-            </a:r>
-            <a:r>
-              <a:rPr lang="en-US" dirty="0">
-                <a:solidFill>
-                  <a:schemeClr val="tx1"/>
-                </a:solidFill>
-              </a:rPr>
-              <a:t>from 6 criteria below, </a:t>
+              <a:t>About Project and Key Questions </a:t>
+            </a:r>
+          </a:p>
+          <a:p>
+            <a:r>
+              <a:rPr lang="en-US" dirty="0"/>
+              <a:t>Supporting Datasets, Work flow and </a:t>
+            </a:r>
+            <a:r>
+              <a:rPr lang="en-US" dirty="0" err="1"/>
+              <a:t>Jupyter</a:t>
+            </a:r>
+            <a:r>
+              <a:rPr lang="en-US" dirty="0"/>
+              <a:t> Notebook Scripting</a:t>
+            </a:r>
+          </a:p>
+          <a:p>
+            <a:r>
+              <a:rPr lang="en-US" dirty="0"/>
+              <a:t>Individual Analysis (State level)</a:t>
             </a:r>
           </a:p>
           <a:p>
             <a:pPr lvl="1"/>
             <a:r>
               <a:rPr lang="en-US" dirty="0"/>
-              <a:t>State Tax</a:t>
-            </a:r>
+              <a:t>Home Price &amp; Tax – </a:t>
+            </a:r>
+            <a:r>
+              <a:rPr lang="en-US" dirty="0" err="1"/>
+              <a:t>Bahar</a:t>
+            </a:r>
+            <a:endParaRPr lang="en-US" dirty="0"/>
           </a:p>
           <a:p>
             <a:pPr lvl="1"/>
             <a:r>
               <a:rPr lang="en-US" dirty="0"/>
-              <a:t>Climate</a:t>
+              <a:t>Unemployment and Crime Rate – Catherine</a:t>
             </a:r>
           </a:p>
           <a:p>
             <a:pPr lvl="1"/>
             <a:r>
               <a:rPr lang="en-US" dirty="0"/>
-              <a:t>Unemployment rate</a:t>
+              <a:t>Salary – Molly</a:t>
             </a:r>
           </a:p>
           <a:p>
             <a:pPr lvl="1"/>
             <a:r>
               <a:rPr lang="en-US" dirty="0"/>
-              <a:t>Crime rate</a:t>
-            </a:r>
-          </a:p>
-          <a:p>
-            <a:pPr lvl="1"/>
-            <a:r>
-              <a:rPr lang="en-US" dirty="0"/>
-              <a:t>Salary</a:t>
-            </a:r>
-          </a:p>
-          <a:p>
-            <a:pPr lvl="1"/>
-            <a:r>
-              <a:rPr lang="en-US" dirty="0"/>
-              <a:t>Home Price </a:t>
-            </a:r>
-          </a:p>
-          <a:p>
-            <a:r>
-              <a:rPr lang="en-US" dirty="0"/>
-              <a:t>Through observations, plots and correlations, we’re to determine the best state for employee to live and work in.</a:t>
-            </a:r>
+              <a:t>Climate-  Prakash</a:t>
+            </a:r>
+          </a:p>
+          <a:p>
+            <a:r>
+              <a:rPr lang="en-US" dirty="0"/>
+              <a:t>Conclusion</a:t>
+            </a:r>
+          </a:p>
+          <a:p>
+            <a:endParaRPr lang="en-US" dirty="0"/>
           </a:p>
         </p:txBody>
       </p:sp>
     </p:spTree>
     <p:extLst>
       <p:ext uri="{BB962C8B-B14F-4D97-AF65-F5344CB8AC3E}">
-        <p14:creationId xmlns:p14="http://schemas.microsoft.com/office/powerpoint/2010/main" val="2000845695"/>
+        <p14:creationId xmlns:p14="http://schemas.microsoft.com/office/powerpoint/2010/main" val="3491109660"/>
+      </p:ext>
+    </p:extLst>
+  </p:cSld>
+  <p:clrMapOvr>
+    <a:masterClrMapping/>
+  </p:clrMapOvr>
+</p:sld>
+</file>
+
+<file path=ppt/slides/slide30.xml><?xml version="1.0" encoding="utf-8"?>
+<p:sld xmlns:a="http://schemas.openxmlformats.org/drawingml/2006/main" xmlns:r="http://schemas.openxmlformats.org/officeDocument/2006/relationships" xmlns:p="http://schemas.openxmlformats.org/presentationml/2006/main">
+  <p:cSld>
+    <p:spTree>
+      <p:nvGrpSpPr>
+        <p:cNvPr id="1" name=""/>
+        <p:cNvGrpSpPr/>
+        <p:nvPr/>
+      </p:nvGrpSpPr>
+      <p:grpSpPr>
+        <a:xfrm>
+          <a:off x="0" y="0"/>
+          <a:ext cx="0" cy="0"/>
+          <a:chOff x="0" y="0"/>
+          <a:chExt cx="0" cy="0"/>
+        </a:xfrm>
+      </p:grpSpPr>
+      <p:sp>
+        <p:nvSpPr>
+          <p:cNvPr id="2" name="Title 1">
+            <a:extLst>
+              <a:ext uri="{FF2B5EF4-FFF2-40B4-BE49-F238E27FC236}">
+                <a16:creationId xmlns:a16="http://schemas.microsoft.com/office/drawing/2014/main" id="{1917A588-6B43-4326-8CEE-B31FA8CC4FDB}"/>
+              </a:ext>
+            </a:extLst>
+          </p:cNvPr>
+          <p:cNvSpPr>
+            <a:spLocks noGrp="1"/>
+          </p:cNvSpPr>
+          <p:nvPr>
+            <p:ph type="title"/>
+          </p:nvPr>
+        </p:nvSpPr>
+        <p:spPr/>
+        <p:txBody>
+          <a:bodyPr>
+            <a:normAutofit/>
+          </a:bodyPr>
+          <a:lstStyle/>
+          <a:p>
+            <a:r>
+              <a:rPr lang="en-US" dirty="0"/>
+              <a:t>Salary Analysis Files (Molly)</a:t>
+            </a:r>
+          </a:p>
+        </p:txBody>
+      </p:sp>
+      <p:sp>
+        <p:nvSpPr>
+          <p:cNvPr id="3" name="Content Placeholder 2">
+            <a:extLst>
+              <a:ext uri="{FF2B5EF4-FFF2-40B4-BE49-F238E27FC236}">
+                <a16:creationId xmlns:a16="http://schemas.microsoft.com/office/drawing/2014/main" id="{F5BE9D4D-949C-4037-9F87-16CDE0EE0466}"/>
+              </a:ext>
+            </a:extLst>
+          </p:cNvPr>
+          <p:cNvSpPr>
+            <a:spLocks noGrp="1"/>
+          </p:cNvSpPr>
+          <p:nvPr>
+            <p:ph idx="1"/>
+          </p:nvPr>
+        </p:nvSpPr>
+        <p:spPr/>
+        <p:txBody>
+          <a:bodyPr>
+            <a:normAutofit/>
+          </a:bodyPr>
+          <a:lstStyle/>
+          <a:p>
+            <a:r>
+              <a:rPr lang="en-US" dirty="0"/>
+              <a:t>Files are in folder = \</a:t>
+            </a:r>
+            <a:r>
+              <a:rPr lang="en-US" dirty="0" err="1"/>
+              <a:t>The_Incredible_Quad</a:t>
+            </a:r>
+            <a:r>
+              <a:rPr lang="en-US" dirty="0"/>
+              <a:t>\</a:t>
+            </a:r>
+          </a:p>
+          <a:p>
+            <a:r>
+              <a:rPr lang="en-US" dirty="0" err="1"/>
+              <a:t>Jupyter</a:t>
+            </a:r>
+            <a:r>
+              <a:rPr lang="en-US" dirty="0"/>
+              <a:t> NB filename = .</a:t>
+            </a:r>
+            <a:r>
+              <a:rPr lang="en-US" dirty="0" err="1"/>
+              <a:t>ipynb</a:t>
+            </a:r>
+            <a:endParaRPr lang="en-US" dirty="0"/>
+          </a:p>
+          <a:p>
+            <a:r>
+              <a:rPr lang="en-US" dirty="0"/>
+              <a:t>Google API key file = </a:t>
+            </a:r>
+          </a:p>
+          <a:p>
+            <a:r>
+              <a:rPr lang="en-US" dirty="0"/>
+              <a:t>Saved plots = \</a:t>
+            </a:r>
+            <a:r>
+              <a:rPr lang="en-US" dirty="0" err="1"/>
+              <a:t>The_Incredible_Quad</a:t>
+            </a:r>
+            <a:r>
+              <a:rPr lang="en-US" dirty="0"/>
+              <a:t>\</a:t>
+            </a:r>
+          </a:p>
+          <a:p>
+            <a:r>
+              <a:rPr lang="en-US" dirty="0"/>
+              <a:t>Dataset files = </a:t>
+            </a:r>
+          </a:p>
+          <a:p>
+            <a:pPr lvl="1"/>
+            <a:r>
+              <a:rPr lang="en-US" dirty="0"/>
+              <a:t>*.csv </a:t>
+            </a:r>
+          </a:p>
+        </p:txBody>
+      </p:sp>
+    </p:spTree>
+    <p:extLst>
+      <p:ext uri="{BB962C8B-B14F-4D97-AF65-F5344CB8AC3E}">
+        <p14:creationId xmlns:p14="http://schemas.microsoft.com/office/powerpoint/2010/main" val="821304537"/>
+      </p:ext>
+    </p:extLst>
+  </p:cSld>
+  <p:clrMapOvr>
+    <a:masterClrMapping/>
+  </p:clrMapOvr>
+</p:sld>
+</file>
+
+<file path=ppt/slides/slide31.xml><?xml version="1.0" encoding="utf-8"?>
+<p:sld xmlns:a="http://schemas.openxmlformats.org/drawingml/2006/main" xmlns:r="http://schemas.openxmlformats.org/officeDocument/2006/relationships" xmlns:p="http://schemas.openxmlformats.org/presentationml/2006/main">
+  <p:cSld>
+    <p:spTree>
+      <p:nvGrpSpPr>
+        <p:cNvPr id="1" name=""/>
+        <p:cNvGrpSpPr/>
+        <p:nvPr/>
+      </p:nvGrpSpPr>
+      <p:grpSpPr>
+        <a:xfrm>
+          <a:off x="0" y="0"/>
+          <a:ext cx="0" cy="0"/>
+          <a:chOff x="0" y="0"/>
+          <a:chExt cx="0" cy="0"/>
+        </a:xfrm>
+      </p:grpSpPr>
+      <p:sp>
+        <p:nvSpPr>
+          <p:cNvPr id="2" name="Title 1">
+            <a:extLst>
+              <a:ext uri="{FF2B5EF4-FFF2-40B4-BE49-F238E27FC236}">
+                <a16:creationId xmlns:a16="http://schemas.microsoft.com/office/drawing/2014/main" id="{1917A588-6B43-4326-8CEE-B31FA8CC4FDB}"/>
+              </a:ext>
+            </a:extLst>
+          </p:cNvPr>
+          <p:cNvSpPr>
+            <a:spLocks noGrp="1"/>
+          </p:cNvSpPr>
+          <p:nvPr>
+            <p:ph type="title"/>
+          </p:nvPr>
+        </p:nvSpPr>
+        <p:spPr/>
+        <p:txBody>
+          <a:bodyPr/>
+          <a:lstStyle/>
+          <a:p>
+            <a:r>
+              <a:rPr lang="en-US" dirty="0"/>
+              <a:t>Climate Analysis Files (Prakash)</a:t>
+            </a:r>
+          </a:p>
+        </p:txBody>
+      </p:sp>
+      <p:sp>
+        <p:nvSpPr>
+          <p:cNvPr id="3" name="Content Placeholder 2">
+            <a:extLst>
+              <a:ext uri="{FF2B5EF4-FFF2-40B4-BE49-F238E27FC236}">
+                <a16:creationId xmlns:a16="http://schemas.microsoft.com/office/drawing/2014/main" id="{F5BE9D4D-949C-4037-9F87-16CDE0EE0466}"/>
+              </a:ext>
+            </a:extLst>
+          </p:cNvPr>
+          <p:cNvSpPr>
+            <a:spLocks noGrp="1"/>
+          </p:cNvSpPr>
+          <p:nvPr>
+            <p:ph idx="1"/>
+          </p:nvPr>
+        </p:nvSpPr>
+        <p:spPr/>
+        <p:txBody>
+          <a:bodyPr>
+            <a:normAutofit lnSpcReduction="10000"/>
+          </a:bodyPr>
+          <a:lstStyle/>
+          <a:p>
+            <a:r>
+              <a:rPr lang="en-US" dirty="0"/>
+              <a:t>Files are in folder – \The_Incredible_Quad\</a:t>
+            </a:r>
+            <a:r>
+              <a:rPr lang="en-US" dirty="0" err="1"/>
+              <a:t>Climate_analysis</a:t>
+            </a:r>
+            <a:r>
+              <a:rPr lang="en-US" dirty="0"/>
+              <a:t>\</a:t>
+            </a:r>
+          </a:p>
+          <a:p>
+            <a:r>
+              <a:rPr lang="en-US" dirty="0" err="1"/>
+              <a:t>Jupyter</a:t>
+            </a:r>
+            <a:r>
+              <a:rPr lang="en-US" dirty="0"/>
+              <a:t> NB filename = </a:t>
+            </a:r>
+            <a:r>
+              <a:rPr lang="en-US" dirty="0" err="1"/>
+              <a:t>climate_main_analysis.ipynb</a:t>
+            </a:r>
+            <a:endParaRPr lang="en-US" dirty="0"/>
+          </a:p>
+          <a:p>
+            <a:r>
+              <a:rPr lang="en-US" dirty="0"/>
+              <a:t>Google API key file = config.py</a:t>
+            </a:r>
+          </a:p>
+          <a:p>
+            <a:r>
+              <a:rPr lang="en-US" dirty="0"/>
+              <a:t>Saved plots = \The_Incredible_Quad\Climate_analysis\</a:t>
+            </a:r>
+            <a:r>
+              <a:rPr lang="en-US" dirty="0" err="1"/>
+              <a:t>Climate_images</a:t>
+            </a:r>
+            <a:r>
+              <a:rPr lang="en-US" dirty="0"/>
+              <a:t>\</a:t>
+            </a:r>
+          </a:p>
+          <a:p>
+            <a:r>
+              <a:rPr lang="en-US" dirty="0"/>
+              <a:t>Dataset files = </a:t>
+            </a:r>
+          </a:p>
+          <a:p>
+            <a:pPr lvl="1"/>
+            <a:r>
+              <a:rPr lang="en-US" dirty="0"/>
+              <a:t>Climate_dataset2010_2018.csv </a:t>
+            </a:r>
+          </a:p>
+          <a:p>
+            <a:pPr lvl="1"/>
+            <a:r>
+              <a:rPr lang="en-US" dirty="0"/>
+              <a:t>sfr_home_prices.csv</a:t>
+            </a:r>
+          </a:p>
+        </p:txBody>
+      </p:sp>
+    </p:spTree>
+    <p:extLst>
+      <p:ext uri="{BB962C8B-B14F-4D97-AF65-F5344CB8AC3E}">
+        <p14:creationId xmlns:p14="http://schemas.microsoft.com/office/powerpoint/2010/main" val="306411774"/>
       </p:ext>
     </p:extLst>
   </p:cSld>
@@ -10171,7 +10756,7 @@
           <a:p>
             <a:r>
               <a:rPr lang="en-US" dirty="0"/>
-              <a:t>Question Breakdown</a:t>
+              <a:t>Project Description</a:t>
             </a:r>
           </a:p>
         </p:txBody>
@@ -10195,20 +10780,13 @@
         <p:spPr/>
         <p:txBody>
           <a:bodyPr>
-            <a:normAutofit fontScale="85000" lnSpcReduction="10000"/>
+            <a:normAutofit fontScale="92500" lnSpcReduction="20000"/>
           </a:bodyPr>
           <a:lstStyle/>
           <a:p>
             <a:r>
               <a:rPr lang="en-US" dirty="0"/>
-              <a:t>Best State </a:t>
-            </a:r>
-          </a:p>
-          <a:p>
-            <a:pPr lvl="1"/>
-            <a:r>
-              <a:rPr lang="en-US" dirty="0"/>
-              <a:t>Out of 50 states, pick the </a:t>
+              <a:t>Our opinion on Best State to live in 2018 for </a:t>
             </a:r>
             <a:r>
               <a:rPr lang="en-US" i="1" dirty="0">
@@ -10216,42 +10794,7 @@
                   <a:srgbClr val="FF0000"/>
                 </a:solidFill>
               </a:rPr>
-              <a:t>“best choice”</a:t>
-            </a:r>
-            <a:r>
-              <a:rPr lang="en-US" dirty="0"/>
-              <a:t> from top 20 in categories of salary, crime rate, unemployment rate, climate and tax rate. </a:t>
-            </a:r>
-          </a:p>
-          <a:p>
-            <a:pPr lvl="1"/>
-            <a:r>
-              <a:rPr lang="en-US" dirty="0"/>
-              <a:t>Not necessarily to be the best on all of those criteria.</a:t>
-            </a:r>
-          </a:p>
-          <a:p>
-            <a:r>
-              <a:rPr lang="en-US" dirty="0"/>
-              <a:t>To Live and Work In For Employee (Working People) </a:t>
-            </a:r>
-          </a:p>
-          <a:p>
-            <a:pPr lvl="1"/>
-            <a:r>
-              <a:rPr lang="en-US" b="1" dirty="0">
-                <a:solidFill>
-                  <a:srgbClr val="FF0000"/>
-                </a:solidFill>
-              </a:rPr>
-              <a:t>Focus is working community and not “retiree” or “retiring soon” community</a:t>
-            </a:r>
-          </a:p>
-          <a:p>
-            <a:pPr lvl="1"/>
-            <a:r>
-              <a:rPr lang="en-US" dirty="0"/>
-              <a:t>Affordable housing and tax rate, salary spent on </a:t>
+              <a:t>“employee”</a:t>
             </a:r>
             <a:r>
               <a:rPr lang="en-US" dirty="0">
@@ -10259,25 +10802,63 @@
                   <a:srgbClr val="FF0000"/>
                 </a:solidFill>
               </a:rPr>
-              <a:t>housing + tax &lt; 65%. </a:t>
-            </a:r>
-            <a:r>
-              <a:rPr lang="en-US" dirty="0"/>
-              <a:t>Having ability to save money </a:t>
+              <a:t> </a:t>
+            </a:r>
+            <a:r>
+              <a:rPr lang="en-US" dirty="0">
+                <a:solidFill>
+                  <a:schemeClr val="tx1"/>
+                </a:solidFill>
+              </a:rPr>
+              <a:t>from 6 criteria below, </a:t>
             </a:r>
           </a:p>
           <a:p>
             <a:pPr lvl="1"/>
             <a:r>
               <a:rPr lang="en-US" dirty="0"/>
-              <a:t>Low crime rate and unemployment i.e. &lt; 4% for each</a:t>
+              <a:t>State Tax</a:t>
             </a:r>
           </a:p>
           <a:p>
             <a:pPr lvl="1"/>
             <a:r>
               <a:rPr lang="en-US" dirty="0"/>
-              <a:t>Acceptable climate i.e. not too hot or cold, less humid. Moderate climate condition (70 – 80 F)  </a:t>
+              <a:t>Climate</a:t>
+            </a:r>
+          </a:p>
+          <a:p>
+            <a:pPr lvl="1"/>
+            <a:r>
+              <a:rPr lang="en-US" dirty="0"/>
+              <a:t>Unemployment rate</a:t>
+            </a:r>
+          </a:p>
+          <a:p>
+            <a:pPr lvl="1"/>
+            <a:r>
+              <a:rPr lang="en-US" dirty="0"/>
+              <a:t>Crime rate</a:t>
+            </a:r>
+          </a:p>
+          <a:p>
+            <a:pPr lvl="1"/>
+            <a:r>
+              <a:rPr lang="en-US" dirty="0"/>
+              <a:t>Salary</a:t>
+            </a:r>
+          </a:p>
+          <a:p>
+            <a:pPr lvl="1"/>
+            <a:r>
+              <a:rPr lang="en-US" dirty="0"/>
+              <a:t>Home Price </a:t>
+            </a:r>
+          </a:p>
+          <a:p>
+            <a:r>
+              <a:rPr lang="en-US" dirty="0"/>
+              <a:t>Through observations, plots and correlations, we’re to determine the best state for employee to live and work in.</a:t>
             </a:r>
           </a:p>
         </p:txBody>
@@ -10285,7 +10866,7 @@
     </p:spTree>
     <p:extLst>
       <p:ext uri="{BB962C8B-B14F-4D97-AF65-F5344CB8AC3E}">
-        <p14:creationId xmlns:p14="http://schemas.microsoft.com/office/powerpoint/2010/main" val="1234996424"/>
+        <p14:creationId xmlns:p14="http://schemas.microsoft.com/office/powerpoint/2010/main" val="2000845695"/>
       </p:ext>
     </p:extLst>
   </p:cSld>
@@ -10317,7 +10898,7 @@
           <p:cNvPr id="2" name="Title 1">
             <a:extLst>
               <a:ext uri="{FF2B5EF4-FFF2-40B4-BE49-F238E27FC236}">
-                <a16:creationId xmlns:a16="http://schemas.microsoft.com/office/drawing/2014/main" id="{1917A588-6B43-4326-8CEE-B31FA8CC4FDB}"/>
+                <a16:creationId xmlns:a16="http://schemas.microsoft.com/office/drawing/2014/main" id="{377C9523-097C-4E43-AC8E-8C68B3057BB1}"/>
               </a:ext>
             </a:extLst>
           </p:cNvPr>
@@ -10335,634 +10916,121 @@
           <a:p>
             <a:r>
               <a:rPr lang="en-US" dirty="0"/>
-              <a:t>Year 2018 Supporting Datasets</a:t>
-            </a:r>
-          </a:p>
-        </p:txBody>
-      </p:sp>
-      <p:sp>
-        <p:nvSpPr>
-          <p:cNvPr id="4" name="Rectangle 3">
+              <a:t>Question Breakdown</a:t>
+            </a:r>
+          </a:p>
+        </p:txBody>
+      </p:sp>
+      <p:sp>
+        <p:nvSpPr>
+          <p:cNvPr id="3" name="Content Placeholder 2">
             <a:extLst>
               <a:ext uri="{FF2B5EF4-FFF2-40B4-BE49-F238E27FC236}">
-                <a16:creationId xmlns:a16="http://schemas.microsoft.com/office/drawing/2014/main" id="{982B98E6-7640-4E5E-AE9A-932FDB07F887}"/>
+                <a16:creationId xmlns:a16="http://schemas.microsoft.com/office/drawing/2014/main" id="{42C92943-A346-4DB7-A073-7ED62D2A2B66}"/>
               </a:ext>
             </a:extLst>
           </p:cNvPr>
-          <p:cNvSpPr/>
-          <p:nvPr/>
-        </p:nvSpPr>
-        <p:spPr>
-          <a:xfrm>
-            <a:off x="5291503" y="3518101"/>
-            <a:ext cx="1608993" cy="1222131"/>
-          </a:xfrm>
-          <a:prstGeom prst="rect">
-            <a:avLst/>
-          </a:prstGeom>
-        </p:spPr>
-        <p:style>
-          <a:lnRef idx="2">
-            <a:schemeClr val="accent1">
-              <a:shade val="50000"/>
-            </a:schemeClr>
-          </a:lnRef>
-          <a:fillRef idx="1">
-            <a:schemeClr val="accent1"/>
-          </a:fillRef>
-          <a:effectRef idx="0">
-            <a:schemeClr val="accent1"/>
-          </a:effectRef>
-          <a:fontRef idx="minor">
-            <a:schemeClr val="lt1"/>
-          </a:fontRef>
-        </p:style>
-        <p:txBody>
-          <a:bodyPr rtlCol="0" anchor="ctr"/>
-          <a:lstStyle/>
-          <a:p>
-            <a:pPr algn="ctr"/>
-            <a:r>
-              <a:rPr lang="en-US" dirty="0"/>
-              <a:t>2018 Best State Choice  </a:t>
-            </a:r>
-          </a:p>
-        </p:txBody>
-      </p:sp>
-      <p:sp>
-        <p:nvSpPr>
-          <p:cNvPr id="5" name="Oval 4">
-            <a:extLst>
-              <a:ext uri="{FF2B5EF4-FFF2-40B4-BE49-F238E27FC236}">
-                <a16:creationId xmlns:a16="http://schemas.microsoft.com/office/drawing/2014/main" id="{FA0737F6-BE34-4171-AED3-2654FE6F5793}"/>
-              </a:ext>
-            </a:extLst>
-          </p:cNvPr>
-          <p:cNvSpPr/>
-          <p:nvPr/>
-        </p:nvSpPr>
-        <p:spPr>
-          <a:xfrm>
-            <a:off x="7491139" y="2693517"/>
-            <a:ext cx="2262549" cy="1222131"/>
-          </a:xfrm>
-          <a:prstGeom prst="ellipse">
-            <a:avLst/>
-          </a:prstGeom>
-        </p:spPr>
-        <p:style>
-          <a:lnRef idx="2">
-            <a:schemeClr val="accent1">
-              <a:shade val="50000"/>
-            </a:schemeClr>
-          </a:lnRef>
-          <a:fillRef idx="1">
-            <a:schemeClr val="accent1"/>
-          </a:fillRef>
-          <a:effectRef idx="0">
-            <a:schemeClr val="accent1"/>
-          </a:effectRef>
-          <a:fontRef idx="minor">
-            <a:schemeClr val="lt1"/>
-          </a:fontRef>
-        </p:style>
-        <p:txBody>
-          <a:bodyPr rtlCol="0" anchor="ctr"/>
-          <a:lstStyle/>
-          <a:p>
-            <a:pPr algn="ctr"/>
-            <a:r>
-              <a:rPr lang="en-US" dirty="0"/>
-              <a:t> Home Prices</a:t>
-            </a:r>
-          </a:p>
-        </p:txBody>
-      </p:sp>
-      <p:sp>
-        <p:nvSpPr>
-          <p:cNvPr id="6" name="Oval 5">
-            <a:extLst>
-              <a:ext uri="{FF2B5EF4-FFF2-40B4-BE49-F238E27FC236}">
-                <a16:creationId xmlns:a16="http://schemas.microsoft.com/office/drawing/2014/main" id="{30930C6A-0445-40E8-A2E1-0CB8F9F25F79}"/>
-              </a:ext>
-            </a:extLst>
-          </p:cNvPr>
-          <p:cNvSpPr/>
-          <p:nvPr/>
-        </p:nvSpPr>
-        <p:spPr>
-          <a:xfrm>
-            <a:off x="2610514" y="4129166"/>
-            <a:ext cx="2262552" cy="1303866"/>
-          </a:xfrm>
-          <a:prstGeom prst="ellipse">
-            <a:avLst/>
-          </a:prstGeom>
-        </p:spPr>
-        <p:style>
-          <a:lnRef idx="2">
-            <a:schemeClr val="accent1">
-              <a:shade val="50000"/>
-            </a:schemeClr>
-          </a:lnRef>
-          <a:fillRef idx="1">
-            <a:schemeClr val="accent1"/>
-          </a:fillRef>
-          <a:effectRef idx="0">
-            <a:schemeClr val="accent1"/>
-          </a:effectRef>
-          <a:fontRef idx="minor">
-            <a:schemeClr val="lt1"/>
-          </a:fontRef>
-        </p:style>
-        <p:txBody>
-          <a:bodyPr rtlCol="0" anchor="ctr"/>
-          <a:lstStyle/>
-          <a:p>
-            <a:pPr algn="ctr"/>
-            <a:r>
-              <a:rPr lang="en-US" dirty="0"/>
-              <a:t>Unemployment Rate</a:t>
-            </a:r>
-          </a:p>
-        </p:txBody>
-      </p:sp>
-      <p:sp>
-        <p:nvSpPr>
-          <p:cNvPr id="7" name="Oval 6">
-            <a:extLst>
-              <a:ext uri="{FF2B5EF4-FFF2-40B4-BE49-F238E27FC236}">
-                <a16:creationId xmlns:a16="http://schemas.microsoft.com/office/drawing/2014/main" id="{43A8C126-D91E-4B2C-9ACB-9C7498D62767}"/>
-              </a:ext>
-            </a:extLst>
-          </p:cNvPr>
-          <p:cNvSpPr/>
-          <p:nvPr/>
-        </p:nvSpPr>
-        <p:spPr>
-          <a:xfrm>
-            <a:off x="2473899" y="2693516"/>
-            <a:ext cx="2262552" cy="1222131"/>
-          </a:xfrm>
-          <a:prstGeom prst="ellipse">
-            <a:avLst/>
-          </a:prstGeom>
-        </p:spPr>
-        <p:style>
-          <a:lnRef idx="2">
-            <a:schemeClr val="accent1">
-              <a:shade val="50000"/>
-            </a:schemeClr>
-          </a:lnRef>
-          <a:fillRef idx="1">
-            <a:schemeClr val="accent1"/>
-          </a:fillRef>
-          <a:effectRef idx="0">
-            <a:schemeClr val="accent1"/>
-          </a:effectRef>
-          <a:fontRef idx="minor">
-            <a:schemeClr val="lt1"/>
-          </a:fontRef>
-        </p:style>
-        <p:txBody>
-          <a:bodyPr rtlCol="0" anchor="ctr"/>
-          <a:lstStyle/>
-          <a:p>
-            <a:pPr algn="ctr"/>
-            <a:r>
-              <a:rPr lang="en-US" dirty="0"/>
-              <a:t>Crime Rate</a:t>
-            </a:r>
-          </a:p>
-        </p:txBody>
-      </p:sp>
-      <p:sp>
-        <p:nvSpPr>
-          <p:cNvPr id="8" name="Oval 7">
-            <a:extLst>
-              <a:ext uri="{FF2B5EF4-FFF2-40B4-BE49-F238E27FC236}">
-                <a16:creationId xmlns:a16="http://schemas.microsoft.com/office/drawing/2014/main" id="{93E43BBF-BD00-4285-8CFA-BC114AC1E2F7}"/>
-              </a:ext>
-            </a:extLst>
-          </p:cNvPr>
-          <p:cNvSpPr/>
-          <p:nvPr/>
-        </p:nvSpPr>
-        <p:spPr>
-          <a:xfrm>
-            <a:off x="7649080" y="4129166"/>
-            <a:ext cx="2262549" cy="1222131"/>
-          </a:xfrm>
-          <a:prstGeom prst="ellipse">
-            <a:avLst/>
-          </a:prstGeom>
-        </p:spPr>
-        <p:style>
-          <a:lnRef idx="2">
-            <a:schemeClr val="accent1">
-              <a:shade val="50000"/>
-            </a:schemeClr>
-          </a:lnRef>
-          <a:fillRef idx="1">
-            <a:schemeClr val="accent1"/>
-          </a:fillRef>
-          <a:effectRef idx="0">
-            <a:schemeClr val="accent1"/>
-          </a:effectRef>
-          <a:fontRef idx="minor">
-            <a:schemeClr val="lt1"/>
-          </a:fontRef>
-        </p:style>
-        <p:txBody>
-          <a:bodyPr rtlCol="0" anchor="ctr"/>
-          <a:lstStyle/>
-          <a:p>
-            <a:pPr algn="ctr"/>
-            <a:r>
-              <a:rPr lang="en-US" dirty="0"/>
-              <a:t>Salary</a:t>
-            </a:r>
-          </a:p>
-        </p:txBody>
-      </p:sp>
-      <p:sp>
-        <p:nvSpPr>
-          <p:cNvPr id="13" name="Oval 12">
-            <a:extLst>
-              <a:ext uri="{FF2B5EF4-FFF2-40B4-BE49-F238E27FC236}">
-                <a16:creationId xmlns:a16="http://schemas.microsoft.com/office/drawing/2014/main" id="{78A88E94-BBCA-4491-97F9-BD1AFC4AAED7}"/>
-              </a:ext>
-            </a:extLst>
-          </p:cNvPr>
-          <p:cNvSpPr/>
-          <p:nvPr/>
-        </p:nvSpPr>
-        <p:spPr>
-          <a:xfrm>
-            <a:off x="5044220" y="5007535"/>
-            <a:ext cx="2262552" cy="1222131"/>
-          </a:xfrm>
-          <a:prstGeom prst="ellipse">
-            <a:avLst/>
-          </a:prstGeom>
-        </p:spPr>
-        <p:style>
-          <a:lnRef idx="2">
-            <a:schemeClr val="accent1">
-              <a:shade val="50000"/>
-            </a:schemeClr>
-          </a:lnRef>
-          <a:fillRef idx="1">
-            <a:schemeClr val="accent1"/>
-          </a:fillRef>
-          <a:effectRef idx="0">
-            <a:schemeClr val="accent1"/>
-          </a:effectRef>
-          <a:fontRef idx="minor">
-            <a:schemeClr val="lt1"/>
-          </a:fontRef>
-        </p:style>
-        <p:txBody>
-          <a:bodyPr rtlCol="0" anchor="ctr"/>
-          <a:lstStyle/>
-          <a:p>
-            <a:pPr algn="ctr"/>
-            <a:r>
-              <a:rPr lang="en-US" dirty="0"/>
-              <a:t>State Tax</a:t>
-            </a:r>
-          </a:p>
-        </p:txBody>
-      </p:sp>
-      <p:sp>
-        <p:nvSpPr>
-          <p:cNvPr id="15" name="Oval 14">
-            <a:extLst>
-              <a:ext uri="{FF2B5EF4-FFF2-40B4-BE49-F238E27FC236}">
-                <a16:creationId xmlns:a16="http://schemas.microsoft.com/office/drawing/2014/main" id="{76474B55-D896-442F-B02F-1A9226A322EE}"/>
-              </a:ext>
-            </a:extLst>
-          </p:cNvPr>
-          <p:cNvSpPr/>
-          <p:nvPr/>
-        </p:nvSpPr>
-        <p:spPr>
-          <a:xfrm>
-            <a:off x="4934323" y="2028667"/>
-            <a:ext cx="2262552" cy="1222131"/>
-          </a:xfrm>
-          <a:prstGeom prst="ellipse">
-            <a:avLst/>
-          </a:prstGeom>
-        </p:spPr>
-        <p:style>
-          <a:lnRef idx="2">
-            <a:schemeClr val="accent1">
-              <a:shade val="50000"/>
-            </a:schemeClr>
-          </a:lnRef>
-          <a:fillRef idx="1">
-            <a:schemeClr val="accent1"/>
-          </a:fillRef>
-          <a:effectRef idx="0">
-            <a:schemeClr val="accent1"/>
-          </a:effectRef>
-          <a:fontRef idx="minor">
-            <a:schemeClr val="lt1"/>
-          </a:fontRef>
-        </p:style>
-        <p:txBody>
-          <a:bodyPr rtlCol="0" anchor="ctr"/>
-          <a:lstStyle/>
-          <a:p>
-            <a:pPr algn="ctr"/>
-            <a:r>
-              <a:rPr lang="en-US" dirty="0"/>
-              <a:t>Climate</a:t>
-            </a:r>
-          </a:p>
-        </p:txBody>
-      </p:sp>
-      <p:sp>
-        <p:nvSpPr>
-          <p:cNvPr id="3" name="Arrow: Down 2">
-            <a:extLst>
-              <a:ext uri="{FF2B5EF4-FFF2-40B4-BE49-F238E27FC236}">
-                <a16:creationId xmlns:a16="http://schemas.microsoft.com/office/drawing/2014/main" id="{900C73FB-047C-4A40-AD8B-96ADED6C32D7}"/>
-              </a:ext>
-            </a:extLst>
-          </p:cNvPr>
-          <p:cNvSpPr/>
-          <p:nvPr/>
-        </p:nvSpPr>
-        <p:spPr>
-          <a:xfrm>
-            <a:off x="6004329" y="3246907"/>
-            <a:ext cx="187488" cy="267303"/>
-          </a:xfrm>
-          <a:prstGeom prst="downArrow">
-            <a:avLst/>
-          </a:prstGeom>
-        </p:spPr>
-        <p:style>
-          <a:lnRef idx="2">
-            <a:schemeClr val="accent1">
-              <a:shade val="50000"/>
-            </a:schemeClr>
-          </a:lnRef>
-          <a:fillRef idx="1">
-            <a:schemeClr val="accent1"/>
-          </a:fillRef>
-          <a:effectRef idx="0">
-            <a:schemeClr val="accent1"/>
-          </a:effectRef>
-          <a:fontRef idx="minor">
-            <a:schemeClr val="lt1"/>
-          </a:fontRef>
-        </p:style>
-        <p:txBody>
-          <a:bodyPr rtlCol="0" anchor="ctr"/>
-          <a:lstStyle/>
-          <a:p>
-            <a:pPr algn="ctr"/>
-            <a:endParaRPr lang="en-US"/>
-          </a:p>
-        </p:txBody>
-      </p:sp>
-      <p:sp>
-        <p:nvSpPr>
-          <p:cNvPr id="16" name="Arrow: Down 15">
-            <a:extLst>
-              <a:ext uri="{FF2B5EF4-FFF2-40B4-BE49-F238E27FC236}">
-                <a16:creationId xmlns:a16="http://schemas.microsoft.com/office/drawing/2014/main" id="{D1CF0093-5ECD-469B-A44E-C8939E0EEFCB}"/>
-              </a:ext>
-            </a:extLst>
-          </p:cNvPr>
-          <p:cNvSpPr/>
-          <p:nvPr/>
-        </p:nvSpPr>
-        <p:spPr>
-          <a:xfrm rot="10800000">
-            <a:off x="6015921" y="4748089"/>
-            <a:ext cx="187488" cy="267303"/>
-          </a:xfrm>
-          <a:prstGeom prst="downArrow">
-            <a:avLst/>
-          </a:prstGeom>
-        </p:spPr>
-        <p:style>
-          <a:lnRef idx="2">
-            <a:schemeClr val="accent1">
-              <a:shade val="50000"/>
-            </a:schemeClr>
-          </a:lnRef>
-          <a:fillRef idx="1">
-            <a:schemeClr val="accent1"/>
-          </a:fillRef>
-          <a:effectRef idx="0">
-            <a:schemeClr val="accent1"/>
-          </a:effectRef>
-          <a:fontRef idx="minor">
-            <a:schemeClr val="lt1"/>
-          </a:fontRef>
-        </p:style>
-        <p:txBody>
-          <a:bodyPr rtlCol="0" anchor="ctr"/>
-          <a:lstStyle/>
-          <a:p>
-            <a:pPr algn="ctr"/>
-            <a:endParaRPr lang="en-US"/>
-          </a:p>
-        </p:txBody>
-      </p:sp>
-      <p:sp>
-        <p:nvSpPr>
-          <p:cNvPr id="17" name="Arrow: Down 16">
-            <a:extLst>
-              <a:ext uri="{FF2B5EF4-FFF2-40B4-BE49-F238E27FC236}">
-                <a16:creationId xmlns:a16="http://schemas.microsoft.com/office/drawing/2014/main" id="{FA5A3F07-8233-4F3C-BB58-7449CAF59168}"/>
-              </a:ext>
-            </a:extLst>
-          </p:cNvPr>
-          <p:cNvSpPr/>
-          <p:nvPr/>
-        </p:nvSpPr>
-        <p:spPr>
-          <a:xfrm rot="18038903">
-            <a:off x="4852624" y="3531348"/>
-            <a:ext cx="187488" cy="267303"/>
-          </a:xfrm>
-          <a:prstGeom prst="downArrow">
-            <a:avLst/>
-          </a:prstGeom>
-        </p:spPr>
-        <p:style>
-          <a:lnRef idx="2">
-            <a:schemeClr val="accent1">
-              <a:shade val="50000"/>
-            </a:schemeClr>
-          </a:lnRef>
-          <a:fillRef idx="1">
-            <a:schemeClr val="accent1"/>
-          </a:fillRef>
-          <a:effectRef idx="0">
-            <a:schemeClr val="accent1"/>
-          </a:effectRef>
-          <a:fontRef idx="minor">
-            <a:schemeClr val="lt1"/>
-          </a:fontRef>
-        </p:style>
-        <p:txBody>
-          <a:bodyPr rtlCol="0" anchor="ctr"/>
-          <a:lstStyle/>
-          <a:p>
-            <a:pPr algn="ctr"/>
-            <a:endParaRPr lang="en-US"/>
-          </a:p>
-        </p:txBody>
-      </p:sp>
-      <p:sp>
-        <p:nvSpPr>
-          <p:cNvPr id="18" name="Arrow: Down 17">
-            <a:extLst>
-              <a:ext uri="{FF2B5EF4-FFF2-40B4-BE49-F238E27FC236}">
-                <a16:creationId xmlns:a16="http://schemas.microsoft.com/office/drawing/2014/main" id="{2C53E121-7676-43EB-BCEF-226655D34ECB}"/>
-              </a:ext>
-            </a:extLst>
-          </p:cNvPr>
-          <p:cNvSpPr/>
-          <p:nvPr/>
-        </p:nvSpPr>
-        <p:spPr>
-          <a:xfrm rot="3073007">
-            <a:off x="7168954" y="3531347"/>
-            <a:ext cx="187488" cy="267303"/>
-          </a:xfrm>
-          <a:prstGeom prst="downArrow">
-            <a:avLst/>
-          </a:prstGeom>
-        </p:spPr>
-        <p:style>
-          <a:lnRef idx="2">
-            <a:schemeClr val="accent1">
-              <a:shade val="50000"/>
-            </a:schemeClr>
-          </a:lnRef>
-          <a:fillRef idx="1">
-            <a:schemeClr val="accent1"/>
-          </a:fillRef>
-          <a:effectRef idx="0">
-            <a:schemeClr val="accent1"/>
-          </a:effectRef>
-          <a:fontRef idx="minor">
-            <a:schemeClr val="lt1"/>
-          </a:fontRef>
-        </p:style>
-        <p:txBody>
-          <a:bodyPr rtlCol="0" anchor="ctr"/>
-          <a:lstStyle/>
-          <a:p>
-            <a:pPr algn="ctr"/>
-            <a:endParaRPr lang="en-US"/>
-          </a:p>
-        </p:txBody>
-      </p:sp>
-      <p:sp>
-        <p:nvSpPr>
-          <p:cNvPr id="19" name="Arrow: Down 18">
-            <a:extLst>
-              <a:ext uri="{FF2B5EF4-FFF2-40B4-BE49-F238E27FC236}">
-                <a16:creationId xmlns:a16="http://schemas.microsoft.com/office/drawing/2014/main" id="{3B1A1EF7-00CF-45A1-819E-C401B47DAFDC}"/>
-              </a:ext>
-            </a:extLst>
-          </p:cNvPr>
-          <p:cNvSpPr/>
-          <p:nvPr/>
-        </p:nvSpPr>
-        <p:spPr>
-          <a:xfrm rot="13460410">
-            <a:off x="4934323" y="4465070"/>
-            <a:ext cx="187488" cy="267303"/>
-          </a:xfrm>
-          <a:prstGeom prst="downArrow">
-            <a:avLst/>
-          </a:prstGeom>
-        </p:spPr>
-        <p:style>
-          <a:lnRef idx="2">
-            <a:schemeClr val="accent1">
-              <a:shade val="50000"/>
-            </a:schemeClr>
-          </a:lnRef>
-          <a:fillRef idx="1">
-            <a:schemeClr val="accent1"/>
-          </a:fillRef>
-          <a:effectRef idx="0">
-            <a:schemeClr val="accent1"/>
-          </a:effectRef>
-          <a:fontRef idx="minor">
-            <a:schemeClr val="lt1"/>
-          </a:fontRef>
-        </p:style>
-        <p:txBody>
-          <a:bodyPr rtlCol="0" anchor="ctr"/>
-          <a:lstStyle/>
-          <a:p>
-            <a:pPr algn="ctr"/>
-            <a:endParaRPr lang="en-US"/>
-          </a:p>
-        </p:txBody>
-      </p:sp>
-      <p:sp>
-        <p:nvSpPr>
-          <p:cNvPr id="20" name="Arrow: Down 19">
-            <a:extLst>
-              <a:ext uri="{FF2B5EF4-FFF2-40B4-BE49-F238E27FC236}">
-                <a16:creationId xmlns:a16="http://schemas.microsoft.com/office/drawing/2014/main" id="{99DA2F21-4B74-40D7-B647-6C0A4B1FDF20}"/>
-              </a:ext>
-            </a:extLst>
-          </p:cNvPr>
-          <p:cNvSpPr/>
-          <p:nvPr/>
-        </p:nvSpPr>
-        <p:spPr>
-          <a:xfrm rot="7692649">
-            <a:off x="7230970" y="4491118"/>
-            <a:ext cx="187488" cy="267303"/>
-          </a:xfrm>
-          <a:prstGeom prst="downArrow">
-            <a:avLst/>
-          </a:prstGeom>
-        </p:spPr>
-        <p:style>
-          <a:lnRef idx="2">
-            <a:schemeClr val="accent1">
-              <a:shade val="50000"/>
-            </a:schemeClr>
-          </a:lnRef>
-          <a:fillRef idx="1">
-            <a:schemeClr val="accent1"/>
-          </a:fillRef>
-          <a:effectRef idx="0">
-            <a:schemeClr val="accent1"/>
-          </a:effectRef>
-          <a:fontRef idx="minor">
-            <a:schemeClr val="lt1"/>
-          </a:fontRef>
-        </p:style>
-        <p:txBody>
-          <a:bodyPr rtlCol="0" anchor="ctr"/>
-          <a:lstStyle/>
-          <a:p>
-            <a:pPr algn="ctr"/>
-            <a:endParaRPr lang="en-US"/>
+          <p:cNvSpPr>
+            <a:spLocks noGrp="1"/>
+          </p:cNvSpPr>
+          <p:nvPr>
+            <p:ph idx="1"/>
+          </p:nvPr>
+        </p:nvSpPr>
+        <p:spPr/>
+        <p:txBody>
+          <a:bodyPr>
+            <a:normAutofit fontScale="85000" lnSpcReduction="10000"/>
+          </a:bodyPr>
+          <a:lstStyle/>
+          <a:p>
+            <a:r>
+              <a:rPr lang="en-US" dirty="0"/>
+              <a:t>Best State </a:t>
+            </a:r>
+          </a:p>
+          <a:p>
+            <a:pPr lvl="1"/>
+            <a:r>
+              <a:rPr lang="en-US" dirty="0"/>
+              <a:t>Out of 50 states, pick the </a:t>
+            </a:r>
+            <a:r>
+              <a:rPr lang="en-US" i="1" dirty="0">
+                <a:solidFill>
+                  <a:srgbClr val="FF0000"/>
+                </a:solidFill>
+              </a:rPr>
+              <a:t>“best choice”</a:t>
+            </a:r>
+            <a:r>
+              <a:rPr lang="en-US" dirty="0"/>
+              <a:t> from top 20 in categories of salary, crime rate, unemployment rate, climate and tax rate. </a:t>
+            </a:r>
+          </a:p>
+          <a:p>
+            <a:pPr lvl="1"/>
+            <a:r>
+              <a:rPr lang="en-US" dirty="0"/>
+              <a:t>Not necessarily to be the best on all of those criteria.</a:t>
+            </a:r>
+          </a:p>
+          <a:p>
+            <a:r>
+              <a:rPr lang="en-US" dirty="0"/>
+              <a:t>To Live and Work In For Employee (Working People) </a:t>
+            </a:r>
+          </a:p>
+          <a:p>
+            <a:pPr lvl="1"/>
+            <a:r>
+              <a:rPr lang="en-US" b="1" dirty="0">
+                <a:solidFill>
+                  <a:srgbClr val="FF0000"/>
+                </a:solidFill>
+              </a:rPr>
+              <a:t>Focus is working community and not “retiree” or “retiring soon” community</a:t>
+            </a:r>
+          </a:p>
+          <a:p>
+            <a:pPr lvl="1"/>
+            <a:r>
+              <a:rPr lang="en-US" dirty="0"/>
+              <a:t>Affordable housing and tax rate, salary spent on </a:t>
+            </a:r>
+            <a:r>
+              <a:rPr lang="en-US" dirty="0">
+                <a:solidFill>
+                  <a:srgbClr val="FF0000"/>
+                </a:solidFill>
+              </a:rPr>
+              <a:t>housing + tax &lt; 65%. </a:t>
+            </a:r>
+            <a:r>
+              <a:rPr lang="en-US" dirty="0"/>
+              <a:t>Having ability to save money </a:t>
+            </a:r>
+          </a:p>
+          <a:p>
+            <a:pPr lvl="1"/>
+            <a:r>
+              <a:rPr lang="en-US" dirty="0"/>
+              <a:t>Low crime rate and unemployment i.e. &lt; 4% for each</a:t>
+            </a:r>
+          </a:p>
+          <a:p>
+            <a:pPr lvl="1"/>
+            <a:r>
+              <a:rPr lang="en-US" dirty="0"/>
+              <a:t>Acceptable climate i.e. not too hot or cold, less humid. Moderate climate condition (70 – 80 F)  </a:t>
+            </a:r>
           </a:p>
         </p:txBody>
       </p:sp>
     </p:spTree>
     <p:extLst>
       <p:ext uri="{BB962C8B-B14F-4D97-AF65-F5344CB8AC3E}">
-        <p14:creationId xmlns:p14="http://schemas.microsoft.com/office/powerpoint/2010/main" val="3565895848"/>
+        <p14:creationId xmlns:p14="http://schemas.microsoft.com/office/powerpoint/2010/main" val="1234996424"/>
       </p:ext>
     </p:extLst>
   </p:cSld>
@@ -11007,6 +11075,1300 @@
         </p:nvSpPr>
         <p:spPr/>
         <p:txBody>
+          <a:bodyPr>
+            <a:normAutofit fontScale="90000"/>
+          </a:bodyPr>
+          <a:lstStyle/>
+          <a:p>
+            <a:r>
+              <a:rPr lang="en-US" dirty="0"/>
+              <a:t>Questions &amp; Criteria </a:t>
+            </a:r>
+            <a:br>
+              <a:rPr lang="en-US" dirty="0"/>
+            </a:br>
+            <a:r>
+              <a:rPr lang="en-US" dirty="0"/>
+              <a:t>Driving to Conclusion</a:t>
+            </a:r>
+          </a:p>
+        </p:txBody>
+      </p:sp>
+      <p:sp>
+        <p:nvSpPr>
+          <p:cNvPr id="3" name="Content Placeholder 2">
+            <a:extLst>
+              <a:ext uri="{FF2B5EF4-FFF2-40B4-BE49-F238E27FC236}">
+                <a16:creationId xmlns:a16="http://schemas.microsoft.com/office/drawing/2014/main" id="{F5BE9D4D-949C-4037-9F87-16CDE0EE0466}"/>
+              </a:ext>
+            </a:extLst>
+          </p:cNvPr>
+          <p:cNvSpPr>
+            <a:spLocks noGrp="1"/>
+          </p:cNvSpPr>
+          <p:nvPr>
+            <p:ph idx="1"/>
+          </p:nvPr>
+        </p:nvSpPr>
+        <p:spPr>
+          <a:xfrm>
+            <a:off x="987668" y="2539346"/>
+            <a:ext cx="6488723" cy="3492177"/>
+          </a:xfrm>
+        </p:spPr>
+        <p:txBody>
+          <a:bodyPr>
+            <a:normAutofit/>
+          </a:bodyPr>
+          <a:lstStyle/>
+          <a:p>
+            <a:r>
+              <a:rPr lang="en-US" sz="2000" dirty="0"/>
+              <a:t>Which state is startup business friendly (low tax)?  </a:t>
+            </a:r>
+            <a:r>
+              <a:rPr lang="en-US" sz="2000" dirty="0">
+                <a:solidFill>
+                  <a:srgbClr val="FF0000"/>
+                </a:solidFill>
+              </a:rPr>
+              <a:t>Tax rate and living cost (housing) </a:t>
+            </a:r>
+            <a:r>
+              <a:rPr lang="en-US" sz="2000" dirty="0">
+                <a:sym typeface="Wingdings" panose="05000000000000000000" pitchFamily="2" charset="2"/>
+              </a:rPr>
+              <a:t> </a:t>
+            </a:r>
+            <a:r>
+              <a:rPr lang="en-US" sz="2000" dirty="0" err="1">
+                <a:sym typeface="Wingdings" panose="05000000000000000000" pitchFamily="2" charset="2"/>
+              </a:rPr>
+              <a:t>Bahar</a:t>
+            </a:r>
+            <a:endParaRPr lang="en-US" sz="2000" dirty="0"/>
+          </a:p>
+          <a:p>
+            <a:r>
+              <a:rPr lang="en-US" sz="2000" dirty="0"/>
+              <a:t>Which state with low </a:t>
+            </a:r>
+            <a:r>
+              <a:rPr lang="en-US" sz="2000" dirty="0">
+                <a:solidFill>
+                  <a:srgbClr val="FF0000"/>
+                </a:solidFill>
+              </a:rPr>
+              <a:t>tax rate</a:t>
+            </a:r>
+            <a:r>
+              <a:rPr lang="en-US" sz="2000" dirty="0"/>
+              <a:t>, attracts employee? </a:t>
+            </a:r>
+            <a:r>
+              <a:rPr lang="en-US" sz="2000" dirty="0">
+                <a:sym typeface="Wingdings" panose="05000000000000000000" pitchFamily="2" charset="2"/>
+              </a:rPr>
+              <a:t> </a:t>
+            </a:r>
+            <a:r>
+              <a:rPr lang="en-US" sz="2000" dirty="0" err="1">
+                <a:sym typeface="Wingdings" panose="05000000000000000000" pitchFamily="2" charset="2"/>
+              </a:rPr>
+              <a:t>Bahar</a:t>
+            </a:r>
+            <a:endParaRPr lang="en-US" sz="2000" dirty="0"/>
+          </a:p>
+          <a:p>
+            <a:r>
+              <a:rPr lang="en-US" sz="2000" dirty="0"/>
+              <a:t>Lower </a:t>
+            </a:r>
+            <a:r>
+              <a:rPr lang="en-US" sz="2000" dirty="0">
+                <a:solidFill>
+                  <a:srgbClr val="FF0000"/>
+                </a:solidFill>
+              </a:rPr>
+              <a:t>unemployment</a:t>
+            </a:r>
+            <a:r>
+              <a:rPr lang="en-US" sz="2000" dirty="0"/>
+              <a:t> correlated to </a:t>
+            </a:r>
+            <a:r>
+              <a:rPr lang="en-US" sz="2000" dirty="0">
+                <a:solidFill>
+                  <a:srgbClr val="FF0000"/>
+                </a:solidFill>
+              </a:rPr>
+              <a:t>crime rate</a:t>
+            </a:r>
+            <a:r>
+              <a:rPr lang="en-US" sz="2000" dirty="0"/>
+              <a:t>? </a:t>
+            </a:r>
+            <a:r>
+              <a:rPr lang="en-US" sz="2000" dirty="0">
+                <a:sym typeface="Wingdings" panose="05000000000000000000" pitchFamily="2" charset="2"/>
+              </a:rPr>
+              <a:t></a:t>
+            </a:r>
+            <a:r>
+              <a:rPr lang="en-US" sz="2000" dirty="0"/>
+              <a:t> Catherine</a:t>
+            </a:r>
+          </a:p>
+          <a:p>
+            <a:r>
+              <a:rPr lang="en-US" sz="2000" dirty="0"/>
+              <a:t>Higher </a:t>
+            </a:r>
+            <a:r>
+              <a:rPr lang="en-US" sz="2000" dirty="0">
+                <a:solidFill>
+                  <a:srgbClr val="FF0000"/>
+                </a:solidFill>
+              </a:rPr>
+              <a:t>salary</a:t>
+            </a:r>
+            <a:r>
+              <a:rPr lang="en-US" sz="2000" dirty="0"/>
+              <a:t> states are the preferred ones? </a:t>
+            </a:r>
+            <a:r>
+              <a:rPr lang="en-US" sz="2000" dirty="0">
+                <a:sym typeface="Wingdings" panose="05000000000000000000" pitchFamily="2" charset="2"/>
+              </a:rPr>
+              <a:t> Molly</a:t>
+            </a:r>
+          </a:p>
+          <a:p>
+            <a:r>
+              <a:rPr lang="en-US" sz="2000" dirty="0"/>
+              <a:t>Warmer </a:t>
+            </a:r>
+            <a:r>
+              <a:rPr lang="en-US" sz="2000" dirty="0">
+                <a:solidFill>
+                  <a:srgbClr val="FF0000"/>
+                </a:solidFill>
+              </a:rPr>
+              <a:t>climate</a:t>
+            </a:r>
+            <a:r>
+              <a:rPr lang="en-US" sz="2000" dirty="0"/>
+              <a:t> preferred state to live in, correlates to home price? </a:t>
+            </a:r>
+            <a:r>
+              <a:rPr lang="en-US" sz="2000" dirty="0">
+                <a:sym typeface="Wingdings" panose="05000000000000000000" pitchFamily="2" charset="2"/>
+              </a:rPr>
+              <a:t> Prakash</a:t>
+            </a:r>
+            <a:r>
+              <a:rPr lang="en-US" sz="2000" dirty="0"/>
+              <a:t> </a:t>
+            </a:r>
+          </a:p>
+          <a:p>
+            <a:pPr marL="0" indent="0">
+              <a:buNone/>
+            </a:pPr>
+            <a:endParaRPr lang="en-US" sz="2000" dirty="0"/>
+          </a:p>
+          <a:p>
+            <a:pPr lvl="1"/>
+            <a:endParaRPr lang="en-US" dirty="0"/>
+          </a:p>
+          <a:p>
+            <a:pPr lvl="1"/>
+            <a:endParaRPr lang="en-US" dirty="0"/>
+          </a:p>
+          <a:p>
+            <a:endParaRPr lang="en-US" dirty="0"/>
+          </a:p>
+        </p:txBody>
+      </p:sp>
+      <p:sp>
+        <p:nvSpPr>
+          <p:cNvPr id="5" name="Content Placeholder 2">
+            <a:extLst>
+              <a:ext uri="{FF2B5EF4-FFF2-40B4-BE49-F238E27FC236}">
+                <a16:creationId xmlns:a16="http://schemas.microsoft.com/office/drawing/2014/main" id="{3ED0AAB7-D745-423C-999E-CCDB6E786B48}"/>
+              </a:ext>
+            </a:extLst>
+          </p:cNvPr>
+          <p:cNvSpPr txBox="1">
+            <a:spLocks/>
+          </p:cNvSpPr>
+          <p:nvPr/>
+        </p:nvSpPr>
+        <p:spPr>
+          <a:xfrm rot="1197067">
+            <a:off x="7532356" y="3192790"/>
+            <a:ext cx="3681946" cy="2384248"/>
+          </a:xfrm>
+          <a:prstGeom prst="rect">
+            <a:avLst/>
+          </a:prstGeom>
+        </p:spPr>
+        <p:txBody>
+          <a:bodyPr vert="horz" lIns="91440" tIns="45720" rIns="91440" bIns="45720" rtlCol="0" anchor="t">
+            <a:normAutofit/>
+          </a:bodyPr>
+          <a:lstStyle>
+            <a:lvl1pPr marL="285750" indent="-285750" algn="l" defTabSz="457200" rtl="0" eaLnBrk="1" latinLnBrk="0" hangingPunct="1">
+              <a:spcBef>
+                <a:spcPct val="20000"/>
+              </a:spcBef>
+              <a:spcAft>
+                <a:spcPts val="600"/>
+              </a:spcAft>
+              <a:buClr>
+                <a:schemeClr val="accent1"/>
+              </a:buClr>
+              <a:buSzPct val="115000"/>
+              <a:buFont typeface="Arial"/>
+              <a:buChar char="•"/>
+              <a:defRPr sz="2400" kern="1200" cap="none">
+                <a:solidFill>
+                  <a:schemeClr val="tx1">
+                    <a:lumMod val="85000"/>
+                    <a:lumOff val="15000"/>
+                  </a:schemeClr>
+                </a:solidFill>
+                <a:effectLst/>
+                <a:latin typeface="+mn-lt"/>
+                <a:ea typeface="+mn-ea"/>
+                <a:cs typeface="+mn-cs"/>
+              </a:defRPr>
+            </a:lvl1pPr>
+            <a:lvl2pPr marL="742950" indent="-285750" algn="l" defTabSz="457200" rtl="0" eaLnBrk="1" latinLnBrk="0" hangingPunct="1">
+              <a:spcBef>
+                <a:spcPct val="20000"/>
+              </a:spcBef>
+              <a:spcAft>
+                <a:spcPts val="600"/>
+              </a:spcAft>
+              <a:buClr>
+                <a:schemeClr val="accent1"/>
+              </a:buClr>
+              <a:buSzPct val="115000"/>
+              <a:buFont typeface="Arial"/>
+              <a:buChar char="•"/>
+              <a:defRPr sz="2000" kern="1200" cap="none">
+                <a:solidFill>
+                  <a:schemeClr val="tx1">
+                    <a:lumMod val="85000"/>
+                    <a:lumOff val="15000"/>
+                  </a:schemeClr>
+                </a:solidFill>
+                <a:effectLst/>
+                <a:latin typeface="+mn-lt"/>
+                <a:ea typeface="+mn-ea"/>
+                <a:cs typeface="+mn-cs"/>
+              </a:defRPr>
+            </a:lvl2pPr>
+            <a:lvl3pPr marL="1200150" indent="-285750" algn="l" defTabSz="457200" rtl="0" eaLnBrk="1" latinLnBrk="0" hangingPunct="1">
+              <a:spcBef>
+                <a:spcPct val="20000"/>
+              </a:spcBef>
+              <a:spcAft>
+                <a:spcPts val="600"/>
+              </a:spcAft>
+              <a:buClr>
+                <a:schemeClr val="accent1"/>
+              </a:buClr>
+              <a:buSzPct val="115000"/>
+              <a:buFont typeface="Arial"/>
+              <a:buChar char="•"/>
+              <a:defRPr sz="1800" kern="1200" cap="none">
+                <a:solidFill>
+                  <a:schemeClr val="tx1">
+                    <a:lumMod val="85000"/>
+                    <a:lumOff val="15000"/>
+                  </a:schemeClr>
+                </a:solidFill>
+                <a:effectLst/>
+                <a:latin typeface="+mn-lt"/>
+                <a:ea typeface="+mn-ea"/>
+                <a:cs typeface="+mn-cs"/>
+              </a:defRPr>
+            </a:lvl3pPr>
+            <a:lvl4pPr marL="1543050" indent="-171450" algn="l" defTabSz="457200" rtl="0" eaLnBrk="1" latinLnBrk="0" hangingPunct="1">
+              <a:spcBef>
+                <a:spcPct val="20000"/>
+              </a:spcBef>
+              <a:spcAft>
+                <a:spcPts val="600"/>
+              </a:spcAft>
+              <a:buClr>
+                <a:schemeClr val="accent1"/>
+              </a:buClr>
+              <a:buSzPct val="115000"/>
+              <a:buFont typeface="Arial"/>
+              <a:buChar char="•"/>
+              <a:defRPr sz="1600" kern="1200" cap="none">
+                <a:solidFill>
+                  <a:schemeClr val="tx1">
+                    <a:lumMod val="85000"/>
+                    <a:lumOff val="15000"/>
+                  </a:schemeClr>
+                </a:solidFill>
+                <a:effectLst/>
+                <a:latin typeface="+mn-lt"/>
+                <a:ea typeface="+mn-ea"/>
+                <a:cs typeface="+mn-cs"/>
+              </a:defRPr>
+            </a:lvl4pPr>
+            <a:lvl5pPr marL="2000250" indent="-171450" algn="l" defTabSz="457200" rtl="0" eaLnBrk="1" latinLnBrk="0" hangingPunct="1">
+              <a:spcBef>
+                <a:spcPct val="20000"/>
+              </a:spcBef>
+              <a:spcAft>
+                <a:spcPts val="600"/>
+              </a:spcAft>
+              <a:buClr>
+                <a:schemeClr val="accent1"/>
+              </a:buClr>
+              <a:buSzPct val="115000"/>
+              <a:buFont typeface="Arial"/>
+              <a:buChar char="•"/>
+              <a:defRPr sz="1400" kern="1200" cap="none">
+                <a:solidFill>
+                  <a:schemeClr val="tx1">
+                    <a:lumMod val="85000"/>
+                    <a:lumOff val="15000"/>
+                  </a:schemeClr>
+                </a:solidFill>
+                <a:effectLst/>
+                <a:latin typeface="+mn-lt"/>
+                <a:ea typeface="+mn-ea"/>
+                <a:cs typeface="+mn-cs"/>
+              </a:defRPr>
+            </a:lvl5pPr>
+            <a:lvl6pPr marL="2514600" indent="-228600" algn="l" defTabSz="457200" rtl="0" eaLnBrk="1" latinLnBrk="0" hangingPunct="1">
+              <a:spcBef>
+                <a:spcPct val="20000"/>
+              </a:spcBef>
+              <a:spcAft>
+                <a:spcPts val="600"/>
+              </a:spcAft>
+              <a:buClr>
+                <a:schemeClr val="accent1"/>
+              </a:buClr>
+              <a:buSzPct val="115000"/>
+              <a:buFont typeface="Arial"/>
+              <a:buChar char="•"/>
+              <a:defRPr sz="1400" kern="1200" cap="none">
+                <a:solidFill>
+                  <a:schemeClr val="tx1">
+                    <a:lumMod val="85000"/>
+                    <a:lumOff val="15000"/>
+                  </a:schemeClr>
+                </a:solidFill>
+                <a:effectLst/>
+                <a:latin typeface="+mn-lt"/>
+                <a:ea typeface="+mn-ea"/>
+                <a:cs typeface="+mn-cs"/>
+              </a:defRPr>
+            </a:lvl6pPr>
+            <a:lvl7pPr marL="2971800" indent="-228600" algn="l" defTabSz="457200" rtl="0" eaLnBrk="1" latinLnBrk="0" hangingPunct="1">
+              <a:spcBef>
+                <a:spcPct val="20000"/>
+              </a:spcBef>
+              <a:spcAft>
+                <a:spcPts val="600"/>
+              </a:spcAft>
+              <a:buClr>
+                <a:schemeClr val="accent1"/>
+              </a:buClr>
+              <a:buSzPct val="115000"/>
+              <a:buFont typeface="Arial"/>
+              <a:buChar char="•"/>
+              <a:defRPr sz="1400" kern="1200" cap="none">
+                <a:solidFill>
+                  <a:schemeClr val="tx1">
+                    <a:lumMod val="85000"/>
+                    <a:lumOff val="15000"/>
+                  </a:schemeClr>
+                </a:solidFill>
+                <a:effectLst/>
+                <a:latin typeface="+mn-lt"/>
+                <a:ea typeface="+mn-ea"/>
+                <a:cs typeface="+mn-cs"/>
+              </a:defRPr>
+            </a:lvl7pPr>
+            <a:lvl8pPr marL="3429000" indent="-228600" algn="l" defTabSz="457200" rtl="0" eaLnBrk="1" latinLnBrk="0" hangingPunct="1">
+              <a:spcBef>
+                <a:spcPct val="20000"/>
+              </a:spcBef>
+              <a:spcAft>
+                <a:spcPts val="600"/>
+              </a:spcAft>
+              <a:buClr>
+                <a:schemeClr val="accent1"/>
+              </a:buClr>
+              <a:buSzPct val="115000"/>
+              <a:buFont typeface="Arial"/>
+              <a:buChar char="•"/>
+              <a:defRPr sz="1400" kern="1200" cap="none">
+                <a:solidFill>
+                  <a:schemeClr val="tx1">
+                    <a:lumMod val="85000"/>
+                    <a:lumOff val="15000"/>
+                  </a:schemeClr>
+                </a:solidFill>
+                <a:effectLst/>
+                <a:latin typeface="+mn-lt"/>
+                <a:ea typeface="+mn-ea"/>
+                <a:cs typeface="+mn-cs"/>
+              </a:defRPr>
+            </a:lvl8pPr>
+            <a:lvl9pPr marL="3886200" indent="-228600" algn="l" defTabSz="457200" rtl="0" eaLnBrk="1" latinLnBrk="0" hangingPunct="1">
+              <a:spcBef>
+                <a:spcPct val="20000"/>
+              </a:spcBef>
+              <a:spcAft>
+                <a:spcPts val="600"/>
+              </a:spcAft>
+              <a:buClr>
+                <a:schemeClr val="accent1"/>
+              </a:buClr>
+              <a:buSzPct val="115000"/>
+              <a:buFont typeface="Arial"/>
+              <a:buChar char="•"/>
+              <a:defRPr sz="1400" kern="1200" cap="none">
+                <a:solidFill>
+                  <a:schemeClr val="tx1">
+                    <a:lumMod val="85000"/>
+                    <a:lumOff val="15000"/>
+                  </a:schemeClr>
+                </a:solidFill>
+                <a:effectLst/>
+                <a:latin typeface="+mn-lt"/>
+                <a:ea typeface="+mn-ea"/>
+                <a:cs typeface="+mn-cs"/>
+              </a:defRPr>
+            </a:lvl9pPr>
+          </a:lstStyle>
+          <a:p>
+            <a:pPr lvl="1"/>
+            <a:endParaRPr lang="en-US" dirty="0"/>
+          </a:p>
+          <a:p>
+            <a:pPr lvl="1"/>
+            <a:endParaRPr lang="en-US" dirty="0"/>
+          </a:p>
+          <a:p>
+            <a:endParaRPr lang="en-US" dirty="0"/>
+          </a:p>
+        </p:txBody>
+      </p:sp>
+      <p:sp>
+        <p:nvSpPr>
+          <p:cNvPr id="6" name="Scroll: Vertical 5">
+            <a:extLst>
+              <a:ext uri="{FF2B5EF4-FFF2-40B4-BE49-F238E27FC236}">
+                <a16:creationId xmlns:a16="http://schemas.microsoft.com/office/drawing/2014/main" id="{1B1E4B32-2B19-46A9-B83E-C6018AE4EFC4}"/>
+              </a:ext>
+            </a:extLst>
+          </p:cNvPr>
+          <p:cNvSpPr/>
+          <p:nvPr/>
+        </p:nvSpPr>
+        <p:spPr>
+          <a:xfrm>
+            <a:off x="7476392" y="2636162"/>
+            <a:ext cx="3727939" cy="3239706"/>
+          </a:xfrm>
+          <a:prstGeom prst="verticalScroll">
+            <a:avLst/>
+          </a:prstGeom>
+        </p:spPr>
+        <p:style>
+          <a:lnRef idx="2">
+            <a:schemeClr val="accent1">
+              <a:shade val="50000"/>
+            </a:schemeClr>
+          </a:lnRef>
+          <a:fillRef idx="1">
+            <a:schemeClr val="accent1"/>
+          </a:fillRef>
+          <a:effectRef idx="0">
+            <a:schemeClr val="accent1"/>
+          </a:effectRef>
+          <a:fontRef idx="minor">
+            <a:schemeClr val="lt1"/>
+          </a:fontRef>
+        </p:style>
+        <p:txBody>
+          <a:bodyPr rtlCol="0" anchor="ctr"/>
+          <a:lstStyle/>
+          <a:p>
+            <a:pPr algn="ctr"/>
+            <a:endParaRPr lang="en-US" u="sng" dirty="0"/>
+          </a:p>
+          <a:p>
+            <a:pPr algn="ctr"/>
+            <a:r>
+              <a:rPr lang="en-US" u="sng" dirty="0"/>
+              <a:t>Definition of the best state to live and work in (our criteria)</a:t>
+            </a:r>
+          </a:p>
+          <a:p>
+            <a:pPr lvl="1"/>
+            <a:r>
+              <a:rPr lang="en-US" dirty="0"/>
+              <a:t>- Modest to high salary range</a:t>
+            </a:r>
+          </a:p>
+          <a:p>
+            <a:pPr lvl="1"/>
+            <a:r>
+              <a:rPr lang="en-US" dirty="0"/>
+              <a:t>- Low crime and unemployment rate</a:t>
+            </a:r>
+          </a:p>
+          <a:p>
+            <a:pPr lvl="1"/>
+            <a:r>
+              <a:rPr lang="en-US" dirty="0"/>
+              <a:t>- Climate with no extreme condition e.g. hurricane, tornado, snow blizzard</a:t>
+            </a:r>
+          </a:p>
+          <a:p>
+            <a:pPr algn="ctr"/>
+            <a:endParaRPr lang="en-US" dirty="0"/>
+          </a:p>
+        </p:txBody>
+      </p:sp>
+    </p:spTree>
+    <p:extLst>
+      <p:ext uri="{BB962C8B-B14F-4D97-AF65-F5344CB8AC3E}">
+        <p14:creationId xmlns:p14="http://schemas.microsoft.com/office/powerpoint/2010/main" val="3158564194"/>
+      </p:ext>
+    </p:extLst>
+  </p:cSld>
+  <p:clrMapOvr>
+    <a:masterClrMapping/>
+  </p:clrMapOvr>
+</p:sld>
+</file>
+
+<file path=ppt/slides/slide7.xml><?xml version="1.0" encoding="utf-8"?>
+<p:sld xmlns:a="http://schemas.openxmlformats.org/drawingml/2006/main" xmlns:r="http://schemas.openxmlformats.org/officeDocument/2006/relationships" xmlns:p="http://schemas.openxmlformats.org/presentationml/2006/main">
+  <p:cSld>
+    <p:spTree>
+      <p:nvGrpSpPr>
+        <p:cNvPr id="1" name=""/>
+        <p:cNvGrpSpPr/>
+        <p:nvPr/>
+      </p:nvGrpSpPr>
+      <p:grpSpPr>
+        <a:xfrm>
+          <a:off x="0" y="0"/>
+          <a:ext cx="0" cy="0"/>
+          <a:chOff x="0" y="0"/>
+          <a:chExt cx="0" cy="0"/>
+        </a:xfrm>
+      </p:grpSpPr>
+      <p:sp>
+        <p:nvSpPr>
+          <p:cNvPr id="2" name="Title 1">
+            <a:extLst>
+              <a:ext uri="{FF2B5EF4-FFF2-40B4-BE49-F238E27FC236}">
+                <a16:creationId xmlns:a16="http://schemas.microsoft.com/office/drawing/2014/main" id="{1917A588-6B43-4326-8CEE-B31FA8CC4FDB}"/>
+              </a:ext>
+            </a:extLst>
+          </p:cNvPr>
+          <p:cNvSpPr>
+            <a:spLocks noGrp="1"/>
+          </p:cNvSpPr>
+          <p:nvPr>
+            <p:ph type="title"/>
+          </p:nvPr>
+        </p:nvSpPr>
+        <p:spPr/>
+        <p:txBody>
+          <a:bodyPr/>
+          <a:lstStyle/>
+          <a:p>
+            <a:r>
+              <a:rPr lang="en-US" dirty="0"/>
+              <a:t>Year 2018 Supporting Datasets</a:t>
+            </a:r>
+          </a:p>
+        </p:txBody>
+      </p:sp>
+      <p:sp>
+        <p:nvSpPr>
+          <p:cNvPr id="4" name="Rectangle 3">
+            <a:extLst>
+              <a:ext uri="{FF2B5EF4-FFF2-40B4-BE49-F238E27FC236}">
+                <a16:creationId xmlns:a16="http://schemas.microsoft.com/office/drawing/2014/main" id="{982B98E6-7640-4E5E-AE9A-932FDB07F887}"/>
+              </a:ext>
+            </a:extLst>
+          </p:cNvPr>
+          <p:cNvSpPr/>
+          <p:nvPr/>
+        </p:nvSpPr>
+        <p:spPr>
+          <a:xfrm>
+            <a:off x="5291503" y="3518101"/>
+            <a:ext cx="1608993" cy="1222131"/>
+          </a:xfrm>
+          <a:prstGeom prst="rect">
+            <a:avLst/>
+          </a:prstGeom>
+        </p:spPr>
+        <p:style>
+          <a:lnRef idx="2">
+            <a:schemeClr val="accent1">
+              <a:shade val="50000"/>
+            </a:schemeClr>
+          </a:lnRef>
+          <a:fillRef idx="1">
+            <a:schemeClr val="accent1"/>
+          </a:fillRef>
+          <a:effectRef idx="0">
+            <a:schemeClr val="accent1"/>
+          </a:effectRef>
+          <a:fontRef idx="minor">
+            <a:schemeClr val="lt1"/>
+          </a:fontRef>
+        </p:style>
+        <p:txBody>
+          <a:bodyPr rtlCol="0" anchor="ctr"/>
+          <a:lstStyle/>
+          <a:p>
+            <a:pPr algn="ctr"/>
+            <a:r>
+              <a:rPr lang="en-US" dirty="0"/>
+              <a:t>2018 Best State Choice  </a:t>
+            </a:r>
+          </a:p>
+        </p:txBody>
+      </p:sp>
+      <p:sp>
+        <p:nvSpPr>
+          <p:cNvPr id="5" name="Oval 4">
+            <a:extLst>
+              <a:ext uri="{FF2B5EF4-FFF2-40B4-BE49-F238E27FC236}">
+                <a16:creationId xmlns:a16="http://schemas.microsoft.com/office/drawing/2014/main" id="{FA0737F6-BE34-4171-AED3-2654FE6F5793}"/>
+              </a:ext>
+            </a:extLst>
+          </p:cNvPr>
+          <p:cNvSpPr/>
+          <p:nvPr/>
+        </p:nvSpPr>
+        <p:spPr>
+          <a:xfrm>
+            <a:off x="7491139" y="2693517"/>
+            <a:ext cx="2262549" cy="1222131"/>
+          </a:xfrm>
+          <a:prstGeom prst="ellipse">
+            <a:avLst/>
+          </a:prstGeom>
+        </p:spPr>
+        <p:style>
+          <a:lnRef idx="2">
+            <a:schemeClr val="accent1">
+              <a:shade val="50000"/>
+            </a:schemeClr>
+          </a:lnRef>
+          <a:fillRef idx="1">
+            <a:schemeClr val="accent1"/>
+          </a:fillRef>
+          <a:effectRef idx="0">
+            <a:schemeClr val="accent1"/>
+          </a:effectRef>
+          <a:fontRef idx="minor">
+            <a:schemeClr val="lt1"/>
+          </a:fontRef>
+        </p:style>
+        <p:txBody>
+          <a:bodyPr rtlCol="0" anchor="ctr"/>
+          <a:lstStyle/>
+          <a:p>
+            <a:pPr algn="ctr"/>
+            <a:r>
+              <a:rPr lang="en-US" dirty="0"/>
+              <a:t> Home Prices</a:t>
+            </a:r>
+          </a:p>
+        </p:txBody>
+      </p:sp>
+      <p:sp>
+        <p:nvSpPr>
+          <p:cNvPr id="6" name="Oval 5">
+            <a:extLst>
+              <a:ext uri="{FF2B5EF4-FFF2-40B4-BE49-F238E27FC236}">
+                <a16:creationId xmlns:a16="http://schemas.microsoft.com/office/drawing/2014/main" id="{30930C6A-0445-40E8-A2E1-0CB8F9F25F79}"/>
+              </a:ext>
+            </a:extLst>
+          </p:cNvPr>
+          <p:cNvSpPr/>
+          <p:nvPr/>
+        </p:nvSpPr>
+        <p:spPr>
+          <a:xfrm>
+            <a:off x="2610514" y="4129166"/>
+            <a:ext cx="2262552" cy="1303866"/>
+          </a:xfrm>
+          <a:prstGeom prst="ellipse">
+            <a:avLst/>
+          </a:prstGeom>
+        </p:spPr>
+        <p:style>
+          <a:lnRef idx="2">
+            <a:schemeClr val="accent1">
+              <a:shade val="50000"/>
+            </a:schemeClr>
+          </a:lnRef>
+          <a:fillRef idx="1">
+            <a:schemeClr val="accent1"/>
+          </a:fillRef>
+          <a:effectRef idx="0">
+            <a:schemeClr val="accent1"/>
+          </a:effectRef>
+          <a:fontRef idx="minor">
+            <a:schemeClr val="lt1"/>
+          </a:fontRef>
+        </p:style>
+        <p:txBody>
+          <a:bodyPr rtlCol="0" anchor="ctr"/>
+          <a:lstStyle/>
+          <a:p>
+            <a:pPr algn="ctr"/>
+            <a:r>
+              <a:rPr lang="en-US" dirty="0"/>
+              <a:t>Unemployment Rate</a:t>
+            </a:r>
+          </a:p>
+        </p:txBody>
+      </p:sp>
+      <p:sp>
+        <p:nvSpPr>
+          <p:cNvPr id="7" name="Oval 6">
+            <a:extLst>
+              <a:ext uri="{FF2B5EF4-FFF2-40B4-BE49-F238E27FC236}">
+                <a16:creationId xmlns:a16="http://schemas.microsoft.com/office/drawing/2014/main" id="{43A8C126-D91E-4B2C-9ACB-9C7498D62767}"/>
+              </a:ext>
+            </a:extLst>
+          </p:cNvPr>
+          <p:cNvSpPr/>
+          <p:nvPr/>
+        </p:nvSpPr>
+        <p:spPr>
+          <a:xfrm>
+            <a:off x="2473899" y="2693516"/>
+            <a:ext cx="2262552" cy="1222131"/>
+          </a:xfrm>
+          <a:prstGeom prst="ellipse">
+            <a:avLst/>
+          </a:prstGeom>
+        </p:spPr>
+        <p:style>
+          <a:lnRef idx="2">
+            <a:schemeClr val="accent1">
+              <a:shade val="50000"/>
+            </a:schemeClr>
+          </a:lnRef>
+          <a:fillRef idx="1">
+            <a:schemeClr val="accent1"/>
+          </a:fillRef>
+          <a:effectRef idx="0">
+            <a:schemeClr val="accent1"/>
+          </a:effectRef>
+          <a:fontRef idx="minor">
+            <a:schemeClr val="lt1"/>
+          </a:fontRef>
+        </p:style>
+        <p:txBody>
+          <a:bodyPr rtlCol="0" anchor="ctr"/>
+          <a:lstStyle/>
+          <a:p>
+            <a:pPr algn="ctr"/>
+            <a:r>
+              <a:rPr lang="en-US" dirty="0"/>
+              <a:t>Crime Rate</a:t>
+            </a:r>
+          </a:p>
+        </p:txBody>
+      </p:sp>
+      <p:sp>
+        <p:nvSpPr>
+          <p:cNvPr id="8" name="Oval 7">
+            <a:extLst>
+              <a:ext uri="{FF2B5EF4-FFF2-40B4-BE49-F238E27FC236}">
+                <a16:creationId xmlns:a16="http://schemas.microsoft.com/office/drawing/2014/main" id="{93E43BBF-BD00-4285-8CFA-BC114AC1E2F7}"/>
+              </a:ext>
+            </a:extLst>
+          </p:cNvPr>
+          <p:cNvSpPr/>
+          <p:nvPr/>
+        </p:nvSpPr>
+        <p:spPr>
+          <a:xfrm>
+            <a:off x="7649080" y="4129166"/>
+            <a:ext cx="2262549" cy="1222131"/>
+          </a:xfrm>
+          <a:prstGeom prst="ellipse">
+            <a:avLst/>
+          </a:prstGeom>
+        </p:spPr>
+        <p:style>
+          <a:lnRef idx="2">
+            <a:schemeClr val="accent1">
+              <a:shade val="50000"/>
+            </a:schemeClr>
+          </a:lnRef>
+          <a:fillRef idx="1">
+            <a:schemeClr val="accent1"/>
+          </a:fillRef>
+          <a:effectRef idx="0">
+            <a:schemeClr val="accent1"/>
+          </a:effectRef>
+          <a:fontRef idx="minor">
+            <a:schemeClr val="lt1"/>
+          </a:fontRef>
+        </p:style>
+        <p:txBody>
+          <a:bodyPr rtlCol="0" anchor="ctr"/>
+          <a:lstStyle/>
+          <a:p>
+            <a:pPr algn="ctr"/>
+            <a:r>
+              <a:rPr lang="en-US" dirty="0"/>
+              <a:t>Salary</a:t>
+            </a:r>
+          </a:p>
+        </p:txBody>
+      </p:sp>
+      <p:sp>
+        <p:nvSpPr>
+          <p:cNvPr id="13" name="Oval 12">
+            <a:extLst>
+              <a:ext uri="{FF2B5EF4-FFF2-40B4-BE49-F238E27FC236}">
+                <a16:creationId xmlns:a16="http://schemas.microsoft.com/office/drawing/2014/main" id="{78A88E94-BBCA-4491-97F9-BD1AFC4AAED7}"/>
+              </a:ext>
+            </a:extLst>
+          </p:cNvPr>
+          <p:cNvSpPr/>
+          <p:nvPr/>
+        </p:nvSpPr>
+        <p:spPr>
+          <a:xfrm>
+            <a:off x="5044220" y="5007535"/>
+            <a:ext cx="2262552" cy="1222131"/>
+          </a:xfrm>
+          <a:prstGeom prst="ellipse">
+            <a:avLst/>
+          </a:prstGeom>
+        </p:spPr>
+        <p:style>
+          <a:lnRef idx="2">
+            <a:schemeClr val="accent1">
+              <a:shade val="50000"/>
+            </a:schemeClr>
+          </a:lnRef>
+          <a:fillRef idx="1">
+            <a:schemeClr val="accent1"/>
+          </a:fillRef>
+          <a:effectRef idx="0">
+            <a:schemeClr val="accent1"/>
+          </a:effectRef>
+          <a:fontRef idx="minor">
+            <a:schemeClr val="lt1"/>
+          </a:fontRef>
+        </p:style>
+        <p:txBody>
+          <a:bodyPr rtlCol="0" anchor="ctr"/>
+          <a:lstStyle/>
+          <a:p>
+            <a:pPr algn="ctr"/>
+            <a:r>
+              <a:rPr lang="en-US" dirty="0"/>
+              <a:t>State Tax</a:t>
+            </a:r>
+          </a:p>
+        </p:txBody>
+      </p:sp>
+      <p:sp>
+        <p:nvSpPr>
+          <p:cNvPr id="15" name="Oval 14">
+            <a:extLst>
+              <a:ext uri="{FF2B5EF4-FFF2-40B4-BE49-F238E27FC236}">
+                <a16:creationId xmlns:a16="http://schemas.microsoft.com/office/drawing/2014/main" id="{76474B55-D896-442F-B02F-1A9226A322EE}"/>
+              </a:ext>
+            </a:extLst>
+          </p:cNvPr>
+          <p:cNvSpPr/>
+          <p:nvPr/>
+        </p:nvSpPr>
+        <p:spPr>
+          <a:xfrm>
+            <a:off x="4934323" y="2028667"/>
+            <a:ext cx="2262552" cy="1222131"/>
+          </a:xfrm>
+          <a:prstGeom prst="ellipse">
+            <a:avLst/>
+          </a:prstGeom>
+        </p:spPr>
+        <p:style>
+          <a:lnRef idx="2">
+            <a:schemeClr val="accent1">
+              <a:shade val="50000"/>
+            </a:schemeClr>
+          </a:lnRef>
+          <a:fillRef idx="1">
+            <a:schemeClr val="accent1"/>
+          </a:fillRef>
+          <a:effectRef idx="0">
+            <a:schemeClr val="accent1"/>
+          </a:effectRef>
+          <a:fontRef idx="minor">
+            <a:schemeClr val="lt1"/>
+          </a:fontRef>
+        </p:style>
+        <p:txBody>
+          <a:bodyPr rtlCol="0" anchor="ctr"/>
+          <a:lstStyle/>
+          <a:p>
+            <a:pPr algn="ctr"/>
+            <a:r>
+              <a:rPr lang="en-US" dirty="0"/>
+              <a:t>Climate</a:t>
+            </a:r>
+          </a:p>
+        </p:txBody>
+      </p:sp>
+      <p:sp>
+        <p:nvSpPr>
+          <p:cNvPr id="3" name="Arrow: Down 2">
+            <a:extLst>
+              <a:ext uri="{FF2B5EF4-FFF2-40B4-BE49-F238E27FC236}">
+                <a16:creationId xmlns:a16="http://schemas.microsoft.com/office/drawing/2014/main" id="{900C73FB-047C-4A40-AD8B-96ADED6C32D7}"/>
+              </a:ext>
+            </a:extLst>
+          </p:cNvPr>
+          <p:cNvSpPr/>
+          <p:nvPr/>
+        </p:nvSpPr>
+        <p:spPr>
+          <a:xfrm>
+            <a:off x="6004329" y="3246907"/>
+            <a:ext cx="187488" cy="267303"/>
+          </a:xfrm>
+          <a:prstGeom prst="downArrow">
+            <a:avLst/>
+          </a:prstGeom>
+        </p:spPr>
+        <p:style>
+          <a:lnRef idx="2">
+            <a:schemeClr val="accent1">
+              <a:shade val="50000"/>
+            </a:schemeClr>
+          </a:lnRef>
+          <a:fillRef idx="1">
+            <a:schemeClr val="accent1"/>
+          </a:fillRef>
+          <a:effectRef idx="0">
+            <a:schemeClr val="accent1"/>
+          </a:effectRef>
+          <a:fontRef idx="minor">
+            <a:schemeClr val="lt1"/>
+          </a:fontRef>
+        </p:style>
+        <p:txBody>
+          <a:bodyPr rtlCol="0" anchor="ctr"/>
+          <a:lstStyle/>
+          <a:p>
+            <a:pPr algn="ctr"/>
+            <a:endParaRPr lang="en-US"/>
+          </a:p>
+        </p:txBody>
+      </p:sp>
+      <p:sp>
+        <p:nvSpPr>
+          <p:cNvPr id="16" name="Arrow: Down 15">
+            <a:extLst>
+              <a:ext uri="{FF2B5EF4-FFF2-40B4-BE49-F238E27FC236}">
+                <a16:creationId xmlns:a16="http://schemas.microsoft.com/office/drawing/2014/main" id="{D1CF0093-5ECD-469B-A44E-C8939E0EEFCB}"/>
+              </a:ext>
+            </a:extLst>
+          </p:cNvPr>
+          <p:cNvSpPr/>
+          <p:nvPr/>
+        </p:nvSpPr>
+        <p:spPr>
+          <a:xfrm rot="10800000">
+            <a:off x="6015921" y="4748089"/>
+            <a:ext cx="187488" cy="267303"/>
+          </a:xfrm>
+          <a:prstGeom prst="downArrow">
+            <a:avLst/>
+          </a:prstGeom>
+        </p:spPr>
+        <p:style>
+          <a:lnRef idx="2">
+            <a:schemeClr val="accent1">
+              <a:shade val="50000"/>
+            </a:schemeClr>
+          </a:lnRef>
+          <a:fillRef idx="1">
+            <a:schemeClr val="accent1"/>
+          </a:fillRef>
+          <a:effectRef idx="0">
+            <a:schemeClr val="accent1"/>
+          </a:effectRef>
+          <a:fontRef idx="minor">
+            <a:schemeClr val="lt1"/>
+          </a:fontRef>
+        </p:style>
+        <p:txBody>
+          <a:bodyPr rtlCol="0" anchor="ctr"/>
+          <a:lstStyle/>
+          <a:p>
+            <a:pPr algn="ctr"/>
+            <a:endParaRPr lang="en-US"/>
+          </a:p>
+        </p:txBody>
+      </p:sp>
+      <p:sp>
+        <p:nvSpPr>
+          <p:cNvPr id="17" name="Arrow: Down 16">
+            <a:extLst>
+              <a:ext uri="{FF2B5EF4-FFF2-40B4-BE49-F238E27FC236}">
+                <a16:creationId xmlns:a16="http://schemas.microsoft.com/office/drawing/2014/main" id="{FA5A3F07-8233-4F3C-BB58-7449CAF59168}"/>
+              </a:ext>
+            </a:extLst>
+          </p:cNvPr>
+          <p:cNvSpPr/>
+          <p:nvPr/>
+        </p:nvSpPr>
+        <p:spPr>
+          <a:xfrm rot="18038903">
+            <a:off x="4852624" y="3531348"/>
+            <a:ext cx="187488" cy="267303"/>
+          </a:xfrm>
+          <a:prstGeom prst="downArrow">
+            <a:avLst/>
+          </a:prstGeom>
+        </p:spPr>
+        <p:style>
+          <a:lnRef idx="2">
+            <a:schemeClr val="accent1">
+              <a:shade val="50000"/>
+            </a:schemeClr>
+          </a:lnRef>
+          <a:fillRef idx="1">
+            <a:schemeClr val="accent1"/>
+          </a:fillRef>
+          <a:effectRef idx="0">
+            <a:schemeClr val="accent1"/>
+          </a:effectRef>
+          <a:fontRef idx="minor">
+            <a:schemeClr val="lt1"/>
+          </a:fontRef>
+        </p:style>
+        <p:txBody>
+          <a:bodyPr rtlCol="0" anchor="ctr"/>
+          <a:lstStyle/>
+          <a:p>
+            <a:pPr algn="ctr"/>
+            <a:endParaRPr lang="en-US"/>
+          </a:p>
+        </p:txBody>
+      </p:sp>
+      <p:sp>
+        <p:nvSpPr>
+          <p:cNvPr id="18" name="Arrow: Down 17">
+            <a:extLst>
+              <a:ext uri="{FF2B5EF4-FFF2-40B4-BE49-F238E27FC236}">
+                <a16:creationId xmlns:a16="http://schemas.microsoft.com/office/drawing/2014/main" id="{2C53E121-7676-43EB-BCEF-226655D34ECB}"/>
+              </a:ext>
+            </a:extLst>
+          </p:cNvPr>
+          <p:cNvSpPr/>
+          <p:nvPr/>
+        </p:nvSpPr>
+        <p:spPr>
+          <a:xfrm rot="3073007">
+            <a:off x="7168954" y="3531347"/>
+            <a:ext cx="187488" cy="267303"/>
+          </a:xfrm>
+          <a:prstGeom prst="downArrow">
+            <a:avLst/>
+          </a:prstGeom>
+        </p:spPr>
+        <p:style>
+          <a:lnRef idx="2">
+            <a:schemeClr val="accent1">
+              <a:shade val="50000"/>
+            </a:schemeClr>
+          </a:lnRef>
+          <a:fillRef idx="1">
+            <a:schemeClr val="accent1"/>
+          </a:fillRef>
+          <a:effectRef idx="0">
+            <a:schemeClr val="accent1"/>
+          </a:effectRef>
+          <a:fontRef idx="minor">
+            <a:schemeClr val="lt1"/>
+          </a:fontRef>
+        </p:style>
+        <p:txBody>
+          <a:bodyPr rtlCol="0" anchor="ctr"/>
+          <a:lstStyle/>
+          <a:p>
+            <a:pPr algn="ctr"/>
+            <a:endParaRPr lang="en-US"/>
+          </a:p>
+        </p:txBody>
+      </p:sp>
+      <p:sp>
+        <p:nvSpPr>
+          <p:cNvPr id="19" name="Arrow: Down 18">
+            <a:extLst>
+              <a:ext uri="{FF2B5EF4-FFF2-40B4-BE49-F238E27FC236}">
+                <a16:creationId xmlns:a16="http://schemas.microsoft.com/office/drawing/2014/main" id="{3B1A1EF7-00CF-45A1-819E-C401B47DAFDC}"/>
+              </a:ext>
+            </a:extLst>
+          </p:cNvPr>
+          <p:cNvSpPr/>
+          <p:nvPr/>
+        </p:nvSpPr>
+        <p:spPr>
+          <a:xfrm rot="13460410">
+            <a:off x="4934323" y="4465070"/>
+            <a:ext cx="187488" cy="267303"/>
+          </a:xfrm>
+          <a:prstGeom prst="downArrow">
+            <a:avLst/>
+          </a:prstGeom>
+        </p:spPr>
+        <p:style>
+          <a:lnRef idx="2">
+            <a:schemeClr val="accent1">
+              <a:shade val="50000"/>
+            </a:schemeClr>
+          </a:lnRef>
+          <a:fillRef idx="1">
+            <a:schemeClr val="accent1"/>
+          </a:fillRef>
+          <a:effectRef idx="0">
+            <a:schemeClr val="accent1"/>
+          </a:effectRef>
+          <a:fontRef idx="minor">
+            <a:schemeClr val="lt1"/>
+          </a:fontRef>
+        </p:style>
+        <p:txBody>
+          <a:bodyPr rtlCol="0" anchor="ctr"/>
+          <a:lstStyle/>
+          <a:p>
+            <a:pPr algn="ctr"/>
+            <a:endParaRPr lang="en-US"/>
+          </a:p>
+        </p:txBody>
+      </p:sp>
+      <p:sp>
+        <p:nvSpPr>
+          <p:cNvPr id="20" name="Arrow: Down 19">
+            <a:extLst>
+              <a:ext uri="{FF2B5EF4-FFF2-40B4-BE49-F238E27FC236}">
+                <a16:creationId xmlns:a16="http://schemas.microsoft.com/office/drawing/2014/main" id="{99DA2F21-4B74-40D7-B647-6C0A4B1FDF20}"/>
+              </a:ext>
+            </a:extLst>
+          </p:cNvPr>
+          <p:cNvSpPr/>
+          <p:nvPr/>
+        </p:nvSpPr>
+        <p:spPr>
+          <a:xfrm rot="7692649">
+            <a:off x="7230970" y="4491118"/>
+            <a:ext cx="187488" cy="267303"/>
+          </a:xfrm>
+          <a:prstGeom prst="downArrow">
+            <a:avLst/>
+          </a:prstGeom>
+        </p:spPr>
+        <p:style>
+          <a:lnRef idx="2">
+            <a:schemeClr val="accent1">
+              <a:shade val="50000"/>
+            </a:schemeClr>
+          </a:lnRef>
+          <a:fillRef idx="1">
+            <a:schemeClr val="accent1"/>
+          </a:fillRef>
+          <a:effectRef idx="0">
+            <a:schemeClr val="accent1"/>
+          </a:effectRef>
+          <a:fontRef idx="minor">
+            <a:schemeClr val="lt1"/>
+          </a:fontRef>
+        </p:style>
+        <p:txBody>
+          <a:bodyPr rtlCol="0" anchor="ctr"/>
+          <a:lstStyle/>
+          <a:p>
+            <a:pPr algn="ctr"/>
+            <a:endParaRPr lang="en-US"/>
+          </a:p>
+        </p:txBody>
+      </p:sp>
+    </p:spTree>
+    <p:extLst>
+      <p:ext uri="{BB962C8B-B14F-4D97-AF65-F5344CB8AC3E}">
+        <p14:creationId xmlns:p14="http://schemas.microsoft.com/office/powerpoint/2010/main" val="3565895848"/>
+      </p:ext>
+    </p:extLst>
+  </p:cSld>
+  <p:clrMapOvr>
+    <a:masterClrMapping/>
+  </p:clrMapOvr>
+</p:sld>
+</file>
+
+<file path=ppt/slides/slide8.xml><?xml version="1.0" encoding="utf-8"?>
+<p:sld xmlns:a="http://schemas.openxmlformats.org/drawingml/2006/main" xmlns:r="http://schemas.openxmlformats.org/officeDocument/2006/relationships" xmlns:p="http://schemas.openxmlformats.org/presentationml/2006/main">
+  <p:cSld>
+    <p:spTree>
+      <p:nvGrpSpPr>
+        <p:cNvPr id="1" name=""/>
+        <p:cNvGrpSpPr/>
+        <p:nvPr/>
+      </p:nvGrpSpPr>
+      <p:grpSpPr>
+        <a:xfrm>
+          <a:off x="0" y="0"/>
+          <a:ext cx="0" cy="0"/>
+          <a:chOff x="0" y="0"/>
+          <a:chExt cx="0" cy="0"/>
+        </a:xfrm>
+      </p:grpSpPr>
+      <p:sp>
+        <p:nvSpPr>
+          <p:cNvPr id="2" name="Title 1">
+            <a:extLst>
+              <a:ext uri="{FF2B5EF4-FFF2-40B4-BE49-F238E27FC236}">
+                <a16:creationId xmlns:a16="http://schemas.microsoft.com/office/drawing/2014/main" id="{1917A588-6B43-4326-8CEE-B31FA8CC4FDB}"/>
+              </a:ext>
+            </a:extLst>
+          </p:cNvPr>
+          <p:cNvSpPr>
+            <a:spLocks noGrp="1"/>
+          </p:cNvSpPr>
+          <p:nvPr>
+            <p:ph type="title"/>
+          </p:nvPr>
+        </p:nvSpPr>
+        <p:spPr/>
+        <p:txBody>
           <a:bodyPr/>
           <a:lstStyle/>
           <a:p>
@@ -11107,7 +12469,7 @@
 </p:sld>
 </file>
 
-<file path=ppt/slides/slide7.xml><?xml version="1.0" encoding="utf-8"?>
+<file path=ppt/slides/slide9.xml><?xml version="1.0" encoding="utf-8"?>
 <p:sld xmlns:a="http://schemas.openxmlformats.org/drawingml/2006/main" xmlns:r="http://schemas.openxmlformats.org/officeDocument/2006/relationships" xmlns:p="http://schemas.openxmlformats.org/presentationml/2006/main">
   <p:cSld>
     <p:spTree>
@@ -13254,892 +14616,6 @@
 </p:sld>
 </file>
 
-<file path=ppt/slides/slide8.xml><?xml version="1.0" encoding="utf-8"?>
-<p:sld xmlns:a="http://schemas.openxmlformats.org/drawingml/2006/main" xmlns:r="http://schemas.openxmlformats.org/officeDocument/2006/relationships" xmlns:p="http://schemas.openxmlformats.org/presentationml/2006/main">
-  <p:cSld>
-    <p:spTree>
-      <p:nvGrpSpPr>
-        <p:cNvPr id="1" name=""/>
-        <p:cNvGrpSpPr/>
-        <p:nvPr/>
-      </p:nvGrpSpPr>
-      <p:grpSpPr>
-        <a:xfrm>
-          <a:off x="0" y="0"/>
-          <a:ext cx="0" cy="0"/>
-          <a:chOff x="0" y="0"/>
-          <a:chExt cx="0" cy="0"/>
-        </a:xfrm>
-      </p:grpSpPr>
-      <p:sp>
-        <p:nvSpPr>
-          <p:cNvPr id="2" name="Title 1">
-            <a:extLst>
-              <a:ext uri="{FF2B5EF4-FFF2-40B4-BE49-F238E27FC236}">
-                <a16:creationId xmlns:a16="http://schemas.microsoft.com/office/drawing/2014/main" id="{1917A588-6B43-4326-8CEE-B31FA8CC4FDB}"/>
-              </a:ext>
-            </a:extLst>
-          </p:cNvPr>
-          <p:cNvSpPr>
-            <a:spLocks noGrp="1"/>
-          </p:cNvSpPr>
-          <p:nvPr>
-            <p:ph type="title"/>
-          </p:nvPr>
-        </p:nvSpPr>
-        <p:spPr/>
-        <p:txBody>
-          <a:bodyPr>
-            <a:normAutofit fontScale="90000"/>
-          </a:bodyPr>
-          <a:lstStyle/>
-          <a:p>
-            <a:r>
-              <a:rPr lang="en-US" dirty="0"/>
-              <a:t>Questions &amp; Criteria </a:t>
-            </a:r>
-            <a:br>
-              <a:rPr lang="en-US" dirty="0"/>
-            </a:br>
-            <a:r>
-              <a:rPr lang="en-US" dirty="0"/>
-              <a:t>Driving to Conclusion</a:t>
-            </a:r>
-          </a:p>
-        </p:txBody>
-      </p:sp>
-      <p:sp>
-        <p:nvSpPr>
-          <p:cNvPr id="3" name="Content Placeholder 2">
-            <a:extLst>
-              <a:ext uri="{FF2B5EF4-FFF2-40B4-BE49-F238E27FC236}">
-                <a16:creationId xmlns:a16="http://schemas.microsoft.com/office/drawing/2014/main" id="{F5BE9D4D-949C-4037-9F87-16CDE0EE0466}"/>
-              </a:ext>
-            </a:extLst>
-          </p:cNvPr>
-          <p:cNvSpPr>
-            <a:spLocks noGrp="1"/>
-          </p:cNvSpPr>
-          <p:nvPr>
-            <p:ph idx="1"/>
-          </p:nvPr>
-        </p:nvSpPr>
-        <p:spPr>
-          <a:xfrm>
-            <a:off x="987669" y="2539346"/>
-            <a:ext cx="6248400" cy="3492177"/>
-          </a:xfrm>
-        </p:spPr>
-        <p:txBody>
-          <a:bodyPr>
-            <a:normAutofit fontScale="92500" lnSpcReduction="10000"/>
-          </a:bodyPr>
-          <a:lstStyle/>
-          <a:p>
-            <a:r>
-              <a:rPr lang="en-US" dirty="0"/>
-              <a:t>Which state is startup business friendly (low tax)? – </a:t>
-            </a:r>
-            <a:r>
-              <a:rPr lang="en-US" dirty="0">
-                <a:solidFill>
-                  <a:srgbClr val="FF0000"/>
-                </a:solidFill>
-              </a:rPr>
-              <a:t>Tax rate and living cost (housing) </a:t>
-            </a:r>
-            <a:r>
-              <a:rPr lang="en-US" dirty="0">
-                <a:sym typeface="Wingdings" panose="05000000000000000000" pitchFamily="2" charset="2"/>
-              </a:rPr>
-              <a:t> </a:t>
-            </a:r>
-            <a:r>
-              <a:rPr lang="en-US" dirty="0" err="1">
-                <a:sym typeface="Wingdings" panose="05000000000000000000" pitchFamily="2" charset="2"/>
-              </a:rPr>
-              <a:t>Bahar</a:t>
-            </a:r>
-            <a:endParaRPr lang="en-US" dirty="0"/>
-          </a:p>
-          <a:p>
-            <a:r>
-              <a:rPr lang="en-US" dirty="0"/>
-              <a:t>Which state with low </a:t>
-            </a:r>
-            <a:r>
-              <a:rPr lang="en-US" dirty="0">
-                <a:solidFill>
-                  <a:srgbClr val="FF0000"/>
-                </a:solidFill>
-              </a:rPr>
-              <a:t>tax rate</a:t>
-            </a:r>
-            <a:r>
-              <a:rPr lang="en-US" dirty="0"/>
-              <a:t>, attracts employee? </a:t>
-            </a:r>
-            <a:r>
-              <a:rPr lang="en-US" dirty="0">
-                <a:sym typeface="Wingdings" panose="05000000000000000000" pitchFamily="2" charset="2"/>
-              </a:rPr>
-              <a:t> </a:t>
-            </a:r>
-            <a:r>
-              <a:rPr lang="en-US" dirty="0" err="1">
-                <a:sym typeface="Wingdings" panose="05000000000000000000" pitchFamily="2" charset="2"/>
-              </a:rPr>
-              <a:t>Bahar</a:t>
-            </a:r>
-            <a:endParaRPr lang="en-US" dirty="0"/>
-          </a:p>
-          <a:p>
-            <a:r>
-              <a:rPr lang="en-US" dirty="0"/>
-              <a:t>Warmer </a:t>
-            </a:r>
-            <a:r>
-              <a:rPr lang="en-US" dirty="0">
-                <a:solidFill>
-                  <a:srgbClr val="FF0000"/>
-                </a:solidFill>
-              </a:rPr>
-              <a:t>climate</a:t>
-            </a:r>
-            <a:r>
-              <a:rPr lang="en-US" dirty="0"/>
-              <a:t> preferred state to live in, correlate to home price? </a:t>
-            </a:r>
-            <a:r>
-              <a:rPr lang="en-US" dirty="0">
-                <a:sym typeface="Wingdings" panose="05000000000000000000" pitchFamily="2" charset="2"/>
-              </a:rPr>
-              <a:t> Prakash</a:t>
-            </a:r>
-            <a:r>
-              <a:rPr lang="en-US" dirty="0"/>
-              <a:t> </a:t>
-            </a:r>
-          </a:p>
-          <a:p>
-            <a:r>
-              <a:rPr lang="en-US" dirty="0"/>
-              <a:t>Lower </a:t>
-            </a:r>
-            <a:r>
-              <a:rPr lang="en-US" dirty="0">
-                <a:solidFill>
-                  <a:srgbClr val="FF0000"/>
-                </a:solidFill>
-              </a:rPr>
-              <a:t>unemployment</a:t>
-            </a:r>
-            <a:r>
-              <a:rPr lang="en-US" dirty="0"/>
-              <a:t> correlated to </a:t>
-            </a:r>
-            <a:r>
-              <a:rPr lang="en-US" dirty="0">
-                <a:solidFill>
-                  <a:srgbClr val="FF0000"/>
-                </a:solidFill>
-              </a:rPr>
-              <a:t>crime rate</a:t>
-            </a:r>
-            <a:r>
-              <a:rPr lang="en-US" dirty="0"/>
-              <a:t>? </a:t>
-            </a:r>
-            <a:r>
-              <a:rPr lang="en-US" dirty="0">
-                <a:sym typeface="Wingdings" panose="05000000000000000000" pitchFamily="2" charset="2"/>
-              </a:rPr>
-              <a:t></a:t>
-            </a:r>
-            <a:r>
-              <a:rPr lang="en-US" dirty="0"/>
-              <a:t> Catherine</a:t>
-            </a:r>
-          </a:p>
-          <a:p>
-            <a:r>
-              <a:rPr lang="en-US" dirty="0"/>
-              <a:t>Higher </a:t>
-            </a:r>
-            <a:r>
-              <a:rPr lang="en-US" dirty="0">
-                <a:solidFill>
-                  <a:srgbClr val="FF0000"/>
-                </a:solidFill>
-              </a:rPr>
-              <a:t>salary</a:t>
-            </a:r>
-            <a:r>
-              <a:rPr lang="en-US" dirty="0"/>
-              <a:t> states are the preferred ones? </a:t>
-            </a:r>
-            <a:r>
-              <a:rPr lang="en-US" dirty="0">
-                <a:sym typeface="Wingdings" panose="05000000000000000000" pitchFamily="2" charset="2"/>
-              </a:rPr>
-              <a:t> Molly</a:t>
-            </a:r>
-            <a:endParaRPr lang="en-US" dirty="0"/>
-          </a:p>
-          <a:p>
-            <a:pPr lvl="1"/>
-            <a:endParaRPr lang="en-US" dirty="0"/>
-          </a:p>
-          <a:p>
-            <a:pPr lvl="1"/>
-            <a:endParaRPr lang="en-US" dirty="0"/>
-          </a:p>
-          <a:p>
-            <a:endParaRPr lang="en-US" dirty="0"/>
-          </a:p>
-        </p:txBody>
-      </p:sp>
-      <p:sp>
-        <p:nvSpPr>
-          <p:cNvPr id="5" name="Content Placeholder 2">
-            <a:extLst>
-              <a:ext uri="{FF2B5EF4-FFF2-40B4-BE49-F238E27FC236}">
-                <a16:creationId xmlns:a16="http://schemas.microsoft.com/office/drawing/2014/main" id="{3ED0AAB7-D745-423C-999E-CCDB6E786B48}"/>
-              </a:ext>
-            </a:extLst>
-          </p:cNvPr>
-          <p:cNvSpPr txBox="1">
-            <a:spLocks/>
-          </p:cNvSpPr>
-          <p:nvPr/>
-        </p:nvSpPr>
-        <p:spPr>
-          <a:xfrm rot="1197067">
-            <a:off x="7532356" y="3192790"/>
-            <a:ext cx="3681946" cy="2384248"/>
-          </a:xfrm>
-          <a:prstGeom prst="rect">
-            <a:avLst/>
-          </a:prstGeom>
-        </p:spPr>
-        <p:txBody>
-          <a:bodyPr vert="horz" lIns="91440" tIns="45720" rIns="91440" bIns="45720" rtlCol="0" anchor="t">
-            <a:normAutofit/>
-          </a:bodyPr>
-          <a:lstStyle>
-            <a:lvl1pPr marL="285750" indent="-285750" algn="l" defTabSz="457200" rtl="0" eaLnBrk="1" latinLnBrk="0" hangingPunct="1">
-              <a:spcBef>
-                <a:spcPct val="20000"/>
-              </a:spcBef>
-              <a:spcAft>
-                <a:spcPts val="600"/>
-              </a:spcAft>
-              <a:buClr>
-                <a:schemeClr val="accent1"/>
-              </a:buClr>
-              <a:buSzPct val="115000"/>
-              <a:buFont typeface="Arial"/>
-              <a:buChar char="•"/>
-              <a:defRPr sz="2400" kern="1200" cap="none">
-                <a:solidFill>
-                  <a:schemeClr val="tx1">
-                    <a:lumMod val="85000"/>
-                    <a:lumOff val="15000"/>
-                  </a:schemeClr>
-                </a:solidFill>
-                <a:effectLst/>
-                <a:latin typeface="+mn-lt"/>
-                <a:ea typeface="+mn-ea"/>
-                <a:cs typeface="+mn-cs"/>
-              </a:defRPr>
-            </a:lvl1pPr>
-            <a:lvl2pPr marL="742950" indent="-285750" algn="l" defTabSz="457200" rtl="0" eaLnBrk="1" latinLnBrk="0" hangingPunct="1">
-              <a:spcBef>
-                <a:spcPct val="20000"/>
-              </a:spcBef>
-              <a:spcAft>
-                <a:spcPts val="600"/>
-              </a:spcAft>
-              <a:buClr>
-                <a:schemeClr val="accent1"/>
-              </a:buClr>
-              <a:buSzPct val="115000"/>
-              <a:buFont typeface="Arial"/>
-              <a:buChar char="•"/>
-              <a:defRPr sz="2000" kern="1200" cap="none">
-                <a:solidFill>
-                  <a:schemeClr val="tx1">
-                    <a:lumMod val="85000"/>
-                    <a:lumOff val="15000"/>
-                  </a:schemeClr>
-                </a:solidFill>
-                <a:effectLst/>
-                <a:latin typeface="+mn-lt"/>
-                <a:ea typeface="+mn-ea"/>
-                <a:cs typeface="+mn-cs"/>
-              </a:defRPr>
-            </a:lvl2pPr>
-            <a:lvl3pPr marL="1200150" indent="-285750" algn="l" defTabSz="457200" rtl="0" eaLnBrk="1" latinLnBrk="0" hangingPunct="1">
-              <a:spcBef>
-                <a:spcPct val="20000"/>
-              </a:spcBef>
-              <a:spcAft>
-                <a:spcPts val="600"/>
-              </a:spcAft>
-              <a:buClr>
-                <a:schemeClr val="accent1"/>
-              </a:buClr>
-              <a:buSzPct val="115000"/>
-              <a:buFont typeface="Arial"/>
-              <a:buChar char="•"/>
-              <a:defRPr sz="1800" kern="1200" cap="none">
-                <a:solidFill>
-                  <a:schemeClr val="tx1">
-                    <a:lumMod val="85000"/>
-                    <a:lumOff val="15000"/>
-                  </a:schemeClr>
-                </a:solidFill>
-                <a:effectLst/>
-                <a:latin typeface="+mn-lt"/>
-                <a:ea typeface="+mn-ea"/>
-                <a:cs typeface="+mn-cs"/>
-              </a:defRPr>
-            </a:lvl3pPr>
-            <a:lvl4pPr marL="1543050" indent="-171450" algn="l" defTabSz="457200" rtl="0" eaLnBrk="1" latinLnBrk="0" hangingPunct="1">
-              <a:spcBef>
-                <a:spcPct val="20000"/>
-              </a:spcBef>
-              <a:spcAft>
-                <a:spcPts val="600"/>
-              </a:spcAft>
-              <a:buClr>
-                <a:schemeClr val="accent1"/>
-              </a:buClr>
-              <a:buSzPct val="115000"/>
-              <a:buFont typeface="Arial"/>
-              <a:buChar char="•"/>
-              <a:defRPr sz="1600" kern="1200" cap="none">
-                <a:solidFill>
-                  <a:schemeClr val="tx1">
-                    <a:lumMod val="85000"/>
-                    <a:lumOff val="15000"/>
-                  </a:schemeClr>
-                </a:solidFill>
-                <a:effectLst/>
-                <a:latin typeface="+mn-lt"/>
-                <a:ea typeface="+mn-ea"/>
-                <a:cs typeface="+mn-cs"/>
-              </a:defRPr>
-            </a:lvl4pPr>
-            <a:lvl5pPr marL="2000250" indent="-171450" algn="l" defTabSz="457200" rtl="0" eaLnBrk="1" latinLnBrk="0" hangingPunct="1">
-              <a:spcBef>
-                <a:spcPct val="20000"/>
-              </a:spcBef>
-              <a:spcAft>
-                <a:spcPts val="600"/>
-              </a:spcAft>
-              <a:buClr>
-                <a:schemeClr val="accent1"/>
-              </a:buClr>
-              <a:buSzPct val="115000"/>
-              <a:buFont typeface="Arial"/>
-              <a:buChar char="•"/>
-              <a:defRPr sz="1400" kern="1200" cap="none">
-                <a:solidFill>
-                  <a:schemeClr val="tx1">
-                    <a:lumMod val="85000"/>
-                    <a:lumOff val="15000"/>
-                  </a:schemeClr>
-                </a:solidFill>
-                <a:effectLst/>
-                <a:latin typeface="+mn-lt"/>
-                <a:ea typeface="+mn-ea"/>
-                <a:cs typeface="+mn-cs"/>
-              </a:defRPr>
-            </a:lvl5pPr>
-            <a:lvl6pPr marL="2514600" indent="-228600" algn="l" defTabSz="457200" rtl="0" eaLnBrk="1" latinLnBrk="0" hangingPunct="1">
-              <a:spcBef>
-                <a:spcPct val="20000"/>
-              </a:spcBef>
-              <a:spcAft>
-                <a:spcPts val="600"/>
-              </a:spcAft>
-              <a:buClr>
-                <a:schemeClr val="accent1"/>
-              </a:buClr>
-              <a:buSzPct val="115000"/>
-              <a:buFont typeface="Arial"/>
-              <a:buChar char="•"/>
-              <a:defRPr sz="1400" kern="1200" cap="none">
-                <a:solidFill>
-                  <a:schemeClr val="tx1">
-                    <a:lumMod val="85000"/>
-                    <a:lumOff val="15000"/>
-                  </a:schemeClr>
-                </a:solidFill>
-                <a:effectLst/>
-                <a:latin typeface="+mn-lt"/>
-                <a:ea typeface="+mn-ea"/>
-                <a:cs typeface="+mn-cs"/>
-              </a:defRPr>
-            </a:lvl6pPr>
-            <a:lvl7pPr marL="2971800" indent="-228600" algn="l" defTabSz="457200" rtl="0" eaLnBrk="1" latinLnBrk="0" hangingPunct="1">
-              <a:spcBef>
-                <a:spcPct val="20000"/>
-              </a:spcBef>
-              <a:spcAft>
-                <a:spcPts val="600"/>
-              </a:spcAft>
-              <a:buClr>
-                <a:schemeClr val="accent1"/>
-              </a:buClr>
-              <a:buSzPct val="115000"/>
-              <a:buFont typeface="Arial"/>
-              <a:buChar char="•"/>
-              <a:defRPr sz="1400" kern="1200" cap="none">
-                <a:solidFill>
-                  <a:schemeClr val="tx1">
-                    <a:lumMod val="85000"/>
-                    <a:lumOff val="15000"/>
-                  </a:schemeClr>
-                </a:solidFill>
-                <a:effectLst/>
-                <a:latin typeface="+mn-lt"/>
-                <a:ea typeface="+mn-ea"/>
-                <a:cs typeface="+mn-cs"/>
-              </a:defRPr>
-            </a:lvl7pPr>
-            <a:lvl8pPr marL="3429000" indent="-228600" algn="l" defTabSz="457200" rtl="0" eaLnBrk="1" latinLnBrk="0" hangingPunct="1">
-              <a:spcBef>
-                <a:spcPct val="20000"/>
-              </a:spcBef>
-              <a:spcAft>
-                <a:spcPts val="600"/>
-              </a:spcAft>
-              <a:buClr>
-                <a:schemeClr val="accent1"/>
-              </a:buClr>
-              <a:buSzPct val="115000"/>
-              <a:buFont typeface="Arial"/>
-              <a:buChar char="•"/>
-              <a:defRPr sz="1400" kern="1200" cap="none">
-                <a:solidFill>
-                  <a:schemeClr val="tx1">
-                    <a:lumMod val="85000"/>
-                    <a:lumOff val="15000"/>
-                  </a:schemeClr>
-                </a:solidFill>
-                <a:effectLst/>
-                <a:latin typeface="+mn-lt"/>
-                <a:ea typeface="+mn-ea"/>
-                <a:cs typeface="+mn-cs"/>
-              </a:defRPr>
-            </a:lvl8pPr>
-            <a:lvl9pPr marL="3886200" indent="-228600" algn="l" defTabSz="457200" rtl="0" eaLnBrk="1" latinLnBrk="0" hangingPunct="1">
-              <a:spcBef>
-                <a:spcPct val="20000"/>
-              </a:spcBef>
-              <a:spcAft>
-                <a:spcPts val="600"/>
-              </a:spcAft>
-              <a:buClr>
-                <a:schemeClr val="accent1"/>
-              </a:buClr>
-              <a:buSzPct val="115000"/>
-              <a:buFont typeface="Arial"/>
-              <a:buChar char="•"/>
-              <a:defRPr sz="1400" kern="1200" cap="none">
-                <a:solidFill>
-                  <a:schemeClr val="tx1">
-                    <a:lumMod val="85000"/>
-                    <a:lumOff val="15000"/>
-                  </a:schemeClr>
-                </a:solidFill>
-                <a:effectLst/>
-                <a:latin typeface="+mn-lt"/>
-                <a:ea typeface="+mn-ea"/>
-                <a:cs typeface="+mn-cs"/>
-              </a:defRPr>
-            </a:lvl9pPr>
-          </a:lstStyle>
-          <a:p>
-            <a:pPr lvl="1"/>
-            <a:endParaRPr lang="en-US" dirty="0"/>
-          </a:p>
-          <a:p>
-            <a:pPr lvl="1"/>
-            <a:endParaRPr lang="en-US" dirty="0"/>
-          </a:p>
-          <a:p>
-            <a:endParaRPr lang="en-US" dirty="0"/>
-          </a:p>
-        </p:txBody>
-      </p:sp>
-      <p:sp>
-        <p:nvSpPr>
-          <p:cNvPr id="6" name="Scroll: Vertical 5">
-            <a:extLst>
-              <a:ext uri="{FF2B5EF4-FFF2-40B4-BE49-F238E27FC236}">
-                <a16:creationId xmlns:a16="http://schemas.microsoft.com/office/drawing/2014/main" id="{1B1E4B32-2B19-46A9-B83E-C6018AE4EFC4}"/>
-              </a:ext>
-            </a:extLst>
-          </p:cNvPr>
-          <p:cNvSpPr/>
-          <p:nvPr/>
-        </p:nvSpPr>
-        <p:spPr>
-          <a:xfrm>
-            <a:off x="7476392" y="2636162"/>
-            <a:ext cx="3727939" cy="3239706"/>
-          </a:xfrm>
-          <a:prstGeom prst="verticalScroll">
-            <a:avLst/>
-          </a:prstGeom>
-        </p:spPr>
-        <p:style>
-          <a:lnRef idx="2">
-            <a:schemeClr val="accent1">
-              <a:shade val="50000"/>
-            </a:schemeClr>
-          </a:lnRef>
-          <a:fillRef idx="1">
-            <a:schemeClr val="accent1"/>
-          </a:fillRef>
-          <a:effectRef idx="0">
-            <a:schemeClr val="accent1"/>
-          </a:effectRef>
-          <a:fontRef idx="minor">
-            <a:schemeClr val="lt1"/>
-          </a:fontRef>
-        </p:style>
-        <p:txBody>
-          <a:bodyPr rtlCol="0" anchor="ctr"/>
-          <a:lstStyle/>
-          <a:p>
-            <a:pPr algn="ctr"/>
-            <a:endParaRPr lang="en-US" u="sng" dirty="0"/>
-          </a:p>
-          <a:p>
-            <a:pPr algn="ctr"/>
-            <a:r>
-              <a:rPr lang="en-US" u="sng" dirty="0"/>
-              <a:t>Definition of the best state to live and work in (our criteria)</a:t>
-            </a:r>
-          </a:p>
-          <a:p>
-            <a:pPr lvl="1"/>
-            <a:r>
-              <a:rPr lang="en-US" dirty="0"/>
-              <a:t>- Modest to high salary range</a:t>
-            </a:r>
-          </a:p>
-          <a:p>
-            <a:pPr lvl="1"/>
-            <a:r>
-              <a:rPr lang="en-US" dirty="0"/>
-              <a:t>- Low crime and unemployment rate</a:t>
-            </a:r>
-          </a:p>
-          <a:p>
-            <a:pPr lvl="1"/>
-            <a:r>
-              <a:rPr lang="en-US" dirty="0"/>
-              <a:t>- Climate with no extreme condition hurricane, tornado, snow blizzard, </a:t>
-            </a:r>
-          </a:p>
-          <a:p>
-            <a:pPr algn="ctr"/>
-            <a:endParaRPr lang="en-US" dirty="0"/>
-          </a:p>
-        </p:txBody>
-      </p:sp>
-    </p:spTree>
-    <p:extLst>
-      <p:ext uri="{BB962C8B-B14F-4D97-AF65-F5344CB8AC3E}">
-        <p14:creationId xmlns:p14="http://schemas.microsoft.com/office/powerpoint/2010/main" val="635664139"/>
-      </p:ext>
-    </p:extLst>
-  </p:cSld>
-  <p:clrMapOvr>
-    <a:masterClrMapping/>
-  </p:clrMapOvr>
-</p:sld>
-</file>
-
-<file path=ppt/slides/slide9.xml><?xml version="1.0" encoding="utf-8"?>
-<p:sld xmlns:a="http://schemas.openxmlformats.org/drawingml/2006/main" xmlns:r="http://schemas.openxmlformats.org/officeDocument/2006/relationships" xmlns:p="http://schemas.openxmlformats.org/presentationml/2006/main">
-  <p:cSld>
-    <p:spTree>
-      <p:nvGrpSpPr>
-        <p:cNvPr id="1" name=""/>
-        <p:cNvGrpSpPr/>
-        <p:nvPr/>
-      </p:nvGrpSpPr>
-      <p:grpSpPr>
-        <a:xfrm>
-          <a:off x="0" y="0"/>
-          <a:ext cx="0" cy="0"/>
-          <a:chOff x="0" y="0"/>
-          <a:chExt cx="0" cy="0"/>
-        </a:xfrm>
-      </p:grpSpPr>
-      <p:sp>
-        <p:nvSpPr>
-          <p:cNvPr id="2" name="Title 1">
-            <a:extLst>
-              <a:ext uri="{FF2B5EF4-FFF2-40B4-BE49-F238E27FC236}">
-                <a16:creationId xmlns:a16="http://schemas.microsoft.com/office/drawing/2014/main" id="{1917A588-6B43-4326-8CEE-B31FA8CC4FDB}"/>
-              </a:ext>
-            </a:extLst>
-          </p:cNvPr>
-          <p:cNvSpPr>
-            <a:spLocks noGrp="1"/>
-          </p:cNvSpPr>
-          <p:nvPr>
-            <p:ph type="title"/>
-          </p:nvPr>
-        </p:nvSpPr>
-        <p:spPr/>
-        <p:txBody>
-          <a:bodyPr>
-            <a:normAutofit fontScale="90000"/>
-          </a:bodyPr>
-          <a:lstStyle/>
-          <a:p>
-            <a:r>
-              <a:rPr lang="en-US" dirty="0"/>
-              <a:t>Things we applied in </a:t>
-            </a:r>
-            <a:br>
-              <a:rPr lang="en-US" dirty="0"/>
-            </a:br>
-            <a:r>
-              <a:rPr lang="en-US" dirty="0" err="1"/>
-              <a:t>Jupyter</a:t>
-            </a:r>
-            <a:r>
-              <a:rPr lang="en-US" dirty="0"/>
-              <a:t> Notebook</a:t>
-            </a:r>
-          </a:p>
-        </p:txBody>
-      </p:sp>
-      <p:sp>
-        <p:nvSpPr>
-          <p:cNvPr id="3" name="Content Placeholder 2">
-            <a:extLst>
-              <a:ext uri="{FF2B5EF4-FFF2-40B4-BE49-F238E27FC236}">
-                <a16:creationId xmlns:a16="http://schemas.microsoft.com/office/drawing/2014/main" id="{F5BE9D4D-949C-4037-9F87-16CDE0EE0466}"/>
-              </a:ext>
-            </a:extLst>
-          </p:cNvPr>
-          <p:cNvSpPr>
-            <a:spLocks noGrp="1"/>
-          </p:cNvSpPr>
-          <p:nvPr>
-            <p:ph idx="1"/>
-          </p:nvPr>
-        </p:nvSpPr>
-        <p:spPr>
-          <a:xfrm>
-            <a:off x="1295401" y="2556931"/>
-            <a:ext cx="9601196" cy="3597683"/>
-          </a:xfrm>
-        </p:spPr>
-        <p:txBody>
-          <a:bodyPr>
-            <a:normAutofit fontScale="92500" lnSpcReduction="10000"/>
-          </a:bodyPr>
-          <a:lstStyle/>
-          <a:p>
-            <a:r>
-              <a:rPr lang="en-US" dirty="0"/>
-              <a:t>Merge some datasets through pandas </a:t>
-            </a:r>
-            <a:r>
-              <a:rPr lang="en-US" dirty="0" err="1">
-                <a:solidFill>
-                  <a:srgbClr val="FF0000"/>
-                </a:solidFill>
-              </a:rPr>
-              <a:t>pd.merge</a:t>
-            </a:r>
-            <a:endParaRPr lang="en-US" dirty="0">
-              <a:solidFill>
-                <a:srgbClr val="FF0000"/>
-              </a:solidFill>
-            </a:endParaRPr>
-          </a:p>
-          <a:p>
-            <a:r>
-              <a:rPr lang="en-US" dirty="0"/>
-              <a:t>Cleaned up rows that’s are </a:t>
-            </a:r>
-            <a:r>
-              <a:rPr lang="en-US" dirty="0" err="1">
-                <a:solidFill>
-                  <a:srgbClr val="FF0000"/>
-                </a:solidFill>
-              </a:rPr>
-              <a:t>NaN</a:t>
-            </a:r>
-            <a:r>
-              <a:rPr lang="en-US" dirty="0">
-                <a:solidFill>
-                  <a:srgbClr val="FF0000"/>
-                </a:solidFill>
-              </a:rPr>
-              <a:t> with drop.na</a:t>
-            </a:r>
-          </a:p>
-          <a:p>
-            <a:r>
-              <a:rPr lang="en-US" dirty="0"/>
-              <a:t>Format </a:t>
-            </a:r>
-            <a:r>
-              <a:rPr lang="en-US" dirty="0" err="1"/>
-              <a:t>dataframes</a:t>
-            </a:r>
-            <a:r>
-              <a:rPr lang="en-US" dirty="0"/>
-              <a:t> column(s) if needed </a:t>
-            </a:r>
-            <a:r>
-              <a:rPr lang="en-US" dirty="0">
-                <a:solidFill>
-                  <a:srgbClr val="FF0000"/>
-                </a:solidFill>
-              </a:rPr>
-              <a:t>from string to int or float</a:t>
-            </a:r>
-          </a:p>
-          <a:p>
-            <a:r>
-              <a:rPr lang="en-US" dirty="0"/>
-              <a:t>Create </a:t>
-            </a:r>
-            <a:r>
-              <a:rPr lang="en-US" dirty="0">
-                <a:solidFill>
-                  <a:srgbClr val="FF0000"/>
-                </a:solidFill>
-              </a:rPr>
-              <a:t>new </a:t>
-            </a:r>
-            <a:r>
-              <a:rPr lang="en-US" dirty="0" err="1">
-                <a:solidFill>
-                  <a:srgbClr val="FF0000"/>
-                </a:solidFill>
-              </a:rPr>
-              <a:t>dataframe</a:t>
-            </a:r>
-            <a:r>
-              <a:rPr lang="en-US" dirty="0">
-                <a:solidFill>
-                  <a:srgbClr val="FF0000"/>
-                </a:solidFill>
-              </a:rPr>
-              <a:t> by selecting columns </a:t>
-            </a:r>
-            <a:r>
-              <a:rPr lang="en-US" dirty="0"/>
-              <a:t>that are needed for analysis </a:t>
-            </a:r>
-          </a:p>
-          <a:p>
-            <a:r>
-              <a:rPr lang="en-US" dirty="0"/>
-              <a:t>Used </a:t>
-            </a:r>
-            <a:r>
-              <a:rPr lang="en-US" dirty="0">
-                <a:solidFill>
-                  <a:srgbClr val="FF0000"/>
-                </a:solidFill>
-              </a:rPr>
-              <a:t>regression, median, mean, max, reset index, Weighted Sum approach, pandas rank and sort </a:t>
-            </a:r>
-            <a:r>
-              <a:rPr lang="en-US" dirty="0"/>
-              <a:t>to help answer questions</a:t>
-            </a:r>
-          </a:p>
-          <a:p>
-            <a:r>
-              <a:rPr lang="en-US" dirty="0"/>
-              <a:t>Applied </a:t>
-            </a:r>
-            <a:r>
-              <a:rPr lang="en-US" dirty="0">
-                <a:solidFill>
-                  <a:srgbClr val="FF0000"/>
-                </a:solidFill>
-              </a:rPr>
-              <a:t>matplotlib</a:t>
-            </a:r>
-            <a:r>
-              <a:rPr lang="en-US" dirty="0"/>
-              <a:t> for plotting charts like scatter, boxplot, bar for visualization </a:t>
-            </a:r>
-          </a:p>
-          <a:p>
-            <a:r>
-              <a:rPr lang="en-US" dirty="0"/>
-              <a:t>Made use of </a:t>
-            </a:r>
-            <a:r>
-              <a:rPr lang="en-US" dirty="0">
-                <a:solidFill>
-                  <a:srgbClr val="FF0000"/>
-                </a:solidFill>
-              </a:rPr>
-              <a:t>Google </a:t>
-            </a:r>
-            <a:r>
-              <a:rPr lang="en-US" dirty="0" err="1">
-                <a:solidFill>
-                  <a:srgbClr val="FF0000"/>
-                </a:solidFill>
-              </a:rPr>
-              <a:t>Gmap</a:t>
-            </a:r>
-            <a:r>
-              <a:rPr lang="en-US" dirty="0">
-                <a:solidFill>
-                  <a:srgbClr val="FF0000"/>
-                </a:solidFill>
-              </a:rPr>
-              <a:t> API </a:t>
-            </a:r>
-            <a:r>
-              <a:rPr lang="en-US" dirty="0"/>
-              <a:t>to display states temperature</a:t>
-            </a:r>
-          </a:p>
-          <a:p>
-            <a:pPr lvl="1"/>
-            <a:endParaRPr lang="en-US" dirty="0"/>
-          </a:p>
-          <a:p>
-            <a:endParaRPr lang="en-US" dirty="0"/>
-          </a:p>
-        </p:txBody>
-      </p:sp>
-    </p:spTree>
-    <p:extLst>
-      <p:ext uri="{BB962C8B-B14F-4D97-AF65-F5344CB8AC3E}">
-        <p14:creationId xmlns:p14="http://schemas.microsoft.com/office/powerpoint/2010/main" val="341811892"/>
-      </p:ext>
-    </p:extLst>
-  </p:cSld>
-  <p:clrMapOvr>
-    <a:masterClrMapping/>
-  </p:clrMapOvr>
-</p:sld>
-</file>
-
 <file path=ppt/theme/theme1.xml><?xml version="1.0" encoding="utf-8"?>
 <a:theme xmlns:a="http://schemas.openxmlformats.org/drawingml/2006/main" name="Organic">
   <a:themeElements>
